--- a/introducao-sd.pptx
+++ b/introducao-sd.pptx
@@ -5,7 +5,7 @@
     <p:sldMasterId id="2147484349" r:id="rId1"/>
   </p:sldMasterIdLst>
   <p:notesMasterIdLst>
-    <p:notesMasterId r:id="rId63"/>
+    <p:notesMasterId r:id="rId64"/>
   </p:notesMasterIdLst>
   <p:sldIdLst>
     <p:sldId id="266" r:id="rId2"/>
@@ -65,10 +65,11 @@
     <p:sldId id="338" r:id="rId56"/>
     <p:sldId id="341" r:id="rId57"/>
     <p:sldId id="342" r:id="rId58"/>
-    <p:sldId id="340" r:id="rId59"/>
-    <p:sldId id="339" r:id="rId60"/>
-    <p:sldId id="337" r:id="rId61"/>
-    <p:sldId id="292" r:id="rId62"/>
+    <p:sldId id="343" r:id="rId59"/>
+    <p:sldId id="340" r:id="rId60"/>
+    <p:sldId id="339" r:id="rId61"/>
+    <p:sldId id="337" r:id="rId62"/>
+    <p:sldId id="292" r:id="rId63"/>
   </p:sldIdLst>
   <p:sldSz cx="12192000" cy="6858000"/>
   <p:notesSz cx="6858000" cy="9144000"/>
@@ -257,7 +258,7 @@
           <a:p>
             <a:fld id="{7497B6E1-7C5B-524D-B5EB-5E6695205380}" type="datetimeFigureOut">
               <a:rPr lang="pt-BR" smtClean="0"/>
-              <a:t>10/03/2019</a:t>
+              <a:t>11/03/2019</a:t>
             </a:fld>
             <a:endParaRPr lang="pt-BR"/>
           </a:p>
@@ -695,7 +696,7 @@
           <a:p>
             <a:fld id="{19E7D63B-43B5-8A4C-BD12-76889BE136BD}" type="datetime1">
               <a:rPr lang="en-US" smtClean="0"/>
-              <a:t>3/10/19</a:t>
+              <a:t>3/11/19</a:t>
             </a:fld>
             <a:endParaRPr lang="en-US"/>
           </a:p>
@@ -962,7 +963,7 @@
           <a:p>
             <a:fld id="{124E9894-F119-A64C-B7CB-D7CE860A73BE}" type="datetime1">
               <a:rPr lang="en-US" smtClean="0"/>
-              <a:t>3/10/19</a:t>
+              <a:t>3/11/19</a:t>
             </a:fld>
             <a:endParaRPr lang="en-US"/>
           </a:p>
@@ -1194,7 +1195,7 @@
           <a:p>
             <a:fld id="{124E9894-F119-A64C-B7CB-D7CE860A73BE}" type="datetime1">
               <a:rPr lang="en-US" smtClean="0"/>
-              <a:t>3/10/19</a:t>
+              <a:t>3/11/19</a:t>
             </a:fld>
             <a:endParaRPr lang="en-US"/>
           </a:p>
@@ -1505,7 +1506,7 @@
           <a:p>
             <a:fld id="{124E9894-F119-A64C-B7CB-D7CE860A73BE}" type="datetime1">
               <a:rPr lang="en-US" smtClean="0"/>
-              <a:t>3/10/19</a:t>
+              <a:t>3/11/19</a:t>
             </a:fld>
             <a:endParaRPr lang="en-US"/>
           </a:p>
@@ -1979,7 +1980,7 @@
           <a:p>
             <a:fld id="{B4BBB50B-BAA3-9748-978F-08A7877AB7D9}" type="datetime1">
               <a:rPr lang="en-US" smtClean="0"/>
-              <a:t>3/10/19</a:t>
+              <a:t>3/11/19</a:t>
             </a:fld>
             <a:endParaRPr lang="en-US"/>
           </a:p>
@@ -2526,7 +2527,7 @@
           <a:p>
             <a:fld id="{124E9894-F119-A64C-B7CB-D7CE860A73BE}" type="datetime1">
               <a:rPr lang="en-US" smtClean="0"/>
-              <a:t>3/10/19</a:t>
+              <a:t>3/11/19</a:t>
             </a:fld>
             <a:endParaRPr lang="en-US"/>
           </a:p>
@@ -3301,7 +3302,7 @@
           <a:p>
             <a:fld id="{124E9894-F119-A64C-B7CB-D7CE860A73BE}" type="datetime1">
               <a:rPr lang="en-US" smtClean="0"/>
-              <a:t>3/10/19</a:t>
+              <a:t>3/11/19</a:t>
             </a:fld>
             <a:endParaRPr lang="en-US"/>
           </a:p>
@@ -3477,7 +3478,7 @@
           <a:p>
             <a:fld id="{45040DEA-CE02-EF42-8F10-34F709D8505D}" type="datetime1">
               <a:rPr lang="en-US" smtClean="0"/>
-              <a:t>3/10/19</a:t>
+              <a:t>3/11/19</a:t>
             </a:fld>
             <a:endParaRPr lang="en-US"/>
           </a:p>
@@ -3700,7 +3701,7 @@
           <a:p>
             <a:fld id="{A0C1C801-5706-434E-AB65-DDFBCF1F55D2}" type="datetime1">
               <a:rPr lang="en-US" smtClean="0"/>
-              <a:t>3/10/19</a:t>
+              <a:t>3/11/19</a:t>
             </a:fld>
             <a:endParaRPr lang="en-US"/>
           </a:p>
@@ -3880,7 +3881,7 @@
           <a:p>
             <a:fld id="{39AE0FD8-7D7B-EA4F-8AF8-8B97820A0C5D}" type="datetime1">
               <a:rPr lang="en-US" smtClean="0"/>
-              <a:t>3/10/19</a:t>
+              <a:t>3/11/19</a:t>
             </a:fld>
             <a:endParaRPr lang="en-US"/>
           </a:p>
@@ -4169,7 +4170,7 @@
           <a:p>
             <a:fld id="{7FC94D43-3F68-DC43-8EF0-95FB3D51CCCF}" type="datetime1">
               <a:rPr lang="en-US" smtClean="0"/>
-              <a:t>3/10/19</a:t>
+              <a:t>3/11/19</a:t>
             </a:fld>
             <a:endParaRPr lang="en-US"/>
           </a:p>
@@ -4411,7 +4412,7 @@
           <a:p>
             <a:fld id="{BD42CFC2-1CE8-9045-8C9C-0F183F0FB455}" type="datetime1">
               <a:rPr lang="en-US" smtClean="0"/>
-              <a:t>3/10/19</a:t>
+              <a:t>3/11/19</a:t>
             </a:fld>
             <a:endParaRPr lang="en-US"/>
           </a:p>
@@ -4790,7 +4791,7 @@
           <a:p>
             <a:fld id="{F1B5C6E2-D044-C748-9C41-86C9B2F84EB9}" type="datetime1">
               <a:rPr lang="en-US" smtClean="0"/>
-              <a:t>3/10/19</a:t>
+              <a:t>3/11/19</a:t>
             </a:fld>
             <a:endParaRPr lang="en-US"/>
           </a:p>
@@ -4908,7 +4909,7 @@
           <a:p>
             <a:fld id="{359C32BA-C166-AC45-9FCD-8BF0F43629D9}" type="datetime1">
               <a:rPr lang="en-US" smtClean="0"/>
-              <a:t>3/10/19</a:t>
+              <a:t>3/11/19</a:t>
             </a:fld>
             <a:endParaRPr lang="en-US"/>
           </a:p>
@@ -5003,7 +5004,7 @@
           <a:p>
             <a:fld id="{E5D0D591-4B92-A44B-A0EA-798E76AD0368}" type="datetime1">
               <a:rPr lang="en-US" smtClean="0"/>
-              <a:t>3/10/19</a:t>
+              <a:t>3/11/19</a:t>
             </a:fld>
             <a:endParaRPr lang="en-US"/>
           </a:p>
@@ -5252,7 +5253,7 @@
           <a:p>
             <a:fld id="{8201F472-E17F-4B47-A44B-A2249FA27ED2}" type="datetime1">
               <a:rPr lang="en-US" smtClean="0"/>
-              <a:t>3/10/19</a:t>
+              <a:t>3/11/19</a:t>
             </a:fld>
             <a:endParaRPr lang="en-US"/>
           </a:p>
@@ -5509,7 +5510,7 @@
           <a:p>
             <a:fld id="{8BEFB9EE-CDF2-6F49-80F4-278D1604F10C}" type="datetime1">
               <a:rPr lang="en-US" smtClean="0"/>
-              <a:t>3/10/19</a:t>
+              <a:t>3/11/19</a:t>
             </a:fld>
             <a:endParaRPr lang="en-US"/>
           </a:p>
@@ -5752,7 +5753,7 @@
           <a:p>
             <a:fld id="{124E9894-F119-A64C-B7CB-D7CE860A73BE}" type="datetime1">
               <a:rPr lang="en-US" smtClean="0"/>
-              <a:t>3/10/19</a:t>
+              <a:t>3/11/19</a:t>
             </a:fld>
             <a:endParaRPr lang="en-US"/>
           </a:p>
@@ -17846,7 +17847,7 @@
           <a:p>
             <a:r>
               <a:rPr lang="pt" sz="3200" dirty="0"/>
-              <a:t>A aplicação é então distribuída entre os diversos servidores para fazer o chamado Balanceamento de Carga (</a:t>
+              <a:t>A aplicação é então distribuída entre os diversos servidores para fazer Balanceamento de Carga (</a:t>
             </a:r>
             <a:r>
               <a:rPr lang="pt" sz="3200" i="1" dirty="0" err="1"/>
@@ -19058,7 +19059,7 @@
           <a:p>
             <a:r>
               <a:rPr lang="pt" sz="3200" dirty="0"/>
-              <a:t>A escalabilidade horizontal possibilitada pela </a:t>
+              <a:t>A escalabilidade horizontal na </a:t>
             </a:r>
             <a:r>
               <a:rPr lang="pt" sz="3200" dirty="0" err="1"/>
@@ -19144,6 +19145,14 @@
             </a:r>
             <a:r>
               <a:rPr lang="en-US" sz="3200" dirty="0" err="1"/>
+              <a:t>computacionais</a:t>
+            </a:r>
+            <a:r>
+              <a:rPr lang="en-US" sz="3200" dirty="0"/>
+              <a:t> </a:t>
+            </a:r>
+            <a:r>
+              <a:rPr lang="en-US" sz="3200" dirty="0" err="1"/>
               <a:t>dedicados</a:t>
             </a:r>
             <a:r>
@@ -19164,11 +19173,11 @@
             </a:r>
             <a:r>
               <a:rPr lang="en-US" sz="3200" dirty="0"/>
-              <a:t>, a </a:t>
+              <a:t>, </a:t>
             </a:r>
             <a:r>
               <a:rPr lang="en-US" sz="3200" dirty="0" err="1"/>
-              <a:t>partir</a:t>
+              <a:t>dentro</a:t>
             </a:r>
             <a:r>
               <a:rPr lang="en-US" sz="3200" dirty="0"/>
@@ -19193,6 +19202,46 @@
             <a:r>
               <a:rPr lang="en-US" sz="3200" dirty="0" err="1"/>
               <a:t>físico</a:t>
+            </a:r>
+            <a:r>
+              <a:rPr lang="en-US" sz="3200" dirty="0"/>
+              <a:t> </a:t>
+            </a:r>
+            <a:r>
+              <a:rPr lang="en-US" sz="3200" dirty="0">
+                <a:hlinkClick r:id="rId2"/>
+              </a:rPr>
+              <a:t>[1]</a:t>
+            </a:r>
+            <a:r>
+              <a:rPr lang="en-US" sz="3200" dirty="0"/>
+              <a:t> </a:t>
+            </a:r>
+            <a:r>
+              <a:rPr lang="en-US" sz="3200" dirty="0">
+                <a:hlinkClick r:id="rId3"/>
+              </a:rPr>
+              <a:t>[2]</a:t>
+            </a:r>
+            <a:r>
+              <a:rPr lang="en-US" sz="3200" dirty="0"/>
+              <a:t> </a:t>
+            </a:r>
+            <a:r>
+              <a:rPr lang="en-US" sz="3200" dirty="0">
+                <a:hlinkClick r:id="rId4"/>
+              </a:rPr>
+              <a:t>[3]</a:t>
+            </a:r>
+            <a:r>
+              <a:rPr lang="en-US" sz="3200" dirty="0"/>
+              <a:t> </a:t>
+            </a:r>
+            <a:r>
+              <a:rPr lang="en-US" sz="3200" dirty="0">
+                <a:hlinkClick r:id="rId5"/>
+              </a:rPr>
+              <a:t>[4]</a:t>
             </a:r>
             <a:endParaRPr lang="en-US" sz="3200" dirty="0"/>
           </a:p>
@@ -19679,6 +19728,26 @@
               <a:t>Contêineres</a:t>
             </a:r>
           </a:p>
+          <a:p>
+            <a:r>
+              <a:rPr lang="pt" sz="3200" dirty="0">
+                <a:hlinkClick r:id="rId2"/>
+              </a:rPr>
+              <a:t>Como contêineres se popularizaram apenas recentemente em 2013</a:t>
+            </a:r>
+            <a:r>
+              <a:rPr lang="pt" sz="3200" dirty="0"/>
+              <a:t>, as definições de virtualização que você vai encontrar em livros e artigos na internet podem considerar apenas </a:t>
+            </a:r>
+            <a:r>
+              <a:rPr lang="pt" sz="3200" dirty="0" err="1"/>
+              <a:t>VMs</a:t>
+            </a:r>
+            <a:r>
+              <a:rPr lang="pt" sz="3200" dirty="0"/>
+              <a:t>. A definição atual apresentada anteriormente foi baseada em diversas referências.</a:t>
+            </a:r>
+          </a:p>
         </p:txBody>
       </p:sp>
       <p:sp>
@@ -19882,6 +19951,67 @@
                                           <p:spTgt spid="3">
                                             <p:txEl>
                                               <p:pRg st="1" end="1"/>
+                                            </p:txEl>
+                                          </p:spTgt>
+                                        </p:tgtEl>
+                                      </p:cBhvr>
+                                    </p:animEffect>
+                                  </p:childTnLst>
+                                </p:cTn>
+                              </p:par>
+                            </p:childTnLst>
+                          </p:cTn>
+                        </p:par>
+                      </p:childTnLst>
+                    </p:cTn>
+                  </p:par>
+                  <p:par>
+                    <p:cTn id="16" fill="hold">
+                      <p:stCondLst>
+                        <p:cond delay="indefinite"/>
+                      </p:stCondLst>
+                      <p:childTnLst>
+                        <p:par>
+                          <p:cTn id="17" fill="hold">
+                            <p:stCondLst>
+                              <p:cond delay="0"/>
+                            </p:stCondLst>
+                            <p:childTnLst>
+                              <p:par>
+                                <p:cTn id="18" presetID="9" presetClass="entr" presetSubtype="0" fill="hold" grpId="0" nodeType="clickEffect">
+                                  <p:stCondLst>
+                                    <p:cond delay="0"/>
+                                  </p:stCondLst>
+                                  <p:childTnLst>
+                                    <p:set>
+                                      <p:cBhvr>
+                                        <p:cTn id="19" dur="1" fill="hold">
+                                          <p:stCondLst>
+                                            <p:cond delay="0"/>
+                                          </p:stCondLst>
+                                        </p:cTn>
+                                        <p:tgtEl>
+                                          <p:spTgt spid="3">
+                                            <p:txEl>
+                                              <p:pRg st="2" end="2"/>
+                                            </p:txEl>
+                                          </p:spTgt>
+                                        </p:tgtEl>
+                                        <p:attrNameLst>
+                                          <p:attrName>style.visibility</p:attrName>
+                                        </p:attrNameLst>
+                                      </p:cBhvr>
+                                      <p:to>
+                                        <p:strVal val="visible"/>
+                                      </p:to>
+                                    </p:set>
+                                    <p:animEffect transition="in" filter="dissolve">
+                                      <p:cBhvr>
+                                        <p:cTn id="20" dur="500"/>
+                                        <p:tgtEl>
+                                          <p:spTgt spid="3">
+                                            <p:txEl>
+                                              <p:pRg st="2" end="2"/>
                                             </p:txEl>
                                           </p:spTgt>
                                         </p:tgtEl>
@@ -20137,7 +20267,7 @@
         </p:nvGrpSpPr>
         <p:grpSpPr>
           <a:xfrm>
-            <a:off x="2306326" y="4867743"/>
+            <a:off x="2306326" y="4992438"/>
             <a:ext cx="8810226" cy="1990257"/>
             <a:chOff x="2306326" y="4867743"/>
             <a:chExt cx="8810226" cy="1990257"/>
@@ -20848,8 +20978,8 @@
           <a:lstStyle/>
           <a:p>
             <a:r>
-              <a:rPr lang="pt" sz="3200" b="1" dirty="0" err="1"/>
-              <a:t>Contêiners</a:t>
+              <a:rPr lang="pt" sz="3200" b="1" dirty="0"/>
+              <a:t>Contêineres</a:t>
             </a:r>
             <a:r>
               <a:rPr lang="pt" sz="3200" dirty="0"/>
@@ -20892,20 +21022,32 @@
               <a:t>Atualmente existem os </a:t>
             </a:r>
             <a:r>
+              <a:rPr lang="en-US" sz="3200" dirty="0">
+                <a:hlinkClick r:id="rId3"/>
+              </a:rPr>
+              <a:t>C</a:t>
+            </a:r>
+            <a:r>
               <a:rPr lang="pt" sz="3200" dirty="0">
                 <a:hlinkClick r:id="rId3"/>
               </a:rPr>
-              <a:t>Linux Containers</a:t>
+              <a:t>ontêineres Linux</a:t>
             </a:r>
             <a:r>
               <a:rPr lang="pt" sz="3200" dirty="0"/>
               <a:t> e </a:t>
+            </a:r>
+            <a:r>
+              <a:rPr lang="en-US" sz="3200" dirty="0">
+                <a:hlinkClick r:id="rId4"/>
+              </a:rPr>
+              <a:t>C</a:t>
             </a:r>
             <a:r>
               <a:rPr lang="pt" sz="3200" dirty="0">
                 <a:hlinkClick r:id="rId4"/>
               </a:rPr>
-              <a:t>Windows Containers</a:t>
+              <a:t>ontêineres Windows</a:t>
             </a:r>
             <a:r>
               <a:rPr lang="pt" sz="3200" dirty="0"/>
@@ -28940,7 +29082,7 @@
           <a:p>
             <a:r>
               <a:rPr lang="pt" sz="3200" dirty="0"/>
-              <a:t>Quando o aumento na quantidade de dados traz ineficiência ao sistema [SDPP]</a:t>
+              <a:t>Ocorre quando o aumento na quantidade de dados traz ineficiência ao sistema [SDPP]</a:t>
             </a:r>
           </a:p>
           <a:p>
@@ -29387,13 +29529,13 @@
         </p:spPr>
         <p:txBody>
           <a:bodyPr>
-            <a:normAutofit/>
+            <a:normAutofit lnSpcReduction="10000"/>
           </a:bodyPr>
           <a:lstStyle/>
           <a:p>
             <a:r>
               <a:rPr lang="pt" sz="3200" dirty="0"/>
-              <a:t>O mesmo com Sistemas Gerenciadores de Bancos de Dados (</a:t>
+              <a:t>O mesmo ocorre com Sistemas Gerenciadores de Bancos de Dados (</a:t>
             </a:r>
             <a:r>
               <a:rPr lang="pt" sz="3200" dirty="0" err="1"/>
@@ -29407,7 +29549,13 @@
           <a:p>
             <a:r>
               <a:rPr lang="pt" sz="3200" dirty="0"/>
-              <a:t>Um único servidor pode se tornar um gargalo com o aumento do número de usuários</a:t>
+              <a:t>O sistema pode ter vários servidores web/servidores de aplicação para atender os usuários, mas todos estes servidores acessam um único SGBD</a:t>
+            </a:r>
+          </a:p>
+          <a:p>
+            <a:r>
+              <a:rPr lang="pt" sz="3200" dirty="0"/>
+              <a:t>Este único SGBD pode se tornar um gargalo com o aumento do número de usuários</a:t>
             </a:r>
           </a:p>
           <a:p>
@@ -29587,15 +29735,76 @@
                                   </p:childTnLst>
                                 </p:cTn>
                               </p:par>
+                            </p:childTnLst>
+                          </p:cTn>
+                        </p:par>
+                      </p:childTnLst>
+                    </p:cTn>
+                  </p:par>
+                  <p:par>
+                    <p:cTn id="13" fill="hold">
+                      <p:stCondLst>
+                        <p:cond delay="indefinite"/>
+                      </p:stCondLst>
+                      <p:childTnLst>
+                        <p:par>
+                          <p:cTn id="14" fill="hold">
+                            <p:stCondLst>
+                              <p:cond delay="0"/>
+                            </p:stCondLst>
+                            <p:childTnLst>
                               <p:par>
-                                <p:cTn id="13" presetID="9" presetClass="exit" presetSubtype="0" fill="hold" grpId="1" nodeType="withEffect">
+                                <p:cTn id="15" presetID="9" presetClass="entr" presetSubtype="0" fill="hold" grpId="0" nodeType="clickEffect">
+                                  <p:stCondLst>
+                                    <p:cond delay="0"/>
+                                  </p:stCondLst>
+                                  <p:childTnLst>
+                                    <p:set>
+                                      <p:cBhvr>
+                                        <p:cTn id="16" dur="1" fill="hold">
+                                          <p:stCondLst>
+                                            <p:cond delay="0"/>
+                                          </p:stCondLst>
+                                        </p:cTn>
+                                        <p:tgtEl>
+                                          <p:spTgt spid="3">
+                                            <p:txEl>
+                                              <p:pRg st="2" end="2"/>
+                                            </p:txEl>
+                                          </p:spTgt>
+                                        </p:tgtEl>
+                                        <p:attrNameLst>
+                                          <p:attrName>style.visibility</p:attrName>
+                                        </p:attrNameLst>
+                                      </p:cBhvr>
+                                      <p:to>
+                                        <p:strVal val="visible"/>
+                                      </p:to>
+                                    </p:set>
+                                    <p:animEffect transition="in" filter="dissolve">
+                                      <p:cBhvr>
+                                        <p:cTn id="17" dur="500"/>
+                                        <p:tgtEl>
+                                          <p:spTgt spid="3">
+                                            <p:txEl>
+                                              <p:pRg st="2" end="2"/>
+                                            </p:txEl>
+                                          </p:spTgt>
+                                        </p:tgtEl>
+                                      </p:cBhvr>
+                                    </p:animEffect>
+                                  </p:childTnLst>
+                                </p:cTn>
+                              </p:par>
+                              <p:par>
+                                <p:cTn id="18" presetID="9" presetClass="exit" presetSubtype="0" fill="hold" grpId="1" nodeType="withEffect">
                                   <p:stCondLst>
                                     <p:cond delay="0"/>
                                   </p:stCondLst>
                                   <p:childTnLst>
                                     <p:animEffect transition="out" filter="dissolve">
                                       <p:cBhvr>
-                                        <p:cTn id="14" dur="500"/>
+                                        <p:cTn id="19" dur="500"/>
                                         <p:tgtEl>
                                           <p:spTgt spid="3">
                                             <p:txEl>
@@ -29607,7 +29816,7 @@
                                     </p:animEffect>
                                     <p:set>
                                       <p:cBhvr>
-                                        <p:cTn id="15" dur="1" fill="hold">
+                                        <p:cTn id="20" dur="1" fill="hold">
                                           <p:stCondLst>
                                             <p:cond delay="499"/>
                                           </p:stCondLst>
@@ -29637,26 +29846,26 @@
                     </p:cTn>
                   </p:par>
                   <p:par>
-                    <p:cTn id="16" fill="hold">
+                    <p:cTn id="21" fill="hold">
                       <p:stCondLst>
                         <p:cond delay="indefinite"/>
                       </p:stCondLst>
                       <p:childTnLst>
                         <p:par>
-                          <p:cTn id="17" fill="hold">
+                          <p:cTn id="22" fill="hold">
                             <p:stCondLst>
                               <p:cond delay="0"/>
                             </p:stCondLst>
                             <p:childTnLst>
                               <p:par>
-                                <p:cTn id="18" presetID="9" presetClass="exit" presetSubtype="0" fill="hold" grpId="1" nodeType="clickEffect">
+                                <p:cTn id="23" presetID="9" presetClass="exit" presetSubtype="0" fill="hold" grpId="1" nodeType="clickEffect">
                                   <p:stCondLst>
                                     <p:cond delay="0"/>
                                   </p:stCondLst>
                                   <p:childTnLst>
                                     <p:animEffect transition="out" filter="dissolve">
                                       <p:cBhvr>
-                                        <p:cTn id="19" dur="500"/>
+                                        <p:cTn id="24" dur="500"/>
                                         <p:tgtEl>
                                           <p:spTgt spid="3">
                                             <p:txEl>
@@ -29668,7 +29877,7 @@
                                     </p:animEffect>
                                     <p:set>
                                       <p:cBhvr>
-                                        <p:cTn id="20" dur="1" fill="hold">
+                                        <p:cTn id="25" dur="1" fill="hold">
                                           <p:stCondLst>
                                             <p:cond delay="499"/>
                                           </p:stCondLst>
@@ -29677,6 +29886,67 @@
                                           <p:spTgt spid="3">
                                             <p:txEl>
                                               <p:pRg st="1" end="1"/>
+                                            </p:txEl>
+                                          </p:spTgt>
+                                        </p:tgtEl>
+                                        <p:attrNameLst>
+                                          <p:attrName>style.visibility</p:attrName>
+                                        </p:attrNameLst>
+                                      </p:cBhvr>
+                                      <p:to>
+                                        <p:strVal val="hidden"/>
+                                      </p:to>
+                                    </p:set>
+                                  </p:childTnLst>
+                                </p:cTn>
+                              </p:par>
+                            </p:childTnLst>
+                          </p:cTn>
+                        </p:par>
+                      </p:childTnLst>
+                    </p:cTn>
+                  </p:par>
+                  <p:par>
+                    <p:cTn id="26" fill="hold">
+                      <p:stCondLst>
+                        <p:cond delay="indefinite"/>
+                      </p:stCondLst>
+                      <p:childTnLst>
+                        <p:par>
+                          <p:cTn id="27" fill="hold">
+                            <p:stCondLst>
+                              <p:cond delay="0"/>
+                            </p:stCondLst>
+                            <p:childTnLst>
+                              <p:par>
+                                <p:cTn id="28" presetID="9" presetClass="exit" presetSubtype="0" fill="hold" grpId="1" nodeType="clickEffect">
+                                  <p:stCondLst>
+                                    <p:cond delay="0"/>
+                                  </p:stCondLst>
+                                  <p:childTnLst>
+                                    <p:animEffect transition="out" filter="dissolve">
+                                      <p:cBhvr>
+                                        <p:cTn id="29" dur="500"/>
+                                        <p:tgtEl>
+                                          <p:spTgt spid="3">
+                                            <p:txEl>
+                                              <p:pRg st="2" end="2"/>
+                                            </p:txEl>
+                                          </p:spTgt>
+                                        </p:tgtEl>
+                                      </p:cBhvr>
+                                    </p:animEffect>
+                                    <p:set>
+                                      <p:cBhvr>
+                                        <p:cTn id="30" dur="1" fill="hold">
+                                          <p:stCondLst>
+                                            <p:cond delay="499"/>
+                                          </p:stCondLst>
+                                        </p:cTn>
+                                        <p:tgtEl>
+                                          <p:spTgt spid="3">
+                                            <p:txEl>
+                                              <p:pRg st="2" end="2"/>
                                             </p:txEl>
                                           </p:spTgt>
                                         </p:tgtEl>
@@ -29692,14 +29962,14 @@
                                 </p:cTn>
                               </p:par>
                               <p:par>
-                                <p:cTn id="21" presetID="9" presetClass="entr" presetSubtype="0" fill="hold" grpId="0" nodeType="withEffect">
+                                <p:cTn id="31" presetID="9" presetClass="entr" presetSubtype="0" fill="hold" grpId="0" nodeType="withEffect">
                                   <p:stCondLst>
                                     <p:cond delay="0"/>
                                   </p:stCondLst>
                                   <p:childTnLst>
                                     <p:set>
                                       <p:cBhvr>
-                                        <p:cTn id="22" dur="1" fill="hold">
+                                        <p:cTn id="32" dur="1" fill="hold">
                                           <p:stCondLst>
                                             <p:cond delay="0"/>
                                           </p:stCondLst>
@@ -29707,7 +29977,7 @@
                                         <p:tgtEl>
                                           <p:spTgt spid="3">
                                             <p:txEl>
-                                              <p:pRg st="2" end="2"/>
+                                              <p:pRg st="3" end="3"/>
                                             </p:txEl>
                                           </p:spTgt>
                                         </p:tgtEl>
@@ -29721,11 +29991,11 @@
                                     </p:set>
                                     <p:animEffect transition="in" filter="dissolve">
                                       <p:cBhvr>
-                                        <p:cTn id="23" dur="500"/>
-                                        <p:tgtEl>
-                                          <p:spTgt spid="3">
-                                            <p:txEl>
-                                              <p:pRg st="2" end="2"/>
+                                        <p:cTn id="33" dur="500"/>
+                                        <p:tgtEl>
+                                          <p:spTgt spid="3">
+                                            <p:txEl>
+                                              <p:pRg st="3" end="3"/>
                                             </p:txEl>
                                           </p:spTgt>
                                         </p:tgtEl>
@@ -29741,30 +30011,30 @@
                     </p:cTn>
                   </p:par>
                   <p:par>
-                    <p:cTn id="24" fill="hold">
+                    <p:cTn id="34" fill="hold">
                       <p:stCondLst>
                         <p:cond delay="indefinite"/>
                       </p:stCondLst>
                       <p:childTnLst>
                         <p:par>
-                          <p:cTn id="25" fill="hold">
+                          <p:cTn id="35" fill="hold">
                             <p:stCondLst>
                               <p:cond delay="0"/>
                             </p:stCondLst>
                             <p:childTnLst>
                               <p:par>
-                                <p:cTn id="26" presetID="9" presetClass="exit" presetSubtype="0" fill="hold" grpId="1" nodeType="clickEffect">
+                                <p:cTn id="36" presetID="9" presetClass="exit" presetSubtype="0" fill="hold" grpId="1" nodeType="clickEffect">
                                   <p:stCondLst>
                                     <p:cond delay="0"/>
                                   </p:stCondLst>
                                   <p:childTnLst>
                                     <p:animEffect transition="out" filter="dissolve">
                                       <p:cBhvr>
-                                        <p:cTn id="27" dur="500"/>
-                                        <p:tgtEl>
-                                          <p:spTgt spid="3">
-                                            <p:txEl>
-                                              <p:pRg st="2" end="2"/>
+                                        <p:cTn id="37" dur="500"/>
+                                        <p:tgtEl>
+                                          <p:spTgt spid="3">
+                                            <p:txEl>
+                                              <p:pRg st="3" end="3"/>
                                             </p:txEl>
                                           </p:spTgt>
                                         </p:tgtEl>
@@ -29772,7 +30042,7 @@
                                     </p:animEffect>
                                     <p:set>
                                       <p:cBhvr>
-                                        <p:cTn id="28" dur="1" fill="hold">
+                                        <p:cTn id="38" dur="1" fill="hold">
                                           <p:stCondLst>
                                             <p:cond delay="499"/>
                                           </p:stCondLst>
@@ -29780,7 +30050,7 @@
                                         <p:tgtEl>
                                           <p:spTgt spid="3">
                                             <p:txEl>
-                                              <p:pRg st="2" end="2"/>
+                                              <p:pRg st="3" end="3"/>
                                             </p:txEl>
                                           </p:spTgt>
                                         </p:tgtEl>
@@ -29796,14 +30066,14 @@
                                 </p:cTn>
                               </p:par>
                               <p:par>
-                                <p:cTn id="29" presetID="9" presetClass="entr" presetSubtype="0" fill="hold" grpId="0" nodeType="withEffect">
+                                <p:cTn id="39" presetID="9" presetClass="entr" presetSubtype="0" fill="hold" grpId="0" nodeType="withEffect">
                                   <p:stCondLst>
                                     <p:cond delay="0"/>
                                   </p:stCondLst>
                                   <p:childTnLst>
                                     <p:set>
                                       <p:cBhvr>
-                                        <p:cTn id="30" dur="1" fill="hold">
+                                        <p:cTn id="40" dur="1" fill="hold">
                                           <p:stCondLst>
                                             <p:cond delay="0"/>
                                           </p:stCondLst>
@@ -29811,7 +30081,7 @@
                                         <p:tgtEl>
                                           <p:spTgt spid="3">
                                             <p:txEl>
-                                              <p:pRg st="3" end="3"/>
+                                              <p:pRg st="4" end="4"/>
                                             </p:txEl>
                                           </p:spTgt>
                                         </p:tgtEl>
@@ -29825,11 +30095,11 @@
                                     </p:set>
                                     <p:animEffect transition="in" filter="dissolve">
                                       <p:cBhvr>
-                                        <p:cTn id="31" dur="500"/>
-                                        <p:tgtEl>
-                                          <p:spTgt spid="3">
-                                            <p:txEl>
-                                              <p:pRg st="3" end="3"/>
+                                        <p:cTn id="41" dur="500"/>
+                                        <p:tgtEl>
+                                          <p:spTgt spid="3">
+                                            <p:txEl>
+                                              <p:pRg st="4" end="4"/>
                                             </p:txEl>
                                           </p:spTgt>
                                         </p:tgtEl>
@@ -29964,7 +30234,7 @@
           <a:p>
             <a:r>
               <a:rPr lang="pt" sz="3200" dirty="0"/>
-              <a:t>Possui o problema de normalmente necessitar centralizar dados para realizar o processamento</a:t>
+              <a:t>Normalmente necessitam centralizar dados para realizar o processamento, que é problemático como acabamos de ver</a:t>
             </a:r>
           </a:p>
           <a:p>
@@ -30480,7 +30750,10 @@
               </a:rPr>
               <a:t>2 bilhões de acessos mensais em 2017</a:t>
             </a:r>
-            <a:endParaRPr lang="pt" sz="3200" dirty="0"/>
+            <a:r>
+              <a:rPr lang="pt" sz="3200" dirty="0"/>
+              <a:t> (mais de 46 mil acessos por minuto)</a:t>
+            </a:r>
           </a:p>
           <a:p>
             <a:r>
@@ -31058,7 +31331,15 @@
           <a:p>
             <a:r>
               <a:rPr lang="pt" sz="3200" dirty="0"/>
-              <a:t>A solução são algoritmos decentralizados (distribuídos)</a:t>
+              <a:t>A solução são </a:t>
+            </a:r>
+            <a:r>
+              <a:rPr lang="pt" sz="3200" b="1" dirty="0"/>
+              <a:t>algoritmos</a:t>
+            </a:r>
+            <a:r>
+              <a:rPr lang="pt" sz="3200" dirty="0"/>
+              <a:t> decentralizados (distribuídos)</a:t>
             </a:r>
           </a:p>
           <a:p>
@@ -31080,7 +31361,19 @@
             </a:r>
             <a:r>
               <a:rPr lang="en-US" sz="3200" i="1" dirty="0"/>
-              <a:t>Divide and Conquer</a:t>
+              <a:t>Divide and Conquer </a:t>
+            </a:r>
+            <a:r>
+              <a:rPr lang="en-US" sz="3200" i="1" dirty="0" err="1"/>
+              <a:t>já</a:t>
+            </a:r>
+            <a:r>
+              <a:rPr lang="en-US" sz="3200" i="1" dirty="0"/>
+              <a:t> </a:t>
+            </a:r>
+            <a:r>
+              <a:rPr lang="en-US" sz="3200" i="1" dirty="0" err="1"/>
+              <a:t>comentada</a:t>
             </a:r>
             <a:endParaRPr lang="pt" sz="3200" i="1" dirty="0"/>
           </a:p>
@@ -32310,8 +32603,8 @@
         </p:nvSpPr>
         <p:spPr>
           <a:xfrm>
-            <a:off x="596348" y="1444490"/>
-            <a:ext cx="10908264" cy="5032509"/>
+            <a:off x="596348" y="1444491"/>
+            <a:ext cx="10908264" cy="3155218"/>
           </a:xfrm>
         </p:spPr>
         <p:txBody>
@@ -32322,185 +32615,53 @@
           <a:p>
             <a:r>
               <a:rPr lang="pt" sz="3200" dirty="0"/>
-              <a:t>Para fazer processamento decentralizado, é preciso dividir ou decentralizar os dados</a:t>
-            </a:r>
-          </a:p>
-          <a:p>
-            <a:r>
-              <a:rPr lang="en-US" sz="3200" dirty="0"/>
-              <a:t>No </a:t>
-            </a:r>
-            <a:r>
-              <a:rPr lang="en-US" sz="3200" dirty="0" err="1"/>
-              <a:t>caso</a:t>
-            </a:r>
-            <a:r>
-              <a:rPr lang="en-US" sz="3200" dirty="0"/>
-              <a:t> do Facebook, </a:t>
-            </a:r>
-            <a:r>
-              <a:rPr lang="en-US" sz="3200" dirty="0" err="1"/>
-              <a:t>eles</a:t>
-            </a:r>
-            <a:r>
-              <a:rPr lang="en-US" sz="3200" dirty="0"/>
-              <a:t> </a:t>
-            </a:r>
-            <a:r>
-              <a:rPr lang="en-US" sz="3200" dirty="0" err="1"/>
-              <a:t>usam</a:t>
-            </a:r>
-            <a:r>
-              <a:rPr lang="en-US" sz="3200" dirty="0"/>
-              <a:t> </a:t>
-            </a:r>
-            <a:r>
-              <a:rPr lang="en-US" sz="3200" dirty="0" err="1"/>
-              <a:t>diferentes</a:t>
-            </a:r>
-            <a:r>
-              <a:rPr lang="en-US" sz="3200" dirty="0"/>
-              <a:t> SGBDs para </a:t>
-            </a:r>
-            <a:r>
-              <a:rPr lang="en-US" sz="3200" dirty="0" err="1"/>
-              <a:t>decentralização</a:t>
-            </a:r>
-            <a:r>
-              <a:rPr lang="en-US" sz="3200" dirty="0"/>
-              <a:t> de dados</a:t>
-            </a:r>
-            <a:endParaRPr lang="pt" sz="3200" dirty="0"/>
-          </a:p>
-          <a:p>
-            <a:r>
-              <a:rPr lang="en-US" sz="3200" dirty="0" err="1"/>
-              <a:t>Isto</a:t>
-            </a:r>
-            <a:r>
-              <a:rPr lang="en-US" sz="3200" dirty="0"/>
-              <a:t> </a:t>
-            </a:r>
-            <a:r>
-              <a:rPr lang="en-US" sz="3200" dirty="0" err="1"/>
-              <a:t>inclui</a:t>
-            </a:r>
-            <a:r>
-              <a:rPr lang="en-US" sz="3200" dirty="0"/>
-              <a:t> MySQL </a:t>
-            </a:r>
-            <a:r>
-              <a:rPr lang="en-US" sz="3200" dirty="0">
+              <a:t>A ferramenta mais famosa que implementa este modelo </a:t>
+            </a:r>
+            <a:r>
+              <a:rPr lang="pt" sz="3200" dirty="0" err="1"/>
+              <a:t>MapReduce</a:t>
+            </a:r>
+            <a:r>
+              <a:rPr lang="pt" sz="3200" dirty="0"/>
+              <a:t> é o </a:t>
+            </a:r>
+            <a:r>
+              <a:rPr lang="pt" sz="3200" dirty="0">
                 <a:hlinkClick r:id="rId2"/>
               </a:rPr>
-              <a:t>[1]</a:t>
-            </a:r>
-            <a:r>
-              <a:rPr lang="en-US" sz="3200" dirty="0"/>
-              <a:t> e o Apache Cassandra: um SBGD </a:t>
-            </a:r>
-            <a:r>
-              <a:rPr lang="en-US" sz="3200" dirty="0" err="1"/>
-              <a:t>distribuído</a:t>
-            </a:r>
-            <a:r>
-              <a:rPr lang="en-US" sz="3200" dirty="0"/>
-              <a:t> </a:t>
-            </a:r>
-            <a:r>
-              <a:rPr lang="en-US" sz="3200" dirty="0" err="1"/>
-              <a:t>inicialmente</a:t>
-            </a:r>
-            <a:r>
-              <a:rPr lang="en-US" sz="3200" dirty="0"/>
-              <a:t> </a:t>
-            </a:r>
-            <a:r>
-              <a:rPr lang="en-US" sz="3200" dirty="0" err="1"/>
-              <a:t>desenvolvido</a:t>
-            </a:r>
-            <a:r>
-              <a:rPr lang="en-US" sz="3200" dirty="0"/>
-              <a:t> </a:t>
-            </a:r>
-            <a:r>
-              <a:rPr lang="en-US" sz="3200" dirty="0" err="1"/>
-              <a:t>pelo</a:t>
-            </a:r>
-            <a:r>
-              <a:rPr lang="en-US" sz="3200" dirty="0"/>
-              <a:t> Facebook </a:t>
-            </a:r>
-            <a:r>
-              <a:rPr lang="en-US" sz="3200" dirty="0">
+              <a:t>Apache </a:t>
+            </a:r>
+            <a:r>
+              <a:rPr lang="pt" sz="3200" dirty="0" err="1">
+                <a:hlinkClick r:id="rId2"/>
+              </a:rPr>
+              <a:t>Hadoop</a:t>
+            </a:r>
+            <a:endParaRPr lang="pt" sz="3200" dirty="0"/>
+          </a:p>
+          <a:p>
+            <a:r>
+              <a:rPr lang="pt" sz="3200" dirty="0"/>
+              <a:t>Utilizando o recurso de </a:t>
+            </a:r>
+            <a:r>
+              <a:rPr lang="pt" sz="3200" dirty="0">
                 <a:hlinkClick r:id="rId3"/>
               </a:rPr>
-              <a:t>[2]</a:t>
-            </a:r>
-            <a:r>
-              <a:rPr lang="en-US" sz="3200" dirty="0"/>
-              <a:t> </a:t>
-            </a:r>
-            <a:r>
-              <a:rPr lang="en-US" sz="3200" dirty="0">
-                <a:hlinkClick r:id="rId4"/>
-              </a:rPr>
-              <a:t>[3]</a:t>
-            </a:r>
-            <a:r>
-              <a:rPr lang="en-US" sz="3200" dirty="0"/>
-              <a:t> </a:t>
-            </a:r>
-            <a:r>
-              <a:rPr lang="en-US" sz="3200" dirty="0">
-                <a:hlinkClick r:id="rId5"/>
-              </a:rPr>
-              <a:t>[4]</a:t>
-            </a:r>
-            <a:endParaRPr lang="en-US" sz="3200" dirty="0"/>
-          </a:p>
-          <a:p>
-            <a:r>
-              <a:rPr lang="en-US" sz="3200" dirty="0"/>
-              <a:t>SGBDs </a:t>
-            </a:r>
-            <a:r>
-              <a:rPr lang="en-US" sz="3200" dirty="0" err="1"/>
-              <a:t>distribuídos</a:t>
-            </a:r>
-            <a:r>
-              <a:rPr lang="en-US" sz="3200" dirty="0"/>
-              <a:t> </a:t>
-            </a:r>
-            <a:r>
-              <a:rPr lang="en-US" sz="3200" dirty="0" err="1"/>
-              <a:t>não</a:t>
-            </a:r>
-            <a:r>
-              <a:rPr lang="en-US" sz="3200" dirty="0"/>
-              <a:t> </a:t>
-            </a:r>
-            <a:r>
-              <a:rPr lang="en-US" sz="3200" dirty="0" err="1"/>
-              <a:t>fazem</a:t>
-            </a:r>
-            <a:r>
-              <a:rPr lang="en-US" sz="3200" dirty="0"/>
-              <a:t> </a:t>
-            </a:r>
-            <a:r>
-              <a:rPr lang="en-US" sz="3200" dirty="0" err="1"/>
-              <a:t>parte</a:t>
-            </a:r>
-            <a:r>
-              <a:rPr lang="en-US" sz="3200" dirty="0"/>
-              <a:t> da </a:t>
-            </a:r>
-            <a:r>
-              <a:rPr lang="en-US" sz="3200" dirty="0" err="1"/>
-              <a:t>disciplina</a:t>
-            </a:r>
-            <a:endParaRPr lang="pt" sz="3200" dirty="0"/>
+              <a:t>Streams do Java 8</a:t>
+            </a:r>
+            <a:r>
+              <a:rPr lang="pt" sz="3200" dirty="0"/>
+              <a:t> conseguimos implementar este mesmo modelo, mas de forma paralela (e não distribuída) utilizando múltiplas </a:t>
+            </a:r>
+            <a:r>
+              <a:rPr lang="pt" sz="3200" dirty="0" err="1"/>
+              <a:t>CPUs</a:t>
+            </a:r>
+            <a:r>
+              <a:rPr lang="pt" sz="3200" dirty="0"/>
+              <a:t> de uma máquina</a:t>
+            </a:r>
           </a:p>
         </p:txBody>
       </p:sp>
@@ -32536,7 +32697,7 @@
     </p:spTree>
     <p:extLst>
       <p:ext uri="{BB962C8B-B14F-4D97-AF65-F5344CB8AC3E}">
-        <p14:creationId xmlns:p14="http://schemas.microsoft.com/office/powerpoint/2010/main" val="2066603454"/>
+        <p14:creationId xmlns:p14="http://schemas.microsoft.com/office/powerpoint/2010/main" val="1769133232"/>
       </p:ext>
     </p:extLst>
   </p:cSld>
@@ -32625,57 +32786,14 @@
                             </p:stCondLst>
                             <p:childTnLst>
                               <p:par>
-                                <p:cTn id="10" presetID="9" presetClass="exit" presetSubtype="0" fill="hold" grpId="1" nodeType="clickEffect">
-                                  <p:stCondLst>
-                                    <p:cond delay="0"/>
-                                  </p:stCondLst>
-                                  <p:childTnLst>
-                                    <p:animEffect transition="out" filter="dissolve">
-                                      <p:cBhvr>
-                                        <p:cTn id="11" dur="500"/>
-                                        <p:tgtEl>
-                                          <p:spTgt spid="3">
-                                            <p:txEl>
-                                              <p:pRg st="0" end="0"/>
-                                            </p:txEl>
-                                          </p:spTgt>
-                                        </p:tgtEl>
-                                      </p:cBhvr>
-                                    </p:animEffect>
-                                    <p:set>
-                                      <p:cBhvr>
-                                        <p:cTn id="12" dur="1" fill="hold">
-                                          <p:stCondLst>
-                                            <p:cond delay="499"/>
-                                          </p:stCondLst>
-                                        </p:cTn>
-                                        <p:tgtEl>
-                                          <p:spTgt spid="3">
-                                            <p:txEl>
-                                              <p:pRg st="0" end="0"/>
-                                            </p:txEl>
-                                          </p:spTgt>
-                                        </p:tgtEl>
-                                        <p:attrNameLst>
-                                          <p:attrName>style.visibility</p:attrName>
-                                        </p:attrNameLst>
-                                      </p:cBhvr>
-                                      <p:to>
-                                        <p:strVal val="hidden"/>
-                                      </p:to>
-                                    </p:set>
-                                  </p:childTnLst>
-                                </p:cTn>
-                              </p:par>
-                              <p:par>
-                                <p:cTn id="13" presetID="9" presetClass="entr" presetSubtype="0" fill="hold" grpId="0" nodeType="withEffect">
+                                <p:cTn id="10" presetID="9" presetClass="entr" presetSubtype="0" fill="hold" grpId="0" nodeType="clickEffect">
                                   <p:stCondLst>
                                     <p:cond delay="0"/>
                                   </p:stCondLst>
                                   <p:childTnLst>
                                     <p:set>
                                       <p:cBhvr>
-                                        <p:cTn id="14" dur="1" fill="hold">
+                                        <p:cTn id="11" dur="1" fill="hold">
                                           <p:stCondLst>
                                             <p:cond delay="0"/>
                                           </p:stCondLst>
@@ -32697,219 +32815,11 @@
                                     </p:set>
                                     <p:animEffect transition="in" filter="dissolve">
                                       <p:cBhvr>
-                                        <p:cTn id="15" dur="500"/>
+                                        <p:cTn id="12" dur="500"/>
                                         <p:tgtEl>
                                           <p:spTgt spid="3">
                                             <p:txEl>
                                               <p:pRg st="1" end="1"/>
-                                            </p:txEl>
-                                          </p:spTgt>
-                                        </p:tgtEl>
-                                      </p:cBhvr>
-                                    </p:animEffect>
-                                  </p:childTnLst>
-                                </p:cTn>
-                              </p:par>
-                            </p:childTnLst>
-                          </p:cTn>
-                        </p:par>
-                      </p:childTnLst>
-                    </p:cTn>
-                  </p:par>
-                  <p:par>
-                    <p:cTn id="16" fill="hold">
-                      <p:stCondLst>
-                        <p:cond delay="indefinite"/>
-                      </p:stCondLst>
-                      <p:childTnLst>
-                        <p:par>
-                          <p:cTn id="17" fill="hold">
-                            <p:stCondLst>
-                              <p:cond delay="0"/>
-                            </p:stCondLst>
-                            <p:childTnLst>
-                              <p:par>
-                                <p:cTn id="18" presetID="9" presetClass="exit" presetSubtype="0" fill="hold" grpId="1" nodeType="clickEffect">
-                                  <p:stCondLst>
-                                    <p:cond delay="0"/>
-                                  </p:stCondLst>
-                                  <p:childTnLst>
-                                    <p:animEffect transition="out" filter="dissolve">
-                                      <p:cBhvr>
-                                        <p:cTn id="19" dur="500"/>
-                                        <p:tgtEl>
-                                          <p:spTgt spid="3">
-                                            <p:txEl>
-                                              <p:pRg st="1" end="1"/>
-                                            </p:txEl>
-                                          </p:spTgt>
-                                        </p:tgtEl>
-                                      </p:cBhvr>
-                                    </p:animEffect>
-                                    <p:set>
-                                      <p:cBhvr>
-                                        <p:cTn id="20" dur="1" fill="hold">
-                                          <p:stCondLst>
-                                            <p:cond delay="499"/>
-                                          </p:stCondLst>
-                                        </p:cTn>
-                                        <p:tgtEl>
-                                          <p:spTgt spid="3">
-                                            <p:txEl>
-                                              <p:pRg st="1" end="1"/>
-                                            </p:txEl>
-                                          </p:spTgt>
-                                        </p:tgtEl>
-                                        <p:attrNameLst>
-                                          <p:attrName>style.visibility</p:attrName>
-                                        </p:attrNameLst>
-                                      </p:cBhvr>
-                                      <p:to>
-                                        <p:strVal val="hidden"/>
-                                      </p:to>
-                                    </p:set>
-                                  </p:childTnLst>
-                                </p:cTn>
-                              </p:par>
-                              <p:par>
-                                <p:cTn id="21" presetID="9" presetClass="entr" presetSubtype="0" fill="hold" grpId="0" nodeType="withEffect">
-                                  <p:stCondLst>
-                                    <p:cond delay="0"/>
-                                  </p:stCondLst>
-                                  <p:childTnLst>
-                                    <p:set>
-                                      <p:cBhvr>
-                                        <p:cTn id="22" dur="1" fill="hold">
-                                          <p:stCondLst>
-                                            <p:cond delay="0"/>
-                                          </p:stCondLst>
-                                        </p:cTn>
-                                        <p:tgtEl>
-                                          <p:spTgt spid="3">
-                                            <p:txEl>
-                                              <p:pRg st="2" end="2"/>
-                                            </p:txEl>
-                                          </p:spTgt>
-                                        </p:tgtEl>
-                                        <p:attrNameLst>
-                                          <p:attrName>style.visibility</p:attrName>
-                                        </p:attrNameLst>
-                                      </p:cBhvr>
-                                      <p:to>
-                                        <p:strVal val="visible"/>
-                                      </p:to>
-                                    </p:set>
-                                    <p:animEffect transition="in" filter="dissolve">
-                                      <p:cBhvr>
-                                        <p:cTn id="23" dur="500"/>
-                                        <p:tgtEl>
-                                          <p:spTgt spid="3">
-                                            <p:txEl>
-                                              <p:pRg st="2" end="2"/>
-                                            </p:txEl>
-                                          </p:spTgt>
-                                        </p:tgtEl>
-                                      </p:cBhvr>
-                                    </p:animEffect>
-                                  </p:childTnLst>
-                                </p:cTn>
-                              </p:par>
-                            </p:childTnLst>
-                          </p:cTn>
-                        </p:par>
-                      </p:childTnLst>
-                    </p:cTn>
-                  </p:par>
-                  <p:par>
-                    <p:cTn id="24" fill="hold">
-                      <p:stCondLst>
-                        <p:cond delay="indefinite"/>
-                      </p:stCondLst>
-                      <p:childTnLst>
-                        <p:par>
-                          <p:cTn id="25" fill="hold">
-                            <p:stCondLst>
-                              <p:cond delay="0"/>
-                            </p:stCondLst>
-                            <p:childTnLst>
-                              <p:par>
-                                <p:cTn id="26" presetID="9" presetClass="exit" presetSubtype="0" fill="hold" grpId="1" nodeType="clickEffect">
-                                  <p:stCondLst>
-                                    <p:cond delay="0"/>
-                                  </p:stCondLst>
-                                  <p:childTnLst>
-                                    <p:animEffect transition="out" filter="dissolve">
-                                      <p:cBhvr>
-                                        <p:cTn id="27" dur="500"/>
-                                        <p:tgtEl>
-                                          <p:spTgt spid="3">
-                                            <p:txEl>
-                                              <p:pRg st="2" end="2"/>
-                                            </p:txEl>
-                                          </p:spTgt>
-                                        </p:tgtEl>
-                                      </p:cBhvr>
-                                    </p:animEffect>
-                                    <p:set>
-                                      <p:cBhvr>
-                                        <p:cTn id="28" dur="1" fill="hold">
-                                          <p:stCondLst>
-                                            <p:cond delay="499"/>
-                                          </p:stCondLst>
-                                        </p:cTn>
-                                        <p:tgtEl>
-                                          <p:spTgt spid="3">
-                                            <p:txEl>
-                                              <p:pRg st="2" end="2"/>
-                                            </p:txEl>
-                                          </p:spTgt>
-                                        </p:tgtEl>
-                                        <p:attrNameLst>
-                                          <p:attrName>style.visibility</p:attrName>
-                                        </p:attrNameLst>
-                                      </p:cBhvr>
-                                      <p:to>
-                                        <p:strVal val="hidden"/>
-                                      </p:to>
-                                    </p:set>
-                                  </p:childTnLst>
-                                </p:cTn>
-                              </p:par>
-                              <p:par>
-                                <p:cTn id="29" presetID="9" presetClass="entr" presetSubtype="0" fill="hold" grpId="0" nodeType="withEffect">
-                                  <p:stCondLst>
-                                    <p:cond delay="0"/>
-                                  </p:stCondLst>
-                                  <p:childTnLst>
-                                    <p:set>
-                                      <p:cBhvr>
-                                        <p:cTn id="30" dur="1" fill="hold">
-                                          <p:stCondLst>
-                                            <p:cond delay="0"/>
-                                          </p:stCondLst>
-                                        </p:cTn>
-                                        <p:tgtEl>
-                                          <p:spTgt spid="3">
-                                            <p:txEl>
-                                              <p:pRg st="3" end="3"/>
-                                            </p:txEl>
-                                          </p:spTgt>
-                                        </p:tgtEl>
-                                        <p:attrNameLst>
-                                          <p:attrName>style.visibility</p:attrName>
-                                        </p:attrNameLst>
-                                      </p:cBhvr>
-                                      <p:to>
-                                        <p:strVal val="visible"/>
-                                      </p:to>
-                                    </p:set>
-                                    <p:animEffect transition="in" filter="dissolve">
-                                      <p:cBhvr>
-                                        <p:cTn id="31" dur="500"/>
-                                        <p:tgtEl>
-                                          <p:spTgt spid="3">
-                                            <p:txEl>
-                                              <p:pRg st="3" end="3"/>
                                             </p:txEl>
                                           </p:spTgt>
                                         </p:tgtEl>
@@ -32947,7 +32857,6 @@
     </p:tnLst>
     <p:bldLst>
       <p:bldP spid="3" grpId="0" uiExpand="1" build="p"/>
-      <p:bldP spid="3" grpId="1" uiExpand="1" build="p"/>
     </p:bldLst>
   </p:timing>
 </p:sld>
@@ -33001,14 +32910,14 @@
             <a:pPr algn="ctr"/>
             <a:r>
               <a:rPr lang="pt-BR" b="1" i="1" dirty="0"/>
-              <a:t>Problemas de </a:t>
+              <a:t>Problema: </a:t>
             </a:r>
             <a:br>
               <a:rPr lang="pt-BR" b="1" i="1" dirty="0"/>
             </a:br>
             <a:r>
               <a:rPr lang="pt-BR" b="1" i="1" dirty="0"/>
-              <a:t>ESCALABILIDADE de tamanho</a:t>
+              <a:t>algoritmos centralizados</a:t>
             </a:r>
             <a:endParaRPr lang="pt-BR" dirty="0"/>
           </a:p>
@@ -33044,27 +32953,183 @@
           <a:p>
             <a:r>
               <a:rPr lang="pt" sz="3200" dirty="0"/>
-              <a:t>a</a:t>
+              <a:t>Para fazer processamento decentralizado, é preciso dividir ou decentralizar os dados</a:t>
             </a:r>
           </a:p>
           <a:p>
             <a:r>
               <a:rPr lang="en-US" sz="3200" dirty="0"/>
-              <a:t>b</a:t>
+              <a:t>No </a:t>
+            </a:r>
+            <a:r>
+              <a:rPr lang="en-US" sz="3200" dirty="0" err="1"/>
+              <a:t>caso</a:t>
+            </a:r>
+            <a:r>
+              <a:rPr lang="en-US" sz="3200" dirty="0"/>
+              <a:t> do Facebook, </a:t>
+            </a:r>
+            <a:r>
+              <a:rPr lang="en-US" sz="3200" dirty="0" err="1"/>
+              <a:t>eles</a:t>
+            </a:r>
+            <a:r>
+              <a:rPr lang="en-US" sz="3200" dirty="0"/>
+              <a:t> </a:t>
+            </a:r>
+            <a:r>
+              <a:rPr lang="en-US" sz="3200" dirty="0" err="1"/>
+              <a:t>usam</a:t>
+            </a:r>
+            <a:r>
+              <a:rPr lang="en-US" sz="3200" dirty="0"/>
+              <a:t> </a:t>
+            </a:r>
+            <a:r>
+              <a:rPr lang="en-US" sz="3200" dirty="0" err="1"/>
+              <a:t>diferentes</a:t>
+            </a:r>
+            <a:r>
+              <a:rPr lang="en-US" sz="3200" dirty="0"/>
+              <a:t> SGBDs para </a:t>
+            </a:r>
+            <a:r>
+              <a:rPr lang="en-US" sz="3200" dirty="0" err="1"/>
+              <a:t>decentralização</a:t>
+            </a:r>
+            <a:r>
+              <a:rPr lang="en-US" sz="3200" dirty="0"/>
+              <a:t> de dados</a:t>
             </a:r>
             <a:endParaRPr lang="pt" sz="3200" dirty="0"/>
           </a:p>
           <a:p>
             <a:r>
+              <a:rPr lang="en-US" sz="3200" dirty="0" err="1"/>
+              <a:t>Isto</a:t>
+            </a:r>
+            <a:r>
               <a:rPr lang="en-US" sz="3200" dirty="0"/>
-              <a:t>c</a:t>
-            </a:r>
-            <a:endParaRPr lang="pt" sz="3200" dirty="0"/>
-          </a:p>
-          <a:p>
+              <a:t> </a:t>
+            </a:r>
+            <a:r>
+              <a:rPr lang="en-US" sz="3200" dirty="0" err="1"/>
+              <a:t>inclui</a:t>
+            </a:r>
             <a:r>
               <a:rPr lang="en-US" sz="3200" dirty="0"/>
-              <a:t>d</a:t>
+              <a:t> MySQL </a:t>
+            </a:r>
+            <a:r>
+              <a:rPr lang="en-US" sz="3200" dirty="0">
+                <a:hlinkClick r:id="rId2"/>
+              </a:rPr>
+              <a:t>[1]</a:t>
+            </a:r>
+            <a:r>
+              <a:rPr lang="en-US" sz="3200" dirty="0"/>
+              <a:t> e o Apache Cassandra: um SBGD </a:t>
+            </a:r>
+            <a:r>
+              <a:rPr lang="en-US" sz="3200" dirty="0" err="1"/>
+              <a:t>distribuído</a:t>
+            </a:r>
+            <a:r>
+              <a:rPr lang="en-US" sz="3200" dirty="0"/>
+              <a:t> </a:t>
+            </a:r>
+            <a:r>
+              <a:rPr lang="en-US" sz="3200" dirty="0" err="1"/>
+              <a:t>inicialmente</a:t>
+            </a:r>
+            <a:r>
+              <a:rPr lang="en-US" sz="3200" dirty="0"/>
+              <a:t> </a:t>
+            </a:r>
+            <a:r>
+              <a:rPr lang="en-US" sz="3200" dirty="0" err="1"/>
+              <a:t>desenvolvido</a:t>
+            </a:r>
+            <a:r>
+              <a:rPr lang="en-US" sz="3200" dirty="0"/>
+              <a:t> </a:t>
+            </a:r>
+            <a:r>
+              <a:rPr lang="en-US" sz="3200" dirty="0" err="1"/>
+              <a:t>pelo</a:t>
+            </a:r>
+            <a:r>
+              <a:rPr lang="en-US" sz="3200" dirty="0"/>
+              <a:t> Facebook </a:t>
+            </a:r>
+            <a:r>
+              <a:rPr lang="en-US" sz="3200" dirty="0">
+                <a:hlinkClick r:id="rId3"/>
+              </a:rPr>
+              <a:t>[2]</a:t>
+            </a:r>
+            <a:r>
+              <a:rPr lang="en-US" sz="3200" dirty="0"/>
+              <a:t> </a:t>
+            </a:r>
+            <a:r>
+              <a:rPr lang="en-US" sz="3200" dirty="0">
+                <a:hlinkClick r:id="rId4"/>
+              </a:rPr>
+              <a:t>[3]</a:t>
+            </a:r>
+            <a:r>
+              <a:rPr lang="en-US" sz="3200" dirty="0"/>
+              <a:t> </a:t>
+            </a:r>
+            <a:r>
+              <a:rPr lang="en-US" sz="3200" dirty="0">
+                <a:hlinkClick r:id="rId5"/>
+              </a:rPr>
+              <a:t>[4]</a:t>
+            </a:r>
+            <a:endParaRPr lang="en-US" sz="3200" dirty="0"/>
+          </a:p>
+          <a:p>
+            <a:r>
+              <a:rPr lang="en-US" sz="3200" dirty="0"/>
+              <a:t>SGBDs </a:t>
+            </a:r>
+            <a:r>
+              <a:rPr lang="en-US" sz="3200" dirty="0" err="1"/>
+              <a:t>distribuídos</a:t>
+            </a:r>
+            <a:r>
+              <a:rPr lang="en-US" sz="3200" dirty="0"/>
+              <a:t> </a:t>
+            </a:r>
+            <a:r>
+              <a:rPr lang="en-US" sz="3200" dirty="0" err="1"/>
+              <a:t>não</a:t>
+            </a:r>
+            <a:r>
+              <a:rPr lang="en-US" sz="3200" dirty="0"/>
+              <a:t> </a:t>
+            </a:r>
+            <a:r>
+              <a:rPr lang="en-US" sz="3200" dirty="0" err="1"/>
+              <a:t>fazem</a:t>
+            </a:r>
+            <a:r>
+              <a:rPr lang="en-US" sz="3200" dirty="0"/>
+              <a:t> </a:t>
+            </a:r>
+            <a:r>
+              <a:rPr lang="en-US" sz="3200" dirty="0" err="1"/>
+              <a:t>parte</a:t>
+            </a:r>
+            <a:r>
+              <a:rPr lang="en-US" sz="3200" dirty="0"/>
+              <a:t> da </a:t>
+            </a:r>
+            <a:r>
+              <a:rPr lang="en-US" sz="3200" dirty="0" err="1"/>
+              <a:t>disciplina</a:t>
             </a:r>
             <a:endParaRPr lang="pt" sz="3200" dirty="0"/>
           </a:p>
@@ -33102,7 +33167,7 @@
     </p:spTree>
     <p:extLst>
       <p:ext uri="{BB962C8B-B14F-4D97-AF65-F5344CB8AC3E}">
-        <p14:creationId xmlns:p14="http://schemas.microsoft.com/office/powerpoint/2010/main" val="3322274284"/>
+        <p14:creationId xmlns:p14="http://schemas.microsoft.com/office/powerpoint/2010/main" val="2066603454"/>
       </p:ext>
     </p:extLst>
   </p:cSld>
@@ -33191,14 +33256,57 @@
                             </p:stCondLst>
                             <p:childTnLst>
                               <p:par>
-                                <p:cTn id="10" presetID="9" presetClass="entr" presetSubtype="0" fill="hold" grpId="0" nodeType="clickEffect">
+                                <p:cTn id="10" presetID="9" presetClass="exit" presetSubtype="0" fill="hold" grpId="1" nodeType="clickEffect">
+                                  <p:stCondLst>
+                                    <p:cond delay="0"/>
+                                  </p:stCondLst>
+                                  <p:childTnLst>
+                                    <p:animEffect transition="out" filter="dissolve">
+                                      <p:cBhvr>
+                                        <p:cTn id="11" dur="500"/>
+                                        <p:tgtEl>
+                                          <p:spTgt spid="3">
+                                            <p:txEl>
+                                              <p:pRg st="0" end="0"/>
+                                            </p:txEl>
+                                          </p:spTgt>
+                                        </p:tgtEl>
+                                      </p:cBhvr>
+                                    </p:animEffect>
+                                    <p:set>
+                                      <p:cBhvr>
+                                        <p:cTn id="12" dur="1" fill="hold">
+                                          <p:stCondLst>
+                                            <p:cond delay="499"/>
+                                          </p:stCondLst>
+                                        </p:cTn>
+                                        <p:tgtEl>
+                                          <p:spTgt spid="3">
+                                            <p:txEl>
+                                              <p:pRg st="0" end="0"/>
+                                            </p:txEl>
+                                          </p:spTgt>
+                                        </p:tgtEl>
+                                        <p:attrNameLst>
+                                          <p:attrName>style.visibility</p:attrName>
+                                        </p:attrNameLst>
+                                      </p:cBhvr>
+                                      <p:to>
+                                        <p:strVal val="hidden"/>
+                                      </p:to>
+                                    </p:set>
+                                  </p:childTnLst>
+                                </p:cTn>
+                              </p:par>
+                              <p:par>
+                                <p:cTn id="13" presetID="9" presetClass="entr" presetSubtype="0" fill="hold" grpId="0" nodeType="withEffect">
                                   <p:stCondLst>
                                     <p:cond delay="0"/>
                                   </p:stCondLst>
                                   <p:childTnLst>
                                     <p:set>
                                       <p:cBhvr>
-                                        <p:cTn id="11" dur="1" fill="hold">
+                                        <p:cTn id="14" dur="1" fill="hold">
                                           <p:stCondLst>
                                             <p:cond delay="0"/>
                                           </p:stCondLst>
@@ -33220,7 +33328,7 @@
                                     </p:set>
                                     <p:animEffect transition="in" filter="dissolve">
                                       <p:cBhvr>
-                                        <p:cTn id="12" dur="500"/>
+                                        <p:cTn id="15" dur="500"/>
                                         <p:tgtEl>
                                           <p:spTgt spid="3">
                                             <p:txEl>
@@ -33230,49 +33338,6 @@
                                         </p:tgtEl>
                                       </p:cBhvr>
                                     </p:animEffect>
-                                  </p:childTnLst>
-                                </p:cTn>
-                              </p:par>
-                              <p:par>
-                                <p:cTn id="13" presetID="9" presetClass="exit" presetSubtype="0" fill="hold" grpId="1" nodeType="withEffect">
-                                  <p:stCondLst>
-                                    <p:cond delay="0"/>
-                                  </p:stCondLst>
-                                  <p:childTnLst>
-                                    <p:animEffect transition="out" filter="dissolve">
-                                      <p:cBhvr>
-                                        <p:cTn id="14" dur="500"/>
-                                        <p:tgtEl>
-                                          <p:spTgt spid="3">
-                                            <p:txEl>
-                                              <p:pRg st="0" end="0"/>
-                                            </p:txEl>
-                                          </p:spTgt>
-                                        </p:tgtEl>
-                                      </p:cBhvr>
-                                    </p:animEffect>
-                                    <p:set>
-                                      <p:cBhvr>
-                                        <p:cTn id="15" dur="1" fill="hold">
-                                          <p:stCondLst>
-                                            <p:cond delay="499"/>
-                                          </p:stCondLst>
-                                        </p:cTn>
-                                        <p:tgtEl>
-                                          <p:spTgt spid="3">
-                                            <p:txEl>
-                                              <p:pRg st="0" end="0"/>
-                                            </p:txEl>
-                                          </p:spTgt>
-                                        </p:tgtEl>
-                                        <p:attrNameLst>
-                                          <p:attrName>style.visibility</p:attrName>
-                                        </p:attrNameLst>
-                                      </p:cBhvr>
-                                      <p:to>
-                                        <p:strVal val="hidden"/>
-                                      </p:to>
-                                    </p:set>
                                   </p:childTnLst>
                                 </p:cTn>
                               </p:par>
@@ -34193,7 +34258,7 @@
             </a:br>
             <a:r>
               <a:rPr lang="pt-BR" b="1" i="1" dirty="0"/>
-              <a:t>ESCALABILIDADE de tamanho</a:t>
+              <a:t>ESCALABILIDADE geográfica</a:t>
             </a:r>
             <a:endParaRPr lang="pt-BR" dirty="0"/>
           </a:p>
@@ -34229,22 +34294,29 @@
           <a:p>
             <a:r>
               <a:rPr lang="pt" sz="3200" dirty="0"/>
-              <a:t>a</a:t>
-            </a:r>
-          </a:p>
-          <a:p>
-            <a:r>
-              <a:rPr lang="en-US" sz="3200" dirty="0"/>
-              <a:t>b</a:t>
+              <a:t>Antes da popularização da internet, sistemas eram acessados a partir de uma LAN</a:t>
+            </a:r>
+          </a:p>
+          <a:p>
+            <a:r>
+              <a:rPr lang="pt" sz="3200" dirty="0"/>
+              <a:t>Atraso, congestionamento e quebra de conexão eram muito me</a:t>
+            </a:r>
+            <a:r>
+              <a:rPr lang="en-US" sz="3200" dirty="0" err="1"/>
+              <a:t>nores</a:t>
             </a:r>
             <a:endParaRPr lang="pt" sz="3200" dirty="0"/>
           </a:p>
           <a:p>
             <a:r>
-              <a:rPr lang="en-US" sz="3200" dirty="0"/>
-              <a:t>c</a:t>
-            </a:r>
-            <a:endParaRPr lang="pt" sz="3200" dirty="0"/>
+              <a:rPr lang="pt" sz="3200" dirty="0" err="1"/>
+              <a:t>Apps</a:t>
+            </a:r>
+            <a:r>
+              <a:rPr lang="pt" sz="3200" dirty="0"/>
+              <a:t> faziam requisições síncronas a um servidor na LAN: ficava bloqueada, aguardando uma resposta [SDPP] [SDCP]</a:t>
+            </a:r>
           </a:p>
           <a:p>
             <a:r>
@@ -34287,7 +34359,7 @@
     </p:spTree>
     <p:extLst>
       <p:ext uri="{BB962C8B-B14F-4D97-AF65-F5344CB8AC3E}">
-        <p14:creationId xmlns:p14="http://schemas.microsoft.com/office/powerpoint/2010/main" val="1108108973"/>
+        <p14:creationId xmlns:p14="http://schemas.microsoft.com/office/powerpoint/2010/main" val="3322274284"/>
       </p:ext>
     </p:extLst>
   </p:cSld>
@@ -34739,6 +34811,572 @@
         </p:nvSpPr>
         <p:spPr>
           <a:xfrm>
+            <a:off x="2679116" y="99458"/>
+            <a:ext cx="9530038" cy="1509490"/>
+          </a:xfrm>
+        </p:spPr>
+        <p:txBody>
+          <a:bodyPr>
+            <a:normAutofit/>
+          </a:bodyPr>
+          <a:lstStyle/>
+          <a:p>
+            <a:pPr algn="ctr"/>
+            <a:r>
+              <a:rPr lang="pt-BR" b="1" i="1" dirty="0"/>
+              <a:t>Problemas de </a:t>
+            </a:r>
+            <a:br>
+              <a:rPr lang="pt-BR" b="1" i="1" dirty="0"/>
+            </a:br>
+            <a:r>
+              <a:rPr lang="pt-BR" b="1" i="1" dirty="0"/>
+              <a:t>ESCALABILIDADE de tamanho</a:t>
+            </a:r>
+            <a:endParaRPr lang="pt-BR" dirty="0"/>
+          </a:p>
+        </p:txBody>
+      </p:sp>
+      <p:sp>
+        <p:nvSpPr>
+          <p:cNvPr id="3" name="Content Placeholder 2">
+            <a:extLst>
+              <a:ext uri="{FF2B5EF4-FFF2-40B4-BE49-F238E27FC236}">
+                <a16:creationId xmlns:a16="http://schemas.microsoft.com/office/drawing/2014/main" id="{C9044F89-E3C1-E349-B0DE-0B932821234C}"/>
+              </a:ext>
+            </a:extLst>
+          </p:cNvPr>
+          <p:cNvSpPr>
+            <a:spLocks noGrp="1"/>
+          </p:cNvSpPr>
+          <p:nvPr>
+            <p:ph idx="1"/>
+          </p:nvPr>
+        </p:nvSpPr>
+        <p:spPr>
+          <a:xfrm>
+            <a:off x="596348" y="1444490"/>
+            <a:ext cx="10908264" cy="5032509"/>
+          </a:xfrm>
+        </p:spPr>
+        <p:txBody>
+          <a:bodyPr>
+            <a:normAutofit/>
+          </a:bodyPr>
+          <a:lstStyle/>
+          <a:p>
+            <a:r>
+              <a:rPr lang="pt" sz="3200" dirty="0"/>
+              <a:t>a</a:t>
+            </a:r>
+          </a:p>
+          <a:p>
+            <a:r>
+              <a:rPr lang="en-US" sz="3200" dirty="0"/>
+              <a:t>b</a:t>
+            </a:r>
+            <a:endParaRPr lang="pt" sz="3200" dirty="0"/>
+          </a:p>
+          <a:p>
+            <a:r>
+              <a:rPr lang="en-US" sz="3200" dirty="0"/>
+              <a:t>c</a:t>
+            </a:r>
+            <a:endParaRPr lang="pt" sz="3200" dirty="0"/>
+          </a:p>
+          <a:p>
+            <a:r>
+              <a:rPr lang="en-US" sz="3200" dirty="0"/>
+              <a:t>d</a:t>
+            </a:r>
+            <a:endParaRPr lang="pt" sz="3200" dirty="0"/>
+          </a:p>
+        </p:txBody>
+      </p:sp>
+      <p:sp>
+        <p:nvSpPr>
+          <p:cNvPr id="4" name="Slide Number Placeholder 3">
+            <a:extLst>
+              <a:ext uri="{FF2B5EF4-FFF2-40B4-BE49-F238E27FC236}">
+                <a16:creationId xmlns:a16="http://schemas.microsoft.com/office/drawing/2014/main" id="{2EA509C2-078C-DE4C-BE59-C32AF18E82D6}"/>
+              </a:ext>
+            </a:extLst>
+          </p:cNvPr>
+          <p:cNvSpPr>
+            <a:spLocks noGrp="1"/>
+          </p:cNvSpPr>
+          <p:nvPr>
+            <p:ph type="sldNum" sz="quarter" idx="12"/>
+          </p:nvPr>
+        </p:nvSpPr>
+        <p:spPr/>
+        <p:txBody>
+          <a:bodyPr/>
+          <a:lstStyle/>
+          <a:p>
+            <a:fld id="{2183B7EE-0FBE-B749-875F-ED24F5ECD71F}" type="slidenum">
+              <a:rPr lang="en-US" smtClean="0"/>
+              <a:t>61</a:t>
+            </a:fld>
+            <a:endParaRPr lang="en-US" dirty="0"/>
+          </a:p>
+        </p:txBody>
+      </p:sp>
+    </p:spTree>
+    <p:extLst>
+      <p:ext uri="{BB962C8B-B14F-4D97-AF65-F5344CB8AC3E}">
+        <p14:creationId xmlns:p14="http://schemas.microsoft.com/office/powerpoint/2010/main" val="1108108973"/>
+      </p:ext>
+    </p:extLst>
+  </p:cSld>
+  <p:clrMapOvr>
+    <a:masterClrMapping/>
+  </p:clrMapOvr>
+  <p:timing>
+    <p:tnLst>
+      <p:par>
+        <p:cTn id="1" dur="indefinite" restart="never" nodeType="tmRoot">
+          <p:childTnLst>
+            <p:seq concurrent="1" nextAc="seek">
+              <p:cTn id="2" dur="indefinite" nodeType="mainSeq">
+                <p:childTnLst>
+                  <p:par>
+                    <p:cTn id="3" fill="hold">
+                      <p:stCondLst>
+                        <p:cond delay="indefinite"/>
+                      </p:stCondLst>
+                      <p:childTnLst>
+                        <p:par>
+                          <p:cTn id="4" fill="hold">
+                            <p:stCondLst>
+                              <p:cond delay="0"/>
+                            </p:stCondLst>
+                            <p:childTnLst>
+                              <p:par>
+                                <p:cTn id="5" presetID="9" presetClass="entr" presetSubtype="0" fill="hold" grpId="0" nodeType="clickEffect">
+                                  <p:stCondLst>
+                                    <p:cond delay="0"/>
+                                  </p:stCondLst>
+                                  <p:childTnLst>
+                                    <p:set>
+                                      <p:cBhvr>
+                                        <p:cTn id="6" dur="1" fill="hold">
+                                          <p:stCondLst>
+                                            <p:cond delay="0"/>
+                                          </p:stCondLst>
+                                        </p:cTn>
+                                        <p:tgtEl>
+                                          <p:spTgt spid="3">
+                                            <p:txEl>
+                                              <p:pRg st="0" end="0"/>
+                                            </p:txEl>
+                                          </p:spTgt>
+                                        </p:tgtEl>
+                                        <p:attrNameLst>
+                                          <p:attrName>style.visibility</p:attrName>
+                                        </p:attrNameLst>
+                                      </p:cBhvr>
+                                      <p:to>
+                                        <p:strVal val="visible"/>
+                                      </p:to>
+                                    </p:set>
+                                    <p:animEffect transition="in" filter="dissolve">
+                                      <p:cBhvr>
+                                        <p:cTn id="7" dur="500"/>
+                                        <p:tgtEl>
+                                          <p:spTgt spid="3">
+                                            <p:txEl>
+                                              <p:pRg st="0" end="0"/>
+                                            </p:txEl>
+                                          </p:spTgt>
+                                        </p:tgtEl>
+                                      </p:cBhvr>
+                                    </p:animEffect>
+                                  </p:childTnLst>
+                                </p:cTn>
+                              </p:par>
+                            </p:childTnLst>
+                          </p:cTn>
+                        </p:par>
+                      </p:childTnLst>
+                    </p:cTn>
+                  </p:par>
+                  <p:par>
+                    <p:cTn id="8" fill="hold">
+                      <p:stCondLst>
+                        <p:cond delay="indefinite"/>
+                      </p:stCondLst>
+                      <p:childTnLst>
+                        <p:par>
+                          <p:cTn id="9" fill="hold">
+                            <p:stCondLst>
+                              <p:cond delay="0"/>
+                            </p:stCondLst>
+                            <p:childTnLst>
+                              <p:par>
+                                <p:cTn id="10" presetID="9" presetClass="entr" presetSubtype="0" fill="hold" grpId="0" nodeType="clickEffect">
+                                  <p:stCondLst>
+                                    <p:cond delay="0"/>
+                                  </p:stCondLst>
+                                  <p:childTnLst>
+                                    <p:set>
+                                      <p:cBhvr>
+                                        <p:cTn id="11" dur="1" fill="hold">
+                                          <p:stCondLst>
+                                            <p:cond delay="0"/>
+                                          </p:stCondLst>
+                                        </p:cTn>
+                                        <p:tgtEl>
+                                          <p:spTgt spid="3">
+                                            <p:txEl>
+                                              <p:pRg st="1" end="1"/>
+                                            </p:txEl>
+                                          </p:spTgt>
+                                        </p:tgtEl>
+                                        <p:attrNameLst>
+                                          <p:attrName>style.visibility</p:attrName>
+                                        </p:attrNameLst>
+                                      </p:cBhvr>
+                                      <p:to>
+                                        <p:strVal val="visible"/>
+                                      </p:to>
+                                    </p:set>
+                                    <p:animEffect transition="in" filter="dissolve">
+                                      <p:cBhvr>
+                                        <p:cTn id="12" dur="500"/>
+                                        <p:tgtEl>
+                                          <p:spTgt spid="3">
+                                            <p:txEl>
+                                              <p:pRg st="1" end="1"/>
+                                            </p:txEl>
+                                          </p:spTgt>
+                                        </p:tgtEl>
+                                      </p:cBhvr>
+                                    </p:animEffect>
+                                  </p:childTnLst>
+                                </p:cTn>
+                              </p:par>
+                              <p:par>
+                                <p:cTn id="13" presetID="9" presetClass="exit" presetSubtype="0" fill="hold" grpId="1" nodeType="withEffect">
+                                  <p:stCondLst>
+                                    <p:cond delay="0"/>
+                                  </p:stCondLst>
+                                  <p:childTnLst>
+                                    <p:animEffect transition="out" filter="dissolve">
+                                      <p:cBhvr>
+                                        <p:cTn id="14" dur="500"/>
+                                        <p:tgtEl>
+                                          <p:spTgt spid="3">
+                                            <p:txEl>
+                                              <p:pRg st="0" end="0"/>
+                                            </p:txEl>
+                                          </p:spTgt>
+                                        </p:tgtEl>
+                                      </p:cBhvr>
+                                    </p:animEffect>
+                                    <p:set>
+                                      <p:cBhvr>
+                                        <p:cTn id="15" dur="1" fill="hold">
+                                          <p:stCondLst>
+                                            <p:cond delay="499"/>
+                                          </p:stCondLst>
+                                        </p:cTn>
+                                        <p:tgtEl>
+                                          <p:spTgt spid="3">
+                                            <p:txEl>
+                                              <p:pRg st="0" end="0"/>
+                                            </p:txEl>
+                                          </p:spTgt>
+                                        </p:tgtEl>
+                                        <p:attrNameLst>
+                                          <p:attrName>style.visibility</p:attrName>
+                                        </p:attrNameLst>
+                                      </p:cBhvr>
+                                      <p:to>
+                                        <p:strVal val="hidden"/>
+                                      </p:to>
+                                    </p:set>
+                                  </p:childTnLst>
+                                </p:cTn>
+                              </p:par>
+                            </p:childTnLst>
+                          </p:cTn>
+                        </p:par>
+                      </p:childTnLst>
+                    </p:cTn>
+                  </p:par>
+                  <p:par>
+                    <p:cTn id="16" fill="hold">
+                      <p:stCondLst>
+                        <p:cond delay="indefinite"/>
+                      </p:stCondLst>
+                      <p:childTnLst>
+                        <p:par>
+                          <p:cTn id="17" fill="hold">
+                            <p:stCondLst>
+                              <p:cond delay="0"/>
+                            </p:stCondLst>
+                            <p:childTnLst>
+                              <p:par>
+                                <p:cTn id="18" presetID="9" presetClass="exit" presetSubtype="0" fill="hold" grpId="1" nodeType="clickEffect">
+                                  <p:stCondLst>
+                                    <p:cond delay="0"/>
+                                  </p:stCondLst>
+                                  <p:childTnLst>
+                                    <p:animEffect transition="out" filter="dissolve">
+                                      <p:cBhvr>
+                                        <p:cTn id="19" dur="500"/>
+                                        <p:tgtEl>
+                                          <p:spTgt spid="3">
+                                            <p:txEl>
+                                              <p:pRg st="1" end="1"/>
+                                            </p:txEl>
+                                          </p:spTgt>
+                                        </p:tgtEl>
+                                      </p:cBhvr>
+                                    </p:animEffect>
+                                    <p:set>
+                                      <p:cBhvr>
+                                        <p:cTn id="20" dur="1" fill="hold">
+                                          <p:stCondLst>
+                                            <p:cond delay="499"/>
+                                          </p:stCondLst>
+                                        </p:cTn>
+                                        <p:tgtEl>
+                                          <p:spTgt spid="3">
+                                            <p:txEl>
+                                              <p:pRg st="1" end="1"/>
+                                            </p:txEl>
+                                          </p:spTgt>
+                                        </p:tgtEl>
+                                        <p:attrNameLst>
+                                          <p:attrName>style.visibility</p:attrName>
+                                        </p:attrNameLst>
+                                      </p:cBhvr>
+                                      <p:to>
+                                        <p:strVal val="hidden"/>
+                                      </p:to>
+                                    </p:set>
+                                  </p:childTnLst>
+                                </p:cTn>
+                              </p:par>
+                              <p:par>
+                                <p:cTn id="21" presetID="9" presetClass="entr" presetSubtype="0" fill="hold" grpId="0" nodeType="withEffect">
+                                  <p:stCondLst>
+                                    <p:cond delay="0"/>
+                                  </p:stCondLst>
+                                  <p:childTnLst>
+                                    <p:set>
+                                      <p:cBhvr>
+                                        <p:cTn id="22" dur="1" fill="hold">
+                                          <p:stCondLst>
+                                            <p:cond delay="0"/>
+                                          </p:stCondLst>
+                                        </p:cTn>
+                                        <p:tgtEl>
+                                          <p:spTgt spid="3">
+                                            <p:txEl>
+                                              <p:pRg st="2" end="2"/>
+                                            </p:txEl>
+                                          </p:spTgt>
+                                        </p:tgtEl>
+                                        <p:attrNameLst>
+                                          <p:attrName>style.visibility</p:attrName>
+                                        </p:attrNameLst>
+                                      </p:cBhvr>
+                                      <p:to>
+                                        <p:strVal val="visible"/>
+                                      </p:to>
+                                    </p:set>
+                                    <p:animEffect transition="in" filter="dissolve">
+                                      <p:cBhvr>
+                                        <p:cTn id="23" dur="500"/>
+                                        <p:tgtEl>
+                                          <p:spTgt spid="3">
+                                            <p:txEl>
+                                              <p:pRg st="2" end="2"/>
+                                            </p:txEl>
+                                          </p:spTgt>
+                                        </p:tgtEl>
+                                      </p:cBhvr>
+                                    </p:animEffect>
+                                  </p:childTnLst>
+                                </p:cTn>
+                              </p:par>
+                            </p:childTnLst>
+                          </p:cTn>
+                        </p:par>
+                      </p:childTnLst>
+                    </p:cTn>
+                  </p:par>
+                  <p:par>
+                    <p:cTn id="24" fill="hold">
+                      <p:stCondLst>
+                        <p:cond delay="indefinite"/>
+                      </p:stCondLst>
+                      <p:childTnLst>
+                        <p:par>
+                          <p:cTn id="25" fill="hold">
+                            <p:stCondLst>
+                              <p:cond delay="0"/>
+                            </p:stCondLst>
+                            <p:childTnLst>
+                              <p:par>
+                                <p:cTn id="26" presetID="9" presetClass="exit" presetSubtype="0" fill="hold" grpId="1" nodeType="clickEffect">
+                                  <p:stCondLst>
+                                    <p:cond delay="0"/>
+                                  </p:stCondLst>
+                                  <p:childTnLst>
+                                    <p:animEffect transition="out" filter="dissolve">
+                                      <p:cBhvr>
+                                        <p:cTn id="27" dur="500"/>
+                                        <p:tgtEl>
+                                          <p:spTgt spid="3">
+                                            <p:txEl>
+                                              <p:pRg st="2" end="2"/>
+                                            </p:txEl>
+                                          </p:spTgt>
+                                        </p:tgtEl>
+                                      </p:cBhvr>
+                                    </p:animEffect>
+                                    <p:set>
+                                      <p:cBhvr>
+                                        <p:cTn id="28" dur="1" fill="hold">
+                                          <p:stCondLst>
+                                            <p:cond delay="499"/>
+                                          </p:stCondLst>
+                                        </p:cTn>
+                                        <p:tgtEl>
+                                          <p:spTgt spid="3">
+                                            <p:txEl>
+                                              <p:pRg st="2" end="2"/>
+                                            </p:txEl>
+                                          </p:spTgt>
+                                        </p:tgtEl>
+                                        <p:attrNameLst>
+                                          <p:attrName>style.visibility</p:attrName>
+                                        </p:attrNameLst>
+                                      </p:cBhvr>
+                                      <p:to>
+                                        <p:strVal val="hidden"/>
+                                      </p:to>
+                                    </p:set>
+                                  </p:childTnLst>
+                                </p:cTn>
+                              </p:par>
+                              <p:par>
+                                <p:cTn id="29" presetID="9" presetClass="entr" presetSubtype="0" fill="hold" grpId="0" nodeType="withEffect">
+                                  <p:stCondLst>
+                                    <p:cond delay="0"/>
+                                  </p:stCondLst>
+                                  <p:childTnLst>
+                                    <p:set>
+                                      <p:cBhvr>
+                                        <p:cTn id="30" dur="1" fill="hold">
+                                          <p:stCondLst>
+                                            <p:cond delay="0"/>
+                                          </p:stCondLst>
+                                        </p:cTn>
+                                        <p:tgtEl>
+                                          <p:spTgt spid="3">
+                                            <p:txEl>
+                                              <p:pRg st="3" end="3"/>
+                                            </p:txEl>
+                                          </p:spTgt>
+                                        </p:tgtEl>
+                                        <p:attrNameLst>
+                                          <p:attrName>style.visibility</p:attrName>
+                                        </p:attrNameLst>
+                                      </p:cBhvr>
+                                      <p:to>
+                                        <p:strVal val="visible"/>
+                                      </p:to>
+                                    </p:set>
+                                    <p:animEffect transition="in" filter="dissolve">
+                                      <p:cBhvr>
+                                        <p:cTn id="31" dur="500"/>
+                                        <p:tgtEl>
+                                          <p:spTgt spid="3">
+                                            <p:txEl>
+                                              <p:pRg st="3" end="3"/>
+                                            </p:txEl>
+                                          </p:spTgt>
+                                        </p:tgtEl>
+                                      </p:cBhvr>
+                                    </p:animEffect>
+                                  </p:childTnLst>
+                                </p:cTn>
+                              </p:par>
+                            </p:childTnLst>
+                          </p:cTn>
+                        </p:par>
+                      </p:childTnLst>
+                    </p:cTn>
+                  </p:par>
+                </p:childTnLst>
+              </p:cTn>
+              <p:prevCondLst>
+                <p:cond evt="onPrev" delay="0">
+                  <p:tgtEl>
+                    <p:sldTgt/>
+                  </p:tgtEl>
+                </p:cond>
+              </p:prevCondLst>
+              <p:nextCondLst>
+                <p:cond evt="onNext" delay="0">
+                  <p:tgtEl>
+                    <p:sldTgt/>
+                  </p:tgtEl>
+                </p:cond>
+              </p:nextCondLst>
+            </p:seq>
+          </p:childTnLst>
+        </p:cTn>
+      </p:par>
+    </p:tnLst>
+    <p:bldLst>
+      <p:bldP spid="3" grpId="0" uiExpand="1" build="p"/>
+      <p:bldP spid="3" grpId="1" uiExpand="1" build="p"/>
+    </p:bldLst>
+  </p:timing>
+</p:sld>
+</file>
+
+<file path=ppt/slides/slide62.xml><?xml version="1.0" encoding="utf-8"?>
+<p:sld xmlns:a="http://schemas.openxmlformats.org/drawingml/2006/main" xmlns:r="http://schemas.openxmlformats.org/officeDocument/2006/relationships" xmlns:p="http://schemas.openxmlformats.org/presentationml/2006/main">
+  <p:cSld>
+    <p:spTree>
+      <p:nvGrpSpPr>
+        <p:cNvPr id="1" name=""/>
+        <p:cNvGrpSpPr/>
+        <p:nvPr/>
+      </p:nvGrpSpPr>
+      <p:grpSpPr>
+        <a:xfrm>
+          <a:off x="0" y="0"/>
+          <a:ext cx="0" cy="0"/>
+          <a:chOff x="0" y="0"/>
+          <a:chExt cx="0" cy="0"/>
+        </a:xfrm>
+      </p:grpSpPr>
+      <p:sp>
+        <p:nvSpPr>
+          <p:cNvPr id="2" name="Title 1">
+            <a:extLst>
+              <a:ext uri="{FF2B5EF4-FFF2-40B4-BE49-F238E27FC236}">
+                <a16:creationId xmlns:a16="http://schemas.microsoft.com/office/drawing/2014/main" id="{58204B45-BA2F-544A-ADBD-2B584480C63E}"/>
+              </a:ext>
+            </a:extLst>
+          </p:cNvPr>
+          <p:cNvSpPr>
+            <a:spLocks noGrp="1"/>
+          </p:cNvSpPr>
+          <p:nvPr>
+            <p:ph type="title"/>
+          </p:nvPr>
+        </p:nvSpPr>
+        <p:spPr>
+          <a:xfrm>
             <a:off x="1974575" y="624110"/>
             <a:ext cx="9530038" cy="1509490"/>
           </a:xfrm>
@@ -34916,7 +35554,7 @@
           <a:p>
             <a:fld id="{2183B7EE-0FBE-B749-875F-ED24F5ECD71F}" type="slidenum">
               <a:rPr lang="en-US" smtClean="0"/>
-              <a:t>61</a:t>
+              <a:t>62</a:t>
             </a:fld>
             <a:endParaRPr lang="en-US"/>
           </a:p>

--- a/introducao-sd.pptx
+++ b/introducao-sd.pptx
@@ -5,7 +5,7 @@
     <p:sldMasterId id="2147484349" r:id="rId1"/>
   </p:sldMasterIdLst>
   <p:notesMasterIdLst>
-    <p:notesMasterId r:id="rId64"/>
+    <p:notesMasterId r:id="rId70"/>
   </p:notesMasterIdLst>
   <p:sldIdLst>
     <p:sldId id="266" r:id="rId2"/>
@@ -53,23 +53,29 @@
     <p:sldId id="323" r:id="rId44"/>
     <p:sldId id="325" r:id="rId45"/>
     <p:sldId id="324" r:id="rId46"/>
-    <p:sldId id="326" r:id="rId47"/>
-    <p:sldId id="327" r:id="rId48"/>
-    <p:sldId id="329" r:id="rId49"/>
-    <p:sldId id="331" r:id="rId50"/>
-    <p:sldId id="335" r:id="rId51"/>
-    <p:sldId id="332" r:id="rId52"/>
-    <p:sldId id="333" r:id="rId53"/>
-    <p:sldId id="334" r:id="rId54"/>
-    <p:sldId id="336" r:id="rId55"/>
-    <p:sldId id="338" r:id="rId56"/>
-    <p:sldId id="341" r:id="rId57"/>
-    <p:sldId id="342" r:id="rId58"/>
-    <p:sldId id="343" r:id="rId59"/>
-    <p:sldId id="340" r:id="rId60"/>
-    <p:sldId id="339" r:id="rId61"/>
-    <p:sldId id="337" r:id="rId62"/>
-    <p:sldId id="292" r:id="rId63"/>
+    <p:sldId id="327" r:id="rId47"/>
+    <p:sldId id="329" r:id="rId48"/>
+    <p:sldId id="331" r:id="rId49"/>
+    <p:sldId id="335" r:id="rId50"/>
+    <p:sldId id="332" r:id="rId51"/>
+    <p:sldId id="333" r:id="rId52"/>
+    <p:sldId id="334" r:id="rId53"/>
+    <p:sldId id="336" r:id="rId54"/>
+    <p:sldId id="338" r:id="rId55"/>
+    <p:sldId id="341" r:id="rId56"/>
+    <p:sldId id="342" r:id="rId57"/>
+    <p:sldId id="343" r:id="rId58"/>
+    <p:sldId id="340" r:id="rId59"/>
+    <p:sldId id="339" r:id="rId60"/>
+    <p:sldId id="337" r:id="rId61"/>
+    <p:sldId id="344" r:id="rId62"/>
+    <p:sldId id="346" r:id="rId63"/>
+    <p:sldId id="347" r:id="rId64"/>
+    <p:sldId id="348" r:id="rId65"/>
+    <p:sldId id="345" r:id="rId66"/>
+    <p:sldId id="350" r:id="rId67"/>
+    <p:sldId id="349" r:id="rId68"/>
+    <p:sldId id="292" r:id="rId69"/>
   </p:sldIdLst>
   <p:sldSz cx="12192000" cy="6858000"/>
   <p:notesSz cx="6858000" cy="9144000"/>
@@ -258,7 +264,7 @@
           <a:p>
             <a:fld id="{7497B6E1-7C5B-524D-B5EB-5E6695205380}" type="datetimeFigureOut">
               <a:rPr lang="pt-BR" smtClean="0"/>
-              <a:t>11/03/2019</a:t>
+              <a:t>20/03/2019</a:t>
             </a:fld>
             <a:endParaRPr lang="pt-BR"/>
           </a:p>
@@ -526,6 +532,174 @@
 </p:notesMaster>
 </file>
 
+<file path=ppt/notesSlides/notesSlide1.xml><?xml version="1.0" encoding="utf-8"?>
+<p:notes xmlns:a="http://schemas.openxmlformats.org/drawingml/2006/main" xmlns:r="http://schemas.openxmlformats.org/officeDocument/2006/relationships" xmlns:p="http://schemas.openxmlformats.org/presentationml/2006/main">
+  <p:cSld>
+    <p:spTree>
+      <p:nvGrpSpPr>
+        <p:cNvPr id="1" name=""/>
+        <p:cNvGrpSpPr/>
+        <p:nvPr/>
+      </p:nvGrpSpPr>
+      <p:grpSpPr>
+        <a:xfrm>
+          <a:off x="0" y="0"/>
+          <a:ext cx="0" cy="0"/>
+          <a:chOff x="0" y="0"/>
+          <a:chExt cx="0" cy="0"/>
+        </a:xfrm>
+      </p:grpSpPr>
+      <p:sp>
+        <p:nvSpPr>
+          <p:cNvPr id="2" name="Slide Image Placeholder 1"/>
+          <p:cNvSpPr>
+            <a:spLocks noGrp="1" noRot="1" noChangeAspect="1"/>
+          </p:cNvSpPr>
+          <p:nvPr>
+            <p:ph type="sldImg"/>
+          </p:nvPr>
+        </p:nvSpPr>
+        <p:spPr/>
+      </p:sp>
+      <p:sp>
+        <p:nvSpPr>
+          <p:cNvPr id="3" name="Notes Placeholder 2"/>
+          <p:cNvSpPr>
+            <a:spLocks noGrp="1"/>
+          </p:cNvSpPr>
+          <p:nvPr>
+            <p:ph type="body" idx="1"/>
+          </p:nvPr>
+        </p:nvSpPr>
+        <p:spPr/>
+        <p:txBody>
+          <a:bodyPr/>
+          <a:lstStyle/>
+          <a:p>
+            <a:endParaRPr lang="pt-BR" dirty="0"/>
+          </a:p>
+        </p:txBody>
+      </p:sp>
+      <p:sp>
+        <p:nvSpPr>
+          <p:cNvPr id="4" name="Slide Number Placeholder 3"/>
+          <p:cNvSpPr>
+            <a:spLocks noGrp="1"/>
+          </p:cNvSpPr>
+          <p:nvPr>
+            <p:ph type="sldNum" sz="quarter" idx="5"/>
+          </p:nvPr>
+        </p:nvSpPr>
+        <p:spPr/>
+        <p:txBody>
+          <a:bodyPr/>
+          <a:lstStyle/>
+          <a:p>
+            <a:fld id="{D4D35E62-DFE2-2847-B12E-56757969A139}" type="slidenum">
+              <a:rPr lang="pt-BR" smtClean="0"/>
+              <a:t>65</a:t>
+            </a:fld>
+            <a:endParaRPr lang="pt-BR"/>
+          </a:p>
+        </p:txBody>
+      </p:sp>
+    </p:spTree>
+    <p:extLst>
+      <p:ext uri="{BB962C8B-B14F-4D97-AF65-F5344CB8AC3E}">
+        <p14:creationId xmlns:p14="http://schemas.microsoft.com/office/powerpoint/2010/main" val="1194223858"/>
+      </p:ext>
+    </p:extLst>
+  </p:cSld>
+  <p:clrMapOvr>
+    <a:masterClrMapping/>
+  </p:clrMapOvr>
+</p:notes>
+</file>
+
+<file path=ppt/notesSlides/notesSlide2.xml><?xml version="1.0" encoding="utf-8"?>
+<p:notes xmlns:a="http://schemas.openxmlformats.org/drawingml/2006/main" xmlns:r="http://schemas.openxmlformats.org/officeDocument/2006/relationships" xmlns:p="http://schemas.openxmlformats.org/presentationml/2006/main">
+  <p:cSld>
+    <p:spTree>
+      <p:nvGrpSpPr>
+        <p:cNvPr id="1" name=""/>
+        <p:cNvGrpSpPr/>
+        <p:nvPr/>
+      </p:nvGrpSpPr>
+      <p:grpSpPr>
+        <a:xfrm>
+          <a:off x="0" y="0"/>
+          <a:ext cx="0" cy="0"/>
+          <a:chOff x="0" y="0"/>
+          <a:chExt cx="0" cy="0"/>
+        </a:xfrm>
+      </p:grpSpPr>
+      <p:sp>
+        <p:nvSpPr>
+          <p:cNvPr id="2" name="Slide Image Placeholder 1"/>
+          <p:cNvSpPr>
+            <a:spLocks noGrp="1" noRot="1" noChangeAspect="1"/>
+          </p:cNvSpPr>
+          <p:nvPr>
+            <p:ph type="sldImg"/>
+          </p:nvPr>
+        </p:nvSpPr>
+        <p:spPr/>
+      </p:sp>
+      <p:sp>
+        <p:nvSpPr>
+          <p:cNvPr id="3" name="Notes Placeholder 2"/>
+          <p:cNvSpPr>
+            <a:spLocks noGrp="1"/>
+          </p:cNvSpPr>
+          <p:nvPr>
+            <p:ph type="body" idx="1"/>
+          </p:nvPr>
+        </p:nvSpPr>
+        <p:spPr/>
+        <p:txBody>
+          <a:bodyPr/>
+          <a:lstStyle/>
+          <a:p>
+            <a:endParaRPr lang="pt-BR" dirty="0"/>
+          </a:p>
+        </p:txBody>
+      </p:sp>
+      <p:sp>
+        <p:nvSpPr>
+          <p:cNvPr id="4" name="Slide Number Placeholder 3"/>
+          <p:cNvSpPr>
+            <a:spLocks noGrp="1"/>
+          </p:cNvSpPr>
+          <p:nvPr>
+            <p:ph type="sldNum" sz="quarter" idx="5"/>
+          </p:nvPr>
+        </p:nvSpPr>
+        <p:spPr/>
+        <p:txBody>
+          <a:bodyPr/>
+          <a:lstStyle/>
+          <a:p>
+            <a:fld id="{D4D35E62-DFE2-2847-B12E-56757969A139}" type="slidenum">
+              <a:rPr lang="pt-BR" smtClean="0"/>
+              <a:t>66</a:t>
+            </a:fld>
+            <a:endParaRPr lang="pt-BR"/>
+          </a:p>
+        </p:txBody>
+      </p:sp>
+    </p:spTree>
+    <p:extLst>
+      <p:ext uri="{BB962C8B-B14F-4D97-AF65-F5344CB8AC3E}">
+        <p14:creationId xmlns:p14="http://schemas.microsoft.com/office/powerpoint/2010/main" val="3164309366"/>
+      </p:ext>
+    </p:extLst>
+  </p:cSld>
+  <p:clrMapOvr>
+    <a:masterClrMapping/>
+  </p:clrMapOvr>
+</p:notes>
+</file>
+
 <file path=ppt/slideLayouts/slideLayout1.xml><?xml version="1.0" encoding="utf-8"?>
 <p:sldLayout xmlns:a="http://schemas.openxmlformats.org/drawingml/2006/main" xmlns:r="http://schemas.openxmlformats.org/officeDocument/2006/relationships" xmlns:p="http://schemas.openxmlformats.org/presentationml/2006/main" type="title" preserve="1">
   <p:cSld name="Title Slide">
@@ -696,7 +870,7 @@
           <a:p>
             <a:fld id="{19E7D63B-43B5-8A4C-BD12-76889BE136BD}" type="datetime1">
               <a:rPr lang="en-US" smtClean="0"/>
-              <a:t>3/11/19</a:t>
+              <a:t>3/20/19</a:t>
             </a:fld>
             <a:endParaRPr lang="en-US"/>
           </a:p>
@@ -963,7 +1137,7 @@
           <a:p>
             <a:fld id="{124E9894-F119-A64C-B7CB-D7CE860A73BE}" type="datetime1">
               <a:rPr lang="en-US" smtClean="0"/>
-              <a:t>3/11/19</a:t>
+              <a:t>3/20/19</a:t>
             </a:fld>
             <a:endParaRPr lang="en-US"/>
           </a:p>
@@ -1195,7 +1369,7 @@
           <a:p>
             <a:fld id="{124E9894-F119-A64C-B7CB-D7CE860A73BE}" type="datetime1">
               <a:rPr lang="en-US" smtClean="0"/>
-              <a:t>3/11/19</a:t>
+              <a:t>3/20/19</a:t>
             </a:fld>
             <a:endParaRPr lang="en-US"/>
           </a:p>
@@ -1506,7 +1680,7 @@
           <a:p>
             <a:fld id="{124E9894-F119-A64C-B7CB-D7CE860A73BE}" type="datetime1">
               <a:rPr lang="en-US" smtClean="0"/>
-              <a:t>3/11/19</a:t>
+              <a:t>3/20/19</a:t>
             </a:fld>
             <a:endParaRPr lang="en-US"/>
           </a:p>
@@ -1980,7 +2154,7 @@
           <a:p>
             <a:fld id="{B4BBB50B-BAA3-9748-978F-08A7877AB7D9}" type="datetime1">
               <a:rPr lang="en-US" smtClean="0"/>
-              <a:t>3/11/19</a:t>
+              <a:t>3/20/19</a:t>
             </a:fld>
             <a:endParaRPr lang="en-US"/>
           </a:p>
@@ -2527,7 +2701,7 @@
           <a:p>
             <a:fld id="{124E9894-F119-A64C-B7CB-D7CE860A73BE}" type="datetime1">
               <a:rPr lang="en-US" smtClean="0"/>
-              <a:t>3/11/19</a:t>
+              <a:t>3/20/19</a:t>
             </a:fld>
             <a:endParaRPr lang="en-US"/>
           </a:p>
@@ -3302,7 +3476,7 @@
           <a:p>
             <a:fld id="{124E9894-F119-A64C-B7CB-D7CE860A73BE}" type="datetime1">
               <a:rPr lang="en-US" smtClean="0"/>
-              <a:t>3/11/19</a:t>
+              <a:t>3/20/19</a:t>
             </a:fld>
             <a:endParaRPr lang="en-US"/>
           </a:p>
@@ -3478,7 +3652,7 @@
           <a:p>
             <a:fld id="{45040DEA-CE02-EF42-8F10-34F709D8505D}" type="datetime1">
               <a:rPr lang="en-US" smtClean="0"/>
-              <a:t>3/11/19</a:t>
+              <a:t>3/20/19</a:t>
             </a:fld>
             <a:endParaRPr lang="en-US"/>
           </a:p>
@@ -3701,7 +3875,7 @@
           <a:p>
             <a:fld id="{A0C1C801-5706-434E-AB65-DDFBCF1F55D2}" type="datetime1">
               <a:rPr lang="en-US" smtClean="0"/>
-              <a:t>3/11/19</a:t>
+              <a:t>3/20/19</a:t>
             </a:fld>
             <a:endParaRPr lang="en-US"/>
           </a:p>
@@ -3881,7 +4055,7 @@
           <a:p>
             <a:fld id="{39AE0FD8-7D7B-EA4F-8AF8-8B97820A0C5D}" type="datetime1">
               <a:rPr lang="en-US" smtClean="0"/>
-              <a:t>3/11/19</a:t>
+              <a:t>3/20/19</a:t>
             </a:fld>
             <a:endParaRPr lang="en-US"/>
           </a:p>
@@ -4170,7 +4344,7 @@
           <a:p>
             <a:fld id="{7FC94D43-3F68-DC43-8EF0-95FB3D51CCCF}" type="datetime1">
               <a:rPr lang="en-US" smtClean="0"/>
-              <a:t>3/11/19</a:t>
+              <a:t>3/20/19</a:t>
             </a:fld>
             <a:endParaRPr lang="en-US"/>
           </a:p>
@@ -4412,7 +4586,7 @@
           <a:p>
             <a:fld id="{BD42CFC2-1CE8-9045-8C9C-0F183F0FB455}" type="datetime1">
               <a:rPr lang="en-US" smtClean="0"/>
-              <a:t>3/11/19</a:t>
+              <a:t>3/20/19</a:t>
             </a:fld>
             <a:endParaRPr lang="en-US"/>
           </a:p>
@@ -4791,7 +4965,7 @@
           <a:p>
             <a:fld id="{F1B5C6E2-D044-C748-9C41-86C9B2F84EB9}" type="datetime1">
               <a:rPr lang="en-US" smtClean="0"/>
-              <a:t>3/11/19</a:t>
+              <a:t>3/20/19</a:t>
             </a:fld>
             <a:endParaRPr lang="en-US"/>
           </a:p>
@@ -4909,7 +5083,7 @@
           <a:p>
             <a:fld id="{359C32BA-C166-AC45-9FCD-8BF0F43629D9}" type="datetime1">
               <a:rPr lang="en-US" smtClean="0"/>
-              <a:t>3/11/19</a:t>
+              <a:t>3/20/19</a:t>
             </a:fld>
             <a:endParaRPr lang="en-US"/>
           </a:p>
@@ -5004,7 +5178,7 @@
           <a:p>
             <a:fld id="{E5D0D591-4B92-A44B-A0EA-798E76AD0368}" type="datetime1">
               <a:rPr lang="en-US" smtClean="0"/>
-              <a:t>3/11/19</a:t>
+              <a:t>3/20/19</a:t>
             </a:fld>
             <a:endParaRPr lang="en-US"/>
           </a:p>
@@ -5253,7 +5427,7 @@
           <a:p>
             <a:fld id="{8201F472-E17F-4B47-A44B-A2249FA27ED2}" type="datetime1">
               <a:rPr lang="en-US" smtClean="0"/>
-              <a:t>3/11/19</a:t>
+              <a:t>3/20/19</a:t>
             </a:fld>
             <a:endParaRPr lang="en-US"/>
           </a:p>
@@ -5510,7 +5684,7 @@
           <a:p>
             <a:fld id="{8BEFB9EE-CDF2-6F49-80F4-278D1604F10C}" type="datetime1">
               <a:rPr lang="en-US" smtClean="0"/>
-              <a:t>3/11/19</a:t>
+              <a:t>3/20/19</a:t>
             </a:fld>
             <a:endParaRPr lang="en-US"/>
           </a:p>
@@ -5753,7 +5927,7 @@
           <a:p>
             <a:fld id="{124E9894-F119-A64C-B7CB-D7CE860A73BE}" type="datetime1">
               <a:rPr lang="en-US" smtClean="0"/>
-              <a:t>3/11/19</a:t>
+              <a:t>3/20/19</a:t>
             </a:fld>
             <a:endParaRPr lang="en-US"/>
           </a:p>
@@ -6393,8 +6567,8 @@
         </p:nvSpPr>
         <p:spPr>
           <a:xfrm>
-            <a:off x="596348" y="2358886"/>
-            <a:ext cx="11290852" cy="3777622"/>
+            <a:off x="149901" y="2358886"/>
+            <a:ext cx="11812249" cy="3777622"/>
           </a:xfrm>
         </p:spPr>
         <p:txBody>
@@ -6403,35 +6577,35 @@
           </a:bodyPr>
           <a:lstStyle/>
           <a:p>
-            <a:pPr marL="0" indent="0">
+            <a:pPr marL="0" indent="0" algn="just">
               <a:buNone/>
             </a:pPr>
             <a:r>
-              <a:rPr lang="pt" sz="3200" dirty="0"/>
+              <a:rPr lang="pt" sz="3600" dirty="0"/>
               <a:t>“Um sistema </a:t>
             </a:r>
             <a:r>
-              <a:rPr lang="pt" sz="3200" dirty="0" err="1"/>
+              <a:rPr lang="pt" sz="3600" dirty="0" err="1"/>
               <a:t>ditribuído</a:t>
             </a:r>
             <a:r>
-              <a:rPr lang="pt" sz="3200" dirty="0"/>
+              <a:rPr lang="pt" sz="3600" dirty="0"/>
               <a:t> é um conjunto de </a:t>
             </a:r>
             <a:r>
-              <a:rPr lang="pt" sz="3200" b="1" dirty="0"/>
+              <a:rPr lang="pt" sz="3600" b="1" dirty="0"/>
               <a:t>computadores independentes</a:t>
             </a:r>
             <a:r>
-              <a:rPr lang="pt" sz="3200" dirty="0"/>
+              <a:rPr lang="pt" sz="3600" dirty="0"/>
               <a:t> que se </a:t>
             </a:r>
             <a:r>
-              <a:rPr lang="pt" sz="3200" b="1" dirty="0"/>
+              <a:rPr lang="pt" sz="3600" b="1" dirty="0"/>
               <a:t>apresenta a seus usuários como um sistema único</a:t>
             </a:r>
             <a:r>
-              <a:rPr lang="pt" sz="3200" dirty="0"/>
+              <a:rPr lang="pt" sz="3600" dirty="0"/>
               <a:t> e coerente.”</a:t>
             </a:r>
           </a:p>
@@ -6440,11 +6614,11 @@
               <a:buNone/>
             </a:pPr>
             <a:r>
-              <a:rPr lang="pt-BR" sz="3200" dirty="0" err="1"/>
+              <a:rPr lang="pt-BR" sz="3600" dirty="0" err="1"/>
               <a:t>Tanenbaum</a:t>
             </a:r>
             <a:r>
-              <a:rPr lang="pt-BR" sz="3200" dirty="0"/>
+              <a:rPr lang="pt-BR" sz="3600" dirty="0"/>
               <a:t> e Steen 2008</a:t>
             </a:r>
           </a:p>
@@ -6718,8 +6892,8 @@
         </p:nvSpPr>
         <p:spPr>
           <a:xfrm>
-            <a:off x="254832" y="2358886"/>
-            <a:ext cx="11737298" cy="3777622"/>
+            <a:off x="119921" y="2358885"/>
+            <a:ext cx="11872209" cy="4281757"/>
           </a:xfrm>
         </p:spPr>
         <p:txBody>
@@ -6728,56 +6902,62 @@
           </a:bodyPr>
           <a:lstStyle/>
           <a:p>
-            <a:pPr marL="0" indent="0">
+            <a:pPr marL="0" indent="0" algn="just">
               <a:buNone/>
             </a:pPr>
             <a:r>
-              <a:rPr lang="pt" sz="3200" dirty="0"/>
+              <a:rPr lang="pt" sz="3500" dirty="0"/>
               <a:t>“Um sistema distribuído é aquele no qual os componentes localizados em </a:t>
             </a:r>
             <a:r>
-              <a:rPr lang="pt" sz="3200" b="1" dirty="0"/>
+              <a:rPr lang="pt" sz="3500" b="1" dirty="0"/>
               <a:t>computadores interligados em rede</a:t>
             </a:r>
             <a:r>
-              <a:rPr lang="pt" sz="3200" dirty="0"/>
+              <a:rPr lang="pt" sz="3500" dirty="0"/>
               <a:t> se </a:t>
             </a:r>
             <a:r>
-              <a:rPr lang="pt" sz="3200" b="1" dirty="0"/>
+              <a:rPr lang="pt" sz="3500" b="1" dirty="0"/>
               <a:t>comunicam</a:t>
             </a:r>
             <a:r>
-              <a:rPr lang="pt" sz="3200" dirty="0"/>
+              <a:rPr lang="pt" sz="3500" dirty="0"/>
               <a:t> e </a:t>
             </a:r>
             <a:r>
-              <a:rPr lang="pt" sz="3200" b="1" dirty="0"/>
+              <a:rPr lang="pt" sz="3500" b="1" dirty="0"/>
               <a:t>coordenam</a:t>
             </a:r>
             <a:r>
-              <a:rPr lang="pt" sz="3200" dirty="0"/>
+              <a:rPr lang="pt" sz="3500" dirty="0"/>
               <a:t> suas ações apenas passando </a:t>
             </a:r>
             <a:r>
-              <a:rPr lang="pt" sz="3200" b="1" dirty="0"/>
+              <a:rPr lang="pt" sz="3500" b="1" dirty="0"/>
               <a:t>mensagens</a:t>
             </a:r>
             <a:r>
-              <a:rPr lang="pt" sz="3200" dirty="0"/>
+              <a:rPr lang="pt" sz="3500" dirty="0"/>
               <a:t>.”</a:t>
             </a:r>
+          </a:p>
+          <a:p>
+            <a:pPr marL="0" indent="0" algn="just">
+              <a:buNone/>
+            </a:pPr>
+            <a:endParaRPr lang="pt" sz="3600" dirty="0"/>
           </a:p>
           <a:p>
             <a:pPr marL="0" indent="0" algn="r">
               <a:buNone/>
             </a:pPr>
             <a:r>
-              <a:rPr lang="pt-BR" sz="3200" dirty="0" err="1"/>
+              <a:rPr lang="pt-BR" sz="3600" dirty="0" err="1"/>
               <a:t>Coulouris</a:t>
             </a:r>
             <a:r>
-              <a:rPr lang="pt-BR" sz="3200" dirty="0"/>
+              <a:rPr lang="pt-BR" sz="3600" dirty="0"/>
               <a:t> et. al. 2008</a:t>
             </a:r>
           </a:p>
@@ -6910,7 +7090,7 @@
                                         <p:tgtEl>
                                           <p:spTgt spid="3">
                                             <p:txEl>
-                                              <p:pRg st="1" end="1"/>
+                                              <p:pRg st="2" end="2"/>
                                             </p:txEl>
                                           </p:spTgt>
                                         </p:tgtEl>
@@ -6928,7 +7108,7 @@
                                         <p:tgtEl>
                                           <p:spTgt spid="3">
                                             <p:txEl>
-                                              <p:pRg st="1" end="1"/>
+                                              <p:pRg st="2" end="2"/>
                                             </p:txEl>
                                           </p:spTgt>
                                         </p:tgtEl>
@@ -7062,24 +7242,24 @@
           <a:lstStyle/>
           <a:p>
             <a:r>
-              <a:rPr lang="pt-PT" sz="3200" dirty="0"/>
+              <a:rPr lang="pt-PT" sz="3600" dirty="0"/>
               <a:t>Não é especificado tipos de computadores...</a:t>
             </a:r>
           </a:p>
           <a:p>
             <a:r>
-              <a:rPr lang="pt-PT" sz="3200" dirty="0"/>
+              <a:rPr lang="pt-PT" sz="3600" dirty="0"/>
               <a:t>nem como são interligados...</a:t>
             </a:r>
           </a:p>
           <a:p>
             <a:r>
-              <a:rPr lang="pt-PT" sz="3200" dirty="0"/>
+              <a:rPr lang="pt-PT" sz="3600" dirty="0"/>
               <a:t>nem como é a cooperação/troca de mensagens.</a:t>
             </a:r>
           </a:p>
           <a:p>
-            <a:endParaRPr lang="pt-BR" sz="3200" dirty="0"/>
+            <a:endParaRPr lang="pt-BR" sz="3600" dirty="0"/>
           </a:p>
         </p:txBody>
       </p:sp>
@@ -7508,41 +7688,41 @@
         </p:nvSpPr>
         <p:spPr>
           <a:xfrm>
-            <a:off x="596348" y="2358886"/>
-            <a:ext cx="10908264" cy="3777622"/>
+            <a:off x="596347" y="2358886"/>
+            <a:ext cx="11365803" cy="4118114"/>
           </a:xfrm>
         </p:spPr>
         <p:txBody>
           <a:bodyPr>
-            <a:normAutofit/>
+            <a:noAutofit/>
           </a:bodyPr>
           <a:lstStyle/>
           <a:p>
             <a:r>
-              <a:rPr lang="pt-PT" sz="3200" dirty="0"/>
+              <a:rPr lang="pt-PT" sz="3600" dirty="0"/>
               <a:t>Computadores independentes são parte do SD</a:t>
             </a:r>
           </a:p>
           <a:p>
             <a:r>
-              <a:rPr lang="pt-PT" sz="3200" dirty="0"/>
+              <a:rPr lang="pt-PT" sz="3600" dirty="0"/>
               <a:t>Podem estar temporariamente indisponíveis ou defeituosos</a:t>
             </a:r>
           </a:p>
           <a:p>
             <a:r>
-              <a:rPr lang="pt-PT" sz="3200" dirty="0"/>
+              <a:rPr lang="pt-PT" sz="3600" dirty="0"/>
               <a:t>Podem ser reparados/substituídos sem que usuários ou programas percebam</a:t>
             </a:r>
           </a:p>
           <a:p>
             <a:r>
-              <a:rPr lang="pt-PT" sz="3200" dirty="0"/>
+              <a:rPr lang="pt-PT" sz="3600" dirty="0"/>
               <a:t>Tudo isso é normalmente oculto dos usuários/programas</a:t>
             </a:r>
           </a:p>
           <a:p>
-            <a:endParaRPr lang="pt-PT" sz="3200" dirty="0"/>
+            <a:endParaRPr lang="pt-PT" sz="3600" dirty="0"/>
           </a:p>
         </p:txBody>
       </p:sp>
@@ -8651,16 +8831,16 @@
           <a:lstStyle/>
           <a:p>
             <a:r>
-              <a:rPr lang="pt-BR" sz="3200" dirty="0"/>
+              <a:rPr lang="pt-BR" sz="3600" dirty="0"/>
               <a:t>Redes TCP/IP</a:t>
             </a:r>
           </a:p>
           <a:p>
             <a:r>
-              <a:rPr lang="pt" sz="3200" dirty="0"/>
+              <a:rPr lang="pt" sz="3600" dirty="0"/>
               <a:t>A web é de fato o maior sistema distribuído existente</a:t>
             </a:r>
-            <a:endParaRPr lang="pt-BR" sz="3200" dirty="0"/>
+            <a:endParaRPr lang="pt-BR" sz="3600" dirty="0"/>
           </a:p>
         </p:txBody>
       </p:sp>
@@ -8988,13 +9168,13 @@
           <a:lstStyle/>
           <a:p>
             <a:r>
-              <a:rPr lang="pt-PT" sz="3200" dirty="0"/>
+              <a:rPr lang="pt-PT" sz="3600" dirty="0"/>
               <a:t>Interliga computadores e redes heterogêneas</a:t>
             </a:r>
           </a:p>
           <a:p>
             <a:r>
-              <a:rPr lang="pt-PT" sz="3200" dirty="0"/>
+              <a:rPr lang="pt-PT" sz="3600" dirty="0"/>
               <a:t>Fornece uma visão única do sistema</a:t>
             </a:r>
           </a:p>
@@ -9031,10 +9211,10 @@
       </p:sp>
       <p:pic>
         <p:nvPicPr>
-          <p:cNvPr id="6" name="Picture 5">
+          <p:cNvPr id="7" name="Picture 6">
             <a:extLst>
               <a:ext uri="{FF2B5EF4-FFF2-40B4-BE49-F238E27FC236}">
-                <a16:creationId xmlns:a16="http://schemas.microsoft.com/office/drawing/2014/main" id="{1AA3CE47-19E7-F440-AECF-3AEDD9C75406}"/>
+                <a16:creationId xmlns:a16="http://schemas.microsoft.com/office/drawing/2014/main" id="{D02408F8-E338-7543-BEA1-62AFC45B8DA7}"/>
               </a:ext>
             </a:extLst>
           </p:cNvPr>
@@ -9045,13 +9225,13 @@
         </p:nvPicPr>
         <p:blipFill rotWithShape="1">
           <a:blip r:embed="rId2"/>
-          <a:srcRect l="4280" r="6313" b="8671"/>
+          <a:srcRect l="4280" r="6313" b="11223"/>
           <a:stretch/>
         </p:blipFill>
         <p:spPr>
           <a:xfrm>
-            <a:off x="2319019" y="2451660"/>
-            <a:ext cx="9758923" cy="4415286"/>
+            <a:off x="1299689" y="2571580"/>
+            <a:ext cx="9758923" cy="4291892"/>
           </a:xfrm>
           <a:prstGeom prst="rect">
             <a:avLst/>
@@ -9342,8 +9522,8 @@
         </p:nvSpPr>
         <p:spPr>
           <a:xfrm>
-            <a:off x="596348" y="1444491"/>
-            <a:ext cx="10908264" cy="3777622"/>
+            <a:off x="194872" y="1309581"/>
+            <a:ext cx="11872210" cy="3777622"/>
           </a:xfrm>
         </p:spPr>
         <p:txBody>
@@ -9353,40 +9533,40 @@
           <a:lstStyle/>
           <a:p>
             <a:r>
-              <a:rPr lang="pt-PT" sz="3200" dirty="0"/>
+              <a:rPr lang="pt-PT" sz="3600" dirty="0"/>
               <a:t>Executa sobre o SO</a:t>
             </a:r>
           </a:p>
           <a:p>
             <a:r>
-              <a:rPr lang="pt-PT" sz="3200" dirty="0"/>
+              <a:rPr lang="pt-PT" sz="3600" dirty="0"/>
               <a:t>Fornece </a:t>
             </a:r>
             <a:r>
-              <a:rPr lang="pt-PT" sz="3200" dirty="0" err="1"/>
+              <a:rPr lang="pt-PT" sz="3600" dirty="0" err="1"/>
               <a:t>APIs</a:t>
             </a:r>
             <a:r>
-              <a:rPr lang="pt-PT" sz="3200" dirty="0"/>
+              <a:rPr lang="pt-PT" sz="3600" dirty="0"/>
               <a:t>: </a:t>
             </a:r>
             <a:r>
-              <a:rPr lang="pt-PT" sz="3200" i="1" dirty="0" err="1"/>
+              <a:rPr lang="pt-PT" sz="3600" i="1" dirty="0" err="1"/>
               <a:t>Application</a:t>
             </a:r>
             <a:r>
-              <a:rPr lang="pt-PT" sz="3200" i="1" dirty="0"/>
+              <a:rPr lang="pt-PT" sz="3600" i="1" dirty="0"/>
               <a:t> </a:t>
             </a:r>
             <a:r>
-              <a:rPr lang="pt-PT" sz="3200" i="1" dirty="0" err="1"/>
+              <a:rPr lang="pt-PT" sz="3600" i="1" dirty="0" err="1"/>
               <a:t>Programming</a:t>
             </a:r>
             <a:r>
-              <a:rPr lang="pt-PT" sz="3200" i="1" dirty="0"/>
+              <a:rPr lang="pt-PT" sz="3600" i="1" dirty="0"/>
               <a:t> Interfaces</a:t>
             </a:r>
-            <a:endParaRPr lang="pt-BR" sz="3200" i="1" dirty="0"/>
+            <a:endParaRPr lang="pt-BR" sz="3600" i="1" dirty="0"/>
           </a:p>
         </p:txBody>
       </p:sp>
@@ -9421,10 +9601,10 @@
       </p:sp>
       <p:pic>
         <p:nvPicPr>
-          <p:cNvPr id="6" name="Picture 5">
+          <p:cNvPr id="7" name="Picture 6">
             <a:extLst>
               <a:ext uri="{FF2B5EF4-FFF2-40B4-BE49-F238E27FC236}">
-                <a16:creationId xmlns:a16="http://schemas.microsoft.com/office/drawing/2014/main" id="{1AA3CE47-19E7-F440-AECF-3AEDD9C75406}"/>
+                <a16:creationId xmlns:a16="http://schemas.microsoft.com/office/drawing/2014/main" id="{1B3186F4-CD66-014A-B693-73052CAD563A}"/>
               </a:ext>
             </a:extLst>
           </p:cNvPr>
@@ -9435,13 +9615,13 @@
         </p:nvPicPr>
         <p:blipFill rotWithShape="1">
           <a:blip r:embed="rId2"/>
-          <a:srcRect l="4280" r="6313" b="8671"/>
+          <a:srcRect l="4280" r="6313" b="11223"/>
           <a:stretch/>
         </p:blipFill>
         <p:spPr>
           <a:xfrm>
-            <a:off x="2319019" y="2451660"/>
-            <a:ext cx="9758923" cy="4415286"/>
+            <a:off x="1299689" y="2571580"/>
+            <a:ext cx="9758923" cy="4291892"/>
           </a:xfrm>
           <a:prstGeom prst="rect">
             <a:avLst/>
@@ -9746,24 +9926,24 @@
           <a:lstStyle/>
           <a:p>
             <a:r>
-              <a:rPr lang="pt-PT" sz="3200" dirty="0"/>
+              <a:rPr lang="pt-PT" sz="3600" dirty="0"/>
               <a:t>Tais </a:t>
             </a:r>
             <a:r>
-              <a:rPr lang="pt-PT" sz="3200" dirty="0" err="1"/>
+              <a:rPr lang="pt-PT" sz="3600" dirty="0" err="1"/>
               <a:t>APIs</a:t>
             </a:r>
             <a:r>
-              <a:rPr lang="pt-PT" sz="3200" dirty="0"/>
+              <a:rPr lang="pt-PT" sz="3600" dirty="0"/>
               <a:t> fornecem funcionalidades para o SD</a:t>
             </a:r>
           </a:p>
           <a:p>
             <a:r>
-              <a:rPr lang="pt-PT" sz="3200" dirty="0"/>
+              <a:rPr lang="pt-PT" sz="3600" dirty="0"/>
               <a:t>Permitem a comunicação de componentes</a:t>
             </a:r>
-            <a:endParaRPr lang="pt-BR" sz="3200" dirty="0"/>
+            <a:endParaRPr lang="pt-BR" sz="3600" dirty="0"/>
           </a:p>
         </p:txBody>
       </p:sp>
@@ -9798,10 +9978,10 @@
       </p:sp>
       <p:pic>
         <p:nvPicPr>
-          <p:cNvPr id="6" name="Picture 5">
+          <p:cNvPr id="7" name="Picture 6">
             <a:extLst>
               <a:ext uri="{FF2B5EF4-FFF2-40B4-BE49-F238E27FC236}">
-                <a16:creationId xmlns:a16="http://schemas.microsoft.com/office/drawing/2014/main" id="{1AA3CE47-19E7-F440-AECF-3AEDD9C75406}"/>
+                <a16:creationId xmlns:a16="http://schemas.microsoft.com/office/drawing/2014/main" id="{A7E987D8-F023-5343-9E82-2ED9325BFD05}"/>
               </a:ext>
             </a:extLst>
           </p:cNvPr>
@@ -9812,13 +9992,13 @@
         </p:nvPicPr>
         <p:blipFill rotWithShape="1">
           <a:blip r:embed="rId2"/>
-          <a:srcRect l="4280" r="6313" b="8671"/>
+          <a:srcRect l="4280" r="6313" b="11223"/>
           <a:stretch/>
         </p:blipFill>
         <p:spPr>
           <a:xfrm>
-            <a:off x="2319019" y="2451660"/>
-            <a:ext cx="9758923" cy="4415286"/>
+            <a:off x="1299689" y="2571580"/>
+            <a:ext cx="9758923" cy="4291892"/>
           </a:xfrm>
           <a:prstGeom prst="rect">
             <a:avLst/>
@@ -10982,30 +11162,30 @@
           <a:lstStyle/>
           <a:p>
             <a:r>
-              <a:rPr lang="pt-PT" sz="3200" dirty="0"/>
+              <a:rPr lang="pt-PT" sz="3600" dirty="0"/>
               <a:t>Um dos principais objetivos de </a:t>
             </a:r>
             <a:r>
-              <a:rPr lang="pt-PT" sz="3200" dirty="0" err="1"/>
+              <a:rPr lang="pt-PT" sz="3600" dirty="0" err="1"/>
               <a:t>SDs</a:t>
             </a:r>
-            <a:endParaRPr lang="pt-PT" sz="3200" dirty="0"/>
-          </a:p>
-          <a:p>
-            <a:r>
-              <a:rPr lang="pt-PT" sz="3200" dirty="0"/>
+            <a:endParaRPr lang="pt-PT" sz="3600" dirty="0"/>
+          </a:p>
+          <a:p>
+            <a:r>
+              <a:rPr lang="pt-PT" sz="3600" dirty="0"/>
               <a:t>Compartilhamento de recursos físicos e lógicos</a:t>
             </a:r>
           </a:p>
           <a:p>
             <a:r>
-              <a:rPr lang="pt" sz="3200" dirty="0"/>
+              <a:rPr lang="pt" sz="3600" dirty="0"/>
               <a:t>Otimização no uso de recursos</a:t>
             </a:r>
           </a:p>
           <a:p>
             <a:r>
-              <a:rPr lang="pt" sz="3200" dirty="0"/>
+              <a:rPr lang="pt" sz="3600" dirty="0"/>
               <a:t>Redução de despesas de capital:</a:t>
             </a:r>
           </a:p>
@@ -11014,25 +11194,29 @@
               <a:buNone/>
             </a:pPr>
             <a:r>
-              <a:rPr lang="pt" sz="3200" dirty="0"/>
+              <a:rPr lang="pt" sz="3600" dirty="0"/>
               <a:t>despesas com aquisição de equipamentos </a:t>
             </a:r>
             <a:br>
-              <a:rPr lang="pt" sz="3200" dirty="0"/>
+              <a:rPr lang="pt" sz="3600" dirty="0"/>
             </a:br>
             <a:r>
-              <a:rPr lang="pt" sz="3200" dirty="0"/>
-              <a:t>(Capital </a:t>
-            </a:r>
-            <a:r>
-              <a:rPr lang="pt" sz="3200" dirty="0" err="1"/>
-              <a:t>Expenditure</a:t>
-            </a:r>
-            <a:r>
-              <a:rPr lang="pt" sz="3200" dirty="0"/>
+              <a:rPr lang="pt" sz="3600" dirty="0"/>
+              <a:t>(</a:t>
+            </a:r>
+            <a:r>
+              <a:rPr lang="pt" sz="3600" i="1" dirty="0"/>
+              <a:t>Capital </a:t>
+            </a:r>
+            <a:r>
+              <a:rPr lang="pt" sz="3600" i="1" dirty="0" err="1"/>
+              <a:t>Expenditures</a:t>
+            </a:r>
+            <a:r>
+              <a:rPr lang="pt" sz="3600" dirty="0"/>
               <a:t>, CAPEX)</a:t>
             </a:r>
-            <a:endParaRPr lang="pt-BR" sz="3200" dirty="0"/>
+            <a:endParaRPr lang="pt-BR" sz="3600" dirty="0"/>
           </a:p>
         </p:txBody>
       </p:sp>
@@ -11662,7 +11846,7 @@
         <p:spPr>
           <a:xfrm>
             <a:off x="596348" y="1444491"/>
-            <a:ext cx="10908264" cy="3777622"/>
+            <a:ext cx="11125960" cy="3777622"/>
           </a:xfrm>
         </p:spPr>
         <p:txBody>
@@ -11672,19 +11856,19 @@
           <a:lstStyle/>
           <a:p>
             <a:r>
-              <a:rPr lang="pt-PT" sz="3200" dirty="0"/>
+              <a:rPr lang="pt-PT" sz="3600" dirty="0"/>
               <a:t>Compartilhamento de recursos como impressoras</a:t>
             </a:r>
           </a:p>
           <a:p>
             <a:r>
-              <a:rPr lang="pt-PT" sz="3200" dirty="0"/>
+              <a:rPr lang="pt-PT" sz="3600" dirty="0"/>
               <a:t>Maximiza uso do equipamento</a:t>
             </a:r>
           </a:p>
           <a:p>
             <a:r>
-              <a:rPr lang="pt-PT" sz="3200" dirty="0"/>
+              <a:rPr lang="pt-PT" sz="3600" dirty="0"/>
               <a:t>Melhora relação custo/benefício</a:t>
             </a:r>
           </a:p>
@@ -12118,42 +12302,42 @@
           <a:lstStyle/>
           <a:p>
             <a:r>
-              <a:rPr lang="pt-PT" sz="3200" dirty="0" err="1"/>
+              <a:rPr lang="pt-PT" sz="3600" dirty="0" err="1"/>
               <a:t>SOs</a:t>
             </a:r>
             <a:r>
-              <a:rPr lang="pt-PT" sz="3200" dirty="0"/>
+              <a:rPr lang="pt-PT" sz="3600" dirty="0"/>
               <a:t> fazem isso</a:t>
             </a:r>
           </a:p>
           <a:p>
             <a:r>
-              <a:rPr lang="pt-PT" sz="3200" dirty="0"/>
+              <a:rPr lang="pt-PT" sz="3600" dirty="0"/>
               <a:t>Exemplos: Google </a:t>
             </a:r>
             <a:r>
-              <a:rPr lang="pt-PT" sz="3200" dirty="0" err="1"/>
+              <a:rPr lang="pt-PT" sz="3600" dirty="0" err="1"/>
               <a:t>Cloud</a:t>
             </a:r>
             <a:r>
-              <a:rPr lang="pt-PT" sz="3200" dirty="0"/>
+              <a:rPr lang="pt-PT" sz="3600" dirty="0"/>
               <a:t> Print, NFS e Samba</a:t>
             </a:r>
           </a:p>
           <a:p>
             <a:r>
-              <a:rPr lang="pt" sz="3200" dirty="0"/>
+              <a:rPr lang="pt" sz="3600" dirty="0"/>
               <a:t>Compartilhamento de </a:t>
             </a:r>
             <a:r>
-              <a:rPr lang="pt" sz="3200" dirty="0" err="1"/>
+              <a:rPr lang="pt" sz="3600" dirty="0" err="1"/>
               <a:t>apps</a:t>
             </a:r>
             <a:r>
-              <a:rPr lang="pt" sz="3200" dirty="0"/>
+              <a:rPr lang="pt" sz="3600" dirty="0"/>
               <a:t>: serviços de busca e cotação de moedas na web</a:t>
             </a:r>
-            <a:endParaRPr lang="pt-PT" sz="3200" dirty="0"/>
+            <a:endParaRPr lang="pt-PT" sz="3600" dirty="0"/>
           </a:p>
         </p:txBody>
       </p:sp>
@@ -12614,33 +12798,33 @@
           <a:lstStyle/>
           <a:p>
             <a:r>
-              <a:rPr lang="pt" sz="3200" dirty="0"/>
+              <a:rPr lang="pt" sz="3600" dirty="0"/>
               <a:t>Servidores com alta capacidade podem ser compartilhados entre usuários</a:t>
             </a:r>
           </a:p>
           <a:p>
             <a:r>
-              <a:rPr lang="pt" sz="3200" dirty="0"/>
+              <a:rPr lang="pt" sz="3600" dirty="0"/>
               <a:t>Otimiza o uso de recursos</a:t>
             </a:r>
           </a:p>
           <a:p>
             <a:r>
-              <a:rPr lang="pt" sz="3200" dirty="0"/>
+              <a:rPr lang="pt" sz="3600" dirty="0"/>
               <a:t>Acesso à dados e </a:t>
             </a:r>
             <a:r>
-              <a:rPr lang="pt" sz="3200" dirty="0" err="1"/>
+              <a:rPr lang="pt" sz="3600" dirty="0" err="1"/>
               <a:t>apps</a:t>
             </a:r>
             <a:r>
-              <a:rPr lang="pt" sz="3200" dirty="0"/>
+              <a:rPr lang="pt" sz="3600" dirty="0"/>
               <a:t> a partir de diferentes locais</a:t>
             </a:r>
           </a:p>
           <a:p>
             <a:r>
-              <a:rPr lang="pt" sz="3200" dirty="0"/>
+              <a:rPr lang="pt" sz="3600" dirty="0"/>
               <a:t>Reduz o tempo de execução de tarefas</a:t>
             </a:r>
           </a:p>
@@ -13178,44 +13362,44 @@
           <a:lstStyle/>
           <a:p>
             <a:r>
-              <a:rPr lang="pt" sz="3200" dirty="0"/>
+              <a:rPr lang="pt" sz="3600" dirty="0"/>
               <a:t>Compartilhamento de servidores reduz consumo de energia</a:t>
             </a:r>
           </a:p>
           <a:p>
             <a:r>
-              <a:rPr lang="pt" sz="3200" dirty="0">
+              <a:rPr lang="pt" sz="3600" dirty="0">
                 <a:hlinkClick r:id="rId2"/>
               </a:rPr>
               <a:t>Pesquisas mostram que uma máquina ociosa consome cerca de 70% de energia.</a:t>
             </a:r>
-            <a:endParaRPr lang="pt" sz="3200" dirty="0"/>
-          </a:p>
-          <a:p>
-            <a:r>
-              <a:rPr lang="pt" sz="3200" dirty="0"/>
+            <a:endParaRPr lang="pt" sz="3600" dirty="0"/>
+          </a:p>
+          <a:p>
+            <a:r>
+              <a:rPr lang="pt" sz="3600" dirty="0"/>
               <a:t>Permite colaboração e trabalho remoto (</a:t>
             </a:r>
             <a:r>
-              <a:rPr lang="pt" sz="3200" dirty="0">
+              <a:rPr lang="pt" sz="3600" dirty="0">
                 <a:hlinkClick r:id="rId3"/>
               </a:rPr>
               <a:t>G</a:t>
             </a:r>
             <a:r>
-              <a:rPr lang="en-US" sz="3200" dirty="0">
+              <a:rPr lang="en-US" sz="3600" dirty="0">
                 <a:hlinkClick r:id="rId3"/>
               </a:rPr>
               <a:t>S</a:t>
             </a:r>
             <a:r>
-              <a:rPr lang="pt" sz="3200" dirty="0" err="1">
+              <a:rPr lang="pt" sz="3600" dirty="0" err="1">
                 <a:hlinkClick r:id="rId3"/>
               </a:rPr>
               <a:t>uite</a:t>
             </a:r>
             <a:r>
-              <a:rPr lang="pt" sz="3200" dirty="0"/>
+              <a:rPr lang="pt" sz="3600" dirty="0"/>
               <a:t>)</a:t>
             </a:r>
           </a:p>
@@ -13703,39 +13887,39 @@
         </p:nvSpPr>
         <p:spPr>
           <a:xfrm>
-            <a:off x="596348" y="1444491"/>
-            <a:ext cx="10908264" cy="3777622"/>
+            <a:off x="224852" y="1444491"/>
+            <a:ext cx="11692328" cy="3777622"/>
           </a:xfrm>
         </p:spPr>
         <p:txBody>
           <a:bodyPr>
-            <a:normAutofit/>
+            <a:noAutofit/>
           </a:bodyPr>
           <a:lstStyle/>
           <a:p>
             <a:r>
-              <a:rPr lang="pt-PT" sz="3200" dirty="0"/>
+              <a:rPr lang="pt-PT" sz="3600" dirty="0"/>
               <a:t>Levantam questões de segurança e privacidade</a:t>
             </a:r>
           </a:p>
           <a:p>
             <a:r>
-              <a:rPr lang="pt-PT" sz="3200" dirty="0"/>
+              <a:rPr lang="pt-PT" sz="3600" dirty="0"/>
               <a:t>Problemas comuns: rastreamento de navegação</a:t>
             </a:r>
           </a:p>
           <a:p>
             <a:r>
-              <a:rPr lang="pt-PT" sz="3200" dirty="0">
+              <a:rPr lang="pt-PT" sz="3600" dirty="0">
                 <a:hlinkClick r:id="rId2"/>
               </a:rPr>
               <a:t>Navegadores atuais permitem bloquear isso.</a:t>
             </a:r>
-            <a:endParaRPr lang="pt-PT" sz="3200" dirty="0"/>
-          </a:p>
-          <a:p>
-            <a:r>
-              <a:rPr lang="pt" sz="3200" dirty="0"/>
+            <a:endParaRPr lang="pt-PT" sz="3600" dirty="0"/>
+          </a:p>
+          <a:p>
+            <a:r>
+              <a:rPr lang="pt" sz="3600" dirty="0"/>
               <a:t>Em [SDPP] é comentado que os sistemas oferecem pouca proteção de privacidade, o que não é mais uma realidade</a:t>
             </a:r>
           </a:p>
@@ -13770,36 +13954,6 @@
           </a:p>
         </p:txBody>
       </p:sp>
-      <p:pic>
-        <p:nvPicPr>
-          <p:cNvPr id="7" name="Picture 6">
-            <a:extLst>
-              <a:ext uri="{FF2B5EF4-FFF2-40B4-BE49-F238E27FC236}">
-                <a16:creationId xmlns:a16="http://schemas.microsoft.com/office/drawing/2014/main" id="{1C8450EB-E10D-974C-9A86-FD492DD9213F}"/>
-              </a:ext>
-            </a:extLst>
-          </p:cNvPr>
-          <p:cNvPicPr>
-            <a:picLocks noChangeAspect="1"/>
-          </p:cNvPicPr>
-          <p:nvPr/>
-        </p:nvPicPr>
-        <p:blipFill>
-          <a:blip r:embed="rId3"/>
-          <a:stretch>
-            <a:fillRect/>
-          </a:stretch>
-        </p:blipFill>
-        <p:spPr>
-          <a:xfrm>
-            <a:off x="9432665" y="4327343"/>
-            <a:ext cx="2514496" cy="2239803"/>
-          </a:xfrm>
-          <a:prstGeom prst="rect">
-            <a:avLst/>
-          </a:prstGeom>
-        </p:spPr>
-      </p:pic>
       <p:sp>
         <p:nvSpPr>
           <p:cNvPr id="8" name="TextBox 7">
@@ -13875,6 +14029,36 @@
           </a:p>
         </p:txBody>
       </p:sp>
+      <p:pic>
+        <p:nvPicPr>
+          <p:cNvPr id="9" name="Picture 8">
+            <a:extLst>
+              <a:ext uri="{FF2B5EF4-FFF2-40B4-BE49-F238E27FC236}">
+                <a16:creationId xmlns:a16="http://schemas.microsoft.com/office/drawing/2014/main" id="{8D3B791B-72A5-0C4E-BC3B-E198CB868D45}"/>
+              </a:ext>
+            </a:extLst>
+          </p:cNvPr>
+          <p:cNvPicPr>
+            <a:picLocks noChangeAspect="1"/>
+          </p:cNvPicPr>
+          <p:nvPr/>
+        </p:nvPicPr>
+        <p:blipFill>
+          <a:blip r:embed="rId3"/>
+          <a:stretch>
+            <a:fillRect/>
+          </a:stretch>
+        </p:blipFill>
+        <p:spPr>
+          <a:xfrm>
+            <a:off x="9432665" y="4327343"/>
+            <a:ext cx="2514496" cy="2239803"/>
+          </a:xfrm>
+          <a:prstGeom prst="rect">
+            <a:avLst/>
+          </a:prstGeom>
+        </p:spPr>
+      </p:pic>
     </p:spTree>
     <p:extLst>
       <p:ext uri="{BB962C8B-B14F-4D97-AF65-F5344CB8AC3E}">
@@ -14378,31 +14562,31 @@
           <a:lstStyle/>
           <a:p>
             <a:r>
-              <a:rPr lang="pt" sz="3200" dirty="0"/>
+              <a:rPr lang="pt" sz="3600" dirty="0"/>
               <a:t>HTTPS se tornou padrão na Web</a:t>
             </a:r>
           </a:p>
           <a:p>
             <a:r>
-              <a:rPr lang="pt" sz="3200" dirty="0">
+              <a:rPr lang="pt" sz="3600" dirty="0">
                 <a:hlinkClick r:id="rId2"/>
               </a:rPr>
               <a:t>O Chrome mudou a abordagem de mostrar se um site é seguro ou não</a:t>
             </a:r>
             <a:r>
-              <a:rPr lang="pt" sz="3200" dirty="0"/>
+              <a:rPr lang="pt" sz="3600" dirty="0"/>
               <a:t> (2018).</a:t>
             </a:r>
           </a:p>
           <a:p>
             <a:r>
-              <a:rPr lang="pt" sz="3200" dirty="0">
+              <a:rPr lang="pt" sz="3600" dirty="0">
                 <a:hlinkClick r:id="rId3"/>
               </a:rPr>
               <a:t>A Google prioriza sites HTTPS em resultados de busca</a:t>
             </a:r>
             <a:r>
-              <a:rPr lang="pt" sz="3200" dirty="0"/>
+              <a:rPr lang="pt" sz="3600" dirty="0"/>
               <a:t> (2014).</a:t>
             </a:r>
           </a:p>
@@ -14940,11 +15124,11 @@
           </a:bodyPr>
           <a:lstStyle/>
           <a:p>
-            <a:pPr marL="0" indent="0">
+            <a:pPr marL="0" indent="0" algn="just">
               <a:buNone/>
             </a:pPr>
             <a:r>
-              <a:rPr lang="pt" sz="3200" dirty="0"/>
+              <a:rPr lang="pt" sz="3600" dirty="0"/>
               <a:t>“É a capacidade de um sistema de se permanecer eficiente quando há um aumento significativo no número de recursos e de usuários.”</a:t>
             </a:r>
           </a:p>
@@ -14953,14 +15137,14 @@
               <a:buNone/>
             </a:pPr>
             <a:r>
-              <a:rPr lang="pt-BR" sz="3200" dirty="0" err="1"/>
+              <a:rPr lang="pt-BR" sz="3600" dirty="0" err="1"/>
               <a:t>Coulouris</a:t>
             </a:r>
             <a:r>
-              <a:rPr lang="pt-BR" sz="3200" dirty="0"/>
+              <a:rPr lang="pt-BR" sz="3600" dirty="0"/>
               <a:t> et. al. 2008</a:t>
             </a:r>
-            <a:endParaRPr lang="pt" sz="3200" dirty="0"/>
+            <a:endParaRPr lang="pt" sz="3600" dirty="0"/>
           </a:p>
         </p:txBody>
       </p:sp>
@@ -15313,293 +15497,293 @@
         </p:nvSpPr>
         <p:spPr>
           <a:xfrm>
-            <a:off x="596348" y="1444491"/>
-            <a:ext cx="10908264" cy="3777622"/>
+            <a:off x="596348" y="1444490"/>
+            <a:ext cx="10908264" cy="5166171"/>
           </a:xfrm>
         </p:spPr>
         <p:txBody>
           <a:bodyPr>
-            <a:normAutofit lnSpcReduction="10000"/>
+            <a:noAutofit/>
           </a:bodyPr>
           <a:lstStyle/>
           <a:p>
             <a:r>
-              <a:rPr lang="en-US" sz="3200" dirty="0" err="1"/>
+              <a:rPr lang="en-US" sz="3600" dirty="0" err="1"/>
               <a:t>É</a:t>
             </a:r>
             <a:r>
-              <a:rPr lang="en-US" sz="3200" dirty="0"/>
+              <a:rPr lang="en-US" sz="3600" dirty="0"/>
               <a:t> </a:t>
             </a:r>
             <a:r>
-              <a:rPr lang="en-US" sz="3200" dirty="0" err="1"/>
+              <a:rPr lang="en-US" sz="3600" dirty="0" err="1"/>
               <a:t>uma</a:t>
             </a:r>
             <a:r>
-              <a:rPr lang="en-US" sz="3200" dirty="0"/>
+              <a:rPr lang="en-US" sz="3600" dirty="0"/>
               <a:t> das </a:t>
             </a:r>
             <a:r>
-              <a:rPr lang="en-US" sz="3200" dirty="0" err="1"/>
+              <a:rPr lang="en-US" sz="3600" dirty="0" err="1"/>
               <a:t>principais</a:t>
             </a:r>
             <a:r>
-              <a:rPr lang="en-US" sz="3200" dirty="0"/>
+              <a:rPr lang="en-US" sz="3600" dirty="0"/>
               <a:t> </a:t>
             </a:r>
             <a:r>
-              <a:rPr lang="en-US" sz="3200" dirty="0" err="1"/>
+              <a:rPr lang="en-US" sz="3600" dirty="0" err="1"/>
               <a:t>características</a:t>
             </a:r>
             <a:r>
-              <a:rPr lang="en-US" sz="3200" dirty="0"/>
+              <a:rPr lang="en-US" sz="3600" dirty="0"/>
               <a:t> de </a:t>
             </a:r>
             <a:r>
-              <a:rPr lang="en-US" sz="3200" dirty="0" err="1"/>
+              <a:rPr lang="en-US" sz="3600" dirty="0" err="1"/>
               <a:t>sistemas</a:t>
             </a:r>
             <a:r>
-              <a:rPr lang="en-US" sz="3200" dirty="0"/>
+              <a:rPr lang="en-US" sz="3600" dirty="0"/>
               <a:t> </a:t>
             </a:r>
             <a:r>
-              <a:rPr lang="en-US" sz="3200" dirty="0" err="1"/>
+              <a:rPr lang="en-US" sz="3600" dirty="0" err="1"/>
               <a:t>distribuídos</a:t>
             </a:r>
-            <a:endParaRPr lang="en-US" sz="3200" dirty="0"/>
-          </a:p>
-          <a:p>
-            <a:r>
-              <a:rPr lang="en-US" sz="3200" dirty="0" err="1"/>
+            <a:endParaRPr lang="en-US" sz="3600" dirty="0"/>
+          </a:p>
+          <a:p>
+            <a:r>
+              <a:rPr lang="en-US" sz="3600" dirty="0" err="1"/>
               <a:t>Escalabilidade</a:t>
             </a:r>
             <a:r>
-              <a:rPr lang="en-US" sz="3200" dirty="0"/>
+              <a:rPr lang="en-US" sz="3600" dirty="0"/>
               <a:t> </a:t>
             </a:r>
             <a:r>
-              <a:rPr lang="en-US" sz="3200" dirty="0" err="1"/>
+              <a:rPr lang="en-US" sz="3600" dirty="0" err="1"/>
               <a:t>vem</a:t>
             </a:r>
             <a:r>
-              <a:rPr lang="en-US" sz="3200" dirty="0"/>
+              <a:rPr lang="en-US" sz="3600" dirty="0"/>
               <a:t> de ”</a:t>
             </a:r>
             <a:r>
-              <a:rPr lang="en-US" sz="3200" dirty="0" err="1"/>
+              <a:rPr lang="en-US" sz="3600" dirty="0" err="1"/>
               <a:t>Escala</a:t>
             </a:r>
             <a:r>
-              <a:rPr lang="en-US" sz="3200" dirty="0"/>
+              <a:rPr lang="en-US" sz="3600" dirty="0"/>
               <a:t> </a:t>
             </a:r>
             <a:r>
-              <a:rPr lang="en-US" sz="3200" dirty="0" err="1"/>
+              <a:rPr lang="en-US" sz="3600" dirty="0" err="1"/>
               <a:t>numérica</a:t>
             </a:r>
             <a:r>
-              <a:rPr lang="en-US" sz="3200" dirty="0"/>
+              <a:rPr lang="en-US" sz="3600" dirty="0"/>
               <a:t>”</a:t>
             </a:r>
           </a:p>
           <a:p>
             <a:r>
-              <a:rPr lang="en-US" sz="3200" dirty="0"/>
+              <a:rPr lang="en-US" sz="3600" dirty="0"/>
               <a:t>Um </a:t>
             </a:r>
             <a:r>
-              <a:rPr lang="en-US" sz="3200" dirty="0" err="1"/>
+              <a:rPr lang="en-US" sz="3600" dirty="0" err="1"/>
               <a:t>sistema</a:t>
             </a:r>
             <a:r>
-              <a:rPr lang="en-US" sz="3200" dirty="0"/>
+              <a:rPr lang="en-US" sz="3600" dirty="0"/>
               <a:t> </a:t>
             </a:r>
             <a:r>
-              <a:rPr lang="en-US" sz="3200" dirty="0" err="1"/>
+              <a:rPr lang="en-US" sz="3600" dirty="0" err="1"/>
               <a:t>distribuído</a:t>
             </a:r>
             <a:r>
-              <a:rPr lang="en-US" sz="3200" dirty="0"/>
+              <a:rPr lang="en-US" sz="3600" dirty="0"/>
               <a:t> </a:t>
             </a:r>
             <a:r>
-              <a:rPr lang="en-US" sz="3200" dirty="0" err="1"/>
+              <a:rPr lang="en-US" sz="3600" dirty="0" err="1"/>
               <a:t>pode</a:t>
             </a:r>
             <a:r>
-              <a:rPr lang="en-US" sz="3200" dirty="0"/>
+              <a:rPr lang="en-US" sz="3600" dirty="0"/>
               <a:t> </a:t>
             </a:r>
             <a:r>
-              <a:rPr lang="en-US" sz="3200" dirty="0" err="1"/>
+              <a:rPr lang="en-US" sz="3600" dirty="0" err="1"/>
               <a:t>ter</a:t>
             </a:r>
             <a:r>
-              <a:rPr lang="en-US" sz="3200" dirty="0"/>
+              <a:rPr lang="en-US" sz="3600" dirty="0"/>
               <a:t> </a:t>
             </a:r>
             <a:r>
-              <a:rPr lang="en-US" sz="3200" dirty="0" err="1"/>
+              <a:rPr lang="en-US" sz="3600" dirty="0" err="1"/>
               <a:t>sido</a:t>
             </a:r>
             <a:r>
-              <a:rPr lang="en-US" sz="3200" dirty="0"/>
+              <a:rPr lang="en-US" sz="3600" dirty="0"/>
               <a:t> </a:t>
             </a:r>
             <a:r>
-              <a:rPr lang="en-US" sz="3200" dirty="0" err="1"/>
+              <a:rPr lang="en-US" sz="3600" dirty="0" err="1"/>
               <a:t>arquitetado</a:t>
             </a:r>
             <a:r>
-              <a:rPr lang="en-US" sz="3200" dirty="0"/>
+              <a:rPr lang="en-US" sz="3600" dirty="0"/>
               <a:t> para </a:t>
             </a:r>
             <a:r>
-              <a:rPr lang="en-US" sz="3200" dirty="0" err="1"/>
+              <a:rPr lang="en-US" sz="3600" dirty="0" err="1"/>
               <a:t>suportar</a:t>
             </a:r>
             <a:r>
-              <a:rPr lang="en-US" sz="3200" dirty="0"/>
+              <a:rPr lang="en-US" sz="3600" dirty="0"/>
               <a:t> </a:t>
             </a:r>
             <a:r>
-              <a:rPr lang="en-US" sz="3200" dirty="0" err="1"/>
+              <a:rPr lang="en-US" sz="3600" dirty="0" err="1"/>
               <a:t>milhares</a:t>
             </a:r>
             <a:r>
-              <a:rPr lang="en-US" sz="3200" dirty="0"/>
+              <a:rPr lang="en-US" sz="3600" dirty="0"/>
               <a:t> de </a:t>
             </a:r>
             <a:r>
-              <a:rPr lang="en-US" sz="3200" dirty="0" err="1"/>
+              <a:rPr lang="en-US" sz="3600" dirty="0" err="1"/>
               <a:t>usuários</a:t>
             </a:r>
             <a:r>
-              <a:rPr lang="en-US" sz="3200" dirty="0"/>
+              <a:rPr lang="en-US" sz="3600" dirty="0"/>
               <a:t> </a:t>
             </a:r>
             <a:r>
-              <a:rPr lang="en-US" sz="3200" dirty="0" err="1"/>
+              <a:rPr lang="en-US" sz="3600" dirty="0" err="1"/>
               <a:t>simultaneamente</a:t>
             </a:r>
-            <a:endParaRPr lang="en-US" sz="3200" dirty="0"/>
-          </a:p>
-          <a:p>
-            <a:r>
-              <a:rPr lang="en-US" sz="3200" dirty="0"/>
+            <a:endParaRPr lang="en-US" sz="3600" dirty="0"/>
+          </a:p>
+          <a:p>
+            <a:r>
+              <a:rPr lang="en-US" sz="3600" dirty="0"/>
               <a:t>Se a </a:t>
             </a:r>
             <a:r>
-              <a:rPr lang="en-US" sz="3200" dirty="0" err="1"/>
+              <a:rPr lang="en-US" sz="3600" dirty="0" err="1"/>
               <a:t>escala</a:t>
             </a:r>
             <a:r>
-              <a:rPr lang="en-US" sz="3200" dirty="0"/>
+              <a:rPr lang="en-US" sz="3600" dirty="0"/>
               <a:t> para para, </a:t>
             </a:r>
             <a:r>
-              <a:rPr lang="en-US" sz="3200" dirty="0" err="1"/>
+              <a:rPr lang="en-US" sz="3600" dirty="0" err="1"/>
               <a:t>por</a:t>
             </a:r>
             <a:r>
-              <a:rPr lang="en-US" sz="3200" dirty="0"/>
+              <a:rPr lang="en-US" sz="3600" dirty="0"/>
               <a:t> </a:t>
             </a:r>
             <a:r>
-              <a:rPr lang="en-US" sz="3200" dirty="0" err="1"/>
+              <a:rPr lang="en-US" sz="3600" dirty="0" err="1"/>
               <a:t>exempo</a:t>
             </a:r>
             <a:r>
-              <a:rPr lang="en-US" sz="3200" dirty="0"/>
+              <a:rPr lang="en-US" sz="3600" dirty="0"/>
               <a:t>, </a:t>
             </a:r>
             <a:r>
-              <a:rPr lang="en-US" sz="3200" dirty="0" err="1"/>
+              <a:rPr lang="en-US" sz="3600" dirty="0" err="1"/>
               <a:t>dezenas</a:t>
             </a:r>
             <a:r>
-              <a:rPr lang="en-US" sz="3200" dirty="0"/>
+              <a:rPr lang="en-US" sz="3600" dirty="0"/>
               <a:t> de </a:t>
             </a:r>
             <a:r>
-              <a:rPr lang="en-US" sz="3200" dirty="0" err="1"/>
+              <a:rPr lang="en-US" sz="3600" dirty="0" err="1"/>
               <a:t>milhares</a:t>
             </a:r>
             <a:r>
-              <a:rPr lang="en-US" sz="3200" dirty="0"/>
+              <a:rPr lang="en-US" sz="3600" dirty="0"/>
               <a:t> de </a:t>
             </a:r>
             <a:r>
-              <a:rPr lang="en-US" sz="3200" dirty="0" err="1"/>
+              <a:rPr lang="en-US" sz="3600" dirty="0" err="1"/>
               <a:t>usuários</a:t>
             </a:r>
             <a:r>
-              <a:rPr lang="en-US" sz="3200" dirty="0"/>
+              <a:rPr lang="en-US" sz="3600" dirty="0"/>
               <a:t> e o </a:t>
             </a:r>
             <a:r>
-              <a:rPr lang="en-US" sz="3200" dirty="0" err="1"/>
+              <a:rPr lang="en-US" sz="3600" dirty="0" err="1"/>
               <a:t>sistema</a:t>
             </a:r>
             <a:r>
-              <a:rPr lang="en-US" sz="3200" dirty="0"/>
+              <a:rPr lang="en-US" sz="3600" dirty="0"/>
               <a:t> </a:t>
             </a:r>
             <a:r>
-              <a:rPr lang="en-US" sz="3200" dirty="0" err="1"/>
+              <a:rPr lang="en-US" sz="3600" dirty="0" err="1"/>
               <a:t>não</a:t>
             </a:r>
             <a:r>
-              <a:rPr lang="en-US" sz="3200" dirty="0"/>
+              <a:rPr lang="en-US" sz="3600" dirty="0"/>
               <a:t> </a:t>
             </a:r>
             <a:r>
-              <a:rPr lang="en-US" sz="3200" dirty="0" err="1"/>
+              <a:rPr lang="en-US" sz="3600" dirty="0" err="1"/>
               <a:t>suporta</a:t>
             </a:r>
             <a:r>
-              <a:rPr lang="en-US" sz="3200" dirty="0"/>
+              <a:rPr lang="en-US" sz="3600" dirty="0"/>
               <a:t> </a:t>
             </a:r>
             <a:r>
-              <a:rPr lang="en-US" sz="3200" dirty="0" err="1"/>
+              <a:rPr lang="en-US" sz="3600" dirty="0" err="1"/>
               <a:t>tal</a:t>
             </a:r>
             <a:r>
-              <a:rPr lang="en-US" sz="3200" dirty="0"/>
+              <a:rPr lang="en-US" sz="3600" dirty="0"/>
               <a:t> </a:t>
             </a:r>
             <a:r>
-              <a:rPr lang="en-US" sz="3200" dirty="0" err="1"/>
+              <a:rPr lang="en-US" sz="3600" dirty="0" err="1"/>
               <a:t>demanda</a:t>
             </a:r>
             <a:r>
-              <a:rPr lang="en-US" sz="3200" dirty="0"/>
+              <a:rPr lang="en-US" sz="3600" dirty="0"/>
               <a:t>, </a:t>
             </a:r>
             <a:r>
-              <a:rPr lang="en-US" sz="3200" dirty="0" err="1"/>
+              <a:rPr lang="en-US" sz="3600" dirty="0" err="1"/>
               <a:t>ele</a:t>
             </a:r>
             <a:r>
-              <a:rPr lang="en-US" sz="3200" dirty="0"/>
+              <a:rPr lang="en-US" sz="3600" dirty="0"/>
               <a:t> </a:t>
             </a:r>
             <a:r>
-              <a:rPr lang="en-US" sz="3200" dirty="0" err="1"/>
+              <a:rPr lang="en-US" sz="3600" dirty="0" err="1"/>
               <a:t>não</a:t>
             </a:r>
             <a:r>
-              <a:rPr lang="en-US" sz="3200" dirty="0"/>
+              <a:rPr lang="en-US" sz="3600" dirty="0"/>
               <a:t> </a:t>
             </a:r>
             <a:r>
-              <a:rPr lang="en-US" sz="3200" dirty="0" err="1"/>
+              <a:rPr lang="en-US" sz="3600" dirty="0" err="1"/>
               <a:t>escalável</a:t>
             </a:r>
-            <a:endParaRPr lang="pt" sz="3200" dirty="0"/>
+            <a:endParaRPr lang="pt" sz="3600" dirty="0"/>
           </a:p>
         </p:txBody>
       </p:sp>
@@ -16137,78 +16321,78 @@
               <a:buNone/>
             </a:pPr>
             <a:r>
-              <a:rPr lang="en-US" sz="3200" b="1" dirty="0"/>
+              <a:rPr lang="en-US" sz="3600" b="1" dirty="0"/>
               <a:t>Um SD </a:t>
             </a:r>
             <a:r>
-              <a:rPr lang="en-US" sz="3200" b="1" dirty="0" err="1"/>
+              <a:rPr lang="en-US" sz="3600" b="1" dirty="0" err="1"/>
               <a:t>pode</a:t>
             </a:r>
             <a:r>
-              <a:rPr lang="en-US" sz="3200" b="1" dirty="0"/>
+              <a:rPr lang="en-US" sz="3600" b="1" dirty="0"/>
               <a:t> </a:t>
             </a:r>
             <a:r>
-              <a:rPr lang="en-US" sz="3200" b="1" dirty="0" err="1"/>
+              <a:rPr lang="en-US" sz="3600" b="1" dirty="0" err="1"/>
               <a:t>ser</a:t>
             </a:r>
             <a:r>
-              <a:rPr lang="en-US" sz="3200" b="1" dirty="0"/>
+              <a:rPr lang="en-US" sz="3600" b="1" dirty="0"/>
               <a:t> </a:t>
             </a:r>
             <a:r>
-              <a:rPr lang="en-US" sz="3200" b="1" dirty="0" err="1"/>
+              <a:rPr lang="en-US" sz="3600" b="1" dirty="0" err="1"/>
               <a:t>escalável</a:t>
             </a:r>
             <a:r>
-              <a:rPr lang="en-US" sz="3200" b="1" dirty="0"/>
+              <a:rPr lang="en-US" sz="3600" b="1" dirty="0"/>
               <a:t> </a:t>
             </a:r>
             <a:r>
-              <a:rPr lang="en-US" sz="3200" b="1" dirty="0" err="1"/>
+              <a:rPr lang="en-US" sz="3600" b="1" dirty="0" err="1"/>
               <a:t>em</a:t>
             </a:r>
             <a:r>
-              <a:rPr lang="en-US" sz="3200" b="1" dirty="0"/>
+              <a:rPr lang="en-US" sz="3600" b="1" dirty="0"/>
               <a:t> 3 </a:t>
             </a:r>
             <a:r>
-              <a:rPr lang="en-US" sz="3200" b="1" dirty="0" err="1"/>
+              <a:rPr lang="en-US" sz="3600" b="1" dirty="0" err="1"/>
               <a:t>dimensões</a:t>
             </a:r>
             <a:r>
-              <a:rPr lang="en-US" sz="3200" b="1" dirty="0"/>
+              <a:rPr lang="en-US" sz="3600" b="1" dirty="0"/>
               <a:t> [SDPP]:</a:t>
             </a:r>
           </a:p>
           <a:p>
             <a:r>
-              <a:rPr lang="en-US" sz="3200" dirty="0" err="1"/>
+              <a:rPr lang="en-US" sz="3600" dirty="0" err="1"/>
               <a:t>Tamanho</a:t>
             </a:r>
-            <a:endParaRPr lang="en-US" sz="3200" dirty="0"/>
-          </a:p>
-          <a:p>
-            <a:r>
-              <a:rPr lang="en-US" sz="3200" dirty="0" err="1"/>
+            <a:endParaRPr lang="en-US" sz="3600" dirty="0"/>
+          </a:p>
+          <a:p>
+            <a:r>
+              <a:rPr lang="en-US" sz="3600" dirty="0" err="1"/>
               <a:t>Localização</a:t>
             </a:r>
             <a:r>
-              <a:rPr lang="en-US" sz="3200" dirty="0"/>
+              <a:rPr lang="en-US" sz="3600" dirty="0"/>
               <a:t> </a:t>
             </a:r>
             <a:r>
-              <a:rPr lang="en-US" sz="3200" dirty="0" err="1"/>
+              <a:rPr lang="en-US" sz="3600" dirty="0" err="1"/>
               <a:t>geográfica</a:t>
             </a:r>
-            <a:endParaRPr lang="en-US" sz="3200" dirty="0"/>
-          </a:p>
-          <a:p>
-            <a:r>
-              <a:rPr lang="en-US" sz="3200" dirty="0" err="1"/>
+            <a:endParaRPr lang="en-US" sz="3600" dirty="0"/>
+          </a:p>
+          <a:p>
+            <a:r>
+              <a:rPr lang="en-US" sz="3600" dirty="0" err="1"/>
               <a:t>Administração</a:t>
             </a:r>
-            <a:endParaRPr lang="pt" sz="3200" dirty="0"/>
+            <a:endParaRPr lang="pt" sz="3600" dirty="0"/>
           </a:p>
         </p:txBody>
       </p:sp>
@@ -17379,15 +17563,15 @@
           <a:lstStyle/>
           <a:p>
             <a:r>
-              <a:rPr lang="pt" sz="3200" dirty="0"/>
+              <a:rPr lang="pt" sz="3600" dirty="0"/>
               <a:t>Um sistema cujo </a:t>
             </a:r>
             <a:r>
-              <a:rPr lang="pt" sz="3200" b="1" dirty="0"/>
+              <a:rPr lang="pt" sz="3600" b="1" dirty="0"/>
               <a:t>tamanho</a:t>
             </a:r>
             <a:r>
-              <a:rPr lang="pt" sz="3200" dirty="0"/>
+              <a:rPr lang="pt" sz="3600" dirty="0"/>
               <a:t> é escalável indica que ele se mantém eficiente à medida que são adicionados mais recursos e usuários. </a:t>
             </a:r>
           </a:p>
@@ -17805,8 +17989,8 @@
         </p:nvSpPr>
         <p:spPr>
           <a:xfrm>
-            <a:off x="596348" y="1444491"/>
-            <a:ext cx="10908264" cy="3777622"/>
+            <a:off x="596348" y="1339561"/>
+            <a:ext cx="10331482" cy="3777622"/>
           </a:xfrm>
         </p:spPr>
         <p:txBody>
@@ -18438,7 +18622,7 @@
           <a:p>
             <a:r>
               <a:rPr lang="pt" sz="3200" dirty="0"/>
-              <a:t>Requer que o aumento da capacidade computacional disponível a um SD seja feito de forma automática</a:t>
+              <a:t>Requer que o aumento da capacidade computacional disponível a um SD seja feito de forma automatizada</a:t>
             </a:r>
           </a:p>
           <a:p>
@@ -19047,212 +19231,212 @@
         </p:nvSpPr>
         <p:spPr>
           <a:xfrm>
-            <a:off x="596348" y="1444490"/>
-            <a:ext cx="10908264" cy="5032509"/>
+            <a:off x="179883" y="1444490"/>
+            <a:ext cx="11842228" cy="5032509"/>
           </a:xfrm>
         </p:spPr>
         <p:txBody>
           <a:bodyPr>
-            <a:normAutofit/>
+            <a:noAutofit/>
           </a:bodyPr>
           <a:lstStyle/>
           <a:p>
             <a:r>
-              <a:rPr lang="pt" sz="3200" dirty="0"/>
+              <a:rPr lang="pt" sz="3600" dirty="0"/>
               <a:t>A escalabilidade horizontal na </a:t>
             </a:r>
             <a:r>
-              <a:rPr lang="pt" sz="3200" dirty="0" err="1"/>
+              <a:rPr lang="pt" sz="3600" dirty="0" err="1"/>
               <a:t>Cloud</a:t>
             </a:r>
             <a:r>
-              <a:rPr lang="pt" sz="3200" dirty="0"/>
+              <a:rPr lang="pt" sz="3600" dirty="0"/>
               <a:t> é normalmente possibilitada por meio de virtualização</a:t>
             </a:r>
           </a:p>
           <a:p>
             <a:r>
-              <a:rPr lang="en-US" sz="3200" dirty="0" err="1"/>
+              <a:rPr lang="en-US" sz="3600" dirty="0" err="1"/>
               <a:t>Virtualização</a:t>
             </a:r>
             <a:r>
-              <a:rPr lang="en-US" sz="3200" dirty="0"/>
+              <a:rPr lang="en-US" sz="3600" dirty="0"/>
               <a:t> </a:t>
             </a:r>
             <a:r>
-              <a:rPr lang="en-US" sz="3200" dirty="0" err="1"/>
+              <a:rPr lang="en-US" sz="3600" dirty="0" err="1"/>
               <a:t>é</a:t>
             </a:r>
             <a:r>
-              <a:rPr lang="en-US" sz="3200" dirty="0"/>
+              <a:rPr lang="en-US" sz="3600" dirty="0"/>
               <a:t> </a:t>
             </a:r>
             <a:r>
-              <a:rPr lang="en-US" sz="3200" dirty="0" err="1"/>
+              <a:rPr lang="en-US" sz="3600" dirty="0" err="1"/>
               <a:t>uma</a:t>
             </a:r>
             <a:r>
-              <a:rPr lang="en-US" sz="3200" dirty="0"/>
+              <a:rPr lang="en-US" sz="3600" dirty="0"/>
               <a:t> </a:t>
             </a:r>
             <a:r>
-              <a:rPr lang="en-US" sz="3200" dirty="0" err="1"/>
+              <a:rPr lang="en-US" sz="3600" dirty="0" err="1"/>
               <a:t>tecnologia</a:t>
             </a:r>
             <a:r>
-              <a:rPr lang="en-US" sz="3200" dirty="0"/>
+              <a:rPr lang="en-US" sz="3600" dirty="0"/>
               <a:t> que </a:t>
             </a:r>
             <a:r>
-              <a:rPr lang="en-US" sz="3200" dirty="0" err="1"/>
+              <a:rPr lang="en-US" sz="3600" dirty="0" err="1"/>
               <a:t>permite</a:t>
             </a:r>
             <a:r>
-              <a:rPr lang="en-US" sz="3200" dirty="0"/>
+              <a:rPr lang="en-US" sz="3600" dirty="0"/>
               <a:t> </a:t>
             </a:r>
             <a:r>
-              <a:rPr lang="en-US" sz="3200" dirty="0" err="1"/>
+              <a:rPr lang="en-US" sz="3600" dirty="0" err="1"/>
               <a:t>criar</a:t>
             </a:r>
             <a:r>
-              <a:rPr lang="en-US" sz="3200" dirty="0"/>
+              <a:rPr lang="en-US" sz="3600" dirty="0"/>
               <a:t> </a:t>
             </a:r>
             <a:r>
-              <a:rPr lang="en-US" sz="3200" dirty="0" err="1"/>
+              <a:rPr lang="en-US" sz="3600" dirty="0" err="1"/>
               <a:t>múltiplos</a:t>
             </a:r>
             <a:r>
-              <a:rPr lang="en-US" sz="3200" dirty="0"/>
+              <a:rPr lang="en-US" sz="3600" dirty="0"/>
               <a:t> </a:t>
             </a:r>
             <a:r>
-              <a:rPr lang="en-US" sz="3200" dirty="0" err="1"/>
+              <a:rPr lang="en-US" sz="3600" dirty="0" err="1"/>
               <a:t>ambientes</a:t>
             </a:r>
             <a:r>
-              <a:rPr lang="en-US" sz="3200" dirty="0"/>
+              <a:rPr lang="en-US" sz="3600" dirty="0"/>
               <a:t> com </a:t>
             </a:r>
             <a:r>
-              <a:rPr lang="en-US" sz="3200" dirty="0" err="1"/>
+              <a:rPr lang="en-US" sz="3600" dirty="0" err="1"/>
               <a:t>recursos</a:t>
             </a:r>
             <a:r>
-              <a:rPr lang="en-US" sz="3200" dirty="0"/>
+              <a:rPr lang="en-US" sz="3600" dirty="0"/>
               <a:t> </a:t>
             </a:r>
             <a:r>
-              <a:rPr lang="en-US" sz="3200" dirty="0" err="1"/>
+              <a:rPr lang="en-US" sz="3600" dirty="0" err="1"/>
               <a:t>computacionais</a:t>
             </a:r>
             <a:r>
-              <a:rPr lang="en-US" sz="3200" dirty="0"/>
+              <a:rPr lang="en-US" sz="3600" dirty="0"/>
               <a:t> </a:t>
             </a:r>
             <a:r>
-              <a:rPr lang="en-US" sz="3200" dirty="0" err="1"/>
+              <a:rPr lang="en-US" sz="3600" dirty="0" err="1"/>
               <a:t>dedicados</a:t>
             </a:r>
             <a:r>
-              <a:rPr lang="en-US" sz="3200" dirty="0"/>
+              <a:rPr lang="en-US" sz="3600" dirty="0"/>
               <a:t>, </a:t>
             </a:r>
             <a:r>
-              <a:rPr lang="en-US" sz="3200" dirty="0" err="1"/>
+              <a:rPr lang="en-US" sz="3600" dirty="0" err="1"/>
               <a:t>executando</a:t>
             </a:r>
             <a:r>
-              <a:rPr lang="en-US" sz="3200" dirty="0"/>
+              <a:rPr lang="en-US" sz="3600" dirty="0"/>
               <a:t> de forma </a:t>
             </a:r>
             <a:r>
-              <a:rPr lang="en-US" sz="3200" dirty="0" err="1"/>
+              <a:rPr lang="en-US" sz="3600" dirty="0" err="1"/>
               <a:t>isolada</a:t>
             </a:r>
             <a:r>
-              <a:rPr lang="en-US" sz="3200" dirty="0"/>
+              <a:rPr lang="en-US" sz="3600" dirty="0"/>
               <a:t>, </a:t>
             </a:r>
             <a:r>
-              <a:rPr lang="en-US" sz="3200" dirty="0" err="1"/>
+              <a:rPr lang="en-US" sz="3600" dirty="0" err="1"/>
               <a:t>dentro</a:t>
             </a:r>
             <a:r>
-              <a:rPr lang="en-US" sz="3200" dirty="0"/>
+              <a:rPr lang="en-US" sz="3600" dirty="0"/>
               <a:t> de um </a:t>
             </a:r>
             <a:r>
-              <a:rPr lang="en-US" sz="3200" dirty="0" err="1"/>
+              <a:rPr lang="en-US" sz="3600" dirty="0" err="1"/>
               <a:t>único</a:t>
             </a:r>
             <a:r>
-              <a:rPr lang="en-US" sz="3200" dirty="0"/>
+              <a:rPr lang="en-US" sz="3600" dirty="0"/>
               <a:t> </a:t>
             </a:r>
             <a:r>
-              <a:rPr lang="en-US" sz="3200" dirty="0" err="1"/>
+              <a:rPr lang="en-US" sz="3600" dirty="0" err="1"/>
               <a:t>equipamento</a:t>
             </a:r>
             <a:r>
-              <a:rPr lang="en-US" sz="3200" dirty="0"/>
+              <a:rPr lang="en-US" sz="3600" dirty="0"/>
               <a:t> </a:t>
             </a:r>
             <a:r>
-              <a:rPr lang="en-US" sz="3200" dirty="0" err="1"/>
+              <a:rPr lang="en-US" sz="3600" dirty="0" err="1"/>
               <a:t>físico</a:t>
             </a:r>
             <a:r>
-              <a:rPr lang="en-US" sz="3200" dirty="0"/>
+              <a:rPr lang="en-US" sz="3600" dirty="0"/>
               <a:t> </a:t>
             </a:r>
             <a:r>
-              <a:rPr lang="en-US" sz="3200" dirty="0">
+              <a:rPr lang="en-US" sz="3600" dirty="0">
                 <a:hlinkClick r:id="rId2"/>
               </a:rPr>
               <a:t>[1]</a:t>
             </a:r>
             <a:r>
-              <a:rPr lang="en-US" sz="3200" dirty="0"/>
+              <a:rPr lang="en-US" sz="3600" dirty="0"/>
               <a:t> </a:t>
             </a:r>
             <a:r>
-              <a:rPr lang="en-US" sz="3200" dirty="0">
+              <a:rPr lang="en-US" sz="3600" dirty="0">
                 <a:hlinkClick r:id="rId3"/>
               </a:rPr>
               <a:t>[2]</a:t>
             </a:r>
             <a:r>
-              <a:rPr lang="en-US" sz="3200" dirty="0"/>
+              <a:rPr lang="en-US" sz="3600" dirty="0"/>
               <a:t> </a:t>
             </a:r>
             <a:r>
-              <a:rPr lang="en-US" sz="3200" dirty="0">
+              <a:rPr lang="en-US" sz="3600" dirty="0">
                 <a:hlinkClick r:id="rId4"/>
               </a:rPr>
               <a:t>[3]</a:t>
             </a:r>
             <a:r>
-              <a:rPr lang="en-US" sz="3200" dirty="0"/>
+              <a:rPr lang="en-US" sz="3600" dirty="0"/>
               <a:t> </a:t>
             </a:r>
             <a:r>
-              <a:rPr lang="en-US" sz="3200" dirty="0">
+              <a:rPr lang="en-US" sz="3600" dirty="0">
                 <a:hlinkClick r:id="rId5"/>
               </a:rPr>
               <a:t>[4]</a:t>
             </a:r>
-            <a:endParaRPr lang="en-US" sz="3200" dirty="0"/>
-          </a:p>
-          <a:p>
-            <a:r>
-              <a:rPr lang="pt" sz="3200" dirty="0"/>
+            <a:endParaRPr lang="en-US" sz="3600" dirty="0"/>
+          </a:p>
+          <a:p>
+            <a:r>
+              <a:rPr lang="pt" sz="3600" dirty="0"/>
               <a:t>Uma das formas para conseguir compartilhamento de recursos</a:t>
             </a:r>
           </a:p>
           <a:p>
-            <a:endParaRPr lang="pt" sz="3200" dirty="0"/>
+            <a:endParaRPr lang="pt" sz="3600" dirty="0"/>
           </a:p>
         </p:txBody>
       </p:sp>
@@ -19675,76 +19859,76 @@
         </p:nvSpPr>
         <p:spPr>
           <a:xfrm>
-            <a:off x="596348" y="1444490"/>
-            <a:ext cx="10908264" cy="5032509"/>
+            <a:off x="284813" y="1444490"/>
+            <a:ext cx="11647357" cy="5314052"/>
           </a:xfrm>
         </p:spPr>
         <p:txBody>
           <a:bodyPr>
-            <a:normAutofit/>
+            <a:noAutofit/>
           </a:bodyPr>
           <a:lstStyle/>
           <a:p>
             <a:r>
-              <a:rPr lang="pt" sz="3200" dirty="0"/>
+              <a:rPr lang="pt" sz="3600" dirty="0"/>
               <a:t>Existem diferentes formas de virtualização</a:t>
             </a:r>
           </a:p>
           <a:p>
             <a:r>
-              <a:rPr lang="pt" sz="3200" dirty="0"/>
+              <a:rPr lang="pt" sz="3600" dirty="0"/>
               <a:t>As mais comuns são: </a:t>
             </a:r>
             <a:r>
-              <a:rPr lang="pt" sz="3200" b="1" dirty="0"/>
+              <a:rPr lang="pt" sz="3600" b="1" dirty="0"/>
               <a:t>Máquinas Virtuais</a:t>
             </a:r>
             <a:r>
-              <a:rPr lang="pt" sz="3200" dirty="0"/>
+              <a:rPr lang="pt" sz="3600" dirty="0"/>
               <a:t> (</a:t>
             </a:r>
             <a:r>
-              <a:rPr lang="pt" sz="3200" i="1" dirty="0"/>
+              <a:rPr lang="pt" sz="3600" i="1" dirty="0"/>
               <a:t>Virtual </a:t>
             </a:r>
             <a:r>
-              <a:rPr lang="pt" sz="3200" i="1" dirty="0" err="1"/>
+              <a:rPr lang="pt" sz="3600" i="1" dirty="0" err="1"/>
               <a:t>Machines</a:t>
             </a:r>
             <a:r>
-              <a:rPr lang="pt" sz="3200" i="1" dirty="0"/>
+              <a:rPr lang="pt" sz="3600" i="1" dirty="0"/>
               <a:t>, </a:t>
             </a:r>
             <a:r>
-              <a:rPr lang="pt" sz="3200" i="1" dirty="0" err="1"/>
+              <a:rPr lang="pt" sz="3600" i="1" dirty="0" err="1"/>
               <a:t>VMs</a:t>
             </a:r>
             <a:r>
-              <a:rPr lang="pt" sz="3200" dirty="0"/>
+              <a:rPr lang="pt" sz="3600" dirty="0"/>
               <a:t>) e </a:t>
             </a:r>
             <a:r>
-              <a:rPr lang="pt" sz="3200" b="1" dirty="0"/>
+              <a:rPr lang="pt" sz="3600" b="1" dirty="0"/>
               <a:t>Contêineres</a:t>
             </a:r>
           </a:p>
           <a:p>
             <a:r>
-              <a:rPr lang="pt" sz="3200" dirty="0">
+              <a:rPr lang="pt" sz="3600" dirty="0">
                 <a:hlinkClick r:id="rId2"/>
               </a:rPr>
               <a:t>Como contêineres se popularizaram apenas recentemente em 2013</a:t>
             </a:r>
             <a:r>
-              <a:rPr lang="pt" sz="3200" dirty="0"/>
+              <a:rPr lang="pt" sz="3600" dirty="0"/>
               <a:t>, as definições de virtualização que você vai encontrar em livros e artigos na internet podem considerar apenas </a:t>
             </a:r>
             <a:r>
-              <a:rPr lang="pt" sz="3200" dirty="0" err="1"/>
+              <a:rPr lang="pt" sz="3600" dirty="0" err="1"/>
               <a:t>VMs</a:t>
             </a:r>
             <a:r>
-              <a:rPr lang="pt" sz="3200" dirty="0"/>
+              <a:rPr lang="pt" sz="3600" dirty="0"/>
               <a:t>. A definição atual apresentada anteriormente foi baseada em diversas referências.</a:t>
             </a:r>
           </a:p>
@@ -22263,22 +22447,22 @@
           <a:lstStyle/>
           <a:p>
             <a:r>
-              <a:rPr lang="pt" sz="3200" dirty="0">
+              <a:rPr lang="pt" sz="3600" dirty="0">
                 <a:hlinkClick r:id="rId2"/>
               </a:rPr>
               <a:t>Com a computação em nuvem, temos uma capacidade computacional aparentemente infinita</a:t>
             </a:r>
-            <a:endParaRPr lang="pt" sz="3200" dirty="0"/>
-          </a:p>
-          <a:p>
-            <a:r>
-              <a:rPr lang="pt" sz="3200" dirty="0"/>
+            <a:endParaRPr lang="pt" sz="3600" dirty="0"/>
+          </a:p>
+          <a:p>
+            <a:r>
+              <a:rPr lang="pt" sz="3600" dirty="0"/>
               <a:t>Mas um sistema não pode ser infinitamente escalável</a:t>
             </a:r>
           </a:p>
           <a:p>
             <a:r>
-              <a:rPr lang="pt" sz="3200" dirty="0"/>
+              <a:rPr lang="pt" sz="3600" dirty="0"/>
               <a:t>O uso de recursos na nuvem tem custo, assim a escalabilidade pode ser limitada pela falta de orçamento para bancar custos cada vez mais elevados</a:t>
             </a:r>
           </a:p>
@@ -22711,28 +22895,16 @@
           <a:lstStyle/>
           <a:p>
             <a:r>
-              <a:rPr lang="pt" sz="3200" dirty="0"/>
-              <a:t>Se seu sistema está projetado para suportar demandas de centenas de milhares de acesso simultâneos e passar a receber milhões de acessos, ele </a:t>
-            </a:r>
-            <a:r>
-              <a:rPr lang="pt" sz="3200" dirty="0" err="1"/>
-              <a:t>dificilment</a:t>
-            </a:r>
-            <a:r>
-              <a:rPr lang="en-US" sz="3200" dirty="0"/>
-              <a:t>e</a:t>
-            </a:r>
-            <a:r>
-              <a:rPr lang="pt" sz="3200" dirty="0"/>
-              <a:t> estará preparado para um salto de escala tão grande</a:t>
-            </a:r>
-          </a:p>
-          <a:p>
-            <a:r>
-              <a:rPr lang="pt-PT" sz="3200" dirty="0"/>
+              <a:rPr lang="pt" sz="3600" dirty="0"/>
+              <a:t>Se seu sistema está projetado para suportar demandas de centenas de milhares de acesso simultâneos e passar a receber milhões de acessos, ele dificilmente estará preparado para um salto de escala tão grande</a:t>
+            </a:r>
+          </a:p>
+          <a:p>
+            <a:r>
+              <a:rPr lang="pt-PT" sz="3600" dirty="0"/>
               <a:t>Em muitos casos, as tecnologia e arquitetura do sistema podem simplesmente não ser adequados para atender essa escala de usuários</a:t>
             </a:r>
-            <a:endParaRPr lang="pt" sz="3200" dirty="0"/>
+            <a:endParaRPr lang="pt" sz="3600" dirty="0"/>
           </a:p>
         </p:txBody>
       </p:sp>
@@ -24699,13 +24871,13 @@
           <a:lstStyle/>
           <a:p>
             <a:r>
-              <a:rPr lang="pt" sz="3200" dirty="0"/>
+              <a:rPr lang="pt" sz="3600" dirty="0"/>
               <a:t>Tal sistema é escalável administrativamente?</a:t>
             </a:r>
           </a:p>
           <a:p>
             <a:r>
-              <a:rPr lang="pt" sz="3200" dirty="0"/>
+              <a:rPr lang="pt" sz="3600" dirty="0"/>
               <a:t>Não é, pois o aumento das vendas vai tornar o processamento manual do envio mais lento, requerendo mais funcionários.</a:t>
             </a:r>
           </a:p>
@@ -25881,6 +26053,15 @@
               <a:t>Ou seja, introduziria uma certa lentidão em todo o sistema</a:t>
             </a:r>
           </a:p>
+          <a:p>
+            <a:r>
+              <a:rPr lang="pt" sz="3200" dirty="0"/>
+              <a:t>Para cada uma das 3 dimensões em que um sistema pode ser escalável, existem problemas associados quando uma dessas dimensões é alterada.</a:t>
+            </a:r>
+          </a:p>
+          <a:p>
+            <a:endParaRPr lang="pt" sz="3200" dirty="0"/>
+          </a:p>
         </p:txBody>
       </p:sp>
       <p:sp>
@@ -26185,6 +26366,110 @@
                                           <p:spTgt spid="3">
                                             <p:txEl>
                                               <p:pRg st="2" end="2"/>
+                                            </p:txEl>
+                                          </p:spTgt>
+                                        </p:tgtEl>
+                                      </p:cBhvr>
+                                    </p:animEffect>
+                                  </p:childTnLst>
+                                </p:cTn>
+                              </p:par>
+                            </p:childTnLst>
+                          </p:cTn>
+                        </p:par>
+                      </p:childTnLst>
+                    </p:cTn>
+                  </p:par>
+                  <p:par>
+                    <p:cTn id="24" fill="hold">
+                      <p:stCondLst>
+                        <p:cond delay="indefinite"/>
+                      </p:stCondLst>
+                      <p:childTnLst>
+                        <p:par>
+                          <p:cTn id="25" fill="hold">
+                            <p:stCondLst>
+                              <p:cond delay="0"/>
+                            </p:stCondLst>
+                            <p:childTnLst>
+                              <p:par>
+                                <p:cTn id="26" presetID="9" presetClass="exit" presetSubtype="0" fill="hold" nodeType="clickEffect">
+                                  <p:stCondLst>
+                                    <p:cond delay="0"/>
+                                  </p:stCondLst>
+                                  <p:childTnLst>
+                                    <p:animEffect transition="out" filter="dissolve">
+                                      <p:cBhvr>
+                                        <p:cTn id="27" dur="500"/>
+                                        <p:tgtEl>
+                                          <p:spTgt spid="3">
+                                            <p:txEl>
+                                              <p:pRg st="2" end="2"/>
+                                            </p:txEl>
+                                          </p:spTgt>
+                                        </p:tgtEl>
+                                      </p:cBhvr>
+                                    </p:animEffect>
+                                    <p:set>
+                                      <p:cBhvr>
+                                        <p:cTn id="28" dur="1" fill="hold">
+                                          <p:stCondLst>
+                                            <p:cond delay="499"/>
+                                          </p:stCondLst>
+                                        </p:cTn>
+                                        <p:tgtEl>
+                                          <p:spTgt spid="3">
+                                            <p:txEl>
+                                              <p:pRg st="2" end="2"/>
+                                            </p:txEl>
+                                          </p:spTgt>
+                                        </p:tgtEl>
+                                        <p:attrNameLst>
+                                          <p:attrName>style.visibility</p:attrName>
+                                        </p:attrNameLst>
+                                      </p:cBhvr>
+                                      <p:to>
+                                        <p:strVal val="hidden"/>
+                                      </p:to>
+                                    </p:set>
+                                  </p:childTnLst>
+                                </p:cTn>
+                              </p:par>
+                              <p:par>
+                                <p:cTn id="29" presetID="9" presetClass="entr" presetSubtype="0" fill="hold" grpId="0" nodeType="withEffect">
+                                  <p:stCondLst>
+                                    <p:cond delay="0"/>
+                                  </p:stCondLst>
+                                  <p:childTnLst>
+                                    <p:set>
+                                      <p:cBhvr>
+                                        <p:cTn id="30" dur="1" fill="hold">
+                                          <p:stCondLst>
+                                            <p:cond delay="0"/>
+                                          </p:stCondLst>
+                                        </p:cTn>
+                                        <p:tgtEl>
+                                          <p:spTgt spid="3">
+                                            <p:txEl>
+                                              <p:pRg st="3" end="3"/>
+                                            </p:txEl>
+                                          </p:spTgt>
+                                        </p:tgtEl>
+                                        <p:attrNameLst>
+                                          <p:attrName>style.visibility</p:attrName>
+                                        </p:attrNameLst>
+                                      </p:cBhvr>
+                                      <p:to>
+                                        <p:strVal val="visible"/>
+                                      </p:to>
+                                    </p:set>
+                                    <p:animEffect transition="in" filter="dissolve">
+                                      <p:cBhvr>
+                                        <p:cTn id="31" dur="500"/>
+                                        <p:tgtEl>
+                                          <p:spTgt spid="3">
+                                            <p:txEl>
+                                              <p:pRg st="3" end="3"/>
                                             </p:txEl>
                                           </p:spTgt>
                                         </p:tgtEl>
@@ -26273,9 +26558,17 @@
           </a:bodyPr>
           <a:lstStyle/>
           <a:p>
+            <a:pPr algn="ctr"/>
             <a:r>
               <a:rPr lang="pt-BR" b="1" i="1" dirty="0"/>
-              <a:t>Problemas de ESCALABILIDADE</a:t>
+              <a:t>Problemas de </a:t>
+            </a:r>
+            <a:br>
+              <a:rPr lang="pt-BR" b="1" i="1" dirty="0"/>
+            </a:br>
+            <a:r>
+              <a:rPr lang="pt-BR" b="1" i="1" dirty="0"/>
+              <a:t>ESCALABILIDADE de tamanho</a:t>
             </a:r>
             <a:endParaRPr lang="pt-BR" dirty="0"/>
           </a:p>
@@ -26309,10 +26602,54 @@
           </a:bodyPr>
           <a:lstStyle/>
           <a:p>
-            <a:r>
-              <a:rPr lang="pt" sz="3200" dirty="0"/>
-              <a:t>Para cada uma das 3 dimensões em que um sistema pode ser escalável, existem problemas associados quando uma dessas dimensões é alterada.</a:t>
-            </a:r>
+            <a:pPr marL="0" indent="0">
+              <a:buNone/>
+            </a:pPr>
+            <a:r>
+              <a:rPr lang="pt" sz="3600" dirty="0"/>
+              <a:t>Quando um sistema aumenta a quantidade de usuários ou recursos, podemos ter limitações como [SDPP]:</a:t>
+            </a:r>
+          </a:p>
+          <a:p>
+            <a:r>
+              <a:rPr lang="en-US" sz="3600" dirty="0" err="1"/>
+              <a:t>Serviços</a:t>
+            </a:r>
+            <a:r>
+              <a:rPr lang="en-US" sz="3600" dirty="0"/>
+              <a:t> </a:t>
+            </a:r>
+            <a:r>
+              <a:rPr lang="en-US" sz="3600" dirty="0" err="1"/>
+              <a:t>centralizados</a:t>
+            </a:r>
+            <a:endParaRPr lang="pt" sz="3600" dirty="0"/>
+          </a:p>
+          <a:p>
+            <a:r>
+              <a:rPr lang="en-US" sz="3600" dirty="0"/>
+              <a:t>Dados </a:t>
+            </a:r>
+            <a:r>
+              <a:rPr lang="en-US" sz="3600" dirty="0" err="1"/>
+              <a:t>centralizados</a:t>
+            </a:r>
+            <a:endParaRPr lang="pt" sz="3600" dirty="0"/>
+          </a:p>
+          <a:p>
+            <a:r>
+              <a:rPr lang="en-US" sz="3600" dirty="0" err="1"/>
+              <a:t>Algoritmos</a:t>
+            </a:r>
+            <a:r>
+              <a:rPr lang="en-US" sz="3600" dirty="0"/>
+              <a:t> </a:t>
+            </a:r>
+            <a:r>
+              <a:rPr lang="en-US" sz="3600" dirty="0" err="1"/>
+              <a:t>centralizados</a:t>
+            </a:r>
+            <a:endParaRPr lang="pt" sz="3600" dirty="0"/>
           </a:p>
         </p:txBody>
       </p:sp>
@@ -26348,13 +26685,290 @@
     </p:spTree>
     <p:extLst>
       <p:ext uri="{BB962C8B-B14F-4D97-AF65-F5344CB8AC3E}">
-        <p14:creationId xmlns:p14="http://schemas.microsoft.com/office/powerpoint/2010/main" val="626010726"/>
+        <p14:creationId xmlns:p14="http://schemas.microsoft.com/office/powerpoint/2010/main" val="2159263314"/>
       </p:ext>
     </p:extLst>
   </p:cSld>
   <p:clrMapOvr>
     <a:masterClrMapping/>
   </p:clrMapOvr>
+  <p:timing>
+    <p:tnLst>
+      <p:par>
+        <p:cTn id="1" dur="indefinite" restart="never" nodeType="tmRoot">
+          <p:childTnLst>
+            <p:seq concurrent="1" nextAc="seek">
+              <p:cTn id="2" dur="indefinite" nodeType="mainSeq">
+                <p:childTnLst>
+                  <p:par>
+                    <p:cTn id="3" fill="hold">
+                      <p:stCondLst>
+                        <p:cond delay="indefinite"/>
+                      </p:stCondLst>
+                      <p:childTnLst>
+                        <p:par>
+                          <p:cTn id="4" fill="hold">
+                            <p:stCondLst>
+                              <p:cond delay="0"/>
+                            </p:stCondLst>
+                            <p:childTnLst>
+                              <p:par>
+                                <p:cTn id="5" presetID="9" presetClass="entr" presetSubtype="0" fill="hold" grpId="0" nodeType="clickEffect">
+                                  <p:stCondLst>
+                                    <p:cond delay="0"/>
+                                  </p:stCondLst>
+                                  <p:childTnLst>
+                                    <p:set>
+                                      <p:cBhvr>
+                                        <p:cTn id="6" dur="1" fill="hold">
+                                          <p:stCondLst>
+                                            <p:cond delay="0"/>
+                                          </p:stCondLst>
+                                        </p:cTn>
+                                        <p:tgtEl>
+                                          <p:spTgt spid="3">
+                                            <p:txEl>
+                                              <p:pRg st="0" end="0"/>
+                                            </p:txEl>
+                                          </p:spTgt>
+                                        </p:tgtEl>
+                                        <p:attrNameLst>
+                                          <p:attrName>style.visibility</p:attrName>
+                                        </p:attrNameLst>
+                                      </p:cBhvr>
+                                      <p:to>
+                                        <p:strVal val="visible"/>
+                                      </p:to>
+                                    </p:set>
+                                    <p:animEffect transition="in" filter="dissolve">
+                                      <p:cBhvr>
+                                        <p:cTn id="7" dur="500"/>
+                                        <p:tgtEl>
+                                          <p:spTgt spid="3">
+                                            <p:txEl>
+                                              <p:pRg st="0" end="0"/>
+                                            </p:txEl>
+                                          </p:spTgt>
+                                        </p:tgtEl>
+                                      </p:cBhvr>
+                                    </p:animEffect>
+                                  </p:childTnLst>
+                                </p:cTn>
+                              </p:par>
+                            </p:childTnLst>
+                          </p:cTn>
+                        </p:par>
+                      </p:childTnLst>
+                    </p:cTn>
+                  </p:par>
+                  <p:par>
+                    <p:cTn id="8" fill="hold">
+                      <p:stCondLst>
+                        <p:cond delay="indefinite"/>
+                      </p:stCondLst>
+                      <p:childTnLst>
+                        <p:par>
+                          <p:cTn id="9" fill="hold">
+                            <p:stCondLst>
+                              <p:cond delay="0"/>
+                            </p:stCondLst>
+                            <p:childTnLst>
+                              <p:par>
+                                <p:cTn id="10" presetID="9" presetClass="entr" presetSubtype="0" fill="hold" grpId="0" nodeType="clickEffect">
+                                  <p:stCondLst>
+                                    <p:cond delay="0"/>
+                                  </p:stCondLst>
+                                  <p:childTnLst>
+                                    <p:set>
+                                      <p:cBhvr>
+                                        <p:cTn id="11" dur="1" fill="hold">
+                                          <p:stCondLst>
+                                            <p:cond delay="0"/>
+                                          </p:stCondLst>
+                                        </p:cTn>
+                                        <p:tgtEl>
+                                          <p:spTgt spid="3">
+                                            <p:txEl>
+                                              <p:pRg st="1" end="1"/>
+                                            </p:txEl>
+                                          </p:spTgt>
+                                        </p:tgtEl>
+                                        <p:attrNameLst>
+                                          <p:attrName>style.visibility</p:attrName>
+                                        </p:attrNameLst>
+                                      </p:cBhvr>
+                                      <p:to>
+                                        <p:strVal val="visible"/>
+                                      </p:to>
+                                    </p:set>
+                                    <p:animEffect transition="in" filter="dissolve">
+                                      <p:cBhvr>
+                                        <p:cTn id="12" dur="500"/>
+                                        <p:tgtEl>
+                                          <p:spTgt spid="3">
+                                            <p:txEl>
+                                              <p:pRg st="1" end="1"/>
+                                            </p:txEl>
+                                          </p:spTgt>
+                                        </p:tgtEl>
+                                      </p:cBhvr>
+                                    </p:animEffect>
+                                  </p:childTnLst>
+                                </p:cTn>
+                              </p:par>
+                            </p:childTnLst>
+                          </p:cTn>
+                        </p:par>
+                      </p:childTnLst>
+                    </p:cTn>
+                  </p:par>
+                  <p:par>
+                    <p:cTn id="13" fill="hold">
+                      <p:stCondLst>
+                        <p:cond delay="indefinite"/>
+                      </p:stCondLst>
+                      <p:childTnLst>
+                        <p:par>
+                          <p:cTn id="14" fill="hold">
+                            <p:stCondLst>
+                              <p:cond delay="0"/>
+                            </p:stCondLst>
+                            <p:childTnLst>
+                              <p:par>
+                                <p:cTn id="15" presetID="9" presetClass="entr" presetSubtype="0" fill="hold" grpId="0" nodeType="clickEffect">
+                                  <p:stCondLst>
+                                    <p:cond delay="0"/>
+                                  </p:stCondLst>
+                                  <p:childTnLst>
+                                    <p:set>
+                                      <p:cBhvr>
+                                        <p:cTn id="16" dur="1" fill="hold">
+                                          <p:stCondLst>
+                                            <p:cond delay="0"/>
+                                          </p:stCondLst>
+                                        </p:cTn>
+                                        <p:tgtEl>
+                                          <p:spTgt spid="3">
+                                            <p:txEl>
+                                              <p:pRg st="2" end="2"/>
+                                            </p:txEl>
+                                          </p:spTgt>
+                                        </p:tgtEl>
+                                        <p:attrNameLst>
+                                          <p:attrName>style.visibility</p:attrName>
+                                        </p:attrNameLst>
+                                      </p:cBhvr>
+                                      <p:to>
+                                        <p:strVal val="visible"/>
+                                      </p:to>
+                                    </p:set>
+                                    <p:animEffect transition="in" filter="dissolve">
+                                      <p:cBhvr>
+                                        <p:cTn id="17" dur="500"/>
+                                        <p:tgtEl>
+                                          <p:spTgt spid="3">
+                                            <p:txEl>
+                                              <p:pRg st="2" end="2"/>
+                                            </p:txEl>
+                                          </p:spTgt>
+                                        </p:tgtEl>
+                                      </p:cBhvr>
+                                    </p:animEffect>
+                                  </p:childTnLst>
+                                </p:cTn>
+                              </p:par>
+                            </p:childTnLst>
+                          </p:cTn>
+                        </p:par>
+                      </p:childTnLst>
+                    </p:cTn>
+                  </p:par>
+                  <p:par>
+                    <p:cTn id="18" fill="hold">
+                      <p:stCondLst>
+                        <p:cond delay="indefinite"/>
+                      </p:stCondLst>
+                      <p:childTnLst>
+                        <p:par>
+                          <p:cTn id="19" fill="hold">
+                            <p:stCondLst>
+                              <p:cond delay="0"/>
+                            </p:stCondLst>
+                            <p:childTnLst>
+                              <p:par>
+                                <p:cTn id="20" presetID="9" presetClass="entr" presetSubtype="0" fill="hold" grpId="0" nodeType="clickEffect">
+                                  <p:stCondLst>
+                                    <p:cond delay="0"/>
+                                  </p:stCondLst>
+                                  <p:childTnLst>
+                                    <p:set>
+                                      <p:cBhvr>
+                                        <p:cTn id="21" dur="1" fill="hold">
+                                          <p:stCondLst>
+                                            <p:cond delay="0"/>
+                                          </p:stCondLst>
+                                        </p:cTn>
+                                        <p:tgtEl>
+                                          <p:spTgt spid="3">
+                                            <p:txEl>
+                                              <p:pRg st="3" end="3"/>
+                                            </p:txEl>
+                                          </p:spTgt>
+                                        </p:tgtEl>
+                                        <p:attrNameLst>
+                                          <p:attrName>style.visibility</p:attrName>
+                                        </p:attrNameLst>
+                                      </p:cBhvr>
+                                      <p:to>
+                                        <p:strVal val="visible"/>
+                                      </p:to>
+                                    </p:set>
+                                    <p:animEffect transition="in" filter="dissolve">
+                                      <p:cBhvr>
+                                        <p:cTn id="22" dur="500"/>
+                                        <p:tgtEl>
+                                          <p:spTgt spid="3">
+                                            <p:txEl>
+                                              <p:pRg st="3" end="3"/>
+                                            </p:txEl>
+                                          </p:spTgt>
+                                        </p:tgtEl>
+                                      </p:cBhvr>
+                                    </p:animEffect>
+                                  </p:childTnLst>
+                                </p:cTn>
+                              </p:par>
+                            </p:childTnLst>
+                          </p:cTn>
+                        </p:par>
+                      </p:childTnLst>
+                    </p:cTn>
+                  </p:par>
+                </p:childTnLst>
+              </p:cTn>
+              <p:prevCondLst>
+                <p:cond evt="onPrev" delay="0">
+                  <p:tgtEl>
+                    <p:sldTgt/>
+                  </p:tgtEl>
+                </p:cond>
+              </p:prevCondLst>
+              <p:nextCondLst>
+                <p:cond evt="onNext" delay="0">
+                  <p:tgtEl>
+                    <p:sldTgt/>
+                  </p:tgtEl>
+                </p:cond>
+              </p:nextCondLst>
+            </p:seq>
+          </p:childTnLst>
+        </p:cTn>
+      </p:par>
+    </p:tnLst>
+    <p:bldLst>
+      <p:bldP spid="3" grpId="0" build="p"/>
+    </p:bldLst>
+  </p:timing>
 </p:sld>
 </file>
 
@@ -26406,14 +27020,14 @@
             <a:pPr algn="ctr"/>
             <a:r>
               <a:rPr lang="pt-BR" b="1" i="1" dirty="0"/>
-              <a:t>Problemas de </a:t>
+              <a:t>Problema: </a:t>
             </a:r>
             <a:br>
               <a:rPr lang="pt-BR" b="1" i="1" dirty="0"/>
             </a:br>
             <a:r>
               <a:rPr lang="pt-BR" b="1" i="1" dirty="0"/>
-              <a:t>ESCALABILIDADE de tamanho</a:t>
+              <a:t>Serviço centralizado</a:t>
             </a:r>
             <a:endParaRPr lang="pt-BR" dirty="0"/>
           </a:p>
@@ -26447,54 +27061,28 @@
           </a:bodyPr>
           <a:lstStyle/>
           <a:p>
-            <a:pPr marL="0" indent="0">
-              <a:buNone/>
-            </a:pPr>
-            <a:r>
-              <a:rPr lang="pt" sz="3200" dirty="0"/>
-              <a:t>Quando um sistema aumenta a quantidade de usuários ou recursos, podemos ter limitações como [SDPP]:</a:t>
-            </a:r>
-          </a:p>
-          <a:p>
-            <a:r>
-              <a:rPr lang="en-US" sz="3200" dirty="0" err="1"/>
-              <a:t>Serviços</a:t>
-            </a:r>
-            <a:r>
-              <a:rPr lang="en-US" sz="3200" dirty="0"/>
-              <a:t> </a:t>
-            </a:r>
-            <a:r>
-              <a:rPr lang="en-US" sz="3200" dirty="0" err="1"/>
-              <a:t>centralizados</a:t>
-            </a:r>
-            <a:endParaRPr lang="pt" sz="3200" dirty="0"/>
-          </a:p>
-          <a:p>
-            <a:r>
-              <a:rPr lang="en-US" sz="3200" dirty="0"/>
-              <a:t>Dados </a:t>
-            </a:r>
-            <a:r>
-              <a:rPr lang="en-US" sz="3200" dirty="0" err="1"/>
-              <a:t>centralizados</a:t>
-            </a:r>
-            <a:endParaRPr lang="pt" sz="3200" dirty="0"/>
-          </a:p>
-          <a:p>
-            <a:r>
-              <a:rPr lang="en-US" sz="3200" dirty="0" err="1"/>
-              <a:t>Algoritmos</a:t>
-            </a:r>
-            <a:r>
-              <a:rPr lang="en-US" sz="3200" dirty="0"/>
-              <a:t> </a:t>
-            </a:r>
-            <a:r>
-              <a:rPr lang="en-US" sz="3200" dirty="0" err="1"/>
-              <a:t>centralizados</a:t>
-            </a:r>
-            <a:endParaRPr lang="pt" sz="3200" dirty="0"/>
+            <a:r>
+              <a:rPr lang="pt" sz="3600" dirty="0"/>
+              <a:t>Possui apenas um servidor para atender os usuários e gerenciar recursos</a:t>
+            </a:r>
+          </a:p>
+          <a:p>
+            <a:r>
+              <a:rPr lang="pt" sz="3600" dirty="0"/>
+              <a:t>A medida que o número de usuários ou recursos aumenta, o servidor pode ficar sobrecarregado</a:t>
+            </a:r>
+          </a:p>
+          <a:p>
+            <a:r>
+              <a:rPr lang="pt" sz="3600" dirty="0"/>
+              <a:t>Pode não conseguir atender com eficiência os usuários atuais</a:t>
+            </a:r>
+          </a:p>
+          <a:p>
+            <a:r>
+              <a:rPr lang="pt" sz="3600" dirty="0"/>
+              <a:t>ou nem mesmo conseguir atender novos usuários</a:t>
+            </a:r>
           </a:p>
         </p:txBody>
       </p:sp>
@@ -26530,7 +27118,7 @@
     </p:spTree>
     <p:extLst>
       <p:ext uri="{BB962C8B-B14F-4D97-AF65-F5344CB8AC3E}">
-        <p14:creationId xmlns:p14="http://schemas.microsoft.com/office/powerpoint/2010/main" val="2159263314"/>
+        <p14:creationId xmlns:p14="http://schemas.microsoft.com/office/powerpoint/2010/main" val="558947494"/>
       </p:ext>
     </p:extLst>
   </p:cSld>
@@ -26661,6 +27249,49 @@
                                   </p:childTnLst>
                                 </p:cTn>
                               </p:par>
+                              <p:par>
+                                <p:cTn id="13" presetID="9" presetClass="exit" presetSubtype="0" fill="hold" grpId="1" nodeType="withEffect">
+                                  <p:stCondLst>
+                                    <p:cond delay="0"/>
+                                  </p:stCondLst>
+                                  <p:childTnLst>
+                                    <p:animEffect transition="out" filter="dissolve">
+                                      <p:cBhvr>
+                                        <p:cTn id="14" dur="500"/>
+                                        <p:tgtEl>
+                                          <p:spTgt spid="3">
+                                            <p:txEl>
+                                              <p:pRg st="0" end="0"/>
+                                            </p:txEl>
+                                          </p:spTgt>
+                                        </p:tgtEl>
+                                      </p:cBhvr>
+                                    </p:animEffect>
+                                    <p:set>
+                                      <p:cBhvr>
+                                        <p:cTn id="15" dur="1" fill="hold">
+                                          <p:stCondLst>
+                                            <p:cond delay="499"/>
+                                          </p:stCondLst>
+                                        </p:cTn>
+                                        <p:tgtEl>
+                                          <p:spTgt spid="3">
+                                            <p:txEl>
+                                              <p:pRg st="0" end="0"/>
+                                            </p:txEl>
+                                          </p:spTgt>
+                                        </p:tgtEl>
+                                        <p:attrNameLst>
+                                          <p:attrName>style.visibility</p:attrName>
+                                        </p:attrNameLst>
+                                      </p:cBhvr>
+                                      <p:to>
+                                        <p:strVal val="hidden"/>
+                                      </p:to>
+                                    </p:set>
+                                  </p:childTnLst>
+                                </p:cTn>
+                              </p:par>
                             </p:childTnLst>
                           </p:cTn>
                         </p:par>
@@ -26668,26 +27299,69 @@
                     </p:cTn>
                   </p:par>
                   <p:par>
-                    <p:cTn id="13" fill="hold">
+                    <p:cTn id="16" fill="hold">
                       <p:stCondLst>
                         <p:cond delay="indefinite"/>
                       </p:stCondLst>
                       <p:childTnLst>
                         <p:par>
-                          <p:cTn id="14" fill="hold">
+                          <p:cTn id="17" fill="hold">
                             <p:stCondLst>
                               <p:cond delay="0"/>
                             </p:stCondLst>
                             <p:childTnLst>
                               <p:par>
-                                <p:cTn id="15" presetID="9" presetClass="entr" presetSubtype="0" fill="hold" grpId="0" nodeType="clickEffect">
+                                <p:cTn id="18" presetID="9" presetClass="exit" presetSubtype="0" fill="hold" grpId="1" nodeType="clickEffect">
+                                  <p:stCondLst>
+                                    <p:cond delay="0"/>
+                                  </p:stCondLst>
+                                  <p:childTnLst>
+                                    <p:animEffect transition="out" filter="dissolve">
+                                      <p:cBhvr>
+                                        <p:cTn id="19" dur="500"/>
+                                        <p:tgtEl>
+                                          <p:spTgt spid="3">
+                                            <p:txEl>
+                                              <p:pRg st="1" end="1"/>
+                                            </p:txEl>
+                                          </p:spTgt>
+                                        </p:tgtEl>
+                                      </p:cBhvr>
+                                    </p:animEffect>
+                                    <p:set>
+                                      <p:cBhvr>
+                                        <p:cTn id="20" dur="1" fill="hold">
+                                          <p:stCondLst>
+                                            <p:cond delay="499"/>
+                                          </p:stCondLst>
+                                        </p:cTn>
+                                        <p:tgtEl>
+                                          <p:spTgt spid="3">
+                                            <p:txEl>
+                                              <p:pRg st="1" end="1"/>
+                                            </p:txEl>
+                                          </p:spTgt>
+                                        </p:tgtEl>
+                                        <p:attrNameLst>
+                                          <p:attrName>style.visibility</p:attrName>
+                                        </p:attrNameLst>
+                                      </p:cBhvr>
+                                      <p:to>
+                                        <p:strVal val="hidden"/>
+                                      </p:to>
+                                    </p:set>
+                                  </p:childTnLst>
+                                </p:cTn>
+                              </p:par>
+                              <p:par>
+                                <p:cTn id="21" presetID="9" presetClass="entr" presetSubtype="0" fill="hold" grpId="0" nodeType="withEffect">
                                   <p:stCondLst>
                                     <p:cond delay="0"/>
                                   </p:stCondLst>
                                   <p:childTnLst>
                                     <p:set>
                                       <p:cBhvr>
-                                        <p:cTn id="16" dur="1" fill="hold">
+                                        <p:cTn id="22" dur="1" fill="hold">
                                           <p:stCondLst>
                                             <p:cond delay="0"/>
                                           </p:stCondLst>
@@ -26709,7 +27383,7 @@
                                     </p:set>
                                     <p:animEffect transition="in" filter="dissolve">
                                       <p:cBhvr>
-                                        <p:cTn id="17" dur="500"/>
+                                        <p:cTn id="23" dur="500"/>
                                         <p:tgtEl>
                                           <p:spTgt spid="3">
                                             <p:txEl>
@@ -26729,26 +27403,69 @@
                     </p:cTn>
                   </p:par>
                   <p:par>
-                    <p:cTn id="18" fill="hold">
+                    <p:cTn id="24" fill="hold">
                       <p:stCondLst>
                         <p:cond delay="indefinite"/>
                       </p:stCondLst>
                       <p:childTnLst>
                         <p:par>
-                          <p:cTn id="19" fill="hold">
+                          <p:cTn id="25" fill="hold">
                             <p:stCondLst>
                               <p:cond delay="0"/>
                             </p:stCondLst>
                             <p:childTnLst>
                               <p:par>
-                                <p:cTn id="20" presetID="9" presetClass="entr" presetSubtype="0" fill="hold" grpId="0" nodeType="clickEffect">
+                                <p:cTn id="26" presetID="9" presetClass="exit" presetSubtype="0" fill="hold" grpId="1" nodeType="clickEffect">
+                                  <p:stCondLst>
+                                    <p:cond delay="0"/>
+                                  </p:stCondLst>
+                                  <p:childTnLst>
+                                    <p:animEffect transition="out" filter="dissolve">
+                                      <p:cBhvr>
+                                        <p:cTn id="27" dur="500"/>
+                                        <p:tgtEl>
+                                          <p:spTgt spid="3">
+                                            <p:txEl>
+                                              <p:pRg st="2" end="2"/>
+                                            </p:txEl>
+                                          </p:spTgt>
+                                        </p:tgtEl>
+                                      </p:cBhvr>
+                                    </p:animEffect>
+                                    <p:set>
+                                      <p:cBhvr>
+                                        <p:cTn id="28" dur="1" fill="hold">
+                                          <p:stCondLst>
+                                            <p:cond delay="499"/>
+                                          </p:stCondLst>
+                                        </p:cTn>
+                                        <p:tgtEl>
+                                          <p:spTgt spid="3">
+                                            <p:txEl>
+                                              <p:pRg st="2" end="2"/>
+                                            </p:txEl>
+                                          </p:spTgt>
+                                        </p:tgtEl>
+                                        <p:attrNameLst>
+                                          <p:attrName>style.visibility</p:attrName>
+                                        </p:attrNameLst>
+                                      </p:cBhvr>
+                                      <p:to>
+                                        <p:strVal val="hidden"/>
+                                      </p:to>
+                                    </p:set>
+                                  </p:childTnLst>
+                                </p:cTn>
+                              </p:par>
+                              <p:par>
+                                <p:cTn id="29" presetID="9" presetClass="entr" presetSubtype="0" fill="hold" grpId="0" nodeType="withEffect">
                                   <p:stCondLst>
                                     <p:cond delay="0"/>
                                   </p:stCondLst>
                                   <p:childTnLst>
                                     <p:set>
                                       <p:cBhvr>
-                                        <p:cTn id="21" dur="1" fill="hold">
+                                        <p:cTn id="30" dur="1" fill="hold">
                                           <p:stCondLst>
                                             <p:cond delay="0"/>
                                           </p:stCondLst>
@@ -26770,7 +27487,7 @@
                                     </p:set>
                                     <p:animEffect transition="in" filter="dissolve">
                                       <p:cBhvr>
-                                        <p:cTn id="22" dur="500"/>
+                                        <p:cTn id="31" dur="500"/>
                                         <p:tgtEl>
                                           <p:spTgt spid="3">
                                             <p:txEl>
@@ -26811,7 +27528,8 @@
       </p:par>
     </p:tnLst>
     <p:bldLst>
-      <p:bldP spid="3" grpId="0" build="p"/>
+      <p:bldP spid="3" grpId="0" uiExpand="1" build="p"/>
+      <p:bldP spid="3" grpId="1" uiExpand="1" build="p"/>
     </p:bldLst>
   </p:timing>
 </p:sld>
@@ -26907,27 +27625,91 @@
           <a:lstStyle/>
           <a:p>
             <a:r>
-              <a:rPr lang="pt" sz="3200" dirty="0"/>
-              <a:t>Possui apenas um servidor para atender os usuários e gerenciar recursos</a:t>
-            </a:r>
-          </a:p>
-          <a:p>
-            <a:r>
-              <a:rPr lang="pt" sz="3200" dirty="0"/>
-              <a:t>A medida que o número de usuários ou recursos aumenta, o servidor pode ficar sobrecarregado</a:t>
-            </a:r>
-          </a:p>
-          <a:p>
-            <a:r>
-              <a:rPr lang="pt" sz="3200" dirty="0"/>
-              <a:t>Pode não conseguir atender com eficiência os usuários atuais</a:t>
-            </a:r>
-          </a:p>
-          <a:p>
-            <a:r>
-              <a:rPr lang="pt" sz="3200" dirty="0"/>
-              <a:t>ou nem mesmo conseguir atender novos usuários</a:t>
-            </a:r>
+              <a:rPr lang="pt" sz="3600" dirty="0"/>
+              <a:t>O servidor pode se tornar um gargalo: ineficiente com o aumento da demanda.</a:t>
+            </a:r>
+          </a:p>
+          <a:p>
+            <a:r>
+              <a:rPr lang="en-US" sz="3600" dirty="0"/>
+              <a:t>Um </a:t>
+            </a:r>
+            <a:r>
+              <a:rPr lang="en-US" sz="3600" dirty="0" err="1"/>
+              <a:t>gargalo</a:t>
+            </a:r>
+            <a:r>
+              <a:rPr lang="en-US" sz="3600" dirty="0"/>
+              <a:t> </a:t>
+            </a:r>
+            <a:r>
+              <a:rPr lang="en-US" sz="3600" dirty="0" err="1"/>
+              <a:t>é</a:t>
+            </a:r>
+            <a:r>
+              <a:rPr lang="en-US" sz="3600" dirty="0"/>
+              <a:t> um </a:t>
+            </a:r>
+            <a:r>
+              <a:rPr lang="en-US" sz="3600" dirty="0" err="1"/>
+              <a:t>ponto</a:t>
+            </a:r>
+            <a:r>
+              <a:rPr lang="en-US" sz="3600" dirty="0"/>
+              <a:t> de </a:t>
+            </a:r>
+            <a:r>
+              <a:rPr lang="en-US" sz="3600" dirty="0" err="1"/>
+              <a:t>estrangulamento</a:t>
+            </a:r>
+            <a:r>
+              <a:rPr lang="en-US" sz="3600" dirty="0"/>
+              <a:t>, de </a:t>
+            </a:r>
+            <a:r>
+              <a:rPr lang="en-US" sz="3600" dirty="0" err="1"/>
+              <a:t>lentidão</a:t>
+            </a:r>
+            <a:endParaRPr lang="pt" sz="3600" dirty="0"/>
+          </a:p>
+          <a:p>
+            <a:r>
+              <a:rPr lang="en-US" sz="3600" dirty="0"/>
+              <a:t>Um </a:t>
+            </a:r>
+            <a:r>
+              <a:rPr lang="en-US" sz="3600" dirty="0" err="1"/>
+              <a:t>exemplo</a:t>
+            </a:r>
+            <a:r>
+              <a:rPr lang="en-US" sz="3600" dirty="0"/>
+              <a:t> </a:t>
+            </a:r>
+            <a:r>
+              <a:rPr lang="en-US" sz="3600" dirty="0" err="1"/>
+              <a:t>claro</a:t>
+            </a:r>
+            <a:r>
+              <a:rPr lang="en-US" sz="3600" dirty="0"/>
+              <a:t> </a:t>
+            </a:r>
+            <a:r>
+              <a:rPr lang="en-US" sz="3600" dirty="0" err="1"/>
+              <a:t>são</a:t>
+            </a:r>
+            <a:r>
+              <a:rPr lang="en-US" sz="3600" dirty="0"/>
+              <a:t> </a:t>
+            </a:r>
+            <a:r>
+              <a:rPr lang="en-US" sz="3600" dirty="0" err="1"/>
+              <a:t>filas</a:t>
+            </a:r>
+            <a:r>
+              <a:rPr lang="en-US" sz="3600" dirty="0"/>
+              <a:t> de banco</a:t>
+            </a:r>
+            <a:endParaRPr lang="pt" sz="3600" dirty="0"/>
           </a:p>
         </p:txBody>
       </p:sp>
@@ -26960,10 +27742,96 @@
           </a:p>
         </p:txBody>
       </p:sp>
+      <p:pic>
+        <p:nvPicPr>
+          <p:cNvPr id="6" name="Picture 5">
+            <a:extLst>
+              <a:ext uri="{FF2B5EF4-FFF2-40B4-BE49-F238E27FC236}">
+                <a16:creationId xmlns:a16="http://schemas.microsoft.com/office/drawing/2014/main" id="{EBE6CB5C-0DA2-6545-82FE-24C0EF09A9FB}"/>
+              </a:ext>
+            </a:extLst>
+          </p:cNvPr>
+          <p:cNvPicPr>
+            <a:picLocks noChangeAspect="1"/>
+          </p:cNvPicPr>
+          <p:nvPr/>
+        </p:nvPicPr>
+        <p:blipFill>
+          <a:blip r:embed="rId2"/>
+          <a:stretch>
+            <a:fillRect/>
+          </a:stretch>
+        </p:blipFill>
+        <p:spPr>
+          <a:xfrm>
+            <a:off x="10541229" y="4255520"/>
+            <a:ext cx="1240704" cy="2315980"/>
+          </a:xfrm>
+          <a:prstGeom prst="rect">
+            <a:avLst/>
+          </a:prstGeom>
+        </p:spPr>
+      </p:pic>
+      <p:sp>
+        <p:nvSpPr>
+          <p:cNvPr id="7" name="TextBox 6">
+            <a:extLst>
+              <a:ext uri="{FF2B5EF4-FFF2-40B4-BE49-F238E27FC236}">
+                <a16:creationId xmlns:a16="http://schemas.microsoft.com/office/drawing/2014/main" id="{1B7DE498-D5F3-F04F-80C4-2ECD539084B2}"/>
+              </a:ext>
+            </a:extLst>
+          </p:cNvPr>
+          <p:cNvSpPr txBox="1"/>
+          <p:nvPr/>
+        </p:nvSpPr>
+        <p:spPr>
+          <a:xfrm>
+            <a:off x="3605574" y="6571500"/>
+            <a:ext cx="4980851" cy="246221"/>
+          </a:xfrm>
+          <a:prstGeom prst="rect">
+            <a:avLst/>
+          </a:prstGeom>
+          <a:noFill/>
+        </p:spPr>
+        <p:txBody>
+          <a:bodyPr wrap="none" rtlCol="0">
+            <a:spAutoFit/>
+          </a:bodyPr>
+          <a:lstStyle/>
+          <a:p>
+            <a:r>
+              <a:rPr lang="pt-BR" sz="1000" dirty="0"/>
+              <a:t>Imagem: </a:t>
+            </a:r>
+            <a:r>
+              <a:rPr lang="pt-BR" sz="1000" dirty="0" err="1"/>
+              <a:t>http</a:t>
+            </a:r>
+            <a:r>
+              <a:rPr lang="pt-BR" sz="1000" dirty="0"/>
+              <a:t>://bio1151.nicerweb.com/</a:t>
+            </a:r>
+            <a:r>
+              <a:rPr lang="pt-BR" sz="1000" dirty="0" err="1"/>
+              <a:t>Locked</a:t>
+            </a:r>
+            <a:r>
+              <a:rPr lang="pt-BR" sz="1000" dirty="0"/>
+              <a:t>/media/ch23/</a:t>
+            </a:r>
+            <a:r>
+              <a:rPr lang="pt-BR" sz="1000" dirty="0" err="1"/>
+              <a:t>bottleneck.html</a:t>
+            </a:r>
+            <a:endParaRPr lang="pt-BR" sz="1000" dirty="0"/>
+          </a:p>
+        </p:txBody>
+      </p:sp>
     </p:spTree>
     <p:extLst>
       <p:ext uri="{BB962C8B-B14F-4D97-AF65-F5344CB8AC3E}">
-        <p14:creationId xmlns:p14="http://schemas.microsoft.com/office/powerpoint/2010/main" val="558947494"/>
+        <p14:creationId xmlns:p14="http://schemas.microsoft.com/office/powerpoint/2010/main" val="1109345369"/>
       </p:ext>
     </p:extLst>
   </p:cSld>
@@ -27052,14 +27920,57 @@
                             </p:stCondLst>
                             <p:childTnLst>
                               <p:par>
-                                <p:cTn id="10" presetID="9" presetClass="entr" presetSubtype="0" fill="hold" grpId="0" nodeType="clickEffect">
+                                <p:cTn id="10" presetID="9" presetClass="exit" presetSubtype="0" fill="hold" grpId="1" nodeType="clickEffect">
+                                  <p:stCondLst>
+                                    <p:cond delay="0"/>
+                                  </p:stCondLst>
+                                  <p:childTnLst>
+                                    <p:animEffect transition="out" filter="dissolve">
+                                      <p:cBhvr>
+                                        <p:cTn id="11" dur="500"/>
+                                        <p:tgtEl>
+                                          <p:spTgt spid="3">
+                                            <p:txEl>
+                                              <p:pRg st="0" end="0"/>
+                                            </p:txEl>
+                                          </p:spTgt>
+                                        </p:tgtEl>
+                                      </p:cBhvr>
+                                    </p:animEffect>
+                                    <p:set>
+                                      <p:cBhvr>
+                                        <p:cTn id="12" dur="1" fill="hold">
+                                          <p:stCondLst>
+                                            <p:cond delay="499"/>
+                                          </p:stCondLst>
+                                        </p:cTn>
+                                        <p:tgtEl>
+                                          <p:spTgt spid="3">
+                                            <p:txEl>
+                                              <p:pRg st="0" end="0"/>
+                                            </p:txEl>
+                                          </p:spTgt>
+                                        </p:tgtEl>
+                                        <p:attrNameLst>
+                                          <p:attrName>style.visibility</p:attrName>
+                                        </p:attrNameLst>
+                                      </p:cBhvr>
+                                      <p:to>
+                                        <p:strVal val="hidden"/>
+                                      </p:to>
+                                    </p:set>
+                                  </p:childTnLst>
+                                </p:cTn>
+                              </p:par>
+                              <p:par>
+                                <p:cTn id="13" presetID="9" presetClass="entr" presetSubtype="0" fill="hold" grpId="0" nodeType="withEffect">
                                   <p:stCondLst>
                                     <p:cond delay="0"/>
                                   </p:stCondLst>
                                   <p:childTnLst>
                                     <p:set>
                                       <p:cBhvr>
-                                        <p:cTn id="11" dur="1" fill="hold">
+                                        <p:cTn id="14" dur="1" fill="hold">
                                           <p:stCondLst>
                                             <p:cond delay="0"/>
                                           </p:stCondLst>
@@ -27081,7 +27992,7 @@
                                     </p:set>
                                     <p:animEffect transition="in" filter="dissolve">
                                       <p:cBhvr>
-                                        <p:cTn id="12" dur="500"/>
+                                        <p:cTn id="15" dur="500"/>
                                         <p:tgtEl>
                                           <p:spTgt spid="3">
                                             <p:txEl>
@@ -27091,49 +28002,6 @@
                                         </p:tgtEl>
                                       </p:cBhvr>
                                     </p:animEffect>
-                                  </p:childTnLst>
-                                </p:cTn>
-                              </p:par>
-                              <p:par>
-                                <p:cTn id="13" presetID="9" presetClass="exit" presetSubtype="0" fill="hold" grpId="1" nodeType="withEffect">
-                                  <p:stCondLst>
-                                    <p:cond delay="0"/>
-                                  </p:stCondLst>
-                                  <p:childTnLst>
-                                    <p:animEffect transition="out" filter="dissolve">
-                                      <p:cBhvr>
-                                        <p:cTn id="14" dur="500"/>
-                                        <p:tgtEl>
-                                          <p:spTgt spid="3">
-                                            <p:txEl>
-                                              <p:pRg st="0" end="0"/>
-                                            </p:txEl>
-                                          </p:spTgt>
-                                        </p:tgtEl>
-                                      </p:cBhvr>
-                                    </p:animEffect>
-                                    <p:set>
-                                      <p:cBhvr>
-                                        <p:cTn id="15" dur="1" fill="hold">
-                                          <p:stCondLst>
-                                            <p:cond delay="499"/>
-                                          </p:stCondLst>
-                                        </p:cTn>
-                                        <p:tgtEl>
-                                          <p:spTgt spid="3">
-                                            <p:txEl>
-                                              <p:pRg st="0" end="0"/>
-                                            </p:txEl>
-                                          </p:spTgt>
-                                        </p:tgtEl>
-                                        <p:attrNameLst>
-                                          <p:attrName>style.visibility</p:attrName>
-                                        </p:attrNameLst>
-                                      </p:cBhvr>
-                                      <p:to>
-                                        <p:strVal val="hidden"/>
-                                      </p:to>
-                                    </p:set>
                                   </p:childTnLst>
                                 </p:cTn>
                               </p:par>
@@ -27233,110 +28101,6 @@
                                           <p:spTgt spid="3">
                                             <p:txEl>
                                               <p:pRg st="2" end="2"/>
-                                            </p:txEl>
-                                          </p:spTgt>
-                                        </p:tgtEl>
-                                      </p:cBhvr>
-                                    </p:animEffect>
-                                  </p:childTnLst>
-                                </p:cTn>
-                              </p:par>
-                            </p:childTnLst>
-                          </p:cTn>
-                        </p:par>
-                      </p:childTnLst>
-                    </p:cTn>
-                  </p:par>
-                  <p:par>
-                    <p:cTn id="24" fill="hold">
-                      <p:stCondLst>
-                        <p:cond delay="indefinite"/>
-                      </p:stCondLst>
-                      <p:childTnLst>
-                        <p:par>
-                          <p:cTn id="25" fill="hold">
-                            <p:stCondLst>
-                              <p:cond delay="0"/>
-                            </p:stCondLst>
-                            <p:childTnLst>
-                              <p:par>
-                                <p:cTn id="26" presetID="9" presetClass="exit" presetSubtype="0" fill="hold" grpId="1" nodeType="clickEffect">
-                                  <p:stCondLst>
-                                    <p:cond delay="0"/>
-                                  </p:stCondLst>
-                                  <p:childTnLst>
-                                    <p:animEffect transition="out" filter="dissolve">
-                                      <p:cBhvr>
-                                        <p:cTn id="27" dur="500"/>
-                                        <p:tgtEl>
-                                          <p:spTgt spid="3">
-                                            <p:txEl>
-                                              <p:pRg st="2" end="2"/>
-                                            </p:txEl>
-                                          </p:spTgt>
-                                        </p:tgtEl>
-                                      </p:cBhvr>
-                                    </p:animEffect>
-                                    <p:set>
-                                      <p:cBhvr>
-                                        <p:cTn id="28" dur="1" fill="hold">
-                                          <p:stCondLst>
-                                            <p:cond delay="499"/>
-                                          </p:stCondLst>
-                                        </p:cTn>
-                                        <p:tgtEl>
-                                          <p:spTgt spid="3">
-                                            <p:txEl>
-                                              <p:pRg st="2" end="2"/>
-                                            </p:txEl>
-                                          </p:spTgt>
-                                        </p:tgtEl>
-                                        <p:attrNameLst>
-                                          <p:attrName>style.visibility</p:attrName>
-                                        </p:attrNameLst>
-                                      </p:cBhvr>
-                                      <p:to>
-                                        <p:strVal val="hidden"/>
-                                      </p:to>
-                                    </p:set>
-                                  </p:childTnLst>
-                                </p:cTn>
-                              </p:par>
-                              <p:par>
-                                <p:cTn id="29" presetID="9" presetClass="entr" presetSubtype="0" fill="hold" grpId="0" nodeType="withEffect">
-                                  <p:stCondLst>
-                                    <p:cond delay="0"/>
-                                  </p:stCondLst>
-                                  <p:childTnLst>
-                                    <p:set>
-                                      <p:cBhvr>
-                                        <p:cTn id="30" dur="1" fill="hold">
-                                          <p:stCondLst>
-                                            <p:cond delay="0"/>
-                                          </p:stCondLst>
-                                        </p:cTn>
-                                        <p:tgtEl>
-                                          <p:spTgt spid="3">
-                                            <p:txEl>
-                                              <p:pRg st="3" end="3"/>
-                                            </p:txEl>
-                                          </p:spTgt>
-                                        </p:tgtEl>
-                                        <p:attrNameLst>
-                                          <p:attrName>style.visibility</p:attrName>
-                                        </p:attrNameLst>
-                                      </p:cBhvr>
-                                      <p:to>
-                                        <p:strVal val="visible"/>
-                                      </p:to>
-                                    </p:set>
-                                    <p:animEffect transition="in" filter="dissolve">
-                                      <p:cBhvr>
-                                        <p:cTn id="31" dur="500"/>
-                                        <p:tgtEl>
-                                          <p:spTgt spid="3">
-                                            <p:txEl>
-                                              <p:pRg st="3" end="3"/>
                                             </p:txEl>
                                           </p:spTgt>
                                         </p:tgtEl>
@@ -27470,91 +28234,25 @@
           <a:lstStyle/>
           <a:p>
             <a:r>
-              <a:rPr lang="pt" sz="3200" dirty="0"/>
-              <a:t>O servidor pode se tornar um gargalo: ineficiente com o aumento da demanda.</a:t>
-            </a:r>
-          </a:p>
-          <a:p>
-            <a:r>
-              <a:rPr lang="en-US" sz="3200" dirty="0"/>
-              <a:t>Um </a:t>
-            </a:r>
-            <a:r>
-              <a:rPr lang="en-US" sz="3200" dirty="0" err="1"/>
-              <a:t>gargalo</a:t>
-            </a:r>
-            <a:r>
-              <a:rPr lang="en-US" sz="3200" dirty="0"/>
-              <a:t> </a:t>
-            </a:r>
-            <a:r>
-              <a:rPr lang="en-US" sz="3200" dirty="0" err="1"/>
-              <a:t>é</a:t>
-            </a:r>
-            <a:r>
-              <a:rPr lang="en-US" sz="3200" dirty="0"/>
-              <a:t> um </a:t>
-            </a:r>
-            <a:r>
-              <a:rPr lang="en-US" sz="3200" dirty="0" err="1"/>
-              <a:t>ponto</a:t>
-            </a:r>
-            <a:r>
-              <a:rPr lang="en-US" sz="3200" dirty="0"/>
-              <a:t> de </a:t>
-            </a:r>
-            <a:r>
-              <a:rPr lang="en-US" sz="3200" dirty="0" err="1"/>
-              <a:t>estrangulamento</a:t>
-            </a:r>
-            <a:r>
-              <a:rPr lang="en-US" sz="3200" dirty="0"/>
-              <a:t>, de </a:t>
-            </a:r>
-            <a:r>
-              <a:rPr lang="en-US" sz="3200" dirty="0" err="1"/>
-              <a:t>lentidão</a:t>
-            </a:r>
-            <a:endParaRPr lang="pt" sz="3200" dirty="0"/>
-          </a:p>
-          <a:p>
-            <a:r>
-              <a:rPr lang="en-US" sz="3200" dirty="0"/>
-              <a:t>Um </a:t>
-            </a:r>
-            <a:r>
-              <a:rPr lang="en-US" sz="3200" dirty="0" err="1"/>
-              <a:t>exemplo</a:t>
-            </a:r>
-            <a:r>
-              <a:rPr lang="en-US" sz="3200" dirty="0"/>
-              <a:t> </a:t>
-            </a:r>
-            <a:r>
-              <a:rPr lang="en-US" sz="3200" dirty="0" err="1"/>
-              <a:t>claro</a:t>
-            </a:r>
-            <a:r>
-              <a:rPr lang="en-US" sz="3200" dirty="0"/>
-              <a:t> </a:t>
-            </a:r>
-            <a:r>
-              <a:rPr lang="en-US" sz="3200" dirty="0" err="1"/>
-              <a:t>são</a:t>
-            </a:r>
-            <a:r>
-              <a:rPr lang="en-US" sz="3200" dirty="0"/>
-              <a:t> </a:t>
-            </a:r>
-            <a:r>
-              <a:rPr lang="en-US" sz="3200" dirty="0" err="1"/>
-              <a:t>filas</a:t>
-            </a:r>
-            <a:r>
-              <a:rPr lang="en-US" sz="3200" dirty="0"/>
-              <a:t> de banco</a:t>
-            </a:r>
-            <a:endParaRPr lang="pt" sz="3200" dirty="0"/>
+              <a:rPr lang="pt" sz="3600" dirty="0"/>
+              <a:t>O tempo médio de espera aumenta à medida que novos clientes chegam</a:t>
+            </a:r>
+          </a:p>
+          <a:p>
+            <a:r>
+              <a:rPr lang="pt" sz="3600" dirty="0"/>
+              <a:t>Em consequência, a fila tende a aumentar também, criando um círculo vicioso</a:t>
+            </a:r>
+          </a:p>
+          <a:p>
+            <a:r>
+              <a:rPr lang="pt" sz="3600" dirty="0"/>
+              <a:t>Uma solução imediata é aumentar o número de servidores (caixas) pra </a:t>
+            </a:r>
+            <a:r>
+              <a:rPr lang="pt" sz="3600" b="1" dirty="0"/>
+              <a:t>distribuir o atendimento</a:t>
+            </a:r>
           </a:p>
         </p:txBody>
       </p:sp>
@@ -27587,96 +28285,10 @@
           </a:p>
         </p:txBody>
       </p:sp>
-      <p:pic>
-        <p:nvPicPr>
-          <p:cNvPr id="6" name="Picture 5">
-            <a:extLst>
-              <a:ext uri="{FF2B5EF4-FFF2-40B4-BE49-F238E27FC236}">
-                <a16:creationId xmlns:a16="http://schemas.microsoft.com/office/drawing/2014/main" id="{EBE6CB5C-0DA2-6545-82FE-24C0EF09A9FB}"/>
-              </a:ext>
-            </a:extLst>
-          </p:cNvPr>
-          <p:cNvPicPr>
-            <a:picLocks noChangeAspect="1"/>
-          </p:cNvPicPr>
-          <p:nvPr/>
-        </p:nvPicPr>
-        <p:blipFill>
-          <a:blip r:embed="rId2"/>
-          <a:stretch>
-            <a:fillRect/>
-          </a:stretch>
-        </p:blipFill>
-        <p:spPr>
-          <a:xfrm>
-            <a:off x="10541229" y="4255520"/>
-            <a:ext cx="1240704" cy="2315980"/>
-          </a:xfrm>
-          <a:prstGeom prst="rect">
-            <a:avLst/>
-          </a:prstGeom>
-        </p:spPr>
-      </p:pic>
-      <p:sp>
-        <p:nvSpPr>
-          <p:cNvPr id="7" name="TextBox 6">
-            <a:extLst>
-              <a:ext uri="{FF2B5EF4-FFF2-40B4-BE49-F238E27FC236}">
-                <a16:creationId xmlns:a16="http://schemas.microsoft.com/office/drawing/2014/main" id="{1B7DE498-D5F3-F04F-80C4-2ECD539084B2}"/>
-              </a:ext>
-            </a:extLst>
-          </p:cNvPr>
-          <p:cNvSpPr txBox="1"/>
-          <p:nvPr/>
-        </p:nvSpPr>
-        <p:spPr>
-          <a:xfrm>
-            <a:off x="3605574" y="6571500"/>
-            <a:ext cx="4980851" cy="246221"/>
-          </a:xfrm>
-          <a:prstGeom prst="rect">
-            <a:avLst/>
-          </a:prstGeom>
-          <a:noFill/>
-        </p:spPr>
-        <p:txBody>
-          <a:bodyPr wrap="none" rtlCol="0">
-            <a:spAutoFit/>
-          </a:bodyPr>
-          <a:lstStyle/>
-          <a:p>
-            <a:r>
-              <a:rPr lang="pt-BR" sz="1000" dirty="0"/>
-              <a:t>Imagem: </a:t>
-            </a:r>
-            <a:r>
-              <a:rPr lang="pt-BR" sz="1000" dirty="0" err="1"/>
-              <a:t>http</a:t>
-            </a:r>
-            <a:r>
-              <a:rPr lang="pt-BR" sz="1000" dirty="0"/>
-              <a:t>://bio1151.nicerweb.com/</a:t>
-            </a:r>
-            <a:r>
-              <a:rPr lang="pt-BR" sz="1000" dirty="0" err="1"/>
-              <a:t>Locked</a:t>
-            </a:r>
-            <a:r>
-              <a:rPr lang="pt-BR" sz="1000" dirty="0"/>
-              <a:t>/media/ch23/</a:t>
-            </a:r>
-            <a:r>
-              <a:rPr lang="pt-BR" sz="1000" dirty="0" err="1"/>
-              <a:t>bottleneck.html</a:t>
-            </a:r>
-            <a:endParaRPr lang="pt-BR" sz="1000" dirty="0"/>
-          </a:p>
-        </p:txBody>
-      </p:sp>
     </p:spTree>
     <p:extLst>
       <p:ext uri="{BB962C8B-B14F-4D97-AF65-F5344CB8AC3E}">
-        <p14:creationId xmlns:p14="http://schemas.microsoft.com/office/powerpoint/2010/main" val="1109345369"/>
+        <p14:creationId xmlns:p14="http://schemas.microsoft.com/office/powerpoint/2010/main" val="2331031851"/>
       </p:ext>
     </p:extLst>
   </p:cSld>
@@ -27912,7 +28524,7 @@
                                 </p:cTn>
                               </p:par>
                               <p:par>
-                                <p:cTn id="21" presetID="9" presetClass="entr" presetSubtype="0" fill="hold" grpId="0" nodeType="withEffect">
+                                <p:cTn id="21" presetID="9" presetClass="entr" presetSubtype="0" fill="hold" grpId="2" nodeType="withEffect">
                                   <p:stCondLst>
                                     <p:cond delay="0"/>
                                   </p:stCondLst>
@@ -27984,6 +28596,7 @@
     <p:bldLst>
       <p:bldP spid="3" grpId="0" uiExpand="1" build="p"/>
       <p:bldP spid="3" grpId="1" uiExpand="1" build="p"/>
+      <p:bldP spid="3" grpId="2" uiExpand="1" build="p"/>
     </p:bldLst>
   </p:timing>
 </p:sld>
@@ -28588,7 +29201,7 @@
             </a:br>
             <a:r>
               <a:rPr lang="pt-BR" b="1" i="1" dirty="0"/>
-              <a:t>Serviço centralizado</a:t>
+              <a:t>Dados centralizados</a:t>
             </a:r>
             <a:endParaRPr lang="pt-BR" dirty="0"/>
           </a:p>
@@ -28623,24 +29236,20 @@
           <a:lstStyle/>
           <a:p>
             <a:r>
-              <a:rPr lang="pt" sz="3200" dirty="0"/>
-              <a:t>O tempo médio de espera aumenta à medida que novos clientes chegam</a:t>
-            </a:r>
-          </a:p>
-          <a:p>
-            <a:r>
-              <a:rPr lang="pt" sz="3200" dirty="0"/>
-              <a:t>Em consequência, a fila tende a aumentar também, criando um círculo vicioso</a:t>
-            </a:r>
-          </a:p>
-          <a:p>
-            <a:r>
-              <a:rPr lang="pt" sz="3200" dirty="0"/>
-              <a:t>Uma solução imediata é aumentar o número de servidores (caixas) pra </a:t>
-            </a:r>
-            <a:r>
-              <a:rPr lang="pt" sz="3200" b="1" dirty="0"/>
-              <a:t>distribuir o atendimento</a:t>
+              <a:rPr lang="pt" sz="3600" dirty="0"/>
+              <a:t>Ocorre quando o aumento na quantidade de dados traz ineficiência ao sistema [SDPP]</a:t>
+            </a:r>
+          </a:p>
+          <a:p>
+            <a:r>
+              <a:rPr lang="pt" sz="3600" dirty="0"/>
+              <a:t>Imagina se o DNS funcionasse ainda como um sistema centralizado</a:t>
+            </a:r>
+          </a:p>
+          <a:p>
+            <a:r>
+              <a:rPr lang="pt" sz="3600" dirty="0"/>
+              <a:t>O tempo de busca do endereço IP teria inviabilizado a Internet na escala de hoje [SDPP]</a:t>
             </a:r>
           </a:p>
         </p:txBody>
@@ -28677,7 +29286,7 @@
     </p:spTree>
     <p:extLst>
       <p:ext uri="{BB962C8B-B14F-4D97-AF65-F5344CB8AC3E}">
-        <p14:creationId xmlns:p14="http://schemas.microsoft.com/office/powerpoint/2010/main" val="2331031851"/>
+        <p14:creationId xmlns:p14="http://schemas.microsoft.com/office/powerpoint/2010/main" val="3774195287"/>
       </p:ext>
     </p:extLst>
   </p:cSld>
@@ -28766,14 +29375,57 @@
                             </p:stCondLst>
                             <p:childTnLst>
                               <p:par>
-                                <p:cTn id="10" presetID="9" presetClass="exit" presetSubtype="0" fill="hold" grpId="1" nodeType="clickEffect">
+                                <p:cTn id="10" presetID="9" presetClass="entr" presetSubtype="0" fill="hold" grpId="0" nodeType="clickEffect">
+                                  <p:stCondLst>
+                                    <p:cond delay="0"/>
+                                  </p:stCondLst>
+                                  <p:childTnLst>
+                                    <p:set>
+                                      <p:cBhvr>
+                                        <p:cTn id="11" dur="1" fill="hold">
+                                          <p:stCondLst>
+                                            <p:cond delay="0"/>
+                                          </p:stCondLst>
+                                        </p:cTn>
+                                        <p:tgtEl>
+                                          <p:spTgt spid="3">
+                                            <p:txEl>
+                                              <p:pRg st="1" end="1"/>
+                                            </p:txEl>
+                                          </p:spTgt>
+                                        </p:tgtEl>
+                                        <p:attrNameLst>
+                                          <p:attrName>style.visibility</p:attrName>
+                                        </p:attrNameLst>
+                                      </p:cBhvr>
+                                      <p:to>
+                                        <p:strVal val="visible"/>
+                                      </p:to>
+                                    </p:set>
+                                    <p:animEffect transition="in" filter="dissolve">
+                                      <p:cBhvr>
+                                        <p:cTn id="12" dur="500"/>
+                                        <p:tgtEl>
+                                          <p:spTgt spid="3">
+                                            <p:txEl>
+                                              <p:pRg st="1" end="1"/>
+                                            </p:txEl>
+                                          </p:spTgt>
+                                        </p:tgtEl>
+                                      </p:cBhvr>
+                                    </p:animEffect>
+                                  </p:childTnLst>
+                                </p:cTn>
+                              </p:par>
+                              <p:par>
+                                <p:cTn id="13" presetID="9" presetClass="exit" presetSubtype="0" fill="hold" grpId="1" nodeType="withEffect">
                                   <p:stCondLst>
                                     <p:cond delay="0"/>
                                   </p:stCondLst>
                                   <p:childTnLst>
                                     <p:animEffect transition="out" filter="dissolve">
                                       <p:cBhvr>
-                                        <p:cTn id="11" dur="500"/>
+                                        <p:cTn id="14" dur="500"/>
                                         <p:tgtEl>
                                           <p:spTgt spid="3">
                                             <p:txEl>
@@ -28785,7 +29437,7 @@
                                     </p:animEffect>
                                     <p:set>
                                       <p:cBhvr>
-                                        <p:cTn id="12" dur="1" fill="hold">
+                                        <p:cTn id="15" dur="1" fill="hold">
                                           <p:stCondLst>
                                             <p:cond delay="499"/>
                                           </p:stCondLst>
@@ -28805,49 +29457,6 @@
                                         <p:strVal val="hidden"/>
                                       </p:to>
                                     </p:set>
-                                  </p:childTnLst>
-                                </p:cTn>
-                              </p:par>
-                              <p:par>
-                                <p:cTn id="13" presetID="9" presetClass="entr" presetSubtype="0" fill="hold" grpId="0" nodeType="withEffect">
-                                  <p:stCondLst>
-                                    <p:cond delay="0"/>
-                                  </p:stCondLst>
-                                  <p:childTnLst>
-                                    <p:set>
-                                      <p:cBhvr>
-                                        <p:cTn id="14" dur="1" fill="hold">
-                                          <p:stCondLst>
-                                            <p:cond delay="0"/>
-                                          </p:stCondLst>
-                                        </p:cTn>
-                                        <p:tgtEl>
-                                          <p:spTgt spid="3">
-                                            <p:txEl>
-                                              <p:pRg st="1" end="1"/>
-                                            </p:txEl>
-                                          </p:spTgt>
-                                        </p:tgtEl>
-                                        <p:attrNameLst>
-                                          <p:attrName>style.visibility</p:attrName>
-                                        </p:attrNameLst>
-                                      </p:cBhvr>
-                                      <p:to>
-                                        <p:strVal val="visible"/>
-                                      </p:to>
-                                    </p:set>
-                                    <p:animEffect transition="in" filter="dissolve">
-                                      <p:cBhvr>
-                                        <p:cTn id="15" dur="500"/>
-                                        <p:tgtEl>
-                                          <p:spTgt spid="3">
-                                            <p:txEl>
-                                              <p:pRg st="1" end="1"/>
-                                            </p:txEl>
-                                          </p:spTgt>
-                                        </p:tgtEl>
-                                      </p:cBhvr>
-                                    </p:animEffect>
                                   </p:childTnLst>
                                 </p:cTn>
                               </p:par>
@@ -28913,7 +29522,7 @@
                                 </p:cTn>
                               </p:par>
                               <p:par>
-                                <p:cTn id="21" presetID="9" presetClass="entr" presetSubtype="0" fill="hold" grpId="2" nodeType="withEffect">
+                                <p:cTn id="21" presetID="9" presetClass="entr" presetSubtype="0" fill="hold" grpId="0" nodeType="withEffect">
                                   <p:stCondLst>
                                     <p:cond delay="0"/>
                                   </p:stCondLst>
@@ -28985,7 +29594,6 @@
     <p:bldLst>
       <p:bldP spid="3" grpId="0" uiExpand="1" build="p"/>
       <p:bldP spid="3" grpId="1" uiExpand="1" build="p"/>
-      <p:bldP spid="3" grpId="2" uiExpand="1" build="p"/>
     </p:bldLst>
   </p:timing>
 </p:sld>
@@ -29076,25 +29684,45 @@
         </p:spPr>
         <p:txBody>
           <a:bodyPr>
-            <a:normAutofit/>
+            <a:normAutofit lnSpcReduction="10000"/>
           </a:bodyPr>
           <a:lstStyle/>
           <a:p>
             <a:r>
               <a:rPr lang="pt" sz="3200" dirty="0"/>
-              <a:t>Ocorre quando o aumento na quantidade de dados traz ineficiência ao sistema [SDPP]</a:t>
-            </a:r>
-          </a:p>
-          <a:p>
+              <a:t>O mesmo ocorre com Sistemas Gerenciadores de Bancos de Dados (</a:t>
+            </a:r>
+            <a:r>
+              <a:rPr lang="pt" sz="3200" dirty="0" err="1"/>
+              <a:t>SGBDs</a:t>
+            </a:r>
             <a:r>
               <a:rPr lang="pt" sz="3200" dirty="0"/>
-              <a:t>Imagina se o DNS funcionasse ainda como um sistema centralizado</a:t>
+              <a:t>)</a:t>
             </a:r>
           </a:p>
           <a:p>
             <a:r>
               <a:rPr lang="pt" sz="3200" dirty="0"/>
-              <a:t>O tempo de busca do endereço IP teria inviabilizado a Internet na escala de hoje [SDPP]</a:t>
+              <a:t>O sistema pode ter vários servidores web/servidores de aplicação para atender os usuários, mas todos estes servidores acessam um único SGBD</a:t>
+            </a:r>
+          </a:p>
+          <a:p>
+            <a:r>
+              <a:rPr lang="pt" sz="3200" dirty="0"/>
+              <a:t>Este único SGBD pode se tornar um gargalo com o aumento do número de usuários</a:t>
+            </a:r>
+          </a:p>
+          <a:p>
+            <a:r>
+              <a:rPr lang="pt" sz="3200" dirty="0"/>
+              <a:t>Os usuários podem começar a perceber lentidão de acesso em horários de pico</a:t>
+            </a:r>
+          </a:p>
+          <a:p>
+            <a:r>
+              <a:rPr lang="pt" sz="3200" dirty="0"/>
+              <a:t>A situação piora se, pra cada usuário, uma nova conexão ao banco é aberta</a:t>
             </a:r>
           </a:p>
         </p:txBody>
@@ -29131,7 +29759,7 @@
     </p:spTree>
     <p:extLst>
       <p:ext uri="{BB962C8B-B14F-4D97-AF65-F5344CB8AC3E}">
-        <p14:creationId xmlns:p14="http://schemas.microsoft.com/office/powerpoint/2010/main" val="3774195287"/>
+        <p14:creationId xmlns:p14="http://schemas.microsoft.com/office/powerpoint/2010/main" val="3841423139"/>
       </p:ext>
     </p:extLst>
   </p:cSld>
@@ -29262,15 +29890,76 @@
                                   </p:childTnLst>
                                 </p:cTn>
                               </p:par>
+                            </p:childTnLst>
+                          </p:cTn>
+                        </p:par>
+                      </p:childTnLst>
+                    </p:cTn>
+                  </p:par>
+                  <p:par>
+                    <p:cTn id="13" fill="hold">
+                      <p:stCondLst>
+                        <p:cond delay="indefinite"/>
+                      </p:stCondLst>
+                      <p:childTnLst>
+                        <p:par>
+                          <p:cTn id="14" fill="hold">
+                            <p:stCondLst>
+                              <p:cond delay="0"/>
+                            </p:stCondLst>
+                            <p:childTnLst>
                               <p:par>
-                                <p:cTn id="13" presetID="9" presetClass="exit" presetSubtype="0" fill="hold" grpId="1" nodeType="withEffect">
+                                <p:cTn id="15" presetID="9" presetClass="entr" presetSubtype="0" fill="hold" grpId="0" nodeType="clickEffect">
+                                  <p:stCondLst>
+                                    <p:cond delay="0"/>
+                                  </p:stCondLst>
+                                  <p:childTnLst>
+                                    <p:set>
+                                      <p:cBhvr>
+                                        <p:cTn id="16" dur="1" fill="hold">
+                                          <p:stCondLst>
+                                            <p:cond delay="0"/>
+                                          </p:stCondLst>
+                                        </p:cTn>
+                                        <p:tgtEl>
+                                          <p:spTgt spid="3">
+                                            <p:txEl>
+                                              <p:pRg st="2" end="2"/>
+                                            </p:txEl>
+                                          </p:spTgt>
+                                        </p:tgtEl>
+                                        <p:attrNameLst>
+                                          <p:attrName>style.visibility</p:attrName>
+                                        </p:attrNameLst>
+                                      </p:cBhvr>
+                                      <p:to>
+                                        <p:strVal val="visible"/>
+                                      </p:to>
+                                    </p:set>
+                                    <p:animEffect transition="in" filter="dissolve">
+                                      <p:cBhvr>
+                                        <p:cTn id="17" dur="500"/>
+                                        <p:tgtEl>
+                                          <p:spTgt spid="3">
+                                            <p:txEl>
+                                              <p:pRg st="2" end="2"/>
+                                            </p:txEl>
+                                          </p:spTgt>
+                                        </p:tgtEl>
+                                      </p:cBhvr>
+                                    </p:animEffect>
+                                  </p:childTnLst>
+                                </p:cTn>
+                              </p:par>
+                              <p:par>
+                                <p:cTn id="18" presetID="9" presetClass="exit" presetSubtype="0" fill="hold" grpId="1" nodeType="withEffect">
                                   <p:stCondLst>
                                     <p:cond delay="0"/>
                                   </p:stCondLst>
                                   <p:childTnLst>
                                     <p:animEffect transition="out" filter="dissolve">
                                       <p:cBhvr>
-                                        <p:cTn id="14" dur="500"/>
+                                        <p:cTn id="19" dur="500"/>
                                         <p:tgtEl>
                                           <p:spTgt spid="3">
                                             <p:txEl>
@@ -29282,7 +29971,7 @@
                                     </p:animEffect>
                                     <p:set>
                                       <p:cBhvr>
-                                        <p:cTn id="15" dur="1" fill="hold">
+                                        <p:cTn id="20" dur="1" fill="hold">
                                           <p:stCondLst>
                                             <p:cond delay="499"/>
                                           </p:stCondLst>
@@ -29312,26 +30001,26 @@
                     </p:cTn>
                   </p:par>
                   <p:par>
-                    <p:cTn id="16" fill="hold">
+                    <p:cTn id="21" fill="hold">
                       <p:stCondLst>
                         <p:cond delay="indefinite"/>
                       </p:stCondLst>
                       <p:childTnLst>
                         <p:par>
-                          <p:cTn id="17" fill="hold">
+                          <p:cTn id="22" fill="hold">
                             <p:stCondLst>
                               <p:cond delay="0"/>
                             </p:stCondLst>
                             <p:childTnLst>
                               <p:par>
-                                <p:cTn id="18" presetID="9" presetClass="exit" presetSubtype="0" fill="hold" grpId="1" nodeType="clickEffect">
+                                <p:cTn id="23" presetID="9" presetClass="exit" presetSubtype="0" fill="hold" grpId="1" nodeType="clickEffect">
                                   <p:stCondLst>
                                     <p:cond delay="0"/>
                                   </p:stCondLst>
                                   <p:childTnLst>
                                     <p:animEffect transition="out" filter="dissolve">
                                       <p:cBhvr>
-                                        <p:cTn id="19" dur="500"/>
+                                        <p:cTn id="24" dur="500"/>
                                         <p:tgtEl>
                                           <p:spTgt spid="3">
                                             <p:txEl>
@@ -29343,7 +30032,7 @@
                                     </p:animEffect>
                                     <p:set>
                                       <p:cBhvr>
-                                        <p:cTn id="20" dur="1" fill="hold">
+                                        <p:cTn id="25" dur="1" fill="hold">
                                           <p:stCondLst>
                                             <p:cond delay="499"/>
                                           </p:stCondLst>
@@ -29352,6 +30041,67 @@
                                           <p:spTgt spid="3">
                                             <p:txEl>
                                               <p:pRg st="1" end="1"/>
+                                            </p:txEl>
+                                          </p:spTgt>
+                                        </p:tgtEl>
+                                        <p:attrNameLst>
+                                          <p:attrName>style.visibility</p:attrName>
+                                        </p:attrNameLst>
+                                      </p:cBhvr>
+                                      <p:to>
+                                        <p:strVal val="hidden"/>
+                                      </p:to>
+                                    </p:set>
+                                  </p:childTnLst>
+                                </p:cTn>
+                              </p:par>
+                            </p:childTnLst>
+                          </p:cTn>
+                        </p:par>
+                      </p:childTnLst>
+                    </p:cTn>
+                  </p:par>
+                  <p:par>
+                    <p:cTn id="26" fill="hold">
+                      <p:stCondLst>
+                        <p:cond delay="indefinite"/>
+                      </p:stCondLst>
+                      <p:childTnLst>
+                        <p:par>
+                          <p:cTn id="27" fill="hold">
+                            <p:stCondLst>
+                              <p:cond delay="0"/>
+                            </p:stCondLst>
+                            <p:childTnLst>
+                              <p:par>
+                                <p:cTn id="28" presetID="9" presetClass="exit" presetSubtype="0" fill="hold" grpId="1" nodeType="clickEffect">
+                                  <p:stCondLst>
+                                    <p:cond delay="0"/>
+                                  </p:stCondLst>
+                                  <p:childTnLst>
+                                    <p:animEffect transition="out" filter="dissolve">
+                                      <p:cBhvr>
+                                        <p:cTn id="29" dur="500"/>
+                                        <p:tgtEl>
+                                          <p:spTgt spid="3">
+                                            <p:txEl>
+                                              <p:pRg st="2" end="2"/>
+                                            </p:txEl>
+                                          </p:spTgt>
+                                        </p:tgtEl>
+                                      </p:cBhvr>
+                                    </p:animEffect>
+                                    <p:set>
+                                      <p:cBhvr>
+                                        <p:cTn id="30" dur="1" fill="hold">
+                                          <p:stCondLst>
+                                            <p:cond delay="499"/>
+                                          </p:stCondLst>
+                                        </p:cTn>
+                                        <p:tgtEl>
+                                          <p:spTgt spid="3">
+                                            <p:txEl>
+                                              <p:pRg st="2" end="2"/>
                                             </p:txEl>
                                           </p:spTgt>
                                         </p:tgtEl>
@@ -29367,14 +30117,14 @@
                                 </p:cTn>
                               </p:par>
                               <p:par>
-                                <p:cTn id="21" presetID="9" presetClass="entr" presetSubtype="0" fill="hold" grpId="0" nodeType="withEffect">
+                                <p:cTn id="31" presetID="9" presetClass="entr" presetSubtype="0" fill="hold" grpId="0" nodeType="withEffect">
                                   <p:stCondLst>
                                     <p:cond delay="0"/>
                                   </p:stCondLst>
                                   <p:childTnLst>
                                     <p:set>
                                       <p:cBhvr>
-                                        <p:cTn id="22" dur="1" fill="hold">
+                                        <p:cTn id="32" dur="1" fill="hold">
                                           <p:stCondLst>
                                             <p:cond delay="0"/>
                                           </p:stCondLst>
@@ -29382,7 +30132,7 @@
                                         <p:tgtEl>
                                           <p:spTgt spid="3">
                                             <p:txEl>
-                                              <p:pRg st="2" end="2"/>
+                                              <p:pRg st="3" end="3"/>
                                             </p:txEl>
                                           </p:spTgt>
                                         </p:tgtEl>
@@ -29396,11 +30146,115 @@
                                     </p:set>
                                     <p:animEffect transition="in" filter="dissolve">
                                       <p:cBhvr>
-                                        <p:cTn id="23" dur="500"/>
-                                        <p:tgtEl>
-                                          <p:spTgt spid="3">
-                                            <p:txEl>
-                                              <p:pRg st="2" end="2"/>
+                                        <p:cTn id="33" dur="500"/>
+                                        <p:tgtEl>
+                                          <p:spTgt spid="3">
+                                            <p:txEl>
+                                              <p:pRg st="3" end="3"/>
+                                            </p:txEl>
+                                          </p:spTgt>
+                                        </p:tgtEl>
+                                      </p:cBhvr>
+                                    </p:animEffect>
+                                  </p:childTnLst>
+                                </p:cTn>
+                              </p:par>
+                            </p:childTnLst>
+                          </p:cTn>
+                        </p:par>
+                      </p:childTnLst>
+                    </p:cTn>
+                  </p:par>
+                  <p:par>
+                    <p:cTn id="34" fill="hold">
+                      <p:stCondLst>
+                        <p:cond delay="indefinite"/>
+                      </p:stCondLst>
+                      <p:childTnLst>
+                        <p:par>
+                          <p:cTn id="35" fill="hold">
+                            <p:stCondLst>
+                              <p:cond delay="0"/>
+                            </p:stCondLst>
+                            <p:childTnLst>
+                              <p:par>
+                                <p:cTn id="36" presetID="9" presetClass="exit" presetSubtype="0" fill="hold" grpId="1" nodeType="clickEffect">
+                                  <p:stCondLst>
+                                    <p:cond delay="0"/>
+                                  </p:stCondLst>
+                                  <p:childTnLst>
+                                    <p:animEffect transition="out" filter="dissolve">
+                                      <p:cBhvr>
+                                        <p:cTn id="37" dur="500"/>
+                                        <p:tgtEl>
+                                          <p:spTgt spid="3">
+                                            <p:txEl>
+                                              <p:pRg st="3" end="3"/>
+                                            </p:txEl>
+                                          </p:spTgt>
+                                        </p:tgtEl>
+                                      </p:cBhvr>
+                                    </p:animEffect>
+                                    <p:set>
+                                      <p:cBhvr>
+                                        <p:cTn id="38" dur="1" fill="hold">
+                                          <p:stCondLst>
+                                            <p:cond delay="499"/>
+                                          </p:stCondLst>
+                                        </p:cTn>
+                                        <p:tgtEl>
+                                          <p:spTgt spid="3">
+                                            <p:txEl>
+                                              <p:pRg st="3" end="3"/>
+                                            </p:txEl>
+                                          </p:spTgt>
+                                        </p:tgtEl>
+                                        <p:attrNameLst>
+                                          <p:attrName>style.visibility</p:attrName>
+                                        </p:attrNameLst>
+                                      </p:cBhvr>
+                                      <p:to>
+                                        <p:strVal val="hidden"/>
+                                      </p:to>
+                                    </p:set>
+                                  </p:childTnLst>
+                                </p:cTn>
+                              </p:par>
+                              <p:par>
+                                <p:cTn id="39" presetID="9" presetClass="entr" presetSubtype="0" fill="hold" grpId="0" nodeType="withEffect">
+                                  <p:stCondLst>
+                                    <p:cond delay="0"/>
+                                  </p:stCondLst>
+                                  <p:childTnLst>
+                                    <p:set>
+                                      <p:cBhvr>
+                                        <p:cTn id="40" dur="1" fill="hold">
+                                          <p:stCondLst>
+                                            <p:cond delay="0"/>
+                                          </p:stCondLst>
+                                        </p:cTn>
+                                        <p:tgtEl>
+                                          <p:spTgt spid="3">
+                                            <p:txEl>
+                                              <p:pRg st="4" end="4"/>
+                                            </p:txEl>
+                                          </p:spTgt>
+                                        </p:tgtEl>
+                                        <p:attrNameLst>
+                                          <p:attrName>style.visibility</p:attrName>
+                                        </p:attrNameLst>
+                                      </p:cBhvr>
+                                      <p:to>
+                                        <p:strVal val="visible"/>
+                                      </p:to>
+                                    </p:set>
+                                    <p:animEffect transition="in" filter="dissolve">
+                                      <p:cBhvr>
+                                        <p:cTn id="41" dur="500"/>
+                                        <p:tgtEl>
+                                          <p:spTgt spid="3">
+                                            <p:txEl>
+                                              <p:pRg st="4" end="4"/>
                                             </p:txEl>
                                           </p:spTgt>
                                         </p:tgtEl>
@@ -29499,7 +30353,7 @@
             </a:br>
             <a:r>
               <a:rPr lang="pt-BR" b="1" i="1" dirty="0"/>
-              <a:t>Dados centralizados</a:t>
+              <a:t>algoritmos centralizados</a:t>
             </a:r>
             <a:endParaRPr lang="pt-BR" dirty="0"/>
           </a:p>
@@ -29529,46 +30383,71 @@
         </p:spPr>
         <p:txBody>
           <a:bodyPr>
-            <a:normAutofit lnSpcReduction="10000"/>
+            <a:normAutofit/>
           </a:bodyPr>
           <a:lstStyle/>
           <a:p>
             <a:r>
-              <a:rPr lang="pt" sz="3200" dirty="0"/>
-              <a:t>O mesmo ocorre com Sistemas Gerenciadores de Bancos de Dados (</a:t>
-            </a:r>
-            <a:r>
-              <a:rPr lang="pt" sz="3200" dirty="0" err="1"/>
-              <a:t>SGBDs</a:t>
-            </a:r>
-            <a:r>
-              <a:rPr lang="pt" sz="3200" dirty="0"/>
-              <a:t>)</a:t>
-            </a:r>
-          </a:p>
-          <a:p>
-            <a:r>
-              <a:rPr lang="pt" sz="3200" dirty="0"/>
-              <a:t>O sistema pode ter vários servidores web/servidores de aplicação para atender os usuários, mas todos estes servidores acessam um único SGBD</a:t>
-            </a:r>
-          </a:p>
-          <a:p>
-            <a:r>
-              <a:rPr lang="pt" sz="3200" dirty="0"/>
-              <a:t>Este único SGBD pode se tornar um gargalo com o aumento do número de usuários</a:t>
-            </a:r>
-          </a:p>
-          <a:p>
-            <a:r>
-              <a:rPr lang="pt" sz="3200" dirty="0"/>
-              <a:t>Os usuários podem começar a perceber lentidão de acesso em horários de pico</a:t>
-            </a:r>
-          </a:p>
-          <a:p>
-            <a:r>
-              <a:rPr lang="pt" sz="3200" dirty="0"/>
-              <a:t>A situação piora se, pra cada usuário, uma nova conexão ao banco é aberta</a:t>
-            </a:r>
+              <a:rPr lang="pt" sz="3600" dirty="0"/>
+              <a:t>Normalmente necessitam centralizar dados para realizar o processamento, que é problemático como acabamos de ver</a:t>
+            </a:r>
+          </a:p>
+          <a:p>
+            <a:r>
+              <a:rPr lang="pt" sz="3600" dirty="0"/>
+              <a:t>Em uma rede social como o </a:t>
+            </a:r>
+            <a:r>
+              <a:rPr lang="pt" sz="3600" dirty="0" err="1"/>
+              <a:t>Facebook</a:t>
+            </a:r>
+            <a:r>
+              <a:rPr lang="pt" sz="3600" dirty="0"/>
+              <a:t>, um algoritmo poderia buscar sugestões de amizade para todos os usuários</a:t>
+            </a:r>
+          </a:p>
+          <a:p>
+            <a:r>
+              <a:rPr lang="pt" sz="3600" dirty="0"/>
+              <a:t>Isto exigiria a obtenção dos dados e conexões (conta</a:t>
+            </a:r>
+            <a:r>
+              <a:rPr lang="en-US" sz="3600" dirty="0" err="1"/>
+              <a:t>tos</a:t>
+            </a:r>
+            <a:r>
+              <a:rPr lang="en-US" sz="3600" dirty="0"/>
+              <a:t>) de </a:t>
+            </a:r>
+            <a:r>
+              <a:rPr lang="en-US" sz="3600" dirty="0" err="1"/>
+              <a:t>todos</a:t>
+            </a:r>
+            <a:r>
+              <a:rPr lang="en-US" sz="3600" dirty="0"/>
+              <a:t> </a:t>
+            </a:r>
+            <a:r>
+              <a:rPr lang="en-US" sz="3600" dirty="0" err="1"/>
+              <a:t>os</a:t>
+            </a:r>
+            <a:r>
+              <a:rPr lang="en-US" sz="3600" dirty="0"/>
+              <a:t> </a:t>
+            </a:r>
+            <a:r>
+              <a:rPr lang="en-US" sz="3600" dirty="0" err="1"/>
+              <a:t>usuários</a:t>
+            </a:r>
+            <a:r>
+              <a:rPr lang="en-US" sz="3600" dirty="0"/>
+              <a:t> </a:t>
+            </a:r>
+            <a:r>
+              <a:rPr lang="en-US" sz="3600" dirty="0" err="1"/>
+              <a:t>mundialmente</a:t>
+            </a:r>
+            <a:endParaRPr lang="pt" sz="3600" dirty="0"/>
           </a:p>
         </p:txBody>
       </p:sp>
@@ -29604,7 +30483,7 @@
     </p:spTree>
     <p:extLst>
       <p:ext uri="{BB962C8B-B14F-4D97-AF65-F5344CB8AC3E}">
-        <p14:creationId xmlns:p14="http://schemas.microsoft.com/office/powerpoint/2010/main" val="3841423139"/>
+        <p14:creationId xmlns:p14="http://schemas.microsoft.com/office/powerpoint/2010/main" val="497327328"/>
       </p:ext>
     </p:extLst>
   </p:cSld>
@@ -29735,76 +30614,15 @@
                                   </p:childTnLst>
                                 </p:cTn>
                               </p:par>
-                            </p:childTnLst>
-                          </p:cTn>
-                        </p:par>
-                      </p:childTnLst>
-                    </p:cTn>
-                  </p:par>
-                  <p:par>
-                    <p:cTn id="13" fill="hold">
-                      <p:stCondLst>
-                        <p:cond delay="indefinite"/>
-                      </p:stCondLst>
-                      <p:childTnLst>
-                        <p:par>
-                          <p:cTn id="14" fill="hold">
-                            <p:stCondLst>
-                              <p:cond delay="0"/>
-                            </p:stCondLst>
-                            <p:childTnLst>
                               <p:par>
-                                <p:cTn id="15" presetID="9" presetClass="entr" presetSubtype="0" fill="hold" grpId="0" nodeType="clickEffect">
-                                  <p:stCondLst>
-                                    <p:cond delay="0"/>
-                                  </p:stCondLst>
-                                  <p:childTnLst>
-                                    <p:set>
-                                      <p:cBhvr>
-                                        <p:cTn id="16" dur="1" fill="hold">
-                                          <p:stCondLst>
-                                            <p:cond delay="0"/>
-                                          </p:stCondLst>
-                                        </p:cTn>
-                                        <p:tgtEl>
-                                          <p:spTgt spid="3">
-                                            <p:txEl>
-                                              <p:pRg st="2" end="2"/>
-                                            </p:txEl>
-                                          </p:spTgt>
-                                        </p:tgtEl>
-                                        <p:attrNameLst>
-                                          <p:attrName>style.visibility</p:attrName>
-                                        </p:attrNameLst>
-                                      </p:cBhvr>
-                                      <p:to>
-                                        <p:strVal val="visible"/>
-                                      </p:to>
-                                    </p:set>
-                                    <p:animEffect transition="in" filter="dissolve">
-                                      <p:cBhvr>
-                                        <p:cTn id="17" dur="500"/>
-                                        <p:tgtEl>
-                                          <p:spTgt spid="3">
-                                            <p:txEl>
-                                              <p:pRg st="2" end="2"/>
-                                            </p:txEl>
-                                          </p:spTgt>
-                                        </p:tgtEl>
-                                      </p:cBhvr>
-                                    </p:animEffect>
-                                  </p:childTnLst>
-                                </p:cTn>
-                              </p:par>
-                              <p:par>
-                                <p:cTn id="18" presetID="9" presetClass="exit" presetSubtype="0" fill="hold" grpId="1" nodeType="withEffect">
+                                <p:cTn id="13" presetID="9" presetClass="exit" presetSubtype="0" fill="hold" grpId="1" nodeType="withEffect">
                                   <p:stCondLst>
                                     <p:cond delay="0"/>
                                   </p:stCondLst>
                                   <p:childTnLst>
                                     <p:animEffect transition="out" filter="dissolve">
                                       <p:cBhvr>
-                                        <p:cTn id="19" dur="500"/>
+                                        <p:cTn id="14" dur="500"/>
                                         <p:tgtEl>
                                           <p:spTgt spid="3">
                                             <p:txEl>
@@ -29816,7 +30634,7 @@
                                     </p:animEffect>
                                     <p:set>
                                       <p:cBhvr>
-                                        <p:cTn id="20" dur="1" fill="hold">
+                                        <p:cTn id="15" dur="1" fill="hold">
                                           <p:stCondLst>
                                             <p:cond delay="499"/>
                                           </p:stCondLst>
@@ -29846,26 +30664,26 @@
                     </p:cTn>
                   </p:par>
                   <p:par>
-                    <p:cTn id="21" fill="hold">
+                    <p:cTn id="16" fill="hold">
                       <p:stCondLst>
                         <p:cond delay="indefinite"/>
                       </p:stCondLst>
                       <p:childTnLst>
                         <p:par>
-                          <p:cTn id="22" fill="hold">
+                          <p:cTn id="17" fill="hold">
                             <p:stCondLst>
                               <p:cond delay="0"/>
                             </p:stCondLst>
                             <p:childTnLst>
                               <p:par>
-                                <p:cTn id="23" presetID="9" presetClass="exit" presetSubtype="0" fill="hold" grpId="1" nodeType="clickEffect">
+                                <p:cTn id="18" presetID="9" presetClass="exit" presetSubtype="0" fill="hold" grpId="1" nodeType="clickEffect">
                                   <p:stCondLst>
                                     <p:cond delay="0"/>
                                   </p:stCondLst>
                                   <p:childTnLst>
                                     <p:animEffect transition="out" filter="dissolve">
                                       <p:cBhvr>
-                                        <p:cTn id="24" dur="500"/>
+                                        <p:cTn id="19" dur="500"/>
                                         <p:tgtEl>
                                           <p:spTgt spid="3">
                                             <p:txEl>
@@ -29877,7 +30695,7 @@
                                     </p:animEffect>
                                     <p:set>
                                       <p:cBhvr>
-                                        <p:cTn id="25" dur="1" fill="hold">
+                                        <p:cTn id="20" dur="1" fill="hold">
                                           <p:stCondLst>
                                             <p:cond delay="499"/>
                                           </p:stCondLst>
@@ -29886,67 +30704,6 @@
                                           <p:spTgt spid="3">
                                             <p:txEl>
                                               <p:pRg st="1" end="1"/>
-                                            </p:txEl>
-                                          </p:spTgt>
-                                        </p:tgtEl>
-                                        <p:attrNameLst>
-                                          <p:attrName>style.visibility</p:attrName>
-                                        </p:attrNameLst>
-                                      </p:cBhvr>
-                                      <p:to>
-                                        <p:strVal val="hidden"/>
-                                      </p:to>
-                                    </p:set>
-                                  </p:childTnLst>
-                                </p:cTn>
-                              </p:par>
-                            </p:childTnLst>
-                          </p:cTn>
-                        </p:par>
-                      </p:childTnLst>
-                    </p:cTn>
-                  </p:par>
-                  <p:par>
-                    <p:cTn id="26" fill="hold">
-                      <p:stCondLst>
-                        <p:cond delay="indefinite"/>
-                      </p:stCondLst>
-                      <p:childTnLst>
-                        <p:par>
-                          <p:cTn id="27" fill="hold">
-                            <p:stCondLst>
-                              <p:cond delay="0"/>
-                            </p:stCondLst>
-                            <p:childTnLst>
-                              <p:par>
-                                <p:cTn id="28" presetID="9" presetClass="exit" presetSubtype="0" fill="hold" grpId="1" nodeType="clickEffect">
-                                  <p:stCondLst>
-                                    <p:cond delay="0"/>
-                                  </p:stCondLst>
-                                  <p:childTnLst>
-                                    <p:animEffect transition="out" filter="dissolve">
-                                      <p:cBhvr>
-                                        <p:cTn id="29" dur="500"/>
-                                        <p:tgtEl>
-                                          <p:spTgt spid="3">
-                                            <p:txEl>
-                                              <p:pRg st="2" end="2"/>
-                                            </p:txEl>
-                                          </p:spTgt>
-                                        </p:tgtEl>
-                                      </p:cBhvr>
-                                    </p:animEffect>
-                                    <p:set>
-                                      <p:cBhvr>
-                                        <p:cTn id="30" dur="1" fill="hold">
-                                          <p:stCondLst>
-                                            <p:cond delay="499"/>
-                                          </p:stCondLst>
-                                        </p:cTn>
-                                        <p:tgtEl>
-                                          <p:spTgt spid="3">
-                                            <p:txEl>
-                                              <p:pRg st="2" end="2"/>
                                             </p:txEl>
                                           </p:spTgt>
                                         </p:tgtEl>
@@ -29962,14 +30719,14 @@
                                 </p:cTn>
                               </p:par>
                               <p:par>
-                                <p:cTn id="31" presetID="9" presetClass="entr" presetSubtype="0" fill="hold" grpId="0" nodeType="withEffect">
+                                <p:cTn id="21" presetID="9" presetClass="entr" presetSubtype="0" fill="hold" grpId="0" nodeType="withEffect">
                                   <p:stCondLst>
                                     <p:cond delay="0"/>
                                   </p:stCondLst>
                                   <p:childTnLst>
                                     <p:set>
                                       <p:cBhvr>
-                                        <p:cTn id="32" dur="1" fill="hold">
+                                        <p:cTn id="22" dur="1" fill="hold">
                                           <p:stCondLst>
                                             <p:cond delay="0"/>
                                           </p:stCondLst>
@@ -29977,7 +30734,7 @@
                                         <p:tgtEl>
                                           <p:spTgt spid="3">
                                             <p:txEl>
-                                              <p:pRg st="3" end="3"/>
+                                              <p:pRg st="2" end="2"/>
                                             </p:txEl>
                                           </p:spTgt>
                                         </p:tgtEl>
@@ -29991,115 +30748,11 @@
                                     </p:set>
                                     <p:animEffect transition="in" filter="dissolve">
                                       <p:cBhvr>
-                                        <p:cTn id="33" dur="500"/>
-                                        <p:tgtEl>
-                                          <p:spTgt spid="3">
-                                            <p:txEl>
-                                              <p:pRg st="3" end="3"/>
-                                            </p:txEl>
-                                          </p:spTgt>
-                                        </p:tgtEl>
-                                      </p:cBhvr>
-                                    </p:animEffect>
-                                  </p:childTnLst>
-                                </p:cTn>
-                              </p:par>
-                            </p:childTnLst>
-                          </p:cTn>
-                        </p:par>
-                      </p:childTnLst>
-                    </p:cTn>
-                  </p:par>
-                  <p:par>
-                    <p:cTn id="34" fill="hold">
-                      <p:stCondLst>
-                        <p:cond delay="indefinite"/>
-                      </p:stCondLst>
-                      <p:childTnLst>
-                        <p:par>
-                          <p:cTn id="35" fill="hold">
-                            <p:stCondLst>
-                              <p:cond delay="0"/>
-                            </p:stCondLst>
-                            <p:childTnLst>
-                              <p:par>
-                                <p:cTn id="36" presetID="9" presetClass="exit" presetSubtype="0" fill="hold" grpId="1" nodeType="clickEffect">
-                                  <p:stCondLst>
-                                    <p:cond delay="0"/>
-                                  </p:stCondLst>
-                                  <p:childTnLst>
-                                    <p:animEffect transition="out" filter="dissolve">
-                                      <p:cBhvr>
-                                        <p:cTn id="37" dur="500"/>
-                                        <p:tgtEl>
-                                          <p:spTgt spid="3">
-                                            <p:txEl>
-                                              <p:pRg st="3" end="3"/>
-                                            </p:txEl>
-                                          </p:spTgt>
-                                        </p:tgtEl>
-                                      </p:cBhvr>
-                                    </p:animEffect>
-                                    <p:set>
-                                      <p:cBhvr>
-                                        <p:cTn id="38" dur="1" fill="hold">
-                                          <p:stCondLst>
-                                            <p:cond delay="499"/>
-                                          </p:stCondLst>
-                                        </p:cTn>
-                                        <p:tgtEl>
-                                          <p:spTgt spid="3">
-                                            <p:txEl>
-                                              <p:pRg st="3" end="3"/>
-                                            </p:txEl>
-                                          </p:spTgt>
-                                        </p:tgtEl>
-                                        <p:attrNameLst>
-                                          <p:attrName>style.visibility</p:attrName>
-                                        </p:attrNameLst>
-                                      </p:cBhvr>
-                                      <p:to>
-                                        <p:strVal val="hidden"/>
-                                      </p:to>
-                                    </p:set>
-                                  </p:childTnLst>
-                                </p:cTn>
-                              </p:par>
-                              <p:par>
-                                <p:cTn id="39" presetID="9" presetClass="entr" presetSubtype="0" fill="hold" grpId="0" nodeType="withEffect">
-                                  <p:stCondLst>
-                                    <p:cond delay="0"/>
-                                  </p:stCondLst>
-                                  <p:childTnLst>
-                                    <p:set>
-                                      <p:cBhvr>
-                                        <p:cTn id="40" dur="1" fill="hold">
-                                          <p:stCondLst>
-                                            <p:cond delay="0"/>
-                                          </p:stCondLst>
-                                        </p:cTn>
-                                        <p:tgtEl>
-                                          <p:spTgt spid="3">
-                                            <p:txEl>
-                                              <p:pRg st="4" end="4"/>
-                                            </p:txEl>
-                                          </p:spTgt>
-                                        </p:tgtEl>
-                                        <p:attrNameLst>
-                                          <p:attrName>style.visibility</p:attrName>
-                                        </p:attrNameLst>
-                                      </p:cBhvr>
-                                      <p:to>
-                                        <p:strVal val="visible"/>
-                                      </p:to>
-                                    </p:set>
-                                    <p:animEffect transition="in" filter="dissolve">
-                                      <p:cBhvr>
-                                        <p:cTn id="41" dur="500"/>
-                                        <p:tgtEl>
-                                          <p:spTgt spid="3">
-                                            <p:txEl>
-                                              <p:pRg st="4" end="4"/>
+                                        <p:cTn id="23" dur="500"/>
+                                        <p:tgtEl>
+                                          <p:spTgt spid="3">
+                                            <p:txEl>
+                                              <p:pRg st="2" end="2"/>
                                             </p:txEl>
                                           </p:spTgt>
                                         </p:tgtEl>
@@ -30228,71 +30881,68 @@
         </p:spPr>
         <p:txBody>
           <a:bodyPr>
-            <a:normAutofit/>
+            <a:normAutofit lnSpcReduction="10000"/>
           </a:bodyPr>
           <a:lstStyle/>
           <a:p>
             <a:r>
               <a:rPr lang="pt" sz="3200" dirty="0"/>
-              <a:t>Normalmente necessitam centralizar dados para realizar o processamento, que é problemático como acabamos de ver</a:t>
-            </a:r>
-          </a:p>
-          <a:p>
+              <a:t>O </a:t>
+            </a:r>
+            <a:r>
+              <a:rPr lang="pt" sz="3200" dirty="0">
+                <a:hlinkClick r:id="rId2"/>
+              </a:rPr>
+              <a:t>Facebbok contabilizou mais de 1 bilhão de usuários em 2012</a:t>
+            </a:r>
             <a:r>
               <a:rPr lang="pt" sz="3200" dirty="0"/>
-              <a:t>Em uma rede social como o </a:t>
-            </a:r>
-            <a:r>
-              <a:rPr lang="pt" sz="3200" dirty="0" err="1"/>
-              <a:t>Facebook</a:t>
+              <a:t> e </a:t>
+            </a:r>
+            <a:r>
+              <a:rPr lang="pt" sz="3200" dirty="0">
+                <a:hlinkClick r:id="rId3"/>
+              </a:rPr>
+              <a:t>2 bilhões de acessos mensais em 2017</a:t>
             </a:r>
             <a:r>
               <a:rPr lang="pt" sz="3200" dirty="0"/>
-              <a:t>, um algoritmo poderia buscar sugestões de amizade para todos os usuários</a:t>
+              <a:t> (mais de 46 mil acessos por minuto)</a:t>
             </a:r>
           </a:p>
           <a:p>
             <a:r>
               <a:rPr lang="pt" sz="3200" dirty="0"/>
-              <a:t>Isto exigiria a obtenção dos dados e conexões (conta</a:t>
-            </a:r>
+              <a:t>Executar um algoritmo centralizado sobre um número tão grande de dados, sobrecarregaria recursos físicos como memória do servidor e rede</a:t>
+            </a:r>
+          </a:p>
+          <a:p>
             <a:r>
               <a:rPr lang="en-US" sz="3200" dirty="0" err="1"/>
-              <a:t>tos</a:t>
+              <a:t>Sobrecarregaria</a:t>
             </a:r>
             <a:r>
               <a:rPr lang="en-US" sz="3200" dirty="0"/>
-              <a:t>) de </a:t>
+              <a:t> a </a:t>
             </a:r>
             <a:r>
               <a:rPr lang="en-US" sz="3200" dirty="0" err="1"/>
-              <a:t>todos</a:t>
+              <a:t>rede</a:t>
             </a:r>
             <a:r>
               <a:rPr lang="en-US" sz="3200" dirty="0"/>
               <a:t> </a:t>
             </a:r>
             <a:r>
-              <a:rPr lang="en-US" sz="3200" dirty="0" err="1"/>
-              <a:t>os</a:t>
-            </a:r>
-            <a:r>
-              <a:rPr lang="en-US" sz="3200" dirty="0"/>
-              <a:t> </a:t>
-            </a:r>
-            <a:r>
-              <a:rPr lang="en-US" sz="3200" dirty="0" err="1"/>
-              <a:t>usuários</a:t>
-            </a:r>
-            <a:r>
-              <a:rPr lang="en-US" sz="3200" dirty="0"/>
-              <a:t> </a:t>
-            </a:r>
-            <a:r>
-              <a:rPr lang="en-US" sz="3200" dirty="0" err="1"/>
-              <a:t>mundialmente</a:t>
-            </a:r>
-            <a:endParaRPr lang="pt" sz="3200" dirty="0"/>
+              <a:rPr lang="pt" sz="3200" dirty="0"/>
+              <a:t>quando os dados precisarem ser enviados para outros locais</a:t>
+            </a:r>
+          </a:p>
+          <a:p>
+            <a:r>
+              <a:rPr lang="pt" sz="3200" dirty="0"/>
+              <a:t>O processamento por um único servidor tornaria inviável o tempo para encontrar as sugestões de amizade</a:t>
+            </a:r>
           </a:p>
         </p:txBody>
       </p:sp>
@@ -30328,7 +30978,7 @@
     </p:spTree>
     <p:extLst>
       <p:ext uri="{BB962C8B-B14F-4D97-AF65-F5344CB8AC3E}">
-        <p14:creationId xmlns:p14="http://schemas.microsoft.com/office/powerpoint/2010/main" val="497327328"/>
+        <p14:creationId xmlns:p14="http://schemas.microsoft.com/office/powerpoint/2010/main" val="3993353471"/>
       </p:ext>
     </p:extLst>
   </p:cSld>
@@ -30598,6 +31248,110 @@
                                           <p:spTgt spid="3">
                                             <p:txEl>
                                               <p:pRg st="2" end="2"/>
+                                            </p:txEl>
+                                          </p:spTgt>
+                                        </p:tgtEl>
+                                      </p:cBhvr>
+                                    </p:animEffect>
+                                  </p:childTnLst>
+                                </p:cTn>
+                              </p:par>
+                            </p:childTnLst>
+                          </p:cTn>
+                        </p:par>
+                      </p:childTnLst>
+                    </p:cTn>
+                  </p:par>
+                  <p:par>
+                    <p:cTn id="24" fill="hold">
+                      <p:stCondLst>
+                        <p:cond delay="indefinite"/>
+                      </p:stCondLst>
+                      <p:childTnLst>
+                        <p:par>
+                          <p:cTn id="25" fill="hold">
+                            <p:stCondLst>
+                              <p:cond delay="0"/>
+                            </p:stCondLst>
+                            <p:childTnLst>
+                              <p:par>
+                                <p:cTn id="26" presetID="9" presetClass="exit" presetSubtype="0" fill="hold" grpId="1" nodeType="clickEffect">
+                                  <p:stCondLst>
+                                    <p:cond delay="0"/>
+                                  </p:stCondLst>
+                                  <p:childTnLst>
+                                    <p:animEffect transition="out" filter="dissolve">
+                                      <p:cBhvr>
+                                        <p:cTn id="27" dur="500"/>
+                                        <p:tgtEl>
+                                          <p:spTgt spid="3">
+                                            <p:txEl>
+                                              <p:pRg st="2" end="2"/>
+                                            </p:txEl>
+                                          </p:spTgt>
+                                        </p:tgtEl>
+                                      </p:cBhvr>
+                                    </p:animEffect>
+                                    <p:set>
+                                      <p:cBhvr>
+                                        <p:cTn id="28" dur="1" fill="hold">
+                                          <p:stCondLst>
+                                            <p:cond delay="499"/>
+                                          </p:stCondLst>
+                                        </p:cTn>
+                                        <p:tgtEl>
+                                          <p:spTgt spid="3">
+                                            <p:txEl>
+                                              <p:pRg st="2" end="2"/>
+                                            </p:txEl>
+                                          </p:spTgt>
+                                        </p:tgtEl>
+                                        <p:attrNameLst>
+                                          <p:attrName>style.visibility</p:attrName>
+                                        </p:attrNameLst>
+                                      </p:cBhvr>
+                                      <p:to>
+                                        <p:strVal val="hidden"/>
+                                      </p:to>
+                                    </p:set>
+                                  </p:childTnLst>
+                                </p:cTn>
+                              </p:par>
+                              <p:par>
+                                <p:cTn id="29" presetID="9" presetClass="entr" presetSubtype="0" fill="hold" grpId="0" nodeType="withEffect">
+                                  <p:stCondLst>
+                                    <p:cond delay="0"/>
+                                  </p:stCondLst>
+                                  <p:childTnLst>
+                                    <p:set>
+                                      <p:cBhvr>
+                                        <p:cTn id="30" dur="1" fill="hold">
+                                          <p:stCondLst>
+                                            <p:cond delay="0"/>
+                                          </p:stCondLst>
+                                        </p:cTn>
+                                        <p:tgtEl>
+                                          <p:spTgt spid="3">
+                                            <p:txEl>
+                                              <p:pRg st="3" end="3"/>
+                                            </p:txEl>
+                                          </p:spTgt>
+                                        </p:tgtEl>
+                                        <p:attrNameLst>
+                                          <p:attrName>style.visibility</p:attrName>
+                                        </p:attrNameLst>
+                                      </p:cBhvr>
+                                      <p:to>
+                                        <p:strVal val="visible"/>
+                                      </p:to>
+                                    </p:set>
+                                    <p:animEffect transition="in" filter="dissolve">
+                                      <p:cBhvr>
+                                        <p:cTn id="31" dur="500"/>
+                                        <p:tgtEl>
+                                          <p:spTgt spid="3">
+                                            <p:txEl>
+                                              <p:pRg st="3" end="3"/>
                                             </p:txEl>
                                           </p:spTgt>
                                         </p:tgtEl>
@@ -30726,68 +31480,57 @@
         </p:spPr>
         <p:txBody>
           <a:bodyPr>
-            <a:normAutofit lnSpcReduction="10000"/>
+            <a:normAutofit/>
           </a:bodyPr>
           <a:lstStyle/>
           <a:p>
             <a:r>
-              <a:rPr lang="pt" sz="3200" dirty="0"/>
-              <a:t>O </a:t>
-            </a:r>
-            <a:r>
-              <a:rPr lang="pt" sz="3200" dirty="0">
-                <a:hlinkClick r:id="rId2"/>
-              </a:rPr>
-              <a:t>Facebbok contabilizou mais de 1 bilhão de usuários em 2012</a:t>
-            </a:r>
-            <a:r>
-              <a:rPr lang="pt" sz="3200" dirty="0"/>
-              <a:t> e </a:t>
-            </a:r>
-            <a:r>
-              <a:rPr lang="pt" sz="3200" dirty="0">
-                <a:hlinkClick r:id="rId3"/>
-              </a:rPr>
-              <a:t>2 bilhões de acessos mensais em 2017</a:t>
-            </a:r>
-            <a:r>
-              <a:rPr lang="pt" sz="3200" dirty="0"/>
-              <a:t> (mais de 46 mil acessos por minuto)</a:t>
-            </a:r>
-          </a:p>
-          <a:p>
-            <a:r>
-              <a:rPr lang="pt" sz="3200" dirty="0"/>
-              <a:t>Executar um algoritmo centralizado sobre um número tão grande de dados, sobrecarregaria recursos físicos como memória do servidor e rede</a:t>
-            </a:r>
-          </a:p>
-          <a:p>
-            <a:r>
-              <a:rPr lang="en-US" sz="3200" dirty="0" err="1"/>
-              <a:t>Sobrecarregaria</a:t>
-            </a:r>
-            <a:r>
-              <a:rPr lang="en-US" sz="3200" dirty="0"/>
+              <a:rPr lang="pt" sz="3600" dirty="0"/>
+              <a:t>A solução são </a:t>
+            </a:r>
+            <a:r>
+              <a:rPr lang="pt" sz="3600" b="1" dirty="0"/>
+              <a:t>algoritmos</a:t>
+            </a:r>
+            <a:r>
+              <a:rPr lang="pt" sz="3600" dirty="0"/>
+              <a:t> decentralizados (distribuídos)</a:t>
+            </a:r>
+          </a:p>
+          <a:p>
+            <a:r>
+              <a:rPr lang="en-US" sz="3600" dirty="0" err="1"/>
+              <a:t>Usam</a:t>
+            </a:r>
+            <a:r>
+              <a:rPr lang="en-US" sz="3600" dirty="0"/>
               <a:t> a </a:t>
             </a:r>
             <a:r>
-              <a:rPr lang="en-US" sz="3200" dirty="0" err="1"/>
-              <a:t>rede</a:t>
-            </a:r>
-            <a:r>
-              <a:rPr lang="en-US" sz="3200" dirty="0"/>
+              <a:rPr lang="en-US" sz="3600" dirty="0" err="1"/>
+              <a:t>técnica</a:t>
+            </a:r>
+            <a:r>
+              <a:rPr lang="en-US" sz="3600" dirty="0"/>
+              <a:t> “</a:t>
+            </a:r>
+            <a:r>
+              <a:rPr lang="en-US" sz="3600" i="1" dirty="0"/>
+              <a:t>Divide and Conquer” </a:t>
+            </a:r>
+            <a:r>
+              <a:rPr lang="en-US" sz="3600" i="1" dirty="0" err="1"/>
+              <a:t>já</a:t>
+            </a:r>
+            <a:r>
+              <a:rPr lang="en-US" sz="3600" i="1" dirty="0"/>
               <a:t> </a:t>
             </a:r>
             <a:r>
-              <a:rPr lang="pt" sz="3200" dirty="0"/>
-              <a:t>quando os dados precisarem ser enviados para outros locais</a:t>
-            </a:r>
-          </a:p>
-          <a:p>
-            <a:r>
-              <a:rPr lang="pt" sz="3200" dirty="0"/>
-              <a:t>O processamento por um único servidor tornaria inviável o tempo para encontrar as sugestões de amizade</a:t>
-            </a:r>
+              <a:rPr lang="en-US" sz="3600" i="1" dirty="0" err="1"/>
+              <a:t>discutida</a:t>
+            </a:r>
+            <a:endParaRPr lang="pt" sz="3600" i="1" dirty="0"/>
           </a:p>
         </p:txBody>
       </p:sp>
@@ -30823,7 +31566,7 @@
     </p:spTree>
     <p:extLst>
       <p:ext uri="{BB962C8B-B14F-4D97-AF65-F5344CB8AC3E}">
-        <p14:creationId xmlns:p14="http://schemas.microsoft.com/office/powerpoint/2010/main" val="3993353471"/>
+        <p14:creationId xmlns:p14="http://schemas.microsoft.com/office/powerpoint/2010/main" val="3038269042"/>
       </p:ext>
     </p:extLst>
   </p:cSld>
@@ -30994,214 +31737,6 @@
                                         <p:strVal val="hidden"/>
                                       </p:to>
                                     </p:set>
-                                  </p:childTnLst>
-                                </p:cTn>
-                              </p:par>
-                            </p:childTnLst>
-                          </p:cTn>
-                        </p:par>
-                      </p:childTnLst>
-                    </p:cTn>
-                  </p:par>
-                  <p:par>
-                    <p:cTn id="16" fill="hold">
-                      <p:stCondLst>
-                        <p:cond delay="indefinite"/>
-                      </p:stCondLst>
-                      <p:childTnLst>
-                        <p:par>
-                          <p:cTn id="17" fill="hold">
-                            <p:stCondLst>
-                              <p:cond delay="0"/>
-                            </p:stCondLst>
-                            <p:childTnLst>
-                              <p:par>
-                                <p:cTn id="18" presetID="9" presetClass="exit" presetSubtype="0" fill="hold" grpId="1" nodeType="clickEffect">
-                                  <p:stCondLst>
-                                    <p:cond delay="0"/>
-                                  </p:stCondLst>
-                                  <p:childTnLst>
-                                    <p:animEffect transition="out" filter="dissolve">
-                                      <p:cBhvr>
-                                        <p:cTn id="19" dur="500"/>
-                                        <p:tgtEl>
-                                          <p:spTgt spid="3">
-                                            <p:txEl>
-                                              <p:pRg st="1" end="1"/>
-                                            </p:txEl>
-                                          </p:spTgt>
-                                        </p:tgtEl>
-                                      </p:cBhvr>
-                                    </p:animEffect>
-                                    <p:set>
-                                      <p:cBhvr>
-                                        <p:cTn id="20" dur="1" fill="hold">
-                                          <p:stCondLst>
-                                            <p:cond delay="499"/>
-                                          </p:stCondLst>
-                                        </p:cTn>
-                                        <p:tgtEl>
-                                          <p:spTgt spid="3">
-                                            <p:txEl>
-                                              <p:pRg st="1" end="1"/>
-                                            </p:txEl>
-                                          </p:spTgt>
-                                        </p:tgtEl>
-                                        <p:attrNameLst>
-                                          <p:attrName>style.visibility</p:attrName>
-                                        </p:attrNameLst>
-                                      </p:cBhvr>
-                                      <p:to>
-                                        <p:strVal val="hidden"/>
-                                      </p:to>
-                                    </p:set>
-                                  </p:childTnLst>
-                                </p:cTn>
-                              </p:par>
-                              <p:par>
-                                <p:cTn id="21" presetID="9" presetClass="entr" presetSubtype="0" fill="hold" grpId="0" nodeType="withEffect">
-                                  <p:stCondLst>
-                                    <p:cond delay="0"/>
-                                  </p:stCondLst>
-                                  <p:childTnLst>
-                                    <p:set>
-                                      <p:cBhvr>
-                                        <p:cTn id="22" dur="1" fill="hold">
-                                          <p:stCondLst>
-                                            <p:cond delay="0"/>
-                                          </p:stCondLst>
-                                        </p:cTn>
-                                        <p:tgtEl>
-                                          <p:spTgt spid="3">
-                                            <p:txEl>
-                                              <p:pRg st="2" end="2"/>
-                                            </p:txEl>
-                                          </p:spTgt>
-                                        </p:tgtEl>
-                                        <p:attrNameLst>
-                                          <p:attrName>style.visibility</p:attrName>
-                                        </p:attrNameLst>
-                                      </p:cBhvr>
-                                      <p:to>
-                                        <p:strVal val="visible"/>
-                                      </p:to>
-                                    </p:set>
-                                    <p:animEffect transition="in" filter="dissolve">
-                                      <p:cBhvr>
-                                        <p:cTn id="23" dur="500"/>
-                                        <p:tgtEl>
-                                          <p:spTgt spid="3">
-                                            <p:txEl>
-                                              <p:pRg st="2" end="2"/>
-                                            </p:txEl>
-                                          </p:spTgt>
-                                        </p:tgtEl>
-                                      </p:cBhvr>
-                                    </p:animEffect>
-                                  </p:childTnLst>
-                                </p:cTn>
-                              </p:par>
-                            </p:childTnLst>
-                          </p:cTn>
-                        </p:par>
-                      </p:childTnLst>
-                    </p:cTn>
-                  </p:par>
-                  <p:par>
-                    <p:cTn id="24" fill="hold">
-                      <p:stCondLst>
-                        <p:cond delay="indefinite"/>
-                      </p:stCondLst>
-                      <p:childTnLst>
-                        <p:par>
-                          <p:cTn id="25" fill="hold">
-                            <p:stCondLst>
-                              <p:cond delay="0"/>
-                            </p:stCondLst>
-                            <p:childTnLst>
-                              <p:par>
-                                <p:cTn id="26" presetID="9" presetClass="exit" presetSubtype="0" fill="hold" grpId="1" nodeType="clickEffect">
-                                  <p:stCondLst>
-                                    <p:cond delay="0"/>
-                                  </p:stCondLst>
-                                  <p:childTnLst>
-                                    <p:animEffect transition="out" filter="dissolve">
-                                      <p:cBhvr>
-                                        <p:cTn id="27" dur="500"/>
-                                        <p:tgtEl>
-                                          <p:spTgt spid="3">
-                                            <p:txEl>
-                                              <p:pRg st="2" end="2"/>
-                                            </p:txEl>
-                                          </p:spTgt>
-                                        </p:tgtEl>
-                                      </p:cBhvr>
-                                    </p:animEffect>
-                                    <p:set>
-                                      <p:cBhvr>
-                                        <p:cTn id="28" dur="1" fill="hold">
-                                          <p:stCondLst>
-                                            <p:cond delay="499"/>
-                                          </p:stCondLst>
-                                        </p:cTn>
-                                        <p:tgtEl>
-                                          <p:spTgt spid="3">
-                                            <p:txEl>
-                                              <p:pRg st="2" end="2"/>
-                                            </p:txEl>
-                                          </p:spTgt>
-                                        </p:tgtEl>
-                                        <p:attrNameLst>
-                                          <p:attrName>style.visibility</p:attrName>
-                                        </p:attrNameLst>
-                                      </p:cBhvr>
-                                      <p:to>
-                                        <p:strVal val="hidden"/>
-                                      </p:to>
-                                    </p:set>
-                                  </p:childTnLst>
-                                </p:cTn>
-                              </p:par>
-                              <p:par>
-                                <p:cTn id="29" presetID="9" presetClass="entr" presetSubtype="0" fill="hold" grpId="0" nodeType="withEffect">
-                                  <p:stCondLst>
-                                    <p:cond delay="0"/>
-                                  </p:stCondLst>
-                                  <p:childTnLst>
-                                    <p:set>
-                                      <p:cBhvr>
-                                        <p:cTn id="30" dur="1" fill="hold">
-                                          <p:stCondLst>
-                                            <p:cond delay="0"/>
-                                          </p:stCondLst>
-                                        </p:cTn>
-                                        <p:tgtEl>
-                                          <p:spTgt spid="3">
-                                            <p:txEl>
-                                              <p:pRg st="3" end="3"/>
-                                            </p:txEl>
-                                          </p:spTgt>
-                                        </p:tgtEl>
-                                        <p:attrNameLst>
-                                          <p:attrName>style.visibility</p:attrName>
-                                        </p:attrNameLst>
-                                      </p:cBhvr>
-                                      <p:to>
-                                        <p:strVal val="visible"/>
-                                      </p:to>
-                                    </p:set>
-                                    <p:animEffect transition="in" filter="dissolve">
-                                      <p:cBhvr>
-                                        <p:cTn id="31" dur="500"/>
-                                        <p:tgtEl>
-                                          <p:spTgt spid="3">
-                                            <p:txEl>
-                                              <p:pRg st="3" end="3"/>
-                                            </p:txEl>
-                                          </p:spTgt>
-                                        </p:tgtEl>
-                                      </p:cBhvr>
-                                    </p:animEffect>
                                   </p:childTnLst>
                                 </p:cTn>
                               </p:par>
@@ -31330,52 +31865,45 @@
           <a:lstStyle/>
           <a:p>
             <a:r>
-              <a:rPr lang="pt" sz="3200" dirty="0"/>
-              <a:t>A solução são </a:t>
-            </a:r>
-            <a:r>
-              <a:rPr lang="pt" sz="3200" b="1" dirty="0"/>
-              <a:t>algoritmos</a:t>
-            </a:r>
-            <a:r>
-              <a:rPr lang="pt" sz="3200" dirty="0"/>
-              <a:t> decentralizados (distribuídos)</a:t>
-            </a:r>
-          </a:p>
-          <a:p>
-            <a:r>
-              <a:rPr lang="en-US" sz="3200" dirty="0" err="1"/>
-              <a:t>Usam</a:t>
-            </a:r>
-            <a:r>
-              <a:rPr lang="en-US" sz="3200" dirty="0"/>
-              <a:t> a </a:t>
-            </a:r>
-            <a:r>
-              <a:rPr lang="en-US" sz="3200" dirty="0" err="1"/>
-              <a:t>técnica</a:t>
-            </a:r>
-            <a:r>
-              <a:rPr lang="en-US" sz="3200" dirty="0"/>
+              <a:rPr lang="pt" sz="3600" dirty="0"/>
+              <a:t>Os dados são divididos em subconjuntos</a:t>
+            </a:r>
+          </a:p>
+          <a:p>
+            <a:r>
+              <a:rPr lang="pt" sz="3600" dirty="0"/>
+              <a:t>Cada servidor recebe e processa um subconjunto de forma isolada e independente</a:t>
+            </a:r>
+            <a:endParaRPr lang="pt" sz="3600" i="1" dirty="0"/>
+          </a:p>
+          <a:p>
+            <a:r>
+              <a:rPr lang="pt" sz="3600" dirty="0"/>
+              <a:t>Resultados de cada servidor podem ser combinados e processados novamente</a:t>
+            </a:r>
+          </a:p>
+          <a:p>
+            <a:r>
+              <a:rPr lang="en-US" sz="3600" dirty="0" err="1"/>
+              <a:t>Resultado</a:t>
+            </a:r>
+            <a:r>
+              <a:rPr lang="en-US" sz="3600" dirty="0"/>
+              <a:t> final </a:t>
+            </a:r>
+            <a:r>
+              <a:rPr lang="en-US" sz="3600" dirty="0" err="1"/>
+              <a:t>é</a:t>
+            </a:r>
+            <a:r>
+              <a:rPr lang="en-US" sz="3600" dirty="0"/>
               <a:t> </a:t>
             </a:r>
             <a:r>
-              <a:rPr lang="en-US" sz="3200" i="1" dirty="0"/>
-              <a:t>Divide and Conquer </a:t>
-            </a:r>
-            <a:r>
-              <a:rPr lang="en-US" sz="3200" i="1" dirty="0" err="1"/>
-              <a:t>já</a:t>
-            </a:r>
-            <a:r>
-              <a:rPr lang="en-US" sz="3200" i="1" dirty="0"/>
-              <a:t> </a:t>
-            </a:r>
-            <a:r>
-              <a:rPr lang="en-US" sz="3200" i="1" dirty="0" err="1"/>
-              <a:t>comentada</a:t>
-            </a:r>
-            <a:endParaRPr lang="pt" sz="3200" i="1" dirty="0"/>
+              <a:rPr lang="en-US" sz="3600" dirty="0" err="1"/>
+              <a:t>gerado</a:t>
+            </a:r>
+            <a:endParaRPr lang="pt" sz="3600" dirty="0"/>
           </a:p>
         </p:txBody>
       </p:sp>
@@ -31411,7 +31939,7 @@
     </p:spTree>
     <p:extLst>
       <p:ext uri="{BB962C8B-B14F-4D97-AF65-F5344CB8AC3E}">
-        <p14:creationId xmlns:p14="http://schemas.microsoft.com/office/powerpoint/2010/main" val="3038269042"/>
+        <p14:creationId xmlns:p14="http://schemas.microsoft.com/office/powerpoint/2010/main" val="353382019"/>
       </p:ext>
     </p:extLst>
   </p:cSld>
@@ -31582,6 +32110,214 @@
                                         <p:strVal val="hidden"/>
                                       </p:to>
                                     </p:set>
+                                  </p:childTnLst>
+                                </p:cTn>
+                              </p:par>
+                            </p:childTnLst>
+                          </p:cTn>
+                        </p:par>
+                      </p:childTnLst>
+                    </p:cTn>
+                  </p:par>
+                  <p:par>
+                    <p:cTn id="16" fill="hold">
+                      <p:stCondLst>
+                        <p:cond delay="indefinite"/>
+                      </p:stCondLst>
+                      <p:childTnLst>
+                        <p:par>
+                          <p:cTn id="17" fill="hold">
+                            <p:stCondLst>
+                              <p:cond delay="0"/>
+                            </p:stCondLst>
+                            <p:childTnLst>
+                              <p:par>
+                                <p:cTn id="18" presetID="9" presetClass="exit" presetSubtype="0" fill="hold" grpId="1" nodeType="clickEffect">
+                                  <p:stCondLst>
+                                    <p:cond delay="0"/>
+                                  </p:stCondLst>
+                                  <p:childTnLst>
+                                    <p:animEffect transition="out" filter="dissolve">
+                                      <p:cBhvr>
+                                        <p:cTn id="19" dur="500"/>
+                                        <p:tgtEl>
+                                          <p:spTgt spid="3">
+                                            <p:txEl>
+                                              <p:pRg st="1" end="1"/>
+                                            </p:txEl>
+                                          </p:spTgt>
+                                        </p:tgtEl>
+                                      </p:cBhvr>
+                                    </p:animEffect>
+                                    <p:set>
+                                      <p:cBhvr>
+                                        <p:cTn id="20" dur="1" fill="hold">
+                                          <p:stCondLst>
+                                            <p:cond delay="499"/>
+                                          </p:stCondLst>
+                                        </p:cTn>
+                                        <p:tgtEl>
+                                          <p:spTgt spid="3">
+                                            <p:txEl>
+                                              <p:pRg st="1" end="1"/>
+                                            </p:txEl>
+                                          </p:spTgt>
+                                        </p:tgtEl>
+                                        <p:attrNameLst>
+                                          <p:attrName>style.visibility</p:attrName>
+                                        </p:attrNameLst>
+                                      </p:cBhvr>
+                                      <p:to>
+                                        <p:strVal val="hidden"/>
+                                      </p:to>
+                                    </p:set>
+                                  </p:childTnLst>
+                                </p:cTn>
+                              </p:par>
+                              <p:par>
+                                <p:cTn id="21" presetID="9" presetClass="entr" presetSubtype="0" fill="hold" grpId="0" nodeType="withEffect">
+                                  <p:stCondLst>
+                                    <p:cond delay="0"/>
+                                  </p:stCondLst>
+                                  <p:childTnLst>
+                                    <p:set>
+                                      <p:cBhvr>
+                                        <p:cTn id="22" dur="1" fill="hold">
+                                          <p:stCondLst>
+                                            <p:cond delay="0"/>
+                                          </p:stCondLst>
+                                        </p:cTn>
+                                        <p:tgtEl>
+                                          <p:spTgt spid="3">
+                                            <p:txEl>
+                                              <p:pRg st="2" end="2"/>
+                                            </p:txEl>
+                                          </p:spTgt>
+                                        </p:tgtEl>
+                                        <p:attrNameLst>
+                                          <p:attrName>style.visibility</p:attrName>
+                                        </p:attrNameLst>
+                                      </p:cBhvr>
+                                      <p:to>
+                                        <p:strVal val="visible"/>
+                                      </p:to>
+                                    </p:set>
+                                    <p:animEffect transition="in" filter="dissolve">
+                                      <p:cBhvr>
+                                        <p:cTn id="23" dur="500"/>
+                                        <p:tgtEl>
+                                          <p:spTgt spid="3">
+                                            <p:txEl>
+                                              <p:pRg st="2" end="2"/>
+                                            </p:txEl>
+                                          </p:spTgt>
+                                        </p:tgtEl>
+                                      </p:cBhvr>
+                                    </p:animEffect>
+                                  </p:childTnLst>
+                                </p:cTn>
+                              </p:par>
+                            </p:childTnLst>
+                          </p:cTn>
+                        </p:par>
+                      </p:childTnLst>
+                    </p:cTn>
+                  </p:par>
+                  <p:par>
+                    <p:cTn id="24" fill="hold">
+                      <p:stCondLst>
+                        <p:cond delay="indefinite"/>
+                      </p:stCondLst>
+                      <p:childTnLst>
+                        <p:par>
+                          <p:cTn id="25" fill="hold">
+                            <p:stCondLst>
+                              <p:cond delay="0"/>
+                            </p:stCondLst>
+                            <p:childTnLst>
+                              <p:par>
+                                <p:cTn id="26" presetID="9" presetClass="exit" presetSubtype="0" fill="hold" grpId="1" nodeType="clickEffect">
+                                  <p:stCondLst>
+                                    <p:cond delay="0"/>
+                                  </p:stCondLst>
+                                  <p:childTnLst>
+                                    <p:animEffect transition="out" filter="dissolve">
+                                      <p:cBhvr>
+                                        <p:cTn id="27" dur="500"/>
+                                        <p:tgtEl>
+                                          <p:spTgt spid="3">
+                                            <p:txEl>
+                                              <p:pRg st="2" end="2"/>
+                                            </p:txEl>
+                                          </p:spTgt>
+                                        </p:tgtEl>
+                                      </p:cBhvr>
+                                    </p:animEffect>
+                                    <p:set>
+                                      <p:cBhvr>
+                                        <p:cTn id="28" dur="1" fill="hold">
+                                          <p:stCondLst>
+                                            <p:cond delay="499"/>
+                                          </p:stCondLst>
+                                        </p:cTn>
+                                        <p:tgtEl>
+                                          <p:spTgt spid="3">
+                                            <p:txEl>
+                                              <p:pRg st="2" end="2"/>
+                                            </p:txEl>
+                                          </p:spTgt>
+                                        </p:tgtEl>
+                                        <p:attrNameLst>
+                                          <p:attrName>style.visibility</p:attrName>
+                                        </p:attrNameLst>
+                                      </p:cBhvr>
+                                      <p:to>
+                                        <p:strVal val="hidden"/>
+                                      </p:to>
+                                    </p:set>
+                                  </p:childTnLst>
+                                </p:cTn>
+                              </p:par>
+                              <p:par>
+                                <p:cTn id="29" presetID="9" presetClass="entr" presetSubtype="0" fill="hold" grpId="0" nodeType="withEffect">
+                                  <p:stCondLst>
+                                    <p:cond delay="0"/>
+                                  </p:stCondLst>
+                                  <p:childTnLst>
+                                    <p:set>
+                                      <p:cBhvr>
+                                        <p:cTn id="30" dur="1" fill="hold">
+                                          <p:stCondLst>
+                                            <p:cond delay="0"/>
+                                          </p:stCondLst>
+                                        </p:cTn>
+                                        <p:tgtEl>
+                                          <p:spTgt spid="3">
+                                            <p:txEl>
+                                              <p:pRg st="3" end="3"/>
+                                            </p:txEl>
+                                          </p:spTgt>
+                                        </p:tgtEl>
+                                        <p:attrNameLst>
+                                          <p:attrName>style.visibility</p:attrName>
+                                        </p:attrNameLst>
+                                      </p:cBhvr>
+                                      <p:to>
+                                        <p:strVal val="visible"/>
+                                      </p:to>
+                                    </p:set>
+                                    <p:animEffect transition="in" filter="dissolve">
+                                      <p:cBhvr>
+                                        <p:cTn id="31" dur="500"/>
+                                        <p:tgtEl>
+                                          <p:spTgt spid="3">
+                                            <p:txEl>
+                                              <p:pRg st="3" end="3"/>
+                                            </p:txEl>
+                                          </p:spTgt>
+                                        </p:tgtEl>
+                                      </p:cBhvr>
+                                    </p:animEffect>
                                   </p:childTnLst>
                                 </p:cTn>
                               </p:par>
@@ -31699,8 +32435,8 @@
         </p:nvSpPr>
         <p:spPr>
           <a:xfrm>
-            <a:off x="596348" y="1444490"/>
-            <a:ext cx="10908264" cy="5032509"/>
+            <a:off x="596348" y="1444491"/>
+            <a:ext cx="10908264" cy="1103837"/>
           </a:xfrm>
         </p:spPr>
         <p:txBody>
@@ -31711,44 +32447,16 @@
           <a:p>
             <a:r>
               <a:rPr lang="pt" sz="3200" dirty="0"/>
-              <a:t>Os dados são divididos em subconjuntos</a:t>
-            </a:r>
-          </a:p>
-          <a:p>
+              <a:t>Um modelo de programação bastante utilizado atualmente é o </a:t>
+            </a:r>
+            <a:r>
+              <a:rPr lang="pt" sz="3200" i="1" dirty="0" err="1"/>
+              <a:t>MapReduce</a:t>
+            </a:r>
             <a:r>
               <a:rPr lang="pt" sz="3200" dirty="0"/>
-              <a:t>Cada servidor recebe e processa um subconjunto de forma isolada e independente</a:t>
-            </a:r>
-            <a:endParaRPr lang="pt" sz="3200" i="1" dirty="0"/>
-          </a:p>
-          <a:p>
-            <a:r>
-              <a:rPr lang="pt" sz="3200" dirty="0"/>
-              <a:t>Resultados de cada servidor podem ser combinados e processados novamente</a:t>
-            </a:r>
-          </a:p>
-          <a:p>
-            <a:r>
-              <a:rPr lang="en-US" sz="3200" dirty="0" err="1"/>
-              <a:t>Resultado</a:t>
-            </a:r>
-            <a:r>
-              <a:rPr lang="en-US" sz="3200" dirty="0"/>
-              <a:t> final </a:t>
-            </a:r>
-            <a:r>
-              <a:rPr lang="en-US" sz="3200" dirty="0" err="1"/>
-              <a:t>é</a:t>
-            </a:r>
-            <a:r>
-              <a:rPr lang="en-US" sz="3200" dirty="0"/>
-              <a:t> </a:t>
-            </a:r>
-            <a:r>
-              <a:rPr lang="en-US" sz="3200" dirty="0" err="1"/>
-              <a:t>gerado</a:t>
-            </a:r>
-            <a:endParaRPr lang="pt" sz="3200" dirty="0"/>
+              <a:t> (Mapear/Reduzir)</a:t>
+            </a:r>
           </a:p>
         </p:txBody>
       </p:sp>
@@ -31781,10 +32489,40 @@
           </a:p>
         </p:txBody>
       </p:sp>
+      <p:pic>
+        <p:nvPicPr>
+          <p:cNvPr id="6" name="Picture 5" descr="MapReduce">
+            <a:extLst>
+              <a:ext uri="{FF2B5EF4-FFF2-40B4-BE49-F238E27FC236}">
+                <a16:creationId xmlns:a16="http://schemas.microsoft.com/office/drawing/2014/main" id="{8D9D87EE-0F26-1A42-9465-5CC2A9AA2132}"/>
+              </a:ext>
+            </a:extLst>
+          </p:cNvPr>
+          <p:cNvPicPr>
+            <a:picLocks noChangeAspect="1"/>
+          </p:cNvPicPr>
+          <p:nvPr/>
+        </p:nvPicPr>
+        <p:blipFill>
+          <a:blip r:embed="rId2"/>
+          <a:stretch>
+            <a:fillRect/>
+          </a:stretch>
+        </p:blipFill>
+        <p:spPr>
+          <a:xfrm>
+            <a:off x="686278" y="2458387"/>
+            <a:ext cx="10641961" cy="4444584"/>
+          </a:xfrm>
+          <a:prstGeom prst="rect">
+            <a:avLst/>
+          </a:prstGeom>
+        </p:spPr>
+      </p:pic>
     </p:spTree>
     <p:extLst>
       <p:ext uri="{BB962C8B-B14F-4D97-AF65-F5344CB8AC3E}">
-        <p14:creationId xmlns:p14="http://schemas.microsoft.com/office/powerpoint/2010/main" val="353382019"/>
+        <p14:creationId xmlns:p14="http://schemas.microsoft.com/office/powerpoint/2010/main" val="1571555405"/>
       </p:ext>
     </p:extLst>
   </p:cSld>
@@ -31873,7 +32611,7 @@
                             </p:stCondLst>
                             <p:childTnLst>
                               <p:par>
-                                <p:cTn id="10" presetID="9" presetClass="entr" presetSubtype="0" fill="hold" grpId="0" nodeType="clickEffect">
+                                <p:cTn id="10" presetID="9" presetClass="entr" presetSubtype="0" fill="hold" nodeType="clickEffect">
                                   <p:stCondLst>
                                     <p:cond delay="0"/>
                                   </p:stCondLst>
@@ -31886,11 +32624,7 @@
                                           </p:stCondLst>
                                         </p:cTn>
                                         <p:tgtEl>
-                                          <p:spTgt spid="3">
-                                            <p:txEl>
-                                              <p:pRg st="1" end="1"/>
-                                            </p:txEl>
-                                          </p:spTgt>
+                                          <p:spTgt spid="6"/>
                                         </p:tgtEl>
                                         <p:attrNameLst>
                                           <p:attrName>style.visibility</p:attrName>
@@ -31904,262 +32638,7 @@
                                       <p:cBhvr>
                                         <p:cTn id="12" dur="500"/>
                                         <p:tgtEl>
-                                          <p:spTgt spid="3">
-                                            <p:txEl>
-                                              <p:pRg st="1" end="1"/>
-                                            </p:txEl>
-                                          </p:spTgt>
-                                        </p:tgtEl>
-                                      </p:cBhvr>
-                                    </p:animEffect>
-                                  </p:childTnLst>
-                                </p:cTn>
-                              </p:par>
-                              <p:par>
-                                <p:cTn id="13" presetID="9" presetClass="exit" presetSubtype="0" fill="hold" grpId="1" nodeType="withEffect">
-                                  <p:stCondLst>
-                                    <p:cond delay="0"/>
-                                  </p:stCondLst>
-                                  <p:childTnLst>
-                                    <p:animEffect transition="out" filter="dissolve">
-                                      <p:cBhvr>
-                                        <p:cTn id="14" dur="500"/>
-                                        <p:tgtEl>
-                                          <p:spTgt spid="3">
-                                            <p:txEl>
-                                              <p:pRg st="0" end="0"/>
-                                            </p:txEl>
-                                          </p:spTgt>
-                                        </p:tgtEl>
-                                      </p:cBhvr>
-                                    </p:animEffect>
-                                    <p:set>
-                                      <p:cBhvr>
-                                        <p:cTn id="15" dur="1" fill="hold">
-                                          <p:stCondLst>
-                                            <p:cond delay="499"/>
-                                          </p:stCondLst>
-                                        </p:cTn>
-                                        <p:tgtEl>
-                                          <p:spTgt spid="3">
-                                            <p:txEl>
-                                              <p:pRg st="0" end="0"/>
-                                            </p:txEl>
-                                          </p:spTgt>
-                                        </p:tgtEl>
-                                        <p:attrNameLst>
-                                          <p:attrName>style.visibility</p:attrName>
-                                        </p:attrNameLst>
-                                      </p:cBhvr>
-                                      <p:to>
-                                        <p:strVal val="hidden"/>
-                                      </p:to>
-                                    </p:set>
-                                  </p:childTnLst>
-                                </p:cTn>
-                              </p:par>
-                            </p:childTnLst>
-                          </p:cTn>
-                        </p:par>
-                      </p:childTnLst>
-                    </p:cTn>
-                  </p:par>
-                  <p:par>
-                    <p:cTn id="16" fill="hold">
-                      <p:stCondLst>
-                        <p:cond delay="indefinite"/>
-                      </p:stCondLst>
-                      <p:childTnLst>
-                        <p:par>
-                          <p:cTn id="17" fill="hold">
-                            <p:stCondLst>
-                              <p:cond delay="0"/>
-                            </p:stCondLst>
-                            <p:childTnLst>
-                              <p:par>
-                                <p:cTn id="18" presetID="9" presetClass="exit" presetSubtype="0" fill="hold" grpId="1" nodeType="clickEffect">
-                                  <p:stCondLst>
-                                    <p:cond delay="0"/>
-                                  </p:stCondLst>
-                                  <p:childTnLst>
-                                    <p:animEffect transition="out" filter="dissolve">
-                                      <p:cBhvr>
-                                        <p:cTn id="19" dur="500"/>
-                                        <p:tgtEl>
-                                          <p:spTgt spid="3">
-                                            <p:txEl>
-                                              <p:pRg st="1" end="1"/>
-                                            </p:txEl>
-                                          </p:spTgt>
-                                        </p:tgtEl>
-                                      </p:cBhvr>
-                                    </p:animEffect>
-                                    <p:set>
-                                      <p:cBhvr>
-                                        <p:cTn id="20" dur="1" fill="hold">
-                                          <p:stCondLst>
-                                            <p:cond delay="499"/>
-                                          </p:stCondLst>
-                                        </p:cTn>
-                                        <p:tgtEl>
-                                          <p:spTgt spid="3">
-                                            <p:txEl>
-                                              <p:pRg st="1" end="1"/>
-                                            </p:txEl>
-                                          </p:spTgt>
-                                        </p:tgtEl>
-                                        <p:attrNameLst>
-                                          <p:attrName>style.visibility</p:attrName>
-                                        </p:attrNameLst>
-                                      </p:cBhvr>
-                                      <p:to>
-                                        <p:strVal val="hidden"/>
-                                      </p:to>
-                                    </p:set>
-                                  </p:childTnLst>
-                                </p:cTn>
-                              </p:par>
-                              <p:par>
-                                <p:cTn id="21" presetID="9" presetClass="entr" presetSubtype="0" fill="hold" grpId="0" nodeType="withEffect">
-                                  <p:stCondLst>
-                                    <p:cond delay="0"/>
-                                  </p:stCondLst>
-                                  <p:childTnLst>
-                                    <p:set>
-                                      <p:cBhvr>
-                                        <p:cTn id="22" dur="1" fill="hold">
-                                          <p:stCondLst>
-                                            <p:cond delay="0"/>
-                                          </p:stCondLst>
-                                        </p:cTn>
-                                        <p:tgtEl>
-                                          <p:spTgt spid="3">
-                                            <p:txEl>
-                                              <p:pRg st="2" end="2"/>
-                                            </p:txEl>
-                                          </p:spTgt>
-                                        </p:tgtEl>
-                                        <p:attrNameLst>
-                                          <p:attrName>style.visibility</p:attrName>
-                                        </p:attrNameLst>
-                                      </p:cBhvr>
-                                      <p:to>
-                                        <p:strVal val="visible"/>
-                                      </p:to>
-                                    </p:set>
-                                    <p:animEffect transition="in" filter="dissolve">
-                                      <p:cBhvr>
-                                        <p:cTn id="23" dur="500"/>
-                                        <p:tgtEl>
-                                          <p:spTgt spid="3">
-                                            <p:txEl>
-                                              <p:pRg st="2" end="2"/>
-                                            </p:txEl>
-                                          </p:spTgt>
-                                        </p:tgtEl>
-                                      </p:cBhvr>
-                                    </p:animEffect>
-                                  </p:childTnLst>
-                                </p:cTn>
-                              </p:par>
-                            </p:childTnLst>
-                          </p:cTn>
-                        </p:par>
-                      </p:childTnLst>
-                    </p:cTn>
-                  </p:par>
-                  <p:par>
-                    <p:cTn id="24" fill="hold">
-                      <p:stCondLst>
-                        <p:cond delay="indefinite"/>
-                      </p:stCondLst>
-                      <p:childTnLst>
-                        <p:par>
-                          <p:cTn id="25" fill="hold">
-                            <p:stCondLst>
-                              <p:cond delay="0"/>
-                            </p:stCondLst>
-                            <p:childTnLst>
-                              <p:par>
-                                <p:cTn id="26" presetID="9" presetClass="exit" presetSubtype="0" fill="hold" grpId="1" nodeType="clickEffect">
-                                  <p:stCondLst>
-                                    <p:cond delay="0"/>
-                                  </p:stCondLst>
-                                  <p:childTnLst>
-                                    <p:animEffect transition="out" filter="dissolve">
-                                      <p:cBhvr>
-                                        <p:cTn id="27" dur="500"/>
-                                        <p:tgtEl>
-                                          <p:spTgt spid="3">
-                                            <p:txEl>
-                                              <p:pRg st="2" end="2"/>
-                                            </p:txEl>
-                                          </p:spTgt>
-                                        </p:tgtEl>
-                                      </p:cBhvr>
-                                    </p:animEffect>
-                                    <p:set>
-                                      <p:cBhvr>
-                                        <p:cTn id="28" dur="1" fill="hold">
-                                          <p:stCondLst>
-                                            <p:cond delay="499"/>
-                                          </p:stCondLst>
-                                        </p:cTn>
-                                        <p:tgtEl>
-                                          <p:spTgt spid="3">
-                                            <p:txEl>
-                                              <p:pRg st="2" end="2"/>
-                                            </p:txEl>
-                                          </p:spTgt>
-                                        </p:tgtEl>
-                                        <p:attrNameLst>
-                                          <p:attrName>style.visibility</p:attrName>
-                                        </p:attrNameLst>
-                                      </p:cBhvr>
-                                      <p:to>
-                                        <p:strVal val="hidden"/>
-                                      </p:to>
-                                    </p:set>
-                                  </p:childTnLst>
-                                </p:cTn>
-                              </p:par>
-                              <p:par>
-                                <p:cTn id="29" presetID="9" presetClass="entr" presetSubtype="0" fill="hold" grpId="0" nodeType="withEffect">
-                                  <p:stCondLst>
-                                    <p:cond delay="0"/>
-                                  </p:stCondLst>
-                                  <p:childTnLst>
-                                    <p:set>
-                                      <p:cBhvr>
-                                        <p:cTn id="30" dur="1" fill="hold">
-                                          <p:stCondLst>
-                                            <p:cond delay="0"/>
-                                          </p:stCondLst>
-                                        </p:cTn>
-                                        <p:tgtEl>
-                                          <p:spTgt spid="3">
-                                            <p:txEl>
-                                              <p:pRg st="3" end="3"/>
-                                            </p:txEl>
-                                          </p:spTgt>
-                                        </p:tgtEl>
-                                        <p:attrNameLst>
-                                          <p:attrName>style.visibility</p:attrName>
-                                        </p:attrNameLst>
-                                      </p:cBhvr>
-                                      <p:to>
-                                        <p:strVal val="visible"/>
-                                      </p:to>
-                                    </p:set>
-                                    <p:animEffect transition="in" filter="dissolve">
-                                      <p:cBhvr>
-                                        <p:cTn id="31" dur="500"/>
-                                        <p:tgtEl>
-                                          <p:spTgt spid="3">
-                                            <p:txEl>
-                                              <p:pRg st="3" end="3"/>
-                                            </p:txEl>
-                                          </p:spTgt>
+                                          <p:spTgt spid="6"/>
                                         </p:tgtEl>
                                       </p:cBhvr>
                                     </p:animEffect>
@@ -32195,7 +32674,6 @@
     </p:tnLst>
     <p:bldLst>
       <p:bldP spid="3" grpId="0" uiExpand="1" build="p"/>
-      <p:bldP spid="3" grpId="1" uiExpand="1" build="p"/>
     </p:bldLst>
   </p:timing>
 </p:sld>
@@ -32280,27 +32758,64 @@
         </p:nvSpPr>
         <p:spPr>
           <a:xfrm>
-            <a:off x="596348" y="1444491"/>
-            <a:ext cx="10908264" cy="1103837"/>
+            <a:off x="596348" y="1444490"/>
+            <a:ext cx="10908264" cy="4806407"/>
           </a:xfrm>
         </p:spPr>
         <p:txBody>
           <a:bodyPr>
-            <a:normAutofit/>
+            <a:noAutofit/>
           </a:bodyPr>
           <a:lstStyle/>
           <a:p>
             <a:r>
-              <a:rPr lang="pt" sz="3200" dirty="0"/>
-              <a:t>Um modelo de programação bastante utilizado atualmente é o </a:t>
-            </a:r>
-            <a:r>
-              <a:rPr lang="pt" sz="3200" i="1" dirty="0" err="1"/>
+              <a:rPr lang="pt" sz="3600" dirty="0"/>
+              <a:t>A ferramenta mais famosa que implementa este modelo </a:t>
+            </a:r>
+            <a:r>
+              <a:rPr lang="pt" sz="3600" dirty="0" err="1"/>
               <a:t>MapReduce</a:t>
             </a:r>
             <a:r>
-              <a:rPr lang="pt" sz="3200" dirty="0"/>
-              <a:t> (Mapear/Reduzir)</a:t>
+              <a:rPr lang="pt" sz="3600" dirty="0"/>
+              <a:t> é o </a:t>
+            </a:r>
+            <a:r>
+              <a:rPr lang="pt" sz="3600" dirty="0">
+                <a:hlinkClick r:id="rId2"/>
+              </a:rPr>
+              <a:t>Apache </a:t>
+            </a:r>
+            <a:r>
+              <a:rPr lang="pt" sz="3600" dirty="0" err="1">
+                <a:hlinkClick r:id="rId2"/>
+              </a:rPr>
+              <a:t>Hadoop</a:t>
+            </a:r>
+            <a:endParaRPr lang="pt" sz="3600" dirty="0"/>
+          </a:p>
+          <a:p>
+            <a:r>
+              <a:rPr lang="pt" sz="3600" dirty="0"/>
+              <a:t>Utilizando o recurso de </a:t>
+            </a:r>
+            <a:r>
+              <a:rPr lang="pt" sz="3600" dirty="0">
+                <a:hlinkClick r:id="rId3"/>
+              </a:rPr>
+              <a:t>Streams do Java 8</a:t>
+            </a:r>
+            <a:r>
+              <a:rPr lang="pt" sz="3600" dirty="0"/>
+              <a:t> conseguimos implementar este mesmo modelo, mas de forma paralela (e não distribuída) utilizando múltiplas </a:t>
+            </a:r>
+            <a:r>
+              <a:rPr lang="pt" sz="3600" dirty="0" err="1"/>
+              <a:t>CPUs</a:t>
+            </a:r>
+            <a:r>
+              <a:rPr lang="pt" sz="3600" dirty="0"/>
+              <a:t> de uma máquina</a:t>
             </a:r>
           </a:p>
         </p:txBody>
@@ -32334,40 +32849,10 @@
           </a:p>
         </p:txBody>
       </p:sp>
-      <p:pic>
-        <p:nvPicPr>
-          <p:cNvPr id="6" name="Picture 5" descr="MapReduce">
-            <a:extLst>
-              <a:ext uri="{FF2B5EF4-FFF2-40B4-BE49-F238E27FC236}">
-                <a16:creationId xmlns:a16="http://schemas.microsoft.com/office/drawing/2014/main" id="{8D9D87EE-0F26-1A42-9465-5CC2A9AA2132}"/>
-              </a:ext>
-            </a:extLst>
-          </p:cNvPr>
-          <p:cNvPicPr>
-            <a:picLocks noChangeAspect="1"/>
-          </p:cNvPicPr>
-          <p:nvPr/>
-        </p:nvPicPr>
-        <p:blipFill>
-          <a:blip r:embed="rId2"/>
-          <a:stretch>
-            <a:fillRect/>
-          </a:stretch>
-        </p:blipFill>
-        <p:spPr>
-          <a:xfrm>
-            <a:off x="686278" y="2413417"/>
-            <a:ext cx="10641961" cy="4444584"/>
-          </a:xfrm>
-          <a:prstGeom prst="rect">
-            <a:avLst/>
-          </a:prstGeom>
-        </p:spPr>
-      </p:pic>
     </p:spTree>
     <p:extLst>
       <p:ext uri="{BB962C8B-B14F-4D97-AF65-F5344CB8AC3E}">
-        <p14:creationId xmlns:p14="http://schemas.microsoft.com/office/powerpoint/2010/main" val="1571555405"/>
+        <p14:creationId xmlns:p14="http://schemas.microsoft.com/office/powerpoint/2010/main" val="1769133232"/>
       </p:ext>
     </p:extLst>
   </p:cSld>
@@ -32456,7 +32941,7 @@
                             </p:stCondLst>
                             <p:childTnLst>
                               <p:par>
-                                <p:cTn id="10" presetID="9" presetClass="entr" presetSubtype="0" fill="hold" nodeType="clickEffect">
+                                <p:cTn id="10" presetID="9" presetClass="entr" presetSubtype="0" fill="hold" grpId="0" nodeType="clickEffect">
                                   <p:stCondLst>
                                     <p:cond delay="0"/>
                                   </p:stCondLst>
@@ -32469,7 +32954,11 @@
                                           </p:stCondLst>
                                         </p:cTn>
                                         <p:tgtEl>
-                                          <p:spTgt spid="6"/>
+                                          <p:spTgt spid="3">
+                                            <p:txEl>
+                                              <p:pRg st="1" end="1"/>
+                                            </p:txEl>
+                                          </p:spTgt>
                                         </p:tgtEl>
                                         <p:attrNameLst>
                                           <p:attrName>style.visibility</p:attrName>
@@ -32483,7 +32972,11 @@
                                       <p:cBhvr>
                                         <p:cTn id="12" dur="500"/>
                                         <p:tgtEl>
-                                          <p:spTgt spid="6"/>
+                                          <p:spTgt spid="3">
+                                            <p:txEl>
+                                              <p:pRg st="1" end="1"/>
+                                            </p:txEl>
+                                          </p:spTgt>
                                         </p:tgtEl>
                                       </p:cBhvr>
                                     </p:animEffect>
@@ -32603,8 +33096,8 @@
         </p:nvSpPr>
         <p:spPr>
           <a:xfrm>
-            <a:off x="596348" y="1444491"/>
-            <a:ext cx="10908264" cy="3155218"/>
+            <a:off x="596348" y="1444490"/>
+            <a:ext cx="10908264" cy="5032509"/>
           </a:xfrm>
         </p:spPr>
         <p:txBody>
@@ -32614,54 +33107,186 @@
           <a:lstStyle/>
           <a:p>
             <a:r>
-              <a:rPr lang="pt" sz="3200" dirty="0"/>
-              <a:t>A ferramenta mais famosa que implementa este modelo </a:t>
-            </a:r>
-            <a:r>
-              <a:rPr lang="pt" sz="3200" dirty="0" err="1"/>
-              <a:t>MapReduce</a:t>
-            </a:r>
-            <a:r>
-              <a:rPr lang="pt" sz="3200" dirty="0"/>
-              <a:t> é o </a:t>
-            </a:r>
-            <a:r>
-              <a:rPr lang="pt" sz="3200" dirty="0">
+              <a:rPr lang="pt" sz="3600" dirty="0"/>
+              <a:t>Para fazer processamento decentralizado, é preciso dividir ou decentralizar os dados</a:t>
+            </a:r>
+          </a:p>
+          <a:p>
+            <a:r>
+              <a:rPr lang="en-US" sz="3600" dirty="0"/>
+              <a:t>No </a:t>
+            </a:r>
+            <a:r>
+              <a:rPr lang="en-US" sz="3600" dirty="0" err="1"/>
+              <a:t>caso</a:t>
+            </a:r>
+            <a:r>
+              <a:rPr lang="en-US" sz="3600" dirty="0"/>
+              <a:t> do Facebook, </a:t>
+            </a:r>
+            <a:r>
+              <a:rPr lang="en-US" sz="3600" dirty="0" err="1"/>
+              <a:t>eles</a:t>
+            </a:r>
+            <a:r>
+              <a:rPr lang="en-US" sz="3600" dirty="0"/>
+              <a:t> </a:t>
+            </a:r>
+            <a:r>
+              <a:rPr lang="en-US" sz="3600" dirty="0" err="1"/>
+              <a:t>usam</a:t>
+            </a:r>
+            <a:r>
+              <a:rPr lang="en-US" sz="3600" dirty="0"/>
+              <a:t> </a:t>
+            </a:r>
+            <a:r>
+              <a:rPr lang="en-US" sz="3600" dirty="0" err="1"/>
+              <a:t>diferentes</a:t>
+            </a:r>
+            <a:r>
+              <a:rPr lang="en-US" sz="3600" dirty="0"/>
+              <a:t> SGBDs para </a:t>
+            </a:r>
+            <a:r>
+              <a:rPr lang="en-US" sz="3600" dirty="0" err="1"/>
+              <a:t>decentralização</a:t>
+            </a:r>
+            <a:r>
+              <a:rPr lang="en-US" sz="3600" dirty="0"/>
+              <a:t> de dados</a:t>
+            </a:r>
+            <a:endParaRPr lang="pt" sz="3600" dirty="0"/>
+          </a:p>
+          <a:p>
+            <a:r>
+              <a:rPr lang="en-US" sz="3600" dirty="0" err="1"/>
+              <a:t>Isto</a:t>
+            </a:r>
+            <a:r>
+              <a:rPr lang="en-US" sz="3600" dirty="0"/>
+              <a:t> </a:t>
+            </a:r>
+            <a:r>
+              <a:rPr lang="en-US" sz="3600" dirty="0" err="1"/>
+              <a:t>inclui</a:t>
+            </a:r>
+            <a:r>
+              <a:rPr lang="en-US" sz="3600" dirty="0"/>
+              <a:t> MySQL </a:t>
+            </a:r>
+            <a:r>
+              <a:rPr lang="en-US" sz="3600" dirty="0">
                 <a:hlinkClick r:id="rId2"/>
               </a:rPr>
-              <a:t>Apache </a:t>
-            </a:r>
-            <a:r>
-              <a:rPr lang="pt" sz="3200" dirty="0" err="1">
-                <a:hlinkClick r:id="rId2"/>
-              </a:rPr>
-              <a:t>Hadoop</a:t>
-            </a:r>
-            <a:endParaRPr lang="pt" sz="3200" dirty="0"/>
-          </a:p>
-          <a:p>
-            <a:r>
-              <a:rPr lang="pt" sz="3200" dirty="0"/>
-              <a:t>Utilizando o recurso de </a:t>
-            </a:r>
-            <a:r>
-              <a:rPr lang="pt" sz="3200" dirty="0">
+              <a:t>[1]</a:t>
+            </a:r>
+            <a:r>
+              <a:rPr lang="en-US" sz="3600" dirty="0"/>
+              <a:t> e o Apache Cassandra: um SBGD </a:t>
+            </a:r>
+            <a:r>
+              <a:rPr lang="en-US" sz="3600" dirty="0" err="1"/>
+              <a:t>distribuído</a:t>
+            </a:r>
+            <a:r>
+              <a:rPr lang="en-US" sz="3600" dirty="0"/>
+              <a:t> </a:t>
+            </a:r>
+            <a:r>
+              <a:rPr lang="en-US" sz="3600" dirty="0" err="1"/>
+              <a:t>inicialmente</a:t>
+            </a:r>
+            <a:r>
+              <a:rPr lang="en-US" sz="3600" dirty="0"/>
+              <a:t> </a:t>
+            </a:r>
+            <a:r>
+              <a:rPr lang="en-US" sz="3600" dirty="0" err="1"/>
+              <a:t>desenvolvido</a:t>
+            </a:r>
+            <a:r>
+              <a:rPr lang="en-US" sz="3600" dirty="0"/>
+              <a:t> </a:t>
+            </a:r>
+            <a:r>
+              <a:rPr lang="en-US" sz="3600" dirty="0" err="1"/>
+              <a:t>pelo</a:t>
+            </a:r>
+            <a:r>
+              <a:rPr lang="en-US" sz="3600" dirty="0"/>
+              <a:t> Facebook </a:t>
+            </a:r>
+            <a:r>
+              <a:rPr lang="en-US" sz="3600" dirty="0">
                 <a:hlinkClick r:id="rId3"/>
               </a:rPr>
-              <a:t>Streams do Java 8</a:t>
-            </a:r>
-            <a:r>
-              <a:rPr lang="pt" sz="3200" dirty="0"/>
-              <a:t> conseguimos implementar este mesmo modelo, mas de forma paralela (e não distribuída) utilizando múltiplas </a:t>
-            </a:r>
-            <a:r>
-              <a:rPr lang="pt" sz="3200" dirty="0" err="1"/>
-              <a:t>CPUs</a:t>
-            </a:r>
-            <a:r>
-              <a:rPr lang="pt" sz="3200" dirty="0"/>
-              <a:t> de uma máquina</a:t>
-            </a:r>
+              <a:t>[2]</a:t>
+            </a:r>
+            <a:r>
+              <a:rPr lang="en-US" sz="3600" dirty="0"/>
+              <a:t> </a:t>
+            </a:r>
+            <a:r>
+              <a:rPr lang="en-US" sz="3600" dirty="0">
+                <a:hlinkClick r:id="rId4"/>
+              </a:rPr>
+              <a:t>[3]</a:t>
+            </a:r>
+            <a:r>
+              <a:rPr lang="en-US" sz="3600" dirty="0"/>
+              <a:t> </a:t>
+            </a:r>
+            <a:r>
+              <a:rPr lang="en-US" sz="3600" dirty="0">
+                <a:hlinkClick r:id="rId5"/>
+              </a:rPr>
+              <a:t>[4]</a:t>
+            </a:r>
+            <a:endParaRPr lang="en-US" sz="3600" dirty="0"/>
+          </a:p>
+          <a:p>
+            <a:r>
+              <a:rPr lang="en-US" sz="3600" dirty="0"/>
+              <a:t>SGBDs </a:t>
+            </a:r>
+            <a:r>
+              <a:rPr lang="en-US" sz="3600" dirty="0" err="1"/>
+              <a:t>distribuídos</a:t>
+            </a:r>
+            <a:r>
+              <a:rPr lang="en-US" sz="3600" dirty="0"/>
+              <a:t> </a:t>
+            </a:r>
+            <a:r>
+              <a:rPr lang="en-US" sz="3600" dirty="0" err="1"/>
+              <a:t>não</a:t>
+            </a:r>
+            <a:r>
+              <a:rPr lang="en-US" sz="3600" dirty="0"/>
+              <a:t> </a:t>
+            </a:r>
+            <a:r>
+              <a:rPr lang="en-US" sz="3600" dirty="0" err="1"/>
+              <a:t>fazem</a:t>
+            </a:r>
+            <a:r>
+              <a:rPr lang="en-US" sz="3600" dirty="0"/>
+              <a:t> </a:t>
+            </a:r>
+            <a:r>
+              <a:rPr lang="en-US" sz="3600" dirty="0" err="1"/>
+              <a:t>parte</a:t>
+            </a:r>
+            <a:r>
+              <a:rPr lang="en-US" sz="3600" dirty="0"/>
+              <a:t> da </a:t>
+            </a:r>
+            <a:r>
+              <a:rPr lang="en-US" sz="3600" dirty="0" err="1"/>
+              <a:t>disciplina</a:t>
+            </a:r>
+            <a:endParaRPr lang="pt" sz="3600" dirty="0"/>
           </a:p>
         </p:txBody>
       </p:sp>
@@ -32697,7 +33322,7 @@
     </p:spTree>
     <p:extLst>
       <p:ext uri="{BB962C8B-B14F-4D97-AF65-F5344CB8AC3E}">
-        <p14:creationId xmlns:p14="http://schemas.microsoft.com/office/powerpoint/2010/main" val="1769133232"/>
+        <p14:creationId xmlns:p14="http://schemas.microsoft.com/office/powerpoint/2010/main" val="2066603454"/>
       </p:ext>
     </p:extLst>
   </p:cSld>
@@ -32786,14 +33411,57 @@
                             </p:stCondLst>
                             <p:childTnLst>
                               <p:par>
-                                <p:cTn id="10" presetID="9" presetClass="entr" presetSubtype="0" fill="hold" grpId="0" nodeType="clickEffect">
+                                <p:cTn id="10" presetID="9" presetClass="exit" presetSubtype="0" fill="hold" grpId="1" nodeType="clickEffect">
+                                  <p:stCondLst>
+                                    <p:cond delay="0"/>
+                                  </p:stCondLst>
+                                  <p:childTnLst>
+                                    <p:animEffect transition="out" filter="dissolve">
+                                      <p:cBhvr>
+                                        <p:cTn id="11" dur="500"/>
+                                        <p:tgtEl>
+                                          <p:spTgt spid="3">
+                                            <p:txEl>
+                                              <p:pRg st="0" end="0"/>
+                                            </p:txEl>
+                                          </p:spTgt>
+                                        </p:tgtEl>
+                                      </p:cBhvr>
+                                    </p:animEffect>
+                                    <p:set>
+                                      <p:cBhvr>
+                                        <p:cTn id="12" dur="1" fill="hold">
+                                          <p:stCondLst>
+                                            <p:cond delay="499"/>
+                                          </p:stCondLst>
+                                        </p:cTn>
+                                        <p:tgtEl>
+                                          <p:spTgt spid="3">
+                                            <p:txEl>
+                                              <p:pRg st="0" end="0"/>
+                                            </p:txEl>
+                                          </p:spTgt>
+                                        </p:tgtEl>
+                                        <p:attrNameLst>
+                                          <p:attrName>style.visibility</p:attrName>
+                                        </p:attrNameLst>
+                                      </p:cBhvr>
+                                      <p:to>
+                                        <p:strVal val="hidden"/>
+                                      </p:to>
+                                    </p:set>
+                                  </p:childTnLst>
+                                </p:cTn>
+                              </p:par>
+                              <p:par>
+                                <p:cTn id="13" presetID="9" presetClass="entr" presetSubtype="0" fill="hold" grpId="0" nodeType="withEffect">
                                   <p:stCondLst>
                                     <p:cond delay="0"/>
                                   </p:stCondLst>
                                   <p:childTnLst>
                                     <p:set>
                                       <p:cBhvr>
-                                        <p:cTn id="11" dur="1" fill="hold">
+                                        <p:cTn id="14" dur="1" fill="hold">
                                           <p:stCondLst>
                                             <p:cond delay="0"/>
                                           </p:stCondLst>
@@ -32815,11 +33483,219 @@
                                     </p:set>
                                     <p:animEffect transition="in" filter="dissolve">
                                       <p:cBhvr>
-                                        <p:cTn id="12" dur="500"/>
+                                        <p:cTn id="15" dur="500"/>
                                         <p:tgtEl>
                                           <p:spTgt spid="3">
                                             <p:txEl>
                                               <p:pRg st="1" end="1"/>
+                                            </p:txEl>
+                                          </p:spTgt>
+                                        </p:tgtEl>
+                                      </p:cBhvr>
+                                    </p:animEffect>
+                                  </p:childTnLst>
+                                </p:cTn>
+                              </p:par>
+                            </p:childTnLst>
+                          </p:cTn>
+                        </p:par>
+                      </p:childTnLst>
+                    </p:cTn>
+                  </p:par>
+                  <p:par>
+                    <p:cTn id="16" fill="hold">
+                      <p:stCondLst>
+                        <p:cond delay="indefinite"/>
+                      </p:stCondLst>
+                      <p:childTnLst>
+                        <p:par>
+                          <p:cTn id="17" fill="hold">
+                            <p:stCondLst>
+                              <p:cond delay="0"/>
+                            </p:stCondLst>
+                            <p:childTnLst>
+                              <p:par>
+                                <p:cTn id="18" presetID="9" presetClass="exit" presetSubtype="0" fill="hold" grpId="1" nodeType="clickEffect">
+                                  <p:stCondLst>
+                                    <p:cond delay="0"/>
+                                  </p:stCondLst>
+                                  <p:childTnLst>
+                                    <p:animEffect transition="out" filter="dissolve">
+                                      <p:cBhvr>
+                                        <p:cTn id="19" dur="500"/>
+                                        <p:tgtEl>
+                                          <p:spTgt spid="3">
+                                            <p:txEl>
+                                              <p:pRg st="1" end="1"/>
+                                            </p:txEl>
+                                          </p:spTgt>
+                                        </p:tgtEl>
+                                      </p:cBhvr>
+                                    </p:animEffect>
+                                    <p:set>
+                                      <p:cBhvr>
+                                        <p:cTn id="20" dur="1" fill="hold">
+                                          <p:stCondLst>
+                                            <p:cond delay="499"/>
+                                          </p:stCondLst>
+                                        </p:cTn>
+                                        <p:tgtEl>
+                                          <p:spTgt spid="3">
+                                            <p:txEl>
+                                              <p:pRg st="1" end="1"/>
+                                            </p:txEl>
+                                          </p:spTgt>
+                                        </p:tgtEl>
+                                        <p:attrNameLst>
+                                          <p:attrName>style.visibility</p:attrName>
+                                        </p:attrNameLst>
+                                      </p:cBhvr>
+                                      <p:to>
+                                        <p:strVal val="hidden"/>
+                                      </p:to>
+                                    </p:set>
+                                  </p:childTnLst>
+                                </p:cTn>
+                              </p:par>
+                              <p:par>
+                                <p:cTn id="21" presetID="9" presetClass="entr" presetSubtype="0" fill="hold" grpId="0" nodeType="withEffect">
+                                  <p:stCondLst>
+                                    <p:cond delay="0"/>
+                                  </p:stCondLst>
+                                  <p:childTnLst>
+                                    <p:set>
+                                      <p:cBhvr>
+                                        <p:cTn id="22" dur="1" fill="hold">
+                                          <p:stCondLst>
+                                            <p:cond delay="0"/>
+                                          </p:stCondLst>
+                                        </p:cTn>
+                                        <p:tgtEl>
+                                          <p:spTgt spid="3">
+                                            <p:txEl>
+                                              <p:pRg st="2" end="2"/>
+                                            </p:txEl>
+                                          </p:spTgt>
+                                        </p:tgtEl>
+                                        <p:attrNameLst>
+                                          <p:attrName>style.visibility</p:attrName>
+                                        </p:attrNameLst>
+                                      </p:cBhvr>
+                                      <p:to>
+                                        <p:strVal val="visible"/>
+                                      </p:to>
+                                    </p:set>
+                                    <p:animEffect transition="in" filter="dissolve">
+                                      <p:cBhvr>
+                                        <p:cTn id="23" dur="500"/>
+                                        <p:tgtEl>
+                                          <p:spTgt spid="3">
+                                            <p:txEl>
+                                              <p:pRg st="2" end="2"/>
+                                            </p:txEl>
+                                          </p:spTgt>
+                                        </p:tgtEl>
+                                      </p:cBhvr>
+                                    </p:animEffect>
+                                  </p:childTnLst>
+                                </p:cTn>
+                              </p:par>
+                            </p:childTnLst>
+                          </p:cTn>
+                        </p:par>
+                      </p:childTnLst>
+                    </p:cTn>
+                  </p:par>
+                  <p:par>
+                    <p:cTn id="24" fill="hold">
+                      <p:stCondLst>
+                        <p:cond delay="indefinite"/>
+                      </p:stCondLst>
+                      <p:childTnLst>
+                        <p:par>
+                          <p:cTn id="25" fill="hold">
+                            <p:stCondLst>
+                              <p:cond delay="0"/>
+                            </p:stCondLst>
+                            <p:childTnLst>
+                              <p:par>
+                                <p:cTn id="26" presetID="9" presetClass="exit" presetSubtype="0" fill="hold" grpId="1" nodeType="clickEffect">
+                                  <p:stCondLst>
+                                    <p:cond delay="0"/>
+                                  </p:stCondLst>
+                                  <p:childTnLst>
+                                    <p:animEffect transition="out" filter="dissolve">
+                                      <p:cBhvr>
+                                        <p:cTn id="27" dur="500"/>
+                                        <p:tgtEl>
+                                          <p:spTgt spid="3">
+                                            <p:txEl>
+                                              <p:pRg st="2" end="2"/>
+                                            </p:txEl>
+                                          </p:spTgt>
+                                        </p:tgtEl>
+                                      </p:cBhvr>
+                                    </p:animEffect>
+                                    <p:set>
+                                      <p:cBhvr>
+                                        <p:cTn id="28" dur="1" fill="hold">
+                                          <p:stCondLst>
+                                            <p:cond delay="499"/>
+                                          </p:stCondLst>
+                                        </p:cTn>
+                                        <p:tgtEl>
+                                          <p:spTgt spid="3">
+                                            <p:txEl>
+                                              <p:pRg st="2" end="2"/>
+                                            </p:txEl>
+                                          </p:spTgt>
+                                        </p:tgtEl>
+                                        <p:attrNameLst>
+                                          <p:attrName>style.visibility</p:attrName>
+                                        </p:attrNameLst>
+                                      </p:cBhvr>
+                                      <p:to>
+                                        <p:strVal val="hidden"/>
+                                      </p:to>
+                                    </p:set>
+                                  </p:childTnLst>
+                                </p:cTn>
+                              </p:par>
+                              <p:par>
+                                <p:cTn id="29" presetID="9" presetClass="entr" presetSubtype="0" fill="hold" grpId="0" nodeType="withEffect">
+                                  <p:stCondLst>
+                                    <p:cond delay="0"/>
+                                  </p:stCondLst>
+                                  <p:childTnLst>
+                                    <p:set>
+                                      <p:cBhvr>
+                                        <p:cTn id="30" dur="1" fill="hold">
+                                          <p:stCondLst>
+                                            <p:cond delay="0"/>
+                                          </p:stCondLst>
+                                        </p:cTn>
+                                        <p:tgtEl>
+                                          <p:spTgt spid="3">
+                                            <p:txEl>
+                                              <p:pRg st="3" end="3"/>
+                                            </p:txEl>
+                                          </p:spTgt>
+                                        </p:tgtEl>
+                                        <p:attrNameLst>
+                                          <p:attrName>style.visibility</p:attrName>
+                                        </p:attrNameLst>
+                                      </p:cBhvr>
+                                      <p:to>
+                                        <p:strVal val="visible"/>
+                                      </p:to>
+                                    </p:set>
+                                    <p:animEffect transition="in" filter="dissolve">
+                                      <p:cBhvr>
+                                        <p:cTn id="31" dur="500"/>
+                                        <p:tgtEl>
+                                          <p:spTgt spid="3">
+                                            <p:txEl>
+                                              <p:pRg st="3" end="3"/>
                                             </p:txEl>
                                           </p:spTgt>
                                         </p:tgtEl>
@@ -32857,6 +33733,7 @@
     </p:tnLst>
     <p:bldLst>
       <p:bldP spid="3" grpId="0" uiExpand="1" build="p"/>
+      <p:bldP spid="3" grpId="1" uiExpand="1" build="p"/>
     </p:bldLst>
   </p:timing>
 </p:sld>
@@ -32910,14 +33787,14 @@
             <a:pPr algn="ctr"/>
             <a:r>
               <a:rPr lang="pt-BR" b="1" i="1" dirty="0"/>
-              <a:t>Problema: </a:t>
+              <a:t>Problemas de </a:t>
             </a:r>
             <a:br>
               <a:rPr lang="pt-BR" b="1" i="1" dirty="0"/>
             </a:br>
             <a:r>
               <a:rPr lang="pt-BR" b="1" i="1" dirty="0"/>
-              <a:t>algoritmos centralizados</a:t>
+              <a:t>ESCALABILIDADE geográfica</a:t>
             </a:r>
             <a:endParaRPr lang="pt-BR" dirty="0"/>
           </a:p>
@@ -32952,186 +33829,30 @@
           <a:lstStyle/>
           <a:p>
             <a:r>
-              <a:rPr lang="pt" sz="3200" dirty="0"/>
-              <a:t>Para fazer processamento decentralizado, é preciso dividir ou decentralizar os dados</a:t>
-            </a:r>
-          </a:p>
-          <a:p>
-            <a:r>
-              <a:rPr lang="en-US" sz="3200" dirty="0"/>
-              <a:t>No </a:t>
-            </a:r>
-            <a:r>
-              <a:rPr lang="en-US" sz="3200" dirty="0" err="1"/>
-              <a:t>caso</a:t>
-            </a:r>
-            <a:r>
-              <a:rPr lang="en-US" sz="3200" dirty="0"/>
-              <a:t> do Facebook, </a:t>
-            </a:r>
-            <a:r>
-              <a:rPr lang="en-US" sz="3200" dirty="0" err="1"/>
-              <a:t>eles</a:t>
-            </a:r>
-            <a:r>
-              <a:rPr lang="en-US" sz="3200" dirty="0"/>
-              <a:t> </a:t>
-            </a:r>
-            <a:r>
-              <a:rPr lang="en-US" sz="3200" dirty="0" err="1"/>
-              <a:t>usam</a:t>
-            </a:r>
-            <a:r>
-              <a:rPr lang="en-US" sz="3200" dirty="0"/>
-              <a:t> </a:t>
-            </a:r>
-            <a:r>
-              <a:rPr lang="en-US" sz="3200" dirty="0" err="1"/>
-              <a:t>diferentes</a:t>
-            </a:r>
-            <a:r>
-              <a:rPr lang="en-US" sz="3200" dirty="0"/>
-              <a:t> SGBDs para </a:t>
-            </a:r>
-            <a:r>
-              <a:rPr lang="en-US" sz="3200" dirty="0" err="1"/>
-              <a:t>decentralização</a:t>
-            </a:r>
-            <a:r>
-              <a:rPr lang="en-US" sz="3200" dirty="0"/>
-              <a:t> de dados</a:t>
-            </a:r>
-            <a:endParaRPr lang="pt" sz="3200" dirty="0"/>
-          </a:p>
-          <a:p>
-            <a:r>
-              <a:rPr lang="en-US" sz="3200" dirty="0" err="1"/>
-              <a:t>Isto</a:t>
-            </a:r>
-            <a:r>
-              <a:rPr lang="en-US" sz="3200" dirty="0"/>
-              <a:t> </a:t>
-            </a:r>
-            <a:r>
-              <a:rPr lang="en-US" sz="3200" dirty="0" err="1"/>
-              <a:t>inclui</a:t>
-            </a:r>
-            <a:r>
-              <a:rPr lang="en-US" sz="3200" dirty="0"/>
-              <a:t> MySQL </a:t>
-            </a:r>
-            <a:r>
-              <a:rPr lang="en-US" sz="3200" dirty="0">
-                <a:hlinkClick r:id="rId2"/>
-              </a:rPr>
-              <a:t>[1]</a:t>
-            </a:r>
-            <a:r>
-              <a:rPr lang="en-US" sz="3200" dirty="0"/>
-              <a:t> e o Apache Cassandra: um SBGD </a:t>
-            </a:r>
-            <a:r>
-              <a:rPr lang="en-US" sz="3200" dirty="0" err="1"/>
-              <a:t>distribuído</a:t>
-            </a:r>
-            <a:r>
-              <a:rPr lang="en-US" sz="3200" dirty="0"/>
-              <a:t> </a:t>
-            </a:r>
-            <a:r>
-              <a:rPr lang="en-US" sz="3200" dirty="0" err="1"/>
-              <a:t>inicialmente</a:t>
-            </a:r>
-            <a:r>
-              <a:rPr lang="en-US" sz="3200" dirty="0"/>
-              <a:t> </a:t>
-            </a:r>
-            <a:r>
-              <a:rPr lang="en-US" sz="3200" dirty="0" err="1"/>
-              <a:t>desenvolvido</a:t>
-            </a:r>
-            <a:r>
-              <a:rPr lang="en-US" sz="3200" dirty="0"/>
-              <a:t> </a:t>
-            </a:r>
-            <a:r>
-              <a:rPr lang="en-US" sz="3200" dirty="0" err="1"/>
-              <a:t>pelo</a:t>
-            </a:r>
-            <a:r>
-              <a:rPr lang="en-US" sz="3200" dirty="0"/>
-              <a:t> Facebook </a:t>
-            </a:r>
-            <a:r>
-              <a:rPr lang="en-US" sz="3200" dirty="0">
-                <a:hlinkClick r:id="rId3"/>
-              </a:rPr>
-              <a:t>[2]</a:t>
-            </a:r>
-            <a:r>
-              <a:rPr lang="en-US" sz="3200" dirty="0"/>
-              <a:t> </a:t>
-            </a:r>
-            <a:r>
-              <a:rPr lang="en-US" sz="3200" dirty="0">
-                <a:hlinkClick r:id="rId4"/>
-              </a:rPr>
-              <a:t>[3]</a:t>
-            </a:r>
-            <a:r>
-              <a:rPr lang="en-US" sz="3200" dirty="0"/>
-              <a:t> </a:t>
-            </a:r>
-            <a:r>
-              <a:rPr lang="en-US" sz="3200" dirty="0">
-                <a:hlinkClick r:id="rId5"/>
-              </a:rPr>
-              <a:t>[4]</a:t>
-            </a:r>
-            <a:endParaRPr lang="en-US" sz="3200" dirty="0"/>
-          </a:p>
-          <a:p>
-            <a:r>
-              <a:rPr lang="en-US" sz="3200" dirty="0"/>
-              <a:t>SGBDs </a:t>
-            </a:r>
-            <a:r>
-              <a:rPr lang="en-US" sz="3200" dirty="0" err="1"/>
-              <a:t>distribuídos</a:t>
-            </a:r>
-            <a:r>
-              <a:rPr lang="en-US" sz="3200" dirty="0"/>
-              <a:t> </a:t>
-            </a:r>
-            <a:r>
-              <a:rPr lang="en-US" sz="3200" dirty="0" err="1"/>
-              <a:t>não</a:t>
-            </a:r>
-            <a:r>
-              <a:rPr lang="en-US" sz="3200" dirty="0"/>
-              <a:t> </a:t>
-            </a:r>
-            <a:r>
-              <a:rPr lang="en-US" sz="3200" dirty="0" err="1"/>
-              <a:t>fazem</a:t>
-            </a:r>
-            <a:r>
-              <a:rPr lang="en-US" sz="3200" dirty="0"/>
-              <a:t> </a:t>
-            </a:r>
-            <a:r>
-              <a:rPr lang="en-US" sz="3200" dirty="0" err="1"/>
-              <a:t>parte</a:t>
-            </a:r>
-            <a:r>
-              <a:rPr lang="en-US" sz="3200" dirty="0"/>
-              <a:t> da </a:t>
-            </a:r>
-            <a:r>
-              <a:rPr lang="en-US" sz="3200" dirty="0" err="1"/>
-              <a:t>disciplina</a:t>
-            </a:r>
-            <a:endParaRPr lang="pt" sz="3200" dirty="0"/>
+              <a:rPr lang="pt" sz="3600" dirty="0"/>
+              <a:t>Antes da popularização da internet, sistemas eram acessados a partir de uma LAN</a:t>
+            </a:r>
+          </a:p>
+          <a:p>
+            <a:r>
+              <a:rPr lang="pt" sz="3600" dirty="0"/>
+              <a:t>Atraso, congestionamento e quebra de conexão eram muito me</a:t>
+            </a:r>
+            <a:r>
+              <a:rPr lang="en-US" sz="3600" dirty="0" err="1"/>
+              <a:t>nores</a:t>
+            </a:r>
+            <a:endParaRPr lang="pt" sz="3600" dirty="0"/>
+          </a:p>
+          <a:p>
+            <a:r>
+              <a:rPr lang="pt" sz="3600" dirty="0" err="1"/>
+              <a:t>Apps</a:t>
+            </a:r>
+            <a:r>
+              <a:rPr lang="pt" sz="3600" dirty="0"/>
+              <a:t> faziam requisições síncronas a um servidor na LAN: ficava bloqueada, aguardando uma resposta [SDPP] [SDCP]</a:t>
+            </a:r>
           </a:p>
         </p:txBody>
       </p:sp>
@@ -33167,7 +33888,7 @@
     </p:spTree>
     <p:extLst>
       <p:ext uri="{BB962C8B-B14F-4D97-AF65-F5344CB8AC3E}">
-        <p14:creationId xmlns:p14="http://schemas.microsoft.com/office/powerpoint/2010/main" val="2066603454"/>
+        <p14:creationId xmlns:p14="http://schemas.microsoft.com/office/powerpoint/2010/main" val="3322274284"/>
       </p:ext>
     </p:extLst>
   </p:cSld>
@@ -33256,14 +33977,57 @@
                             </p:stCondLst>
                             <p:childTnLst>
                               <p:par>
-                                <p:cTn id="10" presetID="9" presetClass="exit" presetSubtype="0" fill="hold" grpId="1" nodeType="clickEffect">
+                                <p:cTn id="10" presetID="9" presetClass="entr" presetSubtype="0" fill="hold" grpId="0" nodeType="clickEffect">
+                                  <p:stCondLst>
+                                    <p:cond delay="0"/>
+                                  </p:stCondLst>
+                                  <p:childTnLst>
+                                    <p:set>
+                                      <p:cBhvr>
+                                        <p:cTn id="11" dur="1" fill="hold">
+                                          <p:stCondLst>
+                                            <p:cond delay="0"/>
+                                          </p:stCondLst>
+                                        </p:cTn>
+                                        <p:tgtEl>
+                                          <p:spTgt spid="3">
+                                            <p:txEl>
+                                              <p:pRg st="1" end="1"/>
+                                            </p:txEl>
+                                          </p:spTgt>
+                                        </p:tgtEl>
+                                        <p:attrNameLst>
+                                          <p:attrName>style.visibility</p:attrName>
+                                        </p:attrNameLst>
+                                      </p:cBhvr>
+                                      <p:to>
+                                        <p:strVal val="visible"/>
+                                      </p:to>
+                                    </p:set>
+                                    <p:animEffect transition="in" filter="dissolve">
+                                      <p:cBhvr>
+                                        <p:cTn id="12" dur="500"/>
+                                        <p:tgtEl>
+                                          <p:spTgt spid="3">
+                                            <p:txEl>
+                                              <p:pRg st="1" end="1"/>
+                                            </p:txEl>
+                                          </p:spTgt>
+                                        </p:tgtEl>
+                                      </p:cBhvr>
+                                    </p:animEffect>
+                                  </p:childTnLst>
+                                </p:cTn>
+                              </p:par>
+                              <p:par>
+                                <p:cTn id="13" presetID="9" presetClass="exit" presetSubtype="0" fill="hold" grpId="1" nodeType="withEffect">
                                   <p:stCondLst>
                                     <p:cond delay="0"/>
                                   </p:stCondLst>
                                   <p:childTnLst>
                                     <p:animEffect transition="out" filter="dissolve">
                                       <p:cBhvr>
-                                        <p:cTn id="11" dur="500"/>
+                                        <p:cTn id="14" dur="500"/>
                                         <p:tgtEl>
                                           <p:spTgt spid="3">
                                             <p:txEl>
@@ -33275,7 +34039,7 @@
                                     </p:animEffect>
                                     <p:set>
                                       <p:cBhvr>
-                                        <p:cTn id="12" dur="1" fill="hold">
+                                        <p:cTn id="15" dur="1" fill="hold">
                                           <p:stCondLst>
                                             <p:cond delay="499"/>
                                           </p:stCondLst>
@@ -33295,49 +34059,6 @@
                                         <p:strVal val="hidden"/>
                                       </p:to>
                                     </p:set>
-                                  </p:childTnLst>
-                                </p:cTn>
-                              </p:par>
-                              <p:par>
-                                <p:cTn id="13" presetID="9" presetClass="entr" presetSubtype="0" fill="hold" grpId="0" nodeType="withEffect">
-                                  <p:stCondLst>
-                                    <p:cond delay="0"/>
-                                  </p:stCondLst>
-                                  <p:childTnLst>
-                                    <p:set>
-                                      <p:cBhvr>
-                                        <p:cTn id="14" dur="1" fill="hold">
-                                          <p:stCondLst>
-                                            <p:cond delay="0"/>
-                                          </p:stCondLst>
-                                        </p:cTn>
-                                        <p:tgtEl>
-                                          <p:spTgt spid="3">
-                                            <p:txEl>
-                                              <p:pRg st="1" end="1"/>
-                                            </p:txEl>
-                                          </p:spTgt>
-                                        </p:tgtEl>
-                                        <p:attrNameLst>
-                                          <p:attrName>style.visibility</p:attrName>
-                                        </p:attrNameLst>
-                                      </p:cBhvr>
-                                      <p:to>
-                                        <p:strVal val="visible"/>
-                                      </p:to>
-                                    </p:set>
-                                    <p:animEffect transition="in" filter="dissolve">
-                                      <p:cBhvr>
-                                        <p:cTn id="15" dur="500"/>
-                                        <p:tgtEl>
-                                          <p:spTgt spid="3">
-                                            <p:txEl>
-                                              <p:pRg st="1" end="1"/>
-                                            </p:txEl>
-                                          </p:spTgt>
-                                        </p:tgtEl>
-                                      </p:cBhvr>
-                                    </p:animEffect>
                                   </p:childTnLst>
                                 </p:cTn>
                               </p:par>
@@ -33503,49 +34224,6 @@
                                         <p:strVal val="hidden"/>
                                       </p:to>
                                     </p:set>
-                                  </p:childTnLst>
-                                </p:cTn>
-                              </p:par>
-                              <p:par>
-                                <p:cTn id="29" presetID="9" presetClass="entr" presetSubtype="0" fill="hold" grpId="0" nodeType="withEffect">
-                                  <p:stCondLst>
-                                    <p:cond delay="0"/>
-                                  </p:stCondLst>
-                                  <p:childTnLst>
-                                    <p:set>
-                                      <p:cBhvr>
-                                        <p:cTn id="30" dur="1" fill="hold">
-                                          <p:stCondLst>
-                                            <p:cond delay="0"/>
-                                          </p:stCondLst>
-                                        </p:cTn>
-                                        <p:tgtEl>
-                                          <p:spTgt spid="3">
-                                            <p:txEl>
-                                              <p:pRg st="3" end="3"/>
-                                            </p:txEl>
-                                          </p:spTgt>
-                                        </p:tgtEl>
-                                        <p:attrNameLst>
-                                          <p:attrName>style.visibility</p:attrName>
-                                        </p:attrNameLst>
-                                      </p:cBhvr>
-                                      <p:to>
-                                        <p:strVal val="visible"/>
-                                      </p:to>
-                                    </p:set>
-                                    <p:animEffect transition="in" filter="dissolve">
-                                      <p:cBhvr>
-                                        <p:cTn id="31" dur="500"/>
-                                        <p:tgtEl>
-                                          <p:spTgt spid="3">
-                                            <p:txEl>
-                                              <p:pRg st="3" end="3"/>
-                                            </p:txEl>
-                                          </p:spTgt>
-                                        </p:tgtEl>
-                                      </p:cBhvr>
-                                    </p:animEffect>
                                   </p:childTnLst>
                                 </p:cTn>
                               </p:par>
@@ -33675,13 +34353,13 @@
           <a:lstStyle/>
           <a:p>
             <a:r>
-              <a:rPr lang="pt-BR" sz="3200" dirty="0"/>
+              <a:rPr lang="pt-BR" sz="3600" dirty="0"/>
               <a:t>Necessidade de divisão de tarefas para redução do tempo de execução</a:t>
             </a:r>
           </a:p>
           <a:p>
             <a:r>
-              <a:rPr lang="pt-BR" sz="3200" dirty="0"/>
+              <a:rPr lang="pt-BR" sz="3600" dirty="0"/>
               <a:t>Obtenção de resultados mais rapidamente</a:t>
             </a:r>
           </a:p>
@@ -34238,7 +34916,7 @@
         </p:nvSpPr>
         <p:spPr>
           <a:xfrm>
-            <a:off x="2679116" y="99458"/>
+            <a:off x="2004561" y="99458"/>
             <a:ext cx="9530038" cy="1509490"/>
           </a:xfrm>
         </p:spPr>
@@ -34248,17 +34926,24 @@
           </a:bodyPr>
           <a:lstStyle/>
           <a:p>
-            <a:pPr algn="ctr"/>
             <a:r>
               <a:rPr lang="pt-BR" b="1" i="1" dirty="0"/>
-              <a:t>Problemas de </a:t>
+              <a:t>Discutindo </a:t>
+            </a:r>
+            <a:r>
+              <a:rPr lang="pt-BR" b="1" i="1" dirty="0" err="1"/>
+              <a:t>estragérias</a:t>
+            </a:r>
+            <a:r>
+              <a:rPr lang="pt-BR" b="1" i="1" dirty="0"/>
+              <a:t> </a:t>
             </a:r>
             <a:br>
               <a:rPr lang="pt-BR" b="1" i="1" dirty="0"/>
             </a:br>
             <a:r>
               <a:rPr lang="pt-BR" b="1" i="1" dirty="0"/>
-              <a:t>ESCALABILIDADE geográfica</a:t>
+              <a:t>de escalabilidade</a:t>
             </a:r>
             <a:endParaRPr lang="pt-BR" dirty="0"/>
           </a:p>
@@ -34294,72 +34979,156 @@
           <a:p>
             <a:r>
               <a:rPr lang="pt" sz="3200" dirty="0"/>
-              <a:t>Antes da popularização da internet, sistemas eram acessados a partir de uma LAN</a:t>
-            </a:r>
-          </a:p>
-          <a:p>
-            <a:r>
-              <a:rPr lang="pt" sz="3200" dirty="0"/>
-              <a:t>Atraso, congestionamento e quebra de conexão eram muito me</a:t>
-            </a:r>
+              <a:t>As tecnologias e estratégias para escalabilidade apresentadas anteriormente normalmente terão um custo associado</a:t>
+            </a:r>
+          </a:p>
+          <a:p>
+            <a:r>
+              <a:rPr lang="pt-PT" sz="3200" dirty="0"/>
+              <a:t>Este custo pode ser tanto operacional: requer tempo e esforço para colocar em funcionamento</a:t>
+            </a:r>
+            <a:endParaRPr lang="pt" sz="3200" dirty="0"/>
+          </a:p>
+          <a:p>
             <a:r>
               <a:rPr lang="en-US" sz="3200" dirty="0" err="1"/>
-              <a:t>nores</a:t>
+              <a:t>Quanto</a:t>
+            </a:r>
+            <a:r>
+              <a:rPr lang="en-US" sz="3200" dirty="0"/>
+              <a:t> </a:t>
+            </a:r>
+            <a:r>
+              <a:rPr lang="en-US" sz="3200" dirty="0" err="1"/>
+              <a:t>financeiro</a:t>
+            </a:r>
+            <a:r>
+              <a:rPr lang="en-US" sz="3200" dirty="0"/>
+              <a:t>: </a:t>
+            </a:r>
+            <a:r>
+              <a:rPr lang="en-US" sz="3200" dirty="0" err="1"/>
+              <a:t>usar</a:t>
+            </a:r>
+            <a:r>
+              <a:rPr lang="en-US" sz="3200" dirty="0"/>
+              <a:t> </a:t>
+            </a:r>
+            <a:r>
+              <a:rPr lang="en-US" sz="3200" dirty="0" err="1"/>
+              <a:t>mais</a:t>
+            </a:r>
+            <a:r>
+              <a:rPr lang="en-US" sz="3200" dirty="0"/>
+              <a:t> </a:t>
+            </a:r>
+            <a:r>
+              <a:rPr lang="en-US" sz="3200" dirty="0" err="1"/>
+              <a:t>máquinas</a:t>
+            </a:r>
+            <a:r>
+              <a:rPr lang="en-US" sz="3200" dirty="0"/>
+              <a:t> para </a:t>
+            </a:r>
+            <a:r>
+              <a:rPr lang="en-US" sz="3200" dirty="0" err="1"/>
+              <a:t>distribuir</a:t>
+            </a:r>
+            <a:r>
+              <a:rPr lang="en-US" sz="3200" dirty="0"/>
+              <a:t> </a:t>
+            </a:r>
+            <a:r>
+              <a:rPr lang="en-US" sz="3200" dirty="0" err="1"/>
+              <a:t>melhor</a:t>
+            </a:r>
+            <a:r>
+              <a:rPr lang="en-US" sz="3200" dirty="0"/>
+              <a:t> o </a:t>
+            </a:r>
+            <a:r>
+              <a:rPr lang="en-US" sz="3200" dirty="0" err="1"/>
+              <a:t>sistema</a:t>
+            </a:r>
+            <a:r>
+              <a:rPr lang="en-US" sz="3200" dirty="0"/>
+              <a:t> e </a:t>
+            </a:r>
+            <a:r>
+              <a:rPr lang="en-US" sz="3200" dirty="0" err="1"/>
+              <a:t>balancear</a:t>
+            </a:r>
+            <a:r>
+              <a:rPr lang="en-US" sz="3200" dirty="0"/>
+              <a:t> </a:t>
+            </a:r>
+            <a:r>
+              <a:rPr lang="en-US" sz="3200" dirty="0" err="1"/>
+              <a:t>carga</a:t>
+            </a:r>
+            <a:r>
+              <a:rPr lang="en-US" sz="3200" dirty="0"/>
+              <a:t> </a:t>
+            </a:r>
+            <a:r>
+              <a:rPr lang="en-US" sz="3200" dirty="0" err="1"/>
+              <a:t>terá</a:t>
+            </a:r>
+            <a:r>
+              <a:rPr lang="en-US" sz="3200" dirty="0"/>
+              <a:t> um </a:t>
+            </a:r>
+            <a:r>
+              <a:rPr lang="en-US" sz="3200" dirty="0" err="1"/>
+              <a:t>custo</a:t>
+            </a:r>
+            <a:r>
+              <a:rPr lang="en-US" sz="3200" dirty="0"/>
+              <a:t> </a:t>
+            </a:r>
+            <a:r>
+              <a:rPr lang="en-US" sz="3200" dirty="0" err="1"/>
+              <a:t>adicional</a:t>
             </a:r>
             <a:endParaRPr lang="pt" sz="3200" dirty="0"/>
           </a:p>
           <a:p>
             <a:r>
-              <a:rPr lang="pt" sz="3200" dirty="0" err="1"/>
-              <a:t>Apps</a:t>
-            </a:r>
-            <a:r>
-              <a:rPr lang="pt" sz="3200" dirty="0"/>
-              <a:t> faziam requisições síncronas a um servidor na LAN: ficava bloqueada, aguardando uma resposta [SDPP] [SDCP]</a:t>
-            </a:r>
-          </a:p>
-          <a:p>
-            <a:r>
               <a:rPr lang="en-US" sz="3200" dirty="0"/>
-              <a:t>d</a:t>
+              <a:t>Mas e </a:t>
+            </a:r>
+            <a:r>
+              <a:rPr lang="en-US" sz="3200" dirty="0" err="1"/>
+              <a:t>daí</a:t>
+            </a:r>
+            <a:r>
+              <a:rPr lang="en-US" sz="3200" dirty="0"/>
+              <a:t>? Nada </a:t>
+            </a:r>
+            <a:r>
+              <a:rPr lang="en-US" sz="3200" dirty="0" err="1"/>
+              <a:t>é</a:t>
+            </a:r>
+            <a:r>
+              <a:rPr lang="en-US" sz="3200" dirty="0"/>
+              <a:t> de </a:t>
+            </a:r>
+            <a:r>
+              <a:rPr lang="en-US" sz="3200" dirty="0" err="1"/>
+              <a:t>graça</a:t>
+            </a:r>
+            <a:r>
+              <a:rPr lang="en-US" sz="3200" dirty="0"/>
+              <a:t>!</a:t>
             </a:r>
             <a:endParaRPr lang="pt" sz="3200" dirty="0"/>
-          </a:p>
-        </p:txBody>
-      </p:sp>
-      <p:sp>
-        <p:nvSpPr>
-          <p:cNvPr id="4" name="Slide Number Placeholder 3">
-            <a:extLst>
-              <a:ext uri="{FF2B5EF4-FFF2-40B4-BE49-F238E27FC236}">
-                <a16:creationId xmlns:a16="http://schemas.microsoft.com/office/drawing/2014/main" id="{2EA509C2-078C-DE4C-BE59-C32AF18E82D6}"/>
-              </a:ext>
-            </a:extLst>
-          </p:cNvPr>
-          <p:cNvSpPr>
-            <a:spLocks noGrp="1"/>
-          </p:cNvSpPr>
-          <p:nvPr>
-            <p:ph type="sldNum" sz="quarter" idx="12"/>
-          </p:nvPr>
-        </p:nvSpPr>
-        <p:spPr/>
-        <p:txBody>
-          <a:bodyPr/>
-          <a:lstStyle/>
-          <a:p>
-            <a:fld id="{2183B7EE-0FBE-B749-875F-ED24F5ECD71F}" type="slidenum">
-              <a:rPr lang="en-US" smtClean="0"/>
-              <a:t>60</a:t>
-            </a:fld>
-            <a:endParaRPr lang="en-US" dirty="0"/>
           </a:p>
         </p:txBody>
       </p:sp>
     </p:spTree>
     <p:extLst>
       <p:ext uri="{BB962C8B-B14F-4D97-AF65-F5344CB8AC3E}">
-        <p14:creationId xmlns:p14="http://schemas.microsoft.com/office/powerpoint/2010/main" val="3322274284"/>
+        <p14:creationId xmlns:p14="http://schemas.microsoft.com/office/powerpoint/2010/main" val="1108108973"/>
       </p:ext>
     </p:extLst>
   </p:cSld>
@@ -34448,14 +35217,57 @@
                             </p:stCondLst>
                             <p:childTnLst>
                               <p:par>
-                                <p:cTn id="10" presetID="9" presetClass="entr" presetSubtype="0" fill="hold" grpId="0" nodeType="clickEffect">
+                                <p:cTn id="10" presetID="9" presetClass="exit" presetSubtype="0" fill="hold" grpId="1" nodeType="clickEffect">
+                                  <p:stCondLst>
+                                    <p:cond delay="0"/>
+                                  </p:stCondLst>
+                                  <p:childTnLst>
+                                    <p:animEffect transition="out" filter="dissolve">
+                                      <p:cBhvr>
+                                        <p:cTn id="11" dur="500"/>
+                                        <p:tgtEl>
+                                          <p:spTgt spid="3">
+                                            <p:txEl>
+                                              <p:pRg st="0" end="0"/>
+                                            </p:txEl>
+                                          </p:spTgt>
+                                        </p:tgtEl>
+                                      </p:cBhvr>
+                                    </p:animEffect>
+                                    <p:set>
+                                      <p:cBhvr>
+                                        <p:cTn id="12" dur="1" fill="hold">
+                                          <p:stCondLst>
+                                            <p:cond delay="499"/>
+                                          </p:stCondLst>
+                                        </p:cTn>
+                                        <p:tgtEl>
+                                          <p:spTgt spid="3">
+                                            <p:txEl>
+                                              <p:pRg st="0" end="0"/>
+                                            </p:txEl>
+                                          </p:spTgt>
+                                        </p:tgtEl>
+                                        <p:attrNameLst>
+                                          <p:attrName>style.visibility</p:attrName>
+                                        </p:attrNameLst>
+                                      </p:cBhvr>
+                                      <p:to>
+                                        <p:strVal val="hidden"/>
+                                      </p:to>
+                                    </p:set>
+                                  </p:childTnLst>
+                                </p:cTn>
+                              </p:par>
+                              <p:par>
+                                <p:cTn id="13" presetID="9" presetClass="entr" presetSubtype="0" fill="hold" grpId="0" nodeType="withEffect">
                                   <p:stCondLst>
                                     <p:cond delay="0"/>
                                   </p:stCondLst>
                                   <p:childTnLst>
                                     <p:set>
                                       <p:cBhvr>
-                                        <p:cTn id="11" dur="1" fill="hold">
+                                        <p:cTn id="14" dur="1" fill="hold">
                                           <p:stCondLst>
                                             <p:cond delay="0"/>
                                           </p:stCondLst>
@@ -34477,7 +35289,7 @@
                                     </p:set>
                                     <p:animEffect transition="in" filter="dissolve">
                                       <p:cBhvr>
-                                        <p:cTn id="12" dur="500"/>
+                                        <p:cTn id="15" dur="500"/>
                                         <p:tgtEl>
                                           <p:spTgt spid="3">
                                             <p:txEl>
@@ -34487,49 +35299,6 @@
                                         </p:tgtEl>
                                       </p:cBhvr>
                                     </p:animEffect>
-                                  </p:childTnLst>
-                                </p:cTn>
-                              </p:par>
-                              <p:par>
-                                <p:cTn id="13" presetID="9" presetClass="exit" presetSubtype="0" fill="hold" grpId="1" nodeType="withEffect">
-                                  <p:stCondLst>
-                                    <p:cond delay="0"/>
-                                  </p:stCondLst>
-                                  <p:childTnLst>
-                                    <p:animEffect transition="out" filter="dissolve">
-                                      <p:cBhvr>
-                                        <p:cTn id="14" dur="500"/>
-                                        <p:tgtEl>
-                                          <p:spTgt spid="3">
-                                            <p:txEl>
-                                              <p:pRg st="0" end="0"/>
-                                            </p:txEl>
-                                          </p:spTgt>
-                                        </p:tgtEl>
-                                      </p:cBhvr>
-                                    </p:animEffect>
-                                    <p:set>
-                                      <p:cBhvr>
-                                        <p:cTn id="15" dur="1" fill="hold">
-                                          <p:stCondLst>
-                                            <p:cond delay="499"/>
-                                          </p:stCondLst>
-                                        </p:cTn>
-                                        <p:tgtEl>
-                                          <p:spTgt spid="3">
-                                            <p:txEl>
-                                              <p:pRg st="0" end="0"/>
-                                            </p:txEl>
-                                          </p:spTgt>
-                                        </p:tgtEl>
-                                        <p:attrNameLst>
-                                          <p:attrName>style.visibility</p:attrName>
-                                        </p:attrNameLst>
-                                      </p:cBhvr>
-                                      <p:to>
-                                        <p:strVal val="hidden"/>
-                                      </p:to>
-                                    </p:set>
                                   </p:childTnLst>
                                 </p:cTn>
                               </p:par>
@@ -34656,7 +35425,7 @@
                             </p:stCondLst>
                             <p:childTnLst>
                               <p:par>
-                                <p:cTn id="26" presetID="9" presetClass="exit" presetSubtype="0" fill="hold" grpId="1" nodeType="clickEffect">
+                                <p:cTn id="26" presetID="9" presetClass="exit" presetSubtype="0" fill="hold" nodeType="clickEffect">
                                   <p:stCondLst>
                                     <p:cond delay="0"/>
                                   </p:stCondLst>
@@ -34795,50 +35564,6 @@
       </p:grpSpPr>
       <p:sp>
         <p:nvSpPr>
-          <p:cNvPr id="2" name="Title 1">
-            <a:extLst>
-              <a:ext uri="{FF2B5EF4-FFF2-40B4-BE49-F238E27FC236}">
-                <a16:creationId xmlns:a16="http://schemas.microsoft.com/office/drawing/2014/main" id="{58204B45-BA2F-544A-ADBD-2B584480C63E}"/>
-              </a:ext>
-            </a:extLst>
-          </p:cNvPr>
-          <p:cNvSpPr>
-            <a:spLocks noGrp="1"/>
-          </p:cNvSpPr>
-          <p:nvPr>
-            <p:ph type="title"/>
-          </p:nvPr>
-        </p:nvSpPr>
-        <p:spPr>
-          <a:xfrm>
-            <a:off x="2679116" y="99458"/>
-            <a:ext cx="9530038" cy="1509490"/>
-          </a:xfrm>
-        </p:spPr>
-        <p:txBody>
-          <a:bodyPr>
-            <a:normAutofit/>
-          </a:bodyPr>
-          <a:lstStyle/>
-          <a:p>
-            <a:pPr algn="ctr"/>
-            <a:r>
-              <a:rPr lang="pt-BR" b="1" i="1" dirty="0"/>
-              <a:t>Problemas de </a:t>
-            </a:r>
-            <a:br>
-              <a:rPr lang="pt-BR" b="1" i="1" dirty="0"/>
-            </a:br>
-            <a:r>
-              <a:rPr lang="pt-BR" b="1" i="1" dirty="0"/>
-              <a:t>ESCALABILIDADE de tamanho</a:t>
-            </a:r>
-            <a:endParaRPr lang="pt-BR" dirty="0"/>
-          </a:p>
-        </p:txBody>
-      </p:sp>
-      <p:sp>
-        <p:nvSpPr>
           <p:cNvPr id="3" name="Content Placeholder 2">
             <a:extLst>
               <a:ext uri="{FF2B5EF4-FFF2-40B4-BE49-F238E27FC236}">
@@ -34867,27 +35592,158 @@
           <a:p>
             <a:r>
               <a:rPr lang="pt" sz="3200" dirty="0"/>
-              <a:t>a</a:t>
+              <a:t>Antes de aplicar qualquer técnica vista aqui, verifique as tecnologias e versões de ferramentas que está usando</a:t>
             </a:r>
           </a:p>
           <a:p>
             <a:r>
               <a:rPr lang="en-US" sz="3200" dirty="0"/>
-              <a:t>b</a:t>
+              <a:t>O PHP 7 </a:t>
+            </a:r>
+            <a:r>
+              <a:rPr lang="en-US" sz="3200" dirty="0" err="1"/>
+              <a:t>por</a:t>
+            </a:r>
+            <a:r>
+              <a:rPr lang="en-US" sz="3200" dirty="0"/>
+              <a:t> </a:t>
+            </a:r>
+            <a:r>
+              <a:rPr lang="en-US" sz="3200" dirty="0" err="1"/>
+              <a:t>exemplo</a:t>
+            </a:r>
+            <a:r>
+              <a:rPr lang="en-US" sz="3200" dirty="0"/>
+              <a:t> </a:t>
+            </a:r>
+            <a:r>
+              <a:rPr lang="en-US" sz="3200" dirty="0" err="1"/>
+              <a:t>trouxe</a:t>
+            </a:r>
+            <a:r>
+              <a:rPr lang="en-US" sz="3200" dirty="0"/>
+              <a:t> </a:t>
+            </a:r>
+            <a:r>
+              <a:rPr lang="en-US" sz="3200" dirty="0" err="1"/>
+              <a:t>inacreditáveis</a:t>
+            </a:r>
+            <a:r>
+              <a:rPr lang="en-US" sz="3200" dirty="0"/>
+              <a:t> </a:t>
+            </a:r>
+            <a:r>
+              <a:rPr lang="en-US" sz="3200" dirty="0" err="1"/>
+              <a:t>melhorias</a:t>
+            </a:r>
+            <a:r>
+              <a:rPr lang="en-US" sz="3200" dirty="0"/>
+              <a:t> de </a:t>
+            </a:r>
+            <a:r>
+              <a:rPr lang="en-US" sz="3200" dirty="0" err="1"/>
+              <a:t>desempenho</a:t>
             </a:r>
             <a:endParaRPr lang="pt" sz="3200" dirty="0"/>
           </a:p>
           <a:p>
             <a:r>
               <a:rPr lang="en-US" sz="3200" dirty="0"/>
-              <a:t>c</a:t>
+              <a:t>2x </a:t>
+            </a:r>
+            <a:r>
+              <a:rPr lang="en-US" sz="3200" dirty="0" err="1"/>
+              <a:t>mais</a:t>
+            </a:r>
+            <a:r>
+              <a:rPr lang="en-US" sz="3200" dirty="0"/>
+              <a:t> </a:t>
+            </a:r>
+            <a:r>
+              <a:rPr lang="en-US" sz="3200" dirty="0" err="1"/>
+              <a:t>rápido</a:t>
+            </a:r>
+            <a:r>
+              <a:rPr lang="en-US" sz="3200" dirty="0"/>
+              <a:t>, -30% RAM</a:t>
             </a:r>
             <a:endParaRPr lang="pt" sz="3200" dirty="0"/>
           </a:p>
           <a:p>
+            <a:pPr marL="0" indent="0" algn="ctr">
+              <a:buNone/>
+            </a:pPr>
+            <a:r>
+              <a:rPr lang="en-US" sz="3200" dirty="0">
+                <a:hlinkClick r:id="rId2"/>
+              </a:rPr>
+              <a:t>www.zend.com/en/resources/php7_infographic</a:t>
+            </a:r>
             <a:r>
               <a:rPr lang="en-US" sz="3200" dirty="0"/>
-              <a:t>d</a:t>
+              <a:t> Zend, </a:t>
+            </a:r>
+            <a:r>
+              <a:rPr lang="en-US" sz="3200" dirty="0" err="1"/>
+              <a:t>empresa</a:t>
+            </a:r>
+            <a:r>
+              <a:rPr lang="en-US" sz="3200" dirty="0"/>
+              <a:t> que </a:t>
+            </a:r>
+            <a:r>
+              <a:rPr lang="en-US" sz="3200" dirty="0" err="1"/>
+              <a:t>atualmente</a:t>
+            </a:r>
+            <a:r>
+              <a:rPr lang="en-US" sz="3200" dirty="0"/>
+              <a:t> </a:t>
+            </a:r>
+            <a:r>
+              <a:rPr lang="en-US" sz="3200" dirty="0" err="1"/>
+              <a:t>mantém</a:t>
+            </a:r>
+            <a:r>
+              <a:rPr lang="en-US" sz="3200" dirty="0"/>
+              <a:t> o PHP</a:t>
+            </a:r>
+          </a:p>
+          <a:p>
+            <a:pPr marL="0" indent="0" algn="ctr">
+              <a:buNone/>
+            </a:pPr>
+            <a:r>
+              <a:rPr lang="en-US" sz="3200" dirty="0">
+                <a:hlinkClick r:id="rId3"/>
+              </a:rPr>
+              <a:t>https://youtu.be/rKXFgWP-2xQ</a:t>
+            </a:r>
+            <a:r>
+              <a:rPr lang="en-US" sz="3200" dirty="0"/>
+              <a:t> </a:t>
+            </a:r>
+            <a:br>
+              <a:rPr lang="en-US" sz="3200" dirty="0"/>
+            </a:br>
+            <a:r>
+              <a:rPr lang="en-US" sz="3200" dirty="0"/>
+              <a:t>Rasmus </a:t>
+            </a:r>
+            <a:r>
+              <a:rPr lang="en-US" sz="3200" dirty="0" err="1"/>
+              <a:t>Lerdorf</a:t>
+            </a:r>
+            <a:r>
+              <a:rPr lang="en-US" sz="3200" dirty="0"/>
+              <a:t>, </a:t>
+            </a:r>
+            <a:r>
+              <a:rPr lang="en-US" sz="3200" dirty="0" err="1"/>
+              <a:t>creador</a:t>
+            </a:r>
+            <a:r>
+              <a:rPr lang="en-US" sz="3200" dirty="0"/>
+              <a:t> do PHP</a:t>
             </a:r>
             <a:endParaRPr lang="pt" sz="3200" dirty="0"/>
           </a:p>
@@ -34922,10 +35778,72 @@
           </a:p>
         </p:txBody>
       </p:sp>
+      <p:sp>
+        <p:nvSpPr>
+          <p:cNvPr id="7" name="Title 1">
+            <a:extLst>
+              <a:ext uri="{FF2B5EF4-FFF2-40B4-BE49-F238E27FC236}">
+                <a16:creationId xmlns:a16="http://schemas.microsoft.com/office/drawing/2014/main" id="{873CC896-80B5-494C-AD6B-34365C23E09E}"/>
+              </a:ext>
+            </a:extLst>
+          </p:cNvPr>
+          <p:cNvSpPr txBox="1">
+            <a:spLocks/>
+          </p:cNvSpPr>
+          <p:nvPr/>
+        </p:nvSpPr>
+        <p:spPr>
+          <a:xfrm>
+            <a:off x="2004561" y="99458"/>
+            <a:ext cx="9530038" cy="1509490"/>
+          </a:xfrm>
+          <a:prstGeom prst="rect">
+            <a:avLst/>
+          </a:prstGeom>
+        </p:spPr>
+        <p:txBody>
+          <a:bodyPr vert="horz" lIns="91440" tIns="45720" rIns="91440" bIns="45720" rtlCol="0" anchor="ctr">
+            <a:normAutofit/>
+          </a:bodyPr>
+          <a:lstStyle>
+            <a:lvl1pPr algn="r" defTabSz="914400" rtl="0" eaLnBrk="1" latinLnBrk="0" hangingPunct="1">
+              <a:lnSpc>
+                <a:spcPct val="90000"/>
+              </a:lnSpc>
+              <a:spcBef>
+                <a:spcPct val="0"/>
+              </a:spcBef>
+              <a:buNone/>
+              <a:defRPr sz="4000" kern="1200" cap="all" baseline="0">
+                <a:solidFill>
+                  <a:schemeClr val="tx1"/>
+                </a:solidFill>
+                <a:latin typeface="+mj-lt"/>
+                <a:ea typeface="+mj-ea"/>
+                <a:cs typeface="+mj-cs"/>
+              </a:defRPr>
+            </a:lvl1pPr>
+          </a:lstStyle>
+          <a:p>
+            <a:r>
+              <a:rPr lang="pt-BR" b="1" i="1"/>
+              <a:t>Discutindo estragérias </a:t>
+            </a:r>
+            <a:br>
+              <a:rPr lang="pt-BR" b="1" i="1"/>
+            </a:br>
+            <a:r>
+              <a:rPr lang="pt-BR" b="1" i="1"/>
+              <a:t>de escalabilidade</a:t>
+            </a:r>
+            <a:endParaRPr lang="pt-BR" dirty="0"/>
+          </a:p>
+        </p:txBody>
+      </p:sp>
     </p:spTree>
     <p:extLst>
       <p:ext uri="{BB962C8B-B14F-4D97-AF65-F5344CB8AC3E}">
-        <p14:creationId xmlns:p14="http://schemas.microsoft.com/office/powerpoint/2010/main" val="1108108973"/>
+        <p14:creationId xmlns:p14="http://schemas.microsoft.com/office/powerpoint/2010/main" val="4100838962"/>
       </p:ext>
     </p:extLst>
   </p:cSld>
@@ -35222,14 +36140,136 @@
                             </p:stCondLst>
                             <p:childTnLst>
                               <p:par>
-                                <p:cTn id="26" presetID="9" presetClass="exit" presetSubtype="0" fill="hold" grpId="1" nodeType="clickEffect">
+                                <p:cTn id="26" presetID="9" presetClass="entr" presetSubtype="0" fill="hold" grpId="0" nodeType="clickEffect">
+                                  <p:stCondLst>
+                                    <p:cond delay="0"/>
+                                  </p:stCondLst>
+                                  <p:childTnLst>
+                                    <p:set>
+                                      <p:cBhvr>
+                                        <p:cTn id="27" dur="1" fill="hold">
+                                          <p:stCondLst>
+                                            <p:cond delay="0"/>
+                                          </p:stCondLst>
+                                        </p:cTn>
+                                        <p:tgtEl>
+                                          <p:spTgt spid="3">
+                                            <p:txEl>
+                                              <p:pRg st="3" end="3"/>
+                                            </p:txEl>
+                                          </p:spTgt>
+                                        </p:tgtEl>
+                                        <p:attrNameLst>
+                                          <p:attrName>style.visibility</p:attrName>
+                                        </p:attrNameLst>
+                                      </p:cBhvr>
+                                      <p:to>
+                                        <p:strVal val="visible"/>
+                                      </p:to>
+                                    </p:set>
+                                    <p:animEffect transition="in" filter="dissolve">
+                                      <p:cBhvr>
+                                        <p:cTn id="28" dur="500"/>
+                                        <p:tgtEl>
+                                          <p:spTgt spid="3">
+                                            <p:txEl>
+                                              <p:pRg st="3" end="3"/>
+                                            </p:txEl>
+                                          </p:spTgt>
+                                        </p:tgtEl>
+                                      </p:cBhvr>
+                                    </p:animEffect>
+                                  </p:childTnLst>
+                                </p:cTn>
+                              </p:par>
+                            </p:childTnLst>
+                          </p:cTn>
+                        </p:par>
+                      </p:childTnLst>
+                    </p:cTn>
+                  </p:par>
+                  <p:par>
+                    <p:cTn id="29" fill="hold">
+                      <p:stCondLst>
+                        <p:cond delay="indefinite"/>
+                      </p:stCondLst>
+                      <p:childTnLst>
+                        <p:par>
+                          <p:cTn id="30" fill="hold">
+                            <p:stCondLst>
+                              <p:cond delay="0"/>
+                            </p:stCondLst>
+                            <p:childTnLst>
+                              <p:par>
+                                <p:cTn id="31" presetID="9" presetClass="entr" presetSubtype="0" fill="hold" grpId="0" nodeType="clickEffect">
+                                  <p:stCondLst>
+                                    <p:cond delay="0"/>
+                                  </p:stCondLst>
+                                  <p:childTnLst>
+                                    <p:set>
+                                      <p:cBhvr>
+                                        <p:cTn id="32" dur="1" fill="hold">
+                                          <p:stCondLst>
+                                            <p:cond delay="0"/>
+                                          </p:stCondLst>
+                                        </p:cTn>
+                                        <p:tgtEl>
+                                          <p:spTgt spid="3">
+                                            <p:txEl>
+                                              <p:pRg st="4" end="4"/>
+                                            </p:txEl>
+                                          </p:spTgt>
+                                        </p:tgtEl>
+                                        <p:attrNameLst>
+                                          <p:attrName>style.visibility</p:attrName>
+                                        </p:attrNameLst>
+                                      </p:cBhvr>
+                                      <p:to>
+                                        <p:strVal val="visible"/>
+                                      </p:to>
+                                    </p:set>
+                                    <p:animEffect transition="in" filter="dissolve">
+                                      <p:cBhvr>
+                                        <p:cTn id="33" dur="500"/>
+                                        <p:tgtEl>
+                                          <p:spTgt spid="3">
+                                            <p:txEl>
+                                              <p:pRg st="4" end="4"/>
+                                            </p:txEl>
+                                          </p:spTgt>
+                                        </p:tgtEl>
+                                      </p:cBhvr>
+                                    </p:animEffect>
+                                  </p:childTnLst>
+                                </p:cTn>
+                              </p:par>
+                            </p:childTnLst>
+                          </p:cTn>
+                        </p:par>
+                      </p:childTnLst>
+                    </p:cTn>
+                  </p:par>
+                  <p:par>
+                    <p:cTn id="34" fill="hold">
+                      <p:stCondLst>
+                        <p:cond delay="indefinite"/>
+                      </p:stCondLst>
+                      <p:childTnLst>
+                        <p:par>
+                          <p:cTn id="35" fill="hold">
+                            <p:stCondLst>
+                              <p:cond delay="0"/>
+                            </p:stCondLst>
+                            <p:childTnLst>
+                              <p:par>
+                                <p:cTn id="36" presetID="9" presetClass="exit" presetSubtype="0" fill="hold" grpId="1" nodeType="clickEffect">
                                   <p:stCondLst>
                                     <p:cond delay="0"/>
                                   </p:stCondLst>
                                   <p:childTnLst>
                                     <p:animEffect transition="out" filter="dissolve">
                                       <p:cBhvr>
-                                        <p:cTn id="27" dur="500"/>
+                                        <p:cTn id="37" dur="500"/>
                                         <p:tgtEl>
                                           <p:spTgt spid="3">
                                             <p:txEl>
@@ -35241,7 +36281,7 @@
                                     </p:animEffect>
                                     <p:set>
                                       <p:cBhvr>
-                                        <p:cTn id="28" dur="1" fill="hold">
+                                        <p:cTn id="38" dur="1" fill="hold">
                                           <p:stCondLst>
                                             <p:cond delay="499"/>
                                           </p:stCondLst>
@@ -35264,17 +36304,47 @@
                                   </p:childTnLst>
                                 </p:cTn>
                               </p:par>
+                            </p:childTnLst>
+                          </p:cTn>
+                        </p:par>
+                      </p:childTnLst>
+                    </p:cTn>
+                  </p:par>
+                  <p:par>
+                    <p:cTn id="39" fill="hold">
+                      <p:stCondLst>
+                        <p:cond delay="indefinite"/>
+                      </p:stCondLst>
+                      <p:childTnLst>
+                        <p:par>
+                          <p:cTn id="40" fill="hold">
+                            <p:stCondLst>
+                              <p:cond delay="0"/>
+                            </p:stCondLst>
+                            <p:childTnLst>
                               <p:par>
-                                <p:cTn id="29" presetID="9" presetClass="entr" presetSubtype="0" fill="hold" grpId="0" nodeType="withEffect">
+                                <p:cTn id="41" presetID="9" presetClass="exit" presetSubtype="0" fill="hold" grpId="1" nodeType="clickEffect">
                                   <p:stCondLst>
                                     <p:cond delay="0"/>
                                   </p:stCondLst>
                                   <p:childTnLst>
+                                    <p:animEffect transition="out" filter="dissolve">
+                                      <p:cBhvr>
+                                        <p:cTn id="42" dur="500"/>
+                                        <p:tgtEl>
+                                          <p:spTgt spid="3">
+                                            <p:txEl>
+                                              <p:pRg st="3" end="3"/>
+                                            </p:txEl>
+                                          </p:spTgt>
+                                        </p:tgtEl>
+                                      </p:cBhvr>
+                                    </p:animEffect>
                                     <p:set>
                                       <p:cBhvr>
-                                        <p:cTn id="30" dur="1" fill="hold">
+                                        <p:cTn id="43" dur="1" fill="hold">
                                           <p:stCondLst>
-                                            <p:cond delay="0"/>
+                                            <p:cond delay="499"/>
                                           </p:stCondLst>
                                         </p:cTn>
                                         <p:tgtEl>
@@ -35289,21 +36359,70 @@
                                         </p:attrNameLst>
                                       </p:cBhvr>
                                       <p:to>
-                                        <p:strVal val="visible"/>
+                                        <p:strVal val="hidden"/>
                                       </p:to>
                                     </p:set>
-                                    <p:animEffect transition="in" filter="dissolve">
-                                      <p:cBhvr>
-                                        <p:cTn id="31" dur="500"/>
-                                        <p:tgtEl>
-                                          <p:spTgt spid="3">
-                                            <p:txEl>
-                                              <p:pRg st="3" end="3"/>
+                                  </p:childTnLst>
+                                </p:cTn>
+                              </p:par>
+                            </p:childTnLst>
+                          </p:cTn>
+                        </p:par>
+                      </p:childTnLst>
+                    </p:cTn>
+                  </p:par>
+                  <p:par>
+                    <p:cTn id="44" fill="hold">
+                      <p:stCondLst>
+                        <p:cond delay="indefinite"/>
+                      </p:stCondLst>
+                      <p:childTnLst>
+                        <p:par>
+                          <p:cTn id="45" fill="hold">
+                            <p:stCondLst>
+                              <p:cond delay="0"/>
+                            </p:stCondLst>
+                            <p:childTnLst>
+                              <p:par>
+                                <p:cTn id="46" presetID="9" presetClass="exit" presetSubtype="0" fill="hold" grpId="1" nodeType="clickEffect">
+                                  <p:stCondLst>
+                                    <p:cond delay="0"/>
+                                  </p:stCondLst>
+                                  <p:childTnLst>
+                                    <p:animEffect transition="out" filter="dissolve">
+                                      <p:cBhvr>
+                                        <p:cTn id="47" dur="500"/>
+                                        <p:tgtEl>
+                                          <p:spTgt spid="3">
+                                            <p:txEl>
+                                              <p:pRg st="4" end="4"/>
                                             </p:txEl>
                                           </p:spTgt>
                                         </p:tgtEl>
                                       </p:cBhvr>
                                     </p:animEffect>
+                                    <p:set>
+                                      <p:cBhvr>
+                                        <p:cTn id="48" dur="1" fill="hold">
+                                          <p:stCondLst>
+                                            <p:cond delay="499"/>
+                                          </p:stCondLst>
+                                        </p:cTn>
+                                        <p:tgtEl>
+                                          <p:spTgt spid="3">
+                                            <p:txEl>
+                                              <p:pRg st="4" end="4"/>
+                                            </p:txEl>
+                                          </p:spTgt>
+                                        </p:tgtEl>
+                                        <p:attrNameLst>
+                                          <p:attrName>style.visibility</p:attrName>
+                                        </p:attrNameLst>
+                                      </p:cBhvr>
+                                      <p:to>
+                                        <p:strVal val="hidden"/>
+                                      </p:to>
+                                    </p:set>
                                   </p:childTnLst>
                                 </p:cTn>
                               </p:par>
@@ -35361,6 +36480,1349 @@
       </p:grpSpPr>
       <p:sp>
         <p:nvSpPr>
+          <p:cNvPr id="3" name="Content Placeholder 2">
+            <a:extLst>
+              <a:ext uri="{FF2B5EF4-FFF2-40B4-BE49-F238E27FC236}">
+                <a16:creationId xmlns:a16="http://schemas.microsoft.com/office/drawing/2014/main" id="{C9044F89-E3C1-E349-B0DE-0B932821234C}"/>
+              </a:ext>
+            </a:extLst>
+          </p:cNvPr>
+          <p:cNvSpPr>
+            <a:spLocks noGrp="1"/>
+          </p:cNvSpPr>
+          <p:nvPr>
+            <p:ph idx="1"/>
+          </p:nvPr>
+        </p:nvSpPr>
+        <p:spPr>
+          <a:xfrm>
+            <a:off x="596348" y="1444491"/>
+            <a:ext cx="10908264" cy="1838356"/>
+          </a:xfrm>
+        </p:spPr>
+        <p:txBody>
+          <a:bodyPr>
+            <a:normAutofit/>
+          </a:bodyPr>
+          <a:lstStyle/>
+          <a:p>
+            <a:r>
+              <a:rPr lang="pt-PT" sz="3200" dirty="0"/>
+              <a:t>O servidor web utilizado também pode fazer uma grande diferença no consumo de recursos</a:t>
+            </a:r>
+          </a:p>
+        </p:txBody>
+      </p:sp>
+      <p:sp>
+        <p:nvSpPr>
+          <p:cNvPr id="4" name="Slide Number Placeholder 3">
+            <a:extLst>
+              <a:ext uri="{FF2B5EF4-FFF2-40B4-BE49-F238E27FC236}">
+                <a16:creationId xmlns:a16="http://schemas.microsoft.com/office/drawing/2014/main" id="{2EA509C2-078C-DE4C-BE59-C32AF18E82D6}"/>
+              </a:ext>
+            </a:extLst>
+          </p:cNvPr>
+          <p:cNvSpPr>
+            <a:spLocks noGrp="1"/>
+          </p:cNvSpPr>
+          <p:nvPr>
+            <p:ph type="sldNum" sz="quarter" idx="12"/>
+          </p:nvPr>
+        </p:nvSpPr>
+        <p:spPr/>
+        <p:txBody>
+          <a:bodyPr/>
+          <a:lstStyle/>
+          <a:p>
+            <a:fld id="{2183B7EE-0FBE-B749-875F-ED24F5ECD71F}" type="slidenum">
+              <a:rPr lang="en-US" smtClean="0"/>
+              <a:t>62</a:t>
+            </a:fld>
+            <a:endParaRPr lang="en-US" dirty="0"/>
+          </a:p>
+        </p:txBody>
+      </p:sp>
+      <p:sp>
+        <p:nvSpPr>
+          <p:cNvPr id="7" name="Title 1">
+            <a:extLst>
+              <a:ext uri="{FF2B5EF4-FFF2-40B4-BE49-F238E27FC236}">
+                <a16:creationId xmlns:a16="http://schemas.microsoft.com/office/drawing/2014/main" id="{873CC896-80B5-494C-AD6B-34365C23E09E}"/>
+              </a:ext>
+            </a:extLst>
+          </p:cNvPr>
+          <p:cNvSpPr txBox="1">
+            <a:spLocks/>
+          </p:cNvSpPr>
+          <p:nvPr/>
+        </p:nvSpPr>
+        <p:spPr>
+          <a:xfrm>
+            <a:off x="2004561" y="99458"/>
+            <a:ext cx="9530038" cy="1509490"/>
+          </a:xfrm>
+          <a:prstGeom prst="rect">
+            <a:avLst/>
+          </a:prstGeom>
+        </p:spPr>
+        <p:txBody>
+          <a:bodyPr vert="horz" lIns="91440" tIns="45720" rIns="91440" bIns="45720" rtlCol="0" anchor="ctr">
+            <a:normAutofit/>
+          </a:bodyPr>
+          <a:lstStyle>
+            <a:lvl1pPr algn="r" defTabSz="914400" rtl="0" eaLnBrk="1" latinLnBrk="0" hangingPunct="1">
+              <a:lnSpc>
+                <a:spcPct val="90000"/>
+              </a:lnSpc>
+              <a:spcBef>
+                <a:spcPct val="0"/>
+              </a:spcBef>
+              <a:buNone/>
+              <a:defRPr sz="4000" kern="1200" cap="all" baseline="0">
+                <a:solidFill>
+                  <a:schemeClr val="tx1"/>
+                </a:solidFill>
+                <a:latin typeface="+mj-lt"/>
+                <a:ea typeface="+mj-ea"/>
+                <a:cs typeface="+mj-cs"/>
+              </a:defRPr>
+            </a:lvl1pPr>
+          </a:lstStyle>
+          <a:p>
+            <a:r>
+              <a:rPr lang="pt-BR" b="1" i="1"/>
+              <a:t>Discutindo estragérias </a:t>
+            </a:r>
+            <a:br>
+              <a:rPr lang="pt-BR" b="1" i="1"/>
+            </a:br>
+            <a:r>
+              <a:rPr lang="pt-BR" b="1" i="1"/>
+              <a:t>de escalabilidade</a:t>
+            </a:r>
+            <a:endParaRPr lang="pt-BR" dirty="0"/>
+          </a:p>
+        </p:txBody>
+      </p:sp>
+    </p:spTree>
+    <p:extLst>
+      <p:ext uri="{BB962C8B-B14F-4D97-AF65-F5344CB8AC3E}">
+        <p14:creationId xmlns:p14="http://schemas.microsoft.com/office/powerpoint/2010/main" val="725837398"/>
+      </p:ext>
+    </p:extLst>
+  </p:cSld>
+  <p:clrMapOvr>
+    <a:masterClrMapping/>
+  </p:clrMapOvr>
+  <p:timing>
+    <p:tnLst>
+      <p:par>
+        <p:cTn id="1" dur="indefinite" restart="never" nodeType="tmRoot">
+          <p:childTnLst>
+            <p:seq concurrent="1" nextAc="seek">
+              <p:cTn id="2" dur="indefinite" nodeType="mainSeq">
+                <p:childTnLst>
+                  <p:par>
+                    <p:cTn id="3" fill="hold">
+                      <p:stCondLst>
+                        <p:cond delay="indefinite"/>
+                      </p:stCondLst>
+                      <p:childTnLst>
+                        <p:par>
+                          <p:cTn id="4" fill="hold">
+                            <p:stCondLst>
+                              <p:cond delay="0"/>
+                            </p:stCondLst>
+                            <p:childTnLst>
+                              <p:par>
+                                <p:cTn id="5" presetID="9" presetClass="entr" presetSubtype="0" fill="hold" grpId="0" nodeType="clickEffect">
+                                  <p:stCondLst>
+                                    <p:cond delay="0"/>
+                                  </p:stCondLst>
+                                  <p:childTnLst>
+                                    <p:set>
+                                      <p:cBhvr>
+                                        <p:cTn id="6" dur="1" fill="hold">
+                                          <p:stCondLst>
+                                            <p:cond delay="0"/>
+                                          </p:stCondLst>
+                                        </p:cTn>
+                                        <p:tgtEl>
+                                          <p:spTgt spid="3">
+                                            <p:txEl>
+                                              <p:pRg st="0" end="0"/>
+                                            </p:txEl>
+                                          </p:spTgt>
+                                        </p:tgtEl>
+                                        <p:attrNameLst>
+                                          <p:attrName>style.visibility</p:attrName>
+                                        </p:attrNameLst>
+                                      </p:cBhvr>
+                                      <p:to>
+                                        <p:strVal val="visible"/>
+                                      </p:to>
+                                    </p:set>
+                                    <p:animEffect transition="in" filter="dissolve">
+                                      <p:cBhvr>
+                                        <p:cTn id="7" dur="500"/>
+                                        <p:tgtEl>
+                                          <p:spTgt spid="3">
+                                            <p:txEl>
+                                              <p:pRg st="0" end="0"/>
+                                            </p:txEl>
+                                          </p:spTgt>
+                                        </p:tgtEl>
+                                      </p:cBhvr>
+                                    </p:animEffect>
+                                  </p:childTnLst>
+                                </p:cTn>
+                              </p:par>
+                              <p:par>
+                                <p:cTn id="8" presetID="9" presetClass="exit" presetSubtype="0" fill="hold" grpId="1" nodeType="withEffect">
+                                  <p:stCondLst>
+                                    <p:cond delay="0"/>
+                                  </p:stCondLst>
+                                  <p:childTnLst>
+                                    <p:animEffect transition="out" filter="dissolve">
+                                      <p:cBhvr>
+                                        <p:cTn id="9" dur="500"/>
+                                        <p:tgtEl>
+                                          <p:spTgt spid="3">
+                                            <p:txEl>
+                                              <p:pRg st="0" end="0"/>
+                                            </p:txEl>
+                                          </p:spTgt>
+                                        </p:tgtEl>
+                                      </p:cBhvr>
+                                    </p:animEffect>
+                                    <p:set>
+                                      <p:cBhvr>
+                                        <p:cTn id="10" dur="1" fill="hold">
+                                          <p:stCondLst>
+                                            <p:cond delay="499"/>
+                                          </p:stCondLst>
+                                        </p:cTn>
+                                        <p:tgtEl>
+                                          <p:spTgt spid="3">
+                                            <p:txEl>
+                                              <p:pRg st="0" end="0"/>
+                                            </p:txEl>
+                                          </p:spTgt>
+                                        </p:tgtEl>
+                                        <p:attrNameLst>
+                                          <p:attrName>style.visibility</p:attrName>
+                                        </p:attrNameLst>
+                                      </p:cBhvr>
+                                      <p:to>
+                                        <p:strVal val="hidden"/>
+                                      </p:to>
+                                    </p:set>
+                                  </p:childTnLst>
+                                </p:cTn>
+                              </p:par>
+                            </p:childTnLst>
+                          </p:cTn>
+                        </p:par>
+                      </p:childTnLst>
+                    </p:cTn>
+                  </p:par>
+                </p:childTnLst>
+              </p:cTn>
+              <p:prevCondLst>
+                <p:cond evt="onPrev" delay="0">
+                  <p:tgtEl>
+                    <p:sldTgt/>
+                  </p:tgtEl>
+                </p:cond>
+              </p:prevCondLst>
+              <p:nextCondLst>
+                <p:cond evt="onNext" delay="0">
+                  <p:tgtEl>
+                    <p:sldTgt/>
+                  </p:tgtEl>
+                </p:cond>
+              </p:nextCondLst>
+            </p:seq>
+          </p:childTnLst>
+        </p:cTn>
+      </p:par>
+    </p:tnLst>
+    <p:bldLst>
+      <p:bldP spid="3" grpId="0" uiExpand="1" build="p"/>
+      <p:bldP spid="3" grpId="1" uiExpand="1" build="p"/>
+    </p:bldLst>
+  </p:timing>
+</p:sld>
+</file>
+
+<file path=ppt/slides/slide63.xml><?xml version="1.0" encoding="utf-8"?>
+<p:sld xmlns:a="http://schemas.openxmlformats.org/drawingml/2006/main" xmlns:r="http://schemas.openxmlformats.org/officeDocument/2006/relationships" xmlns:p="http://schemas.openxmlformats.org/presentationml/2006/main" showMasterSp="0">
+  <p:cSld>
+    <p:bg>
+      <p:bgPr>
+        <a:blipFill dpi="0" rotWithShape="1">
+          <a:blip r:embed="rId2">
+            <a:lum/>
+          </a:blip>
+          <a:srcRect/>
+          <a:stretch>
+            <a:fillRect t="-4000" b="-2000"/>
+          </a:stretch>
+        </a:blipFill>
+        <a:effectLst/>
+      </p:bgPr>
+    </p:bg>
+    <p:spTree>
+      <p:nvGrpSpPr>
+        <p:cNvPr id="1" name=""/>
+        <p:cNvGrpSpPr/>
+        <p:nvPr/>
+      </p:nvGrpSpPr>
+      <p:grpSpPr>
+        <a:xfrm>
+          <a:off x="0" y="0"/>
+          <a:ext cx="0" cy="0"/>
+          <a:chOff x="0" y="0"/>
+          <a:chExt cx="0" cy="0"/>
+        </a:xfrm>
+      </p:grpSpPr>
+      <p:sp>
+        <p:nvSpPr>
+          <p:cNvPr id="4" name="Slide Number Placeholder 3">
+            <a:extLst>
+              <a:ext uri="{FF2B5EF4-FFF2-40B4-BE49-F238E27FC236}">
+                <a16:creationId xmlns:a16="http://schemas.microsoft.com/office/drawing/2014/main" id="{2EA509C2-078C-DE4C-BE59-C32AF18E82D6}"/>
+              </a:ext>
+            </a:extLst>
+          </p:cNvPr>
+          <p:cNvSpPr>
+            <a:spLocks noGrp="1"/>
+          </p:cNvSpPr>
+          <p:nvPr>
+            <p:ph type="sldNum" sz="quarter" idx="12"/>
+          </p:nvPr>
+        </p:nvSpPr>
+        <p:spPr/>
+        <p:txBody>
+          <a:bodyPr/>
+          <a:lstStyle/>
+          <a:p>
+            <a:fld id="{2183B7EE-0FBE-B749-875F-ED24F5ECD71F}" type="slidenum">
+              <a:rPr lang="en-US" smtClean="0"/>
+              <a:t>63</a:t>
+            </a:fld>
+            <a:endParaRPr lang="en-US" dirty="0"/>
+          </a:p>
+        </p:txBody>
+      </p:sp>
+      <p:sp>
+        <p:nvSpPr>
+          <p:cNvPr id="10" name="TextBox 9">
+            <a:extLst>
+              <a:ext uri="{FF2B5EF4-FFF2-40B4-BE49-F238E27FC236}">
+                <a16:creationId xmlns:a16="http://schemas.microsoft.com/office/drawing/2014/main" id="{7E72816F-1239-BA4F-92F4-2032B4019570}"/>
+              </a:ext>
+            </a:extLst>
+          </p:cNvPr>
+          <p:cNvSpPr txBox="1"/>
+          <p:nvPr/>
+        </p:nvSpPr>
+        <p:spPr>
+          <a:xfrm>
+            <a:off x="1218703" y="6168426"/>
+            <a:ext cx="9754593" cy="338554"/>
+          </a:xfrm>
+          <a:prstGeom prst="rect">
+            <a:avLst/>
+          </a:prstGeom>
+          <a:noFill/>
+        </p:spPr>
+        <p:txBody>
+          <a:bodyPr wrap="none" rtlCol="0">
+            <a:spAutoFit/>
+          </a:bodyPr>
+          <a:lstStyle/>
+          <a:p>
+            <a:pPr algn="ctr"/>
+            <a:r>
+              <a:rPr lang="pt-BR" sz="1600" dirty="0">
+                <a:hlinkClick r:id="rId3"/>
+              </a:rPr>
+              <a:t>https://help.dreamhost.com/hc/en-us/articles/215945987-Web-server-performance-comparison</a:t>
+            </a:r>
+            <a:r>
+              <a:rPr lang="pt-BR" sz="1600" dirty="0"/>
+              <a:t> </a:t>
+            </a:r>
+          </a:p>
+        </p:txBody>
+      </p:sp>
+    </p:spTree>
+    <p:extLst>
+      <p:ext uri="{BB962C8B-B14F-4D97-AF65-F5344CB8AC3E}">
+        <p14:creationId xmlns:p14="http://schemas.microsoft.com/office/powerpoint/2010/main" val="2820701678"/>
+      </p:ext>
+    </p:extLst>
+  </p:cSld>
+  <p:clrMapOvr>
+    <a:masterClrMapping/>
+  </p:clrMapOvr>
+</p:sld>
+</file>
+
+<file path=ppt/slides/slide64.xml><?xml version="1.0" encoding="utf-8"?>
+<p:sld xmlns:a="http://schemas.openxmlformats.org/drawingml/2006/main" xmlns:r="http://schemas.openxmlformats.org/officeDocument/2006/relationships" xmlns:p="http://schemas.openxmlformats.org/presentationml/2006/main" showMasterSp="0">
+  <p:cSld>
+    <p:bg>
+      <p:bgPr>
+        <a:blipFill dpi="0" rotWithShape="1">
+          <a:blip r:embed="rId2">
+            <a:lum/>
+          </a:blip>
+          <a:srcRect/>
+          <a:stretch>
+            <a:fillRect t="-3000" b="-1000"/>
+          </a:stretch>
+        </a:blipFill>
+        <a:effectLst/>
+      </p:bgPr>
+    </p:bg>
+    <p:spTree>
+      <p:nvGrpSpPr>
+        <p:cNvPr id="1" name=""/>
+        <p:cNvGrpSpPr/>
+        <p:nvPr/>
+      </p:nvGrpSpPr>
+      <p:grpSpPr>
+        <a:xfrm>
+          <a:off x="0" y="0"/>
+          <a:ext cx="0" cy="0"/>
+          <a:chOff x="0" y="0"/>
+          <a:chExt cx="0" cy="0"/>
+        </a:xfrm>
+      </p:grpSpPr>
+      <p:sp>
+        <p:nvSpPr>
+          <p:cNvPr id="4" name="Slide Number Placeholder 3">
+            <a:extLst>
+              <a:ext uri="{FF2B5EF4-FFF2-40B4-BE49-F238E27FC236}">
+                <a16:creationId xmlns:a16="http://schemas.microsoft.com/office/drawing/2014/main" id="{2EA509C2-078C-DE4C-BE59-C32AF18E82D6}"/>
+              </a:ext>
+            </a:extLst>
+          </p:cNvPr>
+          <p:cNvSpPr>
+            <a:spLocks noGrp="1"/>
+          </p:cNvSpPr>
+          <p:nvPr>
+            <p:ph type="sldNum" sz="quarter" idx="12"/>
+          </p:nvPr>
+        </p:nvSpPr>
+        <p:spPr/>
+        <p:txBody>
+          <a:bodyPr/>
+          <a:lstStyle/>
+          <a:p>
+            <a:fld id="{2183B7EE-0FBE-B749-875F-ED24F5ECD71F}" type="slidenum">
+              <a:rPr lang="en-US" smtClean="0"/>
+              <a:t>64</a:t>
+            </a:fld>
+            <a:endParaRPr lang="en-US" dirty="0"/>
+          </a:p>
+        </p:txBody>
+      </p:sp>
+      <p:sp>
+        <p:nvSpPr>
+          <p:cNvPr id="2" name="TextBox 1">
+            <a:extLst>
+              <a:ext uri="{FF2B5EF4-FFF2-40B4-BE49-F238E27FC236}">
+                <a16:creationId xmlns:a16="http://schemas.microsoft.com/office/drawing/2014/main" id="{574416D8-25A5-9D48-A425-5B2B9EC48B34}"/>
+              </a:ext>
+            </a:extLst>
+          </p:cNvPr>
+          <p:cNvSpPr txBox="1"/>
+          <p:nvPr/>
+        </p:nvSpPr>
+        <p:spPr>
+          <a:xfrm>
+            <a:off x="1218703" y="6138446"/>
+            <a:ext cx="9754593" cy="338554"/>
+          </a:xfrm>
+          <a:prstGeom prst="rect">
+            <a:avLst/>
+          </a:prstGeom>
+          <a:noFill/>
+        </p:spPr>
+        <p:txBody>
+          <a:bodyPr wrap="none" rtlCol="0">
+            <a:spAutoFit/>
+          </a:bodyPr>
+          <a:lstStyle/>
+          <a:p>
+            <a:pPr algn="ctr"/>
+            <a:r>
+              <a:rPr lang="pt-BR" sz="1600" dirty="0">
+                <a:hlinkClick r:id="rId3"/>
+              </a:rPr>
+              <a:t>https://help.dreamhost.com/hc/en-us/articles/215945987-Web-server-performance-comparison</a:t>
+            </a:r>
+            <a:r>
+              <a:rPr lang="pt-BR" sz="1600" dirty="0"/>
+              <a:t> </a:t>
+            </a:r>
+          </a:p>
+        </p:txBody>
+      </p:sp>
+    </p:spTree>
+    <p:extLst>
+      <p:ext uri="{BB962C8B-B14F-4D97-AF65-F5344CB8AC3E}">
+        <p14:creationId xmlns:p14="http://schemas.microsoft.com/office/powerpoint/2010/main" val="3665003271"/>
+      </p:ext>
+    </p:extLst>
+  </p:cSld>
+  <p:clrMapOvr>
+    <a:masterClrMapping/>
+  </p:clrMapOvr>
+</p:sld>
+</file>
+
+<file path=ppt/slides/slide65.xml><?xml version="1.0" encoding="utf-8"?>
+<p:sld xmlns:a="http://schemas.openxmlformats.org/drawingml/2006/main" xmlns:r="http://schemas.openxmlformats.org/officeDocument/2006/relationships" xmlns:p="http://schemas.openxmlformats.org/presentationml/2006/main" showMasterSp="0">
+  <p:cSld>
+    <p:bg>
+      <p:bgPr>
+        <a:blipFill dpi="0" rotWithShape="1">
+          <a:blip r:embed="rId3">
+            <a:lum/>
+          </a:blip>
+          <a:srcRect/>
+          <a:stretch>
+            <a:fillRect t="-6000" b="-2000"/>
+          </a:stretch>
+        </a:blipFill>
+        <a:effectLst/>
+      </p:bgPr>
+    </p:bg>
+    <p:spTree>
+      <p:nvGrpSpPr>
+        <p:cNvPr id="1" name=""/>
+        <p:cNvGrpSpPr/>
+        <p:nvPr/>
+      </p:nvGrpSpPr>
+      <p:grpSpPr>
+        <a:xfrm>
+          <a:off x="0" y="0"/>
+          <a:ext cx="0" cy="0"/>
+          <a:chOff x="0" y="0"/>
+          <a:chExt cx="0" cy="0"/>
+        </a:xfrm>
+      </p:grpSpPr>
+      <p:sp>
+        <p:nvSpPr>
+          <p:cNvPr id="4" name="Slide Number Placeholder 3">
+            <a:extLst>
+              <a:ext uri="{FF2B5EF4-FFF2-40B4-BE49-F238E27FC236}">
+                <a16:creationId xmlns:a16="http://schemas.microsoft.com/office/drawing/2014/main" id="{2EA509C2-078C-DE4C-BE59-C32AF18E82D6}"/>
+              </a:ext>
+            </a:extLst>
+          </p:cNvPr>
+          <p:cNvSpPr>
+            <a:spLocks noGrp="1"/>
+          </p:cNvSpPr>
+          <p:nvPr>
+            <p:ph type="sldNum" sz="quarter" idx="12"/>
+          </p:nvPr>
+        </p:nvSpPr>
+        <p:spPr/>
+        <p:txBody>
+          <a:bodyPr/>
+          <a:lstStyle/>
+          <a:p>
+            <a:fld id="{2183B7EE-0FBE-B749-875F-ED24F5ECD71F}" type="slidenum">
+              <a:rPr lang="en-US" smtClean="0"/>
+              <a:t>65</a:t>
+            </a:fld>
+            <a:endParaRPr lang="en-US" dirty="0"/>
+          </a:p>
+        </p:txBody>
+      </p:sp>
+      <p:sp>
+        <p:nvSpPr>
+          <p:cNvPr id="10" name="TextBox 9">
+            <a:extLst>
+              <a:ext uri="{FF2B5EF4-FFF2-40B4-BE49-F238E27FC236}">
+                <a16:creationId xmlns:a16="http://schemas.microsoft.com/office/drawing/2014/main" id="{EAC5E299-92AF-8D46-9D78-C8B99B091374}"/>
+              </a:ext>
+            </a:extLst>
+          </p:cNvPr>
+          <p:cNvSpPr txBox="1"/>
+          <p:nvPr/>
+        </p:nvSpPr>
+        <p:spPr>
+          <a:xfrm>
+            <a:off x="5411451" y="1199211"/>
+            <a:ext cx="5561349" cy="646331"/>
+          </a:xfrm>
+          <a:prstGeom prst="rect">
+            <a:avLst/>
+          </a:prstGeom>
+          <a:solidFill>
+            <a:schemeClr val="bg1"/>
+          </a:solidFill>
+        </p:spPr>
+        <p:txBody>
+          <a:bodyPr wrap="square" rtlCol="0">
+            <a:spAutoFit/>
+          </a:bodyPr>
+          <a:lstStyle/>
+          <a:p>
+            <a:pPr algn="ctr"/>
+            <a:r>
+              <a:rPr lang="pt-BR" dirty="0">
+                <a:hlinkClick r:id="rId4"/>
+              </a:rPr>
+              <a:t>slideshare.net/agoncal/just-enough-app-server/</a:t>
+            </a:r>
+            <a:r>
+              <a:rPr lang="pt-BR" dirty="0"/>
+              <a:t> </a:t>
+            </a:r>
+          </a:p>
+          <a:p>
+            <a:pPr algn="ctr"/>
+            <a:r>
+              <a:rPr lang="pt-BR" dirty="0">
+                <a:hlinkClick r:id="rId5"/>
+              </a:rPr>
+              <a:t>https://youtu.be/iBJ8FlUA3ok</a:t>
+            </a:r>
+            <a:r>
+              <a:rPr lang="pt-BR" dirty="0"/>
+              <a:t> </a:t>
+            </a:r>
+          </a:p>
+        </p:txBody>
+      </p:sp>
+    </p:spTree>
+    <p:extLst>
+      <p:ext uri="{BB962C8B-B14F-4D97-AF65-F5344CB8AC3E}">
+        <p14:creationId xmlns:p14="http://schemas.microsoft.com/office/powerpoint/2010/main" val="646937235"/>
+      </p:ext>
+    </p:extLst>
+  </p:cSld>
+  <p:clrMapOvr>
+    <a:masterClrMapping/>
+  </p:clrMapOvr>
+</p:sld>
+</file>
+
+<file path=ppt/slides/slide66.xml><?xml version="1.0" encoding="utf-8"?>
+<p:sld xmlns:a="http://schemas.openxmlformats.org/drawingml/2006/main" xmlns:r="http://schemas.openxmlformats.org/officeDocument/2006/relationships" xmlns:p="http://schemas.openxmlformats.org/presentationml/2006/main" showMasterSp="0">
+  <p:cSld>
+    <p:bg>
+      <p:bgPr>
+        <a:blipFill dpi="0" rotWithShape="1">
+          <a:blip r:embed="rId3">
+            <a:lum/>
+          </a:blip>
+          <a:srcRect/>
+          <a:stretch>
+            <a:fillRect t="-6000" b="-2000"/>
+          </a:stretch>
+        </a:blipFill>
+        <a:effectLst/>
+      </p:bgPr>
+    </p:bg>
+    <p:spTree>
+      <p:nvGrpSpPr>
+        <p:cNvPr id="1" name=""/>
+        <p:cNvGrpSpPr/>
+        <p:nvPr/>
+      </p:nvGrpSpPr>
+      <p:grpSpPr>
+        <a:xfrm>
+          <a:off x="0" y="0"/>
+          <a:ext cx="0" cy="0"/>
+          <a:chOff x="0" y="0"/>
+          <a:chExt cx="0" cy="0"/>
+        </a:xfrm>
+      </p:grpSpPr>
+      <p:sp>
+        <p:nvSpPr>
+          <p:cNvPr id="4" name="Slide Number Placeholder 3">
+            <a:extLst>
+              <a:ext uri="{FF2B5EF4-FFF2-40B4-BE49-F238E27FC236}">
+                <a16:creationId xmlns:a16="http://schemas.microsoft.com/office/drawing/2014/main" id="{2EA509C2-078C-DE4C-BE59-C32AF18E82D6}"/>
+              </a:ext>
+            </a:extLst>
+          </p:cNvPr>
+          <p:cNvSpPr>
+            <a:spLocks noGrp="1"/>
+          </p:cNvSpPr>
+          <p:nvPr>
+            <p:ph type="sldNum" sz="quarter" idx="12"/>
+          </p:nvPr>
+        </p:nvSpPr>
+        <p:spPr/>
+        <p:txBody>
+          <a:bodyPr/>
+          <a:lstStyle/>
+          <a:p>
+            <a:fld id="{2183B7EE-0FBE-B749-875F-ED24F5ECD71F}" type="slidenum">
+              <a:rPr lang="en-US" smtClean="0"/>
+              <a:t>66</a:t>
+            </a:fld>
+            <a:endParaRPr lang="en-US" dirty="0"/>
+          </a:p>
+        </p:txBody>
+      </p:sp>
+      <p:sp>
+        <p:nvSpPr>
+          <p:cNvPr id="6" name="TextBox 5">
+            <a:extLst>
+              <a:ext uri="{FF2B5EF4-FFF2-40B4-BE49-F238E27FC236}">
+                <a16:creationId xmlns:a16="http://schemas.microsoft.com/office/drawing/2014/main" id="{32BB2D77-5A85-874B-8AD5-40851758CA7D}"/>
+              </a:ext>
+            </a:extLst>
+          </p:cNvPr>
+          <p:cNvSpPr txBox="1"/>
+          <p:nvPr/>
+        </p:nvSpPr>
+        <p:spPr>
+          <a:xfrm>
+            <a:off x="3507700" y="929388"/>
+            <a:ext cx="5561349" cy="646331"/>
+          </a:xfrm>
+          <a:prstGeom prst="rect">
+            <a:avLst/>
+          </a:prstGeom>
+          <a:solidFill>
+            <a:schemeClr val="bg1"/>
+          </a:solidFill>
+        </p:spPr>
+        <p:txBody>
+          <a:bodyPr wrap="square" rtlCol="0">
+            <a:spAutoFit/>
+          </a:bodyPr>
+          <a:lstStyle/>
+          <a:p>
+            <a:pPr algn="ctr"/>
+            <a:r>
+              <a:rPr lang="pt-BR" dirty="0">
+                <a:hlinkClick r:id="rId4"/>
+              </a:rPr>
+              <a:t>slideshare.net/agoncal/just-enough-app-server/</a:t>
+            </a:r>
+            <a:r>
+              <a:rPr lang="pt-BR" dirty="0"/>
+              <a:t> </a:t>
+            </a:r>
+          </a:p>
+          <a:p>
+            <a:pPr algn="ctr"/>
+            <a:r>
+              <a:rPr lang="pt-BR" dirty="0">
+                <a:hlinkClick r:id="rId5"/>
+              </a:rPr>
+              <a:t>https://youtu.be/iBJ8FlUA3ok</a:t>
+            </a:r>
+            <a:r>
+              <a:rPr lang="pt-BR" dirty="0"/>
+              <a:t> </a:t>
+            </a:r>
+          </a:p>
+        </p:txBody>
+      </p:sp>
+    </p:spTree>
+    <p:extLst>
+      <p:ext uri="{BB962C8B-B14F-4D97-AF65-F5344CB8AC3E}">
+        <p14:creationId xmlns:p14="http://schemas.microsoft.com/office/powerpoint/2010/main" val="2321444321"/>
+      </p:ext>
+    </p:extLst>
+  </p:cSld>
+  <p:clrMapOvr>
+    <a:masterClrMapping/>
+  </p:clrMapOvr>
+</p:sld>
+</file>
+
+<file path=ppt/slides/slide67.xml><?xml version="1.0" encoding="utf-8"?>
+<p:sld xmlns:a="http://schemas.openxmlformats.org/drawingml/2006/main" xmlns:r="http://schemas.openxmlformats.org/officeDocument/2006/relationships" xmlns:p="http://schemas.openxmlformats.org/presentationml/2006/main">
+  <p:cSld>
+    <p:spTree>
+      <p:nvGrpSpPr>
+        <p:cNvPr id="1" name=""/>
+        <p:cNvGrpSpPr/>
+        <p:nvPr/>
+      </p:nvGrpSpPr>
+      <p:grpSpPr>
+        <a:xfrm>
+          <a:off x="0" y="0"/>
+          <a:ext cx="0" cy="0"/>
+          <a:chOff x="0" y="0"/>
+          <a:chExt cx="0" cy="0"/>
+        </a:xfrm>
+      </p:grpSpPr>
+      <p:sp>
+        <p:nvSpPr>
+          <p:cNvPr id="2" name="Title 1">
+            <a:extLst>
+              <a:ext uri="{FF2B5EF4-FFF2-40B4-BE49-F238E27FC236}">
+                <a16:creationId xmlns:a16="http://schemas.microsoft.com/office/drawing/2014/main" id="{58204B45-BA2F-544A-ADBD-2B584480C63E}"/>
+              </a:ext>
+            </a:extLst>
+          </p:cNvPr>
+          <p:cNvSpPr>
+            <a:spLocks noGrp="1"/>
+          </p:cNvSpPr>
+          <p:nvPr>
+            <p:ph type="title"/>
+          </p:nvPr>
+        </p:nvSpPr>
+        <p:spPr>
+          <a:xfrm>
+            <a:off x="2679116" y="99458"/>
+            <a:ext cx="9530038" cy="1509490"/>
+          </a:xfrm>
+        </p:spPr>
+        <p:txBody>
+          <a:bodyPr>
+            <a:normAutofit/>
+          </a:bodyPr>
+          <a:lstStyle/>
+          <a:p>
+            <a:pPr algn="ctr"/>
+            <a:r>
+              <a:rPr lang="pt-BR" b="1" i="1" dirty="0"/>
+              <a:t>TÍTULO AQUI</a:t>
+            </a:r>
+            <a:endParaRPr lang="pt-BR" dirty="0"/>
+          </a:p>
+        </p:txBody>
+      </p:sp>
+      <p:sp>
+        <p:nvSpPr>
+          <p:cNvPr id="3" name="Content Placeholder 2">
+            <a:extLst>
+              <a:ext uri="{FF2B5EF4-FFF2-40B4-BE49-F238E27FC236}">
+                <a16:creationId xmlns:a16="http://schemas.microsoft.com/office/drawing/2014/main" id="{C9044F89-E3C1-E349-B0DE-0B932821234C}"/>
+              </a:ext>
+            </a:extLst>
+          </p:cNvPr>
+          <p:cNvSpPr>
+            <a:spLocks noGrp="1"/>
+          </p:cNvSpPr>
+          <p:nvPr>
+            <p:ph idx="1"/>
+          </p:nvPr>
+        </p:nvSpPr>
+        <p:spPr>
+          <a:xfrm>
+            <a:off x="596348" y="1444490"/>
+            <a:ext cx="10908264" cy="5032509"/>
+          </a:xfrm>
+        </p:spPr>
+        <p:txBody>
+          <a:bodyPr>
+            <a:normAutofit/>
+          </a:bodyPr>
+          <a:lstStyle/>
+          <a:p>
+            <a:r>
+              <a:rPr lang="pt" sz="3200" dirty="0"/>
+              <a:t>a</a:t>
+            </a:r>
+          </a:p>
+          <a:p>
+            <a:r>
+              <a:rPr lang="en-US" sz="3200" dirty="0"/>
+              <a:t>b</a:t>
+            </a:r>
+            <a:endParaRPr lang="pt" sz="3200" dirty="0"/>
+          </a:p>
+          <a:p>
+            <a:r>
+              <a:rPr lang="en-US" sz="3200" dirty="0"/>
+              <a:t>c</a:t>
+            </a:r>
+            <a:endParaRPr lang="pt" sz="3200" dirty="0"/>
+          </a:p>
+          <a:p>
+            <a:r>
+              <a:rPr lang="en-US" sz="3200" dirty="0"/>
+              <a:t>d</a:t>
+            </a:r>
+            <a:endParaRPr lang="pt" sz="3200" dirty="0"/>
+          </a:p>
+        </p:txBody>
+      </p:sp>
+      <p:sp>
+        <p:nvSpPr>
+          <p:cNvPr id="4" name="Slide Number Placeholder 3">
+            <a:extLst>
+              <a:ext uri="{FF2B5EF4-FFF2-40B4-BE49-F238E27FC236}">
+                <a16:creationId xmlns:a16="http://schemas.microsoft.com/office/drawing/2014/main" id="{2EA509C2-078C-DE4C-BE59-C32AF18E82D6}"/>
+              </a:ext>
+            </a:extLst>
+          </p:cNvPr>
+          <p:cNvSpPr>
+            <a:spLocks noGrp="1"/>
+          </p:cNvSpPr>
+          <p:nvPr>
+            <p:ph type="sldNum" sz="quarter" idx="12"/>
+          </p:nvPr>
+        </p:nvSpPr>
+        <p:spPr/>
+        <p:txBody>
+          <a:bodyPr/>
+          <a:lstStyle/>
+          <a:p>
+            <a:fld id="{2183B7EE-0FBE-B749-875F-ED24F5ECD71F}" type="slidenum">
+              <a:rPr lang="en-US" smtClean="0"/>
+              <a:t>67</a:t>
+            </a:fld>
+            <a:endParaRPr lang="en-US" dirty="0"/>
+          </a:p>
+        </p:txBody>
+      </p:sp>
+    </p:spTree>
+    <p:extLst>
+      <p:ext uri="{BB962C8B-B14F-4D97-AF65-F5344CB8AC3E}">
+        <p14:creationId xmlns:p14="http://schemas.microsoft.com/office/powerpoint/2010/main" val="2659091485"/>
+      </p:ext>
+    </p:extLst>
+  </p:cSld>
+  <p:clrMapOvr>
+    <a:masterClrMapping/>
+  </p:clrMapOvr>
+  <p:timing>
+    <p:tnLst>
+      <p:par>
+        <p:cTn id="1" dur="indefinite" restart="never" nodeType="tmRoot">
+          <p:childTnLst>
+            <p:seq concurrent="1" nextAc="seek">
+              <p:cTn id="2" dur="indefinite" nodeType="mainSeq">
+                <p:childTnLst>
+                  <p:par>
+                    <p:cTn id="3" fill="hold">
+                      <p:stCondLst>
+                        <p:cond delay="indefinite"/>
+                      </p:stCondLst>
+                      <p:childTnLst>
+                        <p:par>
+                          <p:cTn id="4" fill="hold">
+                            <p:stCondLst>
+                              <p:cond delay="0"/>
+                            </p:stCondLst>
+                            <p:childTnLst>
+                              <p:par>
+                                <p:cTn id="5" presetID="9" presetClass="entr" presetSubtype="0" fill="hold" grpId="0" nodeType="clickEffect">
+                                  <p:stCondLst>
+                                    <p:cond delay="0"/>
+                                  </p:stCondLst>
+                                  <p:childTnLst>
+                                    <p:set>
+                                      <p:cBhvr>
+                                        <p:cTn id="6" dur="1" fill="hold">
+                                          <p:stCondLst>
+                                            <p:cond delay="0"/>
+                                          </p:stCondLst>
+                                        </p:cTn>
+                                        <p:tgtEl>
+                                          <p:spTgt spid="3">
+                                            <p:txEl>
+                                              <p:pRg st="0" end="0"/>
+                                            </p:txEl>
+                                          </p:spTgt>
+                                        </p:tgtEl>
+                                        <p:attrNameLst>
+                                          <p:attrName>style.visibility</p:attrName>
+                                        </p:attrNameLst>
+                                      </p:cBhvr>
+                                      <p:to>
+                                        <p:strVal val="visible"/>
+                                      </p:to>
+                                    </p:set>
+                                    <p:animEffect transition="in" filter="dissolve">
+                                      <p:cBhvr>
+                                        <p:cTn id="7" dur="500"/>
+                                        <p:tgtEl>
+                                          <p:spTgt spid="3">
+                                            <p:txEl>
+                                              <p:pRg st="0" end="0"/>
+                                            </p:txEl>
+                                          </p:spTgt>
+                                        </p:tgtEl>
+                                      </p:cBhvr>
+                                    </p:animEffect>
+                                  </p:childTnLst>
+                                </p:cTn>
+                              </p:par>
+                            </p:childTnLst>
+                          </p:cTn>
+                        </p:par>
+                      </p:childTnLst>
+                    </p:cTn>
+                  </p:par>
+                  <p:par>
+                    <p:cTn id="8" fill="hold">
+                      <p:stCondLst>
+                        <p:cond delay="indefinite"/>
+                      </p:stCondLst>
+                      <p:childTnLst>
+                        <p:par>
+                          <p:cTn id="9" fill="hold">
+                            <p:stCondLst>
+                              <p:cond delay="0"/>
+                            </p:stCondLst>
+                            <p:childTnLst>
+                              <p:par>
+                                <p:cTn id="10" presetID="9" presetClass="entr" presetSubtype="0" fill="hold" grpId="0" nodeType="clickEffect">
+                                  <p:stCondLst>
+                                    <p:cond delay="0"/>
+                                  </p:stCondLst>
+                                  <p:childTnLst>
+                                    <p:set>
+                                      <p:cBhvr>
+                                        <p:cTn id="11" dur="1" fill="hold">
+                                          <p:stCondLst>
+                                            <p:cond delay="0"/>
+                                          </p:stCondLst>
+                                        </p:cTn>
+                                        <p:tgtEl>
+                                          <p:spTgt spid="3">
+                                            <p:txEl>
+                                              <p:pRg st="1" end="1"/>
+                                            </p:txEl>
+                                          </p:spTgt>
+                                        </p:tgtEl>
+                                        <p:attrNameLst>
+                                          <p:attrName>style.visibility</p:attrName>
+                                        </p:attrNameLst>
+                                      </p:cBhvr>
+                                      <p:to>
+                                        <p:strVal val="visible"/>
+                                      </p:to>
+                                    </p:set>
+                                    <p:animEffect transition="in" filter="dissolve">
+                                      <p:cBhvr>
+                                        <p:cTn id="12" dur="500"/>
+                                        <p:tgtEl>
+                                          <p:spTgt spid="3">
+                                            <p:txEl>
+                                              <p:pRg st="1" end="1"/>
+                                            </p:txEl>
+                                          </p:spTgt>
+                                        </p:tgtEl>
+                                      </p:cBhvr>
+                                    </p:animEffect>
+                                  </p:childTnLst>
+                                </p:cTn>
+                              </p:par>
+                              <p:par>
+                                <p:cTn id="13" presetID="9" presetClass="exit" presetSubtype="0" fill="hold" grpId="1" nodeType="withEffect">
+                                  <p:stCondLst>
+                                    <p:cond delay="0"/>
+                                  </p:stCondLst>
+                                  <p:childTnLst>
+                                    <p:animEffect transition="out" filter="dissolve">
+                                      <p:cBhvr>
+                                        <p:cTn id="14" dur="500"/>
+                                        <p:tgtEl>
+                                          <p:spTgt spid="3">
+                                            <p:txEl>
+                                              <p:pRg st="0" end="0"/>
+                                            </p:txEl>
+                                          </p:spTgt>
+                                        </p:tgtEl>
+                                      </p:cBhvr>
+                                    </p:animEffect>
+                                    <p:set>
+                                      <p:cBhvr>
+                                        <p:cTn id="15" dur="1" fill="hold">
+                                          <p:stCondLst>
+                                            <p:cond delay="499"/>
+                                          </p:stCondLst>
+                                        </p:cTn>
+                                        <p:tgtEl>
+                                          <p:spTgt spid="3">
+                                            <p:txEl>
+                                              <p:pRg st="0" end="0"/>
+                                            </p:txEl>
+                                          </p:spTgt>
+                                        </p:tgtEl>
+                                        <p:attrNameLst>
+                                          <p:attrName>style.visibility</p:attrName>
+                                        </p:attrNameLst>
+                                      </p:cBhvr>
+                                      <p:to>
+                                        <p:strVal val="hidden"/>
+                                      </p:to>
+                                    </p:set>
+                                  </p:childTnLst>
+                                </p:cTn>
+                              </p:par>
+                            </p:childTnLst>
+                          </p:cTn>
+                        </p:par>
+                      </p:childTnLst>
+                    </p:cTn>
+                  </p:par>
+                  <p:par>
+                    <p:cTn id="16" fill="hold">
+                      <p:stCondLst>
+                        <p:cond delay="indefinite"/>
+                      </p:stCondLst>
+                      <p:childTnLst>
+                        <p:par>
+                          <p:cTn id="17" fill="hold">
+                            <p:stCondLst>
+                              <p:cond delay="0"/>
+                            </p:stCondLst>
+                            <p:childTnLst>
+                              <p:par>
+                                <p:cTn id="18" presetID="9" presetClass="exit" presetSubtype="0" fill="hold" grpId="1" nodeType="clickEffect">
+                                  <p:stCondLst>
+                                    <p:cond delay="0"/>
+                                  </p:stCondLst>
+                                  <p:childTnLst>
+                                    <p:animEffect transition="out" filter="dissolve">
+                                      <p:cBhvr>
+                                        <p:cTn id="19" dur="500"/>
+                                        <p:tgtEl>
+                                          <p:spTgt spid="3">
+                                            <p:txEl>
+                                              <p:pRg st="1" end="1"/>
+                                            </p:txEl>
+                                          </p:spTgt>
+                                        </p:tgtEl>
+                                      </p:cBhvr>
+                                    </p:animEffect>
+                                    <p:set>
+                                      <p:cBhvr>
+                                        <p:cTn id="20" dur="1" fill="hold">
+                                          <p:stCondLst>
+                                            <p:cond delay="499"/>
+                                          </p:stCondLst>
+                                        </p:cTn>
+                                        <p:tgtEl>
+                                          <p:spTgt spid="3">
+                                            <p:txEl>
+                                              <p:pRg st="1" end="1"/>
+                                            </p:txEl>
+                                          </p:spTgt>
+                                        </p:tgtEl>
+                                        <p:attrNameLst>
+                                          <p:attrName>style.visibility</p:attrName>
+                                        </p:attrNameLst>
+                                      </p:cBhvr>
+                                      <p:to>
+                                        <p:strVal val="hidden"/>
+                                      </p:to>
+                                    </p:set>
+                                  </p:childTnLst>
+                                </p:cTn>
+                              </p:par>
+                              <p:par>
+                                <p:cTn id="21" presetID="9" presetClass="entr" presetSubtype="0" fill="hold" grpId="0" nodeType="withEffect">
+                                  <p:stCondLst>
+                                    <p:cond delay="0"/>
+                                  </p:stCondLst>
+                                  <p:childTnLst>
+                                    <p:set>
+                                      <p:cBhvr>
+                                        <p:cTn id="22" dur="1" fill="hold">
+                                          <p:stCondLst>
+                                            <p:cond delay="0"/>
+                                          </p:stCondLst>
+                                        </p:cTn>
+                                        <p:tgtEl>
+                                          <p:spTgt spid="3">
+                                            <p:txEl>
+                                              <p:pRg st="2" end="2"/>
+                                            </p:txEl>
+                                          </p:spTgt>
+                                        </p:tgtEl>
+                                        <p:attrNameLst>
+                                          <p:attrName>style.visibility</p:attrName>
+                                        </p:attrNameLst>
+                                      </p:cBhvr>
+                                      <p:to>
+                                        <p:strVal val="visible"/>
+                                      </p:to>
+                                    </p:set>
+                                    <p:animEffect transition="in" filter="dissolve">
+                                      <p:cBhvr>
+                                        <p:cTn id="23" dur="500"/>
+                                        <p:tgtEl>
+                                          <p:spTgt spid="3">
+                                            <p:txEl>
+                                              <p:pRg st="2" end="2"/>
+                                            </p:txEl>
+                                          </p:spTgt>
+                                        </p:tgtEl>
+                                      </p:cBhvr>
+                                    </p:animEffect>
+                                  </p:childTnLst>
+                                </p:cTn>
+                              </p:par>
+                            </p:childTnLst>
+                          </p:cTn>
+                        </p:par>
+                      </p:childTnLst>
+                    </p:cTn>
+                  </p:par>
+                  <p:par>
+                    <p:cTn id="24" fill="hold">
+                      <p:stCondLst>
+                        <p:cond delay="indefinite"/>
+                      </p:stCondLst>
+                      <p:childTnLst>
+                        <p:par>
+                          <p:cTn id="25" fill="hold">
+                            <p:stCondLst>
+                              <p:cond delay="0"/>
+                            </p:stCondLst>
+                            <p:childTnLst>
+                              <p:par>
+                                <p:cTn id="26" presetID="9" presetClass="exit" presetSubtype="0" fill="hold" grpId="1" nodeType="clickEffect">
+                                  <p:stCondLst>
+                                    <p:cond delay="0"/>
+                                  </p:stCondLst>
+                                  <p:childTnLst>
+                                    <p:animEffect transition="out" filter="dissolve">
+                                      <p:cBhvr>
+                                        <p:cTn id="27" dur="500"/>
+                                        <p:tgtEl>
+                                          <p:spTgt spid="3">
+                                            <p:txEl>
+                                              <p:pRg st="2" end="2"/>
+                                            </p:txEl>
+                                          </p:spTgt>
+                                        </p:tgtEl>
+                                      </p:cBhvr>
+                                    </p:animEffect>
+                                    <p:set>
+                                      <p:cBhvr>
+                                        <p:cTn id="28" dur="1" fill="hold">
+                                          <p:stCondLst>
+                                            <p:cond delay="499"/>
+                                          </p:stCondLst>
+                                        </p:cTn>
+                                        <p:tgtEl>
+                                          <p:spTgt spid="3">
+                                            <p:txEl>
+                                              <p:pRg st="2" end="2"/>
+                                            </p:txEl>
+                                          </p:spTgt>
+                                        </p:tgtEl>
+                                        <p:attrNameLst>
+                                          <p:attrName>style.visibility</p:attrName>
+                                        </p:attrNameLst>
+                                      </p:cBhvr>
+                                      <p:to>
+                                        <p:strVal val="hidden"/>
+                                      </p:to>
+                                    </p:set>
+                                  </p:childTnLst>
+                                </p:cTn>
+                              </p:par>
+                              <p:par>
+                                <p:cTn id="29" presetID="9" presetClass="entr" presetSubtype="0" fill="hold" grpId="0" nodeType="withEffect">
+                                  <p:stCondLst>
+                                    <p:cond delay="0"/>
+                                  </p:stCondLst>
+                                  <p:childTnLst>
+                                    <p:set>
+                                      <p:cBhvr>
+                                        <p:cTn id="30" dur="1" fill="hold">
+                                          <p:stCondLst>
+                                            <p:cond delay="0"/>
+                                          </p:stCondLst>
+                                        </p:cTn>
+                                        <p:tgtEl>
+                                          <p:spTgt spid="3">
+                                            <p:txEl>
+                                              <p:pRg st="3" end="3"/>
+                                            </p:txEl>
+                                          </p:spTgt>
+                                        </p:tgtEl>
+                                        <p:attrNameLst>
+                                          <p:attrName>style.visibility</p:attrName>
+                                        </p:attrNameLst>
+                                      </p:cBhvr>
+                                      <p:to>
+                                        <p:strVal val="visible"/>
+                                      </p:to>
+                                    </p:set>
+                                    <p:animEffect transition="in" filter="dissolve">
+                                      <p:cBhvr>
+                                        <p:cTn id="31" dur="500"/>
+                                        <p:tgtEl>
+                                          <p:spTgt spid="3">
+                                            <p:txEl>
+                                              <p:pRg st="3" end="3"/>
+                                            </p:txEl>
+                                          </p:spTgt>
+                                        </p:tgtEl>
+                                      </p:cBhvr>
+                                    </p:animEffect>
+                                  </p:childTnLst>
+                                </p:cTn>
+                              </p:par>
+                            </p:childTnLst>
+                          </p:cTn>
+                        </p:par>
+                      </p:childTnLst>
+                    </p:cTn>
+                  </p:par>
+                </p:childTnLst>
+              </p:cTn>
+              <p:prevCondLst>
+                <p:cond evt="onPrev" delay="0">
+                  <p:tgtEl>
+                    <p:sldTgt/>
+                  </p:tgtEl>
+                </p:cond>
+              </p:prevCondLst>
+              <p:nextCondLst>
+                <p:cond evt="onNext" delay="0">
+                  <p:tgtEl>
+                    <p:sldTgt/>
+                  </p:tgtEl>
+                </p:cond>
+              </p:nextCondLst>
+            </p:seq>
+          </p:childTnLst>
+        </p:cTn>
+      </p:par>
+    </p:tnLst>
+    <p:bldLst>
+      <p:bldP spid="3" grpId="0" uiExpand="1" build="p"/>
+      <p:bldP spid="3" grpId="1" uiExpand="1" build="p"/>
+    </p:bldLst>
+  </p:timing>
+</p:sld>
+</file>
+
+<file path=ppt/slides/slide68.xml><?xml version="1.0" encoding="utf-8"?>
+<p:sld xmlns:a="http://schemas.openxmlformats.org/drawingml/2006/main" xmlns:r="http://schemas.openxmlformats.org/officeDocument/2006/relationships" xmlns:p="http://schemas.openxmlformats.org/presentationml/2006/main">
+  <p:cSld>
+    <p:spTree>
+      <p:nvGrpSpPr>
+        <p:cNvPr id="1" name=""/>
+        <p:cNvGrpSpPr/>
+        <p:nvPr/>
+      </p:nvGrpSpPr>
+      <p:grpSpPr>
+        <a:xfrm>
+          <a:off x="0" y="0"/>
+          <a:ext cx="0" cy="0"/>
+          <a:chOff x="0" y="0"/>
+          <a:chExt cx="0" cy="0"/>
+        </a:xfrm>
+      </p:grpSpPr>
+      <p:sp>
+        <p:nvSpPr>
           <p:cNvPr id="2" name="Title 1">
             <a:extLst>
               <a:ext uri="{FF2B5EF4-FFF2-40B4-BE49-F238E27FC236}">
@@ -35554,7 +38016,7 @@
           <a:p>
             <a:fld id="{2183B7EE-0FBE-B749-875F-ED24F5ECD71F}" type="slidenum">
               <a:rPr lang="en-US" smtClean="0"/>
-              <a:t>62</a:t>
+              <a:t>68</a:t>
             </a:fld>
             <a:endParaRPr lang="en-US"/>
           </a:p>
@@ -35694,40 +38156,40 @@
           <a:lstStyle/>
           <a:p>
             <a:r>
-              <a:rPr lang="pt-BR" sz="3200" dirty="0"/>
+              <a:rPr lang="pt-BR" sz="3600" dirty="0"/>
               <a:t>Aplicação do conceito </a:t>
             </a:r>
             <a:r>
-              <a:rPr lang="pt-BR" sz="3200" i="1" dirty="0"/>
+              <a:rPr lang="pt-BR" sz="3600" i="1" dirty="0"/>
               <a:t>“Divide </a:t>
             </a:r>
             <a:r>
-              <a:rPr lang="pt-BR" sz="3200" i="1" dirty="0" err="1"/>
+              <a:rPr lang="pt-BR" sz="3600" i="1" dirty="0" err="1"/>
               <a:t>and</a:t>
             </a:r>
             <a:r>
-              <a:rPr lang="pt-BR" sz="3200" i="1" dirty="0"/>
+              <a:rPr lang="pt-BR" sz="3600" i="1" dirty="0"/>
               <a:t> </a:t>
             </a:r>
             <a:r>
-              <a:rPr lang="pt-BR" sz="3200" i="1" dirty="0" err="1"/>
+              <a:rPr lang="pt-BR" sz="3600" i="1" dirty="0" err="1"/>
               <a:t>Conquer</a:t>
             </a:r>
             <a:r>
-              <a:rPr lang="pt-BR" sz="3200" i="1" dirty="0"/>
+              <a:rPr lang="pt-BR" sz="3600" i="1" dirty="0"/>
               <a:t>” [PA]</a:t>
             </a:r>
           </a:p>
           <a:p>
             <a:r>
-              <a:rPr lang="pt-BR" sz="3200" i="1" dirty="0"/>
+              <a:rPr lang="pt-BR" sz="3600" i="1" dirty="0"/>
               <a:t>Divisão de um problema em </a:t>
             </a:r>
             <a:r>
-              <a:rPr lang="pt-BR" sz="3200" i="1" dirty="0" err="1"/>
+              <a:rPr lang="pt-BR" sz="3600" i="1" dirty="0" err="1"/>
               <a:t>sub-problemas</a:t>
             </a:r>
-            <a:endParaRPr lang="pt-BR" sz="3200" i="1" dirty="0"/>
+            <a:endParaRPr lang="pt-BR" sz="3600" i="1" dirty="0"/>
           </a:p>
         </p:txBody>
       </p:sp>
@@ -36112,7 +38574,7 @@
         <p:spPr>
           <a:xfrm>
             <a:off x="596348" y="2358886"/>
-            <a:ext cx="10908264" cy="3777622"/>
+            <a:ext cx="11275862" cy="3777622"/>
           </a:xfrm>
         </p:spPr>
         <p:txBody>
@@ -36122,25 +38584,25 @@
           <a:lstStyle/>
           <a:p>
             <a:r>
-              <a:rPr lang="pt-BR" sz="3200" dirty="0"/>
+              <a:rPr lang="pt-BR" sz="3600" dirty="0"/>
               <a:t>Evolução da computação em décadas</a:t>
             </a:r>
           </a:p>
           <a:p>
             <a:r>
-              <a:rPr lang="pt-BR" sz="3200" dirty="0"/>
+              <a:rPr lang="pt-BR" sz="3600" dirty="0"/>
               <a:t>Popularização da informática: aumento da demanda por recursos computacionais</a:t>
             </a:r>
           </a:p>
           <a:p>
             <a:r>
-              <a:rPr lang="pt-BR" sz="3200" dirty="0"/>
+              <a:rPr lang="pt-BR" sz="3600" dirty="0"/>
               <a:t>Popularização das redes e advento da Internet</a:t>
             </a:r>
           </a:p>
           <a:p>
             <a:r>
-              <a:rPr lang="pt-BR" sz="3200" dirty="0"/>
+              <a:rPr lang="pt-BR" sz="3600" dirty="0"/>
               <a:t>Isto levou aos Sistemas Distribuídos</a:t>
             </a:r>
           </a:p>
@@ -36686,21 +39148,21 @@
           <a:lstStyle/>
           <a:p>
             <a:r>
-              <a:rPr lang="pt-BR" sz="3200" dirty="0"/>
+              <a:rPr lang="pt-BR" sz="3600" dirty="0"/>
               <a:t>Computadores passaram a ser interligados em rede</a:t>
             </a:r>
           </a:p>
           <a:p>
             <a:r>
-              <a:rPr lang="pt-BR" sz="3200" dirty="0"/>
+              <a:rPr lang="pt-BR" sz="3600" dirty="0"/>
               <a:t>Sistemas centralizados (</a:t>
             </a:r>
             <a:r>
-              <a:rPr lang="pt-BR" sz="3200" dirty="0" err="1"/>
+              <a:rPr lang="pt-BR" sz="3600" dirty="0" err="1"/>
               <a:t>monoprocessados</a:t>
             </a:r>
             <a:r>
-              <a:rPr lang="pt-BR" sz="3200" dirty="0"/>
+              <a:rPr lang="pt-BR" sz="3600" dirty="0"/>
               <a:t>) evoluíram para Sistemas Distribuídos:</a:t>
             </a:r>
           </a:p>
@@ -36709,16 +39171,16 @@
               <a:buNone/>
             </a:pPr>
             <a:r>
-              <a:rPr lang="pt-BR" sz="3200" dirty="0"/>
-              <a:t>Sistemas </a:t>
-            </a:r>
-            <a:r>
-              <a:rPr lang="pt-BR" sz="3200" dirty="0" err="1"/>
+              <a:rPr lang="pt-BR" sz="3600" dirty="0"/>
+              <a:t>“Sistemas </a:t>
+            </a:r>
+            <a:r>
+              <a:rPr lang="pt-BR" sz="3600" dirty="0" err="1"/>
               <a:t>multiprocessados</a:t>
             </a:r>
             <a:r>
-              <a:rPr lang="pt-BR" sz="3200" dirty="0"/>
-              <a:t> executando em diversos computadores</a:t>
+              <a:rPr lang="pt-BR" sz="3600" dirty="0"/>
+              <a:t> executando em diversos computadores”</a:t>
             </a:r>
           </a:p>
         </p:txBody>

--- a/introducao-sd.pptx
+++ b/introducao-sd.pptx
@@ -5,7 +5,7 @@
     <p:sldMasterId id="2147484349" r:id="rId1"/>
   </p:sldMasterIdLst>
   <p:notesMasterIdLst>
-    <p:notesMasterId r:id="rId70"/>
+    <p:notesMasterId r:id="rId71"/>
   </p:notesMasterIdLst>
   <p:sldIdLst>
     <p:sldId id="266" r:id="rId2"/>
@@ -47,35 +47,36 @@
     <p:sldId id="317" r:id="rId38"/>
     <p:sldId id="318" r:id="rId39"/>
     <p:sldId id="319" r:id="rId40"/>
-    <p:sldId id="320" r:id="rId41"/>
-    <p:sldId id="321" r:id="rId42"/>
-    <p:sldId id="322" r:id="rId43"/>
-    <p:sldId id="323" r:id="rId44"/>
-    <p:sldId id="325" r:id="rId45"/>
-    <p:sldId id="324" r:id="rId46"/>
-    <p:sldId id="327" r:id="rId47"/>
-    <p:sldId id="329" r:id="rId48"/>
-    <p:sldId id="331" r:id="rId49"/>
-    <p:sldId id="335" r:id="rId50"/>
-    <p:sldId id="332" r:id="rId51"/>
-    <p:sldId id="333" r:id="rId52"/>
-    <p:sldId id="334" r:id="rId53"/>
-    <p:sldId id="336" r:id="rId54"/>
-    <p:sldId id="338" r:id="rId55"/>
-    <p:sldId id="341" r:id="rId56"/>
-    <p:sldId id="342" r:id="rId57"/>
-    <p:sldId id="343" r:id="rId58"/>
-    <p:sldId id="340" r:id="rId59"/>
-    <p:sldId id="339" r:id="rId60"/>
-    <p:sldId id="337" r:id="rId61"/>
-    <p:sldId id="344" r:id="rId62"/>
-    <p:sldId id="346" r:id="rId63"/>
-    <p:sldId id="347" r:id="rId64"/>
-    <p:sldId id="348" r:id="rId65"/>
-    <p:sldId id="345" r:id="rId66"/>
-    <p:sldId id="350" r:id="rId67"/>
-    <p:sldId id="349" r:id="rId68"/>
-    <p:sldId id="292" r:id="rId69"/>
+    <p:sldId id="351" r:id="rId41"/>
+    <p:sldId id="320" r:id="rId42"/>
+    <p:sldId id="321" r:id="rId43"/>
+    <p:sldId id="322" r:id="rId44"/>
+    <p:sldId id="323" r:id="rId45"/>
+    <p:sldId id="325" r:id="rId46"/>
+    <p:sldId id="324" r:id="rId47"/>
+    <p:sldId id="327" r:id="rId48"/>
+    <p:sldId id="329" r:id="rId49"/>
+    <p:sldId id="331" r:id="rId50"/>
+    <p:sldId id="335" r:id="rId51"/>
+    <p:sldId id="332" r:id="rId52"/>
+    <p:sldId id="333" r:id="rId53"/>
+    <p:sldId id="334" r:id="rId54"/>
+    <p:sldId id="336" r:id="rId55"/>
+    <p:sldId id="338" r:id="rId56"/>
+    <p:sldId id="341" r:id="rId57"/>
+    <p:sldId id="342" r:id="rId58"/>
+    <p:sldId id="343" r:id="rId59"/>
+    <p:sldId id="340" r:id="rId60"/>
+    <p:sldId id="339" r:id="rId61"/>
+    <p:sldId id="337" r:id="rId62"/>
+    <p:sldId id="344" r:id="rId63"/>
+    <p:sldId id="346" r:id="rId64"/>
+    <p:sldId id="347" r:id="rId65"/>
+    <p:sldId id="348" r:id="rId66"/>
+    <p:sldId id="345" r:id="rId67"/>
+    <p:sldId id="350" r:id="rId68"/>
+    <p:sldId id="349" r:id="rId69"/>
+    <p:sldId id="292" r:id="rId70"/>
   </p:sldIdLst>
   <p:sldSz cx="12192000" cy="6858000"/>
   <p:notesSz cx="6858000" cy="9144000"/>
@@ -264,7 +265,7 @@
           <a:p>
             <a:fld id="{7497B6E1-7C5B-524D-B5EB-5E6695205380}" type="datetimeFigureOut">
               <a:rPr lang="pt-BR" smtClean="0"/>
-              <a:t>20/03/2019</a:t>
+              <a:t>10/04/2019</a:t>
             </a:fld>
             <a:endParaRPr lang="pt-BR"/>
           </a:p>
@@ -597,7 +598,7 @@
           <a:p>
             <a:fld id="{D4D35E62-DFE2-2847-B12E-56757969A139}" type="slidenum">
               <a:rPr lang="pt-BR" smtClean="0"/>
-              <a:t>65</a:t>
+              <a:t>66</a:t>
             </a:fld>
             <a:endParaRPr lang="pt-BR"/>
           </a:p>
@@ -681,7 +682,7 @@
           <a:p>
             <a:fld id="{D4D35E62-DFE2-2847-B12E-56757969A139}" type="slidenum">
               <a:rPr lang="pt-BR" smtClean="0"/>
-              <a:t>66</a:t>
+              <a:t>67</a:t>
             </a:fld>
             <a:endParaRPr lang="pt-BR"/>
           </a:p>
@@ -870,7 +871,7 @@
           <a:p>
             <a:fld id="{19E7D63B-43B5-8A4C-BD12-76889BE136BD}" type="datetime1">
               <a:rPr lang="en-US" smtClean="0"/>
-              <a:t>3/20/19</a:t>
+              <a:t>4/10/19</a:t>
             </a:fld>
             <a:endParaRPr lang="en-US"/>
           </a:p>
@@ -1137,7 +1138,7 @@
           <a:p>
             <a:fld id="{124E9894-F119-A64C-B7CB-D7CE860A73BE}" type="datetime1">
               <a:rPr lang="en-US" smtClean="0"/>
-              <a:t>3/20/19</a:t>
+              <a:t>4/10/19</a:t>
             </a:fld>
             <a:endParaRPr lang="en-US"/>
           </a:p>
@@ -1369,7 +1370,7 @@
           <a:p>
             <a:fld id="{124E9894-F119-A64C-B7CB-D7CE860A73BE}" type="datetime1">
               <a:rPr lang="en-US" smtClean="0"/>
-              <a:t>3/20/19</a:t>
+              <a:t>4/10/19</a:t>
             </a:fld>
             <a:endParaRPr lang="en-US"/>
           </a:p>
@@ -1680,7 +1681,7 @@
           <a:p>
             <a:fld id="{124E9894-F119-A64C-B7CB-D7CE860A73BE}" type="datetime1">
               <a:rPr lang="en-US" smtClean="0"/>
-              <a:t>3/20/19</a:t>
+              <a:t>4/10/19</a:t>
             </a:fld>
             <a:endParaRPr lang="en-US"/>
           </a:p>
@@ -2154,7 +2155,7 @@
           <a:p>
             <a:fld id="{B4BBB50B-BAA3-9748-978F-08A7877AB7D9}" type="datetime1">
               <a:rPr lang="en-US" smtClean="0"/>
-              <a:t>3/20/19</a:t>
+              <a:t>4/10/19</a:t>
             </a:fld>
             <a:endParaRPr lang="en-US"/>
           </a:p>
@@ -2701,7 +2702,7 @@
           <a:p>
             <a:fld id="{124E9894-F119-A64C-B7CB-D7CE860A73BE}" type="datetime1">
               <a:rPr lang="en-US" smtClean="0"/>
-              <a:t>3/20/19</a:t>
+              <a:t>4/10/19</a:t>
             </a:fld>
             <a:endParaRPr lang="en-US"/>
           </a:p>
@@ -3476,7 +3477,7 @@
           <a:p>
             <a:fld id="{124E9894-F119-A64C-B7CB-D7CE860A73BE}" type="datetime1">
               <a:rPr lang="en-US" smtClean="0"/>
-              <a:t>3/20/19</a:t>
+              <a:t>4/10/19</a:t>
             </a:fld>
             <a:endParaRPr lang="en-US"/>
           </a:p>
@@ -3652,7 +3653,7 @@
           <a:p>
             <a:fld id="{45040DEA-CE02-EF42-8F10-34F709D8505D}" type="datetime1">
               <a:rPr lang="en-US" smtClean="0"/>
-              <a:t>3/20/19</a:t>
+              <a:t>4/10/19</a:t>
             </a:fld>
             <a:endParaRPr lang="en-US"/>
           </a:p>
@@ -3875,7 +3876,7 @@
           <a:p>
             <a:fld id="{A0C1C801-5706-434E-AB65-DDFBCF1F55D2}" type="datetime1">
               <a:rPr lang="en-US" smtClean="0"/>
-              <a:t>3/20/19</a:t>
+              <a:t>4/10/19</a:t>
             </a:fld>
             <a:endParaRPr lang="en-US"/>
           </a:p>
@@ -4055,7 +4056,7 @@
           <a:p>
             <a:fld id="{39AE0FD8-7D7B-EA4F-8AF8-8B97820A0C5D}" type="datetime1">
               <a:rPr lang="en-US" smtClean="0"/>
-              <a:t>3/20/19</a:t>
+              <a:t>4/10/19</a:t>
             </a:fld>
             <a:endParaRPr lang="en-US"/>
           </a:p>
@@ -4344,7 +4345,7 @@
           <a:p>
             <a:fld id="{7FC94D43-3F68-DC43-8EF0-95FB3D51CCCF}" type="datetime1">
               <a:rPr lang="en-US" smtClean="0"/>
-              <a:t>3/20/19</a:t>
+              <a:t>4/10/19</a:t>
             </a:fld>
             <a:endParaRPr lang="en-US"/>
           </a:p>
@@ -4586,7 +4587,7 @@
           <a:p>
             <a:fld id="{BD42CFC2-1CE8-9045-8C9C-0F183F0FB455}" type="datetime1">
               <a:rPr lang="en-US" smtClean="0"/>
-              <a:t>3/20/19</a:t>
+              <a:t>4/10/19</a:t>
             </a:fld>
             <a:endParaRPr lang="en-US"/>
           </a:p>
@@ -4965,7 +4966,7 @@
           <a:p>
             <a:fld id="{F1B5C6E2-D044-C748-9C41-86C9B2F84EB9}" type="datetime1">
               <a:rPr lang="en-US" smtClean="0"/>
-              <a:t>3/20/19</a:t>
+              <a:t>4/10/19</a:t>
             </a:fld>
             <a:endParaRPr lang="en-US"/>
           </a:p>
@@ -5083,7 +5084,7 @@
           <a:p>
             <a:fld id="{359C32BA-C166-AC45-9FCD-8BF0F43629D9}" type="datetime1">
               <a:rPr lang="en-US" smtClean="0"/>
-              <a:t>3/20/19</a:t>
+              <a:t>4/10/19</a:t>
             </a:fld>
             <a:endParaRPr lang="en-US"/>
           </a:p>
@@ -5178,7 +5179,7 @@
           <a:p>
             <a:fld id="{E5D0D591-4B92-A44B-A0EA-798E76AD0368}" type="datetime1">
               <a:rPr lang="en-US" smtClean="0"/>
-              <a:t>3/20/19</a:t>
+              <a:t>4/10/19</a:t>
             </a:fld>
             <a:endParaRPr lang="en-US"/>
           </a:p>
@@ -5427,7 +5428,7 @@
           <a:p>
             <a:fld id="{8201F472-E17F-4B47-A44B-A2249FA27ED2}" type="datetime1">
               <a:rPr lang="en-US" smtClean="0"/>
-              <a:t>3/20/19</a:t>
+              <a:t>4/10/19</a:t>
             </a:fld>
             <a:endParaRPr lang="en-US"/>
           </a:p>
@@ -5684,7 +5685,7 @@
           <a:p>
             <a:fld id="{8BEFB9EE-CDF2-6F49-80F4-278D1604F10C}" type="datetime1">
               <a:rPr lang="en-US" smtClean="0"/>
-              <a:t>3/20/19</a:t>
+              <a:t>4/10/19</a:t>
             </a:fld>
             <a:endParaRPr lang="en-US"/>
           </a:p>
@@ -5927,7 +5928,7 @@
           <a:p>
             <a:fld id="{124E9894-F119-A64C-B7CB-D7CE860A73BE}" type="datetime1">
               <a:rPr lang="en-US" smtClean="0"/>
-              <a:t>3/20/19</a:t>
+              <a:t>4/10/19</a:t>
             </a:fld>
             <a:endParaRPr lang="en-US"/>
           </a:p>
@@ -18024,6 +18025,30 @@
               <a:t>Scaling</a:t>
             </a:r>
             <a:r>
+              <a:rPr lang="pt" sz="3200" i="1" dirty="0"/>
+              <a:t> </a:t>
+            </a:r>
+            <a:r>
+              <a:rPr lang="pt" sz="3200" dirty="0"/>
+              <a:t>ou</a:t>
+            </a:r>
+            <a:r>
+              <a:rPr lang="pt" sz="3200" i="1" dirty="0"/>
+              <a:t> </a:t>
+            </a:r>
+            <a:r>
+              <a:rPr lang="pt" sz="3200" i="1" dirty="0" err="1"/>
+              <a:t>Scaling</a:t>
+            </a:r>
+            <a:r>
+              <a:rPr lang="pt" sz="3200" i="1" dirty="0"/>
+              <a:t> </a:t>
+            </a:r>
+            <a:r>
+              <a:rPr lang="pt" sz="3200" i="1" dirty="0" err="1"/>
+              <a:t>Up</a:t>
+            </a:r>
+            <a:r>
               <a:rPr lang="pt" sz="3200" dirty="0"/>
               <a:t>)</a:t>
             </a:r>
@@ -23938,7 +23963,7 @@
           <a:p>
             <a:r>
               <a:rPr lang="pt-BR" b="1" i="1" dirty="0"/>
-              <a:t>ESCALABILIDADE geográfica</a:t>
+              <a:t>ESCALABILIDADE de tamanho</a:t>
             </a:r>
             <a:endParaRPr lang="pt-BR" dirty="0"/>
           </a:p>
@@ -23972,30 +23997,62 @@
           </a:bodyPr>
           <a:lstStyle/>
           <a:p>
-            <a:r>
-              <a:rPr lang="pt" sz="3200" dirty="0"/>
-              <a:t>Indica que o sistema continua funcionando, e de forma eficiente, mesmo que a posição entre usuários e recursos mude e a distância entre eles aumente [SDPP]</a:t>
-            </a:r>
-          </a:p>
-          <a:p>
-            <a:r>
-              <a:rPr lang="pt" sz="3200" dirty="0"/>
-              <a:t>Os problemas de escalabilidade geográfica são mais perceptíveis em aplicações de comunicação em tempo real e jogos online</a:t>
-            </a:r>
-          </a:p>
-          <a:p>
-            <a:r>
-              <a:rPr lang="pt" sz="3200" dirty="0"/>
-              <a:t>O </a:t>
-            </a:r>
-            <a:r>
-              <a:rPr lang="pt" sz="3200" i="1" dirty="0" err="1"/>
-              <a:t>delay</a:t>
-            </a:r>
-            <a:r>
-              <a:rPr lang="pt" sz="3200" dirty="0"/>
-              <a:t> causado pela distância pode prejudicar a experiência do usuário ou até impossibilitar a interação</a:t>
-            </a:r>
+            <a:pPr marL="0" indent="0">
+              <a:buNone/>
+            </a:pPr>
+            <a:r>
+              <a:rPr lang="en-US" sz="4400" i="1" dirty="0"/>
+              <a:t>“Don’t count the servers, </a:t>
+            </a:r>
+            <a:br>
+              <a:rPr lang="en-US" sz="4400" i="1" dirty="0"/>
+            </a:br>
+            <a:r>
+              <a:rPr lang="en-US" sz="4400" i="1" dirty="0"/>
+              <a:t>make the servers count”</a:t>
+            </a:r>
+          </a:p>
+          <a:p>
+            <a:pPr marL="0" indent="0">
+              <a:buNone/>
+            </a:pPr>
+            <a:endParaRPr lang="en-US" sz="4400" i="1" dirty="0"/>
+          </a:p>
+          <a:p>
+            <a:pPr marL="0" indent="0" algn="r">
+              <a:buNone/>
+            </a:pPr>
+            <a:r>
+              <a:rPr lang="en-US" sz="3600" i="1" dirty="0">
+                <a:hlinkClick r:id="rId2"/>
+              </a:rPr>
+              <a:t>Scaling </a:t>
+            </a:r>
+            <a:r>
+              <a:rPr lang="en-US" sz="3600" i="1" dirty="0" err="1">
+                <a:hlinkClick r:id="rId2"/>
+              </a:rPr>
+              <a:t>Instragram</a:t>
+            </a:r>
+            <a:r>
+              <a:rPr lang="en-US" sz="3600" i="1" dirty="0">
+                <a:hlinkClick r:id="rId2"/>
+              </a:rPr>
+              <a:t> Infra</a:t>
+            </a:r>
+            <a:r>
+              <a:rPr lang="en-US" sz="3600" dirty="0">
+                <a:hlinkClick r:id="rId2"/>
+              </a:rPr>
+              <a:t> - Lisa Guo, 2016</a:t>
+            </a:r>
+            <a:endParaRPr lang="en-US" sz="3600" dirty="0"/>
+          </a:p>
+          <a:p>
+            <a:pPr marL="0" indent="0">
+              <a:buNone/>
+            </a:pPr>
+            <a:endParaRPr lang="pt" sz="4400" dirty="0"/>
           </a:p>
         </p:txBody>
       </p:sp>
@@ -24031,7 +24088,7 @@
     </p:spTree>
     <p:extLst>
       <p:ext uri="{BB962C8B-B14F-4D97-AF65-F5344CB8AC3E}">
-        <p14:creationId xmlns:p14="http://schemas.microsoft.com/office/powerpoint/2010/main" val="3399318408"/>
+        <p14:creationId xmlns:p14="http://schemas.microsoft.com/office/powerpoint/2010/main" val="412880361"/>
       </p:ext>
     </p:extLst>
   </p:cSld>
@@ -24120,57 +24177,14 @@
                             </p:stCondLst>
                             <p:childTnLst>
                               <p:par>
-                                <p:cTn id="10" presetID="9" presetClass="exit" presetSubtype="0" fill="hold" grpId="1" nodeType="clickEffect">
-                                  <p:stCondLst>
-                                    <p:cond delay="0"/>
-                                  </p:stCondLst>
-                                  <p:childTnLst>
-                                    <p:animEffect transition="out" filter="dissolve">
-                                      <p:cBhvr>
-                                        <p:cTn id="11" dur="500"/>
-                                        <p:tgtEl>
-                                          <p:spTgt spid="3">
-                                            <p:txEl>
-                                              <p:pRg st="0" end="0"/>
-                                            </p:txEl>
-                                          </p:spTgt>
-                                        </p:tgtEl>
-                                      </p:cBhvr>
-                                    </p:animEffect>
-                                    <p:set>
-                                      <p:cBhvr>
-                                        <p:cTn id="12" dur="1" fill="hold">
-                                          <p:stCondLst>
-                                            <p:cond delay="499"/>
-                                          </p:stCondLst>
-                                        </p:cTn>
-                                        <p:tgtEl>
-                                          <p:spTgt spid="3">
-                                            <p:txEl>
-                                              <p:pRg st="0" end="0"/>
-                                            </p:txEl>
-                                          </p:spTgt>
-                                        </p:tgtEl>
-                                        <p:attrNameLst>
-                                          <p:attrName>style.visibility</p:attrName>
-                                        </p:attrNameLst>
-                                      </p:cBhvr>
-                                      <p:to>
-                                        <p:strVal val="hidden"/>
-                                      </p:to>
-                                    </p:set>
-                                  </p:childTnLst>
-                                </p:cTn>
-                              </p:par>
-                              <p:par>
-                                <p:cTn id="13" presetID="9" presetClass="entr" presetSubtype="0" fill="hold" grpId="0" nodeType="withEffect">
+                                <p:cTn id="10" presetID="9" presetClass="entr" presetSubtype="0" fill="hold" grpId="0" nodeType="clickEffect">
                                   <p:stCondLst>
                                     <p:cond delay="0"/>
                                   </p:stCondLst>
                                   <p:childTnLst>
                                     <p:set>
                                       <p:cBhvr>
-                                        <p:cTn id="14" dur="1" fill="hold">
+                                        <p:cTn id="11" dur="1" fill="hold">
                                           <p:stCondLst>
                                             <p:cond delay="0"/>
                                           </p:stCondLst>
@@ -24178,7 +24192,7 @@
                                         <p:tgtEl>
                                           <p:spTgt spid="3">
                                             <p:txEl>
-                                              <p:pRg st="1" end="1"/>
+                                              <p:pRg st="2" end="2"/>
                                             </p:txEl>
                                           </p:spTgt>
                                         </p:tgtEl>
@@ -24192,11 +24206,11 @@
                                     </p:set>
                                     <p:animEffect transition="in" filter="dissolve">
                                       <p:cBhvr>
-                                        <p:cTn id="15" dur="500"/>
-                                        <p:tgtEl>
-                                          <p:spTgt spid="3">
-                                            <p:txEl>
-                                              <p:pRg st="1" end="1"/>
+                                        <p:cTn id="12" dur="500"/>
+                                        <p:tgtEl>
+                                          <p:spTgt spid="3">
+                                            <p:txEl>
+                                              <p:pRg st="2" end="2"/>
                                             </p:txEl>
                                           </p:spTgt>
                                         </p:tgtEl>
@@ -24212,30 +24226,30 @@
                     </p:cTn>
                   </p:par>
                   <p:par>
-                    <p:cTn id="16" fill="hold">
+                    <p:cTn id="13" fill="hold">
                       <p:stCondLst>
                         <p:cond delay="indefinite"/>
                       </p:stCondLst>
                       <p:childTnLst>
                         <p:par>
-                          <p:cTn id="17" fill="hold">
+                          <p:cTn id="14" fill="hold">
                             <p:stCondLst>
                               <p:cond delay="0"/>
                             </p:stCondLst>
                             <p:childTnLst>
                               <p:par>
-                                <p:cTn id="18" presetID="9" presetClass="exit" presetSubtype="0" fill="hold" grpId="1" nodeType="clickEffect">
+                                <p:cTn id="15" presetID="9" presetClass="exit" presetSubtype="0" fill="hold" grpId="1" nodeType="clickEffect">
                                   <p:stCondLst>
                                     <p:cond delay="0"/>
                                   </p:stCondLst>
                                   <p:childTnLst>
                                     <p:animEffect transition="out" filter="dissolve">
                                       <p:cBhvr>
-                                        <p:cTn id="19" dur="500"/>
-                                        <p:tgtEl>
-                                          <p:spTgt spid="3">
-                                            <p:txEl>
-                                              <p:pRg st="1" end="1"/>
+                                        <p:cTn id="16" dur="500"/>
+                                        <p:tgtEl>
+                                          <p:spTgt spid="3">
+                                            <p:txEl>
+                                              <p:pRg st="0" end="0"/>
                                             </p:txEl>
                                           </p:spTgt>
                                         </p:tgtEl>
@@ -24243,7 +24257,7 @@
                                     </p:animEffect>
                                     <p:set>
                                       <p:cBhvr>
-                                        <p:cTn id="20" dur="1" fill="hold">
+                                        <p:cTn id="17" dur="1" fill="hold">
                                           <p:stCondLst>
                                             <p:cond delay="499"/>
                                           </p:stCondLst>
@@ -24251,7 +24265,7 @@
                                         <p:tgtEl>
                                           <p:spTgt spid="3">
                                             <p:txEl>
-                                              <p:pRg st="1" end="1"/>
+                                              <p:pRg st="0" end="0"/>
                                             </p:txEl>
                                           </p:spTgt>
                                         </p:tgtEl>
@@ -24266,17 +24280,47 @@
                                   </p:childTnLst>
                                 </p:cTn>
                               </p:par>
+                            </p:childTnLst>
+                          </p:cTn>
+                        </p:par>
+                      </p:childTnLst>
+                    </p:cTn>
+                  </p:par>
+                  <p:par>
+                    <p:cTn id="18" fill="hold">
+                      <p:stCondLst>
+                        <p:cond delay="indefinite"/>
+                      </p:stCondLst>
+                      <p:childTnLst>
+                        <p:par>
+                          <p:cTn id="19" fill="hold">
+                            <p:stCondLst>
+                              <p:cond delay="0"/>
+                            </p:stCondLst>
+                            <p:childTnLst>
                               <p:par>
-                                <p:cTn id="21" presetID="9" presetClass="entr" presetSubtype="0" fill="hold" grpId="0" nodeType="withEffect">
+                                <p:cTn id="20" presetID="9" presetClass="exit" presetSubtype="0" fill="hold" grpId="1" nodeType="clickEffect">
                                   <p:stCondLst>
                                     <p:cond delay="0"/>
                                   </p:stCondLst>
                                   <p:childTnLst>
+                                    <p:animEffect transition="out" filter="dissolve">
+                                      <p:cBhvr>
+                                        <p:cTn id="21" dur="500"/>
+                                        <p:tgtEl>
+                                          <p:spTgt spid="3">
+                                            <p:txEl>
+                                              <p:pRg st="2" end="2"/>
+                                            </p:txEl>
+                                          </p:spTgt>
+                                        </p:tgtEl>
+                                      </p:cBhvr>
+                                    </p:animEffect>
                                     <p:set>
                                       <p:cBhvr>
                                         <p:cTn id="22" dur="1" fill="hold">
                                           <p:stCondLst>
-                                            <p:cond delay="0"/>
+                                            <p:cond delay="499"/>
                                           </p:stCondLst>
                                         </p:cTn>
                                         <p:tgtEl>
@@ -24291,21 +24335,9 @@
                                         </p:attrNameLst>
                                       </p:cBhvr>
                                       <p:to>
-                                        <p:strVal val="visible"/>
+                                        <p:strVal val="hidden"/>
                                       </p:to>
                                     </p:set>
-                                    <p:animEffect transition="in" filter="dissolve">
-                                      <p:cBhvr>
-                                        <p:cTn id="23" dur="500"/>
-                                        <p:tgtEl>
-                                          <p:spTgt spid="3">
-                                            <p:txEl>
-                                              <p:pRg st="2" end="2"/>
-                                            </p:txEl>
-                                          </p:spTgt>
-                                        </p:tgtEl>
-                                      </p:cBhvr>
-                                    </p:animEffect>
                                   </p:childTnLst>
                                 </p:cTn>
                               </p:par>
@@ -24379,7 +24411,7 @@
         </p:nvSpPr>
         <p:spPr>
           <a:xfrm>
-            <a:off x="2679116" y="99458"/>
+            <a:off x="1974575" y="99458"/>
             <a:ext cx="9530038" cy="1509490"/>
           </a:xfrm>
         </p:spPr>
@@ -24391,7 +24423,7 @@
           <a:p>
             <a:r>
               <a:rPr lang="pt-BR" b="1" i="1" dirty="0"/>
-              <a:t>ESCALABILIDADE administrativa</a:t>
+              <a:t>ESCALABILIDADE geográfica</a:t>
             </a:r>
             <a:endParaRPr lang="pt-BR" dirty="0"/>
           </a:p>
@@ -24427,19 +24459,27 @@
           <a:p>
             <a:r>
               <a:rPr lang="pt" sz="3200" dirty="0"/>
-              <a:t>O esforço para administração do sistema ainda é baixo, mesmo com o aumento de usuários e recursos [SDPP]</a:t>
+              <a:t>Indica que o sistema continua funcionando, e de forma eficiente, mesmo que a posição entre usuários e recursos mude e a distância entre eles aumente [SDPP]</a:t>
             </a:r>
           </a:p>
           <a:p>
             <a:r>
               <a:rPr lang="pt" sz="3200" dirty="0"/>
-              <a:t>Os profissionais que administram o sistema não devem perceber o impacto do aumento do tamanho.</a:t>
+              <a:t>Os problemas de escalabilidade geográfica são mais perceptíveis em aplicações de comunicação em tempo real e jogos online</a:t>
             </a:r>
           </a:p>
           <a:p>
             <a:r>
               <a:rPr lang="pt" sz="3200" dirty="0"/>
-              <a:t>Pense em um sistema convencional de uma loja virtual. O processo de separação e envio das encomendas é manual tais estágios precisam ser registrados no sistema.</a:t>
+              <a:t>O </a:t>
+            </a:r>
+            <a:r>
+              <a:rPr lang="pt" sz="3200" i="1" dirty="0" err="1"/>
+              <a:t>delay</a:t>
+            </a:r>
+            <a:r>
+              <a:rPr lang="pt" sz="3200" dirty="0"/>
+              <a:t> causado pela distância pode prejudicar a experiência do usuário ou até impossibilitar a interação</a:t>
             </a:r>
           </a:p>
         </p:txBody>
@@ -24476,7 +24516,7 @@
     </p:spTree>
     <p:extLst>
       <p:ext uri="{BB962C8B-B14F-4D97-AF65-F5344CB8AC3E}">
-        <p14:creationId xmlns:p14="http://schemas.microsoft.com/office/powerpoint/2010/main" val="4017158192"/>
+        <p14:creationId xmlns:p14="http://schemas.microsoft.com/office/powerpoint/2010/main" val="3399318408"/>
       </p:ext>
     </p:extLst>
   </p:cSld>
@@ -24871,14 +24911,20 @@
           <a:lstStyle/>
           <a:p>
             <a:r>
-              <a:rPr lang="pt" sz="3600" dirty="0"/>
-              <a:t>Tal sistema é escalável administrativamente?</a:t>
-            </a:r>
-          </a:p>
-          <a:p>
-            <a:r>
-              <a:rPr lang="pt" sz="3600" dirty="0"/>
-              <a:t>Não é, pois o aumento das vendas vai tornar o processamento manual do envio mais lento, requerendo mais funcionários.</a:t>
+              <a:rPr lang="pt" sz="3200" dirty="0"/>
+              <a:t>O esforço para administração do sistema ainda é baixo, mesmo com o aumento de usuários e recursos [SDPP]</a:t>
+            </a:r>
+          </a:p>
+          <a:p>
+            <a:r>
+              <a:rPr lang="pt" sz="3200" dirty="0"/>
+              <a:t>Os profissionais que administram o sistema não devem perceber o impacto do aumento do tamanho.</a:t>
+            </a:r>
+          </a:p>
+          <a:p>
+            <a:r>
+              <a:rPr lang="pt" sz="3200" dirty="0"/>
+              <a:t>Pense em um sistema convencional de uma loja virtual. O processo de separação e envio das encomendas é manual tais estágios precisam ser registrados no sistema.</a:t>
             </a:r>
           </a:p>
         </p:txBody>
@@ -24915,7 +24961,7 @@
     </p:spTree>
     <p:extLst>
       <p:ext uri="{BB962C8B-B14F-4D97-AF65-F5344CB8AC3E}">
-        <p14:creationId xmlns:p14="http://schemas.microsoft.com/office/powerpoint/2010/main" val="504095074"/>
+        <p14:creationId xmlns:p14="http://schemas.microsoft.com/office/powerpoint/2010/main" val="4017158192"/>
       </p:ext>
     </p:extLst>
   </p:cSld>
@@ -25004,14 +25050,57 @@
                             </p:stCondLst>
                             <p:childTnLst>
                               <p:par>
-                                <p:cTn id="10" presetID="9" presetClass="entr" presetSubtype="0" fill="hold" grpId="0" nodeType="clickEffect">
+                                <p:cTn id="10" presetID="9" presetClass="exit" presetSubtype="0" fill="hold" grpId="1" nodeType="clickEffect">
+                                  <p:stCondLst>
+                                    <p:cond delay="0"/>
+                                  </p:stCondLst>
+                                  <p:childTnLst>
+                                    <p:animEffect transition="out" filter="dissolve">
+                                      <p:cBhvr>
+                                        <p:cTn id="11" dur="500"/>
+                                        <p:tgtEl>
+                                          <p:spTgt spid="3">
+                                            <p:txEl>
+                                              <p:pRg st="0" end="0"/>
+                                            </p:txEl>
+                                          </p:spTgt>
+                                        </p:tgtEl>
+                                      </p:cBhvr>
+                                    </p:animEffect>
+                                    <p:set>
+                                      <p:cBhvr>
+                                        <p:cTn id="12" dur="1" fill="hold">
+                                          <p:stCondLst>
+                                            <p:cond delay="499"/>
+                                          </p:stCondLst>
+                                        </p:cTn>
+                                        <p:tgtEl>
+                                          <p:spTgt spid="3">
+                                            <p:txEl>
+                                              <p:pRg st="0" end="0"/>
+                                            </p:txEl>
+                                          </p:spTgt>
+                                        </p:tgtEl>
+                                        <p:attrNameLst>
+                                          <p:attrName>style.visibility</p:attrName>
+                                        </p:attrNameLst>
+                                      </p:cBhvr>
+                                      <p:to>
+                                        <p:strVal val="hidden"/>
+                                      </p:to>
+                                    </p:set>
+                                  </p:childTnLst>
+                                </p:cTn>
+                              </p:par>
+                              <p:par>
+                                <p:cTn id="13" presetID="9" presetClass="entr" presetSubtype="0" fill="hold" grpId="0" nodeType="withEffect">
                                   <p:stCondLst>
                                     <p:cond delay="0"/>
                                   </p:stCondLst>
                                   <p:childTnLst>
                                     <p:set>
                                       <p:cBhvr>
-                                        <p:cTn id="11" dur="1" fill="hold">
+                                        <p:cTn id="14" dur="1" fill="hold">
                                           <p:stCondLst>
                                             <p:cond delay="0"/>
                                           </p:stCondLst>
@@ -25033,11 +25122,115 @@
                                     </p:set>
                                     <p:animEffect transition="in" filter="dissolve">
                                       <p:cBhvr>
-                                        <p:cTn id="12" dur="500"/>
+                                        <p:cTn id="15" dur="500"/>
                                         <p:tgtEl>
                                           <p:spTgt spid="3">
                                             <p:txEl>
                                               <p:pRg st="1" end="1"/>
+                                            </p:txEl>
+                                          </p:spTgt>
+                                        </p:tgtEl>
+                                      </p:cBhvr>
+                                    </p:animEffect>
+                                  </p:childTnLst>
+                                </p:cTn>
+                              </p:par>
+                            </p:childTnLst>
+                          </p:cTn>
+                        </p:par>
+                      </p:childTnLst>
+                    </p:cTn>
+                  </p:par>
+                  <p:par>
+                    <p:cTn id="16" fill="hold">
+                      <p:stCondLst>
+                        <p:cond delay="indefinite"/>
+                      </p:stCondLst>
+                      <p:childTnLst>
+                        <p:par>
+                          <p:cTn id="17" fill="hold">
+                            <p:stCondLst>
+                              <p:cond delay="0"/>
+                            </p:stCondLst>
+                            <p:childTnLst>
+                              <p:par>
+                                <p:cTn id="18" presetID="9" presetClass="exit" presetSubtype="0" fill="hold" grpId="1" nodeType="clickEffect">
+                                  <p:stCondLst>
+                                    <p:cond delay="0"/>
+                                  </p:stCondLst>
+                                  <p:childTnLst>
+                                    <p:animEffect transition="out" filter="dissolve">
+                                      <p:cBhvr>
+                                        <p:cTn id="19" dur="500"/>
+                                        <p:tgtEl>
+                                          <p:spTgt spid="3">
+                                            <p:txEl>
+                                              <p:pRg st="1" end="1"/>
+                                            </p:txEl>
+                                          </p:spTgt>
+                                        </p:tgtEl>
+                                      </p:cBhvr>
+                                    </p:animEffect>
+                                    <p:set>
+                                      <p:cBhvr>
+                                        <p:cTn id="20" dur="1" fill="hold">
+                                          <p:stCondLst>
+                                            <p:cond delay="499"/>
+                                          </p:stCondLst>
+                                        </p:cTn>
+                                        <p:tgtEl>
+                                          <p:spTgt spid="3">
+                                            <p:txEl>
+                                              <p:pRg st="1" end="1"/>
+                                            </p:txEl>
+                                          </p:spTgt>
+                                        </p:tgtEl>
+                                        <p:attrNameLst>
+                                          <p:attrName>style.visibility</p:attrName>
+                                        </p:attrNameLst>
+                                      </p:cBhvr>
+                                      <p:to>
+                                        <p:strVal val="hidden"/>
+                                      </p:to>
+                                    </p:set>
+                                  </p:childTnLst>
+                                </p:cTn>
+                              </p:par>
+                              <p:par>
+                                <p:cTn id="21" presetID="9" presetClass="entr" presetSubtype="0" fill="hold" grpId="0" nodeType="withEffect">
+                                  <p:stCondLst>
+                                    <p:cond delay="0"/>
+                                  </p:stCondLst>
+                                  <p:childTnLst>
+                                    <p:set>
+                                      <p:cBhvr>
+                                        <p:cTn id="22" dur="1" fill="hold">
+                                          <p:stCondLst>
+                                            <p:cond delay="0"/>
+                                          </p:stCondLst>
+                                        </p:cTn>
+                                        <p:tgtEl>
+                                          <p:spTgt spid="3">
+                                            <p:txEl>
+                                              <p:pRg st="2" end="2"/>
+                                            </p:txEl>
+                                          </p:spTgt>
+                                        </p:tgtEl>
+                                        <p:attrNameLst>
+                                          <p:attrName>style.visibility</p:attrName>
+                                        </p:attrNameLst>
+                                      </p:cBhvr>
+                                      <p:to>
+                                        <p:strVal val="visible"/>
+                                      </p:to>
+                                    </p:set>
+                                    <p:animEffect transition="in" filter="dissolve">
+                                      <p:cBhvr>
+                                        <p:cTn id="23" dur="500"/>
+                                        <p:tgtEl>
+                                          <p:spTgt spid="3">
+                                            <p:txEl>
+                                              <p:pRg st="2" end="2"/>
                                             </p:txEl>
                                           </p:spTgt>
                                         </p:tgtEl>
@@ -25075,6 +25268,7 @@
     </p:tnLst>
     <p:bldLst>
       <p:bldP spid="3" grpId="0" uiExpand="1" build="p"/>
+      <p:bldP spid="3" grpId="1" uiExpand="1" build="p"/>
     </p:bldLst>
   </p:timing>
 </p:sld>
@@ -25151,8 +25345,8 @@
         </p:nvSpPr>
         <p:spPr>
           <a:xfrm>
-            <a:off x="596348" y="1444491"/>
-            <a:ext cx="10908264" cy="1343680"/>
+            <a:off x="596348" y="1444490"/>
+            <a:ext cx="10908264" cy="5032509"/>
           </a:xfrm>
         </p:spPr>
         <p:txBody>
@@ -25162,31 +25356,15 @@
           <a:lstStyle/>
           <a:p>
             <a:r>
-              <a:rPr lang="pt" sz="3200" dirty="0"/>
-              <a:t>A Amazon possui processos </a:t>
-            </a:r>
-            <a:r>
-              <a:rPr lang="pt" sz="3200" dirty="0" err="1"/>
-              <a:t>semi-automatizados</a:t>
-            </a:r>
-            <a:r>
-              <a:rPr lang="pt" sz="3200" dirty="0"/>
-              <a:t> por meio de robôs. </a:t>
-            </a:r>
-            <a:r>
-              <a:rPr lang="en-US" sz="3200" dirty="0">
-                <a:hlinkClick r:id="rId3"/>
-              </a:rPr>
-              <a:t>https://youtu.be/Ox05Bks2Q3s</a:t>
-            </a:r>
-            <a:r>
-              <a:rPr lang="en-US" sz="3200" dirty="0"/>
-              <a:t> </a:t>
-            </a:r>
-            <a:endParaRPr lang="pt" sz="3200" dirty="0"/>
-          </a:p>
-          <a:p>
-            <a:endParaRPr lang="pt" sz="3200" dirty="0"/>
+              <a:rPr lang="pt" sz="3600" dirty="0"/>
+              <a:t>Tal sistema é escalável administrativamente?</a:t>
+            </a:r>
+          </a:p>
+          <a:p>
+            <a:r>
+              <a:rPr lang="pt" sz="3600" dirty="0"/>
+              <a:t>Não é, pois o aumento das vendas vai tornar o processamento manual do envio mais lento, requerendo mais funcionários.</a:t>
+            </a:r>
           </a:p>
         </p:txBody>
       </p:sp>
@@ -25214,6 +25392,313 @@
             <a:fld id="{2183B7EE-0FBE-B749-875F-ED24F5ECD71F}" type="slidenum">
               <a:rPr lang="en-US" smtClean="0"/>
               <a:t>43</a:t>
+            </a:fld>
+            <a:endParaRPr lang="en-US" dirty="0"/>
+          </a:p>
+        </p:txBody>
+      </p:sp>
+    </p:spTree>
+    <p:extLst>
+      <p:ext uri="{BB962C8B-B14F-4D97-AF65-F5344CB8AC3E}">
+        <p14:creationId xmlns:p14="http://schemas.microsoft.com/office/powerpoint/2010/main" val="504095074"/>
+      </p:ext>
+    </p:extLst>
+  </p:cSld>
+  <p:clrMapOvr>
+    <a:masterClrMapping/>
+  </p:clrMapOvr>
+  <p:timing>
+    <p:tnLst>
+      <p:par>
+        <p:cTn id="1" dur="indefinite" restart="never" nodeType="tmRoot">
+          <p:childTnLst>
+            <p:seq concurrent="1" nextAc="seek">
+              <p:cTn id="2" dur="indefinite" nodeType="mainSeq">
+                <p:childTnLst>
+                  <p:par>
+                    <p:cTn id="3" fill="hold">
+                      <p:stCondLst>
+                        <p:cond delay="indefinite"/>
+                      </p:stCondLst>
+                      <p:childTnLst>
+                        <p:par>
+                          <p:cTn id="4" fill="hold">
+                            <p:stCondLst>
+                              <p:cond delay="0"/>
+                            </p:stCondLst>
+                            <p:childTnLst>
+                              <p:par>
+                                <p:cTn id="5" presetID="9" presetClass="entr" presetSubtype="0" fill="hold" grpId="0" nodeType="clickEffect">
+                                  <p:stCondLst>
+                                    <p:cond delay="0"/>
+                                  </p:stCondLst>
+                                  <p:childTnLst>
+                                    <p:set>
+                                      <p:cBhvr>
+                                        <p:cTn id="6" dur="1" fill="hold">
+                                          <p:stCondLst>
+                                            <p:cond delay="0"/>
+                                          </p:stCondLst>
+                                        </p:cTn>
+                                        <p:tgtEl>
+                                          <p:spTgt spid="3">
+                                            <p:txEl>
+                                              <p:pRg st="0" end="0"/>
+                                            </p:txEl>
+                                          </p:spTgt>
+                                        </p:tgtEl>
+                                        <p:attrNameLst>
+                                          <p:attrName>style.visibility</p:attrName>
+                                        </p:attrNameLst>
+                                      </p:cBhvr>
+                                      <p:to>
+                                        <p:strVal val="visible"/>
+                                      </p:to>
+                                    </p:set>
+                                    <p:animEffect transition="in" filter="dissolve">
+                                      <p:cBhvr>
+                                        <p:cTn id="7" dur="500"/>
+                                        <p:tgtEl>
+                                          <p:spTgt spid="3">
+                                            <p:txEl>
+                                              <p:pRg st="0" end="0"/>
+                                            </p:txEl>
+                                          </p:spTgt>
+                                        </p:tgtEl>
+                                      </p:cBhvr>
+                                    </p:animEffect>
+                                  </p:childTnLst>
+                                </p:cTn>
+                              </p:par>
+                            </p:childTnLst>
+                          </p:cTn>
+                        </p:par>
+                      </p:childTnLst>
+                    </p:cTn>
+                  </p:par>
+                  <p:par>
+                    <p:cTn id="8" fill="hold">
+                      <p:stCondLst>
+                        <p:cond delay="indefinite"/>
+                      </p:stCondLst>
+                      <p:childTnLst>
+                        <p:par>
+                          <p:cTn id="9" fill="hold">
+                            <p:stCondLst>
+                              <p:cond delay="0"/>
+                            </p:stCondLst>
+                            <p:childTnLst>
+                              <p:par>
+                                <p:cTn id="10" presetID="9" presetClass="entr" presetSubtype="0" fill="hold" grpId="0" nodeType="clickEffect">
+                                  <p:stCondLst>
+                                    <p:cond delay="0"/>
+                                  </p:stCondLst>
+                                  <p:childTnLst>
+                                    <p:set>
+                                      <p:cBhvr>
+                                        <p:cTn id="11" dur="1" fill="hold">
+                                          <p:stCondLst>
+                                            <p:cond delay="0"/>
+                                          </p:stCondLst>
+                                        </p:cTn>
+                                        <p:tgtEl>
+                                          <p:spTgt spid="3">
+                                            <p:txEl>
+                                              <p:pRg st="1" end="1"/>
+                                            </p:txEl>
+                                          </p:spTgt>
+                                        </p:tgtEl>
+                                        <p:attrNameLst>
+                                          <p:attrName>style.visibility</p:attrName>
+                                        </p:attrNameLst>
+                                      </p:cBhvr>
+                                      <p:to>
+                                        <p:strVal val="visible"/>
+                                      </p:to>
+                                    </p:set>
+                                    <p:animEffect transition="in" filter="dissolve">
+                                      <p:cBhvr>
+                                        <p:cTn id="12" dur="500"/>
+                                        <p:tgtEl>
+                                          <p:spTgt spid="3">
+                                            <p:txEl>
+                                              <p:pRg st="1" end="1"/>
+                                            </p:txEl>
+                                          </p:spTgt>
+                                        </p:tgtEl>
+                                      </p:cBhvr>
+                                    </p:animEffect>
+                                  </p:childTnLst>
+                                </p:cTn>
+                              </p:par>
+                            </p:childTnLst>
+                          </p:cTn>
+                        </p:par>
+                      </p:childTnLst>
+                    </p:cTn>
+                  </p:par>
+                </p:childTnLst>
+              </p:cTn>
+              <p:prevCondLst>
+                <p:cond evt="onPrev" delay="0">
+                  <p:tgtEl>
+                    <p:sldTgt/>
+                  </p:tgtEl>
+                </p:cond>
+              </p:prevCondLst>
+              <p:nextCondLst>
+                <p:cond evt="onNext" delay="0">
+                  <p:tgtEl>
+                    <p:sldTgt/>
+                  </p:tgtEl>
+                </p:cond>
+              </p:nextCondLst>
+            </p:seq>
+          </p:childTnLst>
+        </p:cTn>
+      </p:par>
+    </p:tnLst>
+    <p:bldLst>
+      <p:bldP spid="3" grpId="0" uiExpand="1" build="p"/>
+    </p:bldLst>
+  </p:timing>
+</p:sld>
+</file>
+
+<file path=ppt/slides/slide44.xml><?xml version="1.0" encoding="utf-8"?>
+<p:sld xmlns:a="http://schemas.openxmlformats.org/drawingml/2006/main" xmlns:r="http://schemas.openxmlformats.org/officeDocument/2006/relationships" xmlns:p="http://schemas.openxmlformats.org/presentationml/2006/main">
+  <p:cSld>
+    <p:spTree>
+      <p:nvGrpSpPr>
+        <p:cNvPr id="1" name=""/>
+        <p:cNvGrpSpPr/>
+        <p:nvPr/>
+      </p:nvGrpSpPr>
+      <p:grpSpPr>
+        <a:xfrm>
+          <a:off x="0" y="0"/>
+          <a:ext cx="0" cy="0"/>
+          <a:chOff x="0" y="0"/>
+          <a:chExt cx="0" cy="0"/>
+        </a:xfrm>
+      </p:grpSpPr>
+      <p:sp>
+        <p:nvSpPr>
+          <p:cNvPr id="2" name="Title 1">
+            <a:extLst>
+              <a:ext uri="{FF2B5EF4-FFF2-40B4-BE49-F238E27FC236}">
+                <a16:creationId xmlns:a16="http://schemas.microsoft.com/office/drawing/2014/main" id="{58204B45-BA2F-544A-ADBD-2B584480C63E}"/>
+              </a:ext>
+            </a:extLst>
+          </p:cNvPr>
+          <p:cNvSpPr>
+            <a:spLocks noGrp="1"/>
+          </p:cNvSpPr>
+          <p:nvPr>
+            <p:ph type="title"/>
+          </p:nvPr>
+        </p:nvSpPr>
+        <p:spPr>
+          <a:xfrm>
+            <a:off x="2679116" y="99458"/>
+            <a:ext cx="9530038" cy="1509490"/>
+          </a:xfrm>
+        </p:spPr>
+        <p:txBody>
+          <a:bodyPr>
+            <a:normAutofit/>
+          </a:bodyPr>
+          <a:lstStyle/>
+          <a:p>
+            <a:r>
+              <a:rPr lang="pt-BR" b="1" i="1" dirty="0"/>
+              <a:t>ESCALABILIDADE administrativa</a:t>
+            </a:r>
+            <a:endParaRPr lang="pt-BR" dirty="0"/>
+          </a:p>
+        </p:txBody>
+      </p:sp>
+      <p:sp>
+        <p:nvSpPr>
+          <p:cNvPr id="3" name="Content Placeholder 2">
+            <a:extLst>
+              <a:ext uri="{FF2B5EF4-FFF2-40B4-BE49-F238E27FC236}">
+                <a16:creationId xmlns:a16="http://schemas.microsoft.com/office/drawing/2014/main" id="{C9044F89-E3C1-E349-B0DE-0B932821234C}"/>
+              </a:ext>
+            </a:extLst>
+          </p:cNvPr>
+          <p:cNvSpPr>
+            <a:spLocks noGrp="1"/>
+          </p:cNvSpPr>
+          <p:nvPr>
+            <p:ph idx="1"/>
+          </p:nvPr>
+        </p:nvSpPr>
+        <p:spPr>
+          <a:xfrm>
+            <a:off x="596348" y="1444491"/>
+            <a:ext cx="10908264" cy="1343680"/>
+          </a:xfrm>
+        </p:spPr>
+        <p:txBody>
+          <a:bodyPr>
+            <a:normAutofit/>
+          </a:bodyPr>
+          <a:lstStyle/>
+          <a:p>
+            <a:r>
+              <a:rPr lang="pt" sz="3200" dirty="0"/>
+              <a:t>A Amazon possui processos </a:t>
+            </a:r>
+            <a:r>
+              <a:rPr lang="pt" sz="3200" dirty="0" err="1"/>
+              <a:t>semi-automatizados</a:t>
+            </a:r>
+            <a:r>
+              <a:rPr lang="pt" sz="3200" dirty="0"/>
+              <a:t> por meio de robôs. </a:t>
+            </a:r>
+            <a:r>
+              <a:rPr lang="en-US" sz="3200" dirty="0">
+                <a:hlinkClick r:id="rId3"/>
+              </a:rPr>
+              <a:t>https://youtu.be/Ox05Bks2Q3s</a:t>
+            </a:r>
+            <a:r>
+              <a:rPr lang="en-US" sz="3200" dirty="0"/>
+              <a:t> </a:t>
+            </a:r>
+            <a:endParaRPr lang="pt" sz="3200" dirty="0"/>
+          </a:p>
+          <a:p>
+            <a:endParaRPr lang="pt" sz="3200" dirty="0"/>
+          </a:p>
+        </p:txBody>
+      </p:sp>
+      <p:sp>
+        <p:nvSpPr>
+          <p:cNvPr id="4" name="Slide Number Placeholder 3">
+            <a:extLst>
+              <a:ext uri="{FF2B5EF4-FFF2-40B4-BE49-F238E27FC236}">
+                <a16:creationId xmlns:a16="http://schemas.microsoft.com/office/drawing/2014/main" id="{2EA509C2-078C-DE4C-BE59-C32AF18E82D6}"/>
+              </a:ext>
+            </a:extLst>
+          </p:cNvPr>
+          <p:cNvSpPr>
+            <a:spLocks noGrp="1"/>
+          </p:cNvSpPr>
+          <p:nvPr>
+            <p:ph type="sldNum" sz="quarter" idx="12"/>
+          </p:nvPr>
+        </p:nvSpPr>
+        <p:spPr/>
+        <p:txBody>
+          <a:bodyPr/>
+          <a:lstStyle/>
+          <a:p>
+            <a:fld id="{2183B7EE-0FBE-B749-875F-ED24F5ECD71F}" type="slidenum">
+              <a:rPr lang="en-US" smtClean="0"/>
+              <a:t>44</a:t>
             </a:fld>
             <a:endParaRPr lang="en-US" dirty="0"/>
           </a:p>
@@ -25400,561 +25885,6 @@
 </p:sld>
 </file>
 
-<file path=ppt/slides/slide44.xml><?xml version="1.0" encoding="utf-8"?>
-<p:sld xmlns:a="http://schemas.openxmlformats.org/drawingml/2006/main" xmlns:r="http://schemas.openxmlformats.org/officeDocument/2006/relationships" xmlns:p="http://schemas.openxmlformats.org/presentationml/2006/main">
-  <p:cSld>
-    <p:spTree>
-      <p:nvGrpSpPr>
-        <p:cNvPr id="1" name=""/>
-        <p:cNvGrpSpPr/>
-        <p:nvPr/>
-      </p:nvGrpSpPr>
-      <p:grpSpPr>
-        <a:xfrm>
-          <a:off x="0" y="0"/>
-          <a:ext cx="0" cy="0"/>
-          <a:chOff x="0" y="0"/>
-          <a:chExt cx="0" cy="0"/>
-        </a:xfrm>
-      </p:grpSpPr>
-      <p:sp>
-        <p:nvSpPr>
-          <p:cNvPr id="2" name="Title 1">
-            <a:extLst>
-              <a:ext uri="{FF2B5EF4-FFF2-40B4-BE49-F238E27FC236}">
-                <a16:creationId xmlns:a16="http://schemas.microsoft.com/office/drawing/2014/main" id="{58204B45-BA2F-544A-ADBD-2B584480C63E}"/>
-              </a:ext>
-            </a:extLst>
-          </p:cNvPr>
-          <p:cNvSpPr>
-            <a:spLocks noGrp="1"/>
-          </p:cNvSpPr>
-          <p:nvPr>
-            <p:ph type="title"/>
-          </p:nvPr>
-        </p:nvSpPr>
-        <p:spPr>
-          <a:xfrm>
-            <a:off x="2679116" y="99458"/>
-            <a:ext cx="9530038" cy="1509490"/>
-          </a:xfrm>
-        </p:spPr>
-        <p:txBody>
-          <a:bodyPr>
-            <a:normAutofit/>
-          </a:bodyPr>
-          <a:lstStyle/>
-          <a:p>
-            <a:r>
-              <a:rPr lang="pt-BR" b="1" i="1" dirty="0"/>
-              <a:t>Problemas de ESCALABILIDADE</a:t>
-            </a:r>
-            <a:endParaRPr lang="pt-BR" dirty="0"/>
-          </a:p>
-        </p:txBody>
-      </p:sp>
-      <p:sp>
-        <p:nvSpPr>
-          <p:cNvPr id="3" name="Content Placeholder 2">
-            <a:extLst>
-              <a:ext uri="{FF2B5EF4-FFF2-40B4-BE49-F238E27FC236}">
-                <a16:creationId xmlns:a16="http://schemas.microsoft.com/office/drawing/2014/main" id="{C9044F89-E3C1-E349-B0DE-0B932821234C}"/>
-              </a:ext>
-            </a:extLst>
-          </p:cNvPr>
-          <p:cNvSpPr>
-            <a:spLocks noGrp="1"/>
-          </p:cNvSpPr>
-          <p:nvPr>
-            <p:ph idx="1"/>
-          </p:nvPr>
-        </p:nvSpPr>
-        <p:spPr>
-          <a:xfrm>
-            <a:off x="596348" y="1444490"/>
-            <a:ext cx="10908264" cy="5032509"/>
-          </a:xfrm>
-        </p:spPr>
-        <p:txBody>
-          <a:bodyPr>
-            <a:normAutofit/>
-          </a:bodyPr>
-          <a:lstStyle/>
-          <a:p>
-            <a:r>
-              <a:rPr lang="pt" sz="3200" dirty="0"/>
-              <a:t>Tornar um sistema escalável em uma ou mais dimensões é um grande desafio</a:t>
-            </a:r>
-          </a:p>
-          <a:p>
-            <a:r>
-              <a:rPr lang="pt" sz="3200" dirty="0"/>
-              <a:t>É preciso fazer um balanço entre benefícios e desvantagens</a:t>
-            </a:r>
-          </a:p>
-          <a:p>
-            <a:r>
-              <a:rPr lang="pt" sz="3200" dirty="0"/>
-              <a:t>Uma das desvantagens é que o aumenta da escala para atender mais usuários pode trazer perdas de desempenho em geral [SDPP]</a:t>
-            </a:r>
-          </a:p>
-          <a:p>
-            <a:r>
-              <a:rPr lang="pt" sz="3200" dirty="0"/>
-              <a:t>Mais computadores pode aumentar a troca de mensagens e o tempo de resposta</a:t>
-            </a:r>
-          </a:p>
-        </p:txBody>
-      </p:sp>
-      <p:sp>
-        <p:nvSpPr>
-          <p:cNvPr id="4" name="Slide Number Placeholder 3">
-            <a:extLst>
-              <a:ext uri="{FF2B5EF4-FFF2-40B4-BE49-F238E27FC236}">
-                <a16:creationId xmlns:a16="http://schemas.microsoft.com/office/drawing/2014/main" id="{2EA509C2-078C-DE4C-BE59-C32AF18E82D6}"/>
-              </a:ext>
-            </a:extLst>
-          </p:cNvPr>
-          <p:cNvSpPr>
-            <a:spLocks noGrp="1"/>
-          </p:cNvSpPr>
-          <p:nvPr>
-            <p:ph type="sldNum" sz="quarter" idx="12"/>
-          </p:nvPr>
-        </p:nvSpPr>
-        <p:spPr/>
-        <p:txBody>
-          <a:bodyPr/>
-          <a:lstStyle/>
-          <a:p>
-            <a:fld id="{2183B7EE-0FBE-B749-875F-ED24F5ECD71F}" type="slidenum">
-              <a:rPr lang="en-US" smtClean="0"/>
-              <a:t>44</a:t>
-            </a:fld>
-            <a:endParaRPr lang="en-US" dirty="0"/>
-          </a:p>
-        </p:txBody>
-      </p:sp>
-    </p:spTree>
-    <p:extLst>
-      <p:ext uri="{BB962C8B-B14F-4D97-AF65-F5344CB8AC3E}">
-        <p14:creationId xmlns:p14="http://schemas.microsoft.com/office/powerpoint/2010/main" val="356292151"/>
-      </p:ext>
-    </p:extLst>
-  </p:cSld>
-  <p:clrMapOvr>
-    <a:masterClrMapping/>
-  </p:clrMapOvr>
-  <p:timing>
-    <p:tnLst>
-      <p:par>
-        <p:cTn id="1" dur="indefinite" restart="never" nodeType="tmRoot">
-          <p:childTnLst>
-            <p:seq concurrent="1" nextAc="seek">
-              <p:cTn id="2" dur="indefinite" nodeType="mainSeq">
-                <p:childTnLst>
-                  <p:par>
-                    <p:cTn id="3" fill="hold">
-                      <p:stCondLst>
-                        <p:cond delay="indefinite"/>
-                      </p:stCondLst>
-                      <p:childTnLst>
-                        <p:par>
-                          <p:cTn id="4" fill="hold">
-                            <p:stCondLst>
-                              <p:cond delay="0"/>
-                            </p:stCondLst>
-                            <p:childTnLst>
-                              <p:par>
-                                <p:cTn id="5" presetID="9" presetClass="entr" presetSubtype="0" fill="hold" grpId="0" nodeType="clickEffect">
-                                  <p:stCondLst>
-                                    <p:cond delay="0"/>
-                                  </p:stCondLst>
-                                  <p:childTnLst>
-                                    <p:set>
-                                      <p:cBhvr>
-                                        <p:cTn id="6" dur="1" fill="hold">
-                                          <p:stCondLst>
-                                            <p:cond delay="0"/>
-                                          </p:stCondLst>
-                                        </p:cTn>
-                                        <p:tgtEl>
-                                          <p:spTgt spid="3">
-                                            <p:txEl>
-                                              <p:pRg st="0" end="0"/>
-                                            </p:txEl>
-                                          </p:spTgt>
-                                        </p:tgtEl>
-                                        <p:attrNameLst>
-                                          <p:attrName>style.visibility</p:attrName>
-                                        </p:attrNameLst>
-                                      </p:cBhvr>
-                                      <p:to>
-                                        <p:strVal val="visible"/>
-                                      </p:to>
-                                    </p:set>
-                                    <p:animEffect transition="in" filter="dissolve">
-                                      <p:cBhvr>
-                                        <p:cTn id="7" dur="500"/>
-                                        <p:tgtEl>
-                                          <p:spTgt spid="3">
-                                            <p:txEl>
-                                              <p:pRg st="0" end="0"/>
-                                            </p:txEl>
-                                          </p:spTgt>
-                                        </p:tgtEl>
-                                      </p:cBhvr>
-                                    </p:animEffect>
-                                  </p:childTnLst>
-                                </p:cTn>
-                              </p:par>
-                            </p:childTnLst>
-                          </p:cTn>
-                        </p:par>
-                      </p:childTnLst>
-                    </p:cTn>
-                  </p:par>
-                  <p:par>
-                    <p:cTn id="8" fill="hold">
-                      <p:stCondLst>
-                        <p:cond delay="indefinite"/>
-                      </p:stCondLst>
-                      <p:childTnLst>
-                        <p:par>
-                          <p:cTn id="9" fill="hold">
-                            <p:stCondLst>
-                              <p:cond delay="0"/>
-                            </p:stCondLst>
-                            <p:childTnLst>
-                              <p:par>
-                                <p:cTn id="10" presetID="9" presetClass="entr" presetSubtype="0" fill="hold" grpId="0" nodeType="clickEffect">
-                                  <p:stCondLst>
-                                    <p:cond delay="0"/>
-                                  </p:stCondLst>
-                                  <p:childTnLst>
-                                    <p:set>
-                                      <p:cBhvr>
-                                        <p:cTn id="11" dur="1" fill="hold">
-                                          <p:stCondLst>
-                                            <p:cond delay="0"/>
-                                          </p:stCondLst>
-                                        </p:cTn>
-                                        <p:tgtEl>
-                                          <p:spTgt spid="3">
-                                            <p:txEl>
-                                              <p:pRg st="1" end="1"/>
-                                            </p:txEl>
-                                          </p:spTgt>
-                                        </p:tgtEl>
-                                        <p:attrNameLst>
-                                          <p:attrName>style.visibility</p:attrName>
-                                        </p:attrNameLst>
-                                      </p:cBhvr>
-                                      <p:to>
-                                        <p:strVal val="visible"/>
-                                      </p:to>
-                                    </p:set>
-                                    <p:animEffect transition="in" filter="dissolve">
-                                      <p:cBhvr>
-                                        <p:cTn id="12" dur="500"/>
-                                        <p:tgtEl>
-                                          <p:spTgt spid="3">
-                                            <p:txEl>
-                                              <p:pRg st="1" end="1"/>
-                                            </p:txEl>
-                                          </p:spTgt>
-                                        </p:tgtEl>
-                                      </p:cBhvr>
-                                    </p:animEffect>
-                                  </p:childTnLst>
-                                </p:cTn>
-                              </p:par>
-                              <p:par>
-                                <p:cTn id="13" presetID="9" presetClass="exit" presetSubtype="0" fill="hold" grpId="1" nodeType="withEffect">
-                                  <p:stCondLst>
-                                    <p:cond delay="0"/>
-                                  </p:stCondLst>
-                                  <p:childTnLst>
-                                    <p:animEffect transition="out" filter="dissolve">
-                                      <p:cBhvr>
-                                        <p:cTn id="14" dur="500"/>
-                                        <p:tgtEl>
-                                          <p:spTgt spid="3">
-                                            <p:txEl>
-                                              <p:pRg st="0" end="0"/>
-                                            </p:txEl>
-                                          </p:spTgt>
-                                        </p:tgtEl>
-                                      </p:cBhvr>
-                                    </p:animEffect>
-                                    <p:set>
-                                      <p:cBhvr>
-                                        <p:cTn id="15" dur="1" fill="hold">
-                                          <p:stCondLst>
-                                            <p:cond delay="499"/>
-                                          </p:stCondLst>
-                                        </p:cTn>
-                                        <p:tgtEl>
-                                          <p:spTgt spid="3">
-                                            <p:txEl>
-                                              <p:pRg st="0" end="0"/>
-                                            </p:txEl>
-                                          </p:spTgt>
-                                        </p:tgtEl>
-                                        <p:attrNameLst>
-                                          <p:attrName>style.visibility</p:attrName>
-                                        </p:attrNameLst>
-                                      </p:cBhvr>
-                                      <p:to>
-                                        <p:strVal val="hidden"/>
-                                      </p:to>
-                                    </p:set>
-                                  </p:childTnLst>
-                                </p:cTn>
-                              </p:par>
-                            </p:childTnLst>
-                          </p:cTn>
-                        </p:par>
-                      </p:childTnLst>
-                    </p:cTn>
-                  </p:par>
-                  <p:par>
-                    <p:cTn id="16" fill="hold">
-                      <p:stCondLst>
-                        <p:cond delay="indefinite"/>
-                      </p:stCondLst>
-                      <p:childTnLst>
-                        <p:par>
-                          <p:cTn id="17" fill="hold">
-                            <p:stCondLst>
-                              <p:cond delay="0"/>
-                            </p:stCondLst>
-                            <p:childTnLst>
-                              <p:par>
-                                <p:cTn id="18" presetID="9" presetClass="exit" presetSubtype="0" fill="hold" grpId="1" nodeType="clickEffect">
-                                  <p:stCondLst>
-                                    <p:cond delay="0"/>
-                                  </p:stCondLst>
-                                  <p:childTnLst>
-                                    <p:animEffect transition="out" filter="dissolve">
-                                      <p:cBhvr>
-                                        <p:cTn id="19" dur="500"/>
-                                        <p:tgtEl>
-                                          <p:spTgt spid="3">
-                                            <p:txEl>
-                                              <p:pRg st="1" end="1"/>
-                                            </p:txEl>
-                                          </p:spTgt>
-                                        </p:tgtEl>
-                                      </p:cBhvr>
-                                    </p:animEffect>
-                                    <p:set>
-                                      <p:cBhvr>
-                                        <p:cTn id="20" dur="1" fill="hold">
-                                          <p:stCondLst>
-                                            <p:cond delay="499"/>
-                                          </p:stCondLst>
-                                        </p:cTn>
-                                        <p:tgtEl>
-                                          <p:spTgt spid="3">
-                                            <p:txEl>
-                                              <p:pRg st="1" end="1"/>
-                                            </p:txEl>
-                                          </p:spTgt>
-                                        </p:tgtEl>
-                                        <p:attrNameLst>
-                                          <p:attrName>style.visibility</p:attrName>
-                                        </p:attrNameLst>
-                                      </p:cBhvr>
-                                      <p:to>
-                                        <p:strVal val="hidden"/>
-                                      </p:to>
-                                    </p:set>
-                                  </p:childTnLst>
-                                </p:cTn>
-                              </p:par>
-                              <p:par>
-                                <p:cTn id="21" presetID="9" presetClass="entr" presetSubtype="0" fill="hold" grpId="0" nodeType="withEffect">
-                                  <p:stCondLst>
-                                    <p:cond delay="0"/>
-                                  </p:stCondLst>
-                                  <p:childTnLst>
-                                    <p:set>
-                                      <p:cBhvr>
-                                        <p:cTn id="22" dur="1" fill="hold">
-                                          <p:stCondLst>
-                                            <p:cond delay="0"/>
-                                          </p:stCondLst>
-                                        </p:cTn>
-                                        <p:tgtEl>
-                                          <p:spTgt spid="3">
-                                            <p:txEl>
-                                              <p:pRg st="2" end="2"/>
-                                            </p:txEl>
-                                          </p:spTgt>
-                                        </p:tgtEl>
-                                        <p:attrNameLst>
-                                          <p:attrName>style.visibility</p:attrName>
-                                        </p:attrNameLst>
-                                      </p:cBhvr>
-                                      <p:to>
-                                        <p:strVal val="visible"/>
-                                      </p:to>
-                                    </p:set>
-                                    <p:animEffect transition="in" filter="dissolve">
-                                      <p:cBhvr>
-                                        <p:cTn id="23" dur="500"/>
-                                        <p:tgtEl>
-                                          <p:spTgt spid="3">
-                                            <p:txEl>
-                                              <p:pRg st="2" end="2"/>
-                                            </p:txEl>
-                                          </p:spTgt>
-                                        </p:tgtEl>
-                                      </p:cBhvr>
-                                    </p:animEffect>
-                                  </p:childTnLst>
-                                </p:cTn>
-                              </p:par>
-                            </p:childTnLst>
-                          </p:cTn>
-                        </p:par>
-                      </p:childTnLst>
-                    </p:cTn>
-                  </p:par>
-                  <p:par>
-                    <p:cTn id="24" fill="hold">
-                      <p:stCondLst>
-                        <p:cond delay="indefinite"/>
-                      </p:stCondLst>
-                      <p:childTnLst>
-                        <p:par>
-                          <p:cTn id="25" fill="hold">
-                            <p:stCondLst>
-                              <p:cond delay="0"/>
-                            </p:stCondLst>
-                            <p:childTnLst>
-                              <p:par>
-                                <p:cTn id="26" presetID="9" presetClass="exit" presetSubtype="0" fill="hold" grpId="1" nodeType="clickEffect">
-                                  <p:stCondLst>
-                                    <p:cond delay="0"/>
-                                  </p:stCondLst>
-                                  <p:childTnLst>
-                                    <p:animEffect transition="out" filter="dissolve">
-                                      <p:cBhvr>
-                                        <p:cTn id="27" dur="500"/>
-                                        <p:tgtEl>
-                                          <p:spTgt spid="3">
-                                            <p:txEl>
-                                              <p:pRg st="2" end="2"/>
-                                            </p:txEl>
-                                          </p:spTgt>
-                                        </p:tgtEl>
-                                      </p:cBhvr>
-                                    </p:animEffect>
-                                    <p:set>
-                                      <p:cBhvr>
-                                        <p:cTn id="28" dur="1" fill="hold">
-                                          <p:stCondLst>
-                                            <p:cond delay="499"/>
-                                          </p:stCondLst>
-                                        </p:cTn>
-                                        <p:tgtEl>
-                                          <p:spTgt spid="3">
-                                            <p:txEl>
-                                              <p:pRg st="2" end="2"/>
-                                            </p:txEl>
-                                          </p:spTgt>
-                                        </p:tgtEl>
-                                        <p:attrNameLst>
-                                          <p:attrName>style.visibility</p:attrName>
-                                        </p:attrNameLst>
-                                      </p:cBhvr>
-                                      <p:to>
-                                        <p:strVal val="hidden"/>
-                                      </p:to>
-                                    </p:set>
-                                  </p:childTnLst>
-                                </p:cTn>
-                              </p:par>
-                              <p:par>
-                                <p:cTn id="29" presetID="9" presetClass="entr" presetSubtype="0" fill="hold" grpId="0" nodeType="withEffect">
-                                  <p:stCondLst>
-                                    <p:cond delay="0"/>
-                                  </p:stCondLst>
-                                  <p:childTnLst>
-                                    <p:set>
-                                      <p:cBhvr>
-                                        <p:cTn id="30" dur="1" fill="hold">
-                                          <p:stCondLst>
-                                            <p:cond delay="0"/>
-                                          </p:stCondLst>
-                                        </p:cTn>
-                                        <p:tgtEl>
-                                          <p:spTgt spid="3">
-                                            <p:txEl>
-                                              <p:pRg st="3" end="3"/>
-                                            </p:txEl>
-                                          </p:spTgt>
-                                        </p:tgtEl>
-                                        <p:attrNameLst>
-                                          <p:attrName>style.visibility</p:attrName>
-                                        </p:attrNameLst>
-                                      </p:cBhvr>
-                                      <p:to>
-                                        <p:strVal val="visible"/>
-                                      </p:to>
-                                    </p:set>
-                                    <p:animEffect transition="in" filter="dissolve">
-                                      <p:cBhvr>
-                                        <p:cTn id="31" dur="500"/>
-                                        <p:tgtEl>
-                                          <p:spTgt spid="3">
-                                            <p:txEl>
-                                              <p:pRg st="3" end="3"/>
-                                            </p:txEl>
-                                          </p:spTgt>
-                                        </p:tgtEl>
-                                      </p:cBhvr>
-                                    </p:animEffect>
-                                  </p:childTnLst>
-                                </p:cTn>
-                              </p:par>
-                            </p:childTnLst>
-                          </p:cTn>
-                        </p:par>
-                      </p:childTnLst>
-                    </p:cTn>
-                  </p:par>
-                </p:childTnLst>
-              </p:cTn>
-              <p:prevCondLst>
-                <p:cond evt="onPrev" delay="0">
-                  <p:tgtEl>
-                    <p:sldTgt/>
-                  </p:tgtEl>
-                </p:cond>
-              </p:prevCondLst>
-              <p:nextCondLst>
-                <p:cond evt="onNext" delay="0">
-                  <p:tgtEl>
-                    <p:sldTgt/>
-                  </p:tgtEl>
-                </p:cond>
-              </p:nextCondLst>
-            </p:seq>
-          </p:childTnLst>
-        </p:cTn>
-      </p:par>
-    </p:tnLst>
-    <p:bldLst>
-      <p:bldP spid="3" grpId="0" uiExpand="1" build="p"/>
-      <p:bldP spid="3" grpId="1" uiExpand="1" build="p"/>
-    </p:bldLst>
-  </p:timing>
-</p:sld>
-</file>
-
 <file path=ppt/slides/slide45.xml><?xml version="1.0" encoding="utf-8"?>
 <p:sld xmlns:a="http://schemas.openxmlformats.org/drawingml/2006/main" xmlns:r="http://schemas.openxmlformats.org/officeDocument/2006/relationships" xmlns:p="http://schemas.openxmlformats.org/presentationml/2006/main">
   <p:cSld>
@@ -26038,29 +25968,26 @@
           <a:p>
             <a:r>
               <a:rPr lang="pt" sz="3200" dirty="0"/>
-              <a:t>No exemplo dos robôs da Amazon, aumentar o número de robôs em operação (que pode ser automático) pode congestionar os corredores</a:t>
+              <a:t>Tornar um sistema escalável em uma ou mais dimensões é um grande desafio</a:t>
             </a:r>
           </a:p>
           <a:p>
             <a:r>
               <a:rPr lang="pt" sz="3200" dirty="0"/>
-              <a:t>Isto causaria uma perda de desempenho geral</a:t>
+              <a:t>É preciso fazer um balanço entre benefícios e desvantagens</a:t>
             </a:r>
           </a:p>
           <a:p>
             <a:r>
               <a:rPr lang="pt" sz="3200" dirty="0"/>
-              <a:t>Ou seja, introduziria uma certa lentidão em todo o sistema</a:t>
+              <a:t>Uma das desvantagens é que o aumenta da escala para atender mais usuários pode trazer perdas de desempenho em geral [SDPP]</a:t>
             </a:r>
           </a:p>
           <a:p>
             <a:r>
               <a:rPr lang="pt" sz="3200" dirty="0"/>
-              <a:t>Para cada uma das 3 dimensões em que um sistema pode ser escalável, existem problemas associados quando uma dessas dimensões é alterada.</a:t>
-            </a:r>
-          </a:p>
-          <a:p>
-            <a:endParaRPr lang="pt" sz="3200" dirty="0"/>
+              <a:t>Mais computadores pode aumentar a troca de mensagens e o tempo de resposta</a:t>
+            </a:r>
           </a:p>
         </p:txBody>
       </p:sp>
@@ -26096,7 +26023,7 @@
     </p:spTree>
     <p:extLst>
       <p:ext uri="{BB962C8B-B14F-4D97-AF65-F5344CB8AC3E}">
-        <p14:creationId xmlns:p14="http://schemas.microsoft.com/office/powerpoint/2010/main" val="1445016055"/>
+        <p14:creationId xmlns:p14="http://schemas.microsoft.com/office/powerpoint/2010/main" val="356292151"/>
       </p:ext>
     </p:extLst>
   </p:cSld>
@@ -26185,14 +26112,57 @@
                             </p:stCondLst>
                             <p:childTnLst>
                               <p:par>
-                                <p:cTn id="10" presetID="9" presetClass="exit" presetSubtype="0" fill="hold" grpId="1" nodeType="clickEffect">
+                                <p:cTn id="10" presetID="9" presetClass="entr" presetSubtype="0" fill="hold" grpId="0" nodeType="clickEffect">
+                                  <p:stCondLst>
+                                    <p:cond delay="0"/>
+                                  </p:stCondLst>
+                                  <p:childTnLst>
+                                    <p:set>
+                                      <p:cBhvr>
+                                        <p:cTn id="11" dur="1" fill="hold">
+                                          <p:stCondLst>
+                                            <p:cond delay="0"/>
+                                          </p:stCondLst>
+                                        </p:cTn>
+                                        <p:tgtEl>
+                                          <p:spTgt spid="3">
+                                            <p:txEl>
+                                              <p:pRg st="1" end="1"/>
+                                            </p:txEl>
+                                          </p:spTgt>
+                                        </p:tgtEl>
+                                        <p:attrNameLst>
+                                          <p:attrName>style.visibility</p:attrName>
+                                        </p:attrNameLst>
+                                      </p:cBhvr>
+                                      <p:to>
+                                        <p:strVal val="visible"/>
+                                      </p:to>
+                                    </p:set>
+                                    <p:animEffect transition="in" filter="dissolve">
+                                      <p:cBhvr>
+                                        <p:cTn id="12" dur="500"/>
+                                        <p:tgtEl>
+                                          <p:spTgt spid="3">
+                                            <p:txEl>
+                                              <p:pRg st="1" end="1"/>
+                                            </p:txEl>
+                                          </p:spTgt>
+                                        </p:tgtEl>
+                                      </p:cBhvr>
+                                    </p:animEffect>
+                                  </p:childTnLst>
+                                </p:cTn>
+                              </p:par>
+                              <p:par>
+                                <p:cTn id="13" presetID="9" presetClass="exit" presetSubtype="0" fill="hold" grpId="1" nodeType="withEffect">
                                   <p:stCondLst>
                                     <p:cond delay="0"/>
                                   </p:stCondLst>
                                   <p:childTnLst>
                                     <p:animEffect transition="out" filter="dissolve">
                                       <p:cBhvr>
-                                        <p:cTn id="11" dur="500"/>
+                                        <p:cTn id="14" dur="500"/>
                                         <p:tgtEl>
                                           <p:spTgt spid="3">
                                             <p:txEl>
@@ -26204,7 +26174,7 @@
                                     </p:animEffect>
                                     <p:set>
                                       <p:cBhvr>
-                                        <p:cTn id="12" dur="1" fill="hold">
+                                        <p:cTn id="15" dur="1" fill="hold">
                                           <p:stCondLst>
                                             <p:cond delay="499"/>
                                           </p:stCondLst>
@@ -26224,49 +26194,6 @@
                                         <p:strVal val="hidden"/>
                                       </p:to>
                                     </p:set>
-                                  </p:childTnLst>
-                                </p:cTn>
-                              </p:par>
-                              <p:par>
-                                <p:cTn id="13" presetID="9" presetClass="entr" presetSubtype="0" fill="hold" grpId="0" nodeType="withEffect">
-                                  <p:stCondLst>
-                                    <p:cond delay="0"/>
-                                  </p:stCondLst>
-                                  <p:childTnLst>
-                                    <p:set>
-                                      <p:cBhvr>
-                                        <p:cTn id="14" dur="1" fill="hold">
-                                          <p:stCondLst>
-                                            <p:cond delay="0"/>
-                                          </p:stCondLst>
-                                        </p:cTn>
-                                        <p:tgtEl>
-                                          <p:spTgt spid="3">
-                                            <p:txEl>
-                                              <p:pRg st="1" end="1"/>
-                                            </p:txEl>
-                                          </p:spTgt>
-                                        </p:tgtEl>
-                                        <p:attrNameLst>
-                                          <p:attrName>style.visibility</p:attrName>
-                                        </p:attrNameLst>
-                                      </p:cBhvr>
-                                      <p:to>
-                                        <p:strVal val="visible"/>
-                                      </p:to>
-                                    </p:set>
-                                    <p:animEffect transition="in" filter="dissolve">
-                                      <p:cBhvr>
-                                        <p:cTn id="15" dur="500"/>
-                                        <p:tgtEl>
-                                          <p:spTgt spid="3">
-                                            <p:txEl>
-                                              <p:pRg st="1" end="1"/>
-                                            </p:txEl>
-                                          </p:spTgt>
-                                        </p:tgtEl>
-                                      </p:cBhvr>
-                                    </p:animEffect>
                                   </p:childTnLst>
                                 </p:cTn>
                               </p:par>
@@ -26393,7 +26320,7 @@
                             </p:stCondLst>
                             <p:childTnLst>
                               <p:par>
-                                <p:cTn id="26" presetID="9" presetClass="exit" presetSubtype="0" fill="hold" nodeType="clickEffect">
+                                <p:cTn id="26" presetID="9" presetClass="exit" presetSubtype="0" fill="hold" grpId="1" nodeType="clickEffect">
                                   <p:stCondLst>
                                     <p:cond delay="0"/>
                                   </p:stCondLst>
@@ -26558,17 +26485,9 @@
           </a:bodyPr>
           <a:lstStyle/>
           <a:p>
-            <a:pPr algn="ctr"/>
             <a:r>
               <a:rPr lang="pt-BR" b="1" i="1" dirty="0"/>
-              <a:t>Problemas de </a:t>
-            </a:r>
-            <a:br>
-              <a:rPr lang="pt-BR" b="1" i="1" dirty="0"/>
-            </a:br>
-            <a:r>
-              <a:rPr lang="pt-BR" b="1" i="1" dirty="0"/>
-              <a:t>ESCALABILIDADE de tamanho</a:t>
+              <a:t>Problemas de ESCALABILIDADE</a:t>
             </a:r>
             <a:endParaRPr lang="pt-BR" dirty="0"/>
           </a:p>
@@ -26602,54 +26521,31 @@
           </a:bodyPr>
           <a:lstStyle/>
           <a:p>
-            <a:pPr marL="0" indent="0">
-              <a:buNone/>
-            </a:pPr>
-            <a:r>
-              <a:rPr lang="pt" sz="3600" dirty="0"/>
-              <a:t>Quando um sistema aumenta a quantidade de usuários ou recursos, podemos ter limitações como [SDPP]:</a:t>
-            </a:r>
-          </a:p>
-          <a:p>
-            <a:r>
-              <a:rPr lang="en-US" sz="3600" dirty="0" err="1"/>
-              <a:t>Serviços</a:t>
-            </a:r>
-            <a:r>
-              <a:rPr lang="en-US" sz="3600" dirty="0"/>
-              <a:t> </a:t>
-            </a:r>
-            <a:r>
-              <a:rPr lang="en-US" sz="3600" dirty="0" err="1"/>
-              <a:t>centralizados</a:t>
-            </a:r>
-            <a:endParaRPr lang="pt" sz="3600" dirty="0"/>
-          </a:p>
-          <a:p>
-            <a:r>
-              <a:rPr lang="en-US" sz="3600" dirty="0"/>
-              <a:t>Dados </a:t>
-            </a:r>
-            <a:r>
-              <a:rPr lang="en-US" sz="3600" dirty="0" err="1"/>
-              <a:t>centralizados</a:t>
-            </a:r>
-            <a:endParaRPr lang="pt" sz="3600" dirty="0"/>
-          </a:p>
-          <a:p>
-            <a:r>
-              <a:rPr lang="en-US" sz="3600" dirty="0" err="1"/>
-              <a:t>Algoritmos</a:t>
-            </a:r>
-            <a:r>
-              <a:rPr lang="en-US" sz="3600" dirty="0"/>
-              <a:t> </a:t>
-            </a:r>
-            <a:r>
-              <a:rPr lang="en-US" sz="3600" dirty="0" err="1"/>
-              <a:t>centralizados</a:t>
-            </a:r>
-            <a:endParaRPr lang="pt" sz="3600" dirty="0"/>
+            <a:r>
+              <a:rPr lang="pt" sz="3200" dirty="0"/>
+              <a:t>No exemplo dos robôs da Amazon, aumentar o número de robôs em operação (que pode ser automático) pode congestionar os corredores</a:t>
+            </a:r>
+          </a:p>
+          <a:p>
+            <a:r>
+              <a:rPr lang="pt" sz="3200" dirty="0"/>
+              <a:t>Isto causaria uma perda de desempenho geral</a:t>
+            </a:r>
+          </a:p>
+          <a:p>
+            <a:r>
+              <a:rPr lang="pt" sz="3200" dirty="0"/>
+              <a:t>Ou seja, introduziria uma certa lentidão em todo o sistema</a:t>
+            </a:r>
+          </a:p>
+          <a:p>
+            <a:r>
+              <a:rPr lang="pt" sz="3200" dirty="0"/>
+              <a:t>Para cada uma das 3 dimensões em que um sistema pode ser escalável, existem problemas associados quando uma dessas dimensões é alterada.</a:t>
+            </a:r>
+          </a:p>
+          <a:p>
+            <a:endParaRPr lang="pt" sz="3200" dirty="0"/>
           </a:p>
         </p:txBody>
       </p:sp>
@@ -26685,7 +26581,7 @@
     </p:spTree>
     <p:extLst>
       <p:ext uri="{BB962C8B-B14F-4D97-AF65-F5344CB8AC3E}">
-        <p14:creationId xmlns:p14="http://schemas.microsoft.com/office/powerpoint/2010/main" val="2159263314"/>
+        <p14:creationId xmlns:p14="http://schemas.microsoft.com/office/powerpoint/2010/main" val="1445016055"/>
       </p:ext>
     </p:extLst>
   </p:cSld>
@@ -26774,14 +26670,57 @@
                             </p:stCondLst>
                             <p:childTnLst>
                               <p:par>
-                                <p:cTn id="10" presetID="9" presetClass="entr" presetSubtype="0" fill="hold" grpId="0" nodeType="clickEffect">
+                                <p:cTn id="10" presetID="9" presetClass="exit" presetSubtype="0" fill="hold" grpId="1" nodeType="clickEffect">
+                                  <p:stCondLst>
+                                    <p:cond delay="0"/>
+                                  </p:stCondLst>
+                                  <p:childTnLst>
+                                    <p:animEffect transition="out" filter="dissolve">
+                                      <p:cBhvr>
+                                        <p:cTn id="11" dur="500"/>
+                                        <p:tgtEl>
+                                          <p:spTgt spid="3">
+                                            <p:txEl>
+                                              <p:pRg st="0" end="0"/>
+                                            </p:txEl>
+                                          </p:spTgt>
+                                        </p:tgtEl>
+                                      </p:cBhvr>
+                                    </p:animEffect>
+                                    <p:set>
+                                      <p:cBhvr>
+                                        <p:cTn id="12" dur="1" fill="hold">
+                                          <p:stCondLst>
+                                            <p:cond delay="499"/>
+                                          </p:stCondLst>
+                                        </p:cTn>
+                                        <p:tgtEl>
+                                          <p:spTgt spid="3">
+                                            <p:txEl>
+                                              <p:pRg st="0" end="0"/>
+                                            </p:txEl>
+                                          </p:spTgt>
+                                        </p:tgtEl>
+                                        <p:attrNameLst>
+                                          <p:attrName>style.visibility</p:attrName>
+                                        </p:attrNameLst>
+                                      </p:cBhvr>
+                                      <p:to>
+                                        <p:strVal val="hidden"/>
+                                      </p:to>
+                                    </p:set>
+                                  </p:childTnLst>
+                                </p:cTn>
+                              </p:par>
+                              <p:par>
+                                <p:cTn id="13" presetID="9" presetClass="entr" presetSubtype="0" fill="hold" grpId="0" nodeType="withEffect">
                                   <p:stCondLst>
                                     <p:cond delay="0"/>
                                   </p:stCondLst>
                                   <p:childTnLst>
                                     <p:set>
                                       <p:cBhvr>
-                                        <p:cTn id="11" dur="1" fill="hold">
+                                        <p:cTn id="14" dur="1" fill="hold">
                                           <p:stCondLst>
                                             <p:cond delay="0"/>
                                           </p:stCondLst>
@@ -26803,7 +26742,7 @@
                                     </p:set>
                                     <p:animEffect transition="in" filter="dissolve">
                                       <p:cBhvr>
-                                        <p:cTn id="12" dur="500"/>
+                                        <p:cTn id="15" dur="500"/>
                                         <p:tgtEl>
                                           <p:spTgt spid="3">
                                             <p:txEl>
@@ -26823,26 +26762,69 @@
                     </p:cTn>
                   </p:par>
                   <p:par>
-                    <p:cTn id="13" fill="hold">
+                    <p:cTn id="16" fill="hold">
                       <p:stCondLst>
                         <p:cond delay="indefinite"/>
                       </p:stCondLst>
                       <p:childTnLst>
                         <p:par>
-                          <p:cTn id="14" fill="hold">
+                          <p:cTn id="17" fill="hold">
                             <p:stCondLst>
                               <p:cond delay="0"/>
                             </p:stCondLst>
                             <p:childTnLst>
                               <p:par>
-                                <p:cTn id="15" presetID="9" presetClass="entr" presetSubtype="0" fill="hold" grpId="0" nodeType="clickEffect">
+                                <p:cTn id="18" presetID="9" presetClass="exit" presetSubtype="0" fill="hold" grpId="1" nodeType="clickEffect">
+                                  <p:stCondLst>
+                                    <p:cond delay="0"/>
+                                  </p:stCondLst>
+                                  <p:childTnLst>
+                                    <p:animEffect transition="out" filter="dissolve">
+                                      <p:cBhvr>
+                                        <p:cTn id="19" dur="500"/>
+                                        <p:tgtEl>
+                                          <p:spTgt spid="3">
+                                            <p:txEl>
+                                              <p:pRg st="1" end="1"/>
+                                            </p:txEl>
+                                          </p:spTgt>
+                                        </p:tgtEl>
+                                      </p:cBhvr>
+                                    </p:animEffect>
+                                    <p:set>
+                                      <p:cBhvr>
+                                        <p:cTn id="20" dur="1" fill="hold">
+                                          <p:stCondLst>
+                                            <p:cond delay="499"/>
+                                          </p:stCondLst>
+                                        </p:cTn>
+                                        <p:tgtEl>
+                                          <p:spTgt spid="3">
+                                            <p:txEl>
+                                              <p:pRg st="1" end="1"/>
+                                            </p:txEl>
+                                          </p:spTgt>
+                                        </p:tgtEl>
+                                        <p:attrNameLst>
+                                          <p:attrName>style.visibility</p:attrName>
+                                        </p:attrNameLst>
+                                      </p:cBhvr>
+                                      <p:to>
+                                        <p:strVal val="hidden"/>
+                                      </p:to>
+                                    </p:set>
+                                  </p:childTnLst>
+                                </p:cTn>
+                              </p:par>
+                              <p:par>
+                                <p:cTn id="21" presetID="9" presetClass="entr" presetSubtype="0" fill="hold" grpId="0" nodeType="withEffect">
                                   <p:stCondLst>
                                     <p:cond delay="0"/>
                                   </p:stCondLst>
                                   <p:childTnLst>
                                     <p:set>
                                       <p:cBhvr>
-                                        <p:cTn id="16" dur="1" fill="hold">
+                                        <p:cTn id="22" dur="1" fill="hold">
                                           <p:stCondLst>
                                             <p:cond delay="0"/>
                                           </p:stCondLst>
@@ -26864,7 +26846,7 @@
                                     </p:set>
                                     <p:animEffect transition="in" filter="dissolve">
                                       <p:cBhvr>
-                                        <p:cTn id="17" dur="500"/>
+                                        <p:cTn id="23" dur="500"/>
                                         <p:tgtEl>
                                           <p:spTgt spid="3">
                                             <p:txEl>
@@ -26884,26 +26866,69 @@
                     </p:cTn>
                   </p:par>
                   <p:par>
-                    <p:cTn id="18" fill="hold">
+                    <p:cTn id="24" fill="hold">
                       <p:stCondLst>
                         <p:cond delay="indefinite"/>
                       </p:stCondLst>
                       <p:childTnLst>
                         <p:par>
-                          <p:cTn id="19" fill="hold">
+                          <p:cTn id="25" fill="hold">
                             <p:stCondLst>
                               <p:cond delay="0"/>
                             </p:stCondLst>
                             <p:childTnLst>
                               <p:par>
-                                <p:cTn id="20" presetID="9" presetClass="entr" presetSubtype="0" fill="hold" grpId="0" nodeType="clickEffect">
+                                <p:cTn id="26" presetID="9" presetClass="exit" presetSubtype="0" fill="hold" nodeType="clickEffect">
+                                  <p:stCondLst>
+                                    <p:cond delay="0"/>
+                                  </p:stCondLst>
+                                  <p:childTnLst>
+                                    <p:animEffect transition="out" filter="dissolve">
+                                      <p:cBhvr>
+                                        <p:cTn id="27" dur="500"/>
+                                        <p:tgtEl>
+                                          <p:spTgt spid="3">
+                                            <p:txEl>
+                                              <p:pRg st="2" end="2"/>
+                                            </p:txEl>
+                                          </p:spTgt>
+                                        </p:tgtEl>
+                                      </p:cBhvr>
+                                    </p:animEffect>
+                                    <p:set>
+                                      <p:cBhvr>
+                                        <p:cTn id="28" dur="1" fill="hold">
+                                          <p:stCondLst>
+                                            <p:cond delay="499"/>
+                                          </p:stCondLst>
+                                        </p:cTn>
+                                        <p:tgtEl>
+                                          <p:spTgt spid="3">
+                                            <p:txEl>
+                                              <p:pRg st="2" end="2"/>
+                                            </p:txEl>
+                                          </p:spTgt>
+                                        </p:tgtEl>
+                                        <p:attrNameLst>
+                                          <p:attrName>style.visibility</p:attrName>
+                                        </p:attrNameLst>
+                                      </p:cBhvr>
+                                      <p:to>
+                                        <p:strVal val="hidden"/>
+                                      </p:to>
+                                    </p:set>
+                                  </p:childTnLst>
+                                </p:cTn>
+                              </p:par>
+                              <p:par>
+                                <p:cTn id="29" presetID="9" presetClass="entr" presetSubtype="0" fill="hold" grpId="0" nodeType="withEffect">
                                   <p:stCondLst>
                                     <p:cond delay="0"/>
                                   </p:stCondLst>
                                   <p:childTnLst>
                                     <p:set>
                                       <p:cBhvr>
-                                        <p:cTn id="21" dur="1" fill="hold">
+                                        <p:cTn id="30" dur="1" fill="hold">
                                           <p:stCondLst>
                                             <p:cond delay="0"/>
                                           </p:stCondLst>
@@ -26925,7 +26950,7 @@
                                     </p:set>
                                     <p:animEffect transition="in" filter="dissolve">
                                       <p:cBhvr>
-                                        <p:cTn id="22" dur="500"/>
+                                        <p:cTn id="31" dur="500"/>
                                         <p:tgtEl>
                                           <p:spTgt spid="3">
                                             <p:txEl>
@@ -26966,7 +26991,8 @@
       </p:par>
     </p:tnLst>
     <p:bldLst>
-      <p:bldP spid="3" grpId="0" build="p"/>
+      <p:bldP spid="3" grpId="0" uiExpand="1" build="p"/>
+      <p:bldP spid="3" grpId="1" uiExpand="1" build="p"/>
     </p:bldLst>
   </p:timing>
 </p:sld>
@@ -27020,14 +27046,14 @@
             <a:pPr algn="ctr"/>
             <a:r>
               <a:rPr lang="pt-BR" b="1" i="1" dirty="0"/>
-              <a:t>Problema: </a:t>
+              <a:t>Problemas de </a:t>
             </a:r>
             <a:br>
               <a:rPr lang="pt-BR" b="1" i="1" dirty="0"/>
             </a:br>
             <a:r>
               <a:rPr lang="pt-BR" b="1" i="1" dirty="0"/>
-              <a:t>Serviço centralizado</a:t>
+              <a:t>ESCALABILIDADE de tamanho</a:t>
             </a:r>
             <a:endParaRPr lang="pt-BR" dirty="0"/>
           </a:p>
@@ -27061,28 +27087,54 @@
           </a:bodyPr>
           <a:lstStyle/>
           <a:p>
+            <a:pPr marL="0" indent="0">
+              <a:buNone/>
+            </a:pPr>
             <a:r>
               <a:rPr lang="pt" sz="3600" dirty="0"/>
-              <a:t>Possui apenas um servidor para atender os usuários e gerenciar recursos</a:t>
-            </a:r>
-          </a:p>
-          <a:p>
-            <a:r>
-              <a:rPr lang="pt" sz="3600" dirty="0"/>
-              <a:t>A medida que o número de usuários ou recursos aumenta, o servidor pode ficar sobrecarregado</a:t>
-            </a:r>
-          </a:p>
-          <a:p>
-            <a:r>
-              <a:rPr lang="pt" sz="3600" dirty="0"/>
-              <a:t>Pode não conseguir atender com eficiência os usuários atuais</a:t>
-            </a:r>
-          </a:p>
-          <a:p>
-            <a:r>
-              <a:rPr lang="pt" sz="3600" dirty="0"/>
-              <a:t>ou nem mesmo conseguir atender novos usuários</a:t>
-            </a:r>
+              <a:t>Quando um sistema aumenta a quantidade de usuários ou recursos, podemos ter limitações como [SDPP]:</a:t>
+            </a:r>
+          </a:p>
+          <a:p>
+            <a:r>
+              <a:rPr lang="en-US" sz="3600" dirty="0" err="1"/>
+              <a:t>Serviços</a:t>
+            </a:r>
+            <a:r>
+              <a:rPr lang="en-US" sz="3600" dirty="0"/>
+              <a:t> </a:t>
+            </a:r>
+            <a:r>
+              <a:rPr lang="en-US" sz="3600" dirty="0" err="1"/>
+              <a:t>centralizados</a:t>
+            </a:r>
+            <a:endParaRPr lang="pt" sz="3600" dirty="0"/>
+          </a:p>
+          <a:p>
+            <a:r>
+              <a:rPr lang="en-US" sz="3600" dirty="0"/>
+              <a:t>Dados </a:t>
+            </a:r>
+            <a:r>
+              <a:rPr lang="en-US" sz="3600" dirty="0" err="1"/>
+              <a:t>centralizados</a:t>
+            </a:r>
+            <a:endParaRPr lang="pt" sz="3600" dirty="0"/>
+          </a:p>
+          <a:p>
+            <a:r>
+              <a:rPr lang="en-US" sz="3600" dirty="0" err="1"/>
+              <a:t>Algoritmos</a:t>
+            </a:r>
+            <a:r>
+              <a:rPr lang="en-US" sz="3600" dirty="0"/>
+              <a:t> </a:t>
+            </a:r>
+            <a:r>
+              <a:rPr lang="en-US" sz="3600" dirty="0" err="1"/>
+              <a:t>centralizados</a:t>
+            </a:r>
+            <a:endParaRPr lang="pt" sz="3600" dirty="0"/>
           </a:p>
         </p:txBody>
       </p:sp>
@@ -27118,7 +27170,7 @@
     </p:spTree>
     <p:extLst>
       <p:ext uri="{BB962C8B-B14F-4D97-AF65-F5344CB8AC3E}">
-        <p14:creationId xmlns:p14="http://schemas.microsoft.com/office/powerpoint/2010/main" val="558947494"/>
+        <p14:creationId xmlns:p14="http://schemas.microsoft.com/office/powerpoint/2010/main" val="2159263314"/>
       </p:ext>
     </p:extLst>
   </p:cSld>
@@ -27249,49 +27301,6 @@
                                   </p:childTnLst>
                                 </p:cTn>
                               </p:par>
-                              <p:par>
-                                <p:cTn id="13" presetID="9" presetClass="exit" presetSubtype="0" fill="hold" grpId="1" nodeType="withEffect">
-                                  <p:stCondLst>
-                                    <p:cond delay="0"/>
-                                  </p:stCondLst>
-                                  <p:childTnLst>
-                                    <p:animEffect transition="out" filter="dissolve">
-                                      <p:cBhvr>
-                                        <p:cTn id="14" dur="500"/>
-                                        <p:tgtEl>
-                                          <p:spTgt spid="3">
-                                            <p:txEl>
-                                              <p:pRg st="0" end="0"/>
-                                            </p:txEl>
-                                          </p:spTgt>
-                                        </p:tgtEl>
-                                      </p:cBhvr>
-                                    </p:animEffect>
-                                    <p:set>
-                                      <p:cBhvr>
-                                        <p:cTn id="15" dur="1" fill="hold">
-                                          <p:stCondLst>
-                                            <p:cond delay="499"/>
-                                          </p:stCondLst>
-                                        </p:cTn>
-                                        <p:tgtEl>
-                                          <p:spTgt spid="3">
-                                            <p:txEl>
-                                              <p:pRg st="0" end="0"/>
-                                            </p:txEl>
-                                          </p:spTgt>
-                                        </p:tgtEl>
-                                        <p:attrNameLst>
-                                          <p:attrName>style.visibility</p:attrName>
-                                        </p:attrNameLst>
-                                      </p:cBhvr>
-                                      <p:to>
-                                        <p:strVal val="hidden"/>
-                                      </p:to>
-                                    </p:set>
-                                  </p:childTnLst>
-                                </p:cTn>
-                              </p:par>
                             </p:childTnLst>
                           </p:cTn>
                         </p:par>
@@ -27299,69 +27308,26 @@
                     </p:cTn>
                   </p:par>
                   <p:par>
-                    <p:cTn id="16" fill="hold">
+                    <p:cTn id="13" fill="hold">
                       <p:stCondLst>
                         <p:cond delay="indefinite"/>
                       </p:stCondLst>
                       <p:childTnLst>
                         <p:par>
-                          <p:cTn id="17" fill="hold">
+                          <p:cTn id="14" fill="hold">
                             <p:stCondLst>
                               <p:cond delay="0"/>
                             </p:stCondLst>
                             <p:childTnLst>
                               <p:par>
-                                <p:cTn id="18" presetID="9" presetClass="exit" presetSubtype="0" fill="hold" grpId="1" nodeType="clickEffect">
-                                  <p:stCondLst>
-                                    <p:cond delay="0"/>
-                                  </p:stCondLst>
-                                  <p:childTnLst>
-                                    <p:animEffect transition="out" filter="dissolve">
-                                      <p:cBhvr>
-                                        <p:cTn id="19" dur="500"/>
-                                        <p:tgtEl>
-                                          <p:spTgt spid="3">
-                                            <p:txEl>
-                                              <p:pRg st="1" end="1"/>
-                                            </p:txEl>
-                                          </p:spTgt>
-                                        </p:tgtEl>
-                                      </p:cBhvr>
-                                    </p:animEffect>
-                                    <p:set>
-                                      <p:cBhvr>
-                                        <p:cTn id="20" dur="1" fill="hold">
-                                          <p:stCondLst>
-                                            <p:cond delay="499"/>
-                                          </p:stCondLst>
-                                        </p:cTn>
-                                        <p:tgtEl>
-                                          <p:spTgt spid="3">
-                                            <p:txEl>
-                                              <p:pRg st="1" end="1"/>
-                                            </p:txEl>
-                                          </p:spTgt>
-                                        </p:tgtEl>
-                                        <p:attrNameLst>
-                                          <p:attrName>style.visibility</p:attrName>
-                                        </p:attrNameLst>
-                                      </p:cBhvr>
-                                      <p:to>
-                                        <p:strVal val="hidden"/>
-                                      </p:to>
-                                    </p:set>
-                                  </p:childTnLst>
-                                </p:cTn>
-                              </p:par>
-                              <p:par>
-                                <p:cTn id="21" presetID="9" presetClass="entr" presetSubtype="0" fill="hold" grpId="0" nodeType="withEffect">
+                                <p:cTn id="15" presetID="9" presetClass="entr" presetSubtype="0" fill="hold" grpId="0" nodeType="clickEffect">
                                   <p:stCondLst>
                                     <p:cond delay="0"/>
                                   </p:stCondLst>
                                   <p:childTnLst>
                                     <p:set>
                                       <p:cBhvr>
-                                        <p:cTn id="22" dur="1" fill="hold">
+                                        <p:cTn id="16" dur="1" fill="hold">
                                           <p:stCondLst>
                                             <p:cond delay="0"/>
                                           </p:stCondLst>
@@ -27383,7 +27349,7 @@
                                     </p:set>
                                     <p:animEffect transition="in" filter="dissolve">
                                       <p:cBhvr>
-                                        <p:cTn id="23" dur="500"/>
+                                        <p:cTn id="17" dur="500"/>
                                         <p:tgtEl>
                                           <p:spTgt spid="3">
                                             <p:txEl>
@@ -27403,69 +27369,26 @@
                     </p:cTn>
                   </p:par>
                   <p:par>
-                    <p:cTn id="24" fill="hold">
+                    <p:cTn id="18" fill="hold">
                       <p:stCondLst>
                         <p:cond delay="indefinite"/>
                       </p:stCondLst>
                       <p:childTnLst>
                         <p:par>
-                          <p:cTn id="25" fill="hold">
+                          <p:cTn id="19" fill="hold">
                             <p:stCondLst>
                               <p:cond delay="0"/>
                             </p:stCondLst>
                             <p:childTnLst>
                               <p:par>
-                                <p:cTn id="26" presetID="9" presetClass="exit" presetSubtype="0" fill="hold" grpId="1" nodeType="clickEffect">
-                                  <p:stCondLst>
-                                    <p:cond delay="0"/>
-                                  </p:stCondLst>
-                                  <p:childTnLst>
-                                    <p:animEffect transition="out" filter="dissolve">
-                                      <p:cBhvr>
-                                        <p:cTn id="27" dur="500"/>
-                                        <p:tgtEl>
-                                          <p:spTgt spid="3">
-                                            <p:txEl>
-                                              <p:pRg st="2" end="2"/>
-                                            </p:txEl>
-                                          </p:spTgt>
-                                        </p:tgtEl>
-                                      </p:cBhvr>
-                                    </p:animEffect>
-                                    <p:set>
-                                      <p:cBhvr>
-                                        <p:cTn id="28" dur="1" fill="hold">
-                                          <p:stCondLst>
-                                            <p:cond delay="499"/>
-                                          </p:stCondLst>
-                                        </p:cTn>
-                                        <p:tgtEl>
-                                          <p:spTgt spid="3">
-                                            <p:txEl>
-                                              <p:pRg st="2" end="2"/>
-                                            </p:txEl>
-                                          </p:spTgt>
-                                        </p:tgtEl>
-                                        <p:attrNameLst>
-                                          <p:attrName>style.visibility</p:attrName>
-                                        </p:attrNameLst>
-                                      </p:cBhvr>
-                                      <p:to>
-                                        <p:strVal val="hidden"/>
-                                      </p:to>
-                                    </p:set>
-                                  </p:childTnLst>
-                                </p:cTn>
-                              </p:par>
-                              <p:par>
-                                <p:cTn id="29" presetID="9" presetClass="entr" presetSubtype="0" fill="hold" grpId="0" nodeType="withEffect">
+                                <p:cTn id="20" presetID="9" presetClass="entr" presetSubtype="0" fill="hold" grpId="0" nodeType="clickEffect">
                                   <p:stCondLst>
                                     <p:cond delay="0"/>
                                   </p:stCondLst>
                                   <p:childTnLst>
                                     <p:set>
                                       <p:cBhvr>
-                                        <p:cTn id="30" dur="1" fill="hold">
+                                        <p:cTn id="21" dur="1" fill="hold">
                                           <p:stCondLst>
                                             <p:cond delay="0"/>
                                           </p:stCondLst>
@@ -27487,7 +27410,7 @@
                                     </p:set>
                                     <p:animEffect transition="in" filter="dissolve">
                                       <p:cBhvr>
-                                        <p:cTn id="31" dur="500"/>
+                                        <p:cTn id="22" dur="500"/>
                                         <p:tgtEl>
                                           <p:spTgt spid="3">
                                             <p:txEl>
@@ -27528,8 +27451,7 @@
       </p:par>
     </p:tnLst>
     <p:bldLst>
-      <p:bldP spid="3" grpId="0" uiExpand="1" build="p"/>
-      <p:bldP spid="3" grpId="1" uiExpand="1" build="p"/>
+      <p:bldP spid="3" grpId="0" build="p"/>
     </p:bldLst>
   </p:timing>
 </p:sld>
@@ -27626,90 +27548,26 @@
           <a:p>
             <a:r>
               <a:rPr lang="pt" sz="3600" dirty="0"/>
-              <a:t>O servidor pode se tornar um gargalo: ineficiente com o aumento da demanda.</a:t>
-            </a:r>
-          </a:p>
-          <a:p>
-            <a:r>
-              <a:rPr lang="en-US" sz="3600" dirty="0"/>
-              <a:t>Um </a:t>
-            </a:r>
-            <a:r>
-              <a:rPr lang="en-US" sz="3600" dirty="0" err="1"/>
-              <a:t>gargalo</a:t>
-            </a:r>
-            <a:r>
-              <a:rPr lang="en-US" sz="3600" dirty="0"/>
-              <a:t> </a:t>
-            </a:r>
-            <a:r>
-              <a:rPr lang="en-US" sz="3600" dirty="0" err="1"/>
-              <a:t>é</a:t>
-            </a:r>
-            <a:r>
-              <a:rPr lang="en-US" sz="3600" dirty="0"/>
-              <a:t> um </a:t>
-            </a:r>
-            <a:r>
-              <a:rPr lang="en-US" sz="3600" dirty="0" err="1"/>
-              <a:t>ponto</a:t>
-            </a:r>
-            <a:r>
-              <a:rPr lang="en-US" sz="3600" dirty="0"/>
-              <a:t> de </a:t>
-            </a:r>
-            <a:r>
-              <a:rPr lang="en-US" sz="3600" dirty="0" err="1"/>
-              <a:t>estrangulamento</a:t>
-            </a:r>
-            <a:r>
-              <a:rPr lang="en-US" sz="3600" dirty="0"/>
-              <a:t>, de </a:t>
-            </a:r>
-            <a:r>
-              <a:rPr lang="en-US" sz="3600" dirty="0" err="1"/>
-              <a:t>lentidão</a:t>
-            </a:r>
-            <a:endParaRPr lang="pt" sz="3600" dirty="0"/>
-          </a:p>
-          <a:p>
-            <a:r>
-              <a:rPr lang="en-US" sz="3600" dirty="0"/>
-              <a:t>Um </a:t>
-            </a:r>
-            <a:r>
-              <a:rPr lang="en-US" sz="3600" dirty="0" err="1"/>
-              <a:t>exemplo</a:t>
-            </a:r>
-            <a:r>
-              <a:rPr lang="en-US" sz="3600" dirty="0"/>
-              <a:t> </a:t>
-            </a:r>
-            <a:r>
-              <a:rPr lang="en-US" sz="3600" dirty="0" err="1"/>
-              <a:t>claro</a:t>
-            </a:r>
-            <a:r>
-              <a:rPr lang="en-US" sz="3600" dirty="0"/>
-              <a:t> </a:t>
-            </a:r>
-            <a:r>
-              <a:rPr lang="en-US" sz="3600" dirty="0" err="1"/>
-              <a:t>são</a:t>
-            </a:r>
-            <a:r>
-              <a:rPr lang="en-US" sz="3600" dirty="0"/>
-              <a:t> </a:t>
-            </a:r>
-            <a:r>
-              <a:rPr lang="en-US" sz="3600" dirty="0" err="1"/>
-              <a:t>filas</a:t>
-            </a:r>
-            <a:r>
-              <a:rPr lang="en-US" sz="3600" dirty="0"/>
-              <a:t> de banco</a:t>
-            </a:r>
-            <a:endParaRPr lang="pt" sz="3600" dirty="0"/>
+              <a:t>Possui apenas um servidor para atender os usuários e gerenciar recursos</a:t>
+            </a:r>
+          </a:p>
+          <a:p>
+            <a:r>
+              <a:rPr lang="pt" sz="3600" dirty="0"/>
+              <a:t>A medida que o número de usuários ou recursos aumenta, o servidor pode ficar sobrecarregado</a:t>
+            </a:r>
+          </a:p>
+          <a:p>
+            <a:r>
+              <a:rPr lang="pt" sz="3600" dirty="0"/>
+              <a:t>Pode não conseguir atender com eficiência os usuários atuais</a:t>
+            </a:r>
+          </a:p>
+          <a:p>
+            <a:r>
+              <a:rPr lang="pt" sz="3600" dirty="0"/>
+              <a:t>ou nem mesmo conseguir atender novos usuários</a:t>
+            </a:r>
           </a:p>
         </p:txBody>
       </p:sp>
@@ -27742,96 +27600,10 @@
           </a:p>
         </p:txBody>
       </p:sp>
-      <p:pic>
-        <p:nvPicPr>
-          <p:cNvPr id="6" name="Picture 5">
-            <a:extLst>
-              <a:ext uri="{FF2B5EF4-FFF2-40B4-BE49-F238E27FC236}">
-                <a16:creationId xmlns:a16="http://schemas.microsoft.com/office/drawing/2014/main" id="{EBE6CB5C-0DA2-6545-82FE-24C0EF09A9FB}"/>
-              </a:ext>
-            </a:extLst>
-          </p:cNvPr>
-          <p:cNvPicPr>
-            <a:picLocks noChangeAspect="1"/>
-          </p:cNvPicPr>
-          <p:nvPr/>
-        </p:nvPicPr>
-        <p:blipFill>
-          <a:blip r:embed="rId2"/>
-          <a:stretch>
-            <a:fillRect/>
-          </a:stretch>
-        </p:blipFill>
-        <p:spPr>
-          <a:xfrm>
-            <a:off x="10541229" y="4255520"/>
-            <a:ext cx="1240704" cy="2315980"/>
-          </a:xfrm>
-          <a:prstGeom prst="rect">
-            <a:avLst/>
-          </a:prstGeom>
-        </p:spPr>
-      </p:pic>
-      <p:sp>
-        <p:nvSpPr>
-          <p:cNvPr id="7" name="TextBox 6">
-            <a:extLst>
-              <a:ext uri="{FF2B5EF4-FFF2-40B4-BE49-F238E27FC236}">
-                <a16:creationId xmlns:a16="http://schemas.microsoft.com/office/drawing/2014/main" id="{1B7DE498-D5F3-F04F-80C4-2ECD539084B2}"/>
-              </a:ext>
-            </a:extLst>
-          </p:cNvPr>
-          <p:cNvSpPr txBox="1"/>
-          <p:nvPr/>
-        </p:nvSpPr>
-        <p:spPr>
-          <a:xfrm>
-            <a:off x="3605574" y="6571500"/>
-            <a:ext cx="4980851" cy="246221"/>
-          </a:xfrm>
-          <a:prstGeom prst="rect">
-            <a:avLst/>
-          </a:prstGeom>
-          <a:noFill/>
-        </p:spPr>
-        <p:txBody>
-          <a:bodyPr wrap="none" rtlCol="0">
-            <a:spAutoFit/>
-          </a:bodyPr>
-          <a:lstStyle/>
-          <a:p>
-            <a:r>
-              <a:rPr lang="pt-BR" sz="1000" dirty="0"/>
-              <a:t>Imagem: </a:t>
-            </a:r>
-            <a:r>
-              <a:rPr lang="pt-BR" sz="1000" dirty="0" err="1"/>
-              <a:t>http</a:t>
-            </a:r>
-            <a:r>
-              <a:rPr lang="pt-BR" sz="1000" dirty="0"/>
-              <a:t>://bio1151.nicerweb.com/</a:t>
-            </a:r>
-            <a:r>
-              <a:rPr lang="pt-BR" sz="1000" dirty="0" err="1"/>
-              <a:t>Locked</a:t>
-            </a:r>
-            <a:r>
-              <a:rPr lang="pt-BR" sz="1000" dirty="0"/>
-              <a:t>/media/ch23/</a:t>
-            </a:r>
-            <a:r>
-              <a:rPr lang="pt-BR" sz="1000" dirty="0" err="1"/>
-              <a:t>bottleneck.html</a:t>
-            </a:r>
-            <a:endParaRPr lang="pt-BR" sz="1000" dirty="0"/>
-          </a:p>
-        </p:txBody>
-      </p:sp>
     </p:spTree>
     <p:extLst>
       <p:ext uri="{BB962C8B-B14F-4D97-AF65-F5344CB8AC3E}">
-        <p14:creationId xmlns:p14="http://schemas.microsoft.com/office/powerpoint/2010/main" val="1109345369"/>
+        <p14:creationId xmlns:p14="http://schemas.microsoft.com/office/powerpoint/2010/main" val="558947494"/>
       </p:ext>
     </p:extLst>
   </p:cSld>
@@ -27920,14 +27692,57 @@
                             </p:stCondLst>
                             <p:childTnLst>
                               <p:par>
-                                <p:cTn id="10" presetID="9" presetClass="exit" presetSubtype="0" fill="hold" grpId="1" nodeType="clickEffect">
+                                <p:cTn id="10" presetID="9" presetClass="entr" presetSubtype="0" fill="hold" grpId="0" nodeType="clickEffect">
+                                  <p:stCondLst>
+                                    <p:cond delay="0"/>
+                                  </p:stCondLst>
+                                  <p:childTnLst>
+                                    <p:set>
+                                      <p:cBhvr>
+                                        <p:cTn id="11" dur="1" fill="hold">
+                                          <p:stCondLst>
+                                            <p:cond delay="0"/>
+                                          </p:stCondLst>
+                                        </p:cTn>
+                                        <p:tgtEl>
+                                          <p:spTgt spid="3">
+                                            <p:txEl>
+                                              <p:pRg st="1" end="1"/>
+                                            </p:txEl>
+                                          </p:spTgt>
+                                        </p:tgtEl>
+                                        <p:attrNameLst>
+                                          <p:attrName>style.visibility</p:attrName>
+                                        </p:attrNameLst>
+                                      </p:cBhvr>
+                                      <p:to>
+                                        <p:strVal val="visible"/>
+                                      </p:to>
+                                    </p:set>
+                                    <p:animEffect transition="in" filter="dissolve">
+                                      <p:cBhvr>
+                                        <p:cTn id="12" dur="500"/>
+                                        <p:tgtEl>
+                                          <p:spTgt spid="3">
+                                            <p:txEl>
+                                              <p:pRg st="1" end="1"/>
+                                            </p:txEl>
+                                          </p:spTgt>
+                                        </p:tgtEl>
+                                      </p:cBhvr>
+                                    </p:animEffect>
+                                  </p:childTnLst>
+                                </p:cTn>
+                              </p:par>
+                              <p:par>
+                                <p:cTn id="13" presetID="9" presetClass="exit" presetSubtype="0" fill="hold" grpId="1" nodeType="withEffect">
                                   <p:stCondLst>
                                     <p:cond delay="0"/>
                                   </p:stCondLst>
                                   <p:childTnLst>
                                     <p:animEffect transition="out" filter="dissolve">
                                       <p:cBhvr>
-                                        <p:cTn id="11" dur="500"/>
+                                        <p:cTn id="14" dur="500"/>
                                         <p:tgtEl>
                                           <p:spTgt spid="3">
                                             <p:txEl>
@@ -27939,7 +27754,7 @@
                                     </p:animEffect>
                                     <p:set>
                                       <p:cBhvr>
-                                        <p:cTn id="12" dur="1" fill="hold">
+                                        <p:cTn id="15" dur="1" fill="hold">
                                           <p:stCondLst>
                                             <p:cond delay="499"/>
                                           </p:stCondLst>
@@ -27959,49 +27774,6 @@
                                         <p:strVal val="hidden"/>
                                       </p:to>
                                     </p:set>
-                                  </p:childTnLst>
-                                </p:cTn>
-                              </p:par>
-                              <p:par>
-                                <p:cTn id="13" presetID="9" presetClass="entr" presetSubtype="0" fill="hold" grpId="0" nodeType="withEffect">
-                                  <p:stCondLst>
-                                    <p:cond delay="0"/>
-                                  </p:stCondLst>
-                                  <p:childTnLst>
-                                    <p:set>
-                                      <p:cBhvr>
-                                        <p:cTn id="14" dur="1" fill="hold">
-                                          <p:stCondLst>
-                                            <p:cond delay="0"/>
-                                          </p:stCondLst>
-                                        </p:cTn>
-                                        <p:tgtEl>
-                                          <p:spTgt spid="3">
-                                            <p:txEl>
-                                              <p:pRg st="1" end="1"/>
-                                            </p:txEl>
-                                          </p:spTgt>
-                                        </p:tgtEl>
-                                        <p:attrNameLst>
-                                          <p:attrName>style.visibility</p:attrName>
-                                        </p:attrNameLst>
-                                      </p:cBhvr>
-                                      <p:to>
-                                        <p:strVal val="visible"/>
-                                      </p:to>
-                                    </p:set>
-                                    <p:animEffect transition="in" filter="dissolve">
-                                      <p:cBhvr>
-                                        <p:cTn id="15" dur="500"/>
-                                        <p:tgtEl>
-                                          <p:spTgt spid="3">
-                                            <p:txEl>
-                                              <p:pRg st="1" end="1"/>
-                                            </p:txEl>
-                                          </p:spTgt>
-                                        </p:tgtEl>
-                                      </p:cBhvr>
-                                    </p:animEffect>
                                   </p:childTnLst>
                                 </p:cTn>
                               </p:par>
@@ -28101,6 +27873,110 @@
                                           <p:spTgt spid="3">
                                             <p:txEl>
                                               <p:pRg st="2" end="2"/>
+                                            </p:txEl>
+                                          </p:spTgt>
+                                        </p:tgtEl>
+                                      </p:cBhvr>
+                                    </p:animEffect>
+                                  </p:childTnLst>
+                                </p:cTn>
+                              </p:par>
+                            </p:childTnLst>
+                          </p:cTn>
+                        </p:par>
+                      </p:childTnLst>
+                    </p:cTn>
+                  </p:par>
+                  <p:par>
+                    <p:cTn id="24" fill="hold">
+                      <p:stCondLst>
+                        <p:cond delay="indefinite"/>
+                      </p:stCondLst>
+                      <p:childTnLst>
+                        <p:par>
+                          <p:cTn id="25" fill="hold">
+                            <p:stCondLst>
+                              <p:cond delay="0"/>
+                            </p:stCondLst>
+                            <p:childTnLst>
+                              <p:par>
+                                <p:cTn id="26" presetID="9" presetClass="exit" presetSubtype="0" fill="hold" grpId="1" nodeType="clickEffect">
+                                  <p:stCondLst>
+                                    <p:cond delay="0"/>
+                                  </p:stCondLst>
+                                  <p:childTnLst>
+                                    <p:animEffect transition="out" filter="dissolve">
+                                      <p:cBhvr>
+                                        <p:cTn id="27" dur="500"/>
+                                        <p:tgtEl>
+                                          <p:spTgt spid="3">
+                                            <p:txEl>
+                                              <p:pRg st="2" end="2"/>
+                                            </p:txEl>
+                                          </p:spTgt>
+                                        </p:tgtEl>
+                                      </p:cBhvr>
+                                    </p:animEffect>
+                                    <p:set>
+                                      <p:cBhvr>
+                                        <p:cTn id="28" dur="1" fill="hold">
+                                          <p:stCondLst>
+                                            <p:cond delay="499"/>
+                                          </p:stCondLst>
+                                        </p:cTn>
+                                        <p:tgtEl>
+                                          <p:spTgt spid="3">
+                                            <p:txEl>
+                                              <p:pRg st="2" end="2"/>
+                                            </p:txEl>
+                                          </p:spTgt>
+                                        </p:tgtEl>
+                                        <p:attrNameLst>
+                                          <p:attrName>style.visibility</p:attrName>
+                                        </p:attrNameLst>
+                                      </p:cBhvr>
+                                      <p:to>
+                                        <p:strVal val="hidden"/>
+                                      </p:to>
+                                    </p:set>
+                                  </p:childTnLst>
+                                </p:cTn>
+                              </p:par>
+                              <p:par>
+                                <p:cTn id="29" presetID="9" presetClass="entr" presetSubtype="0" fill="hold" grpId="0" nodeType="withEffect">
+                                  <p:stCondLst>
+                                    <p:cond delay="0"/>
+                                  </p:stCondLst>
+                                  <p:childTnLst>
+                                    <p:set>
+                                      <p:cBhvr>
+                                        <p:cTn id="30" dur="1" fill="hold">
+                                          <p:stCondLst>
+                                            <p:cond delay="0"/>
+                                          </p:stCondLst>
+                                        </p:cTn>
+                                        <p:tgtEl>
+                                          <p:spTgt spid="3">
+                                            <p:txEl>
+                                              <p:pRg st="3" end="3"/>
+                                            </p:txEl>
+                                          </p:spTgt>
+                                        </p:tgtEl>
+                                        <p:attrNameLst>
+                                          <p:attrName>style.visibility</p:attrName>
+                                        </p:attrNameLst>
+                                      </p:cBhvr>
+                                      <p:to>
+                                        <p:strVal val="visible"/>
+                                      </p:to>
+                                    </p:set>
+                                    <p:animEffect transition="in" filter="dissolve">
+                                      <p:cBhvr>
+                                        <p:cTn id="31" dur="500"/>
+                                        <p:tgtEl>
+                                          <p:spTgt spid="3">
+                                            <p:txEl>
+                                              <p:pRg st="3" end="3"/>
                                             </p:txEl>
                                           </p:spTgt>
                                         </p:tgtEl>
@@ -28235,24 +28111,90 @@
           <a:p>
             <a:r>
               <a:rPr lang="pt" sz="3600" dirty="0"/>
-              <a:t>O tempo médio de espera aumenta à medida que novos clientes chegam</a:t>
-            </a:r>
-          </a:p>
-          <a:p>
-            <a:r>
-              <a:rPr lang="pt" sz="3600" dirty="0"/>
-              <a:t>Em consequência, a fila tende a aumentar também, criando um círculo vicioso</a:t>
-            </a:r>
-          </a:p>
-          <a:p>
-            <a:r>
-              <a:rPr lang="pt" sz="3600" dirty="0"/>
-              <a:t>Uma solução imediata é aumentar o número de servidores (caixas) pra </a:t>
-            </a:r>
-            <a:r>
-              <a:rPr lang="pt" sz="3600" b="1" dirty="0"/>
-              <a:t>distribuir o atendimento</a:t>
-            </a:r>
+              <a:t>O servidor pode se tornar um gargalo: ineficiente com o aumento da demanda.</a:t>
+            </a:r>
+          </a:p>
+          <a:p>
+            <a:r>
+              <a:rPr lang="en-US" sz="3600" dirty="0"/>
+              <a:t>Um </a:t>
+            </a:r>
+            <a:r>
+              <a:rPr lang="en-US" sz="3600" dirty="0" err="1"/>
+              <a:t>gargalo</a:t>
+            </a:r>
+            <a:r>
+              <a:rPr lang="en-US" sz="3600" dirty="0"/>
+              <a:t> </a:t>
+            </a:r>
+            <a:r>
+              <a:rPr lang="en-US" sz="3600" dirty="0" err="1"/>
+              <a:t>é</a:t>
+            </a:r>
+            <a:r>
+              <a:rPr lang="en-US" sz="3600" dirty="0"/>
+              <a:t> um </a:t>
+            </a:r>
+            <a:r>
+              <a:rPr lang="en-US" sz="3600" dirty="0" err="1"/>
+              <a:t>ponto</a:t>
+            </a:r>
+            <a:r>
+              <a:rPr lang="en-US" sz="3600" dirty="0"/>
+              <a:t> de </a:t>
+            </a:r>
+            <a:r>
+              <a:rPr lang="en-US" sz="3600" dirty="0" err="1"/>
+              <a:t>estrangulamento</a:t>
+            </a:r>
+            <a:r>
+              <a:rPr lang="en-US" sz="3600" dirty="0"/>
+              <a:t>, de </a:t>
+            </a:r>
+            <a:r>
+              <a:rPr lang="en-US" sz="3600" dirty="0" err="1"/>
+              <a:t>lentidão</a:t>
+            </a:r>
+            <a:endParaRPr lang="pt" sz="3600" dirty="0"/>
+          </a:p>
+          <a:p>
+            <a:r>
+              <a:rPr lang="en-US" sz="3600" dirty="0"/>
+              <a:t>Um </a:t>
+            </a:r>
+            <a:r>
+              <a:rPr lang="en-US" sz="3600" dirty="0" err="1"/>
+              <a:t>exemplo</a:t>
+            </a:r>
+            <a:r>
+              <a:rPr lang="en-US" sz="3600" dirty="0"/>
+              <a:t> </a:t>
+            </a:r>
+            <a:r>
+              <a:rPr lang="en-US" sz="3600" dirty="0" err="1"/>
+              <a:t>claro</a:t>
+            </a:r>
+            <a:r>
+              <a:rPr lang="en-US" sz="3600" dirty="0"/>
+              <a:t> </a:t>
+            </a:r>
+            <a:r>
+              <a:rPr lang="en-US" sz="3600" dirty="0" err="1"/>
+              <a:t>são</a:t>
+            </a:r>
+            <a:r>
+              <a:rPr lang="en-US" sz="3600" dirty="0"/>
+              <a:t> </a:t>
+            </a:r>
+            <a:r>
+              <a:rPr lang="en-US" sz="3600" dirty="0" err="1"/>
+              <a:t>filas</a:t>
+            </a:r>
+            <a:r>
+              <a:rPr lang="en-US" sz="3600" dirty="0"/>
+              <a:t> de banco</a:t>
+            </a:r>
+            <a:endParaRPr lang="pt" sz="3600" dirty="0"/>
           </a:p>
         </p:txBody>
       </p:sp>
@@ -28285,10 +28227,96 @@
           </a:p>
         </p:txBody>
       </p:sp>
+      <p:pic>
+        <p:nvPicPr>
+          <p:cNvPr id="6" name="Picture 5">
+            <a:extLst>
+              <a:ext uri="{FF2B5EF4-FFF2-40B4-BE49-F238E27FC236}">
+                <a16:creationId xmlns:a16="http://schemas.microsoft.com/office/drawing/2014/main" id="{EBE6CB5C-0DA2-6545-82FE-24C0EF09A9FB}"/>
+              </a:ext>
+            </a:extLst>
+          </p:cNvPr>
+          <p:cNvPicPr>
+            <a:picLocks noChangeAspect="1"/>
+          </p:cNvPicPr>
+          <p:nvPr/>
+        </p:nvPicPr>
+        <p:blipFill>
+          <a:blip r:embed="rId2"/>
+          <a:stretch>
+            <a:fillRect/>
+          </a:stretch>
+        </p:blipFill>
+        <p:spPr>
+          <a:xfrm>
+            <a:off x="10541229" y="4255520"/>
+            <a:ext cx="1240704" cy="2315980"/>
+          </a:xfrm>
+          <a:prstGeom prst="rect">
+            <a:avLst/>
+          </a:prstGeom>
+        </p:spPr>
+      </p:pic>
+      <p:sp>
+        <p:nvSpPr>
+          <p:cNvPr id="7" name="TextBox 6">
+            <a:extLst>
+              <a:ext uri="{FF2B5EF4-FFF2-40B4-BE49-F238E27FC236}">
+                <a16:creationId xmlns:a16="http://schemas.microsoft.com/office/drawing/2014/main" id="{1B7DE498-D5F3-F04F-80C4-2ECD539084B2}"/>
+              </a:ext>
+            </a:extLst>
+          </p:cNvPr>
+          <p:cNvSpPr txBox="1"/>
+          <p:nvPr/>
+        </p:nvSpPr>
+        <p:spPr>
+          <a:xfrm>
+            <a:off x="3605574" y="6571500"/>
+            <a:ext cx="4980851" cy="246221"/>
+          </a:xfrm>
+          <a:prstGeom prst="rect">
+            <a:avLst/>
+          </a:prstGeom>
+          <a:noFill/>
+        </p:spPr>
+        <p:txBody>
+          <a:bodyPr wrap="none" rtlCol="0">
+            <a:spAutoFit/>
+          </a:bodyPr>
+          <a:lstStyle/>
+          <a:p>
+            <a:r>
+              <a:rPr lang="pt-BR" sz="1000" dirty="0"/>
+              <a:t>Imagem: </a:t>
+            </a:r>
+            <a:r>
+              <a:rPr lang="pt-BR" sz="1000" dirty="0" err="1"/>
+              <a:t>http</a:t>
+            </a:r>
+            <a:r>
+              <a:rPr lang="pt-BR" sz="1000" dirty="0"/>
+              <a:t>://bio1151.nicerweb.com/</a:t>
+            </a:r>
+            <a:r>
+              <a:rPr lang="pt-BR" sz="1000" dirty="0" err="1"/>
+              <a:t>Locked</a:t>
+            </a:r>
+            <a:r>
+              <a:rPr lang="pt-BR" sz="1000" dirty="0"/>
+              <a:t>/media/ch23/</a:t>
+            </a:r>
+            <a:r>
+              <a:rPr lang="pt-BR" sz="1000" dirty="0" err="1"/>
+              <a:t>bottleneck.html</a:t>
+            </a:r>
+            <a:endParaRPr lang="pt-BR" sz="1000" dirty="0"/>
+          </a:p>
+        </p:txBody>
+      </p:sp>
     </p:spTree>
     <p:extLst>
       <p:ext uri="{BB962C8B-B14F-4D97-AF65-F5344CB8AC3E}">
-        <p14:creationId xmlns:p14="http://schemas.microsoft.com/office/powerpoint/2010/main" val="2331031851"/>
+        <p14:creationId xmlns:p14="http://schemas.microsoft.com/office/powerpoint/2010/main" val="1109345369"/>
       </p:ext>
     </p:extLst>
   </p:cSld>
@@ -28524,7 +28552,7 @@
                                 </p:cTn>
                               </p:par>
                               <p:par>
-                                <p:cTn id="21" presetID="9" presetClass="entr" presetSubtype="0" fill="hold" grpId="2" nodeType="withEffect">
+                                <p:cTn id="21" presetID="9" presetClass="entr" presetSubtype="0" fill="hold" grpId="0" nodeType="withEffect">
                                   <p:stCondLst>
                                     <p:cond delay="0"/>
                                   </p:stCondLst>
@@ -28596,7 +28624,6 @@
     <p:bldLst>
       <p:bldP spid="3" grpId="0" uiExpand="1" build="p"/>
       <p:bldP spid="3" grpId="1" uiExpand="1" build="p"/>
-      <p:bldP spid="3" grpId="2" uiExpand="1" build="p"/>
     </p:bldLst>
   </p:timing>
 </p:sld>
@@ -29201,7 +29228,7 @@
             </a:br>
             <a:r>
               <a:rPr lang="pt-BR" b="1" i="1" dirty="0"/>
-              <a:t>Dados centralizados</a:t>
+              <a:t>Serviço centralizado</a:t>
             </a:r>
             <a:endParaRPr lang="pt-BR" dirty="0"/>
           </a:p>
@@ -29237,19 +29264,23 @@
           <a:p>
             <a:r>
               <a:rPr lang="pt" sz="3600" dirty="0"/>
-              <a:t>Ocorre quando o aumento na quantidade de dados traz ineficiência ao sistema [SDPP]</a:t>
+              <a:t>O tempo médio de espera aumenta à medida que novos clientes chegam</a:t>
             </a:r>
           </a:p>
           <a:p>
             <a:r>
               <a:rPr lang="pt" sz="3600" dirty="0"/>
-              <a:t>Imagina se o DNS funcionasse ainda como um sistema centralizado</a:t>
+              <a:t>Em consequência, a fila tende a aumentar também, criando um círculo vicioso</a:t>
             </a:r>
           </a:p>
           <a:p>
             <a:r>
               <a:rPr lang="pt" sz="3600" dirty="0"/>
-              <a:t>O tempo de busca do endereço IP teria inviabilizado a Internet na escala de hoje [SDPP]</a:t>
+              <a:t>Uma solução imediata é aumentar o número de servidores (caixas) pra </a:t>
+            </a:r>
+            <a:r>
+              <a:rPr lang="pt" sz="3600" b="1" dirty="0"/>
+              <a:t>distribuir o atendimento</a:t>
             </a:r>
           </a:p>
         </p:txBody>
@@ -29286,7 +29317,7 @@
     </p:spTree>
     <p:extLst>
       <p:ext uri="{BB962C8B-B14F-4D97-AF65-F5344CB8AC3E}">
-        <p14:creationId xmlns:p14="http://schemas.microsoft.com/office/powerpoint/2010/main" val="3774195287"/>
+        <p14:creationId xmlns:p14="http://schemas.microsoft.com/office/powerpoint/2010/main" val="2331031851"/>
       </p:ext>
     </p:extLst>
   </p:cSld>
@@ -29375,14 +29406,57 @@
                             </p:stCondLst>
                             <p:childTnLst>
                               <p:par>
-                                <p:cTn id="10" presetID="9" presetClass="entr" presetSubtype="0" fill="hold" grpId="0" nodeType="clickEffect">
+                                <p:cTn id="10" presetID="9" presetClass="exit" presetSubtype="0" fill="hold" grpId="1" nodeType="clickEffect">
+                                  <p:stCondLst>
+                                    <p:cond delay="0"/>
+                                  </p:stCondLst>
+                                  <p:childTnLst>
+                                    <p:animEffect transition="out" filter="dissolve">
+                                      <p:cBhvr>
+                                        <p:cTn id="11" dur="500"/>
+                                        <p:tgtEl>
+                                          <p:spTgt spid="3">
+                                            <p:txEl>
+                                              <p:pRg st="0" end="0"/>
+                                            </p:txEl>
+                                          </p:spTgt>
+                                        </p:tgtEl>
+                                      </p:cBhvr>
+                                    </p:animEffect>
+                                    <p:set>
+                                      <p:cBhvr>
+                                        <p:cTn id="12" dur="1" fill="hold">
+                                          <p:stCondLst>
+                                            <p:cond delay="499"/>
+                                          </p:stCondLst>
+                                        </p:cTn>
+                                        <p:tgtEl>
+                                          <p:spTgt spid="3">
+                                            <p:txEl>
+                                              <p:pRg st="0" end="0"/>
+                                            </p:txEl>
+                                          </p:spTgt>
+                                        </p:tgtEl>
+                                        <p:attrNameLst>
+                                          <p:attrName>style.visibility</p:attrName>
+                                        </p:attrNameLst>
+                                      </p:cBhvr>
+                                      <p:to>
+                                        <p:strVal val="hidden"/>
+                                      </p:to>
+                                    </p:set>
+                                  </p:childTnLst>
+                                </p:cTn>
+                              </p:par>
+                              <p:par>
+                                <p:cTn id="13" presetID="9" presetClass="entr" presetSubtype="0" fill="hold" grpId="0" nodeType="withEffect">
                                   <p:stCondLst>
                                     <p:cond delay="0"/>
                                   </p:stCondLst>
                                   <p:childTnLst>
                                     <p:set>
                                       <p:cBhvr>
-                                        <p:cTn id="11" dur="1" fill="hold">
+                                        <p:cTn id="14" dur="1" fill="hold">
                                           <p:stCondLst>
                                             <p:cond delay="0"/>
                                           </p:stCondLst>
@@ -29404,7 +29478,7 @@
                                     </p:set>
                                     <p:animEffect transition="in" filter="dissolve">
                                       <p:cBhvr>
-                                        <p:cTn id="12" dur="500"/>
+                                        <p:cTn id="15" dur="500"/>
                                         <p:tgtEl>
                                           <p:spTgt spid="3">
                                             <p:txEl>
@@ -29414,49 +29488,6 @@
                                         </p:tgtEl>
                                       </p:cBhvr>
                                     </p:animEffect>
-                                  </p:childTnLst>
-                                </p:cTn>
-                              </p:par>
-                              <p:par>
-                                <p:cTn id="13" presetID="9" presetClass="exit" presetSubtype="0" fill="hold" grpId="1" nodeType="withEffect">
-                                  <p:stCondLst>
-                                    <p:cond delay="0"/>
-                                  </p:stCondLst>
-                                  <p:childTnLst>
-                                    <p:animEffect transition="out" filter="dissolve">
-                                      <p:cBhvr>
-                                        <p:cTn id="14" dur="500"/>
-                                        <p:tgtEl>
-                                          <p:spTgt spid="3">
-                                            <p:txEl>
-                                              <p:pRg st="0" end="0"/>
-                                            </p:txEl>
-                                          </p:spTgt>
-                                        </p:tgtEl>
-                                      </p:cBhvr>
-                                    </p:animEffect>
-                                    <p:set>
-                                      <p:cBhvr>
-                                        <p:cTn id="15" dur="1" fill="hold">
-                                          <p:stCondLst>
-                                            <p:cond delay="499"/>
-                                          </p:stCondLst>
-                                        </p:cTn>
-                                        <p:tgtEl>
-                                          <p:spTgt spid="3">
-                                            <p:txEl>
-                                              <p:pRg st="0" end="0"/>
-                                            </p:txEl>
-                                          </p:spTgt>
-                                        </p:tgtEl>
-                                        <p:attrNameLst>
-                                          <p:attrName>style.visibility</p:attrName>
-                                        </p:attrNameLst>
-                                      </p:cBhvr>
-                                      <p:to>
-                                        <p:strVal val="hidden"/>
-                                      </p:to>
-                                    </p:set>
                                   </p:childTnLst>
                                 </p:cTn>
                               </p:par>
@@ -29522,7 +29553,7 @@
                                 </p:cTn>
                               </p:par>
                               <p:par>
-                                <p:cTn id="21" presetID="9" presetClass="entr" presetSubtype="0" fill="hold" grpId="0" nodeType="withEffect">
+                                <p:cTn id="21" presetID="9" presetClass="entr" presetSubtype="0" fill="hold" grpId="2" nodeType="withEffect">
                                   <p:stCondLst>
                                     <p:cond delay="0"/>
                                   </p:stCondLst>
@@ -29594,6 +29625,7 @@
     <p:bldLst>
       <p:bldP spid="3" grpId="0" uiExpand="1" build="p"/>
       <p:bldP spid="3" grpId="1" uiExpand="1" build="p"/>
+      <p:bldP spid="3" grpId="2" uiExpand="1" build="p"/>
     </p:bldLst>
   </p:timing>
 </p:sld>
@@ -29684,45 +29716,25 @@
         </p:spPr>
         <p:txBody>
           <a:bodyPr>
-            <a:normAutofit lnSpcReduction="10000"/>
+            <a:normAutofit/>
           </a:bodyPr>
           <a:lstStyle/>
           <a:p>
             <a:r>
-              <a:rPr lang="pt" sz="3200" dirty="0"/>
-              <a:t>O mesmo ocorre com Sistemas Gerenciadores de Bancos de Dados (</a:t>
-            </a:r>
-            <a:r>
-              <a:rPr lang="pt" sz="3200" dirty="0" err="1"/>
-              <a:t>SGBDs</a:t>
-            </a:r>
-            <a:r>
-              <a:rPr lang="pt" sz="3200" dirty="0"/>
-              <a:t>)</a:t>
-            </a:r>
-          </a:p>
-          <a:p>
-            <a:r>
-              <a:rPr lang="pt" sz="3200" dirty="0"/>
-              <a:t>O sistema pode ter vários servidores web/servidores de aplicação para atender os usuários, mas todos estes servidores acessam um único SGBD</a:t>
-            </a:r>
-          </a:p>
-          <a:p>
-            <a:r>
-              <a:rPr lang="pt" sz="3200" dirty="0"/>
-              <a:t>Este único SGBD pode se tornar um gargalo com o aumento do número de usuários</a:t>
-            </a:r>
-          </a:p>
-          <a:p>
-            <a:r>
-              <a:rPr lang="pt" sz="3200" dirty="0"/>
-              <a:t>Os usuários podem começar a perceber lentidão de acesso em horários de pico</a:t>
-            </a:r>
-          </a:p>
-          <a:p>
-            <a:r>
-              <a:rPr lang="pt" sz="3200" dirty="0"/>
-              <a:t>A situação piora se, pra cada usuário, uma nova conexão ao banco é aberta</a:t>
+              <a:rPr lang="pt" sz="3600" dirty="0"/>
+              <a:t>Ocorre quando o aumento na quantidade de dados traz ineficiência ao sistema [SDPP]</a:t>
+            </a:r>
+          </a:p>
+          <a:p>
+            <a:r>
+              <a:rPr lang="pt" sz="3600" dirty="0"/>
+              <a:t>Imagina se o DNS funcionasse ainda como um sistema centralizado</a:t>
+            </a:r>
+          </a:p>
+          <a:p>
+            <a:r>
+              <a:rPr lang="pt" sz="3600" dirty="0"/>
+              <a:t>O tempo de busca do endereço IP teria inviabilizado a Internet na escala de hoje [SDPP]</a:t>
             </a:r>
           </a:p>
         </p:txBody>
@@ -29759,7 +29771,7 @@
     </p:spTree>
     <p:extLst>
       <p:ext uri="{BB962C8B-B14F-4D97-AF65-F5344CB8AC3E}">
-        <p14:creationId xmlns:p14="http://schemas.microsoft.com/office/powerpoint/2010/main" val="3841423139"/>
+        <p14:creationId xmlns:p14="http://schemas.microsoft.com/office/powerpoint/2010/main" val="3774195287"/>
       </p:ext>
     </p:extLst>
   </p:cSld>
@@ -29890,76 +29902,15 @@
                                   </p:childTnLst>
                                 </p:cTn>
                               </p:par>
-                            </p:childTnLst>
-                          </p:cTn>
-                        </p:par>
-                      </p:childTnLst>
-                    </p:cTn>
-                  </p:par>
-                  <p:par>
-                    <p:cTn id="13" fill="hold">
-                      <p:stCondLst>
-                        <p:cond delay="indefinite"/>
-                      </p:stCondLst>
-                      <p:childTnLst>
-                        <p:par>
-                          <p:cTn id="14" fill="hold">
-                            <p:stCondLst>
-                              <p:cond delay="0"/>
-                            </p:stCondLst>
-                            <p:childTnLst>
                               <p:par>
-                                <p:cTn id="15" presetID="9" presetClass="entr" presetSubtype="0" fill="hold" grpId="0" nodeType="clickEffect">
-                                  <p:stCondLst>
-                                    <p:cond delay="0"/>
-                                  </p:stCondLst>
-                                  <p:childTnLst>
-                                    <p:set>
-                                      <p:cBhvr>
-                                        <p:cTn id="16" dur="1" fill="hold">
-                                          <p:stCondLst>
-                                            <p:cond delay="0"/>
-                                          </p:stCondLst>
-                                        </p:cTn>
-                                        <p:tgtEl>
-                                          <p:spTgt spid="3">
-                                            <p:txEl>
-                                              <p:pRg st="2" end="2"/>
-                                            </p:txEl>
-                                          </p:spTgt>
-                                        </p:tgtEl>
-                                        <p:attrNameLst>
-                                          <p:attrName>style.visibility</p:attrName>
-                                        </p:attrNameLst>
-                                      </p:cBhvr>
-                                      <p:to>
-                                        <p:strVal val="visible"/>
-                                      </p:to>
-                                    </p:set>
-                                    <p:animEffect transition="in" filter="dissolve">
-                                      <p:cBhvr>
-                                        <p:cTn id="17" dur="500"/>
-                                        <p:tgtEl>
-                                          <p:spTgt spid="3">
-                                            <p:txEl>
-                                              <p:pRg st="2" end="2"/>
-                                            </p:txEl>
-                                          </p:spTgt>
-                                        </p:tgtEl>
-                                      </p:cBhvr>
-                                    </p:animEffect>
-                                  </p:childTnLst>
-                                </p:cTn>
-                              </p:par>
-                              <p:par>
-                                <p:cTn id="18" presetID="9" presetClass="exit" presetSubtype="0" fill="hold" grpId="1" nodeType="withEffect">
+                                <p:cTn id="13" presetID="9" presetClass="exit" presetSubtype="0" fill="hold" grpId="1" nodeType="withEffect">
                                   <p:stCondLst>
                                     <p:cond delay="0"/>
                                   </p:stCondLst>
                                   <p:childTnLst>
                                     <p:animEffect transition="out" filter="dissolve">
                                       <p:cBhvr>
-                                        <p:cTn id="19" dur="500"/>
+                                        <p:cTn id="14" dur="500"/>
                                         <p:tgtEl>
                                           <p:spTgt spid="3">
                                             <p:txEl>
@@ -29971,7 +29922,7 @@
                                     </p:animEffect>
                                     <p:set>
                                       <p:cBhvr>
-                                        <p:cTn id="20" dur="1" fill="hold">
+                                        <p:cTn id="15" dur="1" fill="hold">
                                           <p:stCondLst>
                                             <p:cond delay="499"/>
                                           </p:stCondLst>
@@ -30001,26 +29952,26 @@
                     </p:cTn>
                   </p:par>
                   <p:par>
-                    <p:cTn id="21" fill="hold">
+                    <p:cTn id="16" fill="hold">
                       <p:stCondLst>
                         <p:cond delay="indefinite"/>
                       </p:stCondLst>
                       <p:childTnLst>
                         <p:par>
-                          <p:cTn id="22" fill="hold">
+                          <p:cTn id="17" fill="hold">
                             <p:stCondLst>
                               <p:cond delay="0"/>
                             </p:stCondLst>
                             <p:childTnLst>
                               <p:par>
-                                <p:cTn id="23" presetID="9" presetClass="exit" presetSubtype="0" fill="hold" grpId="1" nodeType="clickEffect">
+                                <p:cTn id="18" presetID="9" presetClass="exit" presetSubtype="0" fill="hold" grpId="1" nodeType="clickEffect">
                                   <p:stCondLst>
                                     <p:cond delay="0"/>
                                   </p:stCondLst>
                                   <p:childTnLst>
                                     <p:animEffect transition="out" filter="dissolve">
                                       <p:cBhvr>
-                                        <p:cTn id="24" dur="500"/>
+                                        <p:cTn id="19" dur="500"/>
                                         <p:tgtEl>
                                           <p:spTgt spid="3">
                                             <p:txEl>
@@ -30032,7 +29983,7 @@
                                     </p:animEffect>
                                     <p:set>
                                       <p:cBhvr>
-                                        <p:cTn id="25" dur="1" fill="hold">
+                                        <p:cTn id="20" dur="1" fill="hold">
                                           <p:stCondLst>
                                             <p:cond delay="499"/>
                                           </p:stCondLst>
@@ -30041,67 +29992,6 @@
                                           <p:spTgt spid="3">
                                             <p:txEl>
                                               <p:pRg st="1" end="1"/>
-                                            </p:txEl>
-                                          </p:spTgt>
-                                        </p:tgtEl>
-                                        <p:attrNameLst>
-                                          <p:attrName>style.visibility</p:attrName>
-                                        </p:attrNameLst>
-                                      </p:cBhvr>
-                                      <p:to>
-                                        <p:strVal val="hidden"/>
-                                      </p:to>
-                                    </p:set>
-                                  </p:childTnLst>
-                                </p:cTn>
-                              </p:par>
-                            </p:childTnLst>
-                          </p:cTn>
-                        </p:par>
-                      </p:childTnLst>
-                    </p:cTn>
-                  </p:par>
-                  <p:par>
-                    <p:cTn id="26" fill="hold">
-                      <p:stCondLst>
-                        <p:cond delay="indefinite"/>
-                      </p:stCondLst>
-                      <p:childTnLst>
-                        <p:par>
-                          <p:cTn id="27" fill="hold">
-                            <p:stCondLst>
-                              <p:cond delay="0"/>
-                            </p:stCondLst>
-                            <p:childTnLst>
-                              <p:par>
-                                <p:cTn id="28" presetID="9" presetClass="exit" presetSubtype="0" fill="hold" grpId="1" nodeType="clickEffect">
-                                  <p:stCondLst>
-                                    <p:cond delay="0"/>
-                                  </p:stCondLst>
-                                  <p:childTnLst>
-                                    <p:animEffect transition="out" filter="dissolve">
-                                      <p:cBhvr>
-                                        <p:cTn id="29" dur="500"/>
-                                        <p:tgtEl>
-                                          <p:spTgt spid="3">
-                                            <p:txEl>
-                                              <p:pRg st="2" end="2"/>
-                                            </p:txEl>
-                                          </p:spTgt>
-                                        </p:tgtEl>
-                                      </p:cBhvr>
-                                    </p:animEffect>
-                                    <p:set>
-                                      <p:cBhvr>
-                                        <p:cTn id="30" dur="1" fill="hold">
-                                          <p:stCondLst>
-                                            <p:cond delay="499"/>
-                                          </p:stCondLst>
-                                        </p:cTn>
-                                        <p:tgtEl>
-                                          <p:spTgt spid="3">
-                                            <p:txEl>
-                                              <p:pRg st="2" end="2"/>
                                             </p:txEl>
                                           </p:spTgt>
                                         </p:tgtEl>
@@ -30117,14 +30007,14 @@
                                 </p:cTn>
                               </p:par>
                               <p:par>
-                                <p:cTn id="31" presetID="9" presetClass="entr" presetSubtype="0" fill="hold" grpId="0" nodeType="withEffect">
+                                <p:cTn id="21" presetID="9" presetClass="entr" presetSubtype="0" fill="hold" grpId="0" nodeType="withEffect">
                                   <p:stCondLst>
                                     <p:cond delay="0"/>
                                   </p:stCondLst>
                                   <p:childTnLst>
                                     <p:set>
                                       <p:cBhvr>
-                                        <p:cTn id="32" dur="1" fill="hold">
+                                        <p:cTn id="22" dur="1" fill="hold">
                                           <p:stCondLst>
                                             <p:cond delay="0"/>
                                           </p:stCondLst>
@@ -30132,7 +30022,7 @@
                                         <p:tgtEl>
                                           <p:spTgt spid="3">
                                             <p:txEl>
-                                              <p:pRg st="3" end="3"/>
+                                              <p:pRg st="2" end="2"/>
                                             </p:txEl>
                                           </p:spTgt>
                                         </p:tgtEl>
@@ -30146,115 +30036,11 @@
                                     </p:set>
                                     <p:animEffect transition="in" filter="dissolve">
                                       <p:cBhvr>
-                                        <p:cTn id="33" dur="500"/>
-                                        <p:tgtEl>
-                                          <p:spTgt spid="3">
-                                            <p:txEl>
-                                              <p:pRg st="3" end="3"/>
-                                            </p:txEl>
-                                          </p:spTgt>
-                                        </p:tgtEl>
-                                      </p:cBhvr>
-                                    </p:animEffect>
-                                  </p:childTnLst>
-                                </p:cTn>
-                              </p:par>
-                            </p:childTnLst>
-                          </p:cTn>
-                        </p:par>
-                      </p:childTnLst>
-                    </p:cTn>
-                  </p:par>
-                  <p:par>
-                    <p:cTn id="34" fill="hold">
-                      <p:stCondLst>
-                        <p:cond delay="indefinite"/>
-                      </p:stCondLst>
-                      <p:childTnLst>
-                        <p:par>
-                          <p:cTn id="35" fill="hold">
-                            <p:stCondLst>
-                              <p:cond delay="0"/>
-                            </p:stCondLst>
-                            <p:childTnLst>
-                              <p:par>
-                                <p:cTn id="36" presetID="9" presetClass="exit" presetSubtype="0" fill="hold" grpId="1" nodeType="clickEffect">
-                                  <p:stCondLst>
-                                    <p:cond delay="0"/>
-                                  </p:stCondLst>
-                                  <p:childTnLst>
-                                    <p:animEffect transition="out" filter="dissolve">
-                                      <p:cBhvr>
-                                        <p:cTn id="37" dur="500"/>
-                                        <p:tgtEl>
-                                          <p:spTgt spid="3">
-                                            <p:txEl>
-                                              <p:pRg st="3" end="3"/>
-                                            </p:txEl>
-                                          </p:spTgt>
-                                        </p:tgtEl>
-                                      </p:cBhvr>
-                                    </p:animEffect>
-                                    <p:set>
-                                      <p:cBhvr>
-                                        <p:cTn id="38" dur="1" fill="hold">
-                                          <p:stCondLst>
-                                            <p:cond delay="499"/>
-                                          </p:stCondLst>
-                                        </p:cTn>
-                                        <p:tgtEl>
-                                          <p:spTgt spid="3">
-                                            <p:txEl>
-                                              <p:pRg st="3" end="3"/>
-                                            </p:txEl>
-                                          </p:spTgt>
-                                        </p:tgtEl>
-                                        <p:attrNameLst>
-                                          <p:attrName>style.visibility</p:attrName>
-                                        </p:attrNameLst>
-                                      </p:cBhvr>
-                                      <p:to>
-                                        <p:strVal val="hidden"/>
-                                      </p:to>
-                                    </p:set>
-                                  </p:childTnLst>
-                                </p:cTn>
-                              </p:par>
-                              <p:par>
-                                <p:cTn id="39" presetID="9" presetClass="entr" presetSubtype="0" fill="hold" grpId="0" nodeType="withEffect">
-                                  <p:stCondLst>
-                                    <p:cond delay="0"/>
-                                  </p:stCondLst>
-                                  <p:childTnLst>
-                                    <p:set>
-                                      <p:cBhvr>
-                                        <p:cTn id="40" dur="1" fill="hold">
-                                          <p:stCondLst>
-                                            <p:cond delay="0"/>
-                                          </p:stCondLst>
-                                        </p:cTn>
-                                        <p:tgtEl>
-                                          <p:spTgt spid="3">
-                                            <p:txEl>
-                                              <p:pRg st="4" end="4"/>
-                                            </p:txEl>
-                                          </p:spTgt>
-                                        </p:tgtEl>
-                                        <p:attrNameLst>
-                                          <p:attrName>style.visibility</p:attrName>
-                                        </p:attrNameLst>
-                                      </p:cBhvr>
-                                      <p:to>
-                                        <p:strVal val="visible"/>
-                                      </p:to>
-                                    </p:set>
-                                    <p:animEffect transition="in" filter="dissolve">
-                                      <p:cBhvr>
-                                        <p:cTn id="41" dur="500"/>
-                                        <p:tgtEl>
-                                          <p:spTgt spid="3">
-                                            <p:txEl>
-                                              <p:pRg st="4" end="4"/>
+                                        <p:cTn id="23" dur="500"/>
+                                        <p:tgtEl>
+                                          <p:spTgt spid="3">
+                                            <p:txEl>
+                                              <p:pRg st="2" end="2"/>
                                             </p:txEl>
                                           </p:spTgt>
                                         </p:tgtEl>
@@ -30353,7 +30139,7 @@
             </a:br>
             <a:r>
               <a:rPr lang="pt-BR" b="1" i="1" dirty="0"/>
-              <a:t>algoritmos centralizados</a:t>
+              <a:t>Dados centralizados</a:t>
             </a:r>
             <a:endParaRPr lang="pt-BR" dirty="0"/>
           </a:p>
@@ -30383,71 +30169,46 @@
         </p:spPr>
         <p:txBody>
           <a:bodyPr>
-            <a:normAutofit/>
+            <a:normAutofit lnSpcReduction="10000"/>
           </a:bodyPr>
           <a:lstStyle/>
           <a:p>
             <a:r>
-              <a:rPr lang="pt" sz="3600" dirty="0"/>
-              <a:t>Normalmente necessitam centralizar dados para realizar o processamento, que é problemático como acabamos de ver</a:t>
-            </a:r>
-          </a:p>
-          <a:p>
-            <a:r>
-              <a:rPr lang="pt" sz="3600" dirty="0"/>
-              <a:t>Em uma rede social como o </a:t>
-            </a:r>
-            <a:r>
-              <a:rPr lang="pt" sz="3600" dirty="0" err="1"/>
-              <a:t>Facebook</a:t>
-            </a:r>
-            <a:r>
-              <a:rPr lang="pt" sz="3600" dirty="0"/>
-              <a:t>, um algoritmo poderia buscar sugestões de amizade para todos os usuários</a:t>
-            </a:r>
-          </a:p>
-          <a:p>
-            <a:r>
-              <a:rPr lang="pt" sz="3600" dirty="0"/>
-              <a:t>Isto exigiria a obtenção dos dados e conexões (conta</a:t>
-            </a:r>
-            <a:r>
-              <a:rPr lang="en-US" sz="3600" dirty="0" err="1"/>
-              <a:t>tos</a:t>
-            </a:r>
-            <a:r>
-              <a:rPr lang="en-US" sz="3600" dirty="0"/>
-              <a:t>) de </a:t>
-            </a:r>
-            <a:r>
-              <a:rPr lang="en-US" sz="3600" dirty="0" err="1"/>
-              <a:t>todos</a:t>
-            </a:r>
-            <a:r>
-              <a:rPr lang="en-US" sz="3600" dirty="0"/>
-              <a:t> </a:t>
-            </a:r>
-            <a:r>
-              <a:rPr lang="en-US" sz="3600" dirty="0" err="1"/>
-              <a:t>os</a:t>
-            </a:r>
-            <a:r>
-              <a:rPr lang="en-US" sz="3600" dirty="0"/>
-              <a:t> </a:t>
-            </a:r>
-            <a:r>
-              <a:rPr lang="en-US" sz="3600" dirty="0" err="1"/>
-              <a:t>usuários</a:t>
-            </a:r>
-            <a:r>
-              <a:rPr lang="en-US" sz="3600" dirty="0"/>
-              <a:t> </a:t>
-            </a:r>
-            <a:r>
-              <a:rPr lang="en-US" sz="3600" dirty="0" err="1"/>
-              <a:t>mundialmente</a:t>
-            </a:r>
-            <a:endParaRPr lang="pt" sz="3600" dirty="0"/>
+              <a:rPr lang="pt" sz="3200" dirty="0"/>
+              <a:t>O mesmo ocorre com Sistemas Gerenciadores de Bancos de Dados (</a:t>
+            </a:r>
+            <a:r>
+              <a:rPr lang="pt" sz="3200" dirty="0" err="1"/>
+              <a:t>SGBDs</a:t>
+            </a:r>
+            <a:r>
+              <a:rPr lang="pt" sz="3200" dirty="0"/>
+              <a:t>)</a:t>
+            </a:r>
+          </a:p>
+          <a:p>
+            <a:r>
+              <a:rPr lang="pt" sz="3200" dirty="0"/>
+              <a:t>O sistema pode ter vários servidores web/servidores de aplicação para atender os usuários, mas todos estes servidores acessam um único SGBD</a:t>
+            </a:r>
+          </a:p>
+          <a:p>
+            <a:r>
+              <a:rPr lang="pt" sz="3200" dirty="0"/>
+              <a:t>Este único SGBD pode se tornar um gargalo com o aumento do número de usuários</a:t>
+            </a:r>
+          </a:p>
+          <a:p>
+            <a:r>
+              <a:rPr lang="pt" sz="3200" dirty="0"/>
+              <a:t>Os usuários podem começar a perceber lentidão de acesso em horários de pico</a:t>
+            </a:r>
+          </a:p>
+          <a:p>
+            <a:r>
+              <a:rPr lang="pt" sz="3200" dirty="0"/>
+              <a:t>A situação piora se, pra cada usuário, uma nova conexão ao banco é aberta</a:t>
+            </a:r>
           </a:p>
         </p:txBody>
       </p:sp>
@@ -30483,7 +30244,7 @@
     </p:spTree>
     <p:extLst>
       <p:ext uri="{BB962C8B-B14F-4D97-AF65-F5344CB8AC3E}">
-        <p14:creationId xmlns:p14="http://schemas.microsoft.com/office/powerpoint/2010/main" val="497327328"/>
+        <p14:creationId xmlns:p14="http://schemas.microsoft.com/office/powerpoint/2010/main" val="3841423139"/>
       </p:ext>
     </p:extLst>
   </p:cSld>
@@ -30614,15 +30375,76 @@
                                   </p:childTnLst>
                                 </p:cTn>
                               </p:par>
+                            </p:childTnLst>
+                          </p:cTn>
+                        </p:par>
+                      </p:childTnLst>
+                    </p:cTn>
+                  </p:par>
+                  <p:par>
+                    <p:cTn id="13" fill="hold">
+                      <p:stCondLst>
+                        <p:cond delay="indefinite"/>
+                      </p:stCondLst>
+                      <p:childTnLst>
+                        <p:par>
+                          <p:cTn id="14" fill="hold">
+                            <p:stCondLst>
+                              <p:cond delay="0"/>
+                            </p:stCondLst>
+                            <p:childTnLst>
                               <p:par>
-                                <p:cTn id="13" presetID="9" presetClass="exit" presetSubtype="0" fill="hold" grpId="1" nodeType="withEffect">
+                                <p:cTn id="15" presetID="9" presetClass="entr" presetSubtype="0" fill="hold" grpId="0" nodeType="clickEffect">
+                                  <p:stCondLst>
+                                    <p:cond delay="0"/>
+                                  </p:stCondLst>
+                                  <p:childTnLst>
+                                    <p:set>
+                                      <p:cBhvr>
+                                        <p:cTn id="16" dur="1" fill="hold">
+                                          <p:stCondLst>
+                                            <p:cond delay="0"/>
+                                          </p:stCondLst>
+                                        </p:cTn>
+                                        <p:tgtEl>
+                                          <p:spTgt spid="3">
+                                            <p:txEl>
+                                              <p:pRg st="2" end="2"/>
+                                            </p:txEl>
+                                          </p:spTgt>
+                                        </p:tgtEl>
+                                        <p:attrNameLst>
+                                          <p:attrName>style.visibility</p:attrName>
+                                        </p:attrNameLst>
+                                      </p:cBhvr>
+                                      <p:to>
+                                        <p:strVal val="visible"/>
+                                      </p:to>
+                                    </p:set>
+                                    <p:animEffect transition="in" filter="dissolve">
+                                      <p:cBhvr>
+                                        <p:cTn id="17" dur="500"/>
+                                        <p:tgtEl>
+                                          <p:spTgt spid="3">
+                                            <p:txEl>
+                                              <p:pRg st="2" end="2"/>
+                                            </p:txEl>
+                                          </p:spTgt>
+                                        </p:tgtEl>
+                                      </p:cBhvr>
+                                    </p:animEffect>
+                                  </p:childTnLst>
+                                </p:cTn>
+                              </p:par>
+                              <p:par>
+                                <p:cTn id="18" presetID="9" presetClass="exit" presetSubtype="0" fill="hold" grpId="1" nodeType="withEffect">
                                   <p:stCondLst>
                                     <p:cond delay="0"/>
                                   </p:stCondLst>
                                   <p:childTnLst>
                                     <p:animEffect transition="out" filter="dissolve">
                                       <p:cBhvr>
-                                        <p:cTn id="14" dur="500"/>
+                                        <p:cTn id="19" dur="500"/>
                                         <p:tgtEl>
                                           <p:spTgt spid="3">
                                             <p:txEl>
@@ -30634,7 +30456,7 @@
                                     </p:animEffect>
                                     <p:set>
                                       <p:cBhvr>
-                                        <p:cTn id="15" dur="1" fill="hold">
+                                        <p:cTn id="20" dur="1" fill="hold">
                                           <p:stCondLst>
                                             <p:cond delay="499"/>
                                           </p:stCondLst>
@@ -30664,26 +30486,26 @@
                     </p:cTn>
                   </p:par>
                   <p:par>
-                    <p:cTn id="16" fill="hold">
+                    <p:cTn id="21" fill="hold">
                       <p:stCondLst>
                         <p:cond delay="indefinite"/>
                       </p:stCondLst>
                       <p:childTnLst>
                         <p:par>
-                          <p:cTn id="17" fill="hold">
+                          <p:cTn id="22" fill="hold">
                             <p:stCondLst>
                               <p:cond delay="0"/>
                             </p:stCondLst>
                             <p:childTnLst>
                               <p:par>
-                                <p:cTn id="18" presetID="9" presetClass="exit" presetSubtype="0" fill="hold" grpId="1" nodeType="clickEffect">
+                                <p:cTn id="23" presetID="9" presetClass="exit" presetSubtype="0" fill="hold" grpId="1" nodeType="clickEffect">
                                   <p:stCondLst>
                                     <p:cond delay="0"/>
                                   </p:stCondLst>
                                   <p:childTnLst>
                                     <p:animEffect transition="out" filter="dissolve">
                                       <p:cBhvr>
-                                        <p:cTn id="19" dur="500"/>
+                                        <p:cTn id="24" dur="500"/>
                                         <p:tgtEl>
                                           <p:spTgt spid="3">
                                             <p:txEl>
@@ -30695,7 +30517,7 @@
                                     </p:animEffect>
                                     <p:set>
                                       <p:cBhvr>
-                                        <p:cTn id="20" dur="1" fill="hold">
+                                        <p:cTn id="25" dur="1" fill="hold">
                                           <p:stCondLst>
                                             <p:cond delay="499"/>
                                           </p:stCondLst>
@@ -30704,6 +30526,67 @@
                                           <p:spTgt spid="3">
                                             <p:txEl>
                                               <p:pRg st="1" end="1"/>
+                                            </p:txEl>
+                                          </p:spTgt>
+                                        </p:tgtEl>
+                                        <p:attrNameLst>
+                                          <p:attrName>style.visibility</p:attrName>
+                                        </p:attrNameLst>
+                                      </p:cBhvr>
+                                      <p:to>
+                                        <p:strVal val="hidden"/>
+                                      </p:to>
+                                    </p:set>
+                                  </p:childTnLst>
+                                </p:cTn>
+                              </p:par>
+                            </p:childTnLst>
+                          </p:cTn>
+                        </p:par>
+                      </p:childTnLst>
+                    </p:cTn>
+                  </p:par>
+                  <p:par>
+                    <p:cTn id="26" fill="hold">
+                      <p:stCondLst>
+                        <p:cond delay="indefinite"/>
+                      </p:stCondLst>
+                      <p:childTnLst>
+                        <p:par>
+                          <p:cTn id="27" fill="hold">
+                            <p:stCondLst>
+                              <p:cond delay="0"/>
+                            </p:stCondLst>
+                            <p:childTnLst>
+                              <p:par>
+                                <p:cTn id="28" presetID="9" presetClass="exit" presetSubtype="0" fill="hold" grpId="1" nodeType="clickEffect">
+                                  <p:stCondLst>
+                                    <p:cond delay="0"/>
+                                  </p:stCondLst>
+                                  <p:childTnLst>
+                                    <p:animEffect transition="out" filter="dissolve">
+                                      <p:cBhvr>
+                                        <p:cTn id="29" dur="500"/>
+                                        <p:tgtEl>
+                                          <p:spTgt spid="3">
+                                            <p:txEl>
+                                              <p:pRg st="2" end="2"/>
+                                            </p:txEl>
+                                          </p:spTgt>
+                                        </p:tgtEl>
+                                      </p:cBhvr>
+                                    </p:animEffect>
+                                    <p:set>
+                                      <p:cBhvr>
+                                        <p:cTn id="30" dur="1" fill="hold">
+                                          <p:stCondLst>
+                                            <p:cond delay="499"/>
+                                          </p:stCondLst>
+                                        </p:cTn>
+                                        <p:tgtEl>
+                                          <p:spTgt spid="3">
+                                            <p:txEl>
+                                              <p:pRg st="2" end="2"/>
                                             </p:txEl>
                                           </p:spTgt>
                                         </p:tgtEl>
@@ -30719,14 +30602,14 @@
                                 </p:cTn>
                               </p:par>
                               <p:par>
-                                <p:cTn id="21" presetID="9" presetClass="entr" presetSubtype="0" fill="hold" grpId="0" nodeType="withEffect">
+                                <p:cTn id="31" presetID="9" presetClass="entr" presetSubtype="0" fill="hold" grpId="0" nodeType="withEffect">
                                   <p:stCondLst>
                                     <p:cond delay="0"/>
                                   </p:stCondLst>
                                   <p:childTnLst>
                                     <p:set>
                                       <p:cBhvr>
-                                        <p:cTn id="22" dur="1" fill="hold">
+                                        <p:cTn id="32" dur="1" fill="hold">
                                           <p:stCondLst>
                                             <p:cond delay="0"/>
                                           </p:stCondLst>
@@ -30734,7 +30617,7 @@
                                         <p:tgtEl>
                                           <p:spTgt spid="3">
                                             <p:txEl>
-                                              <p:pRg st="2" end="2"/>
+                                              <p:pRg st="3" end="3"/>
                                             </p:txEl>
                                           </p:spTgt>
                                         </p:tgtEl>
@@ -30748,11 +30631,115 @@
                                     </p:set>
                                     <p:animEffect transition="in" filter="dissolve">
                                       <p:cBhvr>
-                                        <p:cTn id="23" dur="500"/>
-                                        <p:tgtEl>
-                                          <p:spTgt spid="3">
-                                            <p:txEl>
-                                              <p:pRg st="2" end="2"/>
+                                        <p:cTn id="33" dur="500"/>
+                                        <p:tgtEl>
+                                          <p:spTgt spid="3">
+                                            <p:txEl>
+                                              <p:pRg st="3" end="3"/>
+                                            </p:txEl>
+                                          </p:spTgt>
+                                        </p:tgtEl>
+                                      </p:cBhvr>
+                                    </p:animEffect>
+                                  </p:childTnLst>
+                                </p:cTn>
+                              </p:par>
+                            </p:childTnLst>
+                          </p:cTn>
+                        </p:par>
+                      </p:childTnLst>
+                    </p:cTn>
+                  </p:par>
+                  <p:par>
+                    <p:cTn id="34" fill="hold">
+                      <p:stCondLst>
+                        <p:cond delay="indefinite"/>
+                      </p:stCondLst>
+                      <p:childTnLst>
+                        <p:par>
+                          <p:cTn id="35" fill="hold">
+                            <p:stCondLst>
+                              <p:cond delay="0"/>
+                            </p:stCondLst>
+                            <p:childTnLst>
+                              <p:par>
+                                <p:cTn id="36" presetID="9" presetClass="exit" presetSubtype="0" fill="hold" grpId="1" nodeType="clickEffect">
+                                  <p:stCondLst>
+                                    <p:cond delay="0"/>
+                                  </p:stCondLst>
+                                  <p:childTnLst>
+                                    <p:animEffect transition="out" filter="dissolve">
+                                      <p:cBhvr>
+                                        <p:cTn id="37" dur="500"/>
+                                        <p:tgtEl>
+                                          <p:spTgt spid="3">
+                                            <p:txEl>
+                                              <p:pRg st="3" end="3"/>
+                                            </p:txEl>
+                                          </p:spTgt>
+                                        </p:tgtEl>
+                                      </p:cBhvr>
+                                    </p:animEffect>
+                                    <p:set>
+                                      <p:cBhvr>
+                                        <p:cTn id="38" dur="1" fill="hold">
+                                          <p:stCondLst>
+                                            <p:cond delay="499"/>
+                                          </p:stCondLst>
+                                        </p:cTn>
+                                        <p:tgtEl>
+                                          <p:spTgt spid="3">
+                                            <p:txEl>
+                                              <p:pRg st="3" end="3"/>
+                                            </p:txEl>
+                                          </p:spTgt>
+                                        </p:tgtEl>
+                                        <p:attrNameLst>
+                                          <p:attrName>style.visibility</p:attrName>
+                                        </p:attrNameLst>
+                                      </p:cBhvr>
+                                      <p:to>
+                                        <p:strVal val="hidden"/>
+                                      </p:to>
+                                    </p:set>
+                                  </p:childTnLst>
+                                </p:cTn>
+                              </p:par>
+                              <p:par>
+                                <p:cTn id="39" presetID="9" presetClass="entr" presetSubtype="0" fill="hold" grpId="0" nodeType="withEffect">
+                                  <p:stCondLst>
+                                    <p:cond delay="0"/>
+                                  </p:stCondLst>
+                                  <p:childTnLst>
+                                    <p:set>
+                                      <p:cBhvr>
+                                        <p:cTn id="40" dur="1" fill="hold">
+                                          <p:stCondLst>
+                                            <p:cond delay="0"/>
+                                          </p:stCondLst>
+                                        </p:cTn>
+                                        <p:tgtEl>
+                                          <p:spTgt spid="3">
+                                            <p:txEl>
+                                              <p:pRg st="4" end="4"/>
+                                            </p:txEl>
+                                          </p:spTgt>
+                                        </p:tgtEl>
+                                        <p:attrNameLst>
+                                          <p:attrName>style.visibility</p:attrName>
+                                        </p:attrNameLst>
+                                      </p:cBhvr>
+                                      <p:to>
+                                        <p:strVal val="visible"/>
+                                      </p:to>
+                                    </p:set>
+                                    <p:animEffect transition="in" filter="dissolve">
+                                      <p:cBhvr>
+                                        <p:cTn id="41" dur="500"/>
+                                        <p:tgtEl>
+                                          <p:spTgt spid="3">
+                                            <p:txEl>
+                                              <p:pRg st="4" end="4"/>
                                             </p:txEl>
                                           </p:spTgt>
                                         </p:tgtEl>
@@ -30881,68 +30868,71 @@
         </p:spPr>
         <p:txBody>
           <a:bodyPr>
-            <a:normAutofit lnSpcReduction="10000"/>
+            <a:normAutofit/>
           </a:bodyPr>
           <a:lstStyle/>
           <a:p>
             <a:r>
-              <a:rPr lang="pt" sz="3200" dirty="0"/>
-              <a:t>O </a:t>
-            </a:r>
-            <a:r>
-              <a:rPr lang="pt" sz="3200" dirty="0">
-                <a:hlinkClick r:id="rId2"/>
-              </a:rPr>
-              <a:t>Facebbok contabilizou mais de 1 bilhão de usuários em 2012</a:t>
-            </a:r>
-            <a:r>
-              <a:rPr lang="pt" sz="3200" dirty="0"/>
-              <a:t> e </a:t>
-            </a:r>
-            <a:r>
-              <a:rPr lang="pt" sz="3200" dirty="0">
-                <a:hlinkClick r:id="rId3"/>
-              </a:rPr>
-              <a:t>2 bilhões de acessos mensais em 2017</a:t>
-            </a:r>
-            <a:r>
-              <a:rPr lang="pt" sz="3200" dirty="0"/>
-              <a:t> (mais de 46 mil acessos por minuto)</a:t>
-            </a:r>
-          </a:p>
-          <a:p>
-            <a:r>
-              <a:rPr lang="pt" sz="3200" dirty="0"/>
-              <a:t>Executar um algoritmo centralizado sobre um número tão grande de dados, sobrecarregaria recursos físicos como memória do servidor e rede</a:t>
-            </a:r>
-          </a:p>
-          <a:p>
-            <a:r>
-              <a:rPr lang="en-US" sz="3200" dirty="0" err="1"/>
-              <a:t>Sobrecarregaria</a:t>
-            </a:r>
-            <a:r>
-              <a:rPr lang="en-US" sz="3200" dirty="0"/>
-              <a:t> a </a:t>
-            </a:r>
-            <a:r>
-              <a:rPr lang="en-US" sz="3200" dirty="0" err="1"/>
-              <a:t>rede</a:t>
-            </a:r>
-            <a:r>
-              <a:rPr lang="en-US" sz="3200" dirty="0"/>
+              <a:rPr lang="pt" sz="3600" dirty="0"/>
+              <a:t>Normalmente necessitam centralizar dados para realizar o processamento, que é problemático como acabamos de ver</a:t>
+            </a:r>
+          </a:p>
+          <a:p>
+            <a:r>
+              <a:rPr lang="pt" sz="3600" dirty="0"/>
+              <a:t>Em uma rede social como o </a:t>
+            </a:r>
+            <a:r>
+              <a:rPr lang="pt" sz="3600" dirty="0" err="1"/>
+              <a:t>Facebook</a:t>
+            </a:r>
+            <a:r>
+              <a:rPr lang="pt" sz="3600" dirty="0"/>
+              <a:t>, um algoritmo poderia buscar sugestões de amizade para todos os usuários</a:t>
+            </a:r>
+          </a:p>
+          <a:p>
+            <a:r>
+              <a:rPr lang="pt" sz="3600" dirty="0"/>
+              <a:t>Isto exigiria a obtenção dos dados e conexões (conta</a:t>
+            </a:r>
+            <a:r>
+              <a:rPr lang="en-US" sz="3600" dirty="0" err="1"/>
+              <a:t>tos</a:t>
+            </a:r>
+            <a:r>
+              <a:rPr lang="en-US" sz="3600" dirty="0"/>
+              <a:t>) de </a:t>
+            </a:r>
+            <a:r>
+              <a:rPr lang="en-US" sz="3600" dirty="0" err="1"/>
+              <a:t>todos</a:t>
+            </a:r>
+            <a:r>
+              <a:rPr lang="en-US" sz="3600" dirty="0"/>
               <a:t> </a:t>
             </a:r>
             <a:r>
-              <a:rPr lang="pt" sz="3200" dirty="0"/>
-              <a:t>quando os dados precisarem ser enviados para outros locais</a:t>
-            </a:r>
-          </a:p>
-          <a:p>
-            <a:r>
-              <a:rPr lang="pt" sz="3200" dirty="0"/>
-              <a:t>O processamento por um único servidor tornaria inviável o tempo para encontrar as sugestões de amizade</a:t>
-            </a:r>
+              <a:rPr lang="en-US" sz="3600" dirty="0" err="1"/>
+              <a:t>os</a:t>
+            </a:r>
+            <a:r>
+              <a:rPr lang="en-US" sz="3600" dirty="0"/>
+              <a:t> </a:t>
+            </a:r>
+            <a:r>
+              <a:rPr lang="en-US" sz="3600" dirty="0" err="1"/>
+              <a:t>usuários</a:t>
+            </a:r>
+            <a:r>
+              <a:rPr lang="en-US" sz="3600" dirty="0"/>
+              <a:t> </a:t>
+            </a:r>
+            <a:r>
+              <a:rPr lang="en-US" sz="3600" dirty="0" err="1"/>
+              <a:t>mundialmente</a:t>
+            </a:r>
+            <a:endParaRPr lang="pt" sz="3600" dirty="0"/>
           </a:p>
         </p:txBody>
       </p:sp>
@@ -30978,7 +30968,7 @@
     </p:spTree>
     <p:extLst>
       <p:ext uri="{BB962C8B-B14F-4D97-AF65-F5344CB8AC3E}">
-        <p14:creationId xmlns:p14="http://schemas.microsoft.com/office/powerpoint/2010/main" val="3993353471"/>
+        <p14:creationId xmlns:p14="http://schemas.microsoft.com/office/powerpoint/2010/main" val="497327328"/>
       </p:ext>
     </p:extLst>
   </p:cSld>
@@ -31248,110 +31238,6 @@
                                           <p:spTgt spid="3">
                                             <p:txEl>
                                               <p:pRg st="2" end="2"/>
-                                            </p:txEl>
-                                          </p:spTgt>
-                                        </p:tgtEl>
-                                      </p:cBhvr>
-                                    </p:animEffect>
-                                  </p:childTnLst>
-                                </p:cTn>
-                              </p:par>
-                            </p:childTnLst>
-                          </p:cTn>
-                        </p:par>
-                      </p:childTnLst>
-                    </p:cTn>
-                  </p:par>
-                  <p:par>
-                    <p:cTn id="24" fill="hold">
-                      <p:stCondLst>
-                        <p:cond delay="indefinite"/>
-                      </p:stCondLst>
-                      <p:childTnLst>
-                        <p:par>
-                          <p:cTn id="25" fill="hold">
-                            <p:stCondLst>
-                              <p:cond delay="0"/>
-                            </p:stCondLst>
-                            <p:childTnLst>
-                              <p:par>
-                                <p:cTn id="26" presetID="9" presetClass="exit" presetSubtype="0" fill="hold" grpId="1" nodeType="clickEffect">
-                                  <p:stCondLst>
-                                    <p:cond delay="0"/>
-                                  </p:stCondLst>
-                                  <p:childTnLst>
-                                    <p:animEffect transition="out" filter="dissolve">
-                                      <p:cBhvr>
-                                        <p:cTn id="27" dur="500"/>
-                                        <p:tgtEl>
-                                          <p:spTgt spid="3">
-                                            <p:txEl>
-                                              <p:pRg st="2" end="2"/>
-                                            </p:txEl>
-                                          </p:spTgt>
-                                        </p:tgtEl>
-                                      </p:cBhvr>
-                                    </p:animEffect>
-                                    <p:set>
-                                      <p:cBhvr>
-                                        <p:cTn id="28" dur="1" fill="hold">
-                                          <p:stCondLst>
-                                            <p:cond delay="499"/>
-                                          </p:stCondLst>
-                                        </p:cTn>
-                                        <p:tgtEl>
-                                          <p:spTgt spid="3">
-                                            <p:txEl>
-                                              <p:pRg st="2" end="2"/>
-                                            </p:txEl>
-                                          </p:spTgt>
-                                        </p:tgtEl>
-                                        <p:attrNameLst>
-                                          <p:attrName>style.visibility</p:attrName>
-                                        </p:attrNameLst>
-                                      </p:cBhvr>
-                                      <p:to>
-                                        <p:strVal val="hidden"/>
-                                      </p:to>
-                                    </p:set>
-                                  </p:childTnLst>
-                                </p:cTn>
-                              </p:par>
-                              <p:par>
-                                <p:cTn id="29" presetID="9" presetClass="entr" presetSubtype="0" fill="hold" grpId="0" nodeType="withEffect">
-                                  <p:stCondLst>
-                                    <p:cond delay="0"/>
-                                  </p:stCondLst>
-                                  <p:childTnLst>
-                                    <p:set>
-                                      <p:cBhvr>
-                                        <p:cTn id="30" dur="1" fill="hold">
-                                          <p:stCondLst>
-                                            <p:cond delay="0"/>
-                                          </p:stCondLst>
-                                        </p:cTn>
-                                        <p:tgtEl>
-                                          <p:spTgt spid="3">
-                                            <p:txEl>
-                                              <p:pRg st="3" end="3"/>
-                                            </p:txEl>
-                                          </p:spTgt>
-                                        </p:tgtEl>
-                                        <p:attrNameLst>
-                                          <p:attrName>style.visibility</p:attrName>
-                                        </p:attrNameLst>
-                                      </p:cBhvr>
-                                      <p:to>
-                                        <p:strVal val="visible"/>
-                                      </p:to>
-                                    </p:set>
-                                    <p:animEffect transition="in" filter="dissolve">
-                                      <p:cBhvr>
-                                        <p:cTn id="31" dur="500"/>
-                                        <p:tgtEl>
-                                          <p:spTgt spid="3">
-                                            <p:txEl>
-                                              <p:pRg st="3" end="3"/>
                                             </p:txEl>
                                           </p:spTgt>
                                         </p:tgtEl>
@@ -31480,57 +31366,68 @@
         </p:spPr>
         <p:txBody>
           <a:bodyPr>
-            <a:normAutofit/>
+            <a:normAutofit lnSpcReduction="10000"/>
           </a:bodyPr>
           <a:lstStyle/>
           <a:p>
             <a:r>
-              <a:rPr lang="pt" sz="3600" dirty="0"/>
-              <a:t>A solução são </a:t>
-            </a:r>
-            <a:r>
-              <a:rPr lang="pt" sz="3600" b="1" dirty="0"/>
-              <a:t>algoritmos</a:t>
-            </a:r>
-            <a:r>
-              <a:rPr lang="pt" sz="3600" dirty="0"/>
-              <a:t> decentralizados (distribuídos)</a:t>
-            </a:r>
-          </a:p>
-          <a:p>
-            <a:r>
-              <a:rPr lang="en-US" sz="3600" dirty="0" err="1"/>
-              <a:t>Usam</a:t>
-            </a:r>
-            <a:r>
-              <a:rPr lang="en-US" sz="3600" dirty="0"/>
+              <a:rPr lang="pt" sz="3200" dirty="0"/>
+              <a:t>O </a:t>
+            </a:r>
+            <a:r>
+              <a:rPr lang="pt" sz="3200" dirty="0">
+                <a:hlinkClick r:id="rId2"/>
+              </a:rPr>
+              <a:t>Facebbok contabilizou mais de 1 bilhão de usuários em 2012</a:t>
+            </a:r>
+            <a:r>
+              <a:rPr lang="pt" sz="3200" dirty="0"/>
+              <a:t> e </a:t>
+            </a:r>
+            <a:r>
+              <a:rPr lang="pt" sz="3200" dirty="0">
+                <a:hlinkClick r:id="rId3"/>
+              </a:rPr>
+              <a:t>2 bilhões de acessos mensais em 2017</a:t>
+            </a:r>
+            <a:r>
+              <a:rPr lang="pt" sz="3200" dirty="0"/>
+              <a:t> (mais de 46 mil acessos por minuto)</a:t>
+            </a:r>
+          </a:p>
+          <a:p>
+            <a:r>
+              <a:rPr lang="pt" sz="3200" dirty="0"/>
+              <a:t>Executar um algoritmo centralizado sobre um número tão grande de dados, sobrecarregaria recursos físicos como memória do servidor e rede</a:t>
+            </a:r>
+          </a:p>
+          <a:p>
+            <a:r>
+              <a:rPr lang="en-US" sz="3200" dirty="0" err="1"/>
+              <a:t>Sobrecarregaria</a:t>
+            </a:r>
+            <a:r>
+              <a:rPr lang="en-US" sz="3200" dirty="0"/>
               <a:t> a </a:t>
             </a:r>
             <a:r>
-              <a:rPr lang="en-US" sz="3600" dirty="0" err="1"/>
-              <a:t>técnica</a:t>
-            </a:r>
-            <a:r>
-              <a:rPr lang="en-US" sz="3600" dirty="0"/>
-              <a:t> “</a:t>
-            </a:r>
-            <a:r>
-              <a:rPr lang="en-US" sz="3600" i="1" dirty="0"/>
-              <a:t>Divide and Conquer” </a:t>
-            </a:r>
-            <a:r>
-              <a:rPr lang="en-US" sz="3600" i="1" dirty="0" err="1"/>
-              <a:t>já</a:t>
-            </a:r>
-            <a:r>
-              <a:rPr lang="en-US" sz="3600" i="1" dirty="0"/>
+              <a:rPr lang="en-US" sz="3200" dirty="0" err="1"/>
+              <a:t>rede</a:t>
+            </a:r>
+            <a:r>
+              <a:rPr lang="en-US" sz="3200" dirty="0"/>
               <a:t> </a:t>
             </a:r>
             <a:r>
-              <a:rPr lang="en-US" sz="3600" i="1" dirty="0" err="1"/>
-              <a:t>discutida</a:t>
-            </a:r>
-            <a:endParaRPr lang="pt" sz="3600" i="1" dirty="0"/>
+              <a:rPr lang="pt" sz="3200" dirty="0"/>
+              <a:t>quando os dados precisarem ser enviados para outros locais</a:t>
+            </a:r>
+          </a:p>
+          <a:p>
+            <a:r>
+              <a:rPr lang="pt" sz="3200" dirty="0"/>
+              <a:t>O processamento por um único servidor tornaria inviável o tempo para encontrar as sugestões de amizade</a:t>
+            </a:r>
           </a:p>
         </p:txBody>
       </p:sp>
@@ -31566,7 +31463,7 @@
     </p:spTree>
     <p:extLst>
       <p:ext uri="{BB962C8B-B14F-4D97-AF65-F5344CB8AC3E}">
-        <p14:creationId xmlns:p14="http://schemas.microsoft.com/office/powerpoint/2010/main" val="3038269042"/>
+        <p14:creationId xmlns:p14="http://schemas.microsoft.com/office/powerpoint/2010/main" val="3993353471"/>
       </p:ext>
     </p:extLst>
   </p:cSld>
@@ -31737,6 +31634,214 @@
                                         <p:strVal val="hidden"/>
                                       </p:to>
                                     </p:set>
+                                  </p:childTnLst>
+                                </p:cTn>
+                              </p:par>
+                            </p:childTnLst>
+                          </p:cTn>
+                        </p:par>
+                      </p:childTnLst>
+                    </p:cTn>
+                  </p:par>
+                  <p:par>
+                    <p:cTn id="16" fill="hold">
+                      <p:stCondLst>
+                        <p:cond delay="indefinite"/>
+                      </p:stCondLst>
+                      <p:childTnLst>
+                        <p:par>
+                          <p:cTn id="17" fill="hold">
+                            <p:stCondLst>
+                              <p:cond delay="0"/>
+                            </p:stCondLst>
+                            <p:childTnLst>
+                              <p:par>
+                                <p:cTn id="18" presetID="9" presetClass="exit" presetSubtype="0" fill="hold" grpId="1" nodeType="clickEffect">
+                                  <p:stCondLst>
+                                    <p:cond delay="0"/>
+                                  </p:stCondLst>
+                                  <p:childTnLst>
+                                    <p:animEffect transition="out" filter="dissolve">
+                                      <p:cBhvr>
+                                        <p:cTn id="19" dur="500"/>
+                                        <p:tgtEl>
+                                          <p:spTgt spid="3">
+                                            <p:txEl>
+                                              <p:pRg st="1" end="1"/>
+                                            </p:txEl>
+                                          </p:spTgt>
+                                        </p:tgtEl>
+                                      </p:cBhvr>
+                                    </p:animEffect>
+                                    <p:set>
+                                      <p:cBhvr>
+                                        <p:cTn id="20" dur="1" fill="hold">
+                                          <p:stCondLst>
+                                            <p:cond delay="499"/>
+                                          </p:stCondLst>
+                                        </p:cTn>
+                                        <p:tgtEl>
+                                          <p:spTgt spid="3">
+                                            <p:txEl>
+                                              <p:pRg st="1" end="1"/>
+                                            </p:txEl>
+                                          </p:spTgt>
+                                        </p:tgtEl>
+                                        <p:attrNameLst>
+                                          <p:attrName>style.visibility</p:attrName>
+                                        </p:attrNameLst>
+                                      </p:cBhvr>
+                                      <p:to>
+                                        <p:strVal val="hidden"/>
+                                      </p:to>
+                                    </p:set>
+                                  </p:childTnLst>
+                                </p:cTn>
+                              </p:par>
+                              <p:par>
+                                <p:cTn id="21" presetID="9" presetClass="entr" presetSubtype="0" fill="hold" grpId="0" nodeType="withEffect">
+                                  <p:stCondLst>
+                                    <p:cond delay="0"/>
+                                  </p:stCondLst>
+                                  <p:childTnLst>
+                                    <p:set>
+                                      <p:cBhvr>
+                                        <p:cTn id="22" dur="1" fill="hold">
+                                          <p:stCondLst>
+                                            <p:cond delay="0"/>
+                                          </p:stCondLst>
+                                        </p:cTn>
+                                        <p:tgtEl>
+                                          <p:spTgt spid="3">
+                                            <p:txEl>
+                                              <p:pRg st="2" end="2"/>
+                                            </p:txEl>
+                                          </p:spTgt>
+                                        </p:tgtEl>
+                                        <p:attrNameLst>
+                                          <p:attrName>style.visibility</p:attrName>
+                                        </p:attrNameLst>
+                                      </p:cBhvr>
+                                      <p:to>
+                                        <p:strVal val="visible"/>
+                                      </p:to>
+                                    </p:set>
+                                    <p:animEffect transition="in" filter="dissolve">
+                                      <p:cBhvr>
+                                        <p:cTn id="23" dur="500"/>
+                                        <p:tgtEl>
+                                          <p:spTgt spid="3">
+                                            <p:txEl>
+                                              <p:pRg st="2" end="2"/>
+                                            </p:txEl>
+                                          </p:spTgt>
+                                        </p:tgtEl>
+                                      </p:cBhvr>
+                                    </p:animEffect>
+                                  </p:childTnLst>
+                                </p:cTn>
+                              </p:par>
+                            </p:childTnLst>
+                          </p:cTn>
+                        </p:par>
+                      </p:childTnLst>
+                    </p:cTn>
+                  </p:par>
+                  <p:par>
+                    <p:cTn id="24" fill="hold">
+                      <p:stCondLst>
+                        <p:cond delay="indefinite"/>
+                      </p:stCondLst>
+                      <p:childTnLst>
+                        <p:par>
+                          <p:cTn id="25" fill="hold">
+                            <p:stCondLst>
+                              <p:cond delay="0"/>
+                            </p:stCondLst>
+                            <p:childTnLst>
+                              <p:par>
+                                <p:cTn id="26" presetID="9" presetClass="exit" presetSubtype="0" fill="hold" grpId="1" nodeType="clickEffect">
+                                  <p:stCondLst>
+                                    <p:cond delay="0"/>
+                                  </p:stCondLst>
+                                  <p:childTnLst>
+                                    <p:animEffect transition="out" filter="dissolve">
+                                      <p:cBhvr>
+                                        <p:cTn id="27" dur="500"/>
+                                        <p:tgtEl>
+                                          <p:spTgt spid="3">
+                                            <p:txEl>
+                                              <p:pRg st="2" end="2"/>
+                                            </p:txEl>
+                                          </p:spTgt>
+                                        </p:tgtEl>
+                                      </p:cBhvr>
+                                    </p:animEffect>
+                                    <p:set>
+                                      <p:cBhvr>
+                                        <p:cTn id="28" dur="1" fill="hold">
+                                          <p:stCondLst>
+                                            <p:cond delay="499"/>
+                                          </p:stCondLst>
+                                        </p:cTn>
+                                        <p:tgtEl>
+                                          <p:spTgt spid="3">
+                                            <p:txEl>
+                                              <p:pRg st="2" end="2"/>
+                                            </p:txEl>
+                                          </p:spTgt>
+                                        </p:tgtEl>
+                                        <p:attrNameLst>
+                                          <p:attrName>style.visibility</p:attrName>
+                                        </p:attrNameLst>
+                                      </p:cBhvr>
+                                      <p:to>
+                                        <p:strVal val="hidden"/>
+                                      </p:to>
+                                    </p:set>
+                                  </p:childTnLst>
+                                </p:cTn>
+                              </p:par>
+                              <p:par>
+                                <p:cTn id="29" presetID="9" presetClass="entr" presetSubtype="0" fill="hold" grpId="0" nodeType="withEffect">
+                                  <p:stCondLst>
+                                    <p:cond delay="0"/>
+                                  </p:stCondLst>
+                                  <p:childTnLst>
+                                    <p:set>
+                                      <p:cBhvr>
+                                        <p:cTn id="30" dur="1" fill="hold">
+                                          <p:stCondLst>
+                                            <p:cond delay="0"/>
+                                          </p:stCondLst>
+                                        </p:cTn>
+                                        <p:tgtEl>
+                                          <p:spTgt spid="3">
+                                            <p:txEl>
+                                              <p:pRg st="3" end="3"/>
+                                            </p:txEl>
+                                          </p:spTgt>
+                                        </p:tgtEl>
+                                        <p:attrNameLst>
+                                          <p:attrName>style.visibility</p:attrName>
+                                        </p:attrNameLst>
+                                      </p:cBhvr>
+                                      <p:to>
+                                        <p:strVal val="visible"/>
+                                      </p:to>
+                                    </p:set>
+                                    <p:animEffect transition="in" filter="dissolve">
+                                      <p:cBhvr>
+                                        <p:cTn id="31" dur="500"/>
+                                        <p:tgtEl>
+                                          <p:spTgt spid="3">
+                                            <p:txEl>
+                                              <p:pRg st="3" end="3"/>
+                                            </p:txEl>
+                                          </p:spTgt>
+                                        </p:tgtEl>
+                                      </p:cBhvr>
+                                    </p:animEffect>
                                   </p:childTnLst>
                                 </p:cTn>
                               </p:par>
@@ -31866,44 +31971,51 @@
           <a:p>
             <a:r>
               <a:rPr lang="pt" sz="3600" dirty="0"/>
-              <a:t>Os dados são divididos em subconjuntos</a:t>
-            </a:r>
-          </a:p>
-          <a:p>
+              <a:t>A solução são </a:t>
+            </a:r>
+            <a:r>
+              <a:rPr lang="pt" sz="3600" b="1" dirty="0"/>
+              <a:t>algoritmos</a:t>
+            </a:r>
             <a:r>
               <a:rPr lang="pt" sz="3600" dirty="0"/>
-              <a:t>Cada servidor recebe e processa um subconjunto de forma isolada e independente</a:t>
+              <a:t> decentralizados (distribuídos)</a:t>
+            </a:r>
+          </a:p>
+          <a:p>
+            <a:r>
+              <a:rPr lang="en-US" sz="3600" dirty="0" err="1"/>
+              <a:t>Usam</a:t>
+            </a:r>
+            <a:r>
+              <a:rPr lang="en-US" sz="3600" dirty="0"/>
+              <a:t> a </a:t>
+            </a:r>
+            <a:r>
+              <a:rPr lang="en-US" sz="3600" dirty="0" err="1"/>
+              <a:t>técnica</a:t>
+            </a:r>
+            <a:r>
+              <a:rPr lang="en-US" sz="3600" dirty="0"/>
+              <a:t> “</a:t>
+            </a:r>
+            <a:r>
+              <a:rPr lang="en-US" sz="3600" i="1" dirty="0"/>
+              <a:t>Divide and Conquer” </a:t>
+            </a:r>
+            <a:r>
+              <a:rPr lang="en-US" sz="3600" i="1" dirty="0" err="1"/>
+              <a:t>já</a:t>
+            </a:r>
+            <a:r>
+              <a:rPr lang="en-US" sz="3600" i="1" dirty="0"/>
+              <a:t> </a:t>
+            </a:r>
+            <a:r>
+              <a:rPr lang="en-US" sz="3600" i="1" dirty="0" err="1"/>
+              <a:t>discutida</a:t>
             </a:r>
             <a:endParaRPr lang="pt" sz="3600" i="1" dirty="0"/>
-          </a:p>
-          <a:p>
-            <a:r>
-              <a:rPr lang="pt" sz="3600" dirty="0"/>
-              <a:t>Resultados de cada servidor podem ser combinados e processados novamente</a:t>
-            </a:r>
-          </a:p>
-          <a:p>
-            <a:r>
-              <a:rPr lang="en-US" sz="3600" dirty="0" err="1"/>
-              <a:t>Resultado</a:t>
-            </a:r>
-            <a:r>
-              <a:rPr lang="en-US" sz="3600" dirty="0"/>
-              <a:t> final </a:t>
-            </a:r>
-            <a:r>
-              <a:rPr lang="en-US" sz="3600" dirty="0" err="1"/>
-              <a:t>é</a:t>
-            </a:r>
-            <a:r>
-              <a:rPr lang="en-US" sz="3600" dirty="0"/>
-              <a:t> </a:t>
-            </a:r>
-            <a:r>
-              <a:rPr lang="en-US" sz="3600" dirty="0" err="1"/>
-              <a:t>gerado</a:t>
-            </a:r>
-            <a:endParaRPr lang="pt" sz="3600" dirty="0"/>
           </a:p>
         </p:txBody>
       </p:sp>
@@ -31939,7 +32051,7 @@
     </p:spTree>
     <p:extLst>
       <p:ext uri="{BB962C8B-B14F-4D97-AF65-F5344CB8AC3E}">
-        <p14:creationId xmlns:p14="http://schemas.microsoft.com/office/powerpoint/2010/main" val="353382019"/>
+        <p14:creationId xmlns:p14="http://schemas.microsoft.com/office/powerpoint/2010/main" val="3038269042"/>
       </p:ext>
     </p:extLst>
   </p:cSld>
@@ -32110,214 +32222,6 @@
                                         <p:strVal val="hidden"/>
                                       </p:to>
                                     </p:set>
-                                  </p:childTnLst>
-                                </p:cTn>
-                              </p:par>
-                            </p:childTnLst>
-                          </p:cTn>
-                        </p:par>
-                      </p:childTnLst>
-                    </p:cTn>
-                  </p:par>
-                  <p:par>
-                    <p:cTn id="16" fill="hold">
-                      <p:stCondLst>
-                        <p:cond delay="indefinite"/>
-                      </p:stCondLst>
-                      <p:childTnLst>
-                        <p:par>
-                          <p:cTn id="17" fill="hold">
-                            <p:stCondLst>
-                              <p:cond delay="0"/>
-                            </p:stCondLst>
-                            <p:childTnLst>
-                              <p:par>
-                                <p:cTn id="18" presetID="9" presetClass="exit" presetSubtype="0" fill="hold" grpId="1" nodeType="clickEffect">
-                                  <p:stCondLst>
-                                    <p:cond delay="0"/>
-                                  </p:stCondLst>
-                                  <p:childTnLst>
-                                    <p:animEffect transition="out" filter="dissolve">
-                                      <p:cBhvr>
-                                        <p:cTn id="19" dur="500"/>
-                                        <p:tgtEl>
-                                          <p:spTgt spid="3">
-                                            <p:txEl>
-                                              <p:pRg st="1" end="1"/>
-                                            </p:txEl>
-                                          </p:spTgt>
-                                        </p:tgtEl>
-                                      </p:cBhvr>
-                                    </p:animEffect>
-                                    <p:set>
-                                      <p:cBhvr>
-                                        <p:cTn id="20" dur="1" fill="hold">
-                                          <p:stCondLst>
-                                            <p:cond delay="499"/>
-                                          </p:stCondLst>
-                                        </p:cTn>
-                                        <p:tgtEl>
-                                          <p:spTgt spid="3">
-                                            <p:txEl>
-                                              <p:pRg st="1" end="1"/>
-                                            </p:txEl>
-                                          </p:spTgt>
-                                        </p:tgtEl>
-                                        <p:attrNameLst>
-                                          <p:attrName>style.visibility</p:attrName>
-                                        </p:attrNameLst>
-                                      </p:cBhvr>
-                                      <p:to>
-                                        <p:strVal val="hidden"/>
-                                      </p:to>
-                                    </p:set>
-                                  </p:childTnLst>
-                                </p:cTn>
-                              </p:par>
-                              <p:par>
-                                <p:cTn id="21" presetID="9" presetClass="entr" presetSubtype="0" fill="hold" grpId="0" nodeType="withEffect">
-                                  <p:stCondLst>
-                                    <p:cond delay="0"/>
-                                  </p:stCondLst>
-                                  <p:childTnLst>
-                                    <p:set>
-                                      <p:cBhvr>
-                                        <p:cTn id="22" dur="1" fill="hold">
-                                          <p:stCondLst>
-                                            <p:cond delay="0"/>
-                                          </p:stCondLst>
-                                        </p:cTn>
-                                        <p:tgtEl>
-                                          <p:spTgt spid="3">
-                                            <p:txEl>
-                                              <p:pRg st="2" end="2"/>
-                                            </p:txEl>
-                                          </p:spTgt>
-                                        </p:tgtEl>
-                                        <p:attrNameLst>
-                                          <p:attrName>style.visibility</p:attrName>
-                                        </p:attrNameLst>
-                                      </p:cBhvr>
-                                      <p:to>
-                                        <p:strVal val="visible"/>
-                                      </p:to>
-                                    </p:set>
-                                    <p:animEffect transition="in" filter="dissolve">
-                                      <p:cBhvr>
-                                        <p:cTn id="23" dur="500"/>
-                                        <p:tgtEl>
-                                          <p:spTgt spid="3">
-                                            <p:txEl>
-                                              <p:pRg st="2" end="2"/>
-                                            </p:txEl>
-                                          </p:spTgt>
-                                        </p:tgtEl>
-                                      </p:cBhvr>
-                                    </p:animEffect>
-                                  </p:childTnLst>
-                                </p:cTn>
-                              </p:par>
-                            </p:childTnLst>
-                          </p:cTn>
-                        </p:par>
-                      </p:childTnLst>
-                    </p:cTn>
-                  </p:par>
-                  <p:par>
-                    <p:cTn id="24" fill="hold">
-                      <p:stCondLst>
-                        <p:cond delay="indefinite"/>
-                      </p:stCondLst>
-                      <p:childTnLst>
-                        <p:par>
-                          <p:cTn id="25" fill="hold">
-                            <p:stCondLst>
-                              <p:cond delay="0"/>
-                            </p:stCondLst>
-                            <p:childTnLst>
-                              <p:par>
-                                <p:cTn id="26" presetID="9" presetClass="exit" presetSubtype="0" fill="hold" grpId="1" nodeType="clickEffect">
-                                  <p:stCondLst>
-                                    <p:cond delay="0"/>
-                                  </p:stCondLst>
-                                  <p:childTnLst>
-                                    <p:animEffect transition="out" filter="dissolve">
-                                      <p:cBhvr>
-                                        <p:cTn id="27" dur="500"/>
-                                        <p:tgtEl>
-                                          <p:spTgt spid="3">
-                                            <p:txEl>
-                                              <p:pRg st="2" end="2"/>
-                                            </p:txEl>
-                                          </p:spTgt>
-                                        </p:tgtEl>
-                                      </p:cBhvr>
-                                    </p:animEffect>
-                                    <p:set>
-                                      <p:cBhvr>
-                                        <p:cTn id="28" dur="1" fill="hold">
-                                          <p:stCondLst>
-                                            <p:cond delay="499"/>
-                                          </p:stCondLst>
-                                        </p:cTn>
-                                        <p:tgtEl>
-                                          <p:spTgt spid="3">
-                                            <p:txEl>
-                                              <p:pRg st="2" end="2"/>
-                                            </p:txEl>
-                                          </p:spTgt>
-                                        </p:tgtEl>
-                                        <p:attrNameLst>
-                                          <p:attrName>style.visibility</p:attrName>
-                                        </p:attrNameLst>
-                                      </p:cBhvr>
-                                      <p:to>
-                                        <p:strVal val="hidden"/>
-                                      </p:to>
-                                    </p:set>
-                                  </p:childTnLst>
-                                </p:cTn>
-                              </p:par>
-                              <p:par>
-                                <p:cTn id="29" presetID="9" presetClass="entr" presetSubtype="0" fill="hold" grpId="0" nodeType="withEffect">
-                                  <p:stCondLst>
-                                    <p:cond delay="0"/>
-                                  </p:stCondLst>
-                                  <p:childTnLst>
-                                    <p:set>
-                                      <p:cBhvr>
-                                        <p:cTn id="30" dur="1" fill="hold">
-                                          <p:stCondLst>
-                                            <p:cond delay="0"/>
-                                          </p:stCondLst>
-                                        </p:cTn>
-                                        <p:tgtEl>
-                                          <p:spTgt spid="3">
-                                            <p:txEl>
-                                              <p:pRg st="3" end="3"/>
-                                            </p:txEl>
-                                          </p:spTgt>
-                                        </p:tgtEl>
-                                        <p:attrNameLst>
-                                          <p:attrName>style.visibility</p:attrName>
-                                        </p:attrNameLst>
-                                      </p:cBhvr>
-                                      <p:to>
-                                        <p:strVal val="visible"/>
-                                      </p:to>
-                                    </p:set>
-                                    <p:animEffect transition="in" filter="dissolve">
-                                      <p:cBhvr>
-                                        <p:cTn id="31" dur="500"/>
-                                        <p:tgtEl>
-                                          <p:spTgt spid="3">
-                                            <p:txEl>
-                                              <p:pRg st="3" end="3"/>
-                                            </p:txEl>
-                                          </p:spTgt>
-                                        </p:tgtEl>
-                                      </p:cBhvr>
-                                    </p:animEffect>
                                   </p:childTnLst>
                                 </p:cTn>
                               </p:par>
@@ -32435,8 +32339,8 @@
         </p:nvSpPr>
         <p:spPr>
           <a:xfrm>
-            <a:off x="596348" y="1444491"/>
-            <a:ext cx="10908264" cy="1103837"/>
+            <a:off x="596348" y="1444490"/>
+            <a:ext cx="10908264" cy="5032509"/>
           </a:xfrm>
         </p:spPr>
         <p:txBody>
@@ -32446,17 +32350,45 @@
           <a:lstStyle/>
           <a:p>
             <a:r>
-              <a:rPr lang="pt" sz="3200" dirty="0"/>
-              <a:t>Um modelo de programação bastante utilizado atualmente é o </a:t>
-            </a:r>
-            <a:r>
-              <a:rPr lang="pt" sz="3200" i="1" dirty="0" err="1"/>
-              <a:t>MapReduce</a:t>
-            </a:r>
-            <a:r>
-              <a:rPr lang="pt" sz="3200" dirty="0"/>
-              <a:t> (Mapear/Reduzir)</a:t>
-            </a:r>
+              <a:rPr lang="pt" sz="3600" dirty="0"/>
+              <a:t>Os dados são divididos em subconjuntos</a:t>
+            </a:r>
+          </a:p>
+          <a:p>
+            <a:r>
+              <a:rPr lang="pt" sz="3600" dirty="0"/>
+              <a:t>Cada servidor recebe e processa um subconjunto de forma isolada e independente</a:t>
+            </a:r>
+            <a:endParaRPr lang="pt" sz="3600" i="1" dirty="0"/>
+          </a:p>
+          <a:p>
+            <a:r>
+              <a:rPr lang="pt" sz="3600" dirty="0"/>
+              <a:t>Resultados de cada servidor podem ser combinados e processados novamente</a:t>
+            </a:r>
+          </a:p>
+          <a:p>
+            <a:r>
+              <a:rPr lang="en-US" sz="3600" dirty="0" err="1"/>
+              <a:t>Resultado</a:t>
+            </a:r>
+            <a:r>
+              <a:rPr lang="en-US" sz="3600" dirty="0"/>
+              <a:t> final </a:t>
+            </a:r>
+            <a:r>
+              <a:rPr lang="en-US" sz="3600" dirty="0" err="1"/>
+              <a:t>é</a:t>
+            </a:r>
+            <a:r>
+              <a:rPr lang="en-US" sz="3600" dirty="0"/>
+              <a:t> </a:t>
+            </a:r>
+            <a:r>
+              <a:rPr lang="en-US" sz="3600" dirty="0" err="1"/>
+              <a:t>gerado</a:t>
+            </a:r>
+            <a:endParaRPr lang="pt" sz="3600" dirty="0"/>
           </a:p>
         </p:txBody>
       </p:sp>
@@ -32484,6 +32416,559 @@
             <a:fld id="{2183B7EE-0FBE-B749-875F-ED24F5ECD71F}" type="slidenum">
               <a:rPr lang="en-US" smtClean="0"/>
               <a:t>56</a:t>
+            </a:fld>
+            <a:endParaRPr lang="en-US" dirty="0"/>
+          </a:p>
+        </p:txBody>
+      </p:sp>
+    </p:spTree>
+    <p:extLst>
+      <p:ext uri="{BB962C8B-B14F-4D97-AF65-F5344CB8AC3E}">
+        <p14:creationId xmlns:p14="http://schemas.microsoft.com/office/powerpoint/2010/main" val="353382019"/>
+      </p:ext>
+    </p:extLst>
+  </p:cSld>
+  <p:clrMapOvr>
+    <a:masterClrMapping/>
+  </p:clrMapOvr>
+  <p:timing>
+    <p:tnLst>
+      <p:par>
+        <p:cTn id="1" dur="indefinite" restart="never" nodeType="tmRoot">
+          <p:childTnLst>
+            <p:seq concurrent="1" nextAc="seek">
+              <p:cTn id="2" dur="indefinite" nodeType="mainSeq">
+                <p:childTnLst>
+                  <p:par>
+                    <p:cTn id="3" fill="hold">
+                      <p:stCondLst>
+                        <p:cond delay="indefinite"/>
+                      </p:stCondLst>
+                      <p:childTnLst>
+                        <p:par>
+                          <p:cTn id="4" fill="hold">
+                            <p:stCondLst>
+                              <p:cond delay="0"/>
+                            </p:stCondLst>
+                            <p:childTnLst>
+                              <p:par>
+                                <p:cTn id="5" presetID="9" presetClass="entr" presetSubtype="0" fill="hold" grpId="0" nodeType="clickEffect">
+                                  <p:stCondLst>
+                                    <p:cond delay="0"/>
+                                  </p:stCondLst>
+                                  <p:childTnLst>
+                                    <p:set>
+                                      <p:cBhvr>
+                                        <p:cTn id="6" dur="1" fill="hold">
+                                          <p:stCondLst>
+                                            <p:cond delay="0"/>
+                                          </p:stCondLst>
+                                        </p:cTn>
+                                        <p:tgtEl>
+                                          <p:spTgt spid="3">
+                                            <p:txEl>
+                                              <p:pRg st="0" end="0"/>
+                                            </p:txEl>
+                                          </p:spTgt>
+                                        </p:tgtEl>
+                                        <p:attrNameLst>
+                                          <p:attrName>style.visibility</p:attrName>
+                                        </p:attrNameLst>
+                                      </p:cBhvr>
+                                      <p:to>
+                                        <p:strVal val="visible"/>
+                                      </p:to>
+                                    </p:set>
+                                    <p:animEffect transition="in" filter="dissolve">
+                                      <p:cBhvr>
+                                        <p:cTn id="7" dur="500"/>
+                                        <p:tgtEl>
+                                          <p:spTgt spid="3">
+                                            <p:txEl>
+                                              <p:pRg st="0" end="0"/>
+                                            </p:txEl>
+                                          </p:spTgt>
+                                        </p:tgtEl>
+                                      </p:cBhvr>
+                                    </p:animEffect>
+                                  </p:childTnLst>
+                                </p:cTn>
+                              </p:par>
+                            </p:childTnLst>
+                          </p:cTn>
+                        </p:par>
+                      </p:childTnLst>
+                    </p:cTn>
+                  </p:par>
+                  <p:par>
+                    <p:cTn id="8" fill="hold">
+                      <p:stCondLst>
+                        <p:cond delay="indefinite"/>
+                      </p:stCondLst>
+                      <p:childTnLst>
+                        <p:par>
+                          <p:cTn id="9" fill="hold">
+                            <p:stCondLst>
+                              <p:cond delay="0"/>
+                            </p:stCondLst>
+                            <p:childTnLst>
+                              <p:par>
+                                <p:cTn id="10" presetID="9" presetClass="entr" presetSubtype="0" fill="hold" grpId="0" nodeType="clickEffect">
+                                  <p:stCondLst>
+                                    <p:cond delay="0"/>
+                                  </p:stCondLst>
+                                  <p:childTnLst>
+                                    <p:set>
+                                      <p:cBhvr>
+                                        <p:cTn id="11" dur="1" fill="hold">
+                                          <p:stCondLst>
+                                            <p:cond delay="0"/>
+                                          </p:stCondLst>
+                                        </p:cTn>
+                                        <p:tgtEl>
+                                          <p:spTgt spid="3">
+                                            <p:txEl>
+                                              <p:pRg st="1" end="1"/>
+                                            </p:txEl>
+                                          </p:spTgt>
+                                        </p:tgtEl>
+                                        <p:attrNameLst>
+                                          <p:attrName>style.visibility</p:attrName>
+                                        </p:attrNameLst>
+                                      </p:cBhvr>
+                                      <p:to>
+                                        <p:strVal val="visible"/>
+                                      </p:to>
+                                    </p:set>
+                                    <p:animEffect transition="in" filter="dissolve">
+                                      <p:cBhvr>
+                                        <p:cTn id="12" dur="500"/>
+                                        <p:tgtEl>
+                                          <p:spTgt spid="3">
+                                            <p:txEl>
+                                              <p:pRg st="1" end="1"/>
+                                            </p:txEl>
+                                          </p:spTgt>
+                                        </p:tgtEl>
+                                      </p:cBhvr>
+                                    </p:animEffect>
+                                  </p:childTnLst>
+                                </p:cTn>
+                              </p:par>
+                              <p:par>
+                                <p:cTn id="13" presetID="9" presetClass="exit" presetSubtype="0" fill="hold" grpId="1" nodeType="withEffect">
+                                  <p:stCondLst>
+                                    <p:cond delay="0"/>
+                                  </p:stCondLst>
+                                  <p:childTnLst>
+                                    <p:animEffect transition="out" filter="dissolve">
+                                      <p:cBhvr>
+                                        <p:cTn id="14" dur="500"/>
+                                        <p:tgtEl>
+                                          <p:spTgt spid="3">
+                                            <p:txEl>
+                                              <p:pRg st="0" end="0"/>
+                                            </p:txEl>
+                                          </p:spTgt>
+                                        </p:tgtEl>
+                                      </p:cBhvr>
+                                    </p:animEffect>
+                                    <p:set>
+                                      <p:cBhvr>
+                                        <p:cTn id="15" dur="1" fill="hold">
+                                          <p:stCondLst>
+                                            <p:cond delay="499"/>
+                                          </p:stCondLst>
+                                        </p:cTn>
+                                        <p:tgtEl>
+                                          <p:spTgt spid="3">
+                                            <p:txEl>
+                                              <p:pRg st="0" end="0"/>
+                                            </p:txEl>
+                                          </p:spTgt>
+                                        </p:tgtEl>
+                                        <p:attrNameLst>
+                                          <p:attrName>style.visibility</p:attrName>
+                                        </p:attrNameLst>
+                                      </p:cBhvr>
+                                      <p:to>
+                                        <p:strVal val="hidden"/>
+                                      </p:to>
+                                    </p:set>
+                                  </p:childTnLst>
+                                </p:cTn>
+                              </p:par>
+                            </p:childTnLst>
+                          </p:cTn>
+                        </p:par>
+                      </p:childTnLst>
+                    </p:cTn>
+                  </p:par>
+                  <p:par>
+                    <p:cTn id="16" fill="hold">
+                      <p:stCondLst>
+                        <p:cond delay="indefinite"/>
+                      </p:stCondLst>
+                      <p:childTnLst>
+                        <p:par>
+                          <p:cTn id="17" fill="hold">
+                            <p:stCondLst>
+                              <p:cond delay="0"/>
+                            </p:stCondLst>
+                            <p:childTnLst>
+                              <p:par>
+                                <p:cTn id="18" presetID="9" presetClass="exit" presetSubtype="0" fill="hold" grpId="1" nodeType="clickEffect">
+                                  <p:stCondLst>
+                                    <p:cond delay="0"/>
+                                  </p:stCondLst>
+                                  <p:childTnLst>
+                                    <p:animEffect transition="out" filter="dissolve">
+                                      <p:cBhvr>
+                                        <p:cTn id="19" dur="500"/>
+                                        <p:tgtEl>
+                                          <p:spTgt spid="3">
+                                            <p:txEl>
+                                              <p:pRg st="1" end="1"/>
+                                            </p:txEl>
+                                          </p:spTgt>
+                                        </p:tgtEl>
+                                      </p:cBhvr>
+                                    </p:animEffect>
+                                    <p:set>
+                                      <p:cBhvr>
+                                        <p:cTn id="20" dur="1" fill="hold">
+                                          <p:stCondLst>
+                                            <p:cond delay="499"/>
+                                          </p:stCondLst>
+                                        </p:cTn>
+                                        <p:tgtEl>
+                                          <p:spTgt spid="3">
+                                            <p:txEl>
+                                              <p:pRg st="1" end="1"/>
+                                            </p:txEl>
+                                          </p:spTgt>
+                                        </p:tgtEl>
+                                        <p:attrNameLst>
+                                          <p:attrName>style.visibility</p:attrName>
+                                        </p:attrNameLst>
+                                      </p:cBhvr>
+                                      <p:to>
+                                        <p:strVal val="hidden"/>
+                                      </p:to>
+                                    </p:set>
+                                  </p:childTnLst>
+                                </p:cTn>
+                              </p:par>
+                              <p:par>
+                                <p:cTn id="21" presetID="9" presetClass="entr" presetSubtype="0" fill="hold" grpId="0" nodeType="withEffect">
+                                  <p:stCondLst>
+                                    <p:cond delay="0"/>
+                                  </p:stCondLst>
+                                  <p:childTnLst>
+                                    <p:set>
+                                      <p:cBhvr>
+                                        <p:cTn id="22" dur="1" fill="hold">
+                                          <p:stCondLst>
+                                            <p:cond delay="0"/>
+                                          </p:stCondLst>
+                                        </p:cTn>
+                                        <p:tgtEl>
+                                          <p:spTgt spid="3">
+                                            <p:txEl>
+                                              <p:pRg st="2" end="2"/>
+                                            </p:txEl>
+                                          </p:spTgt>
+                                        </p:tgtEl>
+                                        <p:attrNameLst>
+                                          <p:attrName>style.visibility</p:attrName>
+                                        </p:attrNameLst>
+                                      </p:cBhvr>
+                                      <p:to>
+                                        <p:strVal val="visible"/>
+                                      </p:to>
+                                    </p:set>
+                                    <p:animEffect transition="in" filter="dissolve">
+                                      <p:cBhvr>
+                                        <p:cTn id="23" dur="500"/>
+                                        <p:tgtEl>
+                                          <p:spTgt spid="3">
+                                            <p:txEl>
+                                              <p:pRg st="2" end="2"/>
+                                            </p:txEl>
+                                          </p:spTgt>
+                                        </p:tgtEl>
+                                      </p:cBhvr>
+                                    </p:animEffect>
+                                  </p:childTnLst>
+                                </p:cTn>
+                              </p:par>
+                            </p:childTnLst>
+                          </p:cTn>
+                        </p:par>
+                      </p:childTnLst>
+                    </p:cTn>
+                  </p:par>
+                  <p:par>
+                    <p:cTn id="24" fill="hold">
+                      <p:stCondLst>
+                        <p:cond delay="indefinite"/>
+                      </p:stCondLst>
+                      <p:childTnLst>
+                        <p:par>
+                          <p:cTn id="25" fill="hold">
+                            <p:stCondLst>
+                              <p:cond delay="0"/>
+                            </p:stCondLst>
+                            <p:childTnLst>
+                              <p:par>
+                                <p:cTn id="26" presetID="9" presetClass="exit" presetSubtype="0" fill="hold" grpId="1" nodeType="clickEffect">
+                                  <p:stCondLst>
+                                    <p:cond delay="0"/>
+                                  </p:stCondLst>
+                                  <p:childTnLst>
+                                    <p:animEffect transition="out" filter="dissolve">
+                                      <p:cBhvr>
+                                        <p:cTn id="27" dur="500"/>
+                                        <p:tgtEl>
+                                          <p:spTgt spid="3">
+                                            <p:txEl>
+                                              <p:pRg st="2" end="2"/>
+                                            </p:txEl>
+                                          </p:spTgt>
+                                        </p:tgtEl>
+                                      </p:cBhvr>
+                                    </p:animEffect>
+                                    <p:set>
+                                      <p:cBhvr>
+                                        <p:cTn id="28" dur="1" fill="hold">
+                                          <p:stCondLst>
+                                            <p:cond delay="499"/>
+                                          </p:stCondLst>
+                                        </p:cTn>
+                                        <p:tgtEl>
+                                          <p:spTgt spid="3">
+                                            <p:txEl>
+                                              <p:pRg st="2" end="2"/>
+                                            </p:txEl>
+                                          </p:spTgt>
+                                        </p:tgtEl>
+                                        <p:attrNameLst>
+                                          <p:attrName>style.visibility</p:attrName>
+                                        </p:attrNameLst>
+                                      </p:cBhvr>
+                                      <p:to>
+                                        <p:strVal val="hidden"/>
+                                      </p:to>
+                                    </p:set>
+                                  </p:childTnLst>
+                                </p:cTn>
+                              </p:par>
+                              <p:par>
+                                <p:cTn id="29" presetID="9" presetClass="entr" presetSubtype="0" fill="hold" grpId="0" nodeType="withEffect">
+                                  <p:stCondLst>
+                                    <p:cond delay="0"/>
+                                  </p:stCondLst>
+                                  <p:childTnLst>
+                                    <p:set>
+                                      <p:cBhvr>
+                                        <p:cTn id="30" dur="1" fill="hold">
+                                          <p:stCondLst>
+                                            <p:cond delay="0"/>
+                                          </p:stCondLst>
+                                        </p:cTn>
+                                        <p:tgtEl>
+                                          <p:spTgt spid="3">
+                                            <p:txEl>
+                                              <p:pRg st="3" end="3"/>
+                                            </p:txEl>
+                                          </p:spTgt>
+                                        </p:tgtEl>
+                                        <p:attrNameLst>
+                                          <p:attrName>style.visibility</p:attrName>
+                                        </p:attrNameLst>
+                                      </p:cBhvr>
+                                      <p:to>
+                                        <p:strVal val="visible"/>
+                                      </p:to>
+                                    </p:set>
+                                    <p:animEffect transition="in" filter="dissolve">
+                                      <p:cBhvr>
+                                        <p:cTn id="31" dur="500"/>
+                                        <p:tgtEl>
+                                          <p:spTgt spid="3">
+                                            <p:txEl>
+                                              <p:pRg st="3" end="3"/>
+                                            </p:txEl>
+                                          </p:spTgt>
+                                        </p:tgtEl>
+                                      </p:cBhvr>
+                                    </p:animEffect>
+                                  </p:childTnLst>
+                                </p:cTn>
+                              </p:par>
+                            </p:childTnLst>
+                          </p:cTn>
+                        </p:par>
+                      </p:childTnLst>
+                    </p:cTn>
+                  </p:par>
+                </p:childTnLst>
+              </p:cTn>
+              <p:prevCondLst>
+                <p:cond evt="onPrev" delay="0">
+                  <p:tgtEl>
+                    <p:sldTgt/>
+                  </p:tgtEl>
+                </p:cond>
+              </p:prevCondLst>
+              <p:nextCondLst>
+                <p:cond evt="onNext" delay="0">
+                  <p:tgtEl>
+                    <p:sldTgt/>
+                  </p:tgtEl>
+                </p:cond>
+              </p:nextCondLst>
+            </p:seq>
+          </p:childTnLst>
+        </p:cTn>
+      </p:par>
+    </p:tnLst>
+    <p:bldLst>
+      <p:bldP spid="3" grpId="0" uiExpand="1" build="p"/>
+      <p:bldP spid="3" grpId="1" uiExpand="1" build="p"/>
+    </p:bldLst>
+  </p:timing>
+</p:sld>
+</file>
+
+<file path=ppt/slides/slide57.xml><?xml version="1.0" encoding="utf-8"?>
+<p:sld xmlns:a="http://schemas.openxmlformats.org/drawingml/2006/main" xmlns:r="http://schemas.openxmlformats.org/officeDocument/2006/relationships" xmlns:p="http://schemas.openxmlformats.org/presentationml/2006/main">
+  <p:cSld>
+    <p:spTree>
+      <p:nvGrpSpPr>
+        <p:cNvPr id="1" name=""/>
+        <p:cNvGrpSpPr/>
+        <p:nvPr/>
+      </p:nvGrpSpPr>
+      <p:grpSpPr>
+        <a:xfrm>
+          <a:off x="0" y="0"/>
+          <a:ext cx="0" cy="0"/>
+          <a:chOff x="0" y="0"/>
+          <a:chExt cx="0" cy="0"/>
+        </a:xfrm>
+      </p:grpSpPr>
+      <p:sp>
+        <p:nvSpPr>
+          <p:cNvPr id="2" name="Title 1">
+            <a:extLst>
+              <a:ext uri="{FF2B5EF4-FFF2-40B4-BE49-F238E27FC236}">
+                <a16:creationId xmlns:a16="http://schemas.microsoft.com/office/drawing/2014/main" id="{58204B45-BA2F-544A-ADBD-2B584480C63E}"/>
+              </a:ext>
+            </a:extLst>
+          </p:cNvPr>
+          <p:cNvSpPr>
+            <a:spLocks noGrp="1"/>
+          </p:cNvSpPr>
+          <p:nvPr>
+            <p:ph type="title"/>
+          </p:nvPr>
+        </p:nvSpPr>
+        <p:spPr>
+          <a:xfrm>
+            <a:off x="2679116" y="99458"/>
+            <a:ext cx="9530038" cy="1509490"/>
+          </a:xfrm>
+        </p:spPr>
+        <p:txBody>
+          <a:bodyPr>
+            <a:normAutofit/>
+          </a:bodyPr>
+          <a:lstStyle/>
+          <a:p>
+            <a:pPr algn="ctr"/>
+            <a:r>
+              <a:rPr lang="pt-BR" b="1" i="1" dirty="0"/>
+              <a:t>Problema: </a:t>
+            </a:r>
+            <a:br>
+              <a:rPr lang="pt-BR" b="1" i="1" dirty="0"/>
+            </a:br>
+            <a:r>
+              <a:rPr lang="pt-BR" b="1" i="1" dirty="0"/>
+              <a:t>algoritmos centralizados</a:t>
+            </a:r>
+            <a:endParaRPr lang="pt-BR" dirty="0"/>
+          </a:p>
+        </p:txBody>
+      </p:sp>
+      <p:sp>
+        <p:nvSpPr>
+          <p:cNvPr id="3" name="Content Placeholder 2">
+            <a:extLst>
+              <a:ext uri="{FF2B5EF4-FFF2-40B4-BE49-F238E27FC236}">
+                <a16:creationId xmlns:a16="http://schemas.microsoft.com/office/drawing/2014/main" id="{C9044F89-E3C1-E349-B0DE-0B932821234C}"/>
+              </a:ext>
+            </a:extLst>
+          </p:cNvPr>
+          <p:cNvSpPr>
+            <a:spLocks noGrp="1"/>
+          </p:cNvSpPr>
+          <p:nvPr>
+            <p:ph idx="1"/>
+          </p:nvPr>
+        </p:nvSpPr>
+        <p:spPr>
+          <a:xfrm>
+            <a:off x="596348" y="1444491"/>
+            <a:ext cx="10908264" cy="1103837"/>
+          </a:xfrm>
+        </p:spPr>
+        <p:txBody>
+          <a:bodyPr>
+            <a:normAutofit/>
+          </a:bodyPr>
+          <a:lstStyle/>
+          <a:p>
+            <a:r>
+              <a:rPr lang="pt" sz="3200" dirty="0"/>
+              <a:t>Um modelo de programação bastante utilizado atualmente é o </a:t>
+            </a:r>
+            <a:r>
+              <a:rPr lang="pt" sz="3200" i="1" dirty="0" err="1"/>
+              <a:t>MapReduce</a:t>
+            </a:r>
+            <a:r>
+              <a:rPr lang="pt" sz="3200" dirty="0"/>
+              <a:t> (Mapear/Reduzir)</a:t>
+            </a:r>
+          </a:p>
+        </p:txBody>
+      </p:sp>
+      <p:sp>
+        <p:nvSpPr>
+          <p:cNvPr id="4" name="Slide Number Placeholder 3">
+            <a:extLst>
+              <a:ext uri="{FF2B5EF4-FFF2-40B4-BE49-F238E27FC236}">
+                <a16:creationId xmlns:a16="http://schemas.microsoft.com/office/drawing/2014/main" id="{2EA509C2-078C-DE4C-BE59-C32AF18E82D6}"/>
+              </a:ext>
+            </a:extLst>
+          </p:cNvPr>
+          <p:cNvSpPr>
+            <a:spLocks noGrp="1"/>
+          </p:cNvSpPr>
+          <p:nvPr>
+            <p:ph type="sldNum" sz="quarter" idx="12"/>
+          </p:nvPr>
+        </p:nvSpPr>
+        <p:spPr/>
+        <p:txBody>
+          <a:bodyPr/>
+          <a:lstStyle/>
+          <a:p>
+            <a:fld id="{2183B7EE-0FBE-B749-875F-ED24F5ECD71F}" type="slidenum">
+              <a:rPr lang="en-US" smtClean="0"/>
+              <a:t>57</a:t>
             </a:fld>
             <a:endParaRPr lang="en-US" dirty="0"/>
           </a:p>
@@ -32639,344 +33124,6 @@
                                         <p:cTn id="12" dur="500"/>
                                         <p:tgtEl>
                                           <p:spTgt spid="6"/>
-                                        </p:tgtEl>
-                                      </p:cBhvr>
-                                    </p:animEffect>
-                                  </p:childTnLst>
-                                </p:cTn>
-                              </p:par>
-                            </p:childTnLst>
-                          </p:cTn>
-                        </p:par>
-                      </p:childTnLst>
-                    </p:cTn>
-                  </p:par>
-                </p:childTnLst>
-              </p:cTn>
-              <p:prevCondLst>
-                <p:cond evt="onPrev" delay="0">
-                  <p:tgtEl>
-                    <p:sldTgt/>
-                  </p:tgtEl>
-                </p:cond>
-              </p:prevCondLst>
-              <p:nextCondLst>
-                <p:cond evt="onNext" delay="0">
-                  <p:tgtEl>
-                    <p:sldTgt/>
-                  </p:tgtEl>
-                </p:cond>
-              </p:nextCondLst>
-            </p:seq>
-          </p:childTnLst>
-        </p:cTn>
-      </p:par>
-    </p:tnLst>
-    <p:bldLst>
-      <p:bldP spid="3" grpId="0" uiExpand="1" build="p"/>
-    </p:bldLst>
-  </p:timing>
-</p:sld>
-</file>
-
-<file path=ppt/slides/slide57.xml><?xml version="1.0" encoding="utf-8"?>
-<p:sld xmlns:a="http://schemas.openxmlformats.org/drawingml/2006/main" xmlns:r="http://schemas.openxmlformats.org/officeDocument/2006/relationships" xmlns:p="http://schemas.openxmlformats.org/presentationml/2006/main">
-  <p:cSld>
-    <p:spTree>
-      <p:nvGrpSpPr>
-        <p:cNvPr id="1" name=""/>
-        <p:cNvGrpSpPr/>
-        <p:nvPr/>
-      </p:nvGrpSpPr>
-      <p:grpSpPr>
-        <a:xfrm>
-          <a:off x="0" y="0"/>
-          <a:ext cx="0" cy="0"/>
-          <a:chOff x="0" y="0"/>
-          <a:chExt cx="0" cy="0"/>
-        </a:xfrm>
-      </p:grpSpPr>
-      <p:sp>
-        <p:nvSpPr>
-          <p:cNvPr id="2" name="Title 1">
-            <a:extLst>
-              <a:ext uri="{FF2B5EF4-FFF2-40B4-BE49-F238E27FC236}">
-                <a16:creationId xmlns:a16="http://schemas.microsoft.com/office/drawing/2014/main" id="{58204B45-BA2F-544A-ADBD-2B584480C63E}"/>
-              </a:ext>
-            </a:extLst>
-          </p:cNvPr>
-          <p:cNvSpPr>
-            <a:spLocks noGrp="1"/>
-          </p:cNvSpPr>
-          <p:nvPr>
-            <p:ph type="title"/>
-          </p:nvPr>
-        </p:nvSpPr>
-        <p:spPr>
-          <a:xfrm>
-            <a:off x="2679116" y="99458"/>
-            <a:ext cx="9530038" cy="1509490"/>
-          </a:xfrm>
-        </p:spPr>
-        <p:txBody>
-          <a:bodyPr>
-            <a:normAutofit/>
-          </a:bodyPr>
-          <a:lstStyle/>
-          <a:p>
-            <a:pPr algn="ctr"/>
-            <a:r>
-              <a:rPr lang="pt-BR" b="1" i="1" dirty="0"/>
-              <a:t>Problema: </a:t>
-            </a:r>
-            <a:br>
-              <a:rPr lang="pt-BR" b="1" i="1" dirty="0"/>
-            </a:br>
-            <a:r>
-              <a:rPr lang="pt-BR" b="1" i="1" dirty="0"/>
-              <a:t>algoritmos centralizados</a:t>
-            </a:r>
-            <a:endParaRPr lang="pt-BR" dirty="0"/>
-          </a:p>
-        </p:txBody>
-      </p:sp>
-      <p:sp>
-        <p:nvSpPr>
-          <p:cNvPr id="3" name="Content Placeholder 2">
-            <a:extLst>
-              <a:ext uri="{FF2B5EF4-FFF2-40B4-BE49-F238E27FC236}">
-                <a16:creationId xmlns:a16="http://schemas.microsoft.com/office/drawing/2014/main" id="{C9044F89-E3C1-E349-B0DE-0B932821234C}"/>
-              </a:ext>
-            </a:extLst>
-          </p:cNvPr>
-          <p:cNvSpPr>
-            <a:spLocks noGrp="1"/>
-          </p:cNvSpPr>
-          <p:nvPr>
-            <p:ph idx="1"/>
-          </p:nvPr>
-        </p:nvSpPr>
-        <p:spPr>
-          <a:xfrm>
-            <a:off x="596348" y="1444490"/>
-            <a:ext cx="10908264" cy="4806407"/>
-          </a:xfrm>
-        </p:spPr>
-        <p:txBody>
-          <a:bodyPr>
-            <a:noAutofit/>
-          </a:bodyPr>
-          <a:lstStyle/>
-          <a:p>
-            <a:r>
-              <a:rPr lang="pt" sz="3600" dirty="0"/>
-              <a:t>A ferramenta mais famosa que implementa este modelo </a:t>
-            </a:r>
-            <a:r>
-              <a:rPr lang="pt" sz="3600" dirty="0" err="1"/>
-              <a:t>MapReduce</a:t>
-            </a:r>
-            <a:r>
-              <a:rPr lang="pt" sz="3600" dirty="0"/>
-              <a:t> é o </a:t>
-            </a:r>
-            <a:r>
-              <a:rPr lang="pt" sz="3600" dirty="0">
-                <a:hlinkClick r:id="rId2"/>
-              </a:rPr>
-              <a:t>Apache </a:t>
-            </a:r>
-            <a:r>
-              <a:rPr lang="pt" sz="3600" dirty="0" err="1">
-                <a:hlinkClick r:id="rId2"/>
-              </a:rPr>
-              <a:t>Hadoop</a:t>
-            </a:r>
-            <a:endParaRPr lang="pt" sz="3600" dirty="0"/>
-          </a:p>
-          <a:p>
-            <a:r>
-              <a:rPr lang="pt" sz="3600" dirty="0"/>
-              <a:t>Utilizando o recurso de </a:t>
-            </a:r>
-            <a:r>
-              <a:rPr lang="pt" sz="3600" dirty="0">
-                <a:hlinkClick r:id="rId3"/>
-              </a:rPr>
-              <a:t>Streams do Java 8</a:t>
-            </a:r>
-            <a:r>
-              <a:rPr lang="pt" sz="3600" dirty="0"/>
-              <a:t> conseguimos implementar este mesmo modelo, mas de forma paralela (e não distribuída) utilizando múltiplas </a:t>
-            </a:r>
-            <a:r>
-              <a:rPr lang="pt" sz="3600" dirty="0" err="1"/>
-              <a:t>CPUs</a:t>
-            </a:r>
-            <a:r>
-              <a:rPr lang="pt" sz="3600" dirty="0"/>
-              <a:t> de uma máquina</a:t>
-            </a:r>
-          </a:p>
-        </p:txBody>
-      </p:sp>
-      <p:sp>
-        <p:nvSpPr>
-          <p:cNvPr id="4" name="Slide Number Placeholder 3">
-            <a:extLst>
-              <a:ext uri="{FF2B5EF4-FFF2-40B4-BE49-F238E27FC236}">
-                <a16:creationId xmlns:a16="http://schemas.microsoft.com/office/drawing/2014/main" id="{2EA509C2-078C-DE4C-BE59-C32AF18E82D6}"/>
-              </a:ext>
-            </a:extLst>
-          </p:cNvPr>
-          <p:cNvSpPr>
-            <a:spLocks noGrp="1"/>
-          </p:cNvSpPr>
-          <p:nvPr>
-            <p:ph type="sldNum" sz="quarter" idx="12"/>
-          </p:nvPr>
-        </p:nvSpPr>
-        <p:spPr/>
-        <p:txBody>
-          <a:bodyPr/>
-          <a:lstStyle/>
-          <a:p>
-            <a:fld id="{2183B7EE-0FBE-B749-875F-ED24F5ECD71F}" type="slidenum">
-              <a:rPr lang="en-US" smtClean="0"/>
-              <a:t>57</a:t>
-            </a:fld>
-            <a:endParaRPr lang="en-US" dirty="0"/>
-          </a:p>
-        </p:txBody>
-      </p:sp>
-    </p:spTree>
-    <p:extLst>
-      <p:ext uri="{BB962C8B-B14F-4D97-AF65-F5344CB8AC3E}">
-        <p14:creationId xmlns:p14="http://schemas.microsoft.com/office/powerpoint/2010/main" val="1769133232"/>
-      </p:ext>
-    </p:extLst>
-  </p:cSld>
-  <p:clrMapOvr>
-    <a:masterClrMapping/>
-  </p:clrMapOvr>
-  <p:timing>
-    <p:tnLst>
-      <p:par>
-        <p:cTn id="1" dur="indefinite" restart="never" nodeType="tmRoot">
-          <p:childTnLst>
-            <p:seq concurrent="1" nextAc="seek">
-              <p:cTn id="2" dur="indefinite" nodeType="mainSeq">
-                <p:childTnLst>
-                  <p:par>
-                    <p:cTn id="3" fill="hold">
-                      <p:stCondLst>
-                        <p:cond delay="indefinite"/>
-                      </p:stCondLst>
-                      <p:childTnLst>
-                        <p:par>
-                          <p:cTn id="4" fill="hold">
-                            <p:stCondLst>
-                              <p:cond delay="0"/>
-                            </p:stCondLst>
-                            <p:childTnLst>
-                              <p:par>
-                                <p:cTn id="5" presetID="9" presetClass="entr" presetSubtype="0" fill="hold" grpId="0" nodeType="clickEffect">
-                                  <p:stCondLst>
-                                    <p:cond delay="0"/>
-                                  </p:stCondLst>
-                                  <p:childTnLst>
-                                    <p:set>
-                                      <p:cBhvr>
-                                        <p:cTn id="6" dur="1" fill="hold">
-                                          <p:stCondLst>
-                                            <p:cond delay="0"/>
-                                          </p:stCondLst>
-                                        </p:cTn>
-                                        <p:tgtEl>
-                                          <p:spTgt spid="3">
-                                            <p:txEl>
-                                              <p:pRg st="0" end="0"/>
-                                            </p:txEl>
-                                          </p:spTgt>
-                                        </p:tgtEl>
-                                        <p:attrNameLst>
-                                          <p:attrName>style.visibility</p:attrName>
-                                        </p:attrNameLst>
-                                      </p:cBhvr>
-                                      <p:to>
-                                        <p:strVal val="visible"/>
-                                      </p:to>
-                                    </p:set>
-                                    <p:animEffect transition="in" filter="dissolve">
-                                      <p:cBhvr>
-                                        <p:cTn id="7" dur="500"/>
-                                        <p:tgtEl>
-                                          <p:spTgt spid="3">
-                                            <p:txEl>
-                                              <p:pRg st="0" end="0"/>
-                                            </p:txEl>
-                                          </p:spTgt>
-                                        </p:tgtEl>
-                                      </p:cBhvr>
-                                    </p:animEffect>
-                                  </p:childTnLst>
-                                </p:cTn>
-                              </p:par>
-                            </p:childTnLst>
-                          </p:cTn>
-                        </p:par>
-                      </p:childTnLst>
-                    </p:cTn>
-                  </p:par>
-                  <p:par>
-                    <p:cTn id="8" fill="hold">
-                      <p:stCondLst>
-                        <p:cond delay="indefinite"/>
-                      </p:stCondLst>
-                      <p:childTnLst>
-                        <p:par>
-                          <p:cTn id="9" fill="hold">
-                            <p:stCondLst>
-                              <p:cond delay="0"/>
-                            </p:stCondLst>
-                            <p:childTnLst>
-                              <p:par>
-                                <p:cTn id="10" presetID="9" presetClass="entr" presetSubtype="0" fill="hold" grpId="0" nodeType="clickEffect">
-                                  <p:stCondLst>
-                                    <p:cond delay="0"/>
-                                  </p:stCondLst>
-                                  <p:childTnLst>
-                                    <p:set>
-                                      <p:cBhvr>
-                                        <p:cTn id="11" dur="1" fill="hold">
-                                          <p:stCondLst>
-                                            <p:cond delay="0"/>
-                                          </p:stCondLst>
-                                        </p:cTn>
-                                        <p:tgtEl>
-                                          <p:spTgt spid="3">
-                                            <p:txEl>
-                                              <p:pRg st="1" end="1"/>
-                                            </p:txEl>
-                                          </p:spTgt>
-                                        </p:tgtEl>
-                                        <p:attrNameLst>
-                                          <p:attrName>style.visibility</p:attrName>
-                                        </p:attrNameLst>
-                                      </p:cBhvr>
-                                      <p:to>
-                                        <p:strVal val="visible"/>
-                                      </p:to>
-                                    </p:set>
-                                    <p:animEffect transition="in" filter="dissolve">
-                                      <p:cBhvr>
-                                        <p:cTn id="12" dur="500"/>
-                                        <p:tgtEl>
-                                          <p:spTgt spid="3">
-                                            <p:txEl>
-                                              <p:pRg st="1" end="1"/>
-                                            </p:txEl>
-                                          </p:spTgt>
                                         </p:tgtEl>
                                       </p:cBhvr>
                                     </p:animEffect>
@@ -33097,196 +33244,64 @@
         <p:spPr>
           <a:xfrm>
             <a:off x="596348" y="1444490"/>
-            <a:ext cx="10908264" cy="5032509"/>
+            <a:ext cx="10908264" cy="4806407"/>
           </a:xfrm>
         </p:spPr>
         <p:txBody>
           <a:bodyPr>
-            <a:normAutofit/>
+            <a:noAutofit/>
           </a:bodyPr>
           <a:lstStyle/>
           <a:p>
             <a:r>
               <a:rPr lang="pt" sz="3600" dirty="0"/>
-              <a:t>Para fazer processamento decentralizado, é preciso dividir ou decentralizar os dados</a:t>
-            </a:r>
-          </a:p>
-          <a:p>
-            <a:r>
-              <a:rPr lang="en-US" sz="3600" dirty="0"/>
-              <a:t>No </a:t>
-            </a:r>
-            <a:r>
-              <a:rPr lang="en-US" sz="3600" dirty="0" err="1"/>
-              <a:t>caso</a:t>
-            </a:r>
-            <a:r>
-              <a:rPr lang="en-US" sz="3600" dirty="0"/>
-              <a:t> do Facebook, </a:t>
-            </a:r>
-            <a:r>
-              <a:rPr lang="en-US" sz="3600" dirty="0" err="1"/>
-              <a:t>eles</a:t>
-            </a:r>
-            <a:r>
-              <a:rPr lang="en-US" sz="3600" dirty="0"/>
-              <a:t> </a:t>
-            </a:r>
-            <a:r>
-              <a:rPr lang="en-US" sz="3600" dirty="0" err="1"/>
-              <a:t>usam</a:t>
-            </a:r>
-            <a:r>
-              <a:rPr lang="en-US" sz="3600" dirty="0"/>
-              <a:t> </a:t>
-            </a:r>
-            <a:r>
-              <a:rPr lang="en-US" sz="3600" dirty="0" err="1"/>
-              <a:t>diferentes</a:t>
-            </a:r>
-            <a:r>
-              <a:rPr lang="en-US" sz="3600" dirty="0"/>
-              <a:t> SGBDs para </a:t>
-            </a:r>
-            <a:r>
-              <a:rPr lang="en-US" sz="3600" dirty="0" err="1"/>
-              <a:t>decentralização</a:t>
-            </a:r>
-            <a:r>
-              <a:rPr lang="en-US" sz="3600" dirty="0"/>
-              <a:t> de dados</a:t>
-            </a:r>
-            <a:endParaRPr lang="pt" sz="3600" dirty="0"/>
-          </a:p>
-          <a:p>
-            <a:r>
-              <a:rPr lang="en-US" sz="3600" dirty="0" err="1"/>
-              <a:t>Isto</a:t>
-            </a:r>
-            <a:r>
-              <a:rPr lang="en-US" sz="3600" dirty="0"/>
-              <a:t> </a:t>
-            </a:r>
-            <a:r>
-              <a:rPr lang="en-US" sz="3600" dirty="0" err="1"/>
-              <a:t>inclui</a:t>
-            </a:r>
-            <a:r>
-              <a:rPr lang="en-US" sz="3600" dirty="0"/>
-              <a:t> MySQL </a:t>
-            </a:r>
-            <a:r>
-              <a:rPr lang="en-US" sz="3600" dirty="0">
+              <a:t>A ferramenta mais famosa que implementa este modelo </a:t>
+            </a:r>
+            <a:r>
+              <a:rPr lang="pt" sz="3600" dirty="0" err="1"/>
+              <a:t>MapReduce</a:t>
+            </a:r>
+            <a:r>
+              <a:rPr lang="pt" sz="3600" dirty="0"/>
+              <a:t> é o </a:t>
+            </a:r>
+            <a:r>
+              <a:rPr lang="pt" sz="3600" dirty="0">
                 <a:hlinkClick r:id="rId2"/>
               </a:rPr>
-              <a:t>[1]</a:t>
-            </a:r>
-            <a:r>
-              <a:rPr lang="en-US" sz="3600" dirty="0"/>
-              <a:t> e o Apache Cassandra: um SBGD </a:t>
-            </a:r>
-            <a:r>
-              <a:rPr lang="en-US" sz="3600" dirty="0" err="1"/>
-              <a:t>distribuído</a:t>
-            </a:r>
-            <a:r>
-              <a:rPr lang="en-US" sz="3600" dirty="0"/>
-              <a:t> </a:t>
-            </a:r>
-            <a:r>
-              <a:rPr lang="en-US" sz="3600" dirty="0" err="1"/>
-              <a:t>inicialmente</a:t>
-            </a:r>
-            <a:r>
-              <a:rPr lang="en-US" sz="3600" dirty="0"/>
-              <a:t> </a:t>
-            </a:r>
-            <a:r>
-              <a:rPr lang="en-US" sz="3600" dirty="0" err="1"/>
-              <a:t>desenvolvido</a:t>
-            </a:r>
-            <a:r>
-              <a:rPr lang="en-US" sz="3600" dirty="0"/>
-              <a:t> </a:t>
-            </a:r>
-            <a:r>
-              <a:rPr lang="en-US" sz="3600" dirty="0" err="1"/>
-              <a:t>pelo</a:t>
-            </a:r>
-            <a:r>
-              <a:rPr lang="en-US" sz="3600" dirty="0"/>
-              <a:t> Facebook </a:t>
-            </a:r>
-            <a:r>
-              <a:rPr lang="en-US" sz="3600" dirty="0">
+              <a:t>Apache </a:t>
+            </a:r>
+            <a:r>
+              <a:rPr lang="pt" sz="3600" dirty="0" err="1">
+                <a:hlinkClick r:id="rId2"/>
+              </a:rPr>
+              <a:t>Hadoop</a:t>
+            </a:r>
+            <a:endParaRPr lang="pt" sz="3600" dirty="0"/>
+          </a:p>
+          <a:p>
+            <a:r>
+              <a:rPr lang="pt" sz="3600" dirty="0"/>
+              <a:t>Utilizando o recurso de </a:t>
+            </a:r>
+            <a:r>
+              <a:rPr lang="pt" sz="3600" dirty="0">
                 <a:hlinkClick r:id="rId3"/>
               </a:rPr>
-              <a:t>[2]</a:t>
-            </a:r>
-            <a:r>
-              <a:rPr lang="en-US" sz="3600" dirty="0"/>
-              <a:t> </a:t>
-            </a:r>
-            <a:r>
-              <a:rPr lang="en-US" sz="3600" dirty="0">
-                <a:hlinkClick r:id="rId4"/>
-              </a:rPr>
-              <a:t>[3]</a:t>
-            </a:r>
-            <a:r>
-              <a:rPr lang="en-US" sz="3600" dirty="0"/>
-              <a:t> </a:t>
-            </a:r>
-            <a:r>
-              <a:rPr lang="en-US" sz="3600" dirty="0">
-                <a:hlinkClick r:id="rId5"/>
-              </a:rPr>
-              <a:t>[4]</a:t>
-            </a:r>
-            <a:endParaRPr lang="en-US" sz="3600" dirty="0"/>
-          </a:p>
-          <a:p>
-            <a:r>
-              <a:rPr lang="en-US" sz="3600" dirty="0"/>
-              <a:t>SGBDs </a:t>
-            </a:r>
-            <a:r>
-              <a:rPr lang="en-US" sz="3600" dirty="0" err="1"/>
-              <a:t>distribuídos</a:t>
-            </a:r>
-            <a:r>
-              <a:rPr lang="en-US" sz="3600" dirty="0"/>
-              <a:t> </a:t>
-            </a:r>
-            <a:r>
-              <a:rPr lang="en-US" sz="3600" dirty="0" err="1"/>
-              <a:t>não</a:t>
-            </a:r>
-            <a:r>
-              <a:rPr lang="en-US" sz="3600" dirty="0"/>
-              <a:t> </a:t>
-            </a:r>
-            <a:r>
-              <a:rPr lang="en-US" sz="3600" dirty="0" err="1"/>
-              <a:t>fazem</a:t>
-            </a:r>
-            <a:r>
-              <a:rPr lang="en-US" sz="3600" dirty="0"/>
-              <a:t> </a:t>
-            </a:r>
-            <a:r>
-              <a:rPr lang="en-US" sz="3600" dirty="0" err="1"/>
-              <a:t>parte</a:t>
-            </a:r>
-            <a:r>
-              <a:rPr lang="en-US" sz="3600" dirty="0"/>
-              <a:t> da </a:t>
-            </a:r>
-            <a:r>
-              <a:rPr lang="en-US" sz="3600" dirty="0" err="1"/>
-              <a:t>disciplina</a:t>
-            </a:r>
-            <a:endParaRPr lang="pt" sz="3600" dirty="0"/>
+              <a:t>Streams do Java 8</a:t>
+            </a:r>
+            <a:r>
+              <a:rPr lang="pt" sz="3600" dirty="0"/>
+              <a:t> conseguimos implementar este mesmo modelo, mas de forma paralela (e não distribuída) utilizando múltiplas </a:t>
+            </a:r>
+            <a:r>
+              <a:rPr lang="pt" sz="3600" dirty="0" err="1"/>
+              <a:t>CPUs</a:t>
+            </a:r>
+            <a:r>
+              <a:rPr lang="pt" sz="3600" dirty="0"/>
+              <a:t> de uma máquina</a:t>
+            </a:r>
           </a:p>
         </p:txBody>
       </p:sp>
@@ -33322,7 +33337,7 @@
     </p:spTree>
     <p:extLst>
       <p:ext uri="{BB962C8B-B14F-4D97-AF65-F5344CB8AC3E}">
-        <p14:creationId xmlns:p14="http://schemas.microsoft.com/office/powerpoint/2010/main" val="2066603454"/>
+        <p14:creationId xmlns:p14="http://schemas.microsoft.com/office/powerpoint/2010/main" val="1769133232"/>
       </p:ext>
     </p:extLst>
   </p:cSld>
@@ -33411,57 +33426,14 @@
                             </p:stCondLst>
                             <p:childTnLst>
                               <p:par>
-                                <p:cTn id="10" presetID="9" presetClass="exit" presetSubtype="0" fill="hold" grpId="1" nodeType="clickEffect">
-                                  <p:stCondLst>
-                                    <p:cond delay="0"/>
-                                  </p:stCondLst>
-                                  <p:childTnLst>
-                                    <p:animEffect transition="out" filter="dissolve">
-                                      <p:cBhvr>
-                                        <p:cTn id="11" dur="500"/>
-                                        <p:tgtEl>
-                                          <p:spTgt spid="3">
-                                            <p:txEl>
-                                              <p:pRg st="0" end="0"/>
-                                            </p:txEl>
-                                          </p:spTgt>
-                                        </p:tgtEl>
-                                      </p:cBhvr>
-                                    </p:animEffect>
-                                    <p:set>
-                                      <p:cBhvr>
-                                        <p:cTn id="12" dur="1" fill="hold">
-                                          <p:stCondLst>
-                                            <p:cond delay="499"/>
-                                          </p:stCondLst>
-                                        </p:cTn>
-                                        <p:tgtEl>
-                                          <p:spTgt spid="3">
-                                            <p:txEl>
-                                              <p:pRg st="0" end="0"/>
-                                            </p:txEl>
-                                          </p:spTgt>
-                                        </p:tgtEl>
-                                        <p:attrNameLst>
-                                          <p:attrName>style.visibility</p:attrName>
-                                        </p:attrNameLst>
-                                      </p:cBhvr>
-                                      <p:to>
-                                        <p:strVal val="hidden"/>
-                                      </p:to>
-                                    </p:set>
-                                  </p:childTnLst>
-                                </p:cTn>
-                              </p:par>
-                              <p:par>
-                                <p:cTn id="13" presetID="9" presetClass="entr" presetSubtype="0" fill="hold" grpId="0" nodeType="withEffect">
+                                <p:cTn id="10" presetID="9" presetClass="entr" presetSubtype="0" fill="hold" grpId="0" nodeType="clickEffect">
                                   <p:stCondLst>
                                     <p:cond delay="0"/>
                                   </p:stCondLst>
                                   <p:childTnLst>
                                     <p:set>
                                       <p:cBhvr>
-                                        <p:cTn id="14" dur="1" fill="hold">
+                                        <p:cTn id="11" dur="1" fill="hold">
                                           <p:stCondLst>
                                             <p:cond delay="0"/>
                                           </p:stCondLst>
@@ -33483,219 +33455,11 @@
                                     </p:set>
                                     <p:animEffect transition="in" filter="dissolve">
                                       <p:cBhvr>
-                                        <p:cTn id="15" dur="500"/>
+                                        <p:cTn id="12" dur="500"/>
                                         <p:tgtEl>
                                           <p:spTgt spid="3">
                                             <p:txEl>
                                               <p:pRg st="1" end="1"/>
-                                            </p:txEl>
-                                          </p:spTgt>
-                                        </p:tgtEl>
-                                      </p:cBhvr>
-                                    </p:animEffect>
-                                  </p:childTnLst>
-                                </p:cTn>
-                              </p:par>
-                            </p:childTnLst>
-                          </p:cTn>
-                        </p:par>
-                      </p:childTnLst>
-                    </p:cTn>
-                  </p:par>
-                  <p:par>
-                    <p:cTn id="16" fill="hold">
-                      <p:stCondLst>
-                        <p:cond delay="indefinite"/>
-                      </p:stCondLst>
-                      <p:childTnLst>
-                        <p:par>
-                          <p:cTn id="17" fill="hold">
-                            <p:stCondLst>
-                              <p:cond delay="0"/>
-                            </p:stCondLst>
-                            <p:childTnLst>
-                              <p:par>
-                                <p:cTn id="18" presetID="9" presetClass="exit" presetSubtype="0" fill="hold" grpId="1" nodeType="clickEffect">
-                                  <p:stCondLst>
-                                    <p:cond delay="0"/>
-                                  </p:stCondLst>
-                                  <p:childTnLst>
-                                    <p:animEffect transition="out" filter="dissolve">
-                                      <p:cBhvr>
-                                        <p:cTn id="19" dur="500"/>
-                                        <p:tgtEl>
-                                          <p:spTgt spid="3">
-                                            <p:txEl>
-                                              <p:pRg st="1" end="1"/>
-                                            </p:txEl>
-                                          </p:spTgt>
-                                        </p:tgtEl>
-                                      </p:cBhvr>
-                                    </p:animEffect>
-                                    <p:set>
-                                      <p:cBhvr>
-                                        <p:cTn id="20" dur="1" fill="hold">
-                                          <p:stCondLst>
-                                            <p:cond delay="499"/>
-                                          </p:stCondLst>
-                                        </p:cTn>
-                                        <p:tgtEl>
-                                          <p:spTgt spid="3">
-                                            <p:txEl>
-                                              <p:pRg st="1" end="1"/>
-                                            </p:txEl>
-                                          </p:spTgt>
-                                        </p:tgtEl>
-                                        <p:attrNameLst>
-                                          <p:attrName>style.visibility</p:attrName>
-                                        </p:attrNameLst>
-                                      </p:cBhvr>
-                                      <p:to>
-                                        <p:strVal val="hidden"/>
-                                      </p:to>
-                                    </p:set>
-                                  </p:childTnLst>
-                                </p:cTn>
-                              </p:par>
-                              <p:par>
-                                <p:cTn id="21" presetID="9" presetClass="entr" presetSubtype="0" fill="hold" grpId="0" nodeType="withEffect">
-                                  <p:stCondLst>
-                                    <p:cond delay="0"/>
-                                  </p:stCondLst>
-                                  <p:childTnLst>
-                                    <p:set>
-                                      <p:cBhvr>
-                                        <p:cTn id="22" dur="1" fill="hold">
-                                          <p:stCondLst>
-                                            <p:cond delay="0"/>
-                                          </p:stCondLst>
-                                        </p:cTn>
-                                        <p:tgtEl>
-                                          <p:spTgt spid="3">
-                                            <p:txEl>
-                                              <p:pRg st="2" end="2"/>
-                                            </p:txEl>
-                                          </p:spTgt>
-                                        </p:tgtEl>
-                                        <p:attrNameLst>
-                                          <p:attrName>style.visibility</p:attrName>
-                                        </p:attrNameLst>
-                                      </p:cBhvr>
-                                      <p:to>
-                                        <p:strVal val="visible"/>
-                                      </p:to>
-                                    </p:set>
-                                    <p:animEffect transition="in" filter="dissolve">
-                                      <p:cBhvr>
-                                        <p:cTn id="23" dur="500"/>
-                                        <p:tgtEl>
-                                          <p:spTgt spid="3">
-                                            <p:txEl>
-                                              <p:pRg st="2" end="2"/>
-                                            </p:txEl>
-                                          </p:spTgt>
-                                        </p:tgtEl>
-                                      </p:cBhvr>
-                                    </p:animEffect>
-                                  </p:childTnLst>
-                                </p:cTn>
-                              </p:par>
-                            </p:childTnLst>
-                          </p:cTn>
-                        </p:par>
-                      </p:childTnLst>
-                    </p:cTn>
-                  </p:par>
-                  <p:par>
-                    <p:cTn id="24" fill="hold">
-                      <p:stCondLst>
-                        <p:cond delay="indefinite"/>
-                      </p:stCondLst>
-                      <p:childTnLst>
-                        <p:par>
-                          <p:cTn id="25" fill="hold">
-                            <p:stCondLst>
-                              <p:cond delay="0"/>
-                            </p:stCondLst>
-                            <p:childTnLst>
-                              <p:par>
-                                <p:cTn id="26" presetID="9" presetClass="exit" presetSubtype="0" fill="hold" grpId="1" nodeType="clickEffect">
-                                  <p:stCondLst>
-                                    <p:cond delay="0"/>
-                                  </p:stCondLst>
-                                  <p:childTnLst>
-                                    <p:animEffect transition="out" filter="dissolve">
-                                      <p:cBhvr>
-                                        <p:cTn id="27" dur="500"/>
-                                        <p:tgtEl>
-                                          <p:spTgt spid="3">
-                                            <p:txEl>
-                                              <p:pRg st="2" end="2"/>
-                                            </p:txEl>
-                                          </p:spTgt>
-                                        </p:tgtEl>
-                                      </p:cBhvr>
-                                    </p:animEffect>
-                                    <p:set>
-                                      <p:cBhvr>
-                                        <p:cTn id="28" dur="1" fill="hold">
-                                          <p:stCondLst>
-                                            <p:cond delay="499"/>
-                                          </p:stCondLst>
-                                        </p:cTn>
-                                        <p:tgtEl>
-                                          <p:spTgt spid="3">
-                                            <p:txEl>
-                                              <p:pRg st="2" end="2"/>
-                                            </p:txEl>
-                                          </p:spTgt>
-                                        </p:tgtEl>
-                                        <p:attrNameLst>
-                                          <p:attrName>style.visibility</p:attrName>
-                                        </p:attrNameLst>
-                                      </p:cBhvr>
-                                      <p:to>
-                                        <p:strVal val="hidden"/>
-                                      </p:to>
-                                    </p:set>
-                                  </p:childTnLst>
-                                </p:cTn>
-                              </p:par>
-                              <p:par>
-                                <p:cTn id="29" presetID="9" presetClass="entr" presetSubtype="0" fill="hold" grpId="0" nodeType="withEffect">
-                                  <p:stCondLst>
-                                    <p:cond delay="0"/>
-                                  </p:stCondLst>
-                                  <p:childTnLst>
-                                    <p:set>
-                                      <p:cBhvr>
-                                        <p:cTn id="30" dur="1" fill="hold">
-                                          <p:stCondLst>
-                                            <p:cond delay="0"/>
-                                          </p:stCondLst>
-                                        </p:cTn>
-                                        <p:tgtEl>
-                                          <p:spTgt spid="3">
-                                            <p:txEl>
-                                              <p:pRg st="3" end="3"/>
-                                            </p:txEl>
-                                          </p:spTgt>
-                                        </p:tgtEl>
-                                        <p:attrNameLst>
-                                          <p:attrName>style.visibility</p:attrName>
-                                        </p:attrNameLst>
-                                      </p:cBhvr>
-                                      <p:to>
-                                        <p:strVal val="visible"/>
-                                      </p:to>
-                                    </p:set>
-                                    <p:animEffect transition="in" filter="dissolve">
-                                      <p:cBhvr>
-                                        <p:cTn id="31" dur="500"/>
-                                        <p:tgtEl>
-                                          <p:spTgt spid="3">
-                                            <p:txEl>
-                                              <p:pRg st="3" end="3"/>
                                             </p:txEl>
                                           </p:spTgt>
                                         </p:tgtEl>
@@ -33733,7 +33497,6 @@
     </p:tnLst>
     <p:bldLst>
       <p:bldP spid="3" grpId="0" uiExpand="1" build="p"/>
-      <p:bldP spid="3" grpId="1" uiExpand="1" build="p"/>
     </p:bldLst>
   </p:timing>
 </p:sld>
@@ -33787,14 +33550,14 @@
             <a:pPr algn="ctr"/>
             <a:r>
               <a:rPr lang="pt-BR" b="1" i="1" dirty="0"/>
-              <a:t>Problemas de </a:t>
+              <a:t>Problema: </a:t>
             </a:r>
             <a:br>
               <a:rPr lang="pt-BR" b="1" i="1" dirty="0"/>
             </a:br>
             <a:r>
               <a:rPr lang="pt-BR" b="1" i="1" dirty="0"/>
-              <a:t>ESCALABILIDADE geográfica</a:t>
+              <a:t>algoritmos centralizados</a:t>
             </a:r>
             <a:endParaRPr lang="pt-BR" dirty="0"/>
           </a:p>
@@ -33830,29 +33593,185 @@
           <a:p>
             <a:r>
               <a:rPr lang="pt" sz="3600" dirty="0"/>
-              <a:t>Antes da popularização da internet, sistemas eram acessados a partir de uma LAN</a:t>
-            </a:r>
-          </a:p>
-          <a:p>
-            <a:r>
-              <a:rPr lang="pt" sz="3600" dirty="0"/>
-              <a:t>Atraso, congestionamento e quebra de conexão eram muito me</a:t>
+              <a:t>Para fazer processamento decentralizado, é preciso dividir ou decentralizar os dados</a:t>
+            </a:r>
+          </a:p>
+          <a:p>
+            <a:r>
+              <a:rPr lang="en-US" sz="3600" dirty="0"/>
+              <a:t>No </a:t>
             </a:r>
             <a:r>
               <a:rPr lang="en-US" sz="3600" dirty="0" err="1"/>
-              <a:t>nores</a:t>
+              <a:t>caso</a:t>
+            </a:r>
+            <a:r>
+              <a:rPr lang="en-US" sz="3600" dirty="0"/>
+              <a:t> do Facebook, </a:t>
+            </a:r>
+            <a:r>
+              <a:rPr lang="en-US" sz="3600" dirty="0" err="1"/>
+              <a:t>eles</a:t>
+            </a:r>
+            <a:r>
+              <a:rPr lang="en-US" sz="3600" dirty="0"/>
+              <a:t> </a:t>
+            </a:r>
+            <a:r>
+              <a:rPr lang="en-US" sz="3600" dirty="0" err="1"/>
+              <a:t>usam</a:t>
+            </a:r>
+            <a:r>
+              <a:rPr lang="en-US" sz="3600" dirty="0"/>
+              <a:t> </a:t>
+            </a:r>
+            <a:r>
+              <a:rPr lang="en-US" sz="3600" dirty="0" err="1"/>
+              <a:t>diferentes</a:t>
+            </a:r>
+            <a:r>
+              <a:rPr lang="en-US" sz="3600" dirty="0"/>
+              <a:t> SGBDs para </a:t>
+            </a:r>
+            <a:r>
+              <a:rPr lang="en-US" sz="3600" dirty="0" err="1"/>
+              <a:t>decentralização</a:t>
+            </a:r>
+            <a:r>
+              <a:rPr lang="en-US" sz="3600" dirty="0"/>
+              <a:t> de dados</a:t>
             </a:r>
             <a:endParaRPr lang="pt" sz="3600" dirty="0"/>
           </a:p>
           <a:p>
             <a:r>
-              <a:rPr lang="pt" sz="3600" dirty="0" err="1"/>
-              <a:t>Apps</a:t>
-            </a:r>
-            <a:r>
-              <a:rPr lang="pt" sz="3600" dirty="0"/>
-              <a:t> faziam requisições síncronas a um servidor na LAN: ficava bloqueada, aguardando uma resposta [SDPP] [SDCP]</a:t>
-            </a:r>
+              <a:rPr lang="en-US" sz="3600" dirty="0" err="1"/>
+              <a:t>Isto</a:t>
+            </a:r>
+            <a:r>
+              <a:rPr lang="en-US" sz="3600" dirty="0"/>
+              <a:t> </a:t>
+            </a:r>
+            <a:r>
+              <a:rPr lang="en-US" sz="3600" dirty="0" err="1"/>
+              <a:t>inclui</a:t>
+            </a:r>
+            <a:r>
+              <a:rPr lang="en-US" sz="3600" dirty="0"/>
+              <a:t> MySQL </a:t>
+            </a:r>
+            <a:r>
+              <a:rPr lang="en-US" sz="3600" dirty="0">
+                <a:hlinkClick r:id="rId2"/>
+              </a:rPr>
+              <a:t>[1]</a:t>
+            </a:r>
+            <a:r>
+              <a:rPr lang="en-US" sz="3600" dirty="0"/>
+              <a:t> e o Apache Cassandra: um SBGD </a:t>
+            </a:r>
+            <a:r>
+              <a:rPr lang="en-US" sz="3600" dirty="0" err="1"/>
+              <a:t>distribuído</a:t>
+            </a:r>
+            <a:r>
+              <a:rPr lang="en-US" sz="3600" dirty="0"/>
+              <a:t> </a:t>
+            </a:r>
+            <a:r>
+              <a:rPr lang="en-US" sz="3600" dirty="0" err="1"/>
+              <a:t>inicialmente</a:t>
+            </a:r>
+            <a:r>
+              <a:rPr lang="en-US" sz="3600" dirty="0"/>
+              <a:t> </a:t>
+            </a:r>
+            <a:r>
+              <a:rPr lang="en-US" sz="3600" dirty="0" err="1"/>
+              <a:t>desenvolvido</a:t>
+            </a:r>
+            <a:r>
+              <a:rPr lang="en-US" sz="3600" dirty="0"/>
+              <a:t> </a:t>
+            </a:r>
+            <a:r>
+              <a:rPr lang="en-US" sz="3600" dirty="0" err="1"/>
+              <a:t>pelo</a:t>
+            </a:r>
+            <a:r>
+              <a:rPr lang="en-US" sz="3600" dirty="0"/>
+              <a:t> Facebook </a:t>
+            </a:r>
+            <a:r>
+              <a:rPr lang="en-US" sz="3600" dirty="0">
+                <a:hlinkClick r:id="rId3"/>
+              </a:rPr>
+              <a:t>[2]</a:t>
+            </a:r>
+            <a:r>
+              <a:rPr lang="en-US" sz="3600" dirty="0"/>
+              <a:t> </a:t>
+            </a:r>
+            <a:r>
+              <a:rPr lang="en-US" sz="3600" dirty="0">
+                <a:hlinkClick r:id="rId4"/>
+              </a:rPr>
+              <a:t>[3]</a:t>
+            </a:r>
+            <a:r>
+              <a:rPr lang="en-US" sz="3600" dirty="0"/>
+              <a:t> </a:t>
+            </a:r>
+            <a:r>
+              <a:rPr lang="en-US" sz="3600" dirty="0">
+                <a:hlinkClick r:id="rId5"/>
+              </a:rPr>
+              <a:t>[4]</a:t>
+            </a:r>
+            <a:endParaRPr lang="en-US" sz="3600" dirty="0"/>
+          </a:p>
+          <a:p>
+            <a:r>
+              <a:rPr lang="en-US" sz="3600" dirty="0"/>
+              <a:t>SGBDs </a:t>
+            </a:r>
+            <a:r>
+              <a:rPr lang="en-US" sz="3600" dirty="0" err="1"/>
+              <a:t>distribuídos</a:t>
+            </a:r>
+            <a:r>
+              <a:rPr lang="en-US" sz="3600" dirty="0"/>
+              <a:t> </a:t>
+            </a:r>
+            <a:r>
+              <a:rPr lang="en-US" sz="3600" dirty="0" err="1"/>
+              <a:t>não</a:t>
+            </a:r>
+            <a:r>
+              <a:rPr lang="en-US" sz="3600" dirty="0"/>
+              <a:t> </a:t>
+            </a:r>
+            <a:r>
+              <a:rPr lang="en-US" sz="3600" dirty="0" err="1"/>
+              <a:t>fazem</a:t>
+            </a:r>
+            <a:r>
+              <a:rPr lang="en-US" sz="3600" dirty="0"/>
+              <a:t> </a:t>
+            </a:r>
+            <a:r>
+              <a:rPr lang="en-US" sz="3600" dirty="0" err="1"/>
+              <a:t>parte</a:t>
+            </a:r>
+            <a:r>
+              <a:rPr lang="en-US" sz="3600" dirty="0"/>
+              <a:t> da </a:t>
+            </a:r>
+            <a:r>
+              <a:rPr lang="en-US" sz="3600" dirty="0" err="1"/>
+              <a:t>disciplina</a:t>
+            </a:r>
+            <a:endParaRPr lang="pt" sz="3600" dirty="0"/>
           </a:p>
         </p:txBody>
       </p:sp>
@@ -33888,7 +33807,7 @@
     </p:spTree>
     <p:extLst>
       <p:ext uri="{BB962C8B-B14F-4D97-AF65-F5344CB8AC3E}">
-        <p14:creationId xmlns:p14="http://schemas.microsoft.com/office/powerpoint/2010/main" val="3322274284"/>
+        <p14:creationId xmlns:p14="http://schemas.microsoft.com/office/powerpoint/2010/main" val="2066603454"/>
       </p:ext>
     </p:extLst>
   </p:cSld>
@@ -33977,14 +33896,57 @@
                             </p:stCondLst>
                             <p:childTnLst>
                               <p:par>
-                                <p:cTn id="10" presetID="9" presetClass="entr" presetSubtype="0" fill="hold" grpId="0" nodeType="clickEffect">
+                                <p:cTn id="10" presetID="9" presetClass="exit" presetSubtype="0" fill="hold" grpId="1" nodeType="clickEffect">
+                                  <p:stCondLst>
+                                    <p:cond delay="0"/>
+                                  </p:stCondLst>
+                                  <p:childTnLst>
+                                    <p:animEffect transition="out" filter="dissolve">
+                                      <p:cBhvr>
+                                        <p:cTn id="11" dur="500"/>
+                                        <p:tgtEl>
+                                          <p:spTgt spid="3">
+                                            <p:txEl>
+                                              <p:pRg st="0" end="0"/>
+                                            </p:txEl>
+                                          </p:spTgt>
+                                        </p:tgtEl>
+                                      </p:cBhvr>
+                                    </p:animEffect>
+                                    <p:set>
+                                      <p:cBhvr>
+                                        <p:cTn id="12" dur="1" fill="hold">
+                                          <p:stCondLst>
+                                            <p:cond delay="499"/>
+                                          </p:stCondLst>
+                                        </p:cTn>
+                                        <p:tgtEl>
+                                          <p:spTgt spid="3">
+                                            <p:txEl>
+                                              <p:pRg st="0" end="0"/>
+                                            </p:txEl>
+                                          </p:spTgt>
+                                        </p:tgtEl>
+                                        <p:attrNameLst>
+                                          <p:attrName>style.visibility</p:attrName>
+                                        </p:attrNameLst>
+                                      </p:cBhvr>
+                                      <p:to>
+                                        <p:strVal val="hidden"/>
+                                      </p:to>
+                                    </p:set>
+                                  </p:childTnLst>
+                                </p:cTn>
+                              </p:par>
+                              <p:par>
+                                <p:cTn id="13" presetID="9" presetClass="entr" presetSubtype="0" fill="hold" grpId="0" nodeType="withEffect">
                                   <p:stCondLst>
                                     <p:cond delay="0"/>
                                   </p:stCondLst>
                                   <p:childTnLst>
                                     <p:set>
                                       <p:cBhvr>
-                                        <p:cTn id="11" dur="1" fill="hold">
+                                        <p:cTn id="14" dur="1" fill="hold">
                                           <p:stCondLst>
                                             <p:cond delay="0"/>
                                           </p:stCondLst>
@@ -34006,7 +33968,7 @@
                                     </p:set>
                                     <p:animEffect transition="in" filter="dissolve">
                                       <p:cBhvr>
-                                        <p:cTn id="12" dur="500"/>
+                                        <p:cTn id="15" dur="500"/>
                                         <p:tgtEl>
                                           <p:spTgt spid="3">
                                             <p:txEl>
@@ -34016,49 +33978,6 @@
                                         </p:tgtEl>
                                       </p:cBhvr>
                                     </p:animEffect>
-                                  </p:childTnLst>
-                                </p:cTn>
-                              </p:par>
-                              <p:par>
-                                <p:cTn id="13" presetID="9" presetClass="exit" presetSubtype="0" fill="hold" grpId="1" nodeType="withEffect">
-                                  <p:stCondLst>
-                                    <p:cond delay="0"/>
-                                  </p:stCondLst>
-                                  <p:childTnLst>
-                                    <p:animEffect transition="out" filter="dissolve">
-                                      <p:cBhvr>
-                                        <p:cTn id="14" dur="500"/>
-                                        <p:tgtEl>
-                                          <p:spTgt spid="3">
-                                            <p:txEl>
-                                              <p:pRg st="0" end="0"/>
-                                            </p:txEl>
-                                          </p:spTgt>
-                                        </p:tgtEl>
-                                      </p:cBhvr>
-                                    </p:animEffect>
-                                    <p:set>
-                                      <p:cBhvr>
-                                        <p:cTn id="15" dur="1" fill="hold">
-                                          <p:stCondLst>
-                                            <p:cond delay="499"/>
-                                          </p:stCondLst>
-                                        </p:cTn>
-                                        <p:tgtEl>
-                                          <p:spTgt spid="3">
-                                            <p:txEl>
-                                              <p:pRg st="0" end="0"/>
-                                            </p:txEl>
-                                          </p:spTgt>
-                                        </p:tgtEl>
-                                        <p:attrNameLst>
-                                          <p:attrName>style.visibility</p:attrName>
-                                        </p:attrNameLst>
-                                      </p:cBhvr>
-                                      <p:to>
-                                        <p:strVal val="hidden"/>
-                                      </p:to>
-                                    </p:set>
                                   </p:childTnLst>
                                 </p:cTn>
                               </p:par>
@@ -34224,6 +34143,49 @@
                                         <p:strVal val="hidden"/>
                                       </p:to>
                                     </p:set>
+                                  </p:childTnLst>
+                                </p:cTn>
+                              </p:par>
+                              <p:par>
+                                <p:cTn id="29" presetID="9" presetClass="entr" presetSubtype="0" fill="hold" grpId="0" nodeType="withEffect">
+                                  <p:stCondLst>
+                                    <p:cond delay="0"/>
+                                  </p:stCondLst>
+                                  <p:childTnLst>
+                                    <p:set>
+                                      <p:cBhvr>
+                                        <p:cTn id="30" dur="1" fill="hold">
+                                          <p:stCondLst>
+                                            <p:cond delay="0"/>
+                                          </p:stCondLst>
+                                        </p:cTn>
+                                        <p:tgtEl>
+                                          <p:spTgt spid="3">
+                                            <p:txEl>
+                                              <p:pRg st="3" end="3"/>
+                                            </p:txEl>
+                                          </p:spTgt>
+                                        </p:tgtEl>
+                                        <p:attrNameLst>
+                                          <p:attrName>style.visibility</p:attrName>
+                                        </p:attrNameLst>
+                                      </p:cBhvr>
+                                      <p:to>
+                                        <p:strVal val="visible"/>
+                                      </p:to>
+                                    </p:set>
+                                    <p:animEffect transition="in" filter="dissolve">
+                                      <p:cBhvr>
+                                        <p:cTn id="31" dur="500"/>
+                                        <p:tgtEl>
+                                          <p:spTgt spid="3">
+                                            <p:txEl>
+                                              <p:pRg st="3" end="3"/>
+                                            </p:txEl>
+                                          </p:spTgt>
+                                        </p:tgtEl>
+                                      </p:cBhvr>
+                                    </p:animEffect>
                                   </p:childTnLst>
                                 </p:cTn>
                               </p:par>
@@ -34916,7 +34878,7 @@
         </p:nvSpPr>
         <p:spPr>
           <a:xfrm>
-            <a:off x="2004561" y="99458"/>
+            <a:off x="2679116" y="99458"/>
             <a:ext cx="9530038" cy="1509490"/>
           </a:xfrm>
         </p:spPr>
@@ -34926,24 +34888,17 @@
           </a:bodyPr>
           <a:lstStyle/>
           <a:p>
+            <a:pPr algn="ctr"/>
             <a:r>
               <a:rPr lang="pt-BR" b="1" i="1" dirty="0"/>
-              <a:t>Discutindo </a:t>
-            </a:r>
-            <a:r>
-              <a:rPr lang="pt-BR" b="1" i="1" dirty="0" err="1"/>
-              <a:t>estragérias</a:t>
-            </a:r>
-            <a:r>
-              <a:rPr lang="pt-BR" b="1" i="1" dirty="0"/>
-              <a:t> </a:t>
+              <a:t>Problemas de </a:t>
             </a:r>
             <a:br>
               <a:rPr lang="pt-BR" b="1" i="1" dirty="0"/>
             </a:br>
             <a:r>
               <a:rPr lang="pt-BR" b="1" i="1" dirty="0"/>
-              <a:t>de escalabilidade</a:t>
+              <a:t>ESCALABILIDADE geográfica</a:t>
             </a:r>
             <a:endParaRPr lang="pt-BR" dirty="0"/>
           </a:p>
@@ -34978,157 +34933,66 @@
           <a:lstStyle/>
           <a:p>
             <a:r>
-              <a:rPr lang="pt" sz="3200" dirty="0"/>
-              <a:t>As tecnologias e estratégias para escalabilidade apresentadas anteriormente normalmente terão um custo associado</a:t>
-            </a:r>
-          </a:p>
-          <a:p>
-            <a:r>
-              <a:rPr lang="pt-PT" sz="3200" dirty="0"/>
-              <a:t>Este custo pode ser tanto operacional: requer tempo e esforço para colocar em funcionamento</a:t>
-            </a:r>
-            <a:endParaRPr lang="pt" sz="3200" dirty="0"/>
-          </a:p>
-          <a:p>
-            <a:r>
-              <a:rPr lang="en-US" sz="3200" dirty="0" err="1"/>
-              <a:t>Quanto</a:t>
-            </a:r>
-            <a:r>
-              <a:rPr lang="en-US" sz="3200" dirty="0"/>
-              <a:t> </a:t>
-            </a:r>
-            <a:r>
-              <a:rPr lang="en-US" sz="3200" dirty="0" err="1"/>
-              <a:t>financeiro</a:t>
-            </a:r>
-            <a:r>
-              <a:rPr lang="en-US" sz="3200" dirty="0"/>
-              <a:t>: </a:t>
-            </a:r>
-            <a:r>
-              <a:rPr lang="en-US" sz="3200" dirty="0" err="1"/>
-              <a:t>usar</a:t>
-            </a:r>
-            <a:r>
-              <a:rPr lang="en-US" sz="3200" dirty="0"/>
-              <a:t> </a:t>
-            </a:r>
-            <a:r>
-              <a:rPr lang="en-US" sz="3200" dirty="0" err="1"/>
-              <a:t>mais</a:t>
-            </a:r>
-            <a:r>
-              <a:rPr lang="en-US" sz="3200" dirty="0"/>
-              <a:t> </a:t>
-            </a:r>
-            <a:r>
-              <a:rPr lang="en-US" sz="3200" dirty="0" err="1"/>
-              <a:t>máquinas</a:t>
-            </a:r>
-            <a:r>
-              <a:rPr lang="en-US" sz="3200" dirty="0"/>
-              <a:t> para </a:t>
-            </a:r>
-            <a:r>
-              <a:rPr lang="en-US" sz="3200" dirty="0" err="1"/>
-              <a:t>distribuir</a:t>
-            </a:r>
-            <a:r>
-              <a:rPr lang="en-US" sz="3200" dirty="0"/>
-              <a:t> </a:t>
-            </a:r>
-            <a:r>
-              <a:rPr lang="en-US" sz="3200" dirty="0" err="1"/>
-              <a:t>melhor</a:t>
-            </a:r>
-            <a:r>
-              <a:rPr lang="en-US" sz="3200" dirty="0"/>
-              <a:t> o </a:t>
-            </a:r>
-            <a:r>
-              <a:rPr lang="en-US" sz="3200" dirty="0" err="1"/>
-              <a:t>sistema</a:t>
-            </a:r>
-            <a:r>
-              <a:rPr lang="en-US" sz="3200" dirty="0"/>
-              <a:t> e </a:t>
-            </a:r>
-            <a:r>
-              <a:rPr lang="en-US" sz="3200" dirty="0" err="1"/>
-              <a:t>balancear</a:t>
-            </a:r>
-            <a:r>
-              <a:rPr lang="en-US" sz="3200" dirty="0"/>
-              <a:t> </a:t>
-            </a:r>
-            <a:r>
-              <a:rPr lang="en-US" sz="3200" dirty="0" err="1"/>
-              <a:t>carga</a:t>
-            </a:r>
-            <a:r>
-              <a:rPr lang="en-US" sz="3200" dirty="0"/>
-              <a:t> </a:t>
-            </a:r>
-            <a:r>
-              <a:rPr lang="en-US" sz="3200" dirty="0" err="1"/>
-              <a:t>terá</a:t>
-            </a:r>
-            <a:r>
-              <a:rPr lang="en-US" sz="3200" dirty="0"/>
-              <a:t> um </a:t>
-            </a:r>
-            <a:r>
-              <a:rPr lang="en-US" sz="3200" dirty="0" err="1"/>
-              <a:t>custo</a:t>
-            </a:r>
-            <a:r>
-              <a:rPr lang="en-US" sz="3200" dirty="0"/>
-              <a:t> </a:t>
-            </a:r>
-            <a:r>
-              <a:rPr lang="en-US" sz="3200" dirty="0" err="1"/>
-              <a:t>adicional</a:t>
-            </a:r>
-            <a:endParaRPr lang="pt" sz="3200" dirty="0"/>
-          </a:p>
-          <a:p>
-            <a:r>
-              <a:rPr lang="en-US" sz="3200" dirty="0"/>
-              <a:t>Mas e </a:t>
-            </a:r>
-            <a:r>
-              <a:rPr lang="en-US" sz="3200" dirty="0" err="1"/>
-              <a:t>daí</a:t>
-            </a:r>
-            <a:r>
-              <a:rPr lang="en-US" sz="3200" dirty="0"/>
-              <a:t>? Nada </a:t>
-            </a:r>
-            <a:r>
-              <a:rPr lang="en-US" sz="3200" dirty="0" err="1"/>
-              <a:t>é</a:t>
-            </a:r>
-            <a:r>
-              <a:rPr lang="en-US" sz="3200" dirty="0"/>
-              <a:t> de </a:t>
-            </a:r>
-            <a:r>
-              <a:rPr lang="en-US" sz="3200" dirty="0" err="1"/>
-              <a:t>graça</a:t>
-            </a:r>
-            <a:r>
-              <a:rPr lang="en-US" sz="3200" dirty="0"/>
-              <a:t>!</a:t>
-            </a:r>
-            <a:endParaRPr lang="pt" sz="3200" dirty="0"/>
+              <a:rPr lang="pt" sz="3600" dirty="0"/>
+              <a:t>Antes da popularização da internet, sistemas eram acessados a partir de uma LAN</a:t>
+            </a:r>
+          </a:p>
+          <a:p>
+            <a:r>
+              <a:rPr lang="pt" sz="3600" dirty="0"/>
+              <a:t>Atraso, congestionamento e quebra de conexão eram muito me</a:t>
+            </a:r>
+            <a:r>
+              <a:rPr lang="en-US" sz="3600" dirty="0" err="1"/>
+              <a:t>nores</a:t>
+            </a:r>
+            <a:endParaRPr lang="pt" sz="3600" dirty="0"/>
+          </a:p>
+          <a:p>
+            <a:r>
+              <a:rPr lang="pt" sz="3600" dirty="0" err="1"/>
+              <a:t>Apps</a:t>
+            </a:r>
+            <a:r>
+              <a:rPr lang="pt" sz="3600" dirty="0"/>
+              <a:t> faziam requisições síncronas a um servidor na LAN: ficava bloqueada, aguardando uma resposta [SDPP] [SDCP]</a:t>
+            </a:r>
+          </a:p>
+        </p:txBody>
+      </p:sp>
+      <p:sp>
+        <p:nvSpPr>
+          <p:cNvPr id="4" name="Slide Number Placeholder 3">
+            <a:extLst>
+              <a:ext uri="{FF2B5EF4-FFF2-40B4-BE49-F238E27FC236}">
+                <a16:creationId xmlns:a16="http://schemas.microsoft.com/office/drawing/2014/main" id="{2EA509C2-078C-DE4C-BE59-C32AF18E82D6}"/>
+              </a:ext>
+            </a:extLst>
+          </p:cNvPr>
+          <p:cNvSpPr>
+            <a:spLocks noGrp="1"/>
+          </p:cNvSpPr>
+          <p:nvPr>
+            <p:ph type="sldNum" sz="quarter" idx="12"/>
+          </p:nvPr>
+        </p:nvSpPr>
+        <p:spPr/>
+        <p:txBody>
+          <a:bodyPr/>
+          <a:lstStyle/>
+          <a:p>
+            <a:fld id="{2183B7EE-0FBE-B749-875F-ED24F5ECD71F}" type="slidenum">
+              <a:rPr lang="en-US" smtClean="0"/>
+              <a:t>60</a:t>
+            </a:fld>
+            <a:endParaRPr lang="en-US" dirty="0"/>
           </a:p>
         </p:txBody>
       </p:sp>
     </p:spTree>
     <p:extLst>
       <p:ext uri="{BB962C8B-B14F-4D97-AF65-F5344CB8AC3E}">
-        <p14:creationId xmlns:p14="http://schemas.microsoft.com/office/powerpoint/2010/main" val="1108108973"/>
+        <p14:creationId xmlns:p14="http://schemas.microsoft.com/office/powerpoint/2010/main" val="3322274284"/>
       </p:ext>
     </p:extLst>
   </p:cSld>
@@ -35217,14 +35081,57 @@
                             </p:stCondLst>
                             <p:childTnLst>
                               <p:par>
-                                <p:cTn id="10" presetID="9" presetClass="exit" presetSubtype="0" fill="hold" grpId="1" nodeType="clickEffect">
+                                <p:cTn id="10" presetID="9" presetClass="entr" presetSubtype="0" fill="hold" grpId="0" nodeType="clickEffect">
+                                  <p:stCondLst>
+                                    <p:cond delay="0"/>
+                                  </p:stCondLst>
+                                  <p:childTnLst>
+                                    <p:set>
+                                      <p:cBhvr>
+                                        <p:cTn id="11" dur="1" fill="hold">
+                                          <p:stCondLst>
+                                            <p:cond delay="0"/>
+                                          </p:stCondLst>
+                                        </p:cTn>
+                                        <p:tgtEl>
+                                          <p:spTgt spid="3">
+                                            <p:txEl>
+                                              <p:pRg st="1" end="1"/>
+                                            </p:txEl>
+                                          </p:spTgt>
+                                        </p:tgtEl>
+                                        <p:attrNameLst>
+                                          <p:attrName>style.visibility</p:attrName>
+                                        </p:attrNameLst>
+                                      </p:cBhvr>
+                                      <p:to>
+                                        <p:strVal val="visible"/>
+                                      </p:to>
+                                    </p:set>
+                                    <p:animEffect transition="in" filter="dissolve">
+                                      <p:cBhvr>
+                                        <p:cTn id="12" dur="500"/>
+                                        <p:tgtEl>
+                                          <p:spTgt spid="3">
+                                            <p:txEl>
+                                              <p:pRg st="1" end="1"/>
+                                            </p:txEl>
+                                          </p:spTgt>
+                                        </p:tgtEl>
+                                      </p:cBhvr>
+                                    </p:animEffect>
+                                  </p:childTnLst>
+                                </p:cTn>
+                              </p:par>
+                              <p:par>
+                                <p:cTn id="13" presetID="9" presetClass="exit" presetSubtype="0" fill="hold" grpId="1" nodeType="withEffect">
                                   <p:stCondLst>
                                     <p:cond delay="0"/>
                                   </p:stCondLst>
                                   <p:childTnLst>
                                     <p:animEffect transition="out" filter="dissolve">
                                       <p:cBhvr>
-                                        <p:cTn id="11" dur="500"/>
+                                        <p:cTn id="14" dur="500"/>
                                         <p:tgtEl>
                                           <p:spTgt spid="3">
                                             <p:txEl>
@@ -35236,7 +35143,7 @@
                                     </p:animEffect>
                                     <p:set>
                                       <p:cBhvr>
-                                        <p:cTn id="12" dur="1" fill="hold">
+                                        <p:cTn id="15" dur="1" fill="hold">
                                           <p:stCondLst>
                                             <p:cond delay="499"/>
                                           </p:stCondLst>
@@ -35256,49 +35163,6 @@
                                         <p:strVal val="hidden"/>
                                       </p:to>
                                     </p:set>
-                                  </p:childTnLst>
-                                </p:cTn>
-                              </p:par>
-                              <p:par>
-                                <p:cTn id="13" presetID="9" presetClass="entr" presetSubtype="0" fill="hold" grpId="0" nodeType="withEffect">
-                                  <p:stCondLst>
-                                    <p:cond delay="0"/>
-                                  </p:stCondLst>
-                                  <p:childTnLst>
-                                    <p:set>
-                                      <p:cBhvr>
-                                        <p:cTn id="14" dur="1" fill="hold">
-                                          <p:stCondLst>
-                                            <p:cond delay="0"/>
-                                          </p:stCondLst>
-                                        </p:cTn>
-                                        <p:tgtEl>
-                                          <p:spTgt spid="3">
-                                            <p:txEl>
-                                              <p:pRg st="1" end="1"/>
-                                            </p:txEl>
-                                          </p:spTgt>
-                                        </p:tgtEl>
-                                        <p:attrNameLst>
-                                          <p:attrName>style.visibility</p:attrName>
-                                        </p:attrNameLst>
-                                      </p:cBhvr>
-                                      <p:to>
-                                        <p:strVal val="visible"/>
-                                      </p:to>
-                                    </p:set>
-                                    <p:animEffect transition="in" filter="dissolve">
-                                      <p:cBhvr>
-                                        <p:cTn id="15" dur="500"/>
-                                        <p:tgtEl>
-                                          <p:spTgt spid="3">
-                                            <p:txEl>
-                                              <p:pRg st="1" end="1"/>
-                                            </p:txEl>
-                                          </p:spTgt>
-                                        </p:tgtEl>
-                                      </p:cBhvr>
-                                    </p:animEffect>
                                   </p:childTnLst>
                                 </p:cTn>
                               </p:par>
@@ -35425,7 +35289,7 @@
                             </p:stCondLst>
                             <p:childTnLst>
                               <p:par>
-                                <p:cTn id="26" presetID="9" presetClass="exit" presetSubtype="0" fill="hold" nodeType="clickEffect">
+                                <p:cTn id="26" presetID="9" presetClass="exit" presetSubtype="0" fill="hold" grpId="1" nodeType="clickEffect">
                                   <p:stCondLst>
                                     <p:cond delay="0"/>
                                   </p:stCondLst>
@@ -35464,49 +35328,6 @@
                                         <p:strVal val="hidden"/>
                                       </p:to>
                                     </p:set>
-                                  </p:childTnLst>
-                                </p:cTn>
-                              </p:par>
-                              <p:par>
-                                <p:cTn id="29" presetID="9" presetClass="entr" presetSubtype="0" fill="hold" grpId="0" nodeType="withEffect">
-                                  <p:stCondLst>
-                                    <p:cond delay="0"/>
-                                  </p:stCondLst>
-                                  <p:childTnLst>
-                                    <p:set>
-                                      <p:cBhvr>
-                                        <p:cTn id="30" dur="1" fill="hold">
-                                          <p:stCondLst>
-                                            <p:cond delay="0"/>
-                                          </p:stCondLst>
-                                        </p:cTn>
-                                        <p:tgtEl>
-                                          <p:spTgt spid="3">
-                                            <p:txEl>
-                                              <p:pRg st="3" end="3"/>
-                                            </p:txEl>
-                                          </p:spTgt>
-                                        </p:tgtEl>
-                                        <p:attrNameLst>
-                                          <p:attrName>style.visibility</p:attrName>
-                                        </p:attrNameLst>
-                                      </p:cBhvr>
-                                      <p:to>
-                                        <p:strVal val="visible"/>
-                                      </p:to>
-                                    </p:set>
-                                    <p:animEffect transition="in" filter="dissolve">
-                                      <p:cBhvr>
-                                        <p:cTn id="31" dur="500"/>
-                                        <p:tgtEl>
-                                          <p:spTgt spid="3">
-                                            <p:txEl>
-                                              <p:pRg st="3" end="3"/>
-                                            </p:txEl>
-                                          </p:spTgt>
-                                        </p:tgtEl>
-                                      </p:cBhvr>
-                                    </p:animEffect>
                                   </p:childTnLst>
                                 </p:cTn>
                               </p:par>
@@ -35564,6 +35385,57 @@
       </p:grpSpPr>
       <p:sp>
         <p:nvSpPr>
+          <p:cNvPr id="2" name="Title 1">
+            <a:extLst>
+              <a:ext uri="{FF2B5EF4-FFF2-40B4-BE49-F238E27FC236}">
+                <a16:creationId xmlns:a16="http://schemas.microsoft.com/office/drawing/2014/main" id="{58204B45-BA2F-544A-ADBD-2B584480C63E}"/>
+              </a:ext>
+            </a:extLst>
+          </p:cNvPr>
+          <p:cNvSpPr>
+            <a:spLocks noGrp="1"/>
+          </p:cNvSpPr>
+          <p:nvPr>
+            <p:ph type="title"/>
+          </p:nvPr>
+        </p:nvSpPr>
+        <p:spPr>
+          <a:xfrm>
+            <a:off x="2004561" y="99458"/>
+            <a:ext cx="9530038" cy="1509490"/>
+          </a:xfrm>
+        </p:spPr>
+        <p:txBody>
+          <a:bodyPr>
+            <a:normAutofit/>
+          </a:bodyPr>
+          <a:lstStyle/>
+          <a:p>
+            <a:r>
+              <a:rPr lang="pt-BR" b="1" i="1" dirty="0"/>
+              <a:t>Discutindo </a:t>
+            </a:r>
+            <a:r>
+              <a:rPr lang="pt-BR" b="1" i="1" dirty="0" err="1"/>
+              <a:t>estragérias</a:t>
+            </a:r>
+            <a:r>
+              <a:rPr lang="pt-BR" b="1" i="1" dirty="0"/>
+              <a:t> </a:t>
+            </a:r>
+            <a:br>
+              <a:rPr lang="pt-BR" b="1" i="1" dirty="0"/>
+            </a:br>
+            <a:r>
+              <a:rPr lang="pt-BR" b="1" i="1" dirty="0"/>
+              <a:t>de escalabilidade</a:t>
+            </a:r>
+            <a:endParaRPr lang="pt-BR" dirty="0"/>
+          </a:p>
+        </p:txBody>
+      </p:sp>
+      <p:sp>
+        <p:nvSpPr>
           <p:cNvPr id="3" name="Content Placeholder 2">
             <a:extLst>
               <a:ext uri="{FF2B5EF4-FFF2-40B4-BE49-F238E27FC236}">
@@ -35592,17 +35464,20 @@
           <a:p>
             <a:r>
               <a:rPr lang="pt" sz="3200" dirty="0"/>
-              <a:t>Antes de aplicar qualquer técnica vista aqui, verifique as tecnologias e versões de ferramentas que está usando</a:t>
-            </a:r>
-          </a:p>
-          <a:p>
-            <a:r>
-              <a:rPr lang="en-US" sz="3200" dirty="0"/>
-              <a:t>O PHP 7 </a:t>
-            </a:r>
+              <a:t>As tecnologias e estratégias para escalabilidade apresentadas anteriormente normalmente terão um custo associado</a:t>
+            </a:r>
+          </a:p>
+          <a:p>
+            <a:r>
+              <a:rPr lang="pt-PT" sz="3200" dirty="0"/>
+              <a:t>Este custo pode ser tanto operacional: requer tempo e esforço para colocar em funcionamento</a:t>
+            </a:r>
+            <a:endParaRPr lang="pt" sz="3200" dirty="0"/>
+          </a:p>
+          <a:p>
             <a:r>
               <a:rPr lang="en-US" sz="3200" dirty="0" err="1"/>
-              <a:t>por</a:t>
+              <a:t>Quanto</a:t>
             </a:r>
             <a:r>
               <a:rPr lang="en-US" sz="3200" dirty="0"/>
@@ -35610,7 +35485,15 @@
             </a:r>
             <a:r>
               <a:rPr lang="en-US" sz="3200" dirty="0" err="1"/>
-              <a:t>exemplo</a:t>
+              <a:t>financeiro</a:t>
+            </a:r>
+            <a:r>
+              <a:rPr lang="en-US" sz="3200" dirty="0"/>
+              <a:t>: </a:t>
+            </a:r>
+            <a:r>
+              <a:rPr lang="en-US" sz="3200" dirty="0" err="1"/>
+              <a:t>usar</a:t>
             </a:r>
             <a:r>
               <a:rPr lang="en-US" sz="3200" dirty="0"/>
@@ -35618,7 +35501,7 @@
             </a:r>
             <a:r>
               <a:rPr lang="en-US" sz="3200" dirty="0" err="1"/>
-              <a:t>trouxe</a:t>
+              <a:t>mais</a:t>
             </a:r>
             <a:r>
               <a:rPr lang="en-US" sz="3200" dirty="0"/>
@@ -35626,7 +35509,15 @@
             </a:r>
             <a:r>
               <a:rPr lang="en-US" sz="3200" dirty="0" err="1"/>
-              <a:t>inacreditáveis</a:t>
+              <a:t>máquinas</a:t>
+            </a:r>
+            <a:r>
+              <a:rPr lang="en-US" sz="3200" dirty="0"/>
+              <a:t> para </a:t>
+            </a:r>
+            <a:r>
+              <a:rPr lang="en-US" sz="3200" dirty="0" err="1"/>
+              <a:t>distribuir</a:t>
             </a:r>
             <a:r>
               <a:rPr lang="en-US" sz="3200" dirty="0"/>
@@ -35634,7 +35525,74 @@
             </a:r>
             <a:r>
               <a:rPr lang="en-US" sz="3200" dirty="0" err="1"/>
-              <a:t>melhorias</a:t>
+              <a:t>melhor</a:t>
+            </a:r>
+            <a:r>
+              <a:rPr lang="en-US" sz="3200" dirty="0"/>
+              <a:t> o </a:t>
+            </a:r>
+            <a:r>
+              <a:rPr lang="en-US" sz="3200" dirty="0" err="1"/>
+              <a:t>sistema</a:t>
+            </a:r>
+            <a:r>
+              <a:rPr lang="en-US" sz="3200" dirty="0"/>
+              <a:t> e </a:t>
+            </a:r>
+            <a:r>
+              <a:rPr lang="en-US" sz="3200" dirty="0" err="1"/>
+              <a:t>balancear</a:t>
+            </a:r>
+            <a:r>
+              <a:rPr lang="en-US" sz="3200" dirty="0"/>
+              <a:t> </a:t>
+            </a:r>
+            <a:r>
+              <a:rPr lang="en-US" sz="3200" dirty="0" err="1"/>
+              <a:t>carga</a:t>
+            </a:r>
+            <a:r>
+              <a:rPr lang="en-US" sz="3200" dirty="0"/>
+              <a:t> </a:t>
+            </a:r>
+            <a:r>
+              <a:rPr lang="en-US" sz="3200" dirty="0" err="1"/>
+              <a:t>terá</a:t>
+            </a:r>
+            <a:r>
+              <a:rPr lang="en-US" sz="3200" dirty="0"/>
+              <a:t> um </a:t>
+            </a:r>
+            <a:r>
+              <a:rPr lang="en-US" sz="3200" dirty="0" err="1"/>
+              <a:t>custo</a:t>
+            </a:r>
+            <a:r>
+              <a:rPr lang="en-US" sz="3200" dirty="0"/>
+              <a:t> </a:t>
+            </a:r>
+            <a:r>
+              <a:rPr lang="en-US" sz="3200" dirty="0" err="1"/>
+              <a:t>adicional</a:t>
+            </a:r>
+            <a:endParaRPr lang="pt" sz="3200" dirty="0"/>
+          </a:p>
+          <a:p>
+            <a:r>
+              <a:rPr lang="en-US" sz="3200" dirty="0"/>
+              <a:t>Mas e </a:t>
+            </a:r>
+            <a:r>
+              <a:rPr lang="en-US" sz="3200" dirty="0" err="1"/>
+              <a:t>daí</a:t>
+            </a:r>
+            <a:r>
+              <a:rPr lang="en-US" sz="3200" dirty="0"/>
+              <a:t>? Nada </a:t>
+            </a:r>
+            <a:r>
+              <a:rPr lang="en-US" sz="3200" dirty="0" err="1"/>
+              <a:t>é</a:t>
             </a:r>
             <a:r>
               <a:rPr lang="en-US" sz="3200" dirty="0"/>
@@ -35642,208 +35600,20 @@
             </a:r>
             <a:r>
               <a:rPr lang="en-US" sz="3200" dirty="0" err="1"/>
-              <a:t>desempenho</a:t>
+              <a:t>graça</a:t>
+            </a:r>
+            <a:r>
+              <a:rPr lang="en-US" sz="3200" dirty="0"/>
+              <a:t>!</a:t>
             </a:r>
             <a:endParaRPr lang="pt" sz="3200" dirty="0"/>
-          </a:p>
-          <a:p>
-            <a:r>
-              <a:rPr lang="en-US" sz="3200" dirty="0"/>
-              <a:t>2x </a:t>
-            </a:r>
-            <a:r>
-              <a:rPr lang="en-US" sz="3200" dirty="0" err="1"/>
-              <a:t>mais</a:t>
-            </a:r>
-            <a:r>
-              <a:rPr lang="en-US" sz="3200" dirty="0"/>
-              <a:t> </a:t>
-            </a:r>
-            <a:r>
-              <a:rPr lang="en-US" sz="3200" dirty="0" err="1"/>
-              <a:t>rápido</a:t>
-            </a:r>
-            <a:r>
-              <a:rPr lang="en-US" sz="3200" dirty="0"/>
-              <a:t>, -30% RAM</a:t>
-            </a:r>
-            <a:endParaRPr lang="pt" sz="3200" dirty="0"/>
-          </a:p>
-          <a:p>
-            <a:pPr marL="0" indent="0" algn="ctr">
-              <a:buNone/>
-            </a:pPr>
-            <a:r>
-              <a:rPr lang="en-US" sz="3200" dirty="0">
-                <a:hlinkClick r:id="rId2"/>
-              </a:rPr>
-              <a:t>www.zend.com/en/resources/php7_infographic</a:t>
-            </a:r>
-            <a:r>
-              <a:rPr lang="en-US" sz="3200" dirty="0"/>
-              <a:t> Zend, </a:t>
-            </a:r>
-            <a:r>
-              <a:rPr lang="en-US" sz="3200" dirty="0" err="1"/>
-              <a:t>empresa</a:t>
-            </a:r>
-            <a:r>
-              <a:rPr lang="en-US" sz="3200" dirty="0"/>
-              <a:t> que </a:t>
-            </a:r>
-            <a:r>
-              <a:rPr lang="en-US" sz="3200" dirty="0" err="1"/>
-              <a:t>atualmente</a:t>
-            </a:r>
-            <a:r>
-              <a:rPr lang="en-US" sz="3200" dirty="0"/>
-              <a:t> </a:t>
-            </a:r>
-            <a:r>
-              <a:rPr lang="en-US" sz="3200" dirty="0" err="1"/>
-              <a:t>mantém</a:t>
-            </a:r>
-            <a:r>
-              <a:rPr lang="en-US" sz="3200" dirty="0"/>
-              <a:t> o PHP</a:t>
-            </a:r>
-          </a:p>
-          <a:p>
-            <a:pPr marL="0" indent="0" algn="ctr">
-              <a:buNone/>
-            </a:pPr>
-            <a:r>
-              <a:rPr lang="en-US" sz="3200" dirty="0">
-                <a:hlinkClick r:id="rId3"/>
-              </a:rPr>
-              <a:t>https://youtu.be/rKXFgWP-2xQ</a:t>
-            </a:r>
-            <a:r>
-              <a:rPr lang="en-US" sz="3200" dirty="0"/>
-              <a:t> </a:t>
-            </a:r>
-            <a:br>
-              <a:rPr lang="en-US" sz="3200" dirty="0"/>
-            </a:br>
-            <a:r>
-              <a:rPr lang="en-US" sz="3200" dirty="0"/>
-              <a:t>Rasmus </a:t>
-            </a:r>
-            <a:r>
-              <a:rPr lang="en-US" sz="3200" dirty="0" err="1"/>
-              <a:t>Lerdorf</a:t>
-            </a:r>
-            <a:r>
-              <a:rPr lang="en-US" sz="3200" dirty="0"/>
-              <a:t>, </a:t>
-            </a:r>
-            <a:r>
-              <a:rPr lang="en-US" sz="3200" dirty="0" err="1"/>
-              <a:t>creador</a:t>
-            </a:r>
-            <a:r>
-              <a:rPr lang="en-US" sz="3200" dirty="0"/>
-              <a:t> do PHP</a:t>
-            </a:r>
-            <a:endParaRPr lang="pt" sz="3200" dirty="0"/>
-          </a:p>
-        </p:txBody>
-      </p:sp>
-      <p:sp>
-        <p:nvSpPr>
-          <p:cNvPr id="4" name="Slide Number Placeholder 3">
-            <a:extLst>
-              <a:ext uri="{FF2B5EF4-FFF2-40B4-BE49-F238E27FC236}">
-                <a16:creationId xmlns:a16="http://schemas.microsoft.com/office/drawing/2014/main" id="{2EA509C2-078C-DE4C-BE59-C32AF18E82D6}"/>
-              </a:ext>
-            </a:extLst>
-          </p:cNvPr>
-          <p:cNvSpPr>
-            <a:spLocks noGrp="1"/>
-          </p:cNvSpPr>
-          <p:nvPr>
-            <p:ph type="sldNum" sz="quarter" idx="12"/>
-          </p:nvPr>
-        </p:nvSpPr>
-        <p:spPr/>
-        <p:txBody>
-          <a:bodyPr/>
-          <a:lstStyle/>
-          <a:p>
-            <a:fld id="{2183B7EE-0FBE-B749-875F-ED24F5ECD71F}" type="slidenum">
-              <a:rPr lang="en-US" smtClean="0"/>
-              <a:t>61</a:t>
-            </a:fld>
-            <a:endParaRPr lang="en-US" dirty="0"/>
-          </a:p>
-        </p:txBody>
-      </p:sp>
-      <p:sp>
-        <p:nvSpPr>
-          <p:cNvPr id="7" name="Title 1">
-            <a:extLst>
-              <a:ext uri="{FF2B5EF4-FFF2-40B4-BE49-F238E27FC236}">
-                <a16:creationId xmlns:a16="http://schemas.microsoft.com/office/drawing/2014/main" id="{873CC896-80B5-494C-AD6B-34365C23E09E}"/>
-              </a:ext>
-            </a:extLst>
-          </p:cNvPr>
-          <p:cNvSpPr txBox="1">
-            <a:spLocks/>
-          </p:cNvSpPr>
-          <p:nvPr/>
-        </p:nvSpPr>
-        <p:spPr>
-          <a:xfrm>
-            <a:off x="2004561" y="99458"/>
-            <a:ext cx="9530038" cy="1509490"/>
-          </a:xfrm>
-          <a:prstGeom prst="rect">
-            <a:avLst/>
-          </a:prstGeom>
-        </p:spPr>
-        <p:txBody>
-          <a:bodyPr vert="horz" lIns="91440" tIns="45720" rIns="91440" bIns="45720" rtlCol="0" anchor="ctr">
-            <a:normAutofit/>
-          </a:bodyPr>
-          <a:lstStyle>
-            <a:lvl1pPr algn="r" defTabSz="914400" rtl="0" eaLnBrk="1" latinLnBrk="0" hangingPunct="1">
-              <a:lnSpc>
-                <a:spcPct val="90000"/>
-              </a:lnSpc>
-              <a:spcBef>
-                <a:spcPct val="0"/>
-              </a:spcBef>
-              <a:buNone/>
-              <a:defRPr sz="4000" kern="1200" cap="all" baseline="0">
-                <a:solidFill>
-                  <a:schemeClr val="tx1"/>
-                </a:solidFill>
-                <a:latin typeface="+mj-lt"/>
-                <a:ea typeface="+mj-ea"/>
-                <a:cs typeface="+mj-cs"/>
-              </a:defRPr>
-            </a:lvl1pPr>
-          </a:lstStyle>
-          <a:p>
-            <a:r>
-              <a:rPr lang="pt-BR" b="1" i="1"/>
-              <a:t>Discutindo estragérias </a:t>
-            </a:r>
-            <a:br>
-              <a:rPr lang="pt-BR" b="1" i="1"/>
-            </a:br>
-            <a:r>
-              <a:rPr lang="pt-BR" b="1" i="1"/>
-              <a:t>de escalabilidade</a:t>
-            </a:r>
-            <a:endParaRPr lang="pt-BR" dirty="0"/>
           </a:p>
         </p:txBody>
       </p:sp>
     </p:spTree>
     <p:extLst>
       <p:ext uri="{BB962C8B-B14F-4D97-AF65-F5344CB8AC3E}">
-        <p14:creationId xmlns:p14="http://schemas.microsoft.com/office/powerpoint/2010/main" val="4100838962"/>
+        <p14:creationId xmlns:p14="http://schemas.microsoft.com/office/powerpoint/2010/main" val="1108108973"/>
       </p:ext>
     </p:extLst>
   </p:cSld>
@@ -35932,14 +35702,57 @@
                             </p:stCondLst>
                             <p:childTnLst>
                               <p:par>
-                                <p:cTn id="10" presetID="9" presetClass="entr" presetSubtype="0" fill="hold" grpId="0" nodeType="clickEffect">
+                                <p:cTn id="10" presetID="9" presetClass="exit" presetSubtype="0" fill="hold" grpId="1" nodeType="clickEffect">
+                                  <p:stCondLst>
+                                    <p:cond delay="0"/>
+                                  </p:stCondLst>
+                                  <p:childTnLst>
+                                    <p:animEffect transition="out" filter="dissolve">
+                                      <p:cBhvr>
+                                        <p:cTn id="11" dur="500"/>
+                                        <p:tgtEl>
+                                          <p:spTgt spid="3">
+                                            <p:txEl>
+                                              <p:pRg st="0" end="0"/>
+                                            </p:txEl>
+                                          </p:spTgt>
+                                        </p:tgtEl>
+                                      </p:cBhvr>
+                                    </p:animEffect>
+                                    <p:set>
+                                      <p:cBhvr>
+                                        <p:cTn id="12" dur="1" fill="hold">
+                                          <p:stCondLst>
+                                            <p:cond delay="499"/>
+                                          </p:stCondLst>
+                                        </p:cTn>
+                                        <p:tgtEl>
+                                          <p:spTgt spid="3">
+                                            <p:txEl>
+                                              <p:pRg st="0" end="0"/>
+                                            </p:txEl>
+                                          </p:spTgt>
+                                        </p:tgtEl>
+                                        <p:attrNameLst>
+                                          <p:attrName>style.visibility</p:attrName>
+                                        </p:attrNameLst>
+                                      </p:cBhvr>
+                                      <p:to>
+                                        <p:strVal val="hidden"/>
+                                      </p:to>
+                                    </p:set>
+                                  </p:childTnLst>
+                                </p:cTn>
+                              </p:par>
+                              <p:par>
+                                <p:cTn id="13" presetID="9" presetClass="entr" presetSubtype="0" fill="hold" grpId="0" nodeType="withEffect">
                                   <p:stCondLst>
                                     <p:cond delay="0"/>
                                   </p:stCondLst>
                                   <p:childTnLst>
                                     <p:set>
                                       <p:cBhvr>
-                                        <p:cTn id="11" dur="1" fill="hold">
+                                        <p:cTn id="14" dur="1" fill="hold">
                                           <p:stCondLst>
                                             <p:cond delay="0"/>
                                           </p:stCondLst>
@@ -35961,7 +35774,7 @@
                                     </p:set>
                                     <p:animEffect transition="in" filter="dissolve">
                                       <p:cBhvr>
-                                        <p:cTn id="12" dur="500"/>
+                                        <p:cTn id="15" dur="500"/>
                                         <p:tgtEl>
                                           <p:spTgt spid="3">
                                             <p:txEl>
@@ -35971,49 +35784,6 @@
                                         </p:tgtEl>
                                       </p:cBhvr>
                                     </p:animEffect>
-                                  </p:childTnLst>
-                                </p:cTn>
-                              </p:par>
-                              <p:par>
-                                <p:cTn id="13" presetID="9" presetClass="exit" presetSubtype="0" fill="hold" grpId="1" nodeType="withEffect">
-                                  <p:stCondLst>
-                                    <p:cond delay="0"/>
-                                  </p:stCondLst>
-                                  <p:childTnLst>
-                                    <p:animEffect transition="out" filter="dissolve">
-                                      <p:cBhvr>
-                                        <p:cTn id="14" dur="500"/>
-                                        <p:tgtEl>
-                                          <p:spTgt spid="3">
-                                            <p:txEl>
-                                              <p:pRg st="0" end="0"/>
-                                            </p:txEl>
-                                          </p:spTgt>
-                                        </p:tgtEl>
-                                      </p:cBhvr>
-                                    </p:animEffect>
-                                    <p:set>
-                                      <p:cBhvr>
-                                        <p:cTn id="15" dur="1" fill="hold">
-                                          <p:stCondLst>
-                                            <p:cond delay="499"/>
-                                          </p:stCondLst>
-                                        </p:cTn>
-                                        <p:tgtEl>
-                                          <p:spTgt spid="3">
-                                            <p:txEl>
-                                              <p:pRg st="0" end="0"/>
-                                            </p:txEl>
-                                          </p:spTgt>
-                                        </p:tgtEl>
-                                        <p:attrNameLst>
-                                          <p:attrName>style.visibility</p:attrName>
-                                        </p:attrNameLst>
-                                      </p:cBhvr>
-                                      <p:to>
-                                        <p:strVal val="hidden"/>
-                                      </p:to>
-                                    </p:set>
                                   </p:childTnLst>
                                 </p:cTn>
                               </p:par>
@@ -36140,136 +35910,14 @@
                             </p:stCondLst>
                             <p:childTnLst>
                               <p:par>
-                                <p:cTn id="26" presetID="9" presetClass="entr" presetSubtype="0" fill="hold" grpId="0" nodeType="clickEffect">
-                                  <p:stCondLst>
-                                    <p:cond delay="0"/>
-                                  </p:stCondLst>
-                                  <p:childTnLst>
-                                    <p:set>
-                                      <p:cBhvr>
-                                        <p:cTn id="27" dur="1" fill="hold">
-                                          <p:stCondLst>
-                                            <p:cond delay="0"/>
-                                          </p:stCondLst>
-                                        </p:cTn>
-                                        <p:tgtEl>
-                                          <p:spTgt spid="3">
-                                            <p:txEl>
-                                              <p:pRg st="3" end="3"/>
-                                            </p:txEl>
-                                          </p:spTgt>
-                                        </p:tgtEl>
-                                        <p:attrNameLst>
-                                          <p:attrName>style.visibility</p:attrName>
-                                        </p:attrNameLst>
-                                      </p:cBhvr>
-                                      <p:to>
-                                        <p:strVal val="visible"/>
-                                      </p:to>
-                                    </p:set>
-                                    <p:animEffect transition="in" filter="dissolve">
-                                      <p:cBhvr>
-                                        <p:cTn id="28" dur="500"/>
-                                        <p:tgtEl>
-                                          <p:spTgt spid="3">
-                                            <p:txEl>
-                                              <p:pRg st="3" end="3"/>
-                                            </p:txEl>
-                                          </p:spTgt>
-                                        </p:tgtEl>
-                                      </p:cBhvr>
-                                    </p:animEffect>
-                                  </p:childTnLst>
-                                </p:cTn>
-                              </p:par>
-                            </p:childTnLst>
-                          </p:cTn>
-                        </p:par>
-                      </p:childTnLst>
-                    </p:cTn>
-                  </p:par>
-                  <p:par>
-                    <p:cTn id="29" fill="hold">
-                      <p:stCondLst>
-                        <p:cond delay="indefinite"/>
-                      </p:stCondLst>
-                      <p:childTnLst>
-                        <p:par>
-                          <p:cTn id="30" fill="hold">
-                            <p:stCondLst>
-                              <p:cond delay="0"/>
-                            </p:stCondLst>
-                            <p:childTnLst>
-                              <p:par>
-                                <p:cTn id="31" presetID="9" presetClass="entr" presetSubtype="0" fill="hold" grpId="0" nodeType="clickEffect">
-                                  <p:stCondLst>
-                                    <p:cond delay="0"/>
-                                  </p:stCondLst>
-                                  <p:childTnLst>
-                                    <p:set>
-                                      <p:cBhvr>
-                                        <p:cTn id="32" dur="1" fill="hold">
-                                          <p:stCondLst>
-                                            <p:cond delay="0"/>
-                                          </p:stCondLst>
-                                        </p:cTn>
-                                        <p:tgtEl>
-                                          <p:spTgt spid="3">
-                                            <p:txEl>
-                                              <p:pRg st="4" end="4"/>
-                                            </p:txEl>
-                                          </p:spTgt>
-                                        </p:tgtEl>
-                                        <p:attrNameLst>
-                                          <p:attrName>style.visibility</p:attrName>
-                                        </p:attrNameLst>
-                                      </p:cBhvr>
-                                      <p:to>
-                                        <p:strVal val="visible"/>
-                                      </p:to>
-                                    </p:set>
-                                    <p:animEffect transition="in" filter="dissolve">
-                                      <p:cBhvr>
-                                        <p:cTn id="33" dur="500"/>
-                                        <p:tgtEl>
-                                          <p:spTgt spid="3">
-                                            <p:txEl>
-                                              <p:pRg st="4" end="4"/>
-                                            </p:txEl>
-                                          </p:spTgt>
-                                        </p:tgtEl>
-                                      </p:cBhvr>
-                                    </p:animEffect>
-                                  </p:childTnLst>
-                                </p:cTn>
-                              </p:par>
-                            </p:childTnLst>
-                          </p:cTn>
-                        </p:par>
-                      </p:childTnLst>
-                    </p:cTn>
-                  </p:par>
-                  <p:par>
-                    <p:cTn id="34" fill="hold">
-                      <p:stCondLst>
-                        <p:cond delay="indefinite"/>
-                      </p:stCondLst>
-                      <p:childTnLst>
-                        <p:par>
-                          <p:cTn id="35" fill="hold">
-                            <p:stCondLst>
-                              <p:cond delay="0"/>
-                            </p:stCondLst>
-                            <p:childTnLst>
-                              <p:par>
-                                <p:cTn id="36" presetID="9" presetClass="exit" presetSubtype="0" fill="hold" grpId="1" nodeType="clickEffect">
+                                <p:cTn id="26" presetID="9" presetClass="exit" presetSubtype="0" fill="hold" nodeType="clickEffect">
                                   <p:stCondLst>
                                     <p:cond delay="0"/>
                                   </p:stCondLst>
                                   <p:childTnLst>
                                     <p:animEffect transition="out" filter="dissolve">
                                       <p:cBhvr>
-                                        <p:cTn id="37" dur="500"/>
+                                        <p:cTn id="27" dur="500"/>
                                         <p:tgtEl>
                                           <p:spTgt spid="3">
                                             <p:txEl>
@@ -36281,7 +35929,7 @@
                                     </p:animEffect>
                                     <p:set>
                                       <p:cBhvr>
-                                        <p:cTn id="38" dur="1" fill="hold">
+                                        <p:cTn id="28" dur="1" fill="hold">
                                           <p:stCondLst>
                                             <p:cond delay="499"/>
                                           </p:stCondLst>
@@ -36304,47 +35952,17 @@
                                   </p:childTnLst>
                                 </p:cTn>
                               </p:par>
-                            </p:childTnLst>
-                          </p:cTn>
-                        </p:par>
-                      </p:childTnLst>
-                    </p:cTn>
-                  </p:par>
-                  <p:par>
-                    <p:cTn id="39" fill="hold">
-                      <p:stCondLst>
-                        <p:cond delay="indefinite"/>
-                      </p:stCondLst>
-                      <p:childTnLst>
-                        <p:par>
-                          <p:cTn id="40" fill="hold">
-                            <p:stCondLst>
-                              <p:cond delay="0"/>
-                            </p:stCondLst>
-                            <p:childTnLst>
                               <p:par>
-                                <p:cTn id="41" presetID="9" presetClass="exit" presetSubtype="0" fill="hold" grpId="1" nodeType="clickEffect">
+                                <p:cTn id="29" presetID="9" presetClass="entr" presetSubtype="0" fill="hold" grpId="0" nodeType="withEffect">
                                   <p:stCondLst>
                                     <p:cond delay="0"/>
                                   </p:stCondLst>
                                   <p:childTnLst>
-                                    <p:animEffect transition="out" filter="dissolve">
-                                      <p:cBhvr>
-                                        <p:cTn id="42" dur="500"/>
-                                        <p:tgtEl>
-                                          <p:spTgt spid="3">
-                                            <p:txEl>
-                                              <p:pRg st="3" end="3"/>
-                                            </p:txEl>
-                                          </p:spTgt>
-                                        </p:tgtEl>
-                                      </p:cBhvr>
-                                    </p:animEffect>
                                     <p:set>
                                       <p:cBhvr>
-                                        <p:cTn id="43" dur="1" fill="hold">
+                                        <p:cTn id="30" dur="1" fill="hold">
                                           <p:stCondLst>
-                                            <p:cond delay="499"/>
+                                            <p:cond delay="0"/>
                                           </p:stCondLst>
                                         </p:cTn>
                                         <p:tgtEl>
@@ -36359,70 +35977,21 @@
                                         </p:attrNameLst>
                                       </p:cBhvr>
                                       <p:to>
-                                        <p:strVal val="hidden"/>
+                                        <p:strVal val="visible"/>
                                       </p:to>
                                     </p:set>
-                                  </p:childTnLst>
-                                </p:cTn>
-                              </p:par>
-                            </p:childTnLst>
-                          </p:cTn>
-                        </p:par>
-                      </p:childTnLst>
-                    </p:cTn>
-                  </p:par>
-                  <p:par>
-                    <p:cTn id="44" fill="hold">
-                      <p:stCondLst>
-                        <p:cond delay="indefinite"/>
-                      </p:stCondLst>
-                      <p:childTnLst>
-                        <p:par>
-                          <p:cTn id="45" fill="hold">
-                            <p:stCondLst>
-                              <p:cond delay="0"/>
-                            </p:stCondLst>
-                            <p:childTnLst>
-                              <p:par>
-                                <p:cTn id="46" presetID="9" presetClass="exit" presetSubtype="0" fill="hold" grpId="1" nodeType="clickEffect">
-                                  <p:stCondLst>
-                                    <p:cond delay="0"/>
-                                  </p:stCondLst>
-                                  <p:childTnLst>
-                                    <p:animEffect transition="out" filter="dissolve">
-                                      <p:cBhvr>
-                                        <p:cTn id="47" dur="500"/>
-                                        <p:tgtEl>
-                                          <p:spTgt spid="3">
-                                            <p:txEl>
-                                              <p:pRg st="4" end="4"/>
+                                    <p:animEffect transition="in" filter="dissolve">
+                                      <p:cBhvr>
+                                        <p:cTn id="31" dur="500"/>
+                                        <p:tgtEl>
+                                          <p:spTgt spid="3">
+                                            <p:txEl>
+                                              <p:pRg st="3" end="3"/>
                                             </p:txEl>
                                           </p:spTgt>
                                         </p:tgtEl>
                                       </p:cBhvr>
                                     </p:animEffect>
-                                    <p:set>
-                                      <p:cBhvr>
-                                        <p:cTn id="48" dur="1" fill="hold">
-                                          <p:stCondLst>
-                                            <p:cond delay="499"/>
-                                          </p:stCondLst>
-                                        </p:cTn>
-                                        <p:tgtEl>
-                                          <p:spTgt spid="3">
-                                            <p:txEl>
-                                              <p:pRg st="4" end="4"/>
-                                            </p:txEl>
-                                          </p:spTgt>
-                                        </p:tgtEl>
-                                        <p:attrNameLst>
-                                          <p:attrName>style.visibility</p:attrName>
-                                        </p:attrNameLst>
-                                      </p:cBhvr>
-                                      <p:to>
-                                        <p:strVal val="hidden"/>
-                                      </p:to>
-                                    </p:set>
                                   </p:childTnLst>
                                 </p:cTn>
                               </p:par>
@@ -36496,8 +36065,8 @@
         </p:nvSpPr>
         <p:spPr>
           <a:xfrm>
-            <a:off x="596348" y="1444491"/>
-            <a:ext cx="10908264" cy="1838356"/>
+            <a:off x="596348" y="1444490"/>
+            <a:ext cx="10908264" cy="5032509"/>
           </a:xfrm>
         </p:spPr>
         <p:txBody>
@@ -36507,9 +36076,161 @@
           <a:lstStyle/>
           <a:p>
             <a:r>
-              <a:rPr lang="pt-PT" sz="3200" dirty="0"/>
-              <a:t>O servidor web utilizado também pode fazer uma grande diferença no consumo de recursos</a:t>
-            </a:r>
+              <a:rPr lang="pt" sz="3200" dirty="0"/>
+              <a:t>Antes de aplicar qualquer técnica vista aqui, verifique as tecnologias e versões de ferramentas que está usando</a:t>
+            </a:r>
+          </a:p>
+          <a:p>
+            <a:r>
+              <a:rPr lang="en-US" sz="3200" dirty="0"/>
+              <a:t>O PHP 7 </a:t>
+            </a:r>
+            <a:r>
+              <a:rPr lang="en-US" sz="3200" dirty="0" err="1"/>
+              <a:t>por</a:t>
+            </a:r>
+            <a:r>
+              <a:rPr lang="en-US" sz="3200" dirty="0"/>
+              <a:t> </a:t>
+            </a:r>
+            <a:r>
+              <a:rPr lang="en-US" sz="3200" dirty="0" err="1"/>
+              <a:t>exemplo</a:t>
+            </a:r>
+            <a:r>
+              <a:rPr lang="en-US" sz="3200" dirty="0"/>
+              <a:t> </a:t>
+            </a:r>
+            <a:r>
+              <a:rPr lang="en-US" sz="3200" dirty="0" err="1"/>
+              <a:t>trouxe</a:t>
+            </a:r>
+            <a:r>
+              <a:rPr lang="en-US" sz="3200" dirty="0"/>
+              <a:t> </a:t>
+            </a:r>
+            <a:r>
+              <a:rPr lang="en-US" sz="3200" dirty="0" err="1"/>
+              <a:t>inacreditáveis</a:t>
+            </a:r>
+            <a:r>
+              <a:rPr lang="en-US" sz="3200" dirty="0"/>
+              <a:t> </a:t>
+            </a:r>
+            <a:r>
+              <a:rPr lang="en-US" sz="3200" dirty="0" err="1"/>
+              <a:t>melhorias</a:t>
+            </a:r>
+            <a:r>
+              <a:rPr lang="en-US" sz="3200" dirty="0"/>
+              <a:t> de </a:t>
+            </a:r>
+            <a:r>
+              <a:rPr lang="en-US" sz="3200" dirty="0" err="1"/>
+              <a:t>desempenho</a:t>
+            </a:r>
+            <a:endParaRPr lang="pt" sz="3200" dirty="0"/>
+          </a:p>
+          <a:p>
+            <a:r>
+              <a:rPr lang="en-US" sz="3200" dirty="0"/>
+              <a:t>2x </a:t>
+            </a:r>
+            <a:r>
+              <a:rPr lang="en-US" sz="3200" dirty="0" err="1"/>
+              <a:t>mais</a:t>
+            </a:r>
+            <a:r>
+              <a:rPr lang="en-US" sz="3200" dirty="0"/>
+              <a:t> </a:t>
+            </a:r>
+            <a:r>
+              <a:rPr lang="en-US" sz="3200" dirty="0" err="1"/>
+              <a:t>rápido</a:t>
+            </a:r>
+            <a:r>
+              <a:rPr lang="en-US" sz="3200" dirty="0"/>
+              <a:t>, -30% RAM</a:t>
+            </a:r>
+            <a:endParaRPr lang="pt" sz="3200" dirty="0"/>
+          </a:p>
+          <a:p>
+            <a:pPr marL="0" indent="0" algn="ctr">
+              <a:buNone/>
+            </a:pPr>
+            <a:r>
+              <a:rPr lang="en-US" sz="3200" dirty="0">
+                <a:hlinkClick r:id="rId2"/>
+              </a:rPr>
+              <a:t>www.zend.com/en/resources/php7_infographic</a:t>
+            </a:r>
+            <a:r>
+              <a:rPr lang="en-US" sz="3200" dirty="0"/>
+              <a:t> Zend, </a:t>
+            </a:r>
+            <a:r>
+              <a:rPr lang="en-US" sz="3200" dirty="0" err="1"/>
+              <a:t>empresa</a:t>
+            </a:r>
+            <a:r>
+              <a:rPr lang="en-US" sz="3200" dirty="0"/>
+              <a:t> que </a:t>
+            </a:r>
+            <a:r>
+              <a:rPr lang="en-US" sz="3200" dirty="0" err="1"/>
+              <a:t>atualmente</a:t>
+            </a:r>
+            <a:r>
+              <a:rPr lang="en-US" sz="3200" dirty="0"/>
+              <a:t> </a:t>
+            </a:r>
+            <a:r>
+              <a:rPr lang="en-US" sz="3200" dirty="0" err="1"/>
+              <a:t>mantém</a:t>
+            </a:r>
+            <a:r>
+              <a:rPr lang="en-US" sz="3200" dirty="0"/>
+              <a:t> o PHP</a:t>
+            </a:r>
+          </a:p>
+          <a:p>
+            <a:pPr marL="0" indent="0" algn="ctr">
+              <a:buNone/>
+            </a:pPr>
+            <a:r>
+              <a:rPr lang="en-US" sz="3200" dirty="0">
+                <a:hlinkClick r:id="rId3"/>
+              </a:rPr>
+              <a:t>https://youtu.be/rKXFgWP-2xQ</a:t>
+            </a:r>
+            <a:r>
+              <a:rPr lang="en-US" sz="3200" dirty="0"/>
+              <a:t> </a:t>
+            </a:r>
+            <a:br>
+              <a:rPr lang="en-US" sz="3200" dirty="0"/>
+            </a:br>
+            <a:r>
+              <a:rPr lang="en-US" sz="3200" dirty="0"/>
+              <a:t>Rasmus </a:t>
+            </a:r>
+            <a:r>
+              <a:rPr lang="en-US" sz="3200" dirty="0" err="1"/>
+              <a:t>Lerdorf</a:t>
+            </a:r>
+            <a:r>
+              <a:rPr lang="en-US" sz="3200" dirty="0"/>
+              <a:t>, </a:t>
+            </a:r>
+            <a:r>
+              <a:rPr lang="en-US" sz="3200" dirty="0" err="1"/>
+              <a:t>creador</a:t>
+            </a:r>
+            <a:r>
+              <a:rPr lang="en-US" sz="3200" dirty="0"/>
+              <a:t> do PHP</a:t>
+            </a:r>
+            <a:endParaRPr lang="pt" sz="3200" dirty="0"/>
           </a:p>
         </p:txBody>
       </p:sp>
@@ -36607,7 +36328,7 @@
     </p:spTree>
     <p:extLst>
       <p:ext uri="{BB962C8B-B14F-4D97-AF65-F5344CB8AC3E}">
-        <p14:creationId xmlns:p14="http://schemas.microsoft.com/office/powerpoint/2010/main" val="725837398"/>
+        <p14:creationId xmlns:p14="http://schemas.microsoft.com/office/powerpoint/2010/main" val="4100838962"/>
       </p:ext>
     </p:extLst>
   </p:cSld>
@@ -36677,15 +36398,76 @@
                                   </p:childTnLst>
                                 </p:cTn>
                               </p:par>
+                            </p:childTnLst>
+                          </p:cTn>
+                        </p:par>
+                      </p:childTnLst>
+                    </p:cTn>
+                  </p:par>
+                  <p:par>
+                    <p:cTn id="8" fill="hold">
+                      <p:stCondLst>
+                        <p:cond delay="indefinite"/>
+                      </p:stCondLst>
+                      <p:childTnLst>
+                        <p:par>
+                          <p:cTn id="9" fill="hold">
+                            <p:stCondLst>
+                              <p:cond delay="0"/>
+                            </p:stCondLst>
+                            <p:childTnLst>
                               <p:par>
-                                <p:cTn id="8" presetID="9" presetClass="exit" presetSubtype="0" fill="hold" grpId="1" nodeType="withEffect">
+                                <p:cTn id="10" presetID="9" presetClass="entr" presetSubtype="0" fill="hold" grpId="0" nodeType="clickEffect">
+                                  <p:stCondLst>
+                                    <p:cond delay="0"/>
+                                  </p:stCondLst>
+                                  <p:childTnLst>
+                                    <p:set>
+                                      <p:cBhvr>
+                                        <p:cTn id="11" dur="1" fill="hold">
+                                          <p:stCondLst>
+                                            <p:cond delay="0"/>
+                                          </p:stCondLst>
+                                        </p:cTn>
+                                        <p:tgtEl>
+                                          <p:spTgt spid="3">
+                                            <p:txEl>
+                                              <p:pRg st="1" end="1"/>
+                                            </p:txEl>
+                                          </p:spTgt>
+                                        </p:tgtEl>
+                                        <p:attrNameLst>
+                                          <p:attrName>style.visibility</p:attrName>
+                                        </p:attrNameLst>
+                                      </p:cBhvr>
+                                      <p:to>
+                                        <p:strVal val="visible"/>
+                                      </p:to>
+                                    </p:set>
+                                    <p:animEffect transition="in" filter="dissolve">
+                                      <p:cBhvr>
+                                        <p:cTn id="12" dur="500"/>
+                                        <p:tgtEl>
+                                          <p:spTgt spid="3">
+                                            <p:txEl>
+                                              <p:pRg st="1" end="1"/>
+                                            </p:txEl>
+                                          </p:spTgt>
+                                        </p:tgtEl>
+                                      </p:cBhvr>
+                                    </p:animEffect>
+                                  </p:childTnLst>
+                                </p:cTn>
+                              </p:par>
+                              <p:par>
+                                <p:cTn id="13" presetID="9" presetClass="exit" presetSubtype="0" fill="hold" grpId="1" nodeType="withEffect">
                                   <p:stCondLst>
                                     <p:cond delay="0"/>
                                   </p:stCondLst>
                                   <p:childTnLst>
                                     <p:animEffect transition="out" filter="dissolve">
                                       <p:cBhvr>
-                                        <p:cTn id="9" dur="500"/>
+                                        <p:cTn id="14" dur="500"/>
                                         <p:tgtEl>
                                           <p:spTgt spid="3">
                                             <p:txEl>
@@ -36697,7 +36479,7 @@
                                     </p:animEffect>
                                     <p:set>
                                       <p:cBhvr>
-                                        <p:cTn id="10" dur="1" fill="hold">
+                                        <p:cTn id="15" dur="1" fill="hold">
                                           <p:stCondLst>
                                             <p:cond delay="499"/>
                                           </p:stCondLst>
@@ -36706,6 +36488,415 @@
                                           <p:spTgt spid="3">
                                             <p:txEl>
                                               <p:pRg st="0" end="0"/>
+                                            </p:txEl>
+                                          </p:spTgt>
+                                        </p:tgtEl>
+                                        <p:attrNameLst>
+                                          <p:attrName>style.visibility</p:attrName>
+                                        </p:attrNameLst>
+                                      </p:cBhvr>
+                                      <p:to>
+                                        <p:strVal val="hidden"/>
+                                      </p:to>
+                                    </p:set>
+                                  </p:childTnLst>
+                                </p:cTn>
+                              </p:par>
+                            </p:childTnLst>
+                          </p:cTn>
+                        </p:par>
+                      </p:childTnLst>
+                    </p:cTn>
+                  </p:par>
+                  <p:par>
+                    <p:cTn id="16" fill="hold">
+                      <p:stCondLst>
+                        <p:cond delay="indefinite"/>
+                      </p:stCondLst>
+                      <p:childTnLst>
+                        <p:par>
+                          <p:cTn id="17" fill="hold">
+                            <p:stCondLst>
+                              <p:cond delay="0"/>
+                            </p:stCondLst>
+                            <p:childTnLst>
+                              <p:par>
+                                <p:cTn id="18" presetID="9" presetClass="exit" presetSubtype="0" fill="hold" grpId="1" nodeType="clickEffect">
+                                  <p:stCondLst>
+                                    <p:cond delay="0"/>
+                                  </p:stCondLst>
+                                  <p:childTnLst>
+                                    <p:animEffect transition="out" filter="dissolve">
+                                      <p:cBhvr>
+                                        <p:cTn id="19" dur="500"/>
+                                        <p:tgtEl>
+                                          <p:spTgt spid="3">
+                                            <p:txEl>
+                                              <p:pRg st="1" end="1"/>
+                                            </p:txEl>
+                                          </p:spTgt>
+                                        </p:tgtEl>
+                                      </p:cBhvr>
+                                    </p:animEffect>
+                                    <p:set>
+                                      <p:cBhvr>
+                                        <p:cTn id="20" dur="1" fill="hold">
+                                          <p:stCondLst>
+                                            <p:cond delay="499"/>
+                                          </p:stCondLst>
+                                        </p:cTn>
+                                        <p:tgtEl>
+                                          <p:spTgt spid="3">
+                                            <p:txEl>
+                                              <p:pRg st="1" end="1"/>
+                                            </p:txEl>
+                                          </p:spTgt>
+                                        </p:tgtEl>
+                                        <p:attrNameLst>
+                                          <p:attrName>style.visibility</p:attrName>
+                                        </p:attrNameLst>
+                                      </p:cBhvr>
+                                      <p:to>
+                                        <p:strVal val="hidden"/>
+                                      </p:to>
+                                    </p:set>
+                                  </p:childTnLst>
+                                </p:cTn>
+                              </p:par>
+                              <p:par>
+                                <p:cTn id="21" presetID="9" presetClass="entr" presetSubtype="0" fill="hold" grpId="0" nodeType="withEffect">
+                                  <p:stCondLst>
+                                    <p:cond delay="0"/>
+                                  </p:stCondLst>
+                                  <p:childTnLst>
+                                    <p:set>
+                                      <p:cBhvr>
+                                        <p:cTn id="22" dur="1" fill="hold">
+                                          <p:stCondLst>
+                                            <p:cond delay="0"/>
+                                          </p:stCondLst>
+                                        </p:cTn>
+                                        <p:tgtEl>
+                                          <p:spTgt spid="3">
+                                            <p:txEl>
+                                              <p:pRg st="2" end="2"/>
+                                            </p:txEl>
+                                          </p:spTgt>
+                                        </p:tgtEl>
+                                        <p:attrNameLst>
+                                          <p:attrName>style.visibility</p:attrName>
+                                        </p:attrNameLst>
+                                      </p:cBhvr>
+                                      <p:to>
+                                        <p:strVal val="visible"/>
+                                      </p:to>
+                                    </p:set>
+                                    <p:animEffect transition="in" filter="dissolve">
+                                      <p:cBhvr>
+                                        <p:cTn id="23" dur="500"/>
+                                        <p:tgtEl>
+                                          <p:spTgt spid="3">
+                                            <p:txEl>
+                                              <p:pRg st="2" end="2"/>
+                                            </p:txEl>
+                                          </p:spTgt>
+                                        </p:tgtEl>
+                                      </p:cBhvr>
+                                    </p:animEffect>
+                                  </p:childTnLst>
+                                </p:cTn>
+                              </p:par>
+                            </p:childTnLst>
+                          </p:cTn>
+                        </p:par>
+                      </p:childTnLst>
+                    </p:cTn>
+                  </p:par>
+                  <p:par>
+                    <p:cTn id="24" fill="hold">
+                      <p:stCondLst>
+                        <p:cond delay="indefinite"/>
+                      </p:stCondLst>
+                      <p:childTnLst>
+                        <p:par>
+                          <p:cTn id="25" fill="hold">
+                            <p:stCondLst>
+                              <p:cond delay="0"/>
+                            </p:stCondLst>
+                            <p:childTnLst>
+                              <p:par>
+                                <p:cTn id="26" presetID="9" presetClass="entr" presetSubtype="0" fill="hold" grpId="0" nodeType="clickEffect">
+                                  <p:stCondLst>
+                                    <p:cond delay="0"/>
+                                  </p:stCondLst>
+                                  <p:childTnLst>
+                                    <p:set>
+                                      <p:cBhvr>
+                                        <p:cTn id="27" dur="1" fill="hold">
+                                          <p:stCondLst>
+                                            <p:cond delay="0"/>
+                                          </p:stCondLst>
+                                        </p:cTn>
+                                        <p:tgtEl>
+                                          <p:spTgt spid="3">
+                                            <p:txEl>
+                                              <p:pRg st="3" end="3"/>
+                                            </p:txEl>
+                                          </p:spTgt>
+                                        </p:tgtEl>
+                                        <p:attrNameLst>
+                                          <p:attrName>style.visibility</p:attrName>
+                                        </p:attrNameLst>
+                                      </p:cBhvr>
+                                      <p:to>
+                                        <p:strVal val="visible"/>
+                                      </p:to>
+                                    </p:set>
+                                    <p:animEffect transition="in" filter="dissolve">
+                                      <p:cBhvr>
+                                        <p:cTn id="28" dur="500"/>
+                                        <p:tgtEl>
+                                          <p:spTgt spid="3">
+                                            <p:txEl>
+                                              <p:pRg st="3" end="3"/>
+                                            </p:txEl>
+                                          </p:spTgt>
+                                        </p:tgtEl>
+                                      </p:cBhvr>
+                                    </p:animEffect>
+                                  </p:childTnLst>
+                                </p:cTn>
+                              </p:par>
+                            </p:childTnLst>
+                          </p:cTn>
+                        </p:par>
+                      </p:childTnLst>
+                    </p:cTn>
+                  </p:par>
+                  <p:par>
+                    <p:cTn id="29" fill="hold">
+                      <p:stCondLst>
+                        <p:cond delay="indefinite"/>
+                      </p:stCondLst>
+                      <p:childTnLst>
+                        <p:par>
+                          <p:cTn id="30" fill="hold">
+                            <p:stCondLst>
+                              <p:cond delay="0"/>
+                            </p:stCondLst>
+                            <p:childTnLst>
+                              <p:par>
+                                <p:cTn id="31" presetID="9" presetClass="entr" presetSubtype="0" fill="hold" grpId="0" nodeType="clickEffect">
+                                  <p:stCondLst>
+                                    <p:cond delay="0"/>
+                                  </p:stCondLst>
+                                  <p:childTnLst>
+                                    <p:set>
+                                      <p:cBhvr>
+                                        <p:cTn id="32" dur="1" fill="hold">
+                                          <p:stCondLst>
+                                            <p:cond delay="0"/>
+                                          </p:stCondLst>
+                                        </p:cTn>
+                                        <p:tgtEl>
+                                          <p:spTgt spid="3">
+                                            <p:txEl>
+                                              <p:pRg st="4" end="4"/>
+                                            </p:txEl>
+                                          </p:spTgt>
+                                        </p:tgtEl>
+                                        <p:attrNameLst>
+                                          <p:attrName>style.visibility</p:attrName>
+                                        </p:attrNameLst>
+                                      </p:cBhvr>
+                                      <p:to>
+                                        <p:strVal val="visible"/>
+                                      </p:to>
+                                    </p:set>
+                                    <p:animEffect transition="in" filter="dissolve">
+                                      <p:cBhvr>
+                                        <p:cTn id="33" dur="500"/>
+                                        <p:tgtEl>
+                                          <p:spTgt spid="3">
+                                            <p:txEl>
+                                              <p:pRg st="4" end="4"/>
+                                            </p:txEl>
+                                          </p:spTgt>
+                                        </p:tgtEl>
+                                      </p:cBhvr>
+                                    </p:animEffect>
+                                  </p:childTnLst>
+                                </p:cTn>
+                              </p:par>
+                            </p:childTnLst>
+                          </p:cTn>
+                        </p:par>
+                      </p:childTnLst>
+                    </p:cTn>
+                  </p:par>
+                  <p:par>
+                    <p:cTn id="34" fill="hold">
+                      <p:stCondLst>
+                        <p:cond delay="indefinite"/>
+                      </p:stCondLst>
+                      <p:childTnLst>
+                        <p:par>
+                          <p:cTn id="35" fill="hold">
+                            <p:stCondLst>
+                              <p:cond delay="0"/>
+                            </p:stCondLst>
+                            <p:childTnLst>
+                              <p:par>
+                                <p:cTn id="36" presetID="9" presetClass="exit" presetSubtype="0" fill="hold" grpId="1" nodeType="clickEffect">
+                                  <p:stCondLst>
+                                    <p:cond delay="0"/>
+                                  </p:stCondLst>
+                                  <p:childTnLst>
+                                    <p:animEffect transition="out" filter="dissolve">
+                                      <p:cBhvr>
+                                        <p:cTn id="37" dur="500"/>
+                                        <p:tgtEl>
+                                          <p:spTgt spid="3">
+                                            <p:txEl>
+                                              <p:pRg st="2" end="2"/>
+                                            </p:txEl>
+                                          </p:spTgt>
+                                        </p:tgtEl>
+                                      </p:cBhvr>
+                                    </p:animEffect>
+                                    <p:set>
+                                      <p:cBhvr>
+                                        <p:cTn id="38" dur="1" fill="hold">
+                                          <p:stCondLst>
+                                            <p:cond delay="499"/>
+                                          </p:stCondLst>
+                                        </p:cTn>
+                                        <p:tgtEl>
+                                          <p:spTgt spid="3">
+                                            <p:txEl>
+                                              <p:pRg st="2" end="2"/>
+                                            </p:txEl>
+                                          </p:spTgt>
+                                        </p:tgtEl>
+                                        <p:attrNameLst>
+                                          <p:attrName>style.visibility</p:attrName>
+                                        </p:attrNameLst>
+                                      </p:cBhvr>
+                                      <p:to>
+                                        <p:strVal val="hidden"/>
+                                      </p:to>
+                                    </p:set>
+                                  </p:childTnLst>
+                                </p:cTn>
+                              </p:par>
+                            </p:childTnLst>
+                          </p:cTn>
+                        </p:par>
+                      </p:childTnLst>
+                    </p:cTn>
+                  </p:par>
+                  <p:par>
+                    <p:cTn id="39" fill="hold">
+                      <p:stCondLst>
+                        <p:cond delay="indefinite"/>
+                      </p:stCondLst>
+                      <p:childTnLst>
+                        <p:par>
+                          <p:cTn id="40" fill="hold">
+                            <p:stCondLst>
+                              <p:cond delay="0"/>
+                            </p:stCondLst>
+                            <p:childTnLst>
+                              <p:par>
+                                <p:cTn id="41" presetID="9" presetClass="exit" presetSubtype="0" fill="hold" grpId="1" nodeType="clickEffect">
+                                  <p:stCondLst>
+                                    <p:cond delay="0"/>
+                                  </p:stCondLst>
+                                  <p:childTnLst>
+                                    <p:animEffect transition="out" filter="dissolve">
+                                      <p:cBhvr>
+                                        <p:cTn id="42" dur="500"/>
+                                        <p:tgtEl>
+                                          <p:spTgt spid="3">
+                                            <p:txEl>
+                                              <p:pRg st="3" end="3"/>
+                                            </p:txEl>
+                                          </p:spTgt>
+                                        </p:tgtEl>
+                                      </p:cBhvr>
+                                    </p:animEffect>
+                                    <p:set>
+                                      <p:cBhvr>
+                                        <p:cTn id="43" dur="1" fill="hold">
+                                          <p:stCondLst>
+                                            <p:cond delay="499"/>
+                                          </p:stCondLst>
+                                        </p:cTn>
+                                        <p:tgtEl>
+                                          <p:spTgt spid="3">
+                                            <p:txEl>
+                                              <p:pRg st="3" end="3"/>
+                                            </p:txEl>
+                                          </p:spTgt>
+                                        </p:tgtEl>
+                                        <p:attrNameLst>
+                                          <p:attrName>style.visibility</p:attrName>
+                                        </p:attrNameLst>
+                                      </p:cBhvr>
+                                      <p:to>
+                                        <p:strVal val="hidden"/>
+                                      </p:to>
+                                    </p:set>
+                                  </p:childTnLst>
+                                </p:cTn>
+                              </p:par>
+                            </p:childTnLst>
+                          </p:cTn>
+                        </p:par>
+                      </p:childTnLst>
+                    </p:cTn>
+                  </p:par>
+                  <p:par>
+                    <p:cTn id="44" fill="hold">
+                      <p:stCondLst>
+                        <p:cond delay="indefinite"/>
+                      </p:stCondLst>
+                      <p:childTnLst>
+                        <p:par>
+                          <p:cTn id="45" fill="hold">
+                            <p:stCondLst>
+                              <p:cond delay="0"/>
+                            </p:stCondLst>
+                            <p:childTnLst>
+                              <p:par>
+                                <p:cTn id="46" presetID="9" presetClass="exit" presetSubtype="0" fill="hold" grpId="1" nodeType="clickEffect">
+                                  <p:stCondLst>
+                                    <p:cond delay="0"/>
+                                  </p:stCondLst>
+                                  <p:childTnLst>
+                                    <p:animEffect transition="out" filter="dissolve">
+                                      <p:cBhvr>
+                                        <p:cTn id="47" dur="500"/>
+                                        <p:tgtEl>
+                                          <p:spTgt spid="3">
+                                            <p:txEl>
+                                              <p:pRg st="4" end="4"/>
+                                            </p:txEl>
+                                          </p:spTgt>
+                                        </p:tgtEl>
+                                      </p:cBhvr>
+                                    </p:animEffect>
+                                    <p:set>
+                                      <p:cBhvr>
+                                        <p:cTn id="48" dur="1" fill="hold">
+                                          <p:stCondLst>
+                                            <p:cond delay="499"/>
+                                          </p:stCondLst>
+                                        </p:cTn>
+                                        <p:tgtEl>
+                                          <p:spTgt spid="3">
+                                            <p:txEl>
+                                              <p:pRg st="4" end="4"/>
                                             </p:txEl>
                                           </p:spTgt>
                                         </p:tgtEl>
@@ -36756,6 +36947,300 @@
 </file>
 
 <file path=ppt/slides/slide63.xml><?xml version="1.0" encoding="utf-8"?>
+<p:sld xmlns:a="http://schemas.openxmlformats.org/drawingml/2006/main" xmlns:r="http://schemas.openxmlformats.org/officeDocument/2006/relationships" xmlns:p="http://schemas.openxmlformats.org/presentationml/2006/main">
+  <p:cSld>
+    <p:spTree>
+      <p:nvGrpSpPr>
+        <p:cNvPr id="1" name=""/>
+        <p:cNvGrpSpPr/>
+        <p:nvPr/>
+      </p:nvGrpSpPr>
+      <p:grpSpPr>
+        <a:xfrm>
+          <a:off x="0" y="0"/>
+          <a:ext cx="0" cy="0"/>
+          <a:chOff x="0" y="0"/>
+          <a:chExt cx="0" cy="0"/>
+        </a:xfrm>
+      </p:grpSpPr>
+      <p:sp>
+        <p:nvSpPr>
+          <p:cNvPr id="3" name="Content Placeholder 2">
+            <a:extLst>
+              <a:ext uri="{FF2B5EF4-FFF2-40B4-BE49-F238E27FC236}">
+                <a16:creationId xmlns:a16="http://schemas.microsoft.com/office/drawing/2014/main" id="{C9044F89-E3C1-E349-B0DE-0B932821234C}"/>
+              </a:ext>
+            </a:extLst>
+          </p:cNvPr>
+          <p:cNvSpPr>
+            <a:spLocks noGrp="1"/>
+          </p:cNvSpPr>
+          <p:nvPr>
+            <p:ph idx="1"/>
+          </p:nvPr>
+        </p:nvSpPr>
+        <p:spPr>
+          <a:xfrm>
+            <a:off x="596348" y="1444491"/>
+            <a:ext cx="10908264" cy="1838356"/>
+          </a:xfrm>
+        </p:spPr>
+        <p:txBody>
+          <a:bodyPr>
+            <a:normAutofit/>
+          </a:bodyPr>
+          <a:lstStyle/>
+          <a:p>
+            <a:r>
+              <a:rPr lang="pt-PT" sz="3200" dirty="0"/>
+              <a:t>O servidor web utilizado também pode fazer uma grande diferença no consumo de recursos</a:t>
+            </a:r>
+          </a:p>
+        </p:txBody>
+      </p:sp>
+      <p:sp>
+        <p:nvSpPr>
+          <p:cNvPr id="4" name="Slide Number Placeholder 3">
+            <a:extLst>
+              <a:ext uri="{FF2B5EF4-FFF2-40B4-BE49-F238E27FC236}">
+                <a16:creationId xmlns:a16="http://schemas.microsoft.com/office/drawing/2014/main" id="{2EA509C2-078C-DE4C-BE59-C32AF18E82D6}"/>
+              </a:ext>
+            </a:extLst>
+          </p:cNvPr>
+          <p:cNvSpPr>
+            <a:spLocks noGrp="1"/>
+          </p:cNvSpPr>
+          <p:nvPr>
+            <p:ph type="sldNum" sz="quarter" idx="12"/>
+          </p:nvPr>
+        </p:nvSpPr>
+        <p:spPr/>
+        <p:txBody>
+          <a:bodyPr/>
+          <a:lstStyle/>
+          <a:p>
+            <a:fld id="{2183B7EE-0FBE-B749-875F-ED24F5ECD71F}" type="slidenum">
+              <a:rPr lang="en-US" smtClean="0"/>
+              <a:t>63</a:t>
+            </a:fld>
+            <a:endParaRPr lang="en-US" dirty="0"/>
+          </a:p>
+        </p:txBody>
+      </p:sp>
+      <p:sp>
+        <p:nvSpPr>
+          <p:cNvPr id="7" name="Title 1">
+            <a:extLst>
+              <a:ext uri="{FF2B5EF4-FFF2-40B4-BE49-F238E27FC236}">
+                <a16:creationId xmlns:a16="http://schemas.microsoft.com/office/drawing/2014/main" id="{873CC896-80B5-494C-AD6B-34365C23E09E}"/>
+              </a:ext>
+            </a:extLst>
+          </p:cNvPr>
+          <p:cNvSpPr txBox="1">
+            <a:spLocks/>
+          </p:cNvSpPr>
+          <p:nvPr/>
+        </p:nvSpPr>
+        <p:spPr>
+          <a:xfrm>
+            <a:off x="2004561" y="99458"/>
+            <a:ext cx="9530038" cy="1509490"/>
+          </a:xfrm>
+          <a:prstGeom prst="rect">
+            <a:avLst/>
+          </a:prstGeom>
+        </p:spPr>
+        <p:txBody>
+          <a:bodyPr vert="horz" lIns="91440" tIns="45720" rIns="91440" bIns="45720" rtlCol="0" anchor="ctr">
+            <a:normAutofit/>
+          </a:bodyPr>
+          <a:lstStyle>
+            <a:lvl1pPr algn="r" defTabSz="914400" rtl="0" eaLnBrk="1" latinLnBrk="0" hangingPunct="1">
+              <a:lnSpc>
+                <a:spcPct val="90000"/>
+              </a:lnSpc>
+              <a:spcBef>
+                <a:spcPct val="0"/>
+              </a:spcBef>
+              <a:buNone/>
+              <a:defRPr sz="4000" kern="1200" cap="all" baseline="0">
+                <a:solidFill>
+                  <a:schemeClr val="tx1"/>
+                </a:solidFill>
+                <a:latin typeface="+mj-lt"/>
+                <a:ea typeface="+mj-ea"/>
+                <a:cs typeface="+mj-cs"/>
+              </a:defRPr>
+            </a:lvl1pPr>
+          </a:lstStyle>
+          <a:p>
+            <a:r>
+              <a:rPr lang="pt-BR" b="1" i="1"/>
+              <a:t>Discutindo estragérias </a:t>
+            </a:r>
+            <a:br>
+              <a:rPr lang="pt-BR" b="1" i="1"/>
+            </a:br>
+            <a:r>
+              <a:rPr lang="pt-BR" b="1" i="1"/>
+              <a:t>de escalabilidade</a:t>
+            </a:r>
+            <a:endParaRPr lang="pt-BR" dirty="0"/>
+          </a:p>
+        </p:txBody>
+      </p:sp>
+    </p:spTree>
+    <p:extLst>
+      <p:ext uri="{BB962C8B-B14F-4D97-AF65-F5344CB8AC3E}">
+        <p14:creationId xmlns:p14="http://schemas.microsoft.com/office/powerpoint/2010/main" val="725837398"/>
+      </p:ext>
+    </p:extLst>
+  </p:cSld>
+  <p:clrMapOvr>
+    <a:masterClrMapping/>
+  </p:clrMapOvr>
+  <p:timing>
+    <p:tnLst>
+      <p:par>
+        <p:cTn id="1" dur="indefinite" restart="never" nodeType="tmRoot">
+          <p:childTnLst>
+            <p:seq concurrent="1" nextAc="seek">
+              <p:cTn id="2" dur="indefinite" nodeType="mainSeq">
+                <p:childTnLst>
+                  <p:par>
+                    <p:cTn id="3" fill="hold">
+                      <p:stCondLst>
+                        <p:cond delay="indefinite"/>
+                      </p:stCondLst>
+                      <p:childTnLst>
+                        <p:par>
+                          <p:cTn id="4" fill="hold">
+                            <p:stCondLst>
+                              <p:cond delay="0"/>
+                            </p:stCondLst>
+                            <p:childTnLst>
+                              <p:par>
+                                <p:cTn id="5" presetID="9" presetClass="entr" presetSubtype="0" fill="hold" grpId="0" nodeType="clickEffect">
+                                  <p:stCondLst>
+                                    <p:cond delay="0"/>
+                                  </p:stCondLst>
+                                  <p:childTnLst>
+                                    <p:set>
+                                      <p:cBhvr>
+                                        <p:cTn id="6" dur="1" fill="hold">
+                                          <p:stCondLst>
+                                            <p:cond delay="0"/>
+                                          </p:stCondLst>
+                                        </p:cTn>
+                                        <p:tgtEl>
+                                          <p:spTgt spid="3">
+                                            <p:txEl>
+                                              <p:pRg st="0" end="0"/>
+                                            </p:txEl>
+                                          </p:spTgt>
+                                        </p:tgtEl>
+                                        <p:attrNameLst>
+                                          <p:attrName>style.visibility</p:attrName>
+                                        </p:attrNameLst>
+                                      </p:cBhvr>
+                                      <p:to>
+                                        <p:strVal val="visible"/>
+                                      </p:to>
+                                    </p:set>
+                                    <p:animEffect transition="in" filter="dissolve">
+                                      <p:cBhvr>
+                                        <p:cTn id="7" dur="500"/>
+                                        <p:tgtEl>
+                                          <p:spTgt spid="3">
+                                            <p:txEl>
+                                              <p:pRg st="0" end="0"/>
+                                            </p:txEl>
+                                          </p:spTgt>
+                                        </p:tgtEl>
+                                      </p:cBhvr>
+                                    </p:animEffect>
+                                  </p:childTnLst>
+                                </p:cTn>
+                              </p:par>
+                              <p:par>
+                                <p:cTn id="8" presetID="9" presetClass="exit" presetSubtype="0" fill="hold" grpId="1" nodeType="withEffect">
+                                  <p:stCondLst>
+                                    <p:cond delay="0"/>
+                                  </p:stCondLst>
+                                  <p:childTnLst>
+                                    <p:animEffect transition="out" filter="dissolve">
+                                      <p:cBhvr>
+                                        <p:cTn id="9" dur="500"/>
+                                        <p:tgtEl>
+                                          <p:spTgt spid="3">
+                                            <p:txEl>
+                                              <p:pRg st="0" end="0"/>
+                                            </p:txEl>
+                                          </p:spTgt>
+                                        </p:tgtEl>
+                                      </p:cBhvr>
+                                    </p:animEffect>
+                                    <p:set>
+                                      <p:cBhvr>
+                                        <p:cTn id="10" dur="1" fill="hold">
+                                          <p:stCondLst>
+                                            <p:cond delay="499"/>
+                                          </p:stCondLst>
+                                        </p:cTn>
+                                        <p:tgtEl>
+                                          <p:spTgt spid="3">
+                                            <p:txEl>
+                                              <p:pRg st="0" end="0"/>
+                                            </p:txEl>
+                                          </p:spTgt>
+                                        </p:tgtEl>
+                                        <p:attrNameLst>
+                                          <p:attrName>style.visibility</p:attrName>
+                                        </p:attrNameLst>
+                                      </p:cBhvr>
+                                      <p:to>
+                                        <p:strVal val="hidden"/>
+                                      </p:to>
+                                    </p:set>
+                                  </p:childTnLst>
+                                </p:cTn>
+                              </p:par>
+                            </p:childTnLst>
+                          </p:cTn>
+                        </p:par>
+                      </p:childTnLst>
+                    </p:cTn>
+                  </p:par>
+                </p:childTnLst>
+              </p:cTn>
+              <p:prevCondLst>
+                <p:cond evt="onPrev" delay="0">
+                  <p:tgtEl>
+                    <p:sldTgt/>
+                  </p:tgtEl>
+                </p:cond>
+              </p:prevCondLst>
+              <p:nextCondLst>
+                <p:cond evt="onNext" delay="0">
+                  <p:tgtEl>
+                    <p:sldTgt/>
+                  </p:tgtEl>
+                </p:cond>
+              </p:nextCondLst>
+            </p:seq>
+          </p:childTnLst>
+        </p:cTn>
+      </p:par>
+    </p:tnLst>
+    <p:bldLst>
+      <p:bldP spid="3" grpId="0" uiExpand="1" build="p"/>
+      <p:bldP spid="3" grpId="1" uiExpand="1" build="p"/>
+    </p:bldLst>
+  </p:timing>
+</p:sld>
+</file>
+
+<file path=ppt/slides/slide64.xml><?xml version="1.0" encoding="utf-8"?>
 <p:sld xmlns:a="http://schemas.openxmlformats.org/drawingml/2006/main" xmlns:r="http://schemas.openxmlformats.org/officeDocument/2006/relationships" xmlns:p="http://schemas.openxmlformats.org/presentationml/2006/main" showMasterSp="0">
   <p:cSld>
     <p:bg>
@@ -36809,7 +37294,7 @@
           <a:p>
             <a:fld id="{2183B7EE-0FBE-B749-875F-ED24F5ECD71F}" type="slidenum">
               <a:rPr lang="en-US" smtClean="0"/>
-              <a:t>63</a:t>
+              <a:t>64</a:t>
             </a:fld>
             <a:endParaRPr lang="en-US" dirty="0"/>
           </a:p>
@@ -36870,7 +37355,7 @@
 </p:sld>
 </file>
 
-<file path=ppt/slides/slide64.xml><?xml version="1.0" encoding="utf-8"?>
+<file path=ppt/slides/slide65.xml><?xml version="1.0" encoding="utf-8"?>
 <p:sld xmlns:a="http://schemas.openxmlformats.org/drawingml/2006/main" xmlns:r="http://schemas.openxmlformats.org/officeDocument/2006/relationships" xmlns:p="http://schemas.openxmlformats.org/presentationml/2006/main" showMasterSp="0">
   <p:cSld>
     <p:bg>
@@ -36924,7 +37409,7 @@
           <a:p>
             <a:fld id="{2183B7EE-0FBE-B749-875F-ED24F5ECD71F}" type="slidenum">
               <a:rPr lang="en-US" smtClean="0"/>
-              <a:t>64</a:t>
+              <a:t>65</a:t>
             </a:fld>
             <a:endParaRPr lang="en-US" dirty="0"/>
           </a:p>
@@ -36976,136 +37461,6 @@
     <p:extLst>
       <p:ext uri="{BB962C8B-B14F-4D97-AF65-F5344CB8AC3E}">
         <p14:creationId xmlns:p14="http://schemas.microsoft.com/office/powerpoint/2010/main" val="3665003271"/>
-      </p:ext>
-    </p:extLst>
-  </p:cSld>
-  <p:clrMapOvr>
-    <a:masterClrMapping/>
-  </p:clrMapOvr>
-</p:sld>
-</file>
-
-<file path=ppt/slides/slide65.xml><?xml version="1.0" encoding="utf-8"?>
-<p:sld xmlns:a="http://schemas.openxmlformats.org/drawingml/2006/main" xmlns:r="http://schemas.openxmlformats.org/officeDocument/2006/relationships" xmlns:p="http://schemas.openxmlformats.org/presentationml/2006/main" showMasterSp="0">
-  <p:cSld>
-    <p:bg>
-      <p:bgPr>
-        <a:blipFill dpi="0" rotWithShape="1">
-          <a:blip r:embed="rId3">
-            <a:lum/>
-          </a:blip>
-          <a:srcRect/>
-          <a:stretch>
-            <a:fillRect t="-6000" b="-2000"/>
-          </a:stretch>
-        </a:blipFill>
-        <a:effectLst/>
-      </p:bgPr>
-    </p:bg>
-    <p:spTree>
-      <p:nvGrpSpPr>
-        <p:cNvPr id="1" name=""/>
-        <p:cNvGrpSpPr/>
-        <p:nvPr/>
-      </p:nvGrpSpPr>
-      <p:grpSpPr>
-        <a:xfrm>
-          <a:off x="0" y="0"/>
-          <a:ext cx="0" cy="0"/>
-          <a:chOff x="0" y="0"/>
-          <a:chExt cx="0" cy="0"/>
-        </a:xfrm>
-      </p:grpSpPr>
-      <p:sp>
-        <p:nvSpPr>
-          <p:cNvPr id="4" name="Slide Number Placeholder 3">
-            <a:extLst>
-              <a:ext uri="{FF2B5EF4-FFF2-40B4-BE49-F238E27FC236}">
-                <a16:creationId xmlns:a16="http://schemas.microsoft.com/office/drawing/2014/main" id="{2EA509C2-078C-DE4C-BE59-C32AF18E82D6}"/>
-              </a:ext>
-            </a:extLst>
-          </p:cNvPr>
-          <p:cNvSpPr>
-            <a:spLocks noGrp="1"/>
-          </p:cNvSpPr>
-          <p:nvPr>
-            <p:ph type="sldNum" sz="quarter" idx="12"/>
-          </p:nvPr>
-        </p:nvSpPr>
-        <p:spPr/>
-        <p:txBody>
-          <a:bodyPr/>
-          <a:lstStyle/>
-          <a:p>
-            <a:fld id="{2183B7EE-0FBE-B749-875F-ED24F5ECD71F}" type="slidenum">
-              <a:rPr lang="en-US" smtClean="0"/>
-              <a:t>65</a:t>
-            </a:fld>
-            <a:endParaRPr lang="en-US" dirty="0"/>
-          </a:p>
-        </p:txBody>
-      </p:sp>
-      <p:sp>
-        <p:nvSpPr>
-          <p:cNvPr id="10" name="TextBox 9">
-            <a:extLst>
-              <a:ext uri="{FF2B5EF4-FFF2-40B4-BE49-F238E27FC236}">
-                <a16:creationId xmlns:a16="http://schemas.microsoft.com/office/drawing/2014/main" id="{EAC5E299-92AF-8D46-9D78-C8B99B091374}"/>
-              </a:ext>
-            </a:extLst>
-          </p:cNvPr>
-          <p:cNvSpPr txBox="1"/>
-          <p:nvPr/>
-        </p:nvSpPr>
-        <p:spPr>
-          <a:xfrm>
-            <a:off x="5411451" y="1199211"/>
-            <a:ext cx="5561349" cy="646331"/>
-          </a:xfrm>
-          <a:prstGeom prst="rect">
-            <a:avLst/>
-          </a:prstGeom>
-          <a:solidFill>
-            <a:schemeClr val="bg1"/>
-          </a:solidFill>
-        </p:spPr>
-        <p:txBody>
-          <a:bodyPr wrap="square" rtlCol="0">
-            <a:spAutoFit/>
-          </a:bodyPr>
-          <a:lstStyle/>
-          <a:p>
-            <a:pPr algn="ctr"/>
-            <a:r>
-              <a:rPr lang="pt-BR" dirty="0">
-                <a:hlinkClick r:id="rId4"/>
-              </a:rPr>
-              <a:t>slideshare.net/agoncal/just-enough-app-server/</a:t>
-            </a:r>
-            <a:r>
-              <a:rPr lang="pt-BR" dirty="0"/>
-              <a:t> </a:t>
-            </a:r>
-          </a:p>
-          <a:p>
-            <a:pPr algn="ctr"/>
-            <a:r>
-              <a:rPr lang="pt-BR" dirty="0">
-                <a:hlinkClick r:id="rId5"/>
-              </a:rPr>
-              <a:t>https://youtu.be/iBJ8FlUA3ok</a:t>
-            </a:r>
-            <a:r>
-              <a:rPr lang="pt-BR" dirty="0"/>
-              <a:t> </a:t>
-            </a:r>
-          </a:p>
-        </p:txBody>
-      </p:sp>
-    </p:spTree>
-    <p:extLst>
-      <p:ext uri="{BB962C8B-B14F-4D97-AF65-F5344CB8AC3E}">
-        <p14:creationId xmlns:p14="http://schemas.microsoft.com/office/powerpoint/2010/main" val="646937235"/>
       </p:ext>
     </p:extLst>
   </p:cSld>
@@ -37177,6 +37532,136 @@
       </p:sp>
       <p:sp>
         <p:nvSpPr>
+          <p:cNvPr id="10" name="TextBox 9">
+            <a:extLst>
+              <a:ext uri="{FF2B5EF4-FFF2-40B4-BE49-F238E27FC236}">
+                <a16:creationId xmlns:a16="http://schemas.microsoft.com/office/drawing/2014/main" id="{EAC5E299-92AF-8D46-9D78-C8B99B091374}"/>
+              </a:ext>
+            </a:extLst>
+          </p:cNvPr>
+          <p:cNvSpPr txBox="1"/>
+          <p:nvPr/>
+        </p:nvSpPr>
+        <p:spPr>
+          <a:xfrm>
+            <a:off x="5411451" y="1199211"/>
+            <a:ext cx="5561349" cy="646331"/>
+          </a:xfrm>
+          <a:prstGeom prst="rect">
+            <a:avLst/>
+          </a:prstGeom>
+          <a:solidFill>
+            <a:schemeClr val="bg1"/>
+          </a:solidFill>
+        </p:spPr>
+        <p:txBody>
+          <a:bodyPr wrap="square" rtlCol="0">
+            <a:spAutoFit/>
+          </a:bodyPr>
+          <a:lstStyle/>
+          <a:p>
+            <a:pPr algn="ctr"/>
+            <a:r>
+              <a:rPr lang="pt-BR" dirty="0">
+                <a:hlinkClick r:id="rId4"/>
+              </a:rPr>
+              <a:t>slideshare.net/agoncal/just-enough-app-server/</a:t>
+            </a:r>
+            <a:r>
+              <a:rPr lang="pt-BR" dirty="0"/>
+              <a:t> </a:t>
+            </a:r>
+          </a:p>
+          <a:p>
+            <a:pPr algn="ctr"/>
+            <a:r>
+              <a:rPr lang="pt-BR" dirty="0">
+                <a:hlinkClick r:id="rId5"/>
+              </a:rPr>
+              <a:t>https://youtu.be/iBJ8FlUA3ok</a:t>
+            </a:r>
+            <a:r>
+              <a:rPr lang="pt-BR" dirty="0"/>
+              <a:t> </a:t>
+            </a:r>
+          </a:p>
+        </p:txBody>
+      </p:sp>
+    </p:spTree>
+    <p:extLst>
+      <p:ext uri="{BB962C8B-B14F-4D97-AF65-F5344CB8AC3E}">
+        <p14:creationId xmlns:p14="http://schemas.microsoft.com/office/powerpoint/2010/main" val="646937235"/>
+      </p:ext>
+    </p:extLst>
+  </p:cSld>
+  <p:clrMapOvr>
+    <a:masterClrMapping/>
+  </p:clrMapOvr>
+</p:sld>
+</file>
+
+<file path=ppt/slides/slide67.xml><?xml version="1.0" encoding="utf-8"?>
+<p:sld xmlns:a="http://schemas.openxmlformats.org/drawingml/2006/main" xmlns:r="http://schemas.openxmlformats.org/officeDocument/2006/relationships" xmlns:p="http://schemas.openxmlformats.org/presentationml/2006/main" showMasterSp="0">
+  <p:cSld>
+    <p:bg>
+      <p:bgPr>
+        <a:blipFill dpi="0" rotWithShape="1">
+          <a:blip r:embed="rId3">
+            <a:lum/>
+          </a:blip>
+          <a:srcRect/>
+          <a:stretch>
+            <a:fillRect t="-6000" b="-2000"/>
+          </a:stretch>
+        </a:blipFill>
+        <a:effectLst/>
+      </p:bgPr>
+    </p:bg>
+    <p:spTree>
+      <p:nvGrpSpPr>
+        <p:cNvPr id="1" name=""/>
+        <p:cNvGrpSpPr/>
+        <p:nvPr/>
+      </p:nvGrpSpPr>
+      <p:grpSpPr>
+        <a:xfrm>
+          <a:off x="0" y="0"/>
+          <a:ext cx="0" cy="0"/>
+          <a:chOff x="0" y="0"/>
+          <a:chExt cx="0" cy="0"/>
+        </a:xfrm>
+      </p:grpSpPr>
+      <p:sp>
+        <p:nvSpPr>
+          <p:cNvPr id="4" name="Slide Number Placeholder 3">
+            <a:extLst>
+              <a:ext uri="{FF2B5EF4-FFF2-40B4-BE49-F238E27FC236}">
+                <a16:creationId xmlns:a16="http://schemas.microsoft.com/office/drawing/2014/main" id="{2EA509C2-078C-DE4C-BE59-C32AF18E82D6}"/>
+              </a:ext>
+            </a:extLst>
+          </p:cNvPr>
+          <p:cNvSpPr>
+            <a:spLocks noGrp="1"/>
+          </p:cNvSpPr>
+          <p:nvPr>
+            <p:ph type="sldNum" sz="quarter" idx="12"/>
+          </p:nvPr>
+        </p:nvSpPr>
+        <p:spPr/>
+        <p:txBody>
+          <a:bodyPr/>
+          <a:lstStyle/>
+          <a:p>
+            <a:fld id="{2183B7EE-0FBE-B749-875F-ED24F5ECD71F}" type="slidenum">
+              <a:rPr lang="en-US" smtClean="0"/>
+              <a:t>67</a:t>
+            </a:fld>
+            <a:endParaRPr lang="en-US" dirty="0"/>
+          </a:p>
+        </p:txBody>
+      </p:sp>
+      <p:sp>
+        <p:nvSpPr>
           <p:cNvPr id="6" name="TextBox 5">
             <a:extLst>
               <a:ext uri="{FF2B5EF4-FFF2-40B4-BE49-F238E27FC236}">
@@ -37245,7 +37730,7 @@
 </p:sld>
 </file>
 
-<file path=ppt/slides/slide67.xml><?xml version="1.0" encoding="utf-8"?>
+<file path=ppt/slides/slide68.xml><?xml version="1.0" encoding="utf-8"?>
 <p:sld xmlns:a="http://schemas.openxmlformats.org/drawingml/2006/main" xmlns:r="http://schemas.openxmlformats.org/officeDocument/2006/relationships" xmlns:p="http://schemas.openxmlformats.org/presentationml/2006/main">
   <p:cSld>
     <p:spTree>
@@ -37378,7 +37863,7 @@
           <a:p>
             <a:fld id="{2183B7EE-0FBE-B749-875F-ED24F5ECD71F}" type="slidenum">
               <a:rPr lang="en-US" smtClean="0"/>
-              <a:t>67</a:t>
+              <a:t>68</a:t>
             </a:fld>
             <a:endParaRPr lang="en-US" dirty="0"/>
           </a:p>
@@ -37804,7 +38289,7 @@
 </p:sld>
 </file>
 
-<file path=ppt/slides/slide68.xml><?xml version="1.0" encoding="utf-8"?>
+<file path=ppt/slides/slide69.xml><?xml version="1.0" encoding="utf-8"?>
 <p:sld xmlns:a="http://schemas.openxmlformats.org/drawingml/2006/main" xmlns:r="http://schemas.openxmlformats.org/officeDocument/2006/relationships" xmlns:p="http://schemas.openxmlformats.org/presentationml/2006/main">
   <p:cSld>
     <p:spTree>
@@ -38016,7 +38501,7 @@
           <a:p>
             <a:fld id="{2183B7EE-0FBE-B749-875F-ED24F5ECD71F}" type="slidenum">
               <a:rPr lang="en-US" smtClean="0"/>
-              <a:t>68</a:t>
+              <a:t>69</a:t>
             </a:fld>
             <a:endParaRPr lang="en-US"/>
           </a:p>

--- a/introducao-sd.pptx
+++ b/introducao-sd.pptx
@@ -265,7 +265,7 @@
           <a:p>
             <a:fld id="{7497B6E1-7C5B-524D-B5EB-5E6695205380}" type="datetimeFigureOut">
               <a:rPr lang="pt-BR" smtClean="0"/>
-              <a:t>10/04/2019</a:t>
+              <a:t>08/06/2019</a:t>
             </a:fld>
             <a:endParaRPr lang="pt-BR"/>
           </a:p>
@@ -871,7 +871,7 @@
           <a:p>
             <a:fld id="{19E7D63B-43B5-8A4C-BD12-76889BE136BD}" type="datetime1">
               <a:rPr lang="en-US" smtClean="0"/>
-              <a:t>4/10/19</a:t>
+              <a:t>6/8/19</a:t>
             </a:fld>
             <a:endParaRPr lang="en-US"/>
           </a:p>
@@ -1138,7 +1138,7 @@
           <a:p>
             <a:fld id="{124E9894-F119-A64C-B7CB-D7CE860A73BE}" type="datetime1">
               <a:rPr lang="en-US" smtClean="0"/>
-              <a:t>4/10/19</a:t>
+              <a:t>6/8/19</a:t>
             </a:fld>
             <a:endParaRPr lang="en-US"/>
           </a:p>
@@ -1370,7 +1370,7 @@
           <a:p>
             <a:fld id="{124E9894-F119-A64C-B7CB-D7CE860A73BE}" type="datetime1">
               <a:rPr lang="en-US" smtClean="0"/>
-              <a:t>4/10/19</a:t>
+              <a:t>6/8/19</a:t>
             </a:fld>
             <a:endParaRPr lang="en-US"/>
           </a:p>
@@ -1681,7 +1681,7 @@
           <a:p>
             <a:fld id="{124E9894-F119-A64C-B7CB-D7CE860A73BE}" type="datetime1">
               <a:rPr lang="en-US" smtClean="0"/>
-              <a:t>4/10/19</a:t>
+              <a:t>6/8/19</a:t>
             </a:fld>
             <a:endParaRPr lang="en-US"/>
           </a:p>
@@ -2155,7 +2155,7 @@
           <a:p>
             <a:fld id="{B4BBB50B-BAA3-9748-978F-08A7877AB7D9}" type="datetime1">
               <a:rPr lang="en-US" smtClean="0"/>
-              <a:t>4/10/19</a:t>
+              <a:t>6/8/19</a:t>
             </a:fld>
             <a:endParaRPr lang="en-US"/>
           </a:p>
@@ -2702,7 +2702,7 @@
           <a:p>
             <a:fld id="{124E9894-F119-A64C-B7CB-D7CE860A73BE}" type="datetime1">
               <a:rPr lang="en-US" smtClean="0"/>
-              <a:t>4/10/19</a:t>
+              <a:t>6/8/19</a:t>
             </a:fld>
             <a:endParaRPr lang="en-US"/>
           </a:p>
@@ -3477,7 +3477,7 @@
           <a:p>
             <a:fld id="{124E9894-F119-A64C-B7CB-D7CE860A73BE}" type="datetime1">
               <a:rPr lang="en-US" smtClean="0"/>
-              <a:t>4/10/19</a:t>
+              <a:t>6/8/19</a:t>
             </a:fld>
             <a:endParaRPr lang="en-US"/>
           </a:p>
@@ -3653,7 +3653,7 @@
           <a:p>
             <a:fld id="{45040DEA-CE02-EF42-8F10-34F709D8505D}" type="datetime1">
               <a:rPr lang="en-US" smtClean="0"/>
-              <a:t>4/10/19</a:t>
+              <a:t>6/8/19</a:t>
             </a:fld>
             <a:endParaRPr lang="en-US"/>
           </a:p>
@@ -3876,7 +3876,7 @@
           <a:p>
             <a:fld id="{A0C1C801-5706-434E-AB65-DDFBCF1F55D2}" type="datetime1">
               <a:rPr lang="en-US" smtClean="0"/>
-              <a:t>4/10/19</a:t>
+              <a:t>6/8/19</a:t>
             </a:fld>
             <a:endParaRPr lang="en-US"/>
           </a:p>
@@ -4056,7 +4056,7 @@
           <a:p>
             <a:fld id="{39AE0FD8-7D7B-EA4F-8AF8-8B97820A0C5D}" type="datetime1">
               <a:rPr lang="en-US" smtClean="0"/>
-              <a:t>4/10/19</a:t>
+              <a:t>6/8/19</a:t>
             </a:fld>
             <a:endParaRPr lang="en-US"/>
           </a:p>
@@ -4345,7 +4345,7 @@
           <a:p>
             <a:fld id="{7FC94D43-3F68-DC43-8EF0-95FB3D51CCCF}" type="datetime1">
               <a:rPr lang="en-US" smtClean="0"/>
-              <a:t>4/10/19</a:t>
+              <a:t>6/8/19</a:t>
             </a:fld>
             <a:endParaRPr lang="en-US"/>
           </a:p>
@@ -4587,7 +4587,7 @@
           <a:p>
             <a:fld id="{BD42CFC2-1CE8-9045-8C9C-0F183F0FB455}" type="datetime1">
               <a:rPr lang="en-US" smtClean="0"/>
-              <a:t>4/10/19</a:t>
+              <a:t>6/8/19</a:t>
             </a:fld>
             <a:endParaRPr lang="en-US"/>
           </a:p>
@@ -4966,7 +4966,7 @@
           <a:p>
             <a:fld id="{F1B5C6E2-D044-C748-9C41-86C9B2F84EB9}" type="datetime1">
               <a:rPr lang="en-US" smtClean="0"/>
-              <a:t>4/10/19</a:t>
+              <a:t>6/8/19</a:t>
             </a:fld>
             <a:endParaRPr lang="en-US"/>
           </a:p>
@@ -5084,7 +5084,7 @@
           <a:p>
             <a:fld id="{359C32BA-C166-AC45-9FCD-8BF0F43629D9}" type="datetime1">
               <a:rPr lang="en-US" smtClean="0"/>
-              <a:t>4/10/19</a:t>
+              <a:t>6/8/19</a:t>
             </a:fld>
             <a:endParaRPr lang="en-US"/>
           </a:p>
@@ -5179,7 +5179,7 @@
           <a:p>
             <a:fld id="{E5D0D591-4B92-A44B-A0EA-798E76AD0368}" type="datetime1">
               <a:rPr lang="en-US" smtClean="0"/>
-              <a:t>4/10/19</a:t>
+              <a:t>6/8/19</a:t>
             </a:fld>
             <a:endParaRPr lang="en-US"/>
           </a:p>
@@ -5428,7 +5428,7 @@
           <a:p>
             <a:fld id="{8201F472-E17F-4B47-A44B-A2249FA27ED2}" type="datetime1">
               <a:rPr lang="en-US" smtClean="0"/>
-              <a:t>4/10/19</a:t>
+              <a:t>6/8/19</a:t>
             </a:fld>
             <a:endParaRPr lang="en-US"/>
           </a:p>
@@ -5685,7 +5685,7 @@
           <a:p>
             <a:fld id="{8BEFB9EE-CDF2-6F49-80F4-278D1604F10C}" type="datetime1">
               <a:rPr lang="en-US" smtClean="0"/>
-              <a:t>4/10/19</a:t>
+              <a:t>6/8/19</a:t>
             </a:fld>
             <a:endParaRPr lang="en-US"/>
           </a:p>
@@ -5928,7 +5928,7 @@
           <a:p>
             <a:fld id="{124E9894-F119-A64C-B7CB-D7CE860A73BE}" type="datetime1">
               <a:rPr lang="en-US" smtClean="0"/>
-              <a:t>4/10/19</a:t>
+              <a:t>6/8/19</a:t>
             </a:fld>
             <a:endParaRPr lang="en-US"/>
           </a:p>

--- a/introducao-sd.pptx
+++ b/introducao-sd.pptx
@@ -5,7 +5,7 @@
     <p:sldMasterId id="2147484349" r:id="rId1"/>
   </p:sldMasterIdLst>
   <p:notesMasterIdLst>
-    <p:notesMasterId r:id="rId72"/>
+    <p:notesMasterId r:id="rId76"/>
   </p:notesMasterIdLst>
   <p:sldIdLst>
     <p:sldId id="266" r:id="rId2"/>
@@ -63,21 +63,25 @@
     <p:sldId id="333" r:id="rId54"/>
     <p:sldId id="334" r:id="rId55"/>
     <p:sldId id="336" r:id="rId56"/>
-    <p:sldId id="338" r:id="rId57"/>
-    <p:sldId id="341" r:id="rId58"/>
-    <p:sldId id="342" r:id="rId59"/>
-    <p:sldId id="343" r:id="rId60"/>
-    <p:sldId id="340" r:id="rId61"/>
-    <p:sldId id="339" r:id="rId62"/>
-    <p:sldId id="337" r:id="rId63"/>
-    <p:sldId id="344" r:id="rId64"/>
-    <p:sldId id="346" r:id="rId65"/>
-    <p:sldId id="347" r:id="rId66"/>
-    <p:sldId id="348" r:id="rId67"/>
-    <p:sldId id="345" r:id="rId68"/>
-    <p:sldId id="350" r:id="rId69"/>
-    <p:sldId id="349" r:id="rId70"/>
-    <p:sldId id="292" r:id="rId71"/>
+    <p:sldId id="353" r:id="rId57"/>
+    <p:sldId id="338" r:id="rId58"/>
+    <p:sldId id="341" r:id="rId59"/>
+    <p:sldId id="342" r:id="rId60"/>
+    <p:sldId id="343" r:id="rId61"/>
+    <p:sldId id="340" r:id="rId62"/>
+    <p:sldId id="339" r:id="rId63"/>
+    <p:sldId id="337" r:id="rId64"/>
+    <p:sldId id="344" r:id="rId65"/>
+    <p:sldId id="346" r:id="rId66"/>
+    <p:sldId id="347" r:id="rId67"/>
+    <p:sldId id="348" r:id="rId68"/>
+    <p:sldId id="345" r:id="rId69"/>
+    <p:sldId id="350" r:id="rId70"/>
+    <p:sldId id="349" r:id="rId71"/>
+    <p:sldId id="354" r:id="rId72"/>
+    <p:sldId id="355" r:id="rId73"/>
+    <p:sldId id="356" r:id="rId74"/>
+    <p:sldId id="292" r:id="rId75"/>
   </p:sldIdLst>
   <p:sldSz cx="12192000" cy="6858000"/>
   <p:notesSz cx="6858000" cy="9144000"/>
@@ -266,7 +270,7 @@
           <a:p>
             <a:fld id="{7497B6E1-7C5B-524D-B5EB-5E6695205380}" type="datetimeFigureOut">
               <a:rPr lang="pt-BR" smtClean="0"/>
-              <a:t>20/08/2019</a:t>
+              <a:t>03/09/2019</a:t>
             </a:fld>
             <a:endParaRPr lang="pt-BR"/>
           </a:p>
@@ -599,7 +603,7 @@
           <a:p>
             <a:fld id="{D4D35E62-DFE2-2847-B12E-56757969A139}" type="slidenum">
               <a:rPr lang="pt-BR" smtClean="0"/>
-              <a:t>67</a:t>
+              <a:t>68</a:t>
             </a:fld>
             <a:endParaRPr lang="pt-BR"/>
           </a:p>
@@ -683,7 +687,7 @@
           <a:p>
             <a:fld id="{D4D35E62-DFE2-2847-B12E-56757969A139}" type="slidenum">
               <a:rPr lang="pt-BR" smtClean="0"/>
-              <a:t>68</a:t>
+              <a:t>69</a:t>
             </a:fld>
             <a:endParaRPr lang="pt-BR"/>
           </a:p>
@@ -872,7 +876,7 @@
           <a:p>
             <a:fld id="{19E7D63B-43B5-8A4C-BD12-76889BE136BD}" type="datetime1">
               <a:rPr lang="en-US" smtClean="0"/>
-              <a:t>8/20/19</a:t>
+              <a:t>9/3/19</a:t>
             </a:fld>
             <a:endParaRPr lang="en-US"/>
           </a:p>
@@ -1139,7 +1143,7 @@
           <a:p>
             <a:fld id="{124E9894-F119-A64C-B7CB-D7CE860A73BE}" type="datetime1">
               <a:rPr lang="en-US" smtClean="0"/>
-              <a:t>8/20/19</a:t>
+              <a:t>9/3/19</a:t>
             </a:fld>
             <a:endParaRPr lang="en-US"/>
           </a:p>
@@ -1371,7 +1375,7 @@
           <a:p>
             <a:fld id="{124E9894-F119-A64C-B7CB-D7CE860A73BE}" type="datetime1">
               <a:rPr lang="en-US" smtClean="0"/>
-              <a:t>8/20/19</a:t>
+              <a:t>9/3/19</a:t>
             </a:fld>
             <a:endParaRPr lang="en-US"/>
           </a:p>
@@ -1682,7 +1686,7 @@
           <a:p>
             <a:fld id="{124E9894-F119-A64C-B7CB-D7CE860A73BE}" type="datetime1">
               <a:rPr lang="en-US" smtClean="0"/>
-              <a:t>8/20/19</a:t>
+              <a:t>9/3/19</a:t>
             </a:fld>
             <a:endParaRPr lang="en-US"/>
           </a:p>
@@ -2156,7 +2160,7 @@
           <a:p>
             <a:fld id="{B4BBB50B-BAA3-9748-978F-08A7877AB7D9}" type="datetime1">
               <a:rPr lang="en-US" smtClean="0"/>
-              <a:t>8/20/19</a:t>
+              <a:t>9/3/19</a:t>
             </a:fld>
             <a:endParaRPr lang="en-US"/>
           </a:p>
@@ -2703,7 +2707,7 @@
           <a:p>
             <a:fld id="{124E9894-F119-A64C-B7CB-D7CE860A73BE}" type="datetime1">
               <a:rPr lang="en-US" smtClean="0"/>
-              <a:t>8/20/19</a:t>
+              <a:t>9/3/19</a:t>
             </a:fld>
             <a:endParaRPr lang="en-US"/>
           </a:p>
@@ -3478,7 +3482,7 @@
           <a:p>
             <a:fld id="{124E9894-F119-A64C-B7CB-D7CE860A73BE}" type="datetime1">
               <a:rPr lang="en-US" smtClean="0"/>
-              <a:t>8/20/19</a:t>
+              <a:t>9/3/19</a:t>
             </a:fld>
             <a:endParaRPr lang="en-US"/>
           </a:p>
@@ -3654,7 +3658,7 @@
           <a:p>
             <a:fld id="{45040DEA-CE02-EF42-8F10-34F709D8505D}" type="datetime1">
               <a:rPr lang="en-US" smtClean="0"/>
-              <a:t>8/20/19</a:t>
+              <a:t>9/3/19</a:t>
             </a:fld>
             <a:endParaRPr lang="en-US"/>
           </a:p>
@@ -3877,7 +3881,7 @@
           <a:p>
             <a:fld id="{A0C1C801-5706-434E-AB65-DDFBCF1F55D2}" type="datetime1">
               <a:rPr lang="en-US" smtClean="0"/>
-              <a:t>8/20/19</a:t>
+              <a:t>9/3/19</a:t>
             </a:fld>
             <a:endParaRPr lang="en-US"/>
           </a:p>
@@ -4057,7 +4061,7 @@
           <a:p>
             <a:fld id="{39AE0FD8-7D7B-EA4F-8AF8-8B97820A0C5D}" type="datetime1">
               <a:rPr lang="en-US" smtClean="0"/>
-              <a:t>8/20/19</a:t>
+              <a:t>9/3/19</a:t>
             </a:fld>
             <a:endParaRPr lang="en-US"/>
           </a:p>
@@ -4346,7 +4350,7 @@
           <a:p>
             <a:fld id="{7FC94D43-3F68-DC43-8EF0-95FB3D51CCCF}" type="datetime1">
               <a:rPr lang="en-US" smtClean="0"/>
-              <a:t>8/20/19</a:t>
+              <a:t>9/3/19</a:t>
             </a:fld>
             <a:endParaRPr lang="en-US"/>
           </a:p>
@@ -4588,7 +4592,7 @@
           <a:p>
             <a:fld id="{BD42CFC2-1CE8-9045-8C9C-0F183F0FB455}" type="datetime1">
               <a:rPr lang="en-US" smtClean="0"/>
-              <a:t>8/20/19</a:t>
+              <a:t>9/3/19</a:t>
             </a:fld>
             <a:endParaRPr lang="en-US"/>
           </a:p>
@@ -4967,7 +4971,7 @@
           <a:p>
             <a:fld id="{F1B5C6E2-D044-C748-9C41-86C9B2F84EB9}" type="datetime1">
               <a:rPr lang="en-US" smtClean="0"/>
-              <a:t>8/20/19</a:t>
+              <a:t>9/3/19</a:t>
             </a:fld>
             <a:endParaRPr lang="en-US"/>
           </a:p>
@@ -5085,7 +5089,7 @@
           <a:p>
             <a:fld id="{359C32BA-C166-AC45-9FCD-8BF0F43629D9}" type="datetime1">
               <a:rPr lang="en-US" smtClean="0"/>
-              <a:t>8/20/19</a:t>
+              <a:t>9/3/19</a:t>
             </a:fld>
             <a:endParaRPr lang="en-US"/>
           </a:p>
@@ -5180,7 +5184,7 @@
           <a:p>
             <a:fld id="{E5D0D591-4B92-A44B-A0EA-798E76AD0368}" type="datetime1">
               <a:rPr lang="en-US" smtClean="0"/>
-              <a:t>8/20/19</a:t>
+              <a:t>9/3/19</a:t>
             </a:fld>
             <a:endParaRPr lang="en-US"/>
           </a:p>
@@ -5429,7 +5433,7 @@
           <a:p>
             <a:fld id="{8201F472-E17F-4B47-A44B-A2249FA27ED2}" type="datetime1">
               <a:rPr lang="en-US" smtClean="0"/>
-              <a:t>8/20/19</a:t>
+              <a:t>9/3/19</a:t>
             </a:fld>
             <a:endParaRPr lang="en-US"/>
           </a:p>
@@ -5686,7 +5690,7 @@
           <a:p>
             <a:fld id="{8BEFB9EE-CDF2-6F49-80F4-278D1604F10C}" type="datetime1">
               <a:rPr lang="en-US" smtClean="0"/>
-              <a:t>8/20/19</a:t>
+              <a:t>9/3/19</a:t>
             </a:fld>
             <a:endParaRPr lang="en-US"/>
           </a:p>
@@ -5929,7 +5933,7 @@
           <a:p>
             <a:fld id="{124E9894-F119-A64C-B7CB-D7CE860A73BE}" type="datetime1">
               <a:rPr lang="en-US" smtClean="0"/>
-              <a:t>8/20/19</a:t>
+              <a:t>9/3/19</a:t>
             </a:fld>
             <a:endParaRPr lang="en-US"/>
           </a:p>
@@ -31969,13 +31973,13 @@
         </p:nvSpPr>
         <p:spPr>
           <a:xfrm>
-            <a:off x="596348" y="1444490"/>
-            <a:ext cx="10908264" cy="5032509"/>
+            <a:off x="596348" y="1721591"/>
+            <a:ext cx="10908264" cy="4083474"/>
           </a:xfrm>
         </p:spPr>
         <p:txBody>
           <a:bodyPr>
-            <a:normAutofit lnSpcReduction="10000"/>
+            <a:normAutofit/>
           </a:bodyPr>
           <a:lstStyle/>
           <a:p>
@@ -32008,34 +32012,6 @@
             <a:r>
               <a:rPr lang="pt" sz="3200" dirty="0"/>
               <a:t>Executar um algoritmo centralizado sobre um número tão grande de dados, sobrecarregaria recursos físicos como memória do servidor e rede</a:t>
-            </a:r>
-          </a:p>
-          <a:p>
-            <a:r>
-              <a:rPr lang="en-US" sz="3200" dirty="0" err="1"/>
-              <a:t>Sobrecarregaria</a:t>
-            </a:r>
-            <a:r>
-              <a:rPr lang="en-US" sz="3200" dirty="0"/>
-              <a:t> a </a:t>
-            </a:r>
-            <a:r>
-              <a:rPr lang="en-US" sz="3200" dirty="0" err="1"/>
-              <a:t>rede</a:t>
-            </a:r>
-            <a:r>
-              <a:rPr lang="en-US" sz="3200" dirty="0"/>
-              <a:t> </a:t>
-            </a:r>
-            <a:r>
-              <a:rPr lang="pt" sz="3200" dirty="0"/>
-              <a:t>quando os dados precisarem ser enviados para outros locais</a:t>
-            </a:r>
-          </a:p>
-          <a:p>
-            <a:r>
-              <a:rPr lang="pt" sz="3200" dirty="0"/>
-              <a:t>O processamento por um único servidor tornaria inviável o tempo para encontrar as sugestões de amizade</a:t>
             </a:r>
           </a:p>
         </p:txBody>
@@ -32304,153 +32280,6 @@
                                         <p:strVal val="hidden"/>
                                       </p:to>
                                     </p:set>
-                                  </p:childTnLst>
-                                </p:cTn>
-                              </p:par>
-                              <p:par>
-                                <p:cTn id="21" presetID="9" presetClass="entr" presetSubtype="0" fill="hold" grpId="0" nodeType="withEffect">
-                                  <p:stCondLst>
-                                    <p:cond delay="0"/>
-                                  </p:stCondLst>
-                                  <p:childTnLst>
-                                    <p:set>
-                                      <p:cBhvr>
-                                        <p:cTn id="22" dur="1" fill="hold">
-                                          <p:stCondLst>
-                                            <p:cond delay="0"/>
-                                          </p:stCondLst>
-                                        </p:cTn>
-                                        <p:tgtEl>
-                                          <p:spTgt spid="3">
-                                            <p:txEl>
-                                              <p:pRg st="2" end="2"/>
-                                            </p:txEl>
-                                          </p:spTgt>
-                                        </p:tgtEl>
-                                        <p:attrNameLst>
-                                          <p:attrName>style.visibility</p:attrName>
-                                        </p:attrNameLst>
-                                      </p:cBhvr>
-                                      <p:to>
-                                        <p:strVal val="visible"/>
-                                      </p:to>
-                                    </p:set>
-                                    <p:animEffect transition="in" filter="dissolve">
-                                      <p:cBhvr>
-                                        <p:cTn id="23" dur="500"/>
-                                        <p:tgtEl>
-                                          <p:spTgt spid="3">
-                                            <p:txEl>
-                                              <p:pRg st="2" end="2"/>
-                                            </p:txEl>
-                                          </p:spTgt>
-                                        </p:tgtEl>
-                                      </p:cBhvr>
-                                    </p:animEffect>
-                                  </p:childTnLst>
-                                </p:cTn>
-                              </p:par>
-                            </p:childTnLst>
-                          </p:cTn>
-                        </p:par>
-                      </p:childTnLst>
-                    </p:cTn>
-                  </p:par>
-                  <p:par>
-                    <p:cTn id="24" fill="hold">
-                      <p:stCondLst>
-                        <p:cond delay="indefinite"/>
-                      </p:stCondLst>
-                      <p:childTnLst>
-                        <p:par>
-                          <p:cTn id="25" fill="hold">
-                            <p:stCondLst>
-                              <p:cond delay="0"/>
-                            </p:stCondLst>
-                            <p:childTnLst>
-                              <p:par>
-                                <p:cTn id="26" presetID="9" presetClass="exit" presetSubtype="0" fill="hold" grpId="1" nodeType="clickEffect">
-                                  <p:stCondLst>
-                                    <p:cond delay="0"/>
-                                  </p:stCondLst>
-                                  <p:childTnLst>
-                                    <p:animEffect transition="out" filter="dissolve">
-                                      <p:cBhvr>
-                                        <p:cTn id="27" dur="500"/>
-                                        <p:tgtEl>
-                                          <p:spTgt spid="3">
-                                            <p:txEl>
-                                              <p:pRg st="2" end="2"/>
-                                            </p:txEl>
-                                          </p:spTgt>
-                                        </p:tgtEl>
-                                      </p:cBhvr>
-                                    </p:animEffect>
-                                    <p:set>
-                                      <p:cBhvr>
-                                        <p:cTn id="28" dur="1" fill="hold">
-                                          <p:stCondLst>
-                                            <p:cond delay="499"/>
-                                          </p:stCondLst>
-                                        </p:cTn>
-                                        <p:tgtEl>
-                                          <p:spTgt spid="3">
-                                            <p:txEl>
-                                              <p:pRg st="2" end="2"/>
-                                            </p:txEl>
-                                          </p:spTgt>
-                                        </p:tgtEl>
-                                        <p:attrNameLst>
-                                          <p:attrName>style.visibility</p:attrName>
-                                        </p:attrNameLst>
-                                      </p:cBhvr>
-                                      <p:to>
-                                        <p:strVal val="hidden"/>
-                                      </p:to>
-                                    </p:set>
-                                  </p:childTnLst>
-                                </p:cTn>
-                              </p:par>
-                              <p:par>
-                                <p:cTn id="29" presetID="9" presetClass="entr" presetSubtype="0" fill="hold" grpId="0" nodeType="withEffect">
-                                  <p:stCondLst>
-                                    <p:cond delay="0"/>
-                                  </p:stCondLst>
-                                  <p:childTnLst>
-                                    <p:set>
-                                      <p:cBhvr>
-                                        <p:cTn id="30" dur="1" fill="hold">
-                                          <p:stCondLst>
-                                            <p:cond delay="0"/>
-                                          </p:stCondLst>
-                                        </p:cTn>
-                                        <p:tgtEl>
-                                          <p:spTgt spid="3">
-                                            <p:txEl>
-                                              <p:pRg st="3" end="3"/>
-                                            </p:txEl>
-                                          </p:spTgt>
-                                        </p:tgtEl>
-                                        <p:attrNameLst>
-                                          <p:attrName>style.visibility</p:attrName>
-                                        </p:attrNameLst>
-                                      </p:cBhvr>
-                                      <p:to>
-                                        <p:strVal val="visible"/>
-                                      </p:to>
-                                    </p:set>
-                                    <p:animEffect transition="in" filter="dissolve">
-                                      <p:cBhvr>
-                                        <p:cTn id="31" dur="500"/>
-                                        <p:tgtEl>
-                                          <p:spTgt spid="3">
-                                            <p:txEl>
-                                              <p:pRg st="3" end="3"/>
-                                            </p:txEl>
-                                          </p:spTgt>
-                                        </p:tgtEl>
-                                      </p:cBhvr>
-                                    </p:animEffect>
                                   </p:childTnLst>
                                 </p:cTn>
                               </p:par>
@@ -32568,8 +32397,8 @@
         </p:nvSpPr>
         <p:spPr>
           <a:xfrm>
-            <a:off x="596348" y="1444490"/>
-            <a:ext cx="10908264" cy="5032509"/>
+            <a:off x="596348" y="1721591"/>
+            <a:ext cx="10908264" cy="4388274"/>
           </a:xfrm>
         </p:spPr>
         <p:txBody>
@@ -32579,52 +32408,23 @@
           <a:lstStyle/>
           <a:p>
             <a:r>
-              <a:rPr lang="pt" sz="3600" dirty="0"/>
-              <a:t>A solução são </a:t>
-            </a:r>
-            <a:r>
-              <a:rPr lang="pt" sz="3600" b="1" dirty="0"/>
-              <a:t>algoritmos</a:t>
-            </a:r>
-            <a:r>
-              <a:rPr lang="pt" sz="3600" dirty="0"/>
-              <a:t> decentralizados (distribuídos)</a:t>
-            </a:r>
-          </a:p>
-          <a:p>
-            <a:r>
-              <a:rPr lang="en-US" sz="3600" dirty="0" err="1"/>
-              <a:t>Usam</a:t>
-            </a:r>
-            <a:r>
-              <a:rPr lang="en-US" sz="3600" dirty="0"/>
-              <a:t> a </a:t>
-            </a:r>
-            <a:r>
-              <a:rPr lang="en-US" sz="3600" dirty="0" err="1"/>
-              <a:t>técnica</a:t>
-            </a:r>
-            <a:r>
-              <a:rPr lang="en-US" sz="3600" dirty="0"/>
-              <a:t> “</a:t>
-            </a:r>
-            <a:r>
-              <a:rPr lang="en-US" sz="3600" i="1" dirty="0"/>
-              <a:t>Divide and Conquer” </a:t>
-            </a:r>
-            <a:r>
-              <a:rPr lang="en-US" sz="3600" i="1" dirty="0" err="1"/>
-              <a:t>já</a:t>
-            </a:r>
-            <a:r>
-              <a:rPr lang="en-US" sz="3600" i="1" dirty="0"/>
-              <a:t> </a:t>
-            </a:r>
-            <a:r>
-              <a:rPr lang="en-US" sz="3600" i="1" dirty="0" err="1"/>
-              <a:t>discutida</a:t>
-            </a:r>
-            <a:endParaRPr lang="pt" sz="3600" i="1" dirty="0"/>
+              <a:rPr lang="en-US" sz="3200" dirty="0" err="1"/>
+              <a:t>Sobrecarregaria</a:t>
+            </a:r>
+            <a:r>
+              <a:rPr lang="en-US" sz="3200" dirty="0"/>
+              <a:t> a rede </a:t>
+            </a:r>
+            <a:r>
+              <a:rPr lang="pt" sz="3200" dirty="0"/>
+              <a:t>quando os dados precisarem ser enviados para outros locais</a:t>
+            </a:r>
+          </a:p>
+          <a:p>
+            <a:r>
+              <a:rPr lang="pt" sz="3200" dirty="0"/>
+              <a:t>O processamento por um único servidor tornaria inviável o tempo para encontrar as sugestões de amizade</a:t>
+            </a:r>
           </a:p>
         </p:txBody>
       </p:sp>
@@ -32660,7 +32460,7 @@
     </p:spTree>
     <p:extLst>
       <p:ext uri="{BB962C8B-B14F-4D97-AF65-F5344CB8AC3E}">
-        <p14:creationId xmlns:p14="http://schemas.microsoft.com/office/powerpoint/2010/main" val="3038269042"/>
+        <p14:creationId xmlns:p14="http://schemas.microsoft.com/office/powerpoint/2010/main" val="3021321511"/>
       </p:ext>
     </p:extLst>
   </p:cSld>
@@ -32730,33 +32530,58 @@
                                   </p:childTnLst>
                                 </p:cTn>
                               </p:par>
-                            </p:childTnLst>
-                          </p:cTn>
-                        </p:par>
-                      </p:childTnLst>
-                    </p:cTn>
-                  </p:par>
-                  <p:par>
-                    <p:cTn id="8" fill="hold">
-                      <p:stCondLst>
-                        <p:cond delay="indefinite"/>
-                      </p:stCondLst>
-                      <p:childTnLst>
-                        <p:par>
-                          <p:cTn id="9" fill="hold">
-                            <p:stCondLst>
-                              <p:cond delay="0"/>
-                            </p:stCondLst>
-                            <p:childTnLst>
                               <p:par>
-                                <p:cTn id="10" presetID="9" presetClass="entr" presetSubtype="0" fill="hold" grpId="0" nodeType="clickEffect">
+                                <p:cTn id="8" presetID="9" presetClass="exit" presetSubtype="0" fill="hold" grpId="1" nodeType="withEffect">
+                                  <p:stCondLst>
+                                    <p:cond delay="0"/>
+                                  </p:stCondLst>
+                                  <p:childTnLst>
+                                    <p:animEffect transition="out" filter="dissolve">
+                                      <p:cBhvr>
+                                        <p:cTn id="9" dur="500"/>
+                                        <p:tgtEl>
+                                          <p:spTgt spid="3">
+                                            <p:txEl>
+                                              <p:pRg st="0" end="0"/>
+                                            </p:txEl>
+                                          </p:spTgt>
+                                        </p:tgtEl>
+                                      </p:cBhvr>
+                                    </p:animEffect>
+                                    <p:set>
+                                      <p:cBhvr>
+                                        <p:cTn id="10" dur="1" fill="hold">
+                                          <p:stCondLst>
+                                            <p:cond delay="499"/>
+                                          </p:stCondLst>
+                                        </p:cTn>
+                                        <p:tgtEl>
+                                          <p:spTgt spid="3">
+                                            <p:txEl>
+                                              <p:pRg st="0" end="0"/>
+                                            </p:txEl>
+                                          </p:spTgt>
+                                        </p:tgtEl>
+                                        <p:attrNameLst>
+                                          <p:attrName>style.visibility</p:attrName>
+                                        </p:attrNameLst>
+                                      </p:cBhvr>
+                                      <p:to>
+                                        <p:strVal val="hidden"/>
+                                      </p:to>
+                                    </p:set>
+                                  </p:childTnLst>
+                                </p:cTn>
+                              </p:par>
+                              <p:par>
+                                <p:cTn id="11" presetID="9" presetClass="entr" presetSubtype="0" fill="hold" grpId="0" nodeType="withEffect">
                                   <p:stCondLst>
                                     <p:cond delay="0"/>
                                   </p:stCondLst>
                                   <p:childTnLst>
                                     <p:set>
                                       <p:cBhvr>
-                                        <p:cTn id="11" dur="1" fill="hold">
+                                        <p:cTn id="12" dur="1" fill="hold">
                                           <p:stCondLst>
                                             <p:cond delay="0"/>
                                           </p:stCondLst>
@@ -32778,7 +32603,7 @@
                                     </p:set>
                                     <p:animEffect transition="in" filter="dissolve">
                                       <p:cBhvr>
-                                        <p:cTn id="12" dur="500"/>
+                                        <p:cTn id="13" dur="500"/>
                                         <p:tgtEl>
                                           <p:spTgt spid="3">
                                             <p:txEl>
@@ -32788,49 +32613,6 @@
                                         </p:tgtEl>
                                       </p:cBhvr>
                                     </p:animEffect>
-                                  </p:childTnLst>
-                                </p:cTn>
-                              </p:par>
-                              <p:par>
-                                <p:cTn id="13" presetID="9" presetClass="exit" presetSubtype="0" fill="hold" grpId="1" nodeType="withEffect">
-                                  <p:stCondLst>
-                                    <p:cond delay="0"/>
-                                  </p:stCondLst>
-                                  <p:childTnLst>
-                                    <p:animEffect transition="out" filter="dissolve">
-                                      <p:cBhvr>
-                                        <p:cTn id="14" dur="500"/>
-                                        <p:tgtEl>
-                                          <p:spTgt spid="3">
-                                            <p:txEl>
-                                              <p:pRg st="0" end="0"/>
-                                            </p:txEl>
-                                          </p:spTgt>
-                                        </p:tgtEl>
-                                      </p:cBhvr>
-                                    </p:animEffect>
-                                    <p:set>
-                                      <p:cBhvr>
-                                        <p:cTn id="15" dur="1" fill="hold">
-                                          <p:stCondLst>
-                                            <p:cond delay="499"/>
-                                          </p:stCondLst>
-                                        </p:cTn>
-                                        <p:tgtEl>
-                                          <p:spTgt spid="3">
-                                            <p:txEl>
-                                              <p:pRg st="0" end="0"/>
-                                            </p:txEl>
-                                          </p:spTgt>
-                                        </p:tgtEl>
-                                        <p:attrNameLst>
-                                          <p:attrName>style.visibility</p:attrName>
-                                        </p:attrNameLst>
-                                      </p:cBhvr>
-                                      <p:to>
-                                        <p:strVal val="hidden"/>
-                                      </p:to>
-                                    </p:set>
                                   </p:childTnLst>
                                 </p:cTn>
                               </p:par>
@@ -32960,44 +32742,51 @@
           <a:p>
             <a:r>
               <a:rPr lang="pt" sz="3600" dirty="0"/>
-              <a:t>Os dados são divididos em subconjuntos</a:t>
-            </a:r>
-          </a:p>
-          <a:p>
+              <a:t>A solução são </a:t>
+            </a:r>
+            <a:r>
+              <a:rPr lang="pt" sz="3600" b="1" dirty="0"/>
+              <a:t>algoritmos</a:t>
+            </a:r>
             <a:r>
               <a:rPr lang="pt" sz="3600" dirty="0"/>
-              <a:t>Cada servidor recebe e processa um subconjunto de forma isolada e independente</a:t>
+              <a:t> decentralizados (distribuídos)</a:t>
+            </a:r>
+          </a:p>
+          <a:p>
+            <a:r>
+              <a:rPr lang="en-US" sz="3600" dirty="0" err="1"/>
+              <a:t>Usam</a:t>
+            </a:r>
+            <a:r>
+              <a:rPr lang="en-US" sz="3600" dirty="0"/>
+              <a:t> a </a:t>
+            </a:r>
+            <a:r>
+              <a:rPr lang="en-US" sz="3600" dirty="0" err="1"/>
+              <a:t>técnica</a:t>
+            </a:r>
+            <a:r>
+              <a:rPr lang="en-US" sz="3600" dirty="0"/>
+              <a:t> “</a:t>
+            </a:r>
+            <a:r>
+              <a:rPr lang="en-US" sz="3600" i="1" dirty="0"/>
+              <a:t>Divide and Conquer” </a:t>
+            </a:r>
+            <a:r>
+              <a:rPr lang="en-US" sz="3600" i="1" dirty="0" err="1"/>
+              <a:t>já</a:t>
+            </a:r>
+            <a:r>
+              <a:rPr lang="en-US" sz="3600" i="1" dirty="0"/>
+              <a:t> </a:t>
+            </a:r>
+            <a:r>
+              <a:rPr lang="en-US" sz="3600" i="1" dirty="0" err="1"/>
+              <a:t>discutida</a:t>
             </a:r>
             <a:endParaRPr lang="pt" sz="3600" i="1" dirty="0"/>
-          </a:p>
-          <a:p>
-            <a:r>
-              <a:rPr lang="pt" sz="3600" dirty="0"/>
-              <a:t>Resultados de cada servidor podem ser combinados e processados novamente</a:t>
-            </a:r>
-          </a:p>
-          <a:p>
-            <a:r>
-              <a:rPr lang="en-US" sz="3600" dirty="0" err="1"/>
-              <a:t>Resultado</a:t>
-            </a:r>
-            <a:r>
-              <a:rPr lang="en-US" sz="3600" dirty="0"/>
-              <a:t> final </a:t>
-            </a:r>
-            <a:r>
-              <a:rPr lang="en-US" sz="3600" dirty="0" err="1"/>
-              <a:t>é</a:t>
-            </a:r>
-            <a:r>
-              <a:rPr lang="en-US" sz="3600" dirty="0"/>
-              <a:t> </a:t>
-            </a:r>
-            <a:r>
-              <a:rPr lang="en-US" sz="3600" dirty="0" err="1"/>
-              <a:t>gerado</a:t>
-            </a:r>
-            <a:endParaRPr lang="pt" sz="3600" dirty="0"/>
           </a:p>
         </p:txBody>
       </p:sp>
@@ -33033,7 +32822,7 @@
     </p:spTree>
     <p:extLst>
       <p:ext uri="{BB962C8B-B14F-4D97-AF65-F5344CB8AC3E}">
-        <p14:creationId xmlns:p14="http://schemas.microsoft.com/office/powerpoint/2010/main" val="353382019"/>
+        <p14:creationId xmlns:p14="http://schemas.microsoft.com/office/powerpoint/2010/main" val="3038269042"/>
       </p:ext>
     </p:extLst>
   </p:cSld>
@@ -33204,214 +32993,6 @@
                                         <p:strVal val="hidden"/>
                                       </p:to>
                                     </p:set>
-                                  </p:childTnLst>
-                                </p:cTn>
-                              </p:par>
-                            </p:childTnLst>
-                          </p:cTn>
-                        </p:par>
-                      </p:childTnLst>
-                    </p:cTn>
-                  </p:par>
-                  <p:par>
-                    <p:cTn id="16" fill="hold">
-                      <p:stCondLst>
-                        <p:cond delay="indefinite"/>
-                      </p:stCondLst>
-                      <p:childTnLst>
-                        <p:par>
-                          <p:cTn id="17" fill="hold">
-                            <p:stCondLst>
-                              <p:cond delay="0"/>
-                            </p:stCondLst>
-                            <p:childTnLst>
-                              <p:par>
-                                <p:cTn id="18" presetID="9" presetClass="exit" presetSubtype="0" fill="hold" grpId="1" nodeType="clickEffect">
-                                  <p:stCondLst>
-                                    <p:cond delay="0"/>
-                                  </p:stCondLst>
-                                  <p:childTnLst>
-                                    <p:animEffect transition="out" filter="dissolve">
-                                      <p:cBhvr>
-                                        <p:cTn id="19" dur="500"/>
-                                        <p:tgtEl>
-                                          <p:spTgt spid="3">
-                                            <p:txEl>
-                                              <p:pRg st="1" end="1"/>
-                                            </p:txEl>
-                                          </p:spTgt>
-                                        </p:tgtEl>
-                                      </p:cBhvr>
-                                    </p:animEffect>
-                                    <p:set>
-                                      <p:cBhvr>
-                                        <p:cTn id="20" dur="1" fill="hold">
-                                          <p:stCondLst>
-                                            <p:cond delay="499"/>
-                                          </p:stCondLst>
-                                        </p:cTn>
-                                        <p:tgtEl>
-                                          <p:spTgt spid="3">
-                                            <p:txEl>
-                                              <p:pRg st="1" end="1"/>
-                                            </p:txEl>
-                                          </p:spTgt>
-                                        </p:tgtEl>
-                                        <p:attrNameLst>
-                                          <p:attrName>style.visibility</p:attrName>
-                                        </p:attrNameLst>
-                                      </p:cBhvr>
-                                      <p:to>
-                                        <p:strVal val="hidden"/>
-                                      </p:to>
-                                    </p:set>
-                                  </p:childTnLst>
-                                </p:cTn>
-                              </p:par>
-                              <p:par>
-                                <p:cTn id="21" presetID="9" presetClass="entr" presetSubtype="0" fill="hold" grpId="0" nodeType="withEffect">
-                                  <p:stCondLst>
-                                    <p:cond delay="0"/>
-                                  </p:stCondLst>
-                                  <p:childTnLst>
-                                    <p:set>
-                                      <p:cBhvr>
-                                        <p:cTn id="22" dur="1" fill="hold">
-                                          <p:stCondLst>
-                                            <p:cond delay="0"/>
-                                          </p:stCondLst>
-                                        </p:cTn>
-                                        <p:tgtEl>
-                                          <p:spTgt spid="3">
-                                            <p:txEl>
-                                              <p:pRg st="2" end="2"/>
-                                            </p:txEl>
-                                          </p:spTgt>
-                                        </p:tgtEl>
-                                        <p:attrNameLst>
-                                          <p:attrName>style.visibility</p:attrName>
-                                        </p:attrNameLst>
-                                      </p:cBhvr>
-                                      <p:to>
-                                        <p:strVal val="visible"/>
-                                      </p:to>
-                                    </p:set>
-                                    <p:animEffect transition="in" filter="dissolve">
-                                      <p:cBhvr>
-                                        <p:cTn id="23" dur="500"/>
-                                        <p:tgtEl>
-                                          <p:spTgt spid="3">
-                                            <p:txEl>
-                                              <p:pRg st="2" end="2"/>
-                                            </p:txEl>
-                                          </p:spTgt>
-                                        </p:tgtEl>
-                                      </p:cBhvr>
-                                    </p:animEffect>
-                                  </p:childTnLst>
-                                </p:cTn>
-                              </p:par>
-                            </p:childTnLst>
-                          </p:cTn>
-                        </p:par>
-                      </p:childTnLst>
-                    </p:cTn>
-                  </p:par>
-                  <p:par>
-                    <p:cTn id="24" fill="hold">
-                      <p:stCondLst>
-                        <p:cond delay="indefinite"/>
-                      </p:stCondLst>
-                      <p:childTnLst>
-                        <p:par>
-                          <p:cTn id="25" fill="hold">
-                            <p:stCondLst>
-                              <p:cond delay="0"/>
-                            </p:stCondLst>
-                            <p:childTnLst>
-                              <p:par>
-                                <p:cTn id="26" presetID="9" presetClass="exit" presetSubtype="0" fill="hold" grpId="1" nodeType="clickEffect">
-                                  <p:stCondLst>
-                                    <p:cond delay="0"/>
-                                  </p:stCondLst>
-                                  <p:childTnLst>
-                                    <p:animEffect transition="out" filter="dissolve">
-                                      <p:cBhvr>
-                                        <p:cTn id="27" dur="500"/>
-                                        <p:tgtEl>
-                                          <p:spTgt spid="3">
-                                            <p:txEl>
-                                              <p:pRg st="2" end="2"/>
-                                            </p:txEl>
-                                          </p:spTgt>
-                                        </p:tgtEl>
-                                      </p:cBhvr>
-                                    </p:animEffect>
-                                    <p:set>
-                                      <p:cBhvr>
-                                        <p:cTn id="28" dur="1" fill="hold">
-                                          <p:stCondLst>
-                                            <p:cond delay="499"/>
-                                          </p:stCondLst>
-                                        </p:cTn>
-                                        <p:tgtEl>
-                                          <p:spTgt spid="3">
-                                            <p:txEl>
-                                              <p:pRg st="2" end="2"/>
-                                            </p:txEl>
-                                          </p:spTgt>
-                                        </p:tgtEl>
-                                        <p:attrNameLst>
-                                          <p:attrName>style.visibility</p:attrName>
-                                        </p:attrNameLst>
-                                      </p:cBhvr>
-                                      <p:to>
-                                        <p:strVal val="hidden"/>
-                                      </p:to>
-                                    </p:set>
-                                  </p:childTnLst>
-                                </p:cTn>
-                              </p:par>
-                              <p:par>
-                                <p:cTn id="29" presetID="9" presetClass="entr" presetSubtype="0" fill="hold" grpId="0" nodeType="withEffect">
-                                  <p:stCondLst>
-                                    <p:cond delay="0"/>
-                                  </p:stCondLst>
-                                  <p:childTnLst>
-                                    <p:set>
-                                      <p:cBhvr>
-                                        <p:cTn id="30" dur="1" fill="hold">
-                                          <p:stCondLst>
-                                            <p:cond delay="0"/>
-                                          </p:stCondLst>
-                                        </p:cTn>
-                                        <p:tgtEl>
-                                          <p:spTgt spid="3">
-                                            <p:txEl>
-                                              <p:pRg st="3" end="3"/>
-                                            </p:txEl>
-                                          </p:spTgt>
-                                        </p:tgtEl>
-                                        <p:attrNameLst>
-                                          <p:attrName>style.visibility</p:attrName>
-                                        </p:attrNameLst>
-                                      </p:cBhvr>
-                                      <p:to>
-                                        <p:strVal val="visible"/>
-                                      </p:to>
-                                    </p:set>
-                                    <p:animEffect transition="in" filter="dissolve">
-                                      <p:cBhvr>
-                                        <p:cTn id="31" dur="500"/>
-                                        <p:tgtEl>
-                                          <p:spTgt spid="3">
-                                            <p:txEl>
-                                              <p:pRg st="3" end="3"/>
-                                            </p:txEl>
-                                          </p:spTgt>
-                                        </p:tgtEl>
-                                      </p:cBhvr>
-                                    </p:animEffect>
                                   </p:childTnLst>
                                 </p:cTn>
                               </p:par>
@@ -33529,8 +33110,8 @@
         </p:nvSpPr>
         <p:spPr>
           <a:xfrm>
-            <a:off x="596348" y="1444491"/>
-            <a:ext cx="10908264" cy="1103837"/>
+            <a:off x="596348" y="1444490"/>
+            <a:ext cx="10908264" cy="5032509"/>
           </a:xfrm>
         </p:spPr>
         <p:txBody>
@@ -33540,17 +33121,45 @@
           <a:lstStyle/>
           <a:p>
             <a:r>
-              <a:rPr lang="pt" sz="3200" dirty="0"/>
-              <a:t>Um modelo de programação bastante utilizado atualmente é o </a:t>
-            </a:r>
-            <a:r>
-              <a:rPr lang="pt" sz="3200" i="1" dirty="0" err="1"/>
-              <a:t>MapReduce</a:t>
-            </a:r>
-            <a:r>
-              <a:rPr lang="pt" sz="3200" dirty="0"/>
-              <a:t> (Mapear/Reduzir)</a:t>
-            </a:r>
+              <a:rPr lang="pt" sz="3600" dirty="0"/>
+              <a:t>Os dados são divididos em subconjuntos</a:t>
+            </a:r>
+          </a:p>
+          <a:p>
+            <a:r>
+              <a:rPr lang="pt" sz="3600" dirty="0"/>
+              <a:t>Cada servidor recebe e processa um subconjunto de forma isolada e independente</a:t>
+            </a:r>
+            <a:endParaRPr lang="pt" sz="3600" i="1" dirty="0"/>
+          </a:p>
+          <a:p>
+            <a:r>
+              <a:rPr lang="pt" sz="3600" dirty="0"/>
+              <a:t>Resultados de cada servidor podem ser combinados e processados novamente</a:t>
+            </a:r>
+          </a:p>
+          <a:p>
+            <a:r>
+              <a:rPr lang="en-US" sz="3600" dirty="0" err="1"/>
+              <a:t>Resultado</a:t>
+            </a:r>
+            <a:r>
+              <a:rPr lang="en-US" sz="3600" dirty="0"/>
+              <a:t> final </a:t>
+            </a:r>
+            <a:r>
+              <a:rPr lang="en-US" sz="3600" dirty="0" err="1"/>
+              <a:t>é</a:t>
+            </a:r>
+            <a:r>
+              <a:rPr lang="en-US" sz="3600" dirty="0"/>
+              <a:t> </a:t>
+            </a:r>
+            <a:r>
+              <a:rPr lang="en-US" sz="3600" dirty="0" err="1"/>
+              <a:t>gerado</a:t>
+            </a:r>
+            <a:endParaRPr lang="pt" sz="3600" dirty="0"/>
           </a:p>
         </p:txBody>
       </p:sp>
@@ -33578,6 +33187,559 @@
             <a:fld id="{2183B7EE-0FBE-B749-875F-ED24F5ECD71F}" type="slidenum">
               <a:rPr lang="en-US" smtClean="0"/>
               <a:t>58</a:t>
+            </a:fld>
+            <a:endParaRPr lang="en-US" dirty="0"/>
+          </a:p>
+        </p:txBody>
+      </p:sp>
+    </p:spTree>
+    <p:extLst>
+      <p:ext uri="{BB962C8B-B14F-4D97-AF65-F5344CB8AC3E}">
+        <p14:creationId xmlns:p14="http://schemas.microsoft.com/office/powerpoint/2010/main" val="353382019"/>
+      </p:ext>
+    </p:extLst>
+  </p:cSld>
+  <p:clrMapOvr>
+    <a:masterClrMapping/>
+  </p:clrMapOvr>
+  <p:timing>
+    <p:tnLst>
+      <p:par>
+        <p:cTn id="1" dur="indefinite" restart="never" nodeType="tmRoot">
+          <p:childTnLst>
+            <p:seq concurrent="1" nextAc="seek">
+              <p:cTn id="2" dur="indefinite" nodeType="mainSeq">
+                <p:childTnLst>
+                  <p:par>
+                    <p:cTn id="3" fill="hold">
+                      <p:stCondLst>
+                        <p:cond delay="indefinite"/>
+                      </p:stCondLst>
+                      <p:childTnLst>
+                        <p:par>
+                          <p:cTn id="4" fill="hold">
+                            <p:stCondLst>
+                              <p:cond delay="0"/>
+                            </p:stCondLst>
+                            <p:childTnLst>
+                              <p:par>
+                                <p:cTn id="5" presetID="9" presetClass="entr" presetSubtype="0" fill="hold" grpId="0" nodeType="clickEffect">
+                                  <p:stCondLst>
+                                    <p:cond delay="0"/>
+                                  </p:stCondLst>
+                                  <p:childTnLst>
+                                    <p:set>
+                                      <p:cBhvr>
+                                        <p:cTn id="6" dur="1" fill="hold">
+                                          <p:stCondLst>
+                                            <p:cond delay="0"/>
+                                          </p:stCondLst>
+                                        </p:cTn>
+                                        <p:tgtEl>
+                                          <p:spTgt spid="3">
+                                            <p:txEl>
+                                              <p:pRg st="0" end="0"/>
+                                            </p:txEl>
+                                          </p:spTgt>
+                                        </p:tgtEl>
+                                        <p:attrNameLst>
+                                          <p:attrName>style.visibility</p:attrName>
+                                        </p:attrNameLst>
+                                      </p:cBhvr>
+                                      <p:to>
+                                        <p:strVal val="visible"/>
+                                      </p:to>
+                                    </p:set>
+                                    <p:animEffect transition="in" filter="dissolve">
+                                      <p:cBhvr>
+                                        <p:cTn id="7" dur="500"/>
+                                        <p:tgtEl>
+                                          <p:spTgt spid="3">
+                                            <p:txEl>
+                                              <p:pRg st="0" end="0"/>
+                                            </p:txEl>
+                                          </p:spTgt>
+                                        </p:tgtEl>
+                                      </p:cBhvr>
+                                    </p:animEffect>
+                                  </p:childTnLst>
+                                </p:cTn>
+                              </p:par>
+                            </p:childTnLst>
+                          </p:cTn>
+                        </p:par>
+                      </p:childTnLst>
+                    </p:cTn>
+                  </p:par>
+                  <p:par>
+                    <p:cTn id="8" fill="hold">
+                      <p:stCondLst>
+                        <p:cond delay="indefinite"/>
+                      </p:stCondLst>
+                      <p:childTnLst>
+                        <p:par>
+                          <p:cTn id="9" fill="hold">
+                            <p:stCondLst>
+                              <p:cond delay="0"/>
+                            </p:stCondLst>
+                            <p:childTnLst>
+                              <p:par>
+                                <p:cTn id="10" presetID="9" presetClass="entr" presetSubtype="0" fill="hold" grpId="0" nodeType="clickEffect">
+                                  <p:stCondLst>
+                                    <p:cond delay="0"/>
+                                  </p:stCondLst>
+                                  <p:childTnLst>
+                                    <p:set>
+                                      <p:cBhvr>
+                                        <p:cTn id="11" dur="1" fill="hold">
+                                          <p:stCondLst>
+                                            <p:cond delay="0"/>
+                                          </p:stCondLst>
+                                        </p:cTn>
+                                        <p:tgtEl>
+                                          <p:spTgt spid="3">
+                                            <p:txEl>
+                                              <p:pRg st="1" end="1"/>
+                                            </p:txEl>
+                                          </p:spTgt>
+                                        </p:tgtEl>
+                                        <p:attrNameLst>
+                                          <p:attrName>style.visibility</p:attrName>
+                                        </p:attrNameLst>
+                                      </p:cBhvr>
+                                      <p:to>
+                                        <p:strVal val="visible"/>
+                                      </p:to>
+                                    </p:set>
+                                    <p:animEffect transition="in" filter="dissolve">
+                                      <p:cBhvr>
+                                        <p:cTn id="12" dur="500"/>
+                                        <p:tgtEl>
+                                          <p:spTgt spid="3">
+                                            <p:txEl>
+                                              <p:pRg st="1" end="1"/>
+                                            </p:txEl>
+                                          </p:spTgt>
+                                        </p:tgtEl>
+                                      </p:cBhvr>
+                                    </p:animEffect>
+                                  </p:childTnLst>
+                                </p:cTn>
+                              </p:par>
+                              <p:par>
+                                <p:cTn id="13" presetID="9" presetClass="exit" presetSubtype="0" fill="hold" grpId="1" nodeType="withEffect">
+                                  <p:stCondLst>
+                                    <p:cond delay="0"/>
+                                  </p:stCondLst>
+                                  <p:childTnLst>
+                                    <p:animEffect transition="out" filter="dissolve">
+                                      <p:cBhvr>
+                                        <p:cTn id="14" dur="500"/>
+                                        <p:tgtEl>
+                                          <p:spTgt spid="3">
+                                            <p:txEl>
+                                              <p:pRg st="0" end="0"/>
+                                            </p:txEl>
+                                          </p:spTgt>
+                                        </p:tgtEl>
+                                      </p:cBhvr>
+                                    </p:animEffect>
+                                    <p:set>
+                                      <p:cBhvr>
+                                        <p:cTn id="15" dur="1" fill="hold">
+                                          <p:stCondLst>
+                                            <p:cond delay="499"/>
+                                          </p:stCondLst>
+                                        </p:cTn>
+                                        <p:tgtEl>
+                                          <p:spTgt spid="3">
+                                            <p:txEl>
+                                              <p:pRg st="0" end="0"/>
+                                            </p:txEl>
+                                          </p:spTgt>
+                                        </p:tgtEl>
+                                        <p:attrNameLst>
+                                          <p:attrName>style.visibility</p:attrName>
+                                        </p:attrNameLst>
+                                      </p:cBhvr>
+                                      <p:to>
+                                        <p:strVal val="hidden"/>
+                                      </p:to>
+                                    </p:set>
+                                  </p:childTnLst>
+                                </p:cTn>
+                              </p:par>
+                            </p:childTnLst>
+                          </p:cTn>
+                        </p:par>
+                      </p:childTnLst>
+                    </p:cTn>
+                  </p:par>
+                  <p:par>
+                    <p:cTn id="16" fill="hold">
+                      <p:stCondLst>
+                        <p:cond delay="indefinite"/>
+                      </p:stCondLst>
+                      <p:childTnLst>
+                        <p:par>
+                          <p:cTn id="17" fill="hold">
+                            <p:stCondLst>
+                              <p:cond delay="0"/>
+                            </p:stCondLst>
+                            <p:childTnLst>
+                              <p:par>
+                                <p:cTn id="18" presetID="9" presetClass="exit" presetSubtype="0" fill="hold" grpId="1" nodeType="clickEffect">
+                                  <p:stCondLst>
+                                    <p:cond delay="0"/>
+                                  </p:stCondLst>
+                                  <p:childTnLst>
+                                    <p:animEffect transition="out" filter="dissolve">
+                                      <p:cBhvr>
+                                        <p:cTn id="19" dur="500"/>
+                                        <p:tgtEl>
+                                          <p:spTgt spid="3">
+                                            <p:txEl>
+                                              <p:pRg st="1" end="1"/>
+                                            </p:txEl>
+                                          </p:spTgt>
+                                        </p:tgtEl>
+                                      </p:cBhvr>
+                                    </p:animEffect>
+                                    <p:set>
+                                      <p:cBhvr>
+                                        <p:cTn id="20" dur="1" fill="hold">
+                                          <p:stCondLst>
+                                            <p:cond delay="499"/>
+                                          </p:stCondLst>
+                                        </p:cTn>
+                                        <p:tgtEl>
+                                          <p:spTgt spid="3">
+                                            <p:txEl>
+                                              <p:pRg st="1" end="1"/>
+                                            </p:txEl>
+                                          </p:spTgt>
+                                        </p:tgtEl>
+                                        <p:attrNameLst>
+                                          <p:attrName>style.visibility</p:attrName>
+                                        </p:attrNameLst>
+                                      </p:cBhvr>
+                                      <p:to>
+                                        <p:strVal val="hidden"/>
+                                      </p:to>
+                                    </p:set>
+                                  </p:childTnLst>
+                                </p:cTn>
+                              </p:par>
+                              <p:par>
+                                <p:cTn id="21" presetID="9" presetClass="entr" presetSubtype="0" fill="hold" grpId="0" nodeType="withEffect">
+                                  <p:stCondLst>
+                                    <p:cond delay="0"/>
+                                  </p:stCondLst>
+                                  <p:childTnLst>
+                                    <p:set>
+                                      <p:cBhvr>
+                                        <p:cTn id="22" dur="1" fill="hold">
+                                          <p:stCondLst>
+                                            <p:cond delay="0"/>
+                                          </p:stCondLst>
+                                        </p:cTn>
+                                        <p:tgtEl>
+                                          <p:spTgt spid="3">
+                                            <p:txEl>
+                                              <p:pRg st="2" end="2"/>
+                                            </p:txEl>
+                                          </p:spTgt>
+                                        </p:tgtEl>
+                                        <p:attrNameLst>
+                                          <p:attrName>style.visibility</p:attrName>
+                                        </p:attrNameLst>
+                                      </p:cBhvr>
+                                      <p:to>
+                                        <p:strVal val="visible"/>
+                                      </p:to>
+                                    </p:set>
+                                    <p:animEffect transition="in" filter="dissolve">
+                                      <p:cBhvr>
+                                        <p:cTn id="23" dur="500"/>
+                                        <p:tgtEl>
+                                          <p:spTgt spid="3">
+                                            <p:txEl>
+                                              <p:pRg st="2" end="2"/>
+                                            </p:txEl>
+                                          </p:spTgt>
+                                        </p:tgtEl>
+                                      </p:cBhvr>
+                                    </p:animEffect>
+                                  </p:childTnLst>
+                                </p:cTn>
+                              </p:par>
+                            </p:childTnLst>
+                          </p:cTn>
+                        </p:par>
+                      </p:childTnLst>
+                    </p:cTn>
+                  </p:par>
+                  <p:par>
+                    <p:cTn id="24" fill="hold">
+                      <p:stCondLst>
+                        <p:cond delay="indefinite"/>
+                      </p:stCondLst>
+                      <p:childTnLst>
+                        <p:par>
+                          <p:cTn id="25" fill="hold">
+                            <p:stCondLst>
+                              <p:cond delay="0"/>
+                            </p:stCondLst>
+                            <p:childTnLst>
+                              <p:par>
+                                <p:cTn id="26" presetID="9" presetClass="exit" presetSubtype="0" fill="hold" grpId="1" nodeType="clickEffect">
+                                  <p:stCondLst>
+                                    <p:cond delay="0"/>
+                                  </p:stCondLst>
+                                  <p:childTnLst>
+                                    <p:animEffect transition="out" filter="dissolve">
+                                      <p:cBhvr>
+                                        <p:cTn id="27" dur="500"/>
+                                        <p:tgtEl>
+                                          <p:spTgt spid="3">
+                                            <p:txEl>
+                                              <p:pRg st="2" end="2"/>
+                                            </p:txEl>
+                                          </p:spTgt>
+                                        </p:tgtEl>
+                                      </p:cBhvr>
+                                    </p:animEffect>
+                                    <p:set>
+                                      <p:cBhvr>
+                                        <p:cTn id="28" dur="1" fill="hold">
+                                          <p:stCondLst>
+                                            <p:cond delay="499"/>
+                                          </p:stCondLst>
+                                        </p:cTn>
+                                        <p:tgtEl>
+                                          <p:spTgt spid="3">
+                                            <p:txEl>
+                                              <p:pRg st="2" end="2"/>
+                                            </p:txEl>
+                                          </p:spTgt>
+                                        </p:tgtEl>
+                                        <p:attrNameLst>
+                                          <p:attrName>style.visibility</p:attrName>
+                                        </p:attrNameLst>
+                                      </p:cBhvr>
+                                      <p:to>
+                                        <p:strVal val="hidden"/>
+                                      </p:to>
+                                    </p:set>
+                                  </p:childTnLst>
+                                </p:cTn>
+                              </p:par>
+                              <p:par>
+                                <p:cTn id="29" presetID="9" presetClass="entr" presetSubtype="0" fill="hold" grpId="0" nodeType="withEffect">
+                                  <p:stCondLst>
+                                    <p:cond delay="0"/>
+                                  </p:stCondLst>
+                                  <p:childTnLst>
+                                    <p:set>
+                                      <p:cBhvr>
+                                        <p:cTn id="30" dur="1" fill="hold">
+                                          <p:stCondLst>
+                                            <p:cond delay="0"/>
+                                          </p:stCondLst>
+                                        </p:cTn>
+                                        <p:tgtEl>
+                                          <p:spTgt spid="3">
+                                            <p:txEl>
+                                              <p:pRg st="3" end="3"/>
+                                            </p:txEl>
+                                          </p:spTgt>
+                                        </p:tgtEl>
+                                        <p:attrNameLst>
+                                          <p:attrName>style.visibility</p:attrName>
+                                        </p:attrNameLst>
+                                      </p:cBhvr>
+                                      <p:to>
+                                        <p:strVal val="visible"/>
+                                      </p:to>
+                                    </p:set>
+                                    <p:animEffect transition="in" filter="dissolve">
+                                      <p:cBhvr>
+                                        <p:cTn id="31" dur="500"/>
+                                        <p:tgtEl>
+                                          <p:spTgt spid="3">
+                                            <p:txEl>
+                                              <p:pRg st="3" end="3"/>
+                                            </p:txEl>
+                                          </p:spTgt>
+                                        </p:tgtEl>
+                                      </p:cBhvr>
+                                    </p:animEffect>
+                                  </p:childTnLst>
+                                </p:cTn>
+                              </p:par>
+                            </p:childTnLst>
+                          </p:cTn>
+                        </p:par>
+                      </p:childTnLst>
+                    </p:cTn>
+                  </p:par>
+                </p:childTnLst>
+              </p:cTn>
+              <p:prevCondLst>
+                <p:cond evt="onPrev" delay="0">
+                  <p:tgtEl>
+                    <p:sldTgt/>
+                  </p:tgtEl>
+                </p:cond>
+              </p:prevCondLst>
+              <p:nextCondLst>
+                <p:cond evt="onNext" delay="0">
+                  <p:tgtEl>
+                    <p:sldTgt/>
+                  </p:tgtEl>
+                </p:cond>
+              </p:nextCondLst>
+            </p:seq>
+          </p:childTnLst>
+        </p:cTn>
+      </p:par>
+    </p:tnLst>
+    <p:bldLst>
+      <p:bldP spid="3" grpId="0" uiExpand="1" build="p"/>
+      <p:bldP spid="3" grpId="1" uiExpand="1" build="p"/>
+    </p:bldLst>
+  </p:timing>
+</p:sld>
+</file>
+
+<file path=ppt/slides/slide59.xml><?xml version="1.0" encoding="utf-8"?>
+<p:sld xmlns:a="http://schemas.openxmlformats.org/drawingml/2006/main" xmlns:r="http://schemas.openxmlformats.org/officeDocument/2006/relationships" xmlns:p="http://schemas.openxmlformats.org/presentationml/2006/main">
+  <p:cSld>
+    <p:spTree>
+      <p:nvGrpSpPr>
+        <p:cNvPr id="1" name=""/>
+        <p:cNvGrpSpPr/>
+        <p:nvPr/>
+      </p:nvGrpSpPr>
+      <p:grpSpPr>
+        <a:xfrm>
+          <a:off x="0" y="0"/>
+          <a:ext cx="0" cy="0"/>
+          <a:chOff x="0" y="0"/>
+          <a:chExt cx="0" cy="0"/>
+        </a:xfrm>
+      </p:grpSpPr>
+      <p:sp>
+        <p:nvSpPr>
+          <p:cNvPr id="2" name="Title 1">
+            <a:extLst>
+              <a:ext uri="{FF2B5EF4-FFF2-40B4-BE49-F238E27FC236}">
+                <a16:creationId xmlns:a16="http://schemas.microsoft.com/office/drawing/2014/main" id="{58204B45-BA2F-544A-ADBD-2B584480C63E}"/>
+              </a:ext>
+            </a:extLst>
+          </p:cNvPr>
+          <p:cNvSpPr>
+            <a:spLocks noGrp="1"/>
+          </p:cNvSpPr>
+          <p:nvPr>
+            <p:ph type="title"/>
+          </p:nvPr>
+        </p:nvSpPr>
+        <p:spPr>
+          <a:xfrm>
+            <a:off x="2679116" y="99458"/>
+            <a:ext cx="9530038" cy="1509490"/>
+          </a:xfrm>
+        </p:spPr>
+        <p:txBody>
+          <a:bodyPr>
+            <a:normAutofit/>
+          </a:bodyPr>
+          <a:lstStyle/>
+          <a:p>
+            <a:pPr algn="ctr"/>
+            <a:r>
+              <a:rPr lang="pt-BR" b="1" i="1" dirty="0"/>
+              <a:t>Problema: </a:t>
+            </a:r>
+            <a:br>
+              <a:rPr lang="pt-BR" b="1" i="1" dirty="0"/>
+            </a:br>
+            <a:r>
+              <a:rPr lang="pt-BR" b="1" i="1" dirty="0"/>
+              <a:t>algoritmos centralizados</a:t>
+            </a:r>
+            <a:endParaRPr lang="pt-BR" dirty="0"/>
+          </a:p>
+        </p:txBody>
+      </p:sp>
+      <p:sp>
+        <p:nvSpPr>
+          <p:cNvPr id="3" name="Content Placeholder 2">
+            <a:extLst>
+              <a:ext uri="{FF2B5EF4-FFF2-40B4-BE49-F238E27FC236}">
+                <a16:creationId xmlns:a16="http://schemas.microsoft.com/office/drawing/2014/main" id="{C9044F89-E3C1-E349-B0DE-0B932821234C}"/>
+              </a:ext>
+            </a:extLst>
+          </p:cNvPr>
+          <p:cNvSpPr>
+            <a:spLocks noGrp="1"/>
+          </p:cNvSpPr>
+          <p:nvPr>
+            <p:ph idx="1"/>
+          </p:nvPr>
+        </p:nvSpPr>
+        <p:spPr>
+          <a:xfrm>
+            <a:off x="596348" y="1444491"/>
+            <a:ext cx="10908264" cy="1103837"/>
+          </a:xfrm>
+        </p:spPr>
+        <p:txBody>
+          <a:bodyPr>
+            <a:normAutofit/>
+          </a:bodyPr>
+          <a:lstStyle/>
+          <a:p>
+            <a:r>
+              <a:rPr lang="pt" sz="3200" dirty="0"/>
+              <a:t>Um modelo de programação bastante utilizado atualmente é o </a:t>
+            </a:r>
+            <a:r>
+              <a:rPr lang="pt" sz="3200" i="1" dirty="0" err="1"/>
+              <a:t>MapReduce</a:t>
+            </a:r>
+            <a:r>
+              <a:rPr lang="pt" sz="3200" dirty="0"/>
+              <a:t> (Mapear/Reduzir)</a:t>
+            </a:r>
+          </a:p>
+        </p:txBody>
+      </p:sp>
+      <p:sp>
+        <p:nvSpPr>
+          <p:cNvPr id="4" name="Slide Number Placeholder 3">
+            <a:extLst>
+              <a:ext uri="{FF2B5EF4-FFF2-40B4-BE49-F238E27FC236}">
+                <a16:creationId xmlns:a16="http://schemas.microsoft.com/office/drawing/2014/main" id="{2EA509C2-078C-DE4C-BE59-C32AF18E82D6}"/>
+              </a:ext>
+            </a:extLst>
+          </p:cNvPr>
+          <p:cNvSpPr>
+            <a:spLocks noGrp="1"/>
+          </p:cNvSpPr>
+          <p:nvPr>
+            <p:ph type="sldNum" sz="quarter" idx="12"/>
+          </p:nvPr>
+        </p:nvSpPr>
+        <p:spPr/>
+        <p:txBody>
+          <a:bodyPr/>
+          <a:lstStyle/>
+          <a:p>
+            <a:fld id="{2183B7EE-0FBE-B749-875F-ED24F5ECD71F}" type="slidenum">
+              <a:rPr lang="en-US" smtClean="0"/>
+              <a:t>59</a:t>
             </a:fld>
             <a:endParaRPr lang="en-US" dirty="0"/>
           </a:p>
@@ -33733,344 +33895,6 @@
                                         <p:cTn id="12" dur="500"/>
                                         <p:tgtEl>
                                           <p:spTgt spid="6"/>
-                                        </p:tgtEl>
-                                      </p:cBhvr>
-                                    </p:animEffect>
-                                  </p:childTnLst>
-                                </p:cTn>
-                              </p:par>
-                            </p:childTnLst>
-                          </p:cTn>
-                        </p:par>
-                      </p:childTnLst>
-                    </p:cTn>
-                  </p:par>
-                </p:childTnLst>
-              </p:cTn>
-              <p:prevCondLst>
-                <p:cond evt="onPrev" delay="0">
-                  <p:tgtEl>
-                    <p:sldTgt/>
-                  </p:tgtEl>
-                </p:cond>
-              </p:prevCondLst>
-              <p:nextCondLst>
-                <p:cond evt="onNext" delay="0">
-                  <p:tgtEl>
-                    <p:sldTgt/>
-                  </p:tgtEl>
-                </p:cond>
-              </p:nextCondLst>
-            </p:seq>
-          </p:childTnLst>
-        </p:cTn>
-      </p:par>
-    </p:tnLst>
-    <p:bldLst>
-      <p:bldP spid="3" grpId="0" uiExpand="1" build="p"/>
-    </p:bldLst>
-  </p:timing>
-</p:sld>
-</file>
-
-<file path=ppt/slides/slide59.xml><?xml version="1.0" encoding="utf-8"?>
-<p:sld xmlns:a="http://schemas.openxmlformats.org/drawingml/2006/main" xmlns:r="http://schemas.openxmlformats.org/officeDocument/2006/relationships" xmlns:p="http://schemas.openxmlformats.org/presentationml/2006/main">
-  <p:cSld>
-    <p:spTree>
-      <p:nvGrpSpPr>
-        <p:cNvPr id="1" name=""/>
-        <p:cNvGrpSpPr/>
-        <p:nvPr/>
-      </p:nvGrpSpPr>
-      <p:grpSpPr>
-        <a:xfrm>
-          <a:off x="0" y="0"/>
-          <a:ext cx="0" cy="0"/>
-          <a:chOff x="0" y="0"/>
-          <a:chExt cx="0" cy="0"/>
-        </a:xfrm>
-      </p:grpSpPr>
-      <p:sp>
-        <p:nvSpPr>
-          <p:cNvPr id="2" name="Title 1">
-            <a:extLst>
-              <a:ext uri="{FF2B5EF4-FFF2-40B4-BE49-F238E27FC236}">
-                <a16:creationId xmlns:a16="http://schemas.microsoft.com/office/drawing/2014/main" id="{58204B45-BA2F-544A-ADBD-2B584480C63E}"/>
-              </a:ext>
-            </a:extLst>
-          </p:cNvPr>
-          <p:cNvSpPr>
-            <a:spLocks noGrp="1"/>
-          </p:cNvSpPr>
-          <p:nvPr>
-            <p:ph type="title"/>
-          </p:nvPr>
-        </p:nvSpPr>
-        <p:spPr>
-          <a:xfrm>
-            <a:off x="2679116" y="99458"/>
-            <a:ext cx="9530038" cy="1509490"/>
-          </a:xfrm>
-        </p:spPr>
-        <p:txBody>
-          <a:bodyPr>
-            <a:normAutofit/>
-          </a:bodyPr>
-          <a:lstStyle/>
-          <a:p>
-            <a:pPr algn="ctr"/>
-            <a:r>
-              <a:rPr lang="pt-BR" b="1" i="1" dirty="0"/>
-              <a:t>Problema: </a:t>
-            </a:r>
-            <a:br>
-              <a:rPr lang="pt-BR" b="1" i="1" dirty="0"/>
-            </a:br>
-            <a:r>
-              <a:rPr lang="pt-BR" b="1" i="1" dirty="0"/>
-              <a:t>algoritmos centralizados</a:t>
-            </a:r>
-            <a:endParaRPr lang="pt-BR" dirty="0"/>
-          </a:p>
-        </p:txBody>
-      </p:sp>
-      <p:sp>
-        <p:nvSpPr>
-          <p:cNvPr id="3" name="Content Placeholder 2">
-            <a:extLst>
-              <a:ext uri="{FF2B5EF4-FFF2-40B4-BE49-F238E27FC236}">
-                <a16:creationId xmlns:a16="http://schemas.microsoft.com/office/drawing/2014/main" id="{C9044F89-E3C1-E349-B0DE-0B932821234C}"/>
-              </a:ext>
-            </a:extLst>
-          </p:cNvPr>
-          <p:cNvSpPr>
-            <a:spLocks noGrp="1"/>
-          </p:cNvSpPr>
-          <p:nvPr>
-            <p:ph idx="1"/>
-          </p:nvPr>
-        </p:nvSpPr>
-        <p:spPr>
-          <a:xfrm>
-            <a:off x="596348" y="1444490"/>
-            <a:ext cx="10908264" cy="4806407"/>
-          </a:xfrm>
-        </p:spPr>
-        <p:txBody>
-          <a:bodyPr>
-            <a:noAutofit/>
-          </a:bodyPr>
-          <a:lstStyle/>
-          <a:p>
-            <a:r>
-              <a:rPr lang="pt" sz="3600" dirty="0"/>
-              <a:t>A ferramenta mais famosa que implementa este modelo </a:t>
-            </a:r>
-            <a:r>
-              <a:rPr lang="pt" sz="3600" dirty="0" err="1"/>
-              <a:t>MapReduce</a:t>
-            </a:r>
-            <a:r>
-              <a:rPr lang="pt" sz="3600" dirty="0"/>
-              <a:t> é o </a:t>
-            </a:r>
-            <a:r>
-              <a:rPr lang="pt" sz="3600" dirty="0">
-                <a:hlinkClick r:id="rId2"/>
-              </a:rPr>
-              <a:t>Apache </a:t>
-            </a:r>
-            <a:r>
-              <a:rPr lang="pt" sz="3600" dirty="0" err="1">
-                <a:hlinkClick r:id="rId2"/>
-              </a:rPr>
-              <a:t>Hadoop</a:t>
-            </a:r>
-            <a:endParaRPr lang="pt" sz="3600" dirty="0"/>
-          </a:p>
-          <a:p>
-            <a:r>
-              <a:rPr lang="pt" sz="3600" dirty="0"/>
-              <a:t>Utilizando o recurso de </a:t>
-            </a:r>
-            <a:r>
-              <a:rPr lang="pt" sz="3600" dirty="0">
-                <a:hlinkClick r:id="rId3"/>
-              </a:rPr>
-              <a:t>Streams do Java 8</a:t>
-            </a:r>
-            <a:r>
-              <a:rPr lang="pt" sz="3600" dirty="0"/>
-              <a:t> conseguimos implementar este mesmo modelo, mas de forma paralela (e não distribuída) utilizando múltiplas </a:t>
-            </a:r>
-            <a:r>
-              <a:rPr lang="pt" sz="3600" dirty="0" err="1"/>
-              <a:t>CPUs</a:t>
-            </a:r>
-            <a:r>
-              <a:rPr lang="pt" sz="3600" dirty="0"/>
-              <a:t> de uma máquina</a:t>
-            </a:r>
-          </a:p>
-        </p:txBody>
-      </p:sp>
-      <p:sp>
-        <p:nvSpPr>
-          <p:cNvPr id="4" name="Slide Number Placeholder 3">
-            <a:extLst>
-              <a:ext uri="{FF2B5EF4-FFF2-40B4-BE49-F238E27FC236}">
-                <a16:creationId xmlns:a16="http://schemas.microsoft.com/office/drawing/2014/main" id="{2EA509C2-078C-DE4C-BE59-C32AF18E82D6}"/>
-              </a:ext>
-            </a:extLst>
-          </p:cNvPr>
-          <p:cNvSpPr>
-            <a:spLocks noGrp="1"/>
-          </p:cNvSpPr>
-          <p:nvPr>
-            <p:ph type="sldNum" sz="quarter" idx="12"/>
-          </p:nvPr>
-        </p:nvSpPr>
-        <p:spPr/>
-        <p:txBody>
-          <a:bodyPr/>
-          <a:lstStyle/>
-          <a:p>
-            <a:fld id="{2183B7EE-0FBE-B749-875F-ED24F5ECD71F}" type="slidenum">
-              <a:rPr lang="en-US" smtClean="0"/>
-              <a:t>59</a:t>
-            </a:fld>
-            <a:endParaRPr lang="en-US" dirty="0"/>
-          </a:p>
-        </p:txBody>
-      </p:sp>
-    </p:spTree>
-    <p:extLst>
-      <p:ext uri="{BB962C8B-B14F-4D97-AF65-F5344CB8AC3E}">
-        <p14:creationId xmlns:p14="http://schemas.microsoft.com/office/powerpoint/2010/main" val="1769133232"/>
-      </p:ext>
-    </p:extLst>
-  </p:cSld>
-  <p:clrMapOvr>
-    <a:masterClrMapping/>
-  </p:clrMapOvr>
-  <p:timing>
-    <p:tnLst>
-      <p:par>
-        <p:cTn id="1" dur="indefinite" restart="never" nodeType="tmRoot">
-          <p:childTnLst>
-            <p:seq concurrent="1" nextAc="seek">
-              <p:cTn id="2" dur="indefinite" nodeType="mainSeq">
-                <p:childTnLst>
-                  <p:par>
-                    <p:cTn id="3" fill="hold">
-                      <p:stCondLst>
-                        <p:cond delay="indefinite"/>
-                      </p:stCondLst>
-                      <p:childTnLst>
-                        <p:par>
-                          <p:cTn id="4" fill="hold">
-                            <p:stCondLst>
-                              <p:cond delay="0"/>
-                            </p:stCondLst>
-                            <p:childTnLst>
-                              <p:par>
-                                <p:cTn id="5" presetID="9" presetClass="entr" presetSubtype="0" fill="hold" grpId="0" nodeType="clickEffect">
-                                  <p:stCondLst>
-                                    <p:cond delay="0"/>
-                                  </p:stCondLst>
-                                  <p:childTnLst>
-                                    <p:set>
-                                      <p:cBhvr>
-                                        <p:cTn id="6" dur="1" fill="hold">
-                                          <p:stCondLst>
-                                            <p:cond delay="0"/>
-                                          </p:stCondLst>
-                                        </p:cTn>
-                                        <p:tgtEl>
-                                          <p:spTgt spid="3">
-                                            <p:txEl>
-                                              <p:pRg st="0" end="0"/>
-                                            </p:txEl>
-                                          </p:spTgt>
-                                        </p:tgtEl>
-                                        <p:attrNameLst>
-                                          <p:attrName>style.visibility</p:attrName>
-                                        </p:attrNameLst>
-                                      </p:cBhvr>
-                                      <p:to>
-                                        <p:strVal val="visible"/>
-                                      </p:to>
-                                    </p:set>
-                                    <p:animEffect transition="in" filter="dissolve">
-                                      <p:cBhvr>
-                                        <p:cTn id="7" dur="500"/>
-                                        <p:tgtEl>
-                                          <p:spTgt spid="3">
-                                            <p:txEl>
-                                              <p:pRg st="0" end="0"/>
-                                            </p:txEl>
-                                          </p:spTgt>
-                                        </p:tgtEl>
-                                      </p:cBhvr>
-                                    </p:animEffect>
-                                  </p:childTnLst>
-                                </p:cTn>
-                              </p:par>
-                            </p:childTnLst>
-                          </p:cTn>
-                        </p:par>
-                      </p:childTnLst>
-                    </p:cTn>
-                  </p:par>
-                  <p:par>
-                    <p:cTn id="8" fill="hold">
-                      <p:stCondLst>
-                        <p:cond delay="indefinite"/>
-                      </p:stCondLst>
-                      <p:childTnLst>
-                        <p:par>
-                          <p:cTn id="9" fill="hold">
-                            <p:stCondLst>
-                              <p:cond delay="0"/>
-                            </p:stCondLst>
-                            <p:childTnLst>
-                              <p:par>
-                                <p:cTn id="10" presetID="9" presetClass="entr" presetSubtype="0" fill="hold" grpId="0" nodeType="clickEffect">
-                                  <p:stCondLst>
-                                    <p:cond delay="0"/>
-                                  </p:stCondLst>
-                                  <p:childTnLst>
-                                    <p:set>
-                                      <p:cBhvr>
-                                        <p:cTn id="11" dur="1" fill="hold">
-                                          <p:stCondLst>
-                                            <p:cond delay="0"/>
-                                          </p:stCondLst>
-                                        </p:cTn>
-                                        <p:tgtEl>
-                                          <p:spTgt spid="3">
-                                            <p:txEl>
-                                              <p:pRg st="1" end="1"/>
-                                            </p:txEl>
-                                          </p:spTgt>
-                                        </p:tgtEl>
-                                        <p:attrNameLst>
-                                          <p:attrName>style.visibility</p:attrName>
-                                        </p:attrNameLst>
-                                      </p:cBhvr>
-                                      <p:to>
-                                        <p:strVal val="visible"/>
-                                      </p:to>
-                                    </p:set>
-                                    <p:animEffect transition="in" filter="dissolve">
-                                      <p:cBhvr>
-                                        <p:cTn id="12" dur="500"/>
-                                        <p:tgtEl>
-                                          <p:spTgt spid="3">
-                                            <p:txEl>
-                                              <p:pRg st="1" end="1"/>
-                                            </p:txEl>
-                                          </p:spTgt>
                                         </p:tgtEl>
                                       </p:cBhvr>
                                     </p:animEffect>
@@ -34810,196 +34634,66 @@
         <p:spPr>
           <a:xfrm>
             <a:off x="596348" y="1444490"/>
-            <a:ext cx="10908264" cy="5032509"/>
+            <a:ext cx="10908264" cy="4806407"/>
           </a:xfrm>
         </p:spPr>
         <p:txBody>
           <a:bodyPr>
-            <a:normAutofit/>
+            <a:noAutofit/>
           </a:bodyPr>
           <a:lstStyle/>
           <a:p>
+            <a:pPr algn="just"/>
             <a:r>
               <a:rPr lang="pt" sz="3600" dirty="0"/>
-              <a:t>Para fazer processamento decentralizado, é preciso dividir ou decentralizar os dados</a:t>
-            </a:r>
-          </a:p>
-          <a:p>
-            <a:r>
-              <a:rPr lang="en-US" sz="3600" dirty="0"/>
-              <a:t>No </a:t>
-            </a:r>
-            <a:r>
-              <a:rPr lang="en-US" sz="3600" dirty="0" err="1"/>
-              <a:t>caso</a:t>
-            </a:r>
-            <a:r>
-              <a:rPr lang="en-US" sz="3600" dirty="0"/>
-              <a:t> do Facebook, </a:t>
-            </a:r>
-            <a:r>
-              <a:rPr lang="en-US" sz="3600" dirty="0" err="1"/>
-              <a:t>eles</a:t>
-            </a:r>
-            <a:r>
-              <a:rPr lang="en-US" sz="3600" dirty="0"/>
-              <a:t> </a:t>
-            </a:r>
-            <a:r>
-              <a:rPr lang="en-US" sz="3600" dirty="0" err="1"/>
-              <a:t>usam</a:t>
-            </a:r>
-            <a:r>
-              <a:rPr lang="en-US" sz="3600" dirty="0"/>
-              <a:t> </a:t>
-            </a:r>
-            <a:r>
-              <a:rPr lang="en-US" sz="3600" dirty="0" err="1"/>
-              <a:t>diferentes</a:t>
-            </a:r>
-            <a:r>
-              <a:rPr lang="en-US" sz="3600" dirty="0"/>
-              <a:t> SGBDs para </a:t>
-            </a:r>
-            <a:r>
-              <a:rPr lang="en-US" sz="3600" dirty="0" err="1"/>
-              <a:t>decentralização</a:t>
-            </a:r>
-            <a:r>
-              <a:rPr lang="en-US" sz="3600" dirty="0"/>
-              <a:t> de dados</a:t>
-            </a:r>
-            <a:endParaRPr lang="pt" sz="3600" dirty="0"/>
-          </a:p>
-          <a:p>
-            <a:r>
-              <a:rPr lang="en-US" sz="3600" dirty="0" err="1"/>
-              <a:t>Isto</a:t>
-            </a:r>
-            <a:r>
-              <a:rPr lang="en-US" sz="3600" dirty="0"/>
-              <a:t> </a:t>
-            </a:r>
-            <a:r>
-              <a:rPr lang="en-US" sz="3600" dirty="0" err="1"/>
-              <a:t>inclui</a:t>
-            </a:r>
-            <a:r>
-              <a:rPr lang="en-US" sz="3600" dirty="0"/>
-              <a:t> MySQL </a:t>
-            </a:r>
-            <a:r>
-              <a:rPr lang="en-US" sz="3600" dirty="0">
+              <a:t>A ferramenta mais famosa que implementa este modelo </a:t>
+            </a:r>
+            <a:r>
+              <a:rPr lang="pt" sz="3600" dirty="0" err="1"/>
+              <a:t>MapReduce</a:t>
+            </a:r>
+            <a:r>
+              <a:rPr lang="pt" sz="3600" dirty="0"/>
+              <a:t> é o </a:t>
+            </a:r>
+            <a:r>
+              <a:rPr lang="pt" sz="3600" dirty="0">
                 <a:hlinkClick r:id="rId2"/>
               </a:rPr>
-              <a:t>[1]</a:t>
-            </a:r>
-            <a:r>
-              <a:rPr lang="en-US" sz="3600" dirty="0"/>
-              <a:t> e o Apache Cassandra: um SBGD </a:t>
-            </a:r>
-            <a:r>
-              <a:rPr lang="en-US" sz="3600" dirty="0" err="1"/>
-              <a:t>distribuído</a:t>
-            </a:r>
-            <a:r>
-              <a:rPr lang="en-US" sz="3600" dirty="0"/>
-              <a:t> </a:t>
-            </a:r>
-            <a:r>
-              <a:rPr lang="en-US" sz="3600" dirty="0" err="1"/>
-              <a:t>inicialmente</a:t>
-            </a:r>
-            <a:r>
-              <a:rPr lang="en-US" sz="3600" dirty="0"/>
-              <a:t> </a:t>
-            </a:r>
-            <a:r>
-              <a:rPr lang="en-US" sz="3600" dirty="0" err="1"/>
-              <a:t>desenvolvido</a:t>
-            </a:r>
-            <a:r>
-              <a:rPr lang="en-US" sz="3600" dirty="0"/>
-              <a:t> </a:t>
-            </a:r>
-            <a:r>
-              <a:rPr lang="en-US" sz="3600" dirty="0" err="1"/>
-              <a:t>pelo</a:t>
-            </a:r>
-            <a:r>
-              <a:rPr lang="en-US" sz="3600" dirty="0"/>
-              <a:t> Facebook </a:t>
-            </a:r>
-            <a:r>
-              <a:rPr lang="en-US" sz="3600" dirty="0">
+              <a:t>Apache </a:t>
+            </a:r>
+            <a:r>
+              <a:rPr lang="pt" sz="3600" dirty="0" err="1">
+                <a:hlinkClick r:id="rId2"/>
+              </a:rPr>
+              <a:t>Hadoop</a:t>
+            </a:r>
+            <a:endParaRPr lang="pt" sz="3600" dirty="0"/>
+          </a:p>
+          <a:p>
+            <a:pPr algn="just"/>
+            <a:r>
+              <a:rPr lang="pt" sz="3600" dirty="0"/>
+              <a:t>Os </a:t>
+            </a:r>
+            <a:r>
+              <a:rPr lang="pt" sz="3600" dirty="0">
                 <a:hlinkClick r:id="rId3"/>
               </a:rPr>
-              <a:t>[2]</a:t>
-            </a:r>
-            <a:r>
-              <a:rPr lang="en-US" sz="3600" dirty="0"/>
-              <a:t> </a:t>
-            </a:r>
-            <a:r>
-              <a:rPr lang="en-US" sz="3600" dirty="0">
-                <a:hlinkClick r:id="rId4"/>
-              </a:rPr>
-              <a:t>[3]</a:t>
-            </a:r>
-            <a:r>
-              <a:rPr lang="en-US" sz="3600" dirty="0"/>
-              <a:t> </a:t>
-            </a:r>
-            <a:r>
-              <a:rPr lang="en-US" sz="3600" dirty="0">
-                <a:hlinkClick r:id="rId5"/>
-              </a:rPr>
-              <a:t>[4]</a:t>
-            </a:r>
-            <a:endParaRPr lang="en-US" sz="3600" dirty="0"/>
-          </a:p>
-          <a:p>
-            <a:r>
-              <a:rPr lang="en-US" sz="3600" dirty="0"/>
-              <a:t>SGBDs </a:t>
-            </a:r>
-            <a:r>
-              <a:rPr lang="en-US" sz="3600" dirty="0" err="1"/>
-              <a:t>distribuídos</a:t>
-            </a:r>
-            <a:r>
-              <a:rPr lang="en-US" sz="3600" dirty="0"/>
-              <a:t> </a:t>
-            </a:r>
-            <a:r>
-              <a:rPr lang="en-US" sz="3600" dirty="0" err="1"/>
-              <a:t>não</a:t>
-            </a:r>
-            <a:r>
-              <a:rPr lang="en-US" sz="3600" dirty="0"/>
-              <a:t> </a:t>
-            </a:r>
-            <a:r>
-              <a:rPr lang="en-US" sz="3600" dirty="0" err="1"/>
-              <a:t>fazem</a:t>
-            </a:r>
-            <a:r>
-              <a:rPr lang="en-US" sz="3600" dirty="0"/>
-              <a:t> </a:t>
-            </a:r>
-            <a:r>
-              <a:rPr lang="en-US" sz="3600" dirty="0" err="1"/>
-              <a:t>parte</a:t>
-            </a:r>
-            <a:r>
-              <a:rPr lang="en-US" sz="3600" dirty="0"/>
-              <a:t> da </a:t>
-            </a:r>
-            <a:r>
-              <a:rPr lang="en-US" sz="3600" dirty="0" err="1"/>
-              <a:t>disciplina</a:t>
-            </a:r>
-            <a:endParaRPr lang="pt" sz="3600" dirty="0"/>
+              <a:t>Streams do Java 8</a:t>
+            </a:r>
+            <a:r>
+              <a:rPr lang="pt" sz="3600" dirty="0"/>
+              <a:t> permitem implementar este modelo, mas de forma paralela, ou seja: utilizando múltiplas </a:t>
+            </a:r>
+            <a:r>
+              <a:rPr lang="pt" sz="3600" dirty="0" err="1"/>
+              <a:t>CPUs</a:t>
+            </a:r>
+            <a:r>
+              <a:rPr lang="pt" sz="3600" dirty="0"/>
+              <a:t> de uma máquina</a:t>
+            </a:r>
           </a:p>
         </p:txBody>
       </p:sp>
@@ -35035,7 +34729,7 @@
     </p:spTree>
     <p:extLst>
       <p:ext uri="{BB962C8B-B14F-4D97-AF65-F5344CB8AC3E}">
-        <p14:creationId xmlns:p14="http://schemas.microsoft.com/office/powerpoint/2010/main" val="2066603454"/>
+        <p14:creationId xmlns:p14="http://schemas.microsoft.com/office/powerpoint/2010/main" val="1769133232"/>
       </p:ext>
     </p:extLst>
   </p:cSld>
@@ -35124,57 +34818,14 @@
                             </p:stCondLst>
                             <p:childTnLst>
                               <p:par>
-                                <p:cTn id="10" presetID="9" presetClass="exit" presetSubtype="0" fill="hold" grpId="1" nodeType="clickEffect">
-                                  <p:stCondLst>
-                                    <p:cond delay="0"/>
-                                  </p:stCondLst>
-                                  <p:childTnLst>
-                                    <p:animEffect transition="out" filter="dissolve">
-                                      <p:cBhvr>
-                                        <p:cTn id="11" dur="500"/>
-                                        <p:tgtEl>
-                                          <p:spTgt spid="3">
-                                            <p:txEl>
-                                              <p:pRg st="0" end="0"/>
-                                            </p:txEl>
-                                          </p:spTgt>
-                                        </p:tgtEl>
-                                      </p:cBhvr>
-                                    </p:animEffect>
-                                    <p:set>
-                                      <p:cBhvr>
-                                        <p:cTn id="12" dur="1" fill="hold">
-                                          <p:stCondLst>
-                                            <p:cond delay="499"/>
-                                          </p:stCondLst>
-                                        </p:cTn>
-                                        <p:tgtEl>
-                                          <p:spTgt spid="3">
-                                            <p:txEl>
-                                              <p:pRg st="0" end="0"/>
-                                            </p:txEl>
-                                          </p:spTgt>
-                                        </p:tgtEl>
-                                        <p:attrNameLst>
-                                          <p:attrName>style.visibility</p:attrName>
-                                        </p:attrNameLst>
-                                      </p:cBhvr>
-                                      <p:to>
-                                        <p:strVal val="hidden"/>
-                                      </p:to>
-                                    </p:set>
-                                  </p:childTnLst>
-                                </p:cTn>
-                              </p:par>
-                              <p:par>
-                                <p:cTn id="13" presetID="9" presetClass="entr" presetSubtype="0" fill="hold" grpId="0" nodeType="withEffect">
+                                <p:cTn id="10" presetID="9" presetClass="entr" presetSubtype="0" fill="hold" grpId="0" nodeType="clickEffect">
                                   <p:stCondLst>
                                     <p:cond delay="0"/>
                                   </p:stCondLst>
                                   <p:childTnLst>
                                     <p:set>
                                       <p:cBhvr>
-                                        <p:cTn id="14" dur="1" fill="hold">
+                                        <p:cTn id="11" dur="1" fill="hold">
                                           <p:stCondLst>
                                             <p:cond delay="0"/>
                                           </p:stCondLst>
@@ -35196,219 +34847,11 @@
                                     </p:set>
                                     <p:animEffect transition="in" filter="dissolve">
                                       <p:cBhvr>
-                                        <p:cTn id="15" dur="500"/>
+                                        <p:cTn id="12" dur="500"/>
                                         <p:tgtEl>
                                           <p:spTgt spid="3">
                                             <p:txEl>
                                               <p:pRg st="1" end="1"/>
-                                            </p:txEl>
-                                          </p:spTgt>
-                                        </p:tgtEl>
-                                      </p:cBhvr>
-                                    </p:animEffect>
-                                  </p:childTnLst>
-                                </p:cTn>
-                              </p:par>
-                            </p:childTnLst>
-                          </p:cTn>
-                        </p:par>
-                      </p:childTnLst>
-                    </p:cTn>
-                  </p:par>
-                  <p:par>
-                    <p:cTn id="16" fill="hold">
-                      <p:stCondLst>
-                        <p:cond delay="indefinite"/>
-                      </p:stCondLst>
-                      <p:childTnLst>
-                        <p:par>
-                          <p:cTn id="17" fill="hold">
-                            <p:stCondLst>
-                              <p:cond delay="0"/>
-                            </p:stCondLst>
-                            <p:childTnLst>
-                              <p:par>
-                                <p:cTn id="18" presetID="9" presetClass="exit" presetSubtype="0" fill="hold" grpId="1" nodeType="clickEffect">
-                                  <p:stCondLst>
-                                    <p:cond delay="0"/>
-                                  </p:stCondLst>
-                                  <p:childTnLst>
-                                    <p:animEffect transition="out" filter="dissolve">
-                                      <p:cBhvr>
-                                        <p:cTn id="19" dur="500"/>
-                                        <p:tgtEl>
-                                          <p:spTgt spid="3">
-                                            <p:txEl>
-                                              <p:pRg st="1" end="1"/>
-                                            </p:txEl>
-                                          </p:spTgt>
-                                        </p:tgtEl>
-                                      </p:cBhvr>
-                                    </p:animEffect>
-                                    <p:set>
-                                      <p:cBhvr>
-                                        <p:cTn id="20" dur="1" fill="hold">
-                                          <p:stCondLst>
-                                            <p:cond delay="499"/>
-                                          </p:stCondLst>
-                                        </p:cTn>
-                                        <p:tgtEl>
-                                          <p:spTgt spid="3">
-                                            <p:txEl>
-                                              <p:pRg st="1" end="1"/>
-                                            </p:txEl>
-                                          </p:spTgt>
-                                        </p:tgtEl>
-                                        <p:attrNameLst>
-                                          <p:attrName>style.visibility</p:attrName>
-                                        </p:attrNameLst>
-                                      </p:cBhvr>
-                                      <p:to>
-                                        <p:strVal val="hidden"/>
-                                      </p:to>
-                                    </p:set>
-                                  </p:childTnLst>
-                                </p:cTn>
-                              </p:par>
-                              <p:par>
-                                <p:cTn id="21" presetID="9" presetClass="entr" presetSubtype="0" fill="hold" grpId="0" nodeType="withEffect">
-                                  <p:stCondLst>
-                                    <p:cond delay="0"/>
-                                  </p:stCondLst>
-                                  <p:childTnLst>
-                                    <p:set>
-                                      <p:cBhvr>
-                                        <p:cTn id="22" dur="1" fill="hold">
-                                          <p:stCondLst>
-                                            <p:cond delay="0"/>
-                                          </p:stCondLst>
-                                        </p:cTn>
-                                        <p:tgtEl>
-                                          <p:spTgt spid="3">
-                                            <p:txEl>
-                                              <p:pRg st="2" end="2"/>
-                                            </p:txEl>
-                                          </p:spTgt>
-                                        </p:tgtEl>
-                                        <p:attrNameLst>
-                                          <p:attrName>style.visibility</p:attrName>
-                                        </p:attrNameLst>
-                                      </p:cBhvr>
-                                      <p:to>
-                                        <p:strVal val="visible"/>
-                                      </p:to>
-                                    </p:set>
-                                    <p:animEffect transition="in" filter="dissolve">
-                                      <p:cBhvr>
-                                        <p:cTn id="23" dur="500"/>
-                                        <p:tgtEl>
-                                          <p:spTgt spid="3">
-                                            <p:txEl>
-                                              <p:pRg st="2" end="2"/>
-                                            </p:txEl>
-                                          </p:spTgt>
-                                        </p:tgtEl>
-                                      </p:cBhvr>
-                                    </p:animEffect>
-                                  </p:childTnLst>
-                                </p:cTn>
-                              </p:par>
-                            </p:childTnLst>
-                          </p:cTn>
-                        </p:par>
-                      </p:childTnLst>
-                    </p:cTn>
-                  </p:par>
-                  <p:par>
-                    <p:cTn id="24" fill="hold">
-                      <p:stCondLst>
-                        <p:cond delay="indefinite"/>
-                      </p:stCondLst>
-                      <p:childTnLst>
-                        <p:par>
-                          <p:cTn id="25" fill="hold">
-                            <p:stCondLst>
-                              <p:cond delay="0"/>
-                            </p:stCondLst>
-                            <p:childTnLst>
-                              <p:par>
-                                <p:cTn id="26" presetID="9" presetClass="exit" presetSubtype="0" fill="hold" grpId="1" nodeType="clickEffect">
-                                  <p:stCondLst>
-                                    <p:cond delay="0"/>
-                                  </p:stCondLst>
-                                  <p:childTnLst>
-                                    <p:animEffect transition="out" filter="dissolve">
-                                      <p:cBhvr>
-                                        <p:cTn id="27" dur="500"/>
-                                        <p:tgtEl>
-                                          <p:spTgt spid="3">
-                                            <p:txEl>
-                                              <p:pRg st="2" end="2"/>
-                                            </p:txEl>
-                                          </p:spTgt>
-                                        </p:tgtEl>
-                                      </p:cBhvr>
-                                    </p:animEffect>
-                                    <p:set>
-                                      <p:cBhvr>
-                                        <p:cTn id="28" dur="1" fill="hold">
-                                          <p:stCondLst>
-                                            <p:cond delay="499"/>
-                                          </p:stCondLst>
-                                        </p:cTn>
-                                        <p:tgtEl>
-                                          <p:spTgt spid="3">
-                                            <p:txEl>
-                                              <p:pRg st="2" end="2"/>
-                                            </p:txEl>
-                                          </p:spTgt>
-                                        </p:tgtEl>
-                                        <p:attrNameLst>
-                                          <p:attrName>style.visibility</p:attrName>
-                                        </p:attrNameLst>
-                                      </p:cBhvr>
-                                      <p:to>
-                                        <p:strVal val="hidden"/>
-                                      </p:to>
-                                    </p:set>
-                                  </p:childTnLst>
-                                </p:cTn>
-                              </p:par>
-                              <p:par>
-                                <p:cTn id="29" presetID="9" presetClass="entr" presetSubtype="0" fill="hold" grpId="0" nodeType="withEffect">
-                                  <p:stCondLst>
-                                    <p:cond delay="0"/>
-                                  </p:stCondLst>
-                                  <p:childTnLst>
-                                    <p:set>
-                                      <p:cBhvr>
-                                        <p:cTn id="30" dur="1" fill="hold">
-                                          <p:stCondLst>
-                                            <p:cond delay="0"/>
-                                          </p:stCondLst>
-                                        </p:cTn>
-                                        <p:tgtEl>
-                                          <p:spTgt spid="3">
-                                            <p:txEl>
-                                              <p:pRg st="3" end="3"/>
-                                            </p:txEl>
-                                          </p:spTgt>
-                                        </p:tgtEl>
-                                        <p:attrNameLst>
-                                          <p:attrName>style.visibility</p:attrName>
-                                        </p:attrNameLst>
-                                      </p:cBhvr>
-                                      <p:to>
-                                        <p:strVal val="visible"/>
-                                      </p:to>
-                                    </p:set>
-                                    <p:animEffect transition="in" filter="dissolve">
-                                      <p:cBhvr>
-                                        <p:cTn id="31" dur="500"/>
-                                        <p:tgtEl>
-                                          <p:spTgt spid="3">
-                                            <p:txEl>
-                                              <p:pRg st="3" end="3"/>
                                             </p:txEl>
                                           </p:spTgt>
                                         </p:tgtEl>
@@ -35446,7 +34889,6 @@
     </p:tnLst>
     <p:bldLst>
       <p:bldP spid="3" grpId="0" uiExpand="1" build="p"/>
-      <p:bldP spid="3" grpId="1" uiExpand="1" build="p"/>
     </p:bldLst>
   </p:timing>
 </p:sld>
@@ -35500,14 +34942,14 @@
             <a:pPr algn="ctr"/>
             <a:r>
               <a:rPr lang="pt-BR" b="1" i="1" dirty="0"/>
-              <a:t>Problemas de </a:t>
+              <a:t>Problema: </a:t>
             </a:r>
             <a:br>
               <a:rPr lang="pt-BR" b="1" i="1" dirty="0"/>
             </a:br>
             <a:r>
               <a:rPr lang="pt-BR" b="1" i="1" dirty="0"/>
-              <a:t>ESCALABILIDADE geográfica</a:t>
+              <a:t>algoritmos centralizados</a:t>
             </a:r>
             <a:endParaRPr lang="pt-BR" dirty="0"/>
           </a:p>
@@ -35543,29 +34985,185 @@
           <a:p>
             <a:r>
               <a:rPr lang="pt" sz="3600" dirty="0"/>
-              <a:t>Antes da popularização da internet, sistemas eram acessados a partir de uma LAN</a:t>
-            </a:r>
-          </a:p>
-          <a:p>
-            <a:r>
-              <a:rPr lang="pt" sz="3600" dirty="0"/>
-              <a:t>Atraso, congestionamento e quebra de conexão eram muito me</a:t>
+              <a:t>Para fazer processamento decentralizado, é preciso dividir ou decentralizar os dados</a:t>
+            </a:r>
+          </a:p>
+          <a:p>
+            <a:r>
+              <a:rPr lang="en-US" sz="3600" dirty="0"/>
+              <a:t>No </a:t>
             </a:r>
             <a:r>
               <a:rPr lang="en-US" sz="3600" dirty="0" err="1"/>
-              <a:t>nores</a:t>
+              <a:t>caso</a:t>
+            </a:r>
+            <a:r>
+              <a:rPr lang="en-US" sz="3600" dirty="0"/>
+              <a:t> do Facebook, </a:t>
+            </a:r>
+            <a:r>
+              <a:rPr lang="en-US" sz="3600" dirty="0" err="1"/>
+              <a:t>eles</a:t>
+            </a:r>
+            <a:r>
+              <a:rPr lang="en-US" sz="3600" dirty="0"/>
+              <a:t> </a:t>
+            </a:r>
+            <a:r>
+              <a:rPr lang="en-US" sz="3600" dirty="0" err="1"/>
+              <a:t>usam</a:t>
+            </a:r>
+            <a:r>
+              <a:rPr lang="en-US" sz="3600" dirty="0"/>
+              <a:t> </a:t>
+            </a:r>
+            <a:r>
+              <a:rPr lang="en-US" sz="3600" dirty="0" err="1"/>
+              <a:t>diferentes</a:t>
+            </a:r>
+            <a:r>
+              <a:rPr lang="en-US" sz="3600" dirty="0"/>
+              <a:t> SGBDs para </a:t>
+            </a:r>
+            <a:r>
+              <a:rPr lang="en-US" sz="3600" dirty="0" err="1"/>
+              <a:t>decentralização</a:t>
+            </a:r>
+            <a:r>
+              <a:rPr lang="en-US" sz="3600" dirty="0"/>
+              <a:t> de dados</a:t>
             </a:r>
             <a:endParaRPr lang="pt" sz="3600" dirty="0"/>
           </a:p>
           <a:p>
             <a:r>
-              <a:rPr lang="pt" sz="3600" dirty="0" err="1"/>
-              <a:t>Apps</a:t>
-            </a:r>
-            <a:r>
-              <a:rPr lang="pt" sz="3600" dirty="0"/>
-              <a:t> faziam requisições síncronas a um servidor na LAN: ficava bloqueada, aguardando uma resposta [SDPP] [SDCP]</a:t>
-            </a:r>
+              <a:rPr lang="en-US" sz="3600" dirty="0" err="1"/>
+              <a:t>Isto</a:t>
+            </a:r>
+            <a:r>
+              <a:rPr lang="en-US" sz="3600" dirty="0"/>
+              <a:t> </a:t>
+            </a:r>
+            <a:r>
+              <a:rPr lang="en-US" sz="3600" dirty="0" err="1"/>
+              <a:t>inclui</a:t>
+            </a:r>
+            <a:r>
+              <a:rPr lang="en-US" sz="3600" dirty="0"/>
+              <a:t> MySQL </a:t>
+            </a:r>
+            <a:r>
+              <a:rPr lang="en-US" sz="3600" dirty="0">
+                <a:hlinkClick r:id="rId2"/>
+              </a:rPr>
+              <a:t>[1]</a:t>
+            </a:r>
+            <a:r>
+              <a:rPr lang="en-US" sz="3600" dirty="0"/>
+              <a:t> e o Apache Cassandra: um SBGD </a:t>
+            </a:r>
+            <a:r>
+              <a:rPr lang="en-US" sz="3600" dirty="0" err="1"/>
+              <a:t>distribuído</a:t>
+            </a:r>
+            <a:r>
+              <a:rPr lang="en-US" sz="3600" dirty="0"/>
+              <a:t> </a:t>
+            </a:r>
+            <a:r>
+              <a:rPr lang="en-US" sz="3600" dirty="0" err="1"/>
+              <a:t>inicialmente</a:t>
+            </a:r>
+            <a:r>
+              <a:rPr lang="en-US" sz="3600" dirty="0"/>
+              <a:t> </a:t>
+            </a:r>
+            <a:r>
+              <a:rPr lang="en-US" sz="3600" dirty="0" err="1"/>
+              <a:t>desenvolvido</a:t>
+            </a:r>
+            <a:r>
+              <a:rPr lang="en-US" sz="3600" dirty="0"/>
+              <a:t> </a:t>
+            </a:r>
+            <a:r>
+              <a:rPr lang="en-US" sz="3600" dirty="0" err="1"/>
+              <a:t>pelo</a:t>
+            </a:r>
+            <a:r>
+              <a:rPr lang="en-US" sz="3600" dirty="0"/>
+              <a:t> Facebook </a:t>
+            </a:r>
+            <a:r>
+              <a:rPr lang="en-US" sz="3600" dirty="0">
+                <a:hlinkClick r:id="rId3"/>
+              </a:rPr>
+              <a:t>[2]</a:t>
+            </a:r>
+            <a:r>
+              <a:rPr lang="en-US" sz="3600" dirty="0"/>
+              <a:t> </a:t>
+            </a:r>
+            <a:r>
+              <a:rPr lang="en-US" sz="3600" dirty="0">
+                <a:hlinkClick r:id="rId4"/>
+              </a:rPr>
+              <a:t>[3]</a:t>
+            </a:r>
+            <a:r>
+              <a:rPr lang="en-US" sz="3600" dirty="0"/>
+              <a:t> </a:t>
+            </a:r>
+            <a:r>
+              <a:rPr lang="en-US" sz="3600" dirty="0">
+                <a:hlinkClick r:id="rId5"/>
+              </a:rPr>
+              <a:t>[4]</a:t>
+            </a:r>
+            <a:endParaRPr lang="en-US" sz="3600" dirty="0"/>
+          </a:p>
+          <a:p>
+            <a:r>
+              <a:rPr lang="en-US" sz="3600" dirty="0"/>
+              <a:t>SGBDs </a:t>
+            </a:r>
+            <a:r>
+              <a:rPr lang="en-US" sz="3600" dirty="0" err="1"/>
+              <a:t>distribuídos</a:t>
+            </a:r>
+            <a:r>
+              <a:rPr lang="en-US" sz="3600" dirty="0"/>
+              <a:t> </a:t>
+            </a:r>
+            <a:r>
+              <a:rPr lang="en-US" sz="3600" dirty="0" err="1"/>
+              <a:t>não</a:t>
+            </a:r>
+            <a:r>
+              <a:rPr lang="en-US" sz="3600" dirty="0"/>
+              <a:t> </a:t>
+            </a:r>
+            <a:r>
+              <a:rPr lang="en-US" sz="3600" dirty="0" err="1"/>
+              <a:t>fazem</a:t>
+            </a:r>
+            <a:r>
+              <a:rPr lang="en-US" sz="3600" dirty="0"/>
+              <a:t> </a:t>
+            </a:r>
+            <a:r>
+              <a:rPr lang="en-US" sz="3600" dirty="0" err="1"/>
+              <a:t>parte</a:t>
+            </a:r>
+            <a:r>
+              <a:rPr lang="en-US" sz="3600" dirty="0"/>
+              <a:t> da </a:t>
+            </a:r>
+            <a:r>
+              <a:rPr lang="en-US" sz="3600" dirty="0" err="1"/>
+              <a:t>disciplina</a:t>
+            </a:r>
+            <a:endParaRPr lang="pt" sz="3600" dirty="0"/>
           </a:p>
         </p:txBody>
       </p:sp>
@@ -35601,7 +35199,7 @@
     </p:spTree>
     <p:extLst>
       <p:ext uri="{BB962C8B-B14F-4D97-AF65-F5344CB8AC3E}">
-        <p14:creationId xmlns:p14="http://schemas.microsoft.com/office/powerpoint/2010/main" val="3322274284"/>
+        <p14:creationId xmlns:p14="http://schemas.microsoft.com/office/powerpoint/2010/main" val="2066603454"/>
       </p:ext>
     </p:extLst>
   </p:cSld>
@@ -35690,14 +35288,57 @@
                             </p:stCondLst>
                             <p:childTnLst>
                               <p:par>
-                                <p:cTn id="10" presetID="9" presetClass="entr" presetSubtype="0" fill="hold" grpId="0" nodeType="clickEffect">
+                                <p:cTn id="10" presetID="9" presetClass="exit" presetSubtype="0" fill="hold" grpId="1" nodeType="clickEffect">
+                                  <p:stCondLst>
+                                    <p:cond delay="0"/>
+                                  </p:stCondLst>
+                                  <p:childTnLst>
+                                    <p:animEffect transition="out" filter="dissolve">
+                                      <p:cBhvr>
+                                        <p:cTn id="11" dur="500"/>
+                                        <p:tgtEl>
+                                          <p:spTgt spid="3">
+                                            <p:txEl>
+                                              <p:pRg st="0" end="0"/>
+                                            </p:txEl>
+                                          </p:spTgt>
+                                        </p:tgtEl>
+                                      </p:cBhvr>
+                                    </p:animEffect>
+                                    <p:set>
+                                      <p:cBhvr>
+                                        <p:cTn id="12" dur="1" fill="hold">
+                                          <p:stCondLst>
+                                            <p:cond delay="499"/>
+                                          </p:stCondLst>
+                                        </p:cTn>
+                                        <p:tgtEl>
+                                          <p:spTgt spid="3">
+                                            <p:txEl>
+                                              <p:pRg st="0" end="0"/>
+                                            </p:txEl>
+                                          </p:spTgt>
+                                        </p:tgtEl>
+                                        <p:attrNameLst>
+                                          <p:attrName>style.visibility</p:attrName>
+                                        </p:attrNameLst>
+                                      </p:cBhvr>
+                                      <p:to>
+                                        <p:strVal val="hidden"/>
+                                      </p:to>
+                                    </p:set>
+                                  </p:childTnLst>
+                                </p:cTn>
+                              </p:par>
+                              <p:par>
+                                <p:cTn id="13" presetID="9" presetClass="entr" presetSubtype="0" fill="hold" grpId="0" nodeType="withEffect">
                                   <p:stCondLst>
                                     <p:cond delay="0"/>
                                   </p:stCondLst>
                                   <p:childTnLst>
                                     <p:set>
                                       <p:cBhvr>
-                                        <p:cTn id="11" dur="1" fill="hold">
+                                        <p:cTn id="14" dur="1" fill="hold">
                                           <p:stCondLst>
                                             <p:cond delay="0"/>
                                           </p:stCondLst>
@@ -35719,7 +35360,7 @@
                                     </p:set>
                                     <p:animEffect transition="in" filter="dissolve">
                                       <p:cBhvr>
-                                        <p:cTn id="12" dur="500"/>
+                                        <p:cTn id="15" dur="500"/>
                                         <p:tgtEl>
                                           <p:spTgt spid="3">
                                             <p:txEl>
@@ -35729,49 +35370,6 @@
                                         </p:tgtEl>
                                       </p:cBhvr>
                                     </p:animEffect>
-                                  </p:childTnLst>
-                                </p:cTn>
-                              </p:par>
-                              <p:par>
-                                <p:cTn id="13" presetID="9" presetClass="exit" presetSubtype="0" fill="hold" grpId="1" nodeType="withEffect">
-                                  <p:stCondLst>
-                                    <p:cond delay="0"/>
-                                  </p:stCondLst>
-                                  <p:childTnLst>
-                                    <p:animEffect transition="out" filter="dissolve">
-                                      <p:cBhvr>
-                                        <p:cTn id="14" dur="500"/>
-                                        <p:tgtEl>
-                                          <p:spTgt spid="3">
-                                            <p:txEl>
-                                              <p:pRg st="0" end="0"/>
-                                            </p:txEl>
-                                          </p:spTgt>
-                                        </p:tgtEl>
-                                      </p:cBhvr>
-                                    </p:animEffect>
-                                    <p:set>
-                                      <p:cBhvr>
-                                        <p:cTn id="15" dur="1" fill="hold">
-                                          <p:stCondLst>
-                                            <p:cond delay="499"/>
-                                          </p:stCondLst>
-                                        </p:cTn>
-                                        <p:tgtEl>
-                                          <p:spTgt spid="3">
-                                            <p:txEl>
-                                              <p:pRg st="0" end="0"/>
-                                            </p:txEl>
-                                          </p:spTgt>
-                                        </p:tgtEl>
-                                        <p:attrNameLst>
-                                          <p:attrName>style.visibility</p:attrName>
-                                        </p:attrNameLst>
-                                      </p:cBhvr>
-                                      <p:to>
-                                        <p:strVal val="hidden"/>
-                                      </p:to>
-                                    </p:set>
                                   </p:childTnLst>
                                 </p:cTn>
                               </p:par>
@@ -35937,6 +35535,49 @@
                                         <p:strVal val="hidden"/>
                                       </p:to>
                                     </p:set>
+                                  </p:childTnLst>
+                                </p:cTn>
+                              </p:par>
+                              <p:par>
+                                <p:cTn id="29" presetID="9" presetClass="entr" presetSubtype="0" fill="hold" grpId="0" nodeType="withEffect">
+                                  <p:stCondLst>
+                                    <p:cond delay="0"/>
+                                  </p:stCondLst>
+                                  <p:childTnLst>
+                                    <p:set>
+                                      <p:cBhvr>
+                                        <p:cTn id="30" dur="1" fill="hold">
+                                          <p:stCondLst>
+                                            <p:cond delay="0"/>
+                                          </p:stCondLst>
+                                        </p:cTn>
+                                        <p:tgtEl>
+                                          <p:spTgt spid="3">
+                                            <p:txEl>
+                                              <p:pRg st="3" end="3"/>
+                                            </p:txEl>
+                                          </p:spTgt>
+                                        </p:tgtEl>
+                                        <p:attrNameLst>
+                                          <p:attrName>style.visibility</p:attrName>
+                                        </p:attrNameLst>
+                                      </p:cBhvr>
+                                      <p:to>
+                                        <p:strVal val="visible"/>
+                                      </p:to>
+                                    </p:set>
+                                    <p:animEffect transition="in" filter="dissolve">
+                                      <p:cBhvr>
+                                        <p:cTn id="31" dur="500"/>
+                                        <p:tgtEl>
+                                          <p:spTgt spid="3">
+                                            <p:txEl>
+                                              <p:pRg st="3" end="3"/>
+                                            </p:txEl>
+                                          </p:spTgt>
+                                        </p:tgtEl>
+                                      </p:cBhvr>
+                                    </p:animEffect>
                                   </p:childTnLst>
                                 </p:cTn>
                               </p:par>
@@ -36010,7 +35651,7 @@
         </p:nvSpPr>
         <p:spPr>
           <a:xfrm>
-            <a:off x="2004561" y="99458"/>
+            <a:off x="2679116" y="99458"/>
             <a:ext cx="9530038" cy="1509490"/>
           </a:xfrm>
         </p:spPr>
@@ -36020,24 +35661,17 @@
           </a:bodyPr>
           <a:lstStyle/>
           <a:p>
+            <a:pPr algn="ctr"/>
             <a:r>
               <a:rPr lang="pt-BR" b="1" i="1" dirty="0"/>
-              <a:t>Discutindo </a:t>
-            </a:r>
-            <a:r>
-              <a:rPr lang="pt-BR" b="1" i="1" dirty="0" err="1"/>
-              <a:t>estragérias</a:t>
-            </a:r>
-            <a:r>
-              <a:rPr lang="pt-BR" b="1" i="1" dirty="0"/>
-              <a:t> </a:t>
+              <a:t>Problemas de </a:t>
             </a:r>
             <a:br>
               <a:rPr lang="pt-BR" b="1" i="1" dirty="0"/>
             </a:br>
             <a:r>
               <a:rPr lang="pt-BR" b="1" i="1" dirty="0"/>
-              <a:t>de escalabilidade</a:t>
+              <a:t>ESCALABILIDADE geográfica</a:t>
             </a:r>
             <a:endParaRPr lang="pt-BR" dirty="0"/>
           </a:p>
@@ -36072,157 +35706,82 @@
           <a:lstStyle/>
           <a:p>
             <a:r>
-              <a:rPr lang="pt" sz="3200" dirty="0"/>
-              <a:t>As tecnologias e estratégias para escalabilidade apresentadas anteriormente normalmente terão um custo associado</a:t>
-            </a:r>
-          </a:p>
-          <a:p>
-            <a:r>
-              <a:rPr lang="pt-PT" sz="3200" dirty="0"/>
-              <a:t>Este custo pode ser tanto operacional: requer tempo e esforço para colocar em funcionamento</a:t>
-            </a:r>
-            <a:endParaRPr lang="pt" sz="3200" dirty="0"/>
-          </a:p>
-          <a:p>
-            <a:r>
-              <a:rPr lang="en-US" sz="3200" dirty="0" err="1"/>
-              <a:t>Quanto</a:t>
-            </a:r>
-            <a:r>
-              <a:rPr lang="en-US" sz="3200" dirty="0"/>
+              <a:rPr lang="pt" sz="3600" dirty="0"/>
+              <a:t>Antes da popularização da internet, sistemas eram acessados a partir de uma LAN</a:t>
+            </a:r>
+          </a:p>
+          <a:p>
+            <a:r>
+              <a:rPr lang="pt" sz="3600" dirty="0"/>
+              <a:t>Atraso, congestionamento e quebra de conexão eram muito me</a:t>
+            </a:r>
+            <a:r>
+              <a:rPr lang="en-US" sz="3600" dirty="0" err="1"/>
+              <a:t>nores</a:t>
+            </a:r>
+            <a:endParaRPr lang="pt" sz="3600" dirty="0"/>
+          </a:p>
+          <a:p>
+            <a:r>
+              <a:rPr lang="pt" sz="3600" dirty="0" err="1"/>
+              <a:t>Apps</a:t>
+            </a:r>
+            <a:r>
+              <a:rPr lang="pt" sz="3600" dirty="0"/>
+              <a:t> faziam requisições síncronas a um servidor na LAN: ficava bloqueada, aguardando uma resposta [SDPP] [SDCP]</a:t>
+            </a:r>
+          </a:p>
+          <a:p>
+            <a:pPr marL="0" indent="0" algn="ctr">
+              <a:buNone/>
+            </a:pPr>
+            <a:r>
+              <a:rPr lang="en-US" sz="3600" dirty="0">
+                <a:hlinkClick r:id="rId2"/>
+              </a:rPr>
+              <a:t>manoelcampos.gitbooks.io/sistemas-distribuidos/book/chapter01b-scalability.html</a:t>
+            </a:r>
+            <a:r>
+              <a:rPr lang="en-US" sz="3600" dirty="0"/>
               <a:t> </a:t>
             </a:r>
-            <a:r>
-              <a:rPr lang="en-US" sz="3200" dirty="0" err="1"/>
-              <a:t>financeiro</a:t>
-            </a:r>
-            <a:r>
-              <a:rPr lang="en-US" sz="3200" dirty="0"/>
-              <a:t>: </a:t>
-            </a:r>
-            <a:r>
-              <a:rPr lang="en-US" sz="3200" dirty="0" err="1"/>
-              <a:t>usar</a:t>
-            </a:r>
-            <a:r>
-              <a:rPr lang="en-US" sz="3200" dirty="0"/>
-              <a:t> </a:t>
-            </a:r>
-            <a:r>
-              <a:rPr lang="en-US" sz="3200" dirty="0" err="1"/>
-              <a:t>mais</a:t>
-            </a:r>
-            <a:r>
-              <a:rPr lang="en-US" sz="3200" dirty="0"/>
-              <a:t> </a:t>
-            </a:r>
-            <a:r>
-              <a:rPr lang="en-US" sz="3200" dirty="0" err="1"/>
-              <a:t>máquinas</a:t>
-            </a:r>
-            <a:r>
-              <a:rPr lang="en-US" sz="3200" dirty="0"/>
-              <a:t> para </a:t>
-            </a:r>
-            <a:r>
-              <a:rPr lang="en-US" sz="3200" dirty="0" err="1"/>
-              <a:t>distribuir</a:t>
-            </a:r>
-            <a:r>
-              <a:rPr lang="en-US" sz="3200" dirty="0"/>
-              <a:t> </a:t>
-            </a:r>
-            <a:r>
-              <a:rPr lang="en-US" sz="3200" dirty="0" err="1"/>
-              <a:t>melhor</a:t>
-            </a:r>
-            <a:r>
-              <a:rPr lang="en-US" sz="3200" dirty="0"/>
-              <a:t> o </a:t>
-            </a:r>
-            <a:r>
-              <a:rPr lang="en-US" sz="3200" dirty="0" err="1"/>
-              <a:t>sistema</a:t>
-            </a:r>
-            <a:r>
-              <a:rPr lang="en-US" sz="3200" dirty="0"/>
-              <a:t> e </a:t>
-            </a:r>
-            <a:r>
-              <a:rPr lang="en-US" sz="3200" dirty="0" err="1"/>
-              <a:t>balancear</a:t>
-            </a:r>
-            <a:r>
-              <a:rPr lang="en-US" sz="3200" dirty="0"/>
-              <a:t> </a:t>
-            </a:r>
-            <a:r>
-              <a:rPr lang="en-US" sz="3200" dirty="0" err="1"/>
-              <a:t>carga</a:t>
-            </a:r>
-            <a:r>
-              <a:rPr lang="en-US" sz="3200" dirty="0"/>
-              <a:t> </a:t>
-            </a:r>
-            <a:r>
-              <a:rPr lang="en-US" sz="3200" dirty="0" err="1"/>
-              <a:t>terá</a:t>
-            </a:r>
-            <a:r>
-              <a:rPr lang="en-US" sz="3200" dirty="0"/>
-              <a:t> um </a:t>
-            </a:r>
-            <a:r>
-              <a:rPr lang="en-US" sz="3200" dirty="0" err="1"/>
-              <a:t>custo</a:t>
-            </a:r>
-            <a:r>
-              <a:rPr lang="en-US" sz="3200" dirty="0"/>
-              <a:t> </a:t>
-            </a:r>
-            <a:r>
-              <a:rPr lang="en-US" sz="3200" dirty="0" err="1"/>
-              <a:t>adicional</a:t>
-            </a:r>
-            <a:endParaRPr lang="pt" sz="3200" dirty="0"/>
-          </a:p>
-          <a:p>
-            <a:r>
-              <a:rPr lang="en-US" sz="3200" dirty="0"/>
-              <a:t>Mas e </a:t>
-            </a:r>
-            <a:r>
-              <a:rPr lang="en-US" sz="3200" dirty="0" err="1"/>
-              <a:t>daí</a:t>
-            </a:r>
-            <a:r>
-              <a:rPr lang="en-US" sz="3200" dirty="0"/>
-              <a:t>? Nada </a:t>
-            </a:r>
-            <a:r>
-              <a:rPr lang="en-US" sz="3200" dirty="0" err="1"/>
-              <a:t>é</a:t>
-            </a:r>
-            <a:r>
-              <a:rPr lang="en-US" sz="3200" dirty="0"/>
-              <a:t> de </a:t>
-            </a:r>
-            <a:r>
-              <a:rPr lang="en-US" sz="3200" dirty="0" err="1"/>
-              <a:t>graça</a:t>
-            </a:r>
-            <a:r>
-              <a:rPr lang="en-US" sz="3200" dirty="0"/>
-              <a:t>!</a:t>
-            </a:r>
-            <a:endParaRPr lang="pt" sz="3200" dirty="0"/>
+            <a:endParaRPr lang="pt" sz="3600" dirty="0"/>
+          </a:p>
+        </p:txBody>
+      </p:sp>
+      <p:sp>
+        <p:nvSpPr>
+          <p:cNvPr id="4" name="Slide Number Placeholder 3">
+            <a:extLst>
+              <a:ext uri="{FF2B5EF4-FFF2-40B4-BE49-F238E27FC236}">
+                <a16:creationId xmlns:a16="http://schemas.microsoft.com/office/drawing/2014/main" id="{2EA509C2-078C-DE4C-BE59-C32AF18E82D6}"/>
+              </a:ext>
+            </a:extLst>
+          </p:cNvPr>
+          <p:cNvSpPr>
+            <a:spLocks noGrp="1"/>
+          </p:cNvSpPr>
+          <p:nvPr>
+            <p:ph type="sldNum" sz="quarter" idx="12"/>
+          </p:nvPr>
+        </p:nvSpPr>
+        <p:spPr/>
+        <p:txBody>
+          <a:bodyPr/>
+          <a:lstStyle/>
+          <a:p>
+            <a:fld id="{2183B7EE-0FBE-B749-875F-ED24F5ECD71F}" type="slidenum">
+              <a:rPr lang="en-US" smtClean="0"/>
+              <a:t>62</a:t>
+            </a:fld>
+            <a:endParaRPr lang="en-US" dirty="0"/>
           </a:p>
         </p:txBody>
       </p:sp>
     </p:spTree>
     <p:extLst>
       <p:ext uri="{BB962C8B-B14F-4D97-AF65-F5344CB8AC3E}">
-        <p14:creationId xmlns:p14="http://schemas.microsoft.com/office/powerpoint/2010/main" val="1108108973"/>
+        <p14:creationId xmlns:p14="http://schemas.microsoft.com/office/powerpoint/2010/main" val="3322274284"/>
       </p:ext>
     </p:extLst>
   </p:cSld>
@@ -36311,14 +35870,57 @@
                             </p:stCondLst>
                             <p:childTnLst>
                               <p:par>
-                                <p:cTn id="10" presetID="9" presetClass="exit" presetSubtype="0" fill="hold" grpId="1" nodeType="clickEffect">
+                                <p:cTn id="10" presetID="9" presetClass="entr" presetSubtype="0" fill="hold" grpId="0" nodeType="clickEffect">
+                                  <p:stCondLst>
+                                    <p:cond delay="0"/>
+                                  </p:stCondLst>
+                                  <p:childTnLst>
+                                    <p:set>
+                                      <p:cBhvr>
+                                        <p:cTn id="11" dur="1" fill="hold">
+                                          <p:stCondLst>
+                                            <p:cond delay="0"/>
+                                          </p:stCondLst>
+                                        </p:cTn>
+                                        <p:tgtEl>
+                                          <p:spTgt spid="3">
+                                            <p:txEl>
+                                              <p:pRg st="1" end="1"/>
+                                            </p:txEl>
+                                          </p:spTgt>
+                                        </p:tgtEl>
+                                        <p:attrNameLst>
+                                          <p:attrName>style.visibility</p:attrName>
+                                        </p:attrNameLst>
+                                      </p:cBhvr>
+                                      <p:to>
+                                        <p:strVal val="visible"/>
+                                      </p:to>
+                                    </p:set>
+                                    <p:animEffect transition="in" filter="dissolve">
+                                      <p:cBhvr>
+                                        <p:cTn id="12" dur="500"/>
+                                        <p:tgtEl>
+                                          <p:spTgt spid="3">
+                                            <p:txEl>
+                                              <p:pRg st="1" end="1"/>
+                                            </p:txEl>
+                                          </p:spTgt>
+                                        </p:tgtEl>
+                                      </p:cBhvr>
+                                    </p:animEffect>
+                                  </p:childTnLst>
+                                </p:cTn>
+                              </p:par>
+                              <p:par>
+                                <p:cTn id="13" presetID="9" presetClass="exit" presetSubtype="0" fill="hold" grpId="1" nodeType="withEffect">
                                   <p:stCondLst>
                                     <p:cond delay="0"/>
                                   </p:stCondLst>
                                   <p:childTnLst>
                                     <p:animEffect transition="out" filter="dissolve">
                                       <p:cBhvr>
-                                        <p:cTn id="11" dur="500"/>
+                                        <p:cTn id="14" dur="500"/>
                                         <p:tgtEl>
                                           <p:spTgt spid="3">
                                             <p:txEl>
@@ -36330,7 +35932,7 @@
                                     </p:animEffect>
                                     <p:set>
                                       <p:cBhvr>
-                                        <p:cTn id="12" dur="1" fill="hold">
+                                        <p:cTn id="15" dur="1" fill="hold">
                                           <p:stCondLst>
                                             <p:cond delay="499"/>
                                           </p:stCondLst>
@@ -36350,49 +35952,6 @@
                                         <p:strVal val="hidden"/>
                                       </p:to>
                                     </p:set>
-                                  </p:childTnLst>
-                                </p:cTn>
-                              </p:par>
-                              <p:par>
-                                <p:cTn id="13" presetID="9" presetClass="entr" presetSubtype="0" fill="hold" grpId="0" nodeType="withEffect">
-                                  <p:stCondLst>
-                                    <p:cond delay="0"/>
-                                  </p:stCondLst>
-                                  <p:childTnLst>
-                                    <p:set>
-                                      <p:cBhvr>
-                                        <p:cTn id="14" dur="1" fill="hold">
-                                          <p:stCondLst>
-                                            <p:cond delay="0"/>
-                                          </p:stCondLst>
-                                        </p:cTn>
-                                        <p:tgtEl>
-                                          <p:spTgt spid="3">
-                                            <p:txEl>
-                                              <p:pRg st="1" end="1"/>
-                                            </p:txEl>
-                                          </p:spTgt>
-                                        </p:tgtEl>
-                                        <p:attrNameLst>
-                                          <p:attrName>style.visibility</p:attrName>
-                                        </p:attrNameLst>
-                                      </p:cBhvr>
-                                      <p:to>
-                                        <p:strVal val="visible"/>
-                                      </p:to>
-                                    </p:set>
-                                    <p:animEffect transition="in" filter="dissolve">
-                                      <p:cBhvr>
-                                        <p:cTn id="15" dur="500"/>
-                                        <p:tgtEl>
-                                          <p:spTgt spid="3">
-                                            <p:txEl>
-                                              <p:pRg st="1" end="1"/>
-                                            </p:txEl>
-                                          </p:spTgt>
-                                        </p:tgtEl>
-                                      </p:cBhvr>
-                                    </p:animEffect>
                                   </p:childTnLst>
                                 </p:cTn>
                               </p:par>
@@ -36519,14 +36078,75 @@
                             </p:stCondLst>
                             <p:childTnLst>
                               <p:par>
-                                <p:cTn id="26" presetID="9" presetClass="exit" presetSubtype="0" fill="hold" nodeType="clickEffect">
+                                <p:cTn id="26" presetID="9" presetClass="entr" presetSubtype="0" fill="hold" grpId="0" nodeType="clickEffect">
+                                  <p:stCondLst>
+                                    <p:cond delay="0"/>
+                                  </p:stCondLst>
+                                  <p:childTnLst>
+                                    <p:set>
+                                      <p:cBhvr>
+                                        <p:cTn id="27" dur="1" fill="hold">
+                                          <p:stCondLst>
+                                            <p:cond delay="0"/>
+                                          </p:stCondLst>
+                                        </p:cTn>
+                                        <p:tgtEl>
+                                          <p:spTgt spid="3">
+                                            <p:txEl>
+                                              <p:pRg st="3" end="3"/>
+                                            </p:txEl>
+                                          </p:spTgt>
+                                        </p:tgtEl>
+                                        <p:attrNameLst>
+                                          <p:attrName>style.visibility</p:attrName>
+                                        </p:attrNameLst>
+                                      </p:cBhvr>
+                                      <p:to>
+                                        <p:strVal val="visible"/>
+                                      </p:to>
+                                    </p:set>
+                                    <p:animEffect transition="in" filter="dissolve">
+                                      <p:cBhvr>
+                                        <p:cTn id="28" dur="500"/>
+                                        <p:tgtEl>
+                                          <p:spTgt spid="3">
+                                            <p:txEl>
+                                              <p:pRg st="3" end="3"/>
+                                            </p:txEl>
+                                          </p:spTgt>
+                                        </p:tgtEl>
+                                      </p:cBhvr>
+                                    </p:animEffect>
+                                  </p:childTnLst>
+                                </p:cTn>
+                              </p:par>
+                            </p:childTnLst>
+                          </p:cTn>
+                        </p:par>
+                      </p:childTnLst>
+                    </p:cTn>
+                  </p:par>
+                  <p:par>
+                    <p:cTn id="29" fill="hold">
+                      <p:stCondLst>
+                        <p:cond delay="indefinite"/>
+                      </p:stCondLst>
+                      <p:childTnLst>
+                        <p:par>
+                          <p:cTn id="30" fill="hold">
+                            <p:stCondLst>
+                              <p:cond delay="0"/>
+                            </p:stCondLst>
+                            <p:childTnLst>
+                              <p:par>
+                                <p:cTn id="31" presetID="9" presetClass="exit" presetSubtype="0" fill="hold" grpId="1" nodeType="clickEffect">
                                   <p:stCondLst>
                                     <p:cond delay="0"/>
                                   </p:stCondLst>
                                   <p:childTnLst>
                                     <p:animEffect transition="out" filter="dissolve">
                                       <p:cBhvr>
-                                        <p:cTn id="27" dur="500"/>
+                                        <p:cTn id="32" dur="500"/>
                                         <p:tgtEl>
                                           <p:spTgt spid="3">
                                             <p:txEl>
@@ -36538,7 +36158,7 @@
                                     </p:animEffect>
                                     <p:set>
                                       <p:cBhvr>
-                                        <p:cTn id="28" dur="1" fill="hold">
+                                        <p:cTn id="33" dur="1" fill="hold">
                                           <p:stCondLst>
                                             <p:cond delay="499"/>
                                           </p:stCondLst>
@@ -36561,17 +36181,47 @@
                                   </p:childTnLst>
                                 </p:cTn>
                               </p:par>
+                            </p:childTnLst>
+                          </p:cTn>
+                        </p:par>
+                      </p:childTnLst>
+                    </p:cTn>
+                  </p:par>
+                  <p:par>
+                    <p:cTn id="34" fill="hold">
+                      <p:stCondLst>
+                        <p:cond delay="indefinite"/>
+                      </p:stCondLst>
+                      <p:childTnLst>
+                        <p:par>
+                          <p:cTn id="35" fill="hold">
+                            <p:stCondLst>
+                              <p:cond delay="0"/>
+                            </p:stCondLst>
+                            <p:childTnLst>
                               <p:par>
-                                <p:cTn id="29" presetID="9" presetClass="entr" presetSubtype="0" fill="hold" grpId="0" nodeType="withEffect">
+                                <p:cTn id="36" presetID="9" presetClass="exit" presetSubtype="0" fill="hold" grpId="1" nodeType="clickEffect">
                                   <p:stCondLst>
                                     <p:cond delay="0"/>
                                   </p:stCondLst>
                                   <p:childTnLst>
+                                    <p:animEffect transition="out" filter="dissolve">
+                                      <p:cBhvr>
+                                        <p:cTn id="37" dur="500"/>
+                                        <p:tgtEl>
+                                          <p:spTgt spid="3">
+                                            <p:txEl>
+                                              <p:pRg st="3" end="3"/>
+                                            </p:txEl>
+                                          </p:spTgt>
+                                        </p:tgtEl>
+                                      </p:cBhvr>
+                                    </p:animEffect>
                                     <p:set>
                                       <p:cBhvr>
-                                        <p:cTn id="30" dur="1" fill="hold">
+                                        <p:cTn id="38" dur="1" fill="hold">
                                           <p:stCondLst>
-                                            <p:cond delay="0"/>
+                                            <p:cond delay="499"/>
                                           </p:stCondLst>
                                         </p:cTn>
                                         <p:tgtEl>
@@ -36586,21 +36236,9 @@
                                         </p:attrNameLst>
                                       </p:cBhvr>
                                       <p:to>
-                                        <p:strVal val="visible"/>
+                                        <p:strVal val="hidden"/>
                                       </p:to>
                                     </p:set>
-                                    <p:animEffect transition="in" filter="dissolve">
-                                      <p:cBhvr>
-                                        <p:cTn id="31" dur="500"/>
-                                        <p:tgtEl>
-                                          <p:spTgt spid="3">
-                                            <p:txEl>
-                                              <p:pRg st="3" end="3"/>
-                                            </p:txEl>
-                                          </p:spTgt>
-                                        </p:tgtEl>
-                                      </p:cBhvr>
-                                    </p:animEffect>
                                   </p:childTnLst>
                                 </p:cTn>
                               </p:par>
@@ -36658,6 +36296,57 @@
       </p:grpSpPr>
       <p:sp>
         <p:nvSpPr>
+          <p:cNvPr id="2" name="Title 1">
+            <a:extLst>
+              <a:ext uri="{FF2B5EF4-FFF2-40B4-BE49-F238E27FC236}">
+                <a16:creationId xmlns:a16="http://schemas.microsoft.com/office/drawing/2014/main" id="{58204B45-BA2F-544A-ADBD-2B584480C63E}"/>
+              </a:ext>
+            </a:extLst>
+          </p:cNvPr>
+          <p:cNvSpPr>
+            <a:spLocks noGrp="1"/>
+          </p:cNvSpPr>
+          <p:nvPr>
+            <p:ph type="title"/>
+          </p:nvPr>
+        </p:nvSpPr>
+        <p:spPr>
+          <a:xfrm>
+            <a:off x="2004561" y="99458"/>
+            <a:ext cx="9530038" cy="1509490"/>
+          </a:xfrm>
+        </p:spPr>
+        <p:txBody>
+          <a:bodyPr>
+            <a:normAutofit/>
+          </a:bodyPr>
+          <a:lstStyle/>
+          <a:p>
+            <a:r>
+              <a:rPr lang="pt-BR" b="1" i="1" dirty="0"/>
+              <a:t>Discutindo </a:t>
+            </a:r>
+            <a:r>
+              <a:rPr lang="pt-BR" b="1" i="1" dirty="0" err="1"/>
+              <a:t>estraTéGias</a:t>
+            </a:r>
+            <a:r>
+              <a:rPr lang="pt-BR" b="1" i="1" dirty="0"/>
+              <a:t> </a:t>
+            </a:r>
+            <a:br>
+              <a:rPr lang="pt-BR" b="1" i="1" dirty="0"/>
+            </a:br>
+            <a:r>
+              <a:rPr lang="pt-BR" b="1" i="1" dirty="0"/>
+              <a:t>de escalabilidade</a:t>
+            </a:r>
+            <a:endParaRPr lang="pt-BR" dirty="0"/>
+          </a:p>
+        </p:txBody>
+      </p:sp>
+      <p:sp>
+        <p:nvSpPr>
           <p:cNvPr id="3" name="Content Placeholder 2">
             <a:extLst>
               <a:ext uri="{FF2B5EF4-FFF2-40B4-BE49-F238E27FC236}">
@@ -36686,17 +36375,40 @@
           <a:p>
             <a:r>
               <a:rPr lang="pt" sz="3200" dirty="0"/>
-              <a:t>Antes de aplicar qualquer técnica vista aqui, verifique as tecnologias e versões de ferramentas que está usando</a:t>
-            </a:r>
-          </a:p>
-          <a:p>
+              <a:t>As tecnologias e estratégias para escalabilidade apresentadas anteriormente normalmente terão um custo associado</a:t>
+            </a:r>
+          </a:p>
+          <a:p>
+            <a:r>
+              <a:rPr lang="pt-PT" sz="3200" b="1" dirty="0"/>
+              <a:t>Custo Operacional</a:t>
+            </a:r>
+            <a:r>
+              <a:rPr lang="pt-PT" sz="3200" dirty="0"/>
+              <a:t>: requer tempo e esforço para colocar em funcionamento</a:t>
+            </a:r>
+            <a:endParaRPr lang="pt" sz="3200" dirty="0"/>
+          </a:p>
+          <a:p>
+            <a:r>
+              <a:rPr lang="en-US" sz="3200" b="1" dirty="0" err="1"/>
+              <a:t>Custo</a:t>
+            </a:r>
+            <a:r>
+              <a:rPr lang="en-US" sz="3200" b="1" dirty="0"/>
+              <a:t> </a:t>
+            </a:r>
+            <a:r>
+              <a:rPr lang="en-US" sz="3200" b="1" dirty="0" err="1"/>
+              <a:t>Financeiro</a:t>
+            </a:r>
             <a:r>
               <a:rPr lang="en-US" sz="3200" dirty="0"/>
-              <a:t>O PHP 7 </a:t>
+              <a:t>: </a:t>
             </a:r>
             <a:r>
               <a:rPr lang="en-US" sz="3200" dirty="0" err="1"/>
-              <a:t>por</a:t>
+              <a:t>usar</a:t>
             </a:r>
             <a:r>
               <a:rPr lang="en-US" sz="3200" dirty="0"/>
@@ -36704,7 +36416,7 @@
             </a:r>
             <a:r>
               <a:rPr lang="en-US" sz="3200" dirty="0" err="1"/>
-              <a:t>exemplo</a:t>
+              <a:t>mais</a:t>
             </a:r>
             <a:r>
               <a:rPr lang="en-US" sz="3200" dirty="0"/>
@@ -36712,7 +36424,15 @@
             </a:r>
             <a:r>
               <a:rPr lang="en-US" sz="3200" dirty="0" err="1"/>
-              <a:t>trouxe</a:t>
+              <a:t>máquinas</a:t>
+            </a:r>
+            <a:r>
+              <a:rPr lang="en-US" sz="3200" dirty="0"/>
+              <a:t> para </a:t>
+            </a:r>
+            <a:r>
+              <a:rPr lang="en-US" sz="3200" dirty="0" err="1"/>
+              <a:t>distribuir</a:t>
             </a:r>
             <a:r>
               <a:rPr lang="en-US" sz="3200" dirty="0"/>
@@ -36720,7 +36440,23 @@
             </a:r>
             <a:r>
               <a:rPr lang="en-US" sz="3200" dirty="0" err="1"/>
-              <a:t>inacreditáveis</a:t>
+              <a:t>melhor</a:t>
+            </a:r>
+            <a:r>
+              <a:rPr lang="en-US" sz="3200" dirty="0"/>
+              <a:t> o </a:t>
+            </a:r>
+            <a:r>
+              <a:rPr lang="en-US" sz="3200" dirty="0" err="1"/>
+              <a:t>sistema</a:t>
+            </a:r>
+            <a:r>
+              <a:rPr lang="en-US" sz="3200" dirty="0"/>
+              <a:t> e </a:t>
+            </a:r>
+            <a:r>
+              <a:rPr lang="en-US" sz="3200" dirty="0" err="1"/>
+              <a:t>balancear</a:t>
             </a:r>
             <a:r>
               <a:rPr lang="en-US" sz="3200" dirty="0"/>
@@ -36728,26 +36464,7 @@
             </a:r>
             <a:r>
               <a:rPr lang="en-US" sz="3200" dirty="0" err="1"/>
-              <a:t>melhorias</a:t>
-            </a:r>
-            <a:r>
-              <a:rPr lang="en-US" sz="3200" dirty="0"/>
-              <a:t> de </a:t>
-            </a:r>
-            <a:r>
-              <a:rPr lang="en-US" sz="3200" dirty="0" err="1"/>
-              <a:t>desempenho</a:t>
-            </a:r>
-            <a:endParaRPr lang="pt" sz="3200" dirty="0"/>
-          </a:p>
-          <a:p>
-            <a:r>
-              <a:rPr lang="en-US" sz="3200" dirty="0"/>
-              <a:t>2x </a:t>
-            </a:r>
-            <a:r>
-              <a:rPr lang="en-US" sz="3200" dirty="0" err="1"/>
-              <a:t>mais</a:t>
+              <a:t>carga</a:t>
             </a:r>
             <a:r>
               <a:rPr lang="en-US" sz="3200" dirty="0"/>
@@ -36755,39 +36472,15 @@
             </a:r>
             <a:r>
               <a:rPr lang="en-US" sz="3200" dirty="0" err="1"/>
-              <a:t>rápido</a:t>
+              <a:t>terá</a:t>
             </a:r>
             <a:r>
               <a:rPr lang="en-US" sz="3200" dirty="0"/>
-              <a:t>, -30% RAM</a:t>
-            </a:r>
-            <a:endParaRPr lang="pt" sz="3200" dirty="0"/>
-          </a:p>
-          <a:p>
-            <a:pPr marL="0" indent="0" algn="ctr">
-              <a:buNone/>
-            </a:pPr>
-            <a:r>
-              <a:rPr lang="en-US" sz="3200" dirty="0">
-                <a:hlinkClick r:id="rId2"/>
-              </a:rPr>
-              <a:t>www.zend.com/en/resources/php7_infographic</a:t>
-            </a:r>
-            <a:r>
-              <a:rPr lang="en-US" sz="3200" dirty="0"/>
-              <a:t> Zend, </a:t>
+              <a:t> um </a:t>
             </a:r>
             <a:r>
               <a:rPr lang="en-US" sz="3200" dirty="0" err="1"/>
-              <a:t>empresa</a:t>
-            </a:r>
-            <a:r>
-              <a:rPr lang="en-US" sz="3200" dirty="0"/>
-              <a:t> que </a:t>
-            </a:r>
-            <a:r>
-              <a:rPr lang="en-US" sz="3200" dirty="0" err="1"/>
-              <a:t>atualmente</a:t>
+              <a:t>custo</a:t>
             </a:r>
             <a:r>
               <a:rPr lang="en-US" sz="3200" dirty="0"/>
@@ -36795,149 +36488,16 @@
             </a:r>
             <a:r>
               <a:rPr lang="en-US" sz="3200" dirty="0" err="1"/>
-              <a:t>mantém</a:t>
-            </a:r>
-            <a:r>
-              <a:rPr lang="en-US" sz="3200" dirty="0"/>
-              <a:t> o PHP</a:t>
-            </a:r>
-          </a:p>
-          <a:p>
-            <a:pPr marL="0" indent="0" algn="ctr">
-              <a:buNone/>
-            </a:pPr>
-            <a:r>
-              <a:rPr lang="en-US" sz="3200" dirty="0">
-                <a:hlinkClick r:id="rId3"/>
-              </a:rPr>
-              <a:t>https://youtu.be/rKXFgWP-2xQ</a:t>
-            </a:r>
-            <a:r>
-              <a:rPr lang="en-US" sz="3200" dirty="0"/>
-              <a:t> </a:t>
-            </a:r>
-            <a:br>
-              <a:rPr lang="en-US" sz="3200" dirty="0"/>
-            </a:br>
-            <a:r>
-              <a:rPr lang="en-US" sz="3200" dirty="0"/>
-              <a:t>Rasmus </a:t>
-            </a:r>
-            <a:r>
-              <a:rPr lang="en-US" sz="3200" dirty="0" err="1"/>
-              <a:t>Lerdorf</a:t>
-            </a:r>
-            <a:r>
-              <a:rPr lang="en-US" sz="3200" dirty="0"/>
-              <a:t>, </a:t>
-            </a:r>
-            <a:r>
-              <a:rPr lang="en-US" sz="3200" dirty="0" err="1"/>
-              <a:t>creador</a:t>
-            </a:r>
-            <a:r>
-              <a:rPr lang="en-US" sz="3200" dirty="0"/>
-              <a:t> do PHP</a:t>
+              <a:t>adicional</a:t>
             </a:r>
             <a:endParaRPr lang="pt" sz="3200" dirty="0"/>
-          </a:p>
-        </p:txBody>
-      </p:sp>
-      <p:sp>
-        <p:nvSpPr>
-          <p:cNvPr id="4" name="Slide Number Placeholder 3">
-            <a:extLst>
-              <a:ext uri="{FF2B5EF4-FFF2-40B4-BE49-F238E27FC236}">
-                <a16:creationId xmlns:a16="http://schemas.microsoft.com/office/drawing/2014/main" id="{2EA509C2-078C-DE4C-BE59-C32AF18E82D6}"/>
-              </a:ext>
-            </a:extLst>
-          </p:cNvPr>
-          <p:cNvSpPr>
-            <a:spLocks noGrp="1"/>
-          </p:cNvSpPr>
-          <p:nvPr>
-            <p:ph type="sldNum" sz="quarter" idx="12"/>
-          </p:nvPr>
-        </p:nvSpPr>
-        <p:spPr/>
-        <p:txBody>
-          <a:bodyPr/>
-          <a:lstStyle/>
-          <a:p>
-            <a:fld id="{2183B7EE-0FBE-B749-875F-ED24F5ECD71F}" type="slidenum">
-              <a:rPr lang="en-US" smtClean="0"/>
-              <a:t>63</a:t>
-            </a:fld>
-            <a:endParaRPr lang="en-US" dirty="0"/>
-          </a:p>
-        </p:txBody>
-      </p:sp>
-      <p:sp>
-        <p:nvSpPr>
-          <p:cNvPr id="7" name="Title 1">
-            <a:extLst>
-              <a:ext uri="{FF2B5EF4-FFF2-40B4-BE49-F238E27FC236}">
-                <a16:creationId xmlns:a16="http://schemas.microsoft.com/office/drawing/2014/main" id="{873CC896-80B5-494C-AD6B-34365C23E09E}"/>
-              </a:ext>
-            </a:extLst>
-          </p:cNvPr>
-          <p:cNvSpPr txBox="1">
-            <a:spLocks/>
-          </p:cNvSpPr>
-          <p:nvPr/>
-        </p:nvSpPr>
-        <p:spPr>
-          <a:xfrm>
-            <a:off x="2004561" y="99458"/>
-            <a:ext cx="9530038" cy="1509490"/>
-          </a:xfrm>
-          <a:prstGeom prst="rect">
-            <a:avLst/>
-          </a:prstGeom>
-        </p:spPr>
-        <p:txBody>
-          <a:bodyPr vert="horz" lIns="91440" tIns="45720" rIns="91440" bIns="45720" rtlCol="0" anchor="ctr">
-            <a:normAutofit/>
-          </a:bodyPr>
-          <a:lstStyle>
-            <a:lvl1pPr algn="r" defTabSz="914400" rtl="0" eaLnBrk="1" latinLnBrk="0" hangingPunct="1">
-              <a:lnSpc>
-                <a:spcPct val="90000"/>
-              </a:lnSpc>
-              <a:spcBef>
-                <a:spcPct val="0"/>
-              </a:spcBef>
-              <a:buNone/>
-              <a:defRPr sz="4000" kern="1200" cap="all" baseline="0">
-                <a:solidFill>
-                  <a:schemeClr val="tx1"/>
-                </a:solidFill>
-                <a:latin typeface="+mj-lt"/>
-                <a:ea typeface="+mj-ea"/>
-                <a:cs typeface="+mj-cs"/>
-              </a:defRPr>
-            </a:lvl1pPr>
-          </a:lstStyle>
-          <a:p>
-            <a:r>
-              <a:rPr lang="pt-BR" b="1" i="1"/>
-              <a:t>Discutindo estragérias </a:t>
-            </a:r>
-            <a:br>
-              <a:rPr lang="pt-BR" b="1" i="1"/>
-            </a:br>
-            <a:r>
-              <a:rPr lang="pt-BR" b="1" i="1"/>
-              <a:t>de escalabilidade</a:t>
-            </a:r>
-            <a:endParaRPr lang="pt-BR" dirty="0"/>
           </a:p>
         </p:txBody>
       </p:sp>
     </p:spTree>
     <p:extLst>
       <p:ext uri="{BB962C8B-B14F-4D97-AF65-F5344CB8AC3E}">
-        <p14:creationId xmlns:p14="http://schemas.microsoft.com/office/powerpoint/2010/main" val="4100838962"/>
+        <p14:creationId xmlns:p14="http://schemas.microsoft.com/office/powerpoint/2010/main" val="1108108973"/>
       </p:ext>
     </p:extLst>
   </p:cSld>
@@ -37026,14 +36586,57 @@
                             </p:stCondLst>
                             <p:childTnLst>
                               <p:par>
-                                <p:cTn id="10" presetID="9" presetClass="entr" presetSubtype="0" fill="hold" grpId="0" nodeType="clickEffect">
+                                <p:cTn id="10" presetID="9" presetClass="exit" presetSubtype="0" fill="hold" grpId="1" nodeType="clickEffect">
+                                  <p:stCondLst>
+                                    <p:cond delay="0"/>
+                                  </p:stCondLst>
+                                  <p:childTnLst>
+                                    <p:animEffect transition="out" filter="dissolve">
+                                      <p:cBhvr>
+                                        <p:cTn id="11" dur="500"/>
+                                        <p:tgtEl>
+                                          <p:spTgt spid="3">
+                                            <p:txEl>
+                                              <p:pRg st="0" end="0"/>
+                                            </p:txEl>
+                                          </p:spTgt>
+                                        </p:tgtEl>
+                                      </p:cBhvr>
+                                    </p:animEffect>
+                                    <p:set>
+                                      <p:cBhvr>
+                                        <p:cTn id="12" dur="1" fill="hold">
+                                          <p:stCondLst>
+                                            <p:cond delay="499"/>
+                                          </p:stCondLst>
+                                        </p:cTn>
+                                        <p:tgtEl>
+                                          <p:spTgt spid="3">
+                                            <p:txEl>
+                                              <p:pRg st="0" end="0"/>
+                                            </p:txEl>
+                                          </p:spTgt>
+                                        </p:tgtEl>
+                                        <p:attrNameLst>
+                                          <p:attrName>style.visibility</p:attrName>
+                                        </p:attrNameLst>
+                                      </p:cBhvr>
+                                      <p:to>
+                                        <p:strVal val="hidden"/>
+                                      </p:to>
+                                    </p:set>
+                                  </p:childTnLst>
+                                </p:cTn>
+                              </p:par>
+                              <p:par>
+                                <p:cTn id="13" presetID="9" presetClass="entr" presetSubtype="0" fill="hold" grpId="0" nodeType="withEffect">
                                   <p:stCondLst>
                                     <p:cond delay="0"/>
                                   </p:stCondLst>
                                   <p:childTnLst>
                                     <p:set>
                                       <p:cBhvr>
-                                        <p:cTn id="11" dur="1" fill="hold">
+                                        <p:cTn id="14" dur="1" fill="hold">
                                           <p:stCondLst>
                                             <p:cond delay="0"/>
                                           </p:stCondLst>
@@ -37055,7 +36658,7 @@
                                     </p:set>
                                     <p:animEffect transition="in" filter="dissolve">
                                       <p:cBhvr>
-                                        <p:cTn id="12" dur="500"/>
+                                        <p:cTn id="15" dur="500"/>
                                         <p:tgtEl>
                                           <p:spTgt spid="3">
                                             <p:txEl>
@@ -37065,49 +36668,6 @@
                                         </p:tgtEl>
                                       </p:cBhvr>
                                     </p:animEffect>
-                                  </p:childTnLst>
-                                </p:cTn>
-                              </p:par>
-                              <p:par>
-                                <p:cTn id="13" presetID="9" presetClass="exit" presetSubtype="0" fill="hold" grpId="1" nodeType="withEffect">
-                                  <p:stCondLst>
-                                    <p:cond delay="0"/>
-                                  </p:stCondLst>
-                                  <p:childTnLst>
-                                    <p:animEffect transition="out" filter="dissolve">
-                                      <p:cBhvr>
-                                        <p:cTn id="14" dur="500"/>
-                                        <p:tgtEl>
-                                          <p:spTgt spid="3">
-                                            <p:txEl>
-                                              <p:pRg st="0" end="0"/>
-                                            </p:txEl>
-                                          </p:spTgt>
-                                        </p:tgtEl>
-                                      </p:cBhvr>
-                                    </p:animEffect>
-                                    <p:set>
-                                      <p:cBhvr>
-                                        <p:cTn id="15" dur="1" fill="hold">
-                                          <p:stCondLst>
-                                            <p:cond delay="499"/>
-                                          </p:stCondLst>
-                                        </p:cTn>
-                                        <p:tgtEl>
-                                          <p:spTgt spid="3">
-                                            <p:txEl>
-                                              <p:pRg st="0" end="0"/>
-                                            </p:txEl>
-                                          </p:spTgt>
-                                        </p:tgtEl>
-                                        <p:attrNameLst>
-                                          <p:attrName>style.visibility</p:attrName>
-                                        </p:attrNameLst>
-                                      </p:cBhvr>
-                                      <p:to>
-                                        <p:strVal val="hidden"/>
-                                      </p:to>
-                                    </p:set>
                                   </p:childTnLst>
                                 </p:cTn>
                               </p:par>
@@ -37234,136 +36794,14 @@
                             </p:stCondLst>
                             <p:childTnLst>
                               <p:par>
-                                <p:cTn id="26" presetID="9" presetClass="entr" presetSubtype="0" fill="hold" grpId="0" nodeType="clickEffect">
-                                  <p:stCondLst>
-                                    <p:cond delay="0"/>
-                                  </p:stCondLst>
-                                  <p:childTnLst>
-                                    <p:set>
-                                      <p:cBhvr>
-                                        <p:cTn id="27" dur="1" fill="hold">
-                                          <p:stCondLst>
-                                            <p:cond delay="0"/>
-                                          </p:stCondLst>
-                                        </p:cTn>
-                                        <p:tgtEl>
-                                          <p:spTgt spid="3">
-                                            <p:txEl>
-                                              <p:pRg st="3" end="3"/>
-                                            </p:txEl>
-                                          </p:spTgt>
-                                        </p:tgtEl>
-                                        <p:attrNameLst>
-                                          <p:attrName>style.visibility</p:attrName>
-                                        </p:attrNameLst>
-                                      </p:cBhvr>
-                                      <p:to>
-                                        <p:strVal val="visible"/>
-                                      </p:to>
-                                    </p:set>
-                                    <p:animEffect transition="in" filter="dissolve">
-                                      <p:cBhvr>
-                                        <p:cTn id="28" dur="500"/>
-                                        <p:tgtEl>
-                                          <p:spTgt spid="3">
-                                            <p:txEl>
-                                              <p:pRg st="3" end="3"/>
-                                            </p:txEl>
-                                          </p:spTgt>
-                                        </p:tgtEl>
-                                      </p:cBhvr>
-                                    </p:animEffect>
-                                  </p:childTnLst>
-                                </p:cTn>
-                              </p:par>
-                            </p:childTnLst>
-                          </p:cTn>
-                        </p:par>
-                      </p:childTnLst>
-                    </p:cTn>
-                  </p:par>
-                  <p:par>
-                    <p:cTn id="29" fill="hold">
-                      <p:stCondLst>
-                        <p:cond delay="indefinite"/>
-                      </p:stCondLst>
-                      <p:childTnLst>
-                        <p:par>
-                          <p:cTn id="30" fill="hold">
-                            <p:stCondLst>
-                              <p:cond delay="0"/>
-                            </p:stCondLst>
-                            <p:childTnLst>
-                              <p:par>
-                                <p:cTn id="31" presetID="9" presetClass="entr" presetSubtype="0" fill="hold" grpId="0" nodeType="clickEffect">
-                                  <p:stCondLst>
-                                    <p:cond delay="0"/>
-                                  </p:stCondLst>
-                                  <p:childTnLst>
-                                    <p:set>
-                                      <p:cBhvr>
-                                        <p:cTn id="32" dur="1" fill="hold">
-                                          <p:stCondLst>
-                                            <p:cond delay="0"/>
-                                          </p:stCondLst>
-                                        </p:cTn>
-                                        <p:tgtEl>
-                                          <p:spTgt spid="3">
-                                            <p:txEl>
-                                              <p:pRg st="4" end="4"/>
-                                            </p:txEl>
-                                          </p:spTgt>
-                                        </p:tgtEl>
-                                        <p:attrNameLst>
-                                          <p:attrName>style.visibility</p:attrName>
-                                        </p:attrNameLst>
-                                      </p:cBhvr>
-                                      <p:to>
-                                        <p:strVal val="visible"/>
-                                      </p:to>
-                                    </p:set>
-                                    <p:animEffect transition="in" filter="dissolve">
-                                      <p:cBhvr>
-                                        <p:cTn id="33" dur="500"/>
-                                        <p:tgtEl>
-                                          <p:spTgt spid="3">
-                                            <p:txEl>
-                                              <p:pRg st="4" end="4"/>
-                                            </p:txEl>
-                                          </p:spTgt>
-                                        </p:tgtEl>
-                                      </p:cBhvr>
-                                    </p:animEffect>
-                                  </p:childTnLst>
-                                </p:cTn>
-                              </p:par>
-                            </p:childTnLst>
-                          </p:cTn>
-                        </p:par>
-                      </p:childTnLst>
-                    </p:cTn>
-                  </p:par>
-                  <p:par>
-                    <p:cTn id="34" fill="hold">
-                      <p:stCondLst>
-                        <p:cond delay="indefinite"/>
-                      </p:stCondLst>
-                      <p:childTnLst>
-                        <p:par>
-                          <p:cTn id="35" fill="hold">
-                            <p:stCondLst>
-                              <p:cond delay="0"/>
-                            </p:stCondLst>
-                            <p:childTnLst>
-                              <p:par>
-                                <p:cTn id="36" presetID="9" presetClass="exit" presetSubtype="0" fill="hold" grpId="1" nodeType="clickEffect">
+                                <p:cTn id="26" presetID="9" presetClass="exit" presetSubtype="0" fill="hold" nodeType="clickEffect">
                                   <p:stCondLst>
                                     <p:cond delay="0"/>
                                   </p:stCondLst>
                                   <p:childTnLst>
                                     <p:animEffect transition="out" filter="dissolve">
                                       <p:cBhvr>
-                                        <p:cTn id="37" dur="500"/>
+                                        <p:cTn id="27" dur="500"/>
                                         <p:tgtEl>
                                           <p:spTgt spid="3">
                                             <p:txEl>
@@ -37375,7 +36813,7 @@
                                     </p:animEffect>
                                     <p:set>
                                       <p:cBhvr>
-                                        <p:cTn id="38" dur="1" fill="hold">
+                                        <p:cTn id="28" dur="1" fill="hold">
                                           <p:stCondLst>
                                             <p:cond delay="499"/>
                                           </p:stCondLst>
@@ -37384,128 +36822,6 @@
                                           <p:spTgt spid="3">
                                             <p:txEl>
                                               <p:pRg st="2" end="2"/>
-                                            </p:txEl>
-                                          </p:spTgt>
-                                        </p:tgtEl>
-                                        <p:attrNameLst>
-                                          <p:attrName>style.visibility</p:attrName>
-                                        </p:attrNameLst>
-                                      </p:cBhvr>
-                                      <p:to>
-                                        <p:strVal val="hidden"/>
-                                      </p:to>
-                                    </p:set>
-                                  </p:childTnLst>
-                                </p:cTn>
-                              </p:par>
-                            </p:childTnLst>
-                          </p:cTn>
-                        </p:par>
-                      </p:childTnLst>
-                    </p:cTn>
-                  </p:par>
-                  <p:par>
-                    <p:cTn id="39" fill="hold">
-                      <p:stCondLst>
-                        <p:cond delay="indefinite"/>
-                      </p:stCondLst>
-                      <p:childTnLst>
-                        <p:par>
-                          <p:cTn id="40" fill="hold">
-                            <p:stCondLst>
-                              <p:cond delay="0"/>
-                            </p:stCondLst>
-                            <p:childTnLst>
-                              <p:par>
-                                <p:cTn id="41" presetID="9" presetClass="exit" presetSubtype="0" fill="hold" grpId="1" nodeType="clickEffect">
-                                  <p:stCondLst>
-                                    <p:cond delay="0"/>
-                                  </p:stCondLst>
-                                  <p:childTnLst>
-                                    <p:animEffect transition="out" filter="dissolve">
-                                      <p:cBhvr>
-                                        <p:cTn id="42" dur="500"/>
-                                        <p:tgtEl>
-                                          <p:spTgt spid="3">
-                                            <p:txEl>
-                                              <p:pRg st="3" end="3"/>
-                                            </p:txEl>
-                                          </p:spTgt>
-                                        </p:tgtEl>
-                                      </p:cBhvr>
-                                    </p:animEffect>
-                                    <p:set>
-                                      <p:cBhvr>
-                                        <p:cTn id="43" dur="1" fill="hold">
-                                          <p:stCondLst>
-                                            <p:cond delay="499"/>
-                                          </p:stCondLst>
-                                        </p:cTn>
-                                        <p:tgtEl>
-                                          <p:spTgt spid="3">
-                                            <p:txEl>
-                                              <p:pRg st="3" end="3"/>
-                                            </p:txEl>
-                                          </p:spTgt>
-                                        </p:tgtEl>
-                                        <p:attrNameLst>
-                                          <p:attrName>style.visibility</p:attrName>
-                                        </p:attrNameLst>
-                                      </p:cBhvr>
-                                      <p:to>
-                                        <p:strVal val="hidden"/>
-                                      </p:to>
-                                    </p:set>
-                                  </p:childTnLst>
-                                </p:cTn>
-                              </p:par>
-                            </p:childTnLst>
-                          </p:cTn>
-                        </p:par>
-                      </p:childTnLst>
-                    </p:cTn>
-                  </p:par>
-                  <p:par>
-                    <p:cTn id="44" fill="hold">
-                      <p:stCondLst>
-                        <p:cond delay="indefinite"/>
-                      </p:stCondLst>
-                      <p:childTnLst>
-                        <p:par>
-                          <p:cTn id="45" fill="hold">
-                            <p:stCondLst>
-                              <p:cond delay="0"/>
-                            </p:stCondLst>
-                            <p:childTnLst>
-                              <p:par>
-                                <p:cTn id="46" presetID="9" presetClass="exit" presetSubtype="0" fill="hold" grpId="1" nodeType="clickEffect">
-                                  <p:stCondLst>
-                                    <p:cond delay="0"/>
-                                  </p:stCondLst>
-                                  <p:childTnLst>
-                                    <p:animEffect transition="out" filter="dissolve">
-                                      <p:cBhvr>
-                                        <p:cTn id="47" dur="500"/>
-                                        <p:tgtEl>
-                                          <p:spTgt spid="3">
-                                            <p:txEl>
-                                              <p:pRg st="4" end="4"/>
-                                            </p:txEl>
-                                          </p:spTgt>
-                                        </p:tgtEl>
-                                      </p:cBhvr>
-                                    </p:animEffect>
-                                    <p:set>
-                                      <p:cBhvr>
-                                        <p:cTn id="48" dur="1" fill="hold">
-                                          <p:stCondLst>
-                                            <p:cond delay="499"/>
-                                          </p:stCondLst>
-                                        </p:cTn>
-                                        <p:tgtEl>
-                                          <p:spTgt spid="3">
-                                            <p:txEl>
-                                              <p:pRg st="4" end="4"/>
                                             </p:txEl>
                                           </p:spTgt>
                                         </p:tgtEl>
@@ -37590,8 +36906,8 @@
         </p:nvSpPr>
         <p:spPr>
           <a:xfrm>
-            <a:off x="596348" y="1444491"/>
-            <a:ext cx="10908264" cy="1838356"/>
+            <a:off x="596348" y="1444490"/>
+            <a:ext cx="10908264" cy="5032509"/>
           </a:xfrm>
         </p:spPr>
         <p:txBody>
@@ -37601,9 +36917,152 @@
           <a:lstStyle/>
           <a:p>
             <a:r>
-              <a:rPr lang="pt-PT" sz="3200" dirty="0"/>
-              <a:t>O servidor web utilizado também pode fazer uma grande diferença no consumo de recursos</a:t>
-            </a:r>
+              <a:rPr lang="pt" sz="3200" dirty="0"/>
+              <a:t>Antes de aplicar qualquer técnica vista aqui, verifique as tecnologias e versões de ferramentas que está usando</a:t>
+            </a:r>
+          </a:p>
+          <a:p>
+            <a:r>
+              <a:rPr lang="en-US" sz="3200" dirty="0"/>
+              <a:t>O PHP 7 por </a:t>
+            </a:r>
+            <a:r>
+              <a:rPr lang="en-US" sz="3200" dirty="0" err="1"/>
+              <a:t>exemplo</a:t>
+            </a:r>
+            <a:r>
+              <a:rPr lang="en-US" sz="3200" dirty="0"/>
+              <a:t> </a:t>
+            </a:r>
+            <a:r>
+              <a:rPr lang="en-US" sz="3200" dirty="0" err="1"/>
+              <a:t>trouxe</a:t>
+            </a:r>
+            <a:r>
+              <a:rPr lang="en-US" sz="3200" dirty="0"/>
+              <a:t> </a:t>
+            </a:r>
+            <a:r>
+              <a:rPr lang="en-US" sz="3200" dirty="0" err="1"/>
+              <a:t>inacreditáveis</a:t>
+            </a:r>
+            <a:r>
+              <a:rPr lang="en-US" sz="3200" dirty="0"/>
+              <a:t> </a:t>
+            </a:r>
+            <a:r>
+              <a:rPr lang="en-US" sz="3200" dirty="0" err="1"/>
+              <a:t>melhorias</a:t>
+            </a:r>
+            <a:r>
+              <a:rPr lang="en-US" sz="3200" dirty="0"/>
+              <a:t> de </a:t>
+            </a:r>
+            <a:r>
+              <a:rPr lang="en-US" sz="3200" dirty="0" err="1"/>
+              <a:t>desempenho</a:t>
+            </a:r>
+          </a:p>
+          <a:p>
+            <a:r>
+              <a:rPr lang="en-US" sz="3200" dirty="0"/>
+              <a:t>2x </a:t>
+            </a:r>
+            <a:r>
+              <a:rPr lang="en-US" sz="3200" dirty="0" err="1"/>
+              <a:t>mais</a:t>
+            </a:r>
+            <a:r>
+              <a:rPr lang="en-US" sz="3200" dirty="0"/>
+              <a:t> </a:t>
+            </a:r>
+            <a:r>
+              <a:rPr lang="en-US" sz="3200" dirty="0" err="1"/>
+              <a:t>rápido</a:t>
+            </a:r>
+            <a:r>
+              <a:rPr lang="en-US" sz="3200" dirty="0"/>
+              <a:t>, -30% RAM</a:t>
+            </a:r>
+            <a:endParaRPr lang="pt" sz="3200" dirty="0"/>
+          </a:p>
+          <a:p>
+            <a:pPr marL="0" indent="0" algn="ctr">
+              <a:buNone/>
+            </a:pPr>
+            <a:r>
+              <a:rPr lang="en-US" sz="3200" dirty="0">
+                <a:hlinkClick r:id="rId2"/>
+              </a:rPr>
+              <a:t>www.zend.com/en/resources/php7_infographic</a:t>
+            </a:r>
+            <a:r>
+              <a:rPr lang="en-US" sz="3200" dirty="0"/>
+              <a:t> Zend, </a:t>
+            </a:r>
+            <a:r>
+              <a:rPr lang="en-US" sz="3200" dirty="0" err="1"/>
+              <a:t>empresa</a:t>
+            </a:r>
+            <a:r>
+              <a:rPr lang="en-US" sz="3200" dirty="0"/>
+              <a:t> que </a:t>
+            </a:r>
+            <a:r>
+              <a:rPr lang="en-US" sz="3200" dirty="0" err="1"/>
+              <a:t>atualmente</a:t>
+            </a:r>
+            <a:r>
+              <a:rPr lang="en-US" sz="3200" dirty="0"/>
+              <a:t> </a:t>
+            </a:r>
+            <a:r>
+              <a:rPr lang="en-US" sz="3200" dirty="0" err="1"/>
+              <a:t>mantém</a:t>
+            </a:r>
+            <a:r>
+              <a:rPr lang="en-US" sz="3200" dirty="0"/>
+              <a:t> o PHP</a:t>
+            </a:r>
+          </a:p>
+          <a:p>
+            <a:pPr marL="0" indent="0" algn="ctr">
+              <a:buNone/>
+            </a:pPr>
+            <a:r>
+              <a:rPr lang="en-US" sz="3200" dirty="0">
+                <a:hlinkClick r:id="rId3"/>
+              </a:rPr>
+              <a:t>https://youtu.be/rKXFgWP-2xQ</a:t>
+            </a:r>
+            <a:r>
+              <a:rPr lang="en-US" sz="3200" dirty="0"/>
+              <a:t> </a:t>
+            </a:r>
+            <a:br>
+              <a:rPr lang="en-US" sz="3200" dirty="0"/>
+            </a:br>
+            <a:r>
+              <a:rPr lang="en-US" sz="3200" dirty="0"/>
+              <a:t>Rasmus </a:t>
+            </a:r>
+            <a:r>
+              <a:rPr lang="en-US" sz="3200" dirty="0" err="1"/>
+              <a:t>Lerdorf</a:t>
+            </a:r>
+            <a:r>
+              <a:rPr lang="en-US" sz="3200" dirty="0"/>
+              <a:t>, </a:t>
+            </a:r>
+            <a:r>
+              <a:rPr lang="en-US" sz="3200" dirty="0" err="1"/>
+              <a:t>creador</a:t>
+            </a:r>
+            <a:r>
+              <a:rPr lang="en-US" sz="3200" dirty="0"/>
+              <a:t> do PHP</a:t>
+            </a:r>
+            <a:endParaRPr lang="pt" sz="3200" dirty="0"/>
           </a:p>
         </p:txBody>
       </p:sp>
@@ -37684,14 +37143,22 @@
           </a:lstStyle>
           <a:p>
             <a:r>
-              <a:rPr lang="pt-BR" b="1" i="1"/>
-              <a:t>Discutindo estragérias </a:t>
+              <a:rPr lang="pt-BR" b="1" i="1" dirty="0"/>
+              <a:t>Discutindo </a:t>
+            </a:r>
+            <a:r>
+              <a:rPr lang="pt-BR" b="1" i="1" dirty="0" err="1"/>
+              <a:t>estraTéGias</a:t>
+            </a:r>
+            <a:r>
+              <a:rPr lang="pt-BR" b="1" i="1" dirty="0"/>
+              <a:t> </a:t>
             </a:r>
             <a:br>
-              <a:rPr lang="pt-BR" b="1" i="1"/>
+              <a:rPr lang="pt-BR" b="1" i="1" dirty="0"/>
             </a:br>
             <a:r>
-              <a:rPr lang="pt-BR" b="1" i="1"/>
+              <a:rPr lang="pt-BR" b="1" i="1" dirty="0"/>
               <a:t>de escalabilidade</a:t>
             </a:r>
             <a:endParaRPr lang="pt-BR" dirty="0"/>
@@ -37701,7 +37168,7 @@
     </p:spTree>
     <p:extLst>
       <p:ext uri="{BB962C8B-B14F-4D97-AF65-F5344CB8AC3E}">
-        <p14:creationId xmlns:p14="http://schemas.microsoft.com/office/powerpoint/2010/main" val="725837398"/>
+        <p14:creationId xmlns:p14="http://schemas.microsoft.com/office/powerpoint/2010/main" val="4100838962"/>
       </p:ext>
     </p:extLst>
   </p:cSld>
@@ -37771,15 +37238,76 @@
                                   </p:childTnLst>
                                 </p:cTn>
                               </p:par>
+                            </p:childTnLst>
+                          </p:cTn>
+                        </p:par>
+                      </p:childTnLst>
+                    </p:cTn>
+                  </p:par>
+                  <p:par>
+                    <p:cTn id="8" fill="hold">
+                      <p:stCondLst>
+                        <p:cond delay="indefinite"/>
+                      </p:stCondLst>
+                      <p:childTnLst>
+                        <p:par>
+                          <p:cTn id="9" fill="hold">
+                            <p:stCondLst>
+                              <p:cond delay="0"/>
+                            </p:stCondLst>
+                            <p:childTnLst>
                               <p:par>
-                                <p:cTn id="8" presetID="9" presetClass="exit" presetSubtype="0" fill="hold" grpId="1" nodeType="withEffect">
+                                <p:cTn id="10" presetID="9" presetClass="entr" presetSubtype="0" fill="hold" grpId="0" nodeType="clickEffect">
+                                  <p:stCondLst>
+                                    <p:cond delay="0"/>
+                                  </p:stCondLst>
+                                  <p:childTnLst>
+                                    <p:set>
+                                      <p:cBhvr>
+                                        <p:cTn id="11" dur="1" fill="hold">
+                                          <p:stCondLst>
+                                            <p:cond delay="0"/>
+                                          </p:stCondLst>
+                                        </p:cTn>
+                                        <p:tgtEl>
+                                          <p:spTgt spid="3">
+                                            <p:txEl>
+                                              <p:pRg st="1" end="1"/>
+                                            </p:txEl>
+                                          </p:spTgt>
+                                        </p:tgtEl>
+                                        <p:attrNameLst>
+                                          <p:attrName>style.visibility</p:attrName>
+                                        </p:attrNameLst>
+                                      </p:cBhvr>
+                                      <p:to>
+                                        <p:strVal val="visible"/>
+                                      </p:to>
+                                    </p:set>
+                                    <p:animEffect transition="in" filter="dissolve">
+                                      <p:cBhvr>
+                                        <p:cTn id="12" dur="500"/>
+                                        <p:tgtEl>
+                                          <p:spTgt spid="3">
+                                            <p:txEl>
+                                              <p:pRg st="1" end="1"/>
+                                            </p:txEl>
+                                          </p:spTgt>
+                                        </p:tgtEl>
+                                      </p:cBhvr>
+                                    </p:animEffect>
+                                  </p:childTnLst>
+                                </p:cTn>
+                              </p:par>
+                              <p:par>
+                                <p:cTn id="13" presetID="9" presetClass="exit" presetSubtype="0" fill="hold" grpId="1" nodeType="withEffect">
                                   <p:stCondLst>
                                     <p:cond delay="0"/>
                                   </p:stCondLst>
                                   <p:childTnLst>
                                     <p:animEffect transition="out" filter="dissolve">
                                       <p:cBhvr>
-                                        <p:cTn id="9" dur="500"/>
+                                        <p:cTn id="14" dur="500"/>
                                         <p:tgtEl>
                                           <p:spTgt spid="3">
                                             <p:txEl>
@@ -37791,7 +37319,7 @@
                                     </p:animEffect>
                                     <p:set>
                                       <p:cBhvr>
-                                        <p:cTn id="10" dur="1" fill="hold">
+                                        <p:cTn id="15" dur="1" fill="hold">
                                           <p:stCondLst>
                                             <p:cond delay="499"/>
                                           </p:stCondLst>
@@ -37800,6 +37328,415 @@
                                           <p:spTgt spid="3">
                                             <p:txEl>
                                               <p:pRg st="0" end="0"/>
+                                            </p:txEl>
+                                          </p:spTgt>
+                                        </p:tgtEl>
+                                        <p:attrNameLst>
+                                          <p:attrName>style.visibility</p:attrName>
+                                        </p:attrNameLst>
+                                      </p:cBhvr>
+                                      <p:to>
+                                        <p:strVal val="hidden"/>
+                                      </p:to>
+                                    </p:set>
+                                  </p:childTnLst>
+                                </p:cTn>
+                              </p:par>
+                            </p:childTnLst>
+                          </p:cTn>
+                        </p:par>
+                      </p:childTnLst>
+                    </p:cTn>
+                  </p:par>
+                  <p:par>
+                    <p:cTn id="16" fill="hold">
+                      <p:stCondLst>
+                        <p:cond delay="indefinite"/>
+                      </p:stCondLst>
+                      <p:childTnLst>
+                        <p:par>
+                          <p:cTn id="17" fill="hold">
+                            <p:stCondLst>
+                              <p:cond delay="0"/>
+                            </p:stCondLst>
+                            <p:childTnLst>
+                              <p:par>
+                                <p:cTn id="18" presetID="9" presetClass="exit" presetSubtype="0" fill="hold" grpId="1" nodeType="clickEffect">
+                                  <p:stCondLst>
+                                    <p:cond delay="0"/>
+                                  </p:stCondLst>
+                                  <p:childTnLst>
+                                    <p:animEffect transition="out" filter="dissolve">
+                                      <p:cBhvr>
+                                        <p:cTn id="19" dur="500"/>
+                                        <p:tgtEl>
+                                          <p:spTgt spid="3">
+                                            <p:txEl>
+                                              <p:pRg st="1" end="1"/>
+                                            </p:txEl>
+                                          </p:spTgt>
+                                        </p:tgtEl>
+                                      </p:cBhvr>
+                                    </p:animEffect>
+                                    <p:set>
+                                      <p:cBhvr>
+                                        <p:cTn id="20" dur="1" fill="hold">
+                                          <p:stCondLst>
+                                            <p:cond delay="499"/>
+                                          </p:stCondLst>
+                                        </p:cTn>
+                                        <p:tgtEl>
+                                          <p:spTgt spid="3">
+                                            <p:txEl>
+                                              <p:pRg st="1" end="1"/>
+                                            </p:txEl>
+                                          </p:spTgt>
+                                        </p:tgtEl>
+                                        <p:attrNameLst>
+                                          <p:attrName>style.visibility</p:attrName>
+                                        </p:attrNameLst>
+                                      </p:cBhvr>
+                                      <p:to>
+                                        <p:strVal val="hidden"/>
+                                      </p:to>
+                                    </p:set>
+                                  </p:childTnLst>
+                                </p:cTn>
+                              </p:par>
+                              <p:par>
+                                <p:cTn id="21" presetID="9" presetClass="entr" presetSubtype="0" fill="hold" grpId="0" nodeType="withEffect">
+                                  <p:stCondLst>
+                                    <p:cond delay="0"/>
+                                  </p:stCondLst>
+                                  <p:childTnLst>
+                                    <p:set>
+                                      <p:cBhvr>
+                                        <p:cTn id="22" dur="1" fill="hold">
+                                          <p:stCondLst>
+                                            <p:cond delay="0"/>
+                                          </p:stCondLst>
+                                        </p:cTn>
+                                        <p:tgtEl>
+                                          <p:spTgt spid="3">
+                                            <p:txEl>
+                                              <p:pRg st="2" end="2"/>
+                                            </p:txEl>
+                                          </p:spTgt>
+                                        </p:tgtEl>
+                                        <p:attrNameLst>
+                                          <p:attrName>style.visibility</p:attrName>
+                                        </p:attrNameLst>
+                                      </p:cBhvr>
+                                      <p:to>
+                                        <p:strVal val="visible"/>
+                                      </p:to>
+                                    </p:set>
+                                    <p:animEffect transition="in" filter="dissolve">
+                                      <p:cBhvr>
+                                        <p:cTn id="23" dur="500"/>
+                                        <p:tgtEl>
+                                          <p:spTgt spid="3">
+                                            <p:txEl>
+                                              <p:pRg st="2" end="2"/>
+                                            </p:txEl>
+                                          </p:spTgt>
+                                        </p:tgtEl>
+                                      </p:cBhvr>
+                                    </p:animEffect>
+                                  </p:childTnLst>
+                                </p:cTn>
+                              </p:par>
+                            </p:childTnLst>
+                          </p:cTn>
+                        </p:par>
+                      </p:childTnLst>
+                    </p:cTn>
+                  </p:par>
+                  <p:par>
+                    <p:cTn id="24" fill="hold">
+                      <p:stCondLst>
+                        <p:cond delay="indefinite"/>
+                      </p:stCondLst>
+                      <p:childTnLst>
+                        <p:par>
+                          <p:cTn id="25" fill="hold">
+                            <p:stCondLst>
+                              <p:cond delay="0"/>
+                            </p:stCondLst>
+                            <p:childTnLst>
+                              <p:par>
+                                <p:cTn id="26" presetID="9" presetClass="entr" presetSubtype="0" fill="hold" grpId="0" nodeType="clickEffect">
+                                  <p:stCondLst>
+                                    <p:cond delay="0"/>
+                                  </p:stCondLst>
+                                  <p:childTnLst>
+                                    <p:set>
+                                      <p:cBhvr>
+                                        <p:cTn id="27" dur="1" fill="hold">
+                                          <p:stCondLst>
+                                            <p:cond delay="0"/>
+                                          </p:stCondLst>
+                                        </p:cTn>
+                                        <p:tgtEl>
+                                          <p:spTgt spid="3">
+                                            <p:txEl>
+                                              <p:pRg st="3" end="3"/>
+                                            </p:txEl>
+                                          </p:spTgt>
+                                        </p:tgtEl>
+                                        <p:attrNameLst>
+                                          <p:attrName>style.visibility</p:attrName>
+                                        </p:attrNameLst>
+                                      </p:cBhvr>
+                                      <p:to>
+                                        <p:strVal val="visible"/>
+                                      </p:to>
+                                    </p:set>
+                                    <p:animEffect transition="in" filter="dissolve">
+                                      <p:cBhvr>
+                                        <p:cTn id="28" dur="500"/>
+                                        <p:tgtEl>
+                                          <p:spTgt spid="3">
+                                            <p:txEl>
+                                              <p:pRg st="3" end="3"/>
+                                            </p:txEl>
+                                          </p:spTgt>
+                                        </p:tgtEl>
+                                      </p:cBhvr>
+                                    </p:animEffect>
+                                  </p:childTnLst>
+                                </p:cTn>
+                              </p:par>
+                            </p:childTnLst>
+                          </p:cTn>
+                        </p:par>
+                      </p:childTnLst>
+                    </p:cTn>
+                  </p:par>
+                  <p:par>
+                    <p:cTn id="29" fill="hold">
+                      <p:stCondLst>
+                        <p:cond delay="indefinite"/>
+                      </p:stCondLst>
+                      <p:childTnLst>
+                        <p:par>
+                          <p:cTn id="30" fill="hold">
+                            <p:stCondLst>
+                              <p:cond delay="0"/>
+                            </p:stCondLst>
+                            <p:childTnLst>
+                              <p:par>
+                                <p:cTn id="31" presetID="9" presetClass="entr" presetSubtype="0" fill="hold" grpId="0" nodeType="clickEffect">
+                                  <p:stCondLst>
+                                    <p:cond delay="0"/>
+                                  </p:stCondLst>
+                                  <p:childTnLst>
+                                    <p:set>
+                                      <p:cBhvr>
+                                        <p:cTn id="32" dur="1" fill="hold">
+                                          <p:stCondLst>
+                                            <p:cond delay="0"/>
+                                          </p:stCondLst>
+                                        </p:cTn>
+                                        <p:tgtEl>
+                                          <p:spTgt spid="3">
+                                            <p:txEl>
+                                              <p:pRg st="4" end="4"/>
+                                            </p:txEl>
+                                          </p:spTgt>
+                                        </p:tgtEl>
+                                        <p:attrNameLst>
+                                          <p:attrName>style.visibility</p:attrName>
+                                        </p:attrNameLst>
+                                      </p:cBhvr>
+                                      <p:to>
+                                        <p:strVal val="visible"/>
+                                      </p:to>
+                                    </p:set>
+                                    <p:animEffect transition="in" filter="dissolve">
+                                      <p:cBhvr>
+                                        <p:cTn id="33" dur="500"/>
+                                        <p:tgtEl>
+                                          <p:spTgt spid="3">
+                                            <p:txEl>
+                                              <p:pRg st="4" end="4"/>
+                                            </p:txEl>
+                                          </p:spTgt>
+                                        </p:tgtEl>
+                                      </p:cBhvr>
+                                    </p:animEffect>
+                                  </p:childTnLst>
+                                </p:cTn>
+                              </p:par>
+                            </p:childTnLst>
+                          </p:cTn>
+                        </p:par>
+                      </p:childTnLst>
+                    </p:cTn>
+                  </p:par>
+                  <p:par>
+                    <p:cTn id="34" fill="hold">
+                      <p:stCondLst>
+                        <p:cond delay="indefinite"/>
+                      </p:stCondLst>
+                      <p:childTnLst>
+                        <p:par>
+                          <p:cTn id="35" fill="hold">
+                            <p:stCondLst>
+                              <p:cond delay="0"/>
+                            </p:stCondLst>
+                            <p:childTnLst>
+                              <p:par>
+                                <p:cTn id="36" presetID="9" presetClass="exit" presetSubtype="0" fill="hold" grpId="1" nodeType="clickEffect">
+                                  <p:stCondLst>
+                                    <p:cond delay="0"/>
+                                  </p:stCondLst>
+                                  <p:childTnLst>
+                                    <p:animEffect transition="out" filter="dissolve">
+                                      <p:cBhvr>
+                                        <p:cTn id="37" dur="500"/>
+                                        <p:tgtEl>
+                                          <p:spTgt spid="3">
+                                            <p:txEl>
+                                              <p:pRg st="2" end="2"/>
+                                            </p:txEl>
+                                          </p:spTgt>
+                                        </p:tgtEl>
+                                      </p:cBhvr>
+                                    </p:animEffect>
+                                    <p:set>
+                                      <p:cBhvr>
+                                        <p:cTn id="38" dur="1" fill="hold">
+                                          <p:stCondLst>
+                                            <p:cond delay="499"/>
+                                          </p:stCondLst>
+                                        </p:cTn>
+                                        <p:tgtEl>
+                                          <p:spTgt spid="3">
+                                            <p:txEl>
+                                              <p:pRg st="2" end="2"/>
+                                            </p:txEl>
+                                          </p:spTgt>
+                                        </p:tgtEl>
+                                        <p:attrNameLst>
+                                          <p:attrName>style.visibility</p:attrName>
+                                        </p:attrNameLst>
+                                      </p:cBhvr>
+                                      <p:to>
+                                        <p:strVal val="hidden"/>
+                                      </p:to>
+                                    </p:set>
+                                  </p:childTnLst>
+                                </p:cTn>
+                              </p:par>
+                            </p:childTnLst>
+                          </p:cTn>
+                        </p:par>
+                      </p:childTnLst>
+                    </p:cTn>
+                  </p:par>
+                  <p:par>
+                    <p:cTn id="39" fill="hold">
+                      <p:stCondLst>
+                        <p:cond delay="indefinite"/>
+                      </p:stCondLst>
+                      <p:childTnLst>
+                        <p:par>
+                          <p:cTn id="40" fill="hold">
+                            <p:stCondLst>
+                              <p:cond delay="0"/>
+                            </p:stCondLst>
+                            <p:childTnLst>
+                              <p:par>
+                                <p:cTn id="41" presetID="9" presetClass="exit" presetSubtype="0" fill="hold" grpId="1" nodeType="clickEffect">
+                                  <p:stCondLst>
+                                    <p:cond delay="0"/>
+                                  </p:stCondLst>
+                                  <p:childTnLst>
+                                    <p:animEffect transition="out" filter="dissolve">
+                                      <p:cBhvr>
+                                        <p:cTn id="42" dur="500"/>
+                                        <p:tgtEl>
+                                          <p:spTgt spid="3">
+                                            <p:txEl>
+                                              <p:pRg st="3" end="3"/>
+                                            </p:txEl>
+                                          </p:spTgt>
+                                        </p:tgtEl>
+                                      </p:cBhvr>
+                                    </p:animEffect>
+                                    <p:set>
+                                      <p:cBhvr>
+                                        <p:cTn id="43" dur="1" fill="hold">
+                                          <p:stCondLst>
+                                            <p:cond delay="499"/>
+                                          </p:stCondLst>
+                                        </p:cTn>
+                                        <p:tgtEl>
+                                          <p:spTgt spid="3">
+                                            <p:txEl>
+                                              <p:pRg st="3" end="3"/>
+                                            </p:txEl>
+                                          </p:spTgt>
+                                        </p:tgtEl>
+                                        <p:attrNameLst>
+                                          <p:attrName>style.visibility</p:attrName>
+                                        </p:attrNameLst>
+                                      </p:cBhvr>
+                                      <p:to>
+                                        <p:strVal val="hidden"/>
+                                      </p:to>
+                                    </p:set>
+                                  </p:childTnLst>
+                                </p:cTn>
+                              </p:par>
+                            </p:childTnLst>
+                          </p:cTn>
+                        </p:par>
+                      </p:childTnLst>
+                    </p:cTn>
+                  </p:par>
+                  <p:par>
+                    <p:cTn id="44" fill="hold">
+                      <p:stCondLst>
+                        <p:cond delay="indefinite"/>
+                      </p:stCondLst>
+                      <p:childTnLst>
+                        <p:par>
+                          <p:cTn id="45" fill="hold">
+                            <p:stCondLst>
+                              <p:cond delay="0"/>
+                            </p:stCondLst>
+                            <p:childTnLst>
+                              <p:par>
+                                <p:cTn id="46" presetID="9" presetClass="exit" presetSubtype="0" fill="hold" grpId="1" nodeType="clickEffect">
+                                  <p:stCondLst>
+                                    <p:cond delay="0"/>
+                                  </p:stCondLst>
+                                  <p:childTnLst>
+                                    <p:animEffect transition="out" filter="dissolve">
+                                      <p:cBhvr>
+                                        <p:cTn id="47" dur="500"/>
+                                        <p:tgtEl>
+                                          <p:spTgt spid="3">
+                                            <p:txEl>
+                                              <p:pRg st="4" end="4"/>
+                                            </p:txEl>
+                                          </p:spTgt>
+                                        </p:tgtEl>
+                                      </p:cBhvr>
+                                    </p:animEffect>
+                                    <p:set>
+                                      <p:cBhvr>
+                                        <p:cTn id="48" dur="1" fill="hold">
+                                          <p:stCondLst>
+                                            <p:cond delay="499"/>
+                                          </p:stCondLst>
+                                        </p:cTn>
+                                        <p:tgtEl>
+                                          <p:spTgt spid="3">
+                                            <p:txEl>
+                                              <p:pRg st="4" end="4"/>
                                             </p:txEl>
                                           </p:spTgt>
                                         </p:tgtEl>
@@ -37850,6 +37787,311 @@
 </file>
 
 <file path=ppt/slides/slide65.xml><?xml version="1.0" encoding="utf-8"?>
+<p:sld xmlns:a="http://schemas.openxmlformats.org/drawingml/2006/main" xmlns:r="http://schemas.openxmlformats.org/officeDocument/2006/relationships" xmlns:p="http://schemas.openxmlformats.org/presentationml/2006/main">
+  <p:cSld>
+    <p:spTree>
+      <p:nvGrpSpPr>
+        <p:cNvPr id="1" name=""/>
+        <p:cNvGrpSpPr/>
+        <p:nvPr/>
+      </p:nvGrpSpPr>
+      <p:grpSpPr>
+        <a:xfrm>
+          <a:off x="0" y="0"/>
+          <a:ext cx="0" cy="0"/>
+          <a:chOff x="0" y="0"/>
+          <a:chExt cx="0" cy="0"/>
+        </a:xfrm>
+      </p:grpSpPr>
+      <p:sp>
+        <p:nvSpPr>
+          <p:cNvPr id="3" name="Content Placeholder 2">
+            <a:extLst>
+              <a:ext uri="{FF2B5EF4-FFF2-40B4-BE49-F238E27FC236}">
+                <a16:creationId xmlns:a16="http://schemas.microsoft.com/office/drawing/2014/main" id="{C9044F89-E3C1-E349-B0DE-0B932821234C}"/>
+              </a:ext>
+            </a:extLst>
+          </p:cNvPr>
+          <p:cNvSpPr>
+            <a:spLocks noGrp="1"/>
+          </p:cNvSpPr>
+          <p:nvPr>
+            <p:ph idx="1"/>
+          </p:nvPr>
+        </p:nvSpPr>
+        <p:spPr>
+          <a:xfrm>
+            <a:off x="597936" y="3065473"/>
+            <a:ext cx="10908264" cy="1838356"/>
+          </a:xfrm>
+        </p:spPr>
+        <p:txBody>
+          <a:bodyPr>
+            <a:normAutofit/>
+          </a:bodyPr>
+          <a:lstStyle/>
+          <a:p>
+            <a:pPr marL="0" indent="0" algn="ctr">
+              <a:buNone/>
+            </a:pPr>
+            <a:r>
+              <a:rPr lang="pt-PT" sz="3200" dirty="0"/>
+              <a:t>O servidor web utilizado também pode fazer uma grande diferença no consumo de recursos</a:t>
+            </a:r>
+          </a:p>
+        </p:txBody>
+      </p:sp>
+      <p:sp>
+        <p:nvSpPr>
+          <p:cNvPr id="4" name="Slide Number Placeholder 3">
+            <a:extLst>
+              <a:ext uri="{FF2B5EF4-FFF2-40B4-BE49-F238E27FC236}">
+                <a16:creationId xmlns:a16="http://schemas.microsoft.com/office/drawing/2014/main" id="{2EA509C2-078C-DE4C-BE59-C32AF18E82D6}"/>
+              </a:ext>
+            </a:extLst>
+          </p:cNvPr>
+          <p:cNvSpPr>
+            <a:spLocks noGrp="1"/>
+          </p:cNvSpPr>
+          <p:nvPr>
+            <p:ph type="sldNum" sz="quarter" idx="12"/>
+          </p:nvPr>
+        </p:nvSpPr>
+        <p:spPr/>
+        <p:txBody>
+          <a:bodyPr/>
+          <a:lstStyle/>
+          <a:p>
+            <a:fld id="{2183B7EE-0FBE-B749-875F-ED24F5ECD71F}" type="slidenum">
+              <a:rPr lang="en-US" smtClean="0"/>
+              <a:t>65</a:t>
+            </a:fld>
+            <a:endParaRPr lang="en-US" dirty="0"/>
+          </a:p>
+        </p:txBody>
+      </p:sp>
+      <p:sp>
+        <p:nvSpPr>
+          <p:cNvPr id="7" name="Title 1">
+            <a:extLst>
+              <a:ext uri="{FF2B5EF4-FFF2-40B4-BE49-F238E27FC236}">
+                <a16:creationId xmlns:a16="http://schemas.microsoft.com/office/drawing/2014/main" id="{873CC896-80B5-494C-AD6B-34365C23E09E}"/>
+              </a:ext>
+            </a:extLst>
+          </p:cNvPr>
+          <p:cNvSpPr txBox="1">
+            <a:spLocks/>
+          </p:cNvSpPr>
+          <p:nvPr/>
+        </p:nvSpPr>
+        <p:spPr>
+          <a:xfrm>
+            <a:off x="2004561" y="99458"/>
+            <a:ext cx="9530038" cy="1509490"/>
+          </a:xfrm>
+          <a:prstGeom prst="rect">
+            <a:avLst/>
+          </a:prstGeom>
+        </p:spPr>
+        <p:txBody>
+          <a:bodyPr vert="horz" lIns="91440" tIns="45720" rIns="91440" bIns="45720" rtlCol="0" anchor="ctr">
+            <a:normAutofit/>
+          </a:bodyPr>
+          <a:lstStyle>
+            <a:lvl1pPr algn="r" defTabSz="914400" rtl="0" eaLnBrk="1" latinLnBrk="0" hangingPunct="1">
+              <a:lnSpc>
+                <a:spcPct val="90000"/>
+              </a:lnSpc>
+              <a:spcBef>
+                <a:spcPct val="0"/>
+              </a:spcBef>
+              <a:buNone/>
+              <a:defRPr sz="4000" kern="1200" cap="all" baseline="0">
+                <a:solidFill>
+                  <a:schemeClr val="tx1"/>
+                </a:solidFill>
+                <a:latin typeface="+mj-lt"/>
+                <a:ea typeface="+mj-ea"/>
+                <a:cs typeface="+mj-cs"/>
+              </a:defRPr>
+            </a:lvl1pPr>
+          </a:lstStyle>
+          <a:p>
+            <a:r>
+              <a:rPr lang="pt-BR" b="1" i="1" dirty="0"/>
+              <a:t>Discutindo </a:t>
+            </a:r>
+            <a:r>
+              <a:rPr lang="pt-BR" b="1" i="1" dirty="0" err="1"/>
+              <a:t>estraTéGias</a:t>
+            </a:r>
+            <a:r>
+              <a:rPr lang="pt-BR" b="1" i="1" dirty="0"/>
+              <a:t> </a:t>
+            </a:r>
+            <a:br>
+              <a:rPr lang="pt-BR" b="1" i="1" dirty="0"/>
+            </a:br>
+            <a:r>
+              <a:rPr lang="pt-BR" b="1" i="1" dirty="0"/>
+              <a:t>de escalabilidade</a:t>
+            </a:r>
+            <a:endParaRPr lang="pt-BR" dirty="0"/>
+          </a:p>
+        </p:txBody>
+      </p:sp>
+    </p:spTree>
+    <p:extLst>
+      <p:ext uri="{BB962C8B-B14F-4D97-AF65-F5344CB8AC3E}">
+        <p14:creationId xmlns:p14="http://schemas.microsoft.com/office/powerpoint/2010/main" val="725837398"/>
+      </p:ext>
+    </p:extLst>
+  </p:cSld>
+  <p:clrMapOvr>
+    <a:masterClrMapping/>
+  </p:clrMapOvr>
+  <p:timing>
+    <p:tnLst>
+      <p:par>
+        <p:cTn id="1" dur="indefinite" restart="never" nodeType="tmRoot">
+          <p:childTnLst>
+            <p:seq concurrent="1" nextAc="seek">
+              <p:cTn id="2" dur="indefinite" nodeType="mainSeq">
+                <p:childTnLst>
+                  <p:par>
+                    <p:cTn id="3" fill="hold">
+                      <p:stCondLst>
+                        <p:cond delay="indefinite"/>
+                      </p:stCondLst>
+                      <p:childTnLst>
+                        <p:par>
+                          <p:cTn id="4" fill="hold">
+                            <p:stCondLst>
+                              <p:cond delay="0"/>
+                            </p:stCondLst>
+                            <p:childTnLst>
+                              <p:par>
+                                <p:cTn id="5" presetID="9" presetClass="entr" presetSubtype="0" fill="hold" grpId="0" nodeType="clickEffect">
+                                  <p:stCondLst>
+                                    <p:cond delay="0"/>
+                                  </p:stCondLst>
+                                  <p:childTnLst>
+                                    <p:set>
+                                      <p:cBhvr>
+                                        <p:cTn id="6" dur="1" fill="hold">
+                                          <p:stCondLst>
+                                            <p:cond delay="0"/>
+                                          </p:stCondLst>
+                                        </p:cTn>
+                                        <p:tgtEl>
+                                          <p:spTgt spid="3">
+                                            <p:txEl>
+                                              <p:pRg st="0" end="0"/>
+                                            </p:txEl>
+                                          </p:spTgt>
+                                        </p:tgtEl>
+                                        <p:attrNameLst>
+                                          <p:attrName>style.visibility</p:attrName>
+                                        </p:attrNameLst>
+                                      </p:cBhvr>
+                                      <p:to>
+                                        <p:strVal val="visible"/>
+                                      </p:to>
+                                    </p:set>
+                                    <p:animEffect transition="in" filter="dissolve">
+                                      <p:cBhvr>
+                                        <p:cTn id="7" dur="500"/>
+                                        <p:tgtEl>
+                                          <p:spTgt spid="3">
+                                            <p:txEl>
+                                              <p:pRg st="0" end="0"/>
+                                            </p:txEl>
+                                          </p:spTgt>
+                                        </p:tgtEl>
+                                      </p:cBhvr>
+                                    </p:animEffect>
+                                  </p:childTnLst>
+                                </p:cTn>
+                              </p:par>
+                              <p:par>
+                                <p:cTn id="8" presetID="9" presetClass="exit" presetSubtype="0" fill="hold" grpId="1" nodeType="withEffect">
+                                  <p:stCondLst>
+                                    <p:cond delay="0"/>
+                                  </p:stCondLst>
+                                  <p:childTnLst>
+                                    <p:animEffect transition="out" filter="dissolve">
+                                      <p:cBhvr>
+                                        <p:cTn id="9" dur="500"/>
+                                        <p:tgtEl>
+                                          <p:spTgt spid="3">
+                                            <p:txEl>
+                                              <p:pRg st="0" end="0"/>
+                                            </p:txEl>
+                                          </p:spTgt>
+                                        </p:tgtEl>
+                                      </p:cBhvr>
+                                    </p:animEffect>
+                                    <p:set>
+                                      <p:cBhvr>
+                                        <p:cTn id="10" dur="1" fill="hold">
+                                          <p:stCondLst>
+                                            <p:cond delay="499"/>
+                                          </p:stCondLst>
+                                        </p:cTn>
+                                        <p:tgtEl>
+                                          <p:spTgt spid="3">
+                                            <p:txEl>
+                                              <p:pRg st="0" end="0"/>
+                                            </p:txEl>
+                                          </p:spTgt>
+                                        </p:tgtEl>
+                                        <p:attrNameLst>
+                                          <p:attrName>style.visibility</p:attrName>
+                                        </p:attrNameLst>
+                                      </p:cBhvr>
+                                      <p:to>
+                                        <p:strVal val="hidden"/>
+                                      </p:to>
+                                    </p:set>
+                                  </p:childTnLst>
+                                </p:cTn>
+                              </p:par>
+                            </p:childTnLst>
+                          </p:cTn>
+                        </p:par>
+                      </p:childTnLst>
+                    </p:cTn>
+                  </p:par>
+                </p:childTnLst>
+              </p:cTn>
+              <p:prevCondLst>
+                <p:cond evt="onPrev" delay="0">
+                  <p:tgtEl>
+                    <p:sldTgt/>
+                  </p:tgtEl>
+                </p:cond>
+              </p:prevCondLst>
+              <p:nextCondLst>
+                <p:cond evt="onNext" delay="0">
+                  <p:tgtEl>
+                    <p:sldTgt/>
+                  </p:tgtEl>
+                </p:cond>
+              </p:nextCondLst>
+            </p:seq>
+          </p:childTnLst>
+        </p:cTn>
+      </p:par>
+    </p:tnLst>
+    <p:bldLst>
+      <p:bldP spid="3" grpId="0" uiExpand="1" build="p"/>
+      <p:bldP spid="3" grpId="1" uiExpand="1" build="p"/>
+    </p:bldLst>
+  </p:timing>
+</p:sld>
+</file>
+
+<file path=ppt/slides/slide66.xml><?xml version="1.0" encoding="utf-8"?>
 <p:sld xmlns:a="http://schemas.openxmlformats.org/drawingml/2006/main" xmlns:r="http://schemas.openxmlformats.org/officeDocument/2006/relationships" xmlns:p="http://schemas.openxmlformats.org/presentationml/2006/main" showMasterSp="0">
   <p:cSld>
     <p:bg>
@@ -37903,7 +38145,7 @@
           <a:p>
             <a:fld id="{2183B7EE-0FBE-B749-875F-ED24F5ECD71F}" type="slidenum">
               <a:rPr lang="en-US" smtClean="0"/>
-              <a:t>65</a:t>
+              <a:t>66</a:t>
             </a:fld>
             <a:endParaRPr lang="en-US" dirty="0"/>
           </a:p>
@@ -37923,8 +38165,8 @@
         </p:nvSpPr>
         <p:spPr>
           <a:xfrm>
-            <a:off x="1218703" y="6168426"/>
-            <a:ext cx="9754593" cy="338554"/>
+            <a:off x="887683" y="6168426"/>
+            <a:ext cx="10416634" cy="584775"/>
           </a:xfrm>
           <a:prstGeom prst="rect">
             <a:avLst/>
@@ -37946,8 +38188,12 @@
             </a:r>
             <a:r>
               <a:rPr lang="pt-BR" sz="1600" dirty="0"/>
-              <a:t> </a:t>
-            </a:r>
+              <a:t>  (2019)</a:t>
+            </a:r>
+          </a:p>
+          <a:p>
+            <a:pPr algn="ctr"/>
+            <a:endParaRPr lang="pt-BR" sz="1600" dirty="0"/>
           </a:p>
         </p:txBody>
       </p:sp>
@@ -37964,7 +38210,7 @@
 </p:sld>
 </file>
 
-<file path=ppt/slides/slide66.xml><?xml version="1.0" encoding="utf-8"?>
+<file path=ppt/slides/slide67.xml><?xml version="1.0" encoding="utf-8"?>
 <p:sld xmlns:a="http://schemas.openxmlformats.org/drawingml/2006/main" xmlns:r="http://schemas.openxmlformats.org/officeDocument/2006/relationships" xmlns:p="http://schemas.openxmlformats.org/presentationml/2006/main" showMasterSp="0">
   <p:cSld>
     <p:bg>
@@ -38018,7 +38264,7 @@
           <a:p>
             <a:fld id="{2183B7EE-0FBE-B749-875F-ED24F5ECD71F}" type="slidenum">
               <a:rPr lang="en-US" smtClean="0"/>
-              <a:t>66</a:t>
+              <a:t>67</a:t>
             </a:fld>
             <a:endParaRPr lang="en-US" dirty="0"/>
           </a:p>
@@ -38038,8 +38284,8 @@
         </p:nvSpPr>
         <p:spPr>
           <a:xfrm>
-            <a:off x="1218703" y="6138446"/>
-            <a:ext cx="9754593" cy="338554"/>
+            <a:off x="953406" y="6138446"/>
+            <a:ext cx="10285188" cy="338554"/>
           </a:xfrm>
           <a:prstGeom prst="rect">
             <a:avLst/>
@@ -38061,7 +38307,7 @@
             </a:r>
             <a:r>
               <a:rPr lang="pt-BR" sz="1600" dirty="0"/>
-              <a:t> </a:t>
+              <a:t> (2019)</a:t>
             </a:r>
           </a:p>
         </p:txBody>
@@ -38070,136 +38316,6 @@
     <p:extLst>
       <p:ext uri="{BB962C8B-B14F-4D97-AF65-F5344CB8AC3E}">
         <p14:creationId xmlns:p14="http://schemas.microsoft.com/office/powerpoint/2010/main" val="3665003271"/>
-      </p:ext>
-    </p:extLst>
-  </p:cSld>
-  <p:clrMapOvr>
-    <a:masterClrMapping/>
-  </p:clrMapOvr>
-</p:sld>
-</file>
-
-<file path=ppt/slides/slide67.xml><?xml version="1.0" encoding="utf-8"?>
-<p:sld xmlns:a="http://schemas.openxmlformats.org/drawingml/2006/main" xmlns:r="http://schemas.openxmlformats.org/officeDocument/2006/relationships" xmlns:p="http://schemas.openxmlformats.org/presentationml/2006/main" showMasterSp="0">
-  <p:cSld>
-    <p:bg>
-      <p:bgPr>
-        <a:blipFill dpi="0" rotWithShape="1">
-          <a:blip r:embed="rId3">
-            <a:lum/>
-          </a:blip>
-          <a:srcRect/>
-          <a:stretch>
-            <a:fillRect t="-6000" b="-2000"/>
-          </a:stretch>
-        </a:blipFill>
-        <a:effectLst/>
-      </p:bgPr>
-    </p:bg>
-    <p:spTree>
-      <p:nvGrpSpPr>
-        <p:cNvPr id="1" name=""/>
-        <p:cNvGrpSpPr/>
-        <p:nvPr/>
-      </p:nvGrpSpPr>
-      <p:grpSpPr>
-        <a:xfrm>
-          <a:off x="0" y="0"/>
-          <a:ext cx="0" cy="0"/>
-          <a:chOff x="0" y="0"/>
-          <a:chExt cx="0" cy="0"/>
-        </a:xfrm>
-      </p:grpSpPr>
-      <p:sp>
-        <p:nvSpPr>
-          <p:cNvPr id="4" name="Slide Number Placeholder 3">
-            <a:extLst>
-              <a:ext uri="{FF2B5EF4-FFF2-40B4-BE49-F238E27FC236}">
-                <a16:creationId xmlns:a16="http://schemas.microsoft.com/office/drawing/2014/main" id="{2EA509C2-078C-DE4C-BE59-C32AF18E82D6}"/>
-              </a:ext>
-            </a:extLst>
-          </p:cNvPr>
-          <p:cNvSpPr>
-            <a:spLocks noGrp="1"/>
-          </p:cNvSpPr>
-          <p:nvPr>
-            <p:ph type="sldNum" sz="quarter" idx="12"/>
-          </p:nvPr>
-        </p:nvSpPr>
-        <p:spPr/>
-        <p:txBody>
-          <a:bodyPr/>
-          <a:lstStyle/>
-          <a:p>
-            <a:fld id="{2183B7EE-0FBE-B749-875F-ED24F5ECD71F}" type="slidenum">
-              <a:rPr lang="en-US" smtClean="0"/>
-              <a:t>67</a:t>
-            </a:fld>
-            <a:endParaRPr lang="en-US" dirty="0"/>
-          </a:p>
-        </p:txBody>
-      </p:sp>
-      <p:sp>
-        <p:nvSpPr>
-          <p:cNvPr id="10" name="TextBox 9">
-            <a:extLst>
-              <a:ext uri="{FF2B5EF4-FFF2-40B4-BE49-F238E27FC236}">
-                <a16:creationId xmlns:a16="http://schemas.microsoft.com/office/drawing/2014/main" id="{EAC5E299-92AF-8D46-9D78-C8B99B091374}"/>
-              </a:ext>
-            </a:extLst>
-          </p:cNvPr>
-          <p:cNvSpPr txBox="1"/>
-          <p:nvPr/>
-        </p:nvSpPr>
-        <p:spPr>
-          <a:xfrm>
-            <a:off x="5411451" y="1199211"/>
-            <a:ext cx="5561349" cy="646331"/>
-          </a:xfrm>
-          <a:prstGeom prst="rect">
-            <a:avLst/>
-          </a:prstGeom>
-          <a:solidFill>
-            <a:schemeClr val="bg1"/>
-          </a:solidFill>
-        </p:spPr>
-        <p:txBody>
-          <a:bodyPr wrap="square" rtlCol="0">
-            <a:spAutoFit/>
-          </a:bodyPr>
-          <a:lstStyle/>
-          <a:p>
-            <a:pPr algn="ctr"/>
-            <a:r>
-              <a:rPr lang="pt-BR" dirty="0">
-                <a:hlinkClick r:id="rId4"/>
-              </a:rPr>
-              <a:t>slideshare.net/agoncal/just-enough-app-server/</a:t>
-            </a:r>
-            <a:r>
-              <a:rPr lang="pt-BR" dirty="0"/>
-              <a:t> </a:t>
-            </a:r>
-          </a:p>
-          <a:p>
-            <a:pPr algn="ctr"/>
-            <a:r>
-              <a:rPr lang="pt-BR" dirty="0">
-                <a:hlinkClick r:id="rId5"/>
-              </a:rPr>
-              <a:t>https://youtu.be/iBJ8FlUA3ok</a:t>
-            </a:r>
-            <a:r>
-              <a:rPr lang="pt-BR" dirty="0"/>
-              <a:t> </a:t>
-            </a:r>
-          </a:p>
-        </p:txBody>
-      </p:sp>
-    </p:spTree>
-    <p:extLst>
-      <p:ext uri="{BB962C8B-B14F-4D97-AF65-F5344CB8AC3E}">
-        <p14:creationId xmlns:p14="http://schemas.microsoft.com/office/powerpoint/2010/main" val="646937235"/>
       </p:ext>
     </p:extLst>
   </p:cSld>
@@ -38271,6 +38387,136 @@
       </p:sp>
       <p:sp>
         <p:nvSpPr>
+          <p:cNvPr id="10" name="TextBox 9">
+            <a:extLst>
+              <a:ext uri="{FF2B5EF4-FFF2-40B4-BE49-F238E27FC236}">
+                <a16:creationId xmlns:a16="http://schemas.microsoft.com/office/drawing/2014/main" id="{EAC5E299-92AF-8D46-9D78-C8B99B091374}"/>
+              </a:ext>
+            </a:extLst>
+          </p:cNvPr>
+          <p:cNvSpPr txBox="1"/>
+          <p:nvPr/>
+        </p:nvSpPr>
+        <p:spPr>
+          <a:xfrm>
+            <a:off x="5411451" y="1199211"/>
+            <a:ext cx="5561349" cy="646331"/>
+          </a:xfrm>
+          <a:prstGeom prst="rect">
+            <a:avLst/>
+          </a:prstGeom>
+          <a:solidFill>
+            <a:schemeClr val="bg1"/>
+          </a:solidFill>
+        </p:spPr>
+        <p:txBody>
+          <a:bodyPr wrap="square" rtlCol="0">
+            <a:spAutoFit/>
+          </a:bodyPr>
+          <a:lstStyle/>
+          <a:p>
+            <a:pPr algn="ctr"/>
+            <a:r>
+              <a:rPr lang="pt-BR" dirty="0">
+                <a:hlinkClick r:id="rId4"/>
+              </a:rPr>
+              <a:t>slideshare.net/agoncal/just-enough-app-server/</a:t>
+            </a:r>
+            <a:r>
+              <a:rPr lang="pt-BR" dirty="0"/>
+              <a:t> </a:t>
+            </a:r>
+          </a:p>
+          <a:p>
+            <a:pPr algn="ctr"/>
+            <a:r>
+              <a:rPr lang="pt-BR" dirty="0">
+                <a:hlinkClick r:id="rId5"/>
+              </a:rPr>
+              <a:t>https://youtu.be/iBJ8FlUA3ok</a:t>
+            </a:r>
+            <a:r>
+              <a:rPr lang="pt-BR" dirty="0"/>
+              <a:t> (2016)</a:t>
+            </a:r>
+          </a:p>
+        </p:txBody>
+      </p:sp>
+    </p:spTree>
+    <p:extLst>
+      <p:ext uri="{BB962C8B-B14F-4D97-AF65-F5344CB8AC3E}">
+        <p14:creationId xmlns:p14="http://schemas.microsoft.com/office/powerpoint/2010/main" val="646937235"/>
+      </p:ext>
+    </p:extLst>
+  </p:cSld>
+  <p:clrMapOvr>
+    <a:masterClrMapping/>
+  </p:clrMapOvr>
+</p:sld>
+</file>
+
+<file path=ppt/slides/slide69.xml><?xml version="1.0" encoding="utf-8"?>
+<p:sld xmlns:a="http://schemas.openxmlformats.org/drawingml/2006/main" xmlns:r="http://schemas.openxmlformats.org/officeDocument/2006/relationships" xmlns:p="http://schemas.openxmlformats.org/presentationml/2006/main" showMasterSp="0">
+  <p:cSld>
+    <p:bg>
+      <p:bgPr>
+        <a:blipFill dpi="0" rotWithShape="1">
+          <a:blip r:embed="rId3">
+            <a:lum/>
+          </a:blip>
+          <a:srcRect/>
+          <a:stretch>
+            <a:fillRect t="-6000" b="-2000"/>
+          </a:stretch>
+        </a:blipFill>
+        <a:effectLst/>
+      </p:bgPr>
+    </p:bg>
+    <p:spTree>
+      <p:nvGrpSpPr>
+        <p:cNvPr id="1" name=""/>
+        <p:cNvGrpSpPr/>
+        <p:nvPr/>
+      </p:nvGrpSpPr>
+      <p:grpSpPr>
+        <a:xfrm>
+          <a:off x="0" y="0"/>
+          <a:ext cx="0" cy="0"/>
+          <a:chOff x="0" y="0"/>
+          <a:chExt cx="0" cy="0"/>
+        </a:xfrm>
+      </p:grpSpPr>
+      <p:sp>
+        <p:nvSpPr>
+          <p:cNvPr id="4" name="Slide Number Placeholder 3">
+            <a:extLst>
+              <a:ext uri="{FF2B5EF4-FFF2-40B4-BE49-F238E27FC236}">
+                <a16:creationId xmlns:a16="http://schemas.microsoft.com/office/drawing/2014/main" id="{2EA509C2-078C-DE4C-BE59-C32AF18E82D6}"/>
+              </a:ext>
+            </a:extLst>
+          </p:cNvPr>
+          <p:cNvSpPr>
+            <a:spLocks noGrp="1"/>
+          </p:cNvSpPr>
+          <p:nvPr>
+            <p:ph type="sldNum" sz="quarter" idx="12"/>
+          </p:nvPr>
+        </p:nvSpPr>
+        <p:spPr/>
+        <p:txBody>
+          <a:bodyPr/>
+          <a:lstStyle/>
+          <a:p>
+            <a:fld id="{2183B7EE-0FBE-B749-875F-ED24F5ECD71F}" type="slidenum">
+              <a:rPr lang="en-US" smtClean="0"/>
+              <a:t>69</a:t>
+            </a:fld>
+            <a:endParaRPr lang="en-US" dirty="0"/>
+          </a:p>
+        </p:txBody>
+      </p:sp>
+      <p:sp>
+        <p:nvSpPr>
           <p:cNvPr id="6" name="TextBox 5">
             <a:extLst>
               <a:ext uri="{FF2B5EF4-FFF2-40B4-BE49-F238E27FC236}">
@@ -38336,565 +38582,6 @@
   <p:clrMapOvr>
     <a:masterClrMapping/>
   </p:clrMapOvr>
-</p:sld>
-</file>
-
-<file path=ppt/slides/slide69.xml><?xml version="1.0" encoding="utf-8"?>
-<p:sld xmlns:a="http://schemas.openxmlformats.org/drawingml/2006/main" xmlns:r="http://schemas.openxmlformats.org/officeDocument/2006/relationships" xmlns:p="http://schemas.openxmlformats.org/presentationml/2006/main">
-  <p:cSld>
-    <p:spTree>
-      <p:nvGrpSpPr>
-        <p:cNvPr id="1" name=""/>
-        <p:cNvGrpSpPr/>
-        <p:nvPr/>
-      </p:nvGrpSpPr>
-      <p:grpSpPr>
-        <a:xfrm>
-          <a:off x="0" y="0"/>
-          <a:ext cx="0" cy="0"/>
-          <a:chOff x="0" y="0"/>
-          <a:chExt cx="0" cy="0"/>
-        </a:xfrm>
-      </p:grpSpPr>
-      <p:sp>
-        <p:nvSpPr>
-          <p:cNvPr id="2" name="Title 1">
-            <a:extLst>
-              <a:ext uri="{FF2B5EF4-FFF2-40B4-BE49-F238E27FC236}">
-                <a16:creationId xmlns:a16="http://schemas.microsoft.com/office/drawing/2014/main" id="{58204B45-BA2F-544A-ADBD-2B584480C63E}"/>
-              </a:ext>
-            </a:extLst>
-          </p:cNvPr>
-          <p:cNvSpPr>
-            <a:spLocks noGrp="1"/>
-          </p:cNvSpPr>
-          <p:nvPr>
-            <p:ph type="title"/>
-          </p:nvPr>
-        </p:nvSpPr>
-        <p:spPr>
-          <a:xfrm>
-            <a:off x="2679116" y="99458"/>
-            <a:ext cx="9530038" cy="1509490"/>
-          </a:xfrm>
-        </p:spPr>
-        <p:txBody>
-          <a:bodyPr>
-            <a:normAutofit/>
-          </a:bodyPr>
-          <a:lstStyle/>
-          <a:p>
-            <a:pPr algn="ctr"/>
-            <a:r>
-              <a:rPr lang="pt-BR" b="1" i="1" dirty="0"/>
-              <a:t>TÍTULO AQUI</a:t>
-            </a:r>
-            <a:endParaRPr lang="pt-BR" dirty="0"/>
-          </a:p>
-        </p:txBody>
-      </p:sp>
-      <p:sp>
-        <p:nvSpPr>
-          <p:cNvPr id="3" name="Content Placeholder 2">
-            <a:extLst>
-              <a:ext uri="{FF2B5EF4-FFF2-40B4-BE49-F238E27FC236}">
-                <a16:creationId xmlns:a16="http://schemas.microsoft.com/office/drawing/2014/main" id="{C9044F89-E3C1-E349-B0DE-0B932821234C}"/>
-              </a:ext>
-            </a:extLst>
-          </p:cNvPr>
-          <p:cNvSpPr>
-            <a:spLocks noGrp="1"/>
-          </p:cNvSpPr>
-          <p:nvPr>
-            <p:ph idx="1"/>
-          </p:nvPr>
-        </p:nvSpPr>
-        <p:spPr>
-          <a:xfrm>
-            <a:off x="596348" y="1444490"/>
-            <a:ext cx="10908264" cy="5032509"/>
-          </a:xfrm>
-        </p:spPr>
-        <p:txBody>
-          <a:bodyPr>
-            <a:normAutofit/>
-          </a:bodyPr>
-          <a:lstStyle/>
-          <a:p>
-            <a:r>
-              <a:rPr lang="pt" sz="3200" dirty="0"/>
-              <a:t>a</a:t>
-            </a:r>
-          </a:p>
-          <a:p>
-            <a:r>
-              <a:rPr lang="en-US" sz="3200" dirty="0"/>
-              <a:t>b</a:t>
-            </a:r>
-            <a:endParaRPr lang="pt" sz="3200" dirty="0"/>
-          </a:p>
-          <a:p>
-            <a:r>
-              <a:rPr lang="en-US" sz="3200" dirty="0"/>
-              <a:t>c</a:t>
-            </a:r>
-            <a:endParaRPr lang="pt" sz="3200" dirty="0"/>
-          </a:p>
-          <a:p>
-            <a:r>
-              <a:rPr lang="en-US" sz="3200" dirty="0"/>
-              <a:t>d</a:t>
-            </a:r>
-            <a:endParaRPr lang="pt" sz="3200" dirty="0"/>
-          </a:p>
-        </p:txBody>
-      </p:sp>
-      <p:sp>
-        <p:nvSpPr>
-          <p:cNvPr id="4" name="Slide Number Placeholder 3">
-            <a:extLst>
-              <a:ext uri="{FF2B5EF4-FFF2-40B4-BE49-F238E27FC236}">
-                <a16:creationId xmlns:a16="http://schemas.microsoft.com/office/drawing/2014/main" id="{2EA509C2-078C-DE4C-BE59-C32AF18E82D6}"/>
-              </a:ext>
-            </a:extLst>
-          </p:cNvPr>
-          <p:cNvSpPr>
-            <a:spLocks noGrp="1"/>
-          </p:cNvSpPr>
-          <p:nvPr>
-            <p:ph type="sldNum" sz="quarter" idx="12"/>
-          </p:nvPr>
-        </p:nvSpPr>
-        <p:spPr/>
-        <p:txBody>
-          <a:bodyPr/>
-          <a:lstStyle/>
-          <a:p>
-            <a:fld id="{2183B7EE-0FBE-B749-875F-ED24F5ECD71F}" type="slidenum">
-              <a:rPr lang="en-US" smtClean="0"/>
-              <a:t>69</a:t>
-            </a:fld>
-            <a:endParaRPr lang="en-US" dirty="0"/>
-          </a:p>
-        </p:txBody>
-      </p:sp>
-    </p:spTree>
-    <p:extLst>
-      <p:ext uri="{BB962C8B-B14F-4D97-AF65-F5344CB8AC3E}">
-        <p14:creationId xmlns:p14="http://schemas.microsoft.com/office/powerpoint/2010/main" val="2659091485"/>
-      </p:ext>
-    </p:extLst>
-  </p:cSld>
-  <p:clrMapOvr>
-    <a:masterClrMapping/>
-  </p:clrMapOvr>
-  <p:timing>
-    <p:tnLst>
-      <p:par>
-        <p:cTn id="1" dur="indefinite" restart="never" nodeType="tmRoot">
-          <p:childTnLst>
-            <p:seq concurrent="1" nextAc="seek">
-              <p:cTn id="2" dur="indefinite" nodeType="mainSeq">
-                <p:childTnLst>
-                  <p:par>
-                    <p:cTn id="3" fill="hold">
-                      <p:stCondLst>
-                        <p:cond delay="indefinite"/>
-                      </p:stCondLst>
-                      <p:childTnLst>
-                        <p:par>
-                          <p:cTn id="4" fill="hold">
-                            <p:stCondLst>
-                              <p:cond delay="0"/>
-                            </p:stCondLst>
-                            <p:childTnLst>
-                              <p:par>
-                                <p:cTn id="5" presetID="9" presetClass="entr" presetSubtype="0" fill="hold" grpId="0" nodeType="clickEffect">
-                                  <p:stCondLst>
-                                    <p:cond delay="0"/>
-                                  </p:stCondLst>
-                                  <p:childTnLst>
-                                    <p:set>
-                                      <p:cBhvr>
-                                        <p:cTn id="6" dur="1" fill="hold">
-                                          <p:stCondLst>
-                                            <p:cond delay="0"/>
-                                          </p:stCondLst>
-                                        </p:cTn>
-                                        <p:tgtEl>
-                                          <p:spTgt spid="3">
-                                            <p:txEl>
-                                              <p:pRg st="0" end="0"/>
-                                            </p:txEl>
-                                          </p:spTgt>
-                                        </p:tgtEl>
-                                        <p:attrNameLst>
-                                          <p:attrName>style.visibility</p:attrName>
-                                        </p:attrNameLst>
-                                      </p:cBhvr>
-                                      <p:to>
-                                        <p:strVal val="visible"/>
-                                      </p:to>
-                                    </p:set>
-                                    <p:animEffect transition="in" filter="dissolve">
-                                      <p:cBhvr>
-                                        <p:cTn id="7" dur="500"/>
-                                        <p:tgtEl>
-                                          <p:spTgt spid="3">
-                                            <p:txEl>
-                                              <p:pRg st="0" end="0"/>
-                                            </p:txEl>
-                                          </p:spTgt>
-                                        </p:tgtEl>
-                                      </p:cBhvr>
-                                    </p:animEffect>
-                                  </p:childTnLst>
-                                </p:cTn>
-                              </p:par>
-                            </p:childTnLst>
-                          </p:cTn>
-                        </p:par>
-                      </p:childTnLst>
-                    </p:cTn>
-                  </p:par>
-                  <p:par>
-                    <p:cTn id="8" fill="hold">
-                      <p:stCondLst>
-                        <p:cond delay="indefinite"/>
-                      </p:stCondLst>
-                      <p:childTnLst>
-                        <p:par>
-                          <p:cTn id="9" fill="hold">
-                            <p:stCondLst>
-                              <p:cond delay="0"/>
-                            </p:stCondLst>
-                            <p:childTnLst>
-                              <p:par>
-                                <p:cTn id="10" presetID="9" presetClass="entr" presetSubtype="0" fill="hold" grpId="0" nodeType="clickEffect">
-                                  <p:stCondLst>
-                                    <p:cond delay="0"/>
-                                  </p:stCondLst>
-                                  <p:childTnLst>
-                                    <p:set>
-                                      <p:cBhvr>
-                                        <p:cTn id="11" dur="1" fill="hold">
-                                          <p:stCondLst>
-                                            <p:cond delay="0"/>
-                                          </p:stCondLst>
-                                        </p:cTn>
-                                        <p:tgtEl>
-                                          <p:spTgt spid="3">
-                                            <p:txEl>
-                                              <p:pRg st="1" end="1"/>
-                                            </p:txEl>
-                                          </p:spTgt>
-                                        </p:tgtEl>
-                                        <p:attrNameLst>
-                                          <p:attrName>style.visibility</p:attrName>
-                                        </p:attrNameLst>
-                                      </p:cBhvr>
-                                      <p:to>
-                                        <p:strVal val="visible"/>
-                                      </p:to>
-                                    </p:set>
-                                    <p:animEffect transition="in" filter="dissolve">
-                                      <p:cBhvr>
-                                        <p:cTn id="12" dur="500"/>
-                                        <p:tgtEl>
-                                          <p:spTgt spid="3">
-                                            <p:txEl>
-                                              <p:pRg st="1" end="1"/>
-                                            </p:txEl>
-                                          </p:spTgt>
-                                        </p:tgtEl>
-                                      </p:cBhvr>
-                                    </p:animEffect>
-                                  </p:childTnLst>
-                                </p:cTn>
-                              </p:par>
-                              <p:par>
-                                <p:cTn id="13" presetID="9" presetClass="exit" presetSubtype="0" fill="hold" grpId="1" nodeType="withEffect">
-                                  <p:stCondLst>
-                                    <p:cond delay="0"/>
-                                  </p:stCondLst>
-                                  <p:childTnLst>
-                                    <p:animEffect transition="out" filter="dissolve">
-                                      <p:cBhvr>
-                                        <p:cTn id="14" dur="500"/>
-                                        <p:tgtEl>
-                                          <p:spTgt spid="3">
-                                            <p:txEl>
-                                              <p:pRg st="0" end="0"/>
-                                            </p:txEl>
-                                          </p:spTgt>
-                                        </p:tgtEl>
-                                      </p:cBhvr>
-                                    </p:animEffect>
-                                    <p:set>
-                                      <p:cBhvr>
-                                        <p:cTn id="15" dur="1" fill="hold">
-                                          <p:stCondLst>
-                                            <p:cond delay="499"/>
-                                          </p:stCondLst>
-                                        </p:cTn>
-                                        <p:tgtEl>
-                                          <p:spTgt spid="3">
-                                            <p:txEl>
-                                              <p:pRg st="0" end="0"/>
-                                            </p:txEl>
-                                          </p:spTgt>
-                                        </p:tgtEl>
-                                        <p:attrNameLst>
-                                          <p:attrName>style.visibility</p:attrName>
-                                        </p:attrNameLst>
-                                      </p:cBhvr>
-                                      <p:to>
-                                        <p:strVal val="hidden"/>
-                                      </p:to>
-                                    </p:set>
-                                  </p:childTnLst>
-                                </p:cTn>
-                              </p:par>
-                            </p:childTnLst>
-                          </p:cTn>
-                        </p:par>
-                      </p:childTnLst>
-                    </p:cTn>
-                  </p:par>
-                  <p:par>
-                    <p:cTn id="16" fill="hold">
-                      <p:stCondLst>
-                        <p:cond delay="indefinite"/>
-                      </p:stCondLst>
-                      <p:childTnLst>
-                        <p:par>
-                          <p:cTn id="17" fill="hold">
-                            <p:stCondLst>
-                              <p:cond delay="0"/>
-                            </p:stCondLst>
-                            <p:childTnLst>
-                              <p:par>
-                                <p:cTn id="18" presetID="9" presetClass="exit" presetSubtype="0" fill="hold" grpId="1" nodeType="clickEffect">
-                                  <p:stCondLst>
-                                    <p:cond delay="0"/>
-                                  </p:stCondLst>
-                                  <p:childTnLst>
-                                    <p:animEffect transition="out" filter="dissolve">
-                                      <p:cBhvr>
-                                        <p:cTn id="19" dur="500"/>
-                                        <p:tgtEl>
-                                          <p:spTgt spid="3">
-                                            <p:txEl>
-                                              <p:pRg st="1" end="1"/>
-                                            </p:txEl>
-                                          </p:spTgt>
-                                        </p:tgtEl>
-                                      </p:cBhvr>
-                                    </p:animEffect>
-                                    <p:set>
-                                      <p:cBhvr>
-                                        <p:cTn id="20" dur="1" fill="hold">
-                                          <p:stCondLst>
-                                            <p:cond delay="499"/>
-                                          </p:stCondLst>
-                                        </p:cTn>
-                                        <p:tgtEl>
-                                          <p:spTgt spid="3">
-                                            <p:txEl>
-                                              <p:pRg st="1" end="1"/>
-                                            </p:txEl>
-                                          </p:spTgt>
-                                        </p:tgtEl>
-                                        <p:attrNameLst>
-                                          <p:attrName>style.visibility</p:attrName>
-                                        </p:attrNameLst>
-                                      </p:cBhvr>
-                                      <p:to>
-                                        <p:strVal val="hidden"/>
-                                      </p:to>
-                                    </p:set>
-                                  </p:childTnLst>
-                                </p:cTn>
-                              </p:par>
-                              <p:par>
-                                <p:cTn id="21" presetID="9" presetClass="entr" presetSubtype="0" fill="hold" grpId="0" nodeType="withEffect">
-                                  <p:stCondLst>
-                                    <p:cond delay="0"/>
-                                  </p:stCondLst>
-                                  <p:childTnLst>
-                                    <p:set>
-                                      <p:cBhvr>
-                                        <p:cTn id="22" dur="1" fill="hold">
-                                          <p:stCondLst>
-                                            <p:cond delay="0"/>
-                                          </p:stCondLst>
-                                        </p:cTn>
-                                        <p:tgtEl>
-                                          <p:spTgt spid="3">
-                                            <p:txEl>
-                                              <p:pRg st="2" end="2"/>
-                                            </p:txEl>
-                                          </p:spTgt>
-                                        </p:tgtEl>
-                                        <p:attrNameLst>
-                                          <p:attrName>style.visibility</p:attrName>
-                                        </p:attrNameLst>
-                                      </p:cBhvr>
-                                      <p:to>
-                                        <p:strVal val="visible"/>
-                                      </p:to>
-                                    </p:set>
-                                    <p:animEffect transition="in" filter="dissolve">
-                                      <p:cBhvr>
-                                        <p:cTn id="23" dur="500"/>
-                                        <p:tgtEl>
-                                          <p:spTgt spid="3">
-                                            <p:txEl>
-                                              <p:pRg st="2" end="2"/>
-                                            </p:txEl>
-                                          </p:spTgt>
-                                        </p:tgtEl>
-                                      </p:cBhvr>
-                                    </p:animEffect>
-                                  </p:childTnLst>
-                                </p:cTn>
-                              </p:par>
-                            </p:childTnLst>
-                          </p:cTn>
-                        </p:par>
-                      </p:childTnLst>
-                    </p:cTn>
-                  </p:par>
-                  <p:par>
-                    <p:cTn id="24" fill="hold">
-                      <p:stCondLst>
-                        <p:cond delay="indefinite"/>
-                      </p:stCondLst>
-                      <p:childTnLst>
-                        <p:par>
-                          <p:cTn id="25" fill="hold">
-                            <p:stCondLst>
-                              <p:cond delay="0"/>
-                            </p:stCondLst>
-                            <p:childTnLst>
-                              <p:par>
-                                <p:cTn id="26" presetID="9" presetClass="exit" presetSubtype="0" fill="hold" grpId="1" nodeType="clickEffect">
-                                  <p:stCondLst>
-                                    <p:cond delay="0"/>
-                                  </p:stCondLst>
-                                  <p:childTnLst>
-                                    <p:animEffect transition="out" filter="dissolve">
-                                      <p:cBhvr>
-                                        <p:cTn id="27" dur="500"/>
-                                        <p:tgtEl>
-                                          <p:spTgt spid="3">
-                                            <p:txEl>
-                                              <p:pRg st="2" end="2"/>
-                                            </p:txEl>
-                                          </p:spTgt>
-                                        </p:tgtEl>
-                                      </p:cBhvr>
-                                    </p:animEffect>
-                                    <p:set>
-                                      <p:cBhvr>
-                                        <p:cTn id="28" dur="1" fill="hold">
-                                          <p:stCondLst>
-                                            <p:cond delay="499"/>
-                                          </p:stCondLst>
-                                        </p:cTn>
-                                        <p:tgtEl>
-                                          <p:spTgt spid="3">
-                                            <p:txEl>
-                                              <p:pRg st="2" end="2"/>
-                                            </p:txEl>
-                                          </p:spTgt>
-                                        </p:tgtEl>
-                                        <p:attrNameLst>
-                                          <p:attrName>style.visibility</p:attrName>
-                                        </p:attrNameLst>
-                                      </p:cBhvr>
-                                      <p:to>
-                                        <p:strVal val="hidden"/>
-                                      </p:to>
-                                    </p:set>
-                                  </p:childTnLst>
-                                </p:cTn>
-                              </p:par>
-                              <p:par>
-                                <p:cTn id="29" presetID="9" presetClass="entr" presetSubtype="0" fill="hold" grpId="0" nodeType="withEffect">
-                                  <p:stCondLst>
-                                    <p:cond delay="0"/>
-                                  </p:stCondLst>
-                                  <p:childTnLst>
-                                    <p:set>
-                                      <p:cBhvr>
-                                        <p:cTn id="30" dur="1" fill="hold">
-                                          <p:stCondLst>
-                                            <p:cond delay="0"/>
-                                          </p:stCondLst>
-                                        </p:cTn>
-                                        <p:tgtEl>
-                                          <p:spTgt spid="3">
-                                            <p:txEl>
-                                              <p:pRg st="3" end="3"/>
-                                            </p:txEl>
-                                          </p:spTgt>
-                                        </p:tgtEl>
-                                        <p:attrNameLst>
-                                          <p:attrName>style.visibility</p:attrName>
-                                        </p:attrNameLst>
-                                      </p:cBhvr>
-                                      <p:to>
-                                        <p:strVal val="visible"/>
-                                      </p:to>
-                                    </p:set>
-                                    <p:animEffect transition="in" filter="dissolve">
-                                      <p:cBhvr>
-                                        <p:cTn id="31" dur="500"/>
-                                        <p:tgtEl>
-                                          <p:spTgt spid="3">
-                                            <p:txEl>
-                                              <p:pRg st="3" end="3"/>
-                                            </p:txEl>
-                                          </p:spTgt>
-                                        </p:tgtEl>
-                                      </p:cBhvr>
-                                    </p:animEffect>
-                                  </p:childTnLst>
-                                </p:cTn>
-                              </p:par>
-                            </p:childTnLst>
-                          </p:cTn>
-                        </p:par>
-                      </p:childTnLst>
-                    </p:cTn>
-                  </p:par>
-                </p:childTnLst>
-              </p:cTn>
-              <p:prevCondLst>
-                <p:cond evt="onPrev" delay="0">
-                  <p:tgtEl>
-                    <p:sldTgt/>
-                  </p:tgtEl>
-                </p:cond>
-              </p:prevCondLst>
-              <p:nextCondLst>
-                <p:cond evt="onNext" delay="0">
-                  <p:tgtEl>
-                    <p:sldTgt/>
-                  </p:tgtEl>
-                </p:cond>
-              </p:nextCondLst>
-            </p:seq>
-          </p:childTnLst>
-        </p:cTn>
-      </p:par>
-    </p:tnLst>
-    <p:bldLst>
-      <p:bldP spid="3" grpId="0" uiExpand="1" build="p"/>
-      <p:bldP spid="3" grpId="1" uiExpand="1" build="p"/>
-    </p:bldLst>
-  </p:timing>
 </p:sld>
 </file>
 
@@ -39391,6 +39078,2567 @@
         </p:nvSpPr>
         <p:spPr>
           <a:xfrm>
+            <a:off x="2679116" y="99458"/>
+            <a:ext cx="9530038" cy="1509490"/>
+          </a:xfrm>
+        </p:spPr>
+        <p:txBody>
+          <a:bodyPr>
+            <a:normAutofit/>
+          </a:bodyPr>
+          <a:lstStyle/>
+          <a:p>
+            <a:pPr algn="ctr"/>
+            <a:r>
+              <a:rPr lang="pt-BR" b="1" i="1" dirty="0"/>
+              <a:t>Transparência</a:t>
+            </a:r>
+            <a:br>
+              <a:rPr lang="pt-BR" b="1" i="1" dirty="0"/>
+            </a:br>
+            <a:r>
+              <a:rPr lang="pt-BR" sz="1200" i="1" cap="none" dirty="0"/>
+              <a:t>(falta finalizar)</a:t>
+            </a:r>
+          </a:p>
+        </p:txBody>
+      </p:sp>
+      <p:sp>
+        <p:nvSpPr>
+          <p:cNvPr id="3" name="Content Placeholder 2">
+            <a:extLst>
+              <a:ext uri="{FF2B5EF4-FFF2-40B4-BE49-F238E27FC236}">
+                <a16:creationId xmlns:a16="http://schemas.microsoft.com/office/drawing/2014/main" id="{C9044F89-E3C1-E349-B0DE-0B932821234C}"/>
+              </a:ext>
+            </a:extLst>
+          </p:cNvPr>
+          <p:cNvSpPr>
+            <a:spLocks noGrp="1"/>
+          </p:cNvSpPr>
+          <p:nvPr>
+            <p:ph idx="1"/>
+          </p:nvPr>
+        </p:nvSpPr>
+        <p:spPr>
+          <a:xfrm>
+            <a:off x="596348" y="1444490"/>
+            <a:ext cx="10908264" cy="5032509"/>
+          </a:xfrm>
+        </p:spPr>
+        <p:txBody>
+          <a:bodyPr>
+            <a:normAutofit lnSpcReduction="10000"/>
+          </a:bodyPr>
+          <a:lstStyle/>
+          <a:p>
+            <a:r>
+              <a:rPr lang="pt" sz="3200" dirty="0"/>
+              <a:t>Transparência de Distribuição</a:t>
+            </a:r>
+          </a:p>
+          <a:p>
+            <a:r>
+              <a:rPr lang="pt" sz="3200" dirty="0"/>
+              <a:t>Transparência de Acesso</a:t>
+            </a:r>
+          </a:p>
+          <a:p>
+            <a:r>
+              <a:rPr lang="pt" sz="3200" dirty="0"/>
+              <a:t>Transparência de Localização</a:t>
+            </a:r>
+          </a:p>
+          <a:p>
+            <a:r>
+              <a:rPr lang="pt" sz="3200" dirty="0"/>
+              <a:t>Transparência de Migração/Mobilidade</a:t>
+            </a:r>
+          </a:p>
+          <a:p>
+            <a:r>
+              <a:rPr lang="pt" sz="3200" dirty="0"/>
+              <a:t>Transparência de Relocação</a:t>
+            </a:r>
+          </a:p>
+          <a:p>
+            <a:r>
+              <a:rPr lang="pt" sz="3200" dirty="0"/>
+              <a:t>Transparência de Replicação</a:t>
+            </a:r>
+          </a:p>
+          <a:p>
+            <a:r>
+              <a:rPr lang="pt" sz="3200" dirty="0"/>
+              <a:t>Transparência de Concorrência</a:t>
+            </a:r>
+          </a:p>
+          <a:p>
+            <a:r>
+              <a:rPr lang="pt" sz="3200" dirty="0"/>
+              <a:t>Transparência de Falhas</a:t>
+            </a:r>
+          </a:p>
+          <a:p>
+            <a:pPr marL="0" indent="0" algn="ctr">
+              <a:buNone/>
+            </a:pPr>
+            <a:r>
+              <a:rPr lang="en-US" sz="3200" dirty="0">
+                <a:hlinkClick r:id="rId2"/>
+              </a:rPr>
+              <a:t>manoelcampos.gitbooks.io/sistemas-distribuidos/book/chapter01c-transparency.html</a:t>
+            </a:r>
+            <a:r>
+              <a:rPr lang="en-US" sz="3200" dirty="0"/>
+              <a:t> </a:t>
+            </a:r>
+            <a:endParaRPr lang="pt" sz="3200" dirty="0"/>
+          </a:p>
+        </p:txBody>
+      </p:sp>
+      <p:sp>
+        <p:nvSpPr>
+          <p:cNvPr id="4" name="Slide Number Placeholder 3">
+            <a:extLst>
+              <a:ext uri="{FF2B5EF4-FFF2-40B4-BE49-F238E27FC236}">
+                <a16:creationId xmlns:a16="http://schemas.microsoft.com/office/drawing/2014/main" id="{2EA509C2-078C-DE4C-BE59-C32AF18E82D6}"/>
+              </a:ext>
+            </a:extLst>
+          </p:cNvPr>
+          <p:cNvSpPr>
+            <a:spLocks noGrp="1"/>
+          </p:cNvSpPr>
+          <p:nvPr>
+            <p:ph type="sldNum" sz="quarter" idx="12"/>
+          </p:nvPr>
+        </p:nvSpPr>
+        <p:spPr/>
+        <p:txBody>
+          <a:bodyPr/>
+          <a:lstStyle/>
+          <a:p>
+            <a:fld id="{2183B7EE-0FBE-B749-875F-ED24F5ECD71F}" type="slidenum">
+              <a:rPr lang="en-US" smtClean="0"/>
+              <a:t>70</a:t>
+            </a:fld>
+            <a:endParaRPr lang="en-US" dirty="0"/>
+          </a:p>
+        </p:txBody>
+      </p:sp>
+    </p:spTree>
+    <p:extLst>
+      <p:ext uri="{BB962C8B-B14F-4D97-AF65-F5344CB8AC3E}">
+        <p14:creationId xmlns:p14="http://schemas.microsoft.com/office/powerpoint/2010/main" val="2659091485"/>
+      </p:ext>
+    </p:extLst>
+  </p:cSld>
+  <p:clrMapOvr>
+    <a:masterClrMapping/>
+  </p:clrMapOvr>
+  <p:timing>
+    <p:tnLst>
+      <p:par>
+        <p:cTn id="1" dur="indefinite" restart="never" nodeType="tmRoot">
+          <p:childTnLst>
+            <p:seq concurrent="1" nextAc="seek">
+              <p:cTn id="2" dur="indefinite" nodeType="mainSeq">
+                <p:childTnLst>
+                  <p:par>
+                    <p:cTn id="3" fill="hold">
+                      <p:stCondLst>
+                        <p:cond delay="indefinite"/>
+                      </p:stCondLst>
+                      <p:childTnLst>
+                        <p:par>
+                          <p:cTn id="4" fill="hold">
+                            <p:stCondLst>
+                              <p:cond delay="0"/>
+                            </p:stCondLst>
+                            <p:childTnLst>
+                              <p:par>
+                                <p:cTn id="5" presetID="9" presetClass="entr" presetSubtype="0" fill="hold" grpId="0" nodeType="clickEffect">
+                                  <p:stCondLst>
+                                    <p:cond delay="0"/>
+                                  </p:stCondLst>
+                                  <p:childTnLst>
+                                    <p:set>
+                                      <p:cBhvr>
+                                        <p:cTn id="6" dur="1" fill="hold">
+                                          <p:stCondLst>
+                                            <p:cond delay="0"/>
+                                          </p:stCondLst>
+                                        </p:cTn>
+                                        <p:tgtEl>
+                                          <p:spTgt spid="3">
+                                            <p:txEl>
+                                              <p:pRg st="0" end="0"/>
+                                            </p:txEl>
+                                          </p:spTgt>
+                                        </p:tgtEl>
+                                        <p:attrNameLst>
+                                          <p:attrName>style.visibility</p:attrName>
+                                        </p:attrNameLst>
+                                      </p:cBhvr>
+                                      <p:to>
+                                        <p:strVal val="visible"/>
+                                      </p:to>
+                                    </p:set>
+                                    <p:animEffect transition="in" filter="dissolve">
+                                      <p:cBhvr>
+                                        <p:cTn id="7" dur="500"/>
+                                        <p:tgtEl>
+                                          <p:spTgt spid="3">
+                                            <p:txEl>
+                                              <p:pRg st="0" end="0"/>
+                                            </p:txEl>
+                                          </p:spTgt>
+                                        </p:tgtEl>
+                                      </p:cBhvr>
+                                    </p:animEffect>
+                                  </p:childTnLst>
+                                </p:cTn>
+                              </p:par>
+                            </p:childTnLst>
+                          </p:cTn>
+                        </p:par>
+                      </p:childTnLst>
+                    </p:cTn>
+                  </p:par>
+                  <p:par>
+                    <p:cTn id="8" fill="hold">
+                      <p:stCondLst>
+                        <p:cond delay="indefinite"/>
+                      </p:stCondLst>
+                      <p:childTnLst>
+                        <p:par>
+                          <p:cTn id="9" fill="hold">
+                            <p:stCondLst>
+                              <p:cond delay="0"/>
+                            </p:stCondLst>
+                            <p:childTnLst>
+                              <p:par>
+                                <p:cTn id="10" presetID="9" presetClass="entr" presetSubtype="0" fill="hold" grpId="0" nodeType="clickEffect">
+                                  <p:stCondLst>
+                                    <p:cond delay="0"/>
+                                  </p:stCondLst>
+                                  <p:childTnLst>
+                                    <p:set>
+                                      <p:cBhvr>
+                                        <p:cTn id="11" dur="1" fill="hold">
+                                          <p:stCondLst>
+                                            <p:cond delay="0"/>
+                                          </p:stCondLst>
+                                        </p:cTn>
+                                        <p:tgtEl>
+                                          <p:spTgt spid="3">
+                                            <p:txEl>
+                                              <p:pRg st="1" end="1"/>
+                                            </p:txEl>
+                                          </p:spTgt>
+                                        </p:tgtEl>
+                                        <p:attrNameLst>
+                                          <p:attrName>style.visibility</p:attrName>
+                                        </p:attrNameLst>
+                                      </p:cBhvr>
+                                      <p:to>
+                                        <p:strVal val="visible"/>
+                                      </p:to>
+                                    </p:set>
+                                    <p:animEffect transition="in" filter="dissolve">
+                                      <p:cBhvr>
+                                        <p:cTn id="12" dur="500"/>
+                                        <p:tgtEl>
+                                          <p:spTgt spid="3">
+                                            <p:txEl>
+                                              <p:pRg st="1" end="1"/>
+                                            </p:txEl>
+                                          </p:spTgt>
+                                        </p:tgtEl>
+                                      </p:cBhvr>
+                                    </p:animEffect>
+                                  </p:childTnLst>
+                                </p:cTn>
+                              </p:par>
+                            </p:childTnLst>
+                          </p:cTn>
+                        </p:par>
+                      </p:childTnLst>
+                    </p:cTn>
+                  </p:par>
+                  <p:par>
+                    <p:cTn id="13" fill="hold">
+                      <p:stCondLst>
+                        <p:cond delay="indefinite"/>
+                      </p:stCondLst>
+                      <p:childTnLst>
+                        <p:par>
+                          <p:cTn id="14" fill="hold">
+                            <p:stCondLst>
+                              <p:cond delay="0"/>
+                            </p:stCondLst>
+                            <p:childTnLst>
+                              <p:par>
+                                <p:cTn id="15" presetID="9" presetClass="entr" presetSubtype="0" fill="hold" grpId="0" nodeType="clickEffect">
+                                  <p:stCondLst>
+                                    <p:cond delay="0"/>
+                                  </p:stCondLst>
+                                  <p:childTnLst>
+                                    <p:set>
+                                      <p:cBhvr>
+                                        <p:cTn id="16" dur="1" fill="hold">
+                                          <p:stCondLst>
+                                            <p:cond delay="0"/>
+                                          </p:stCondLst>
+                                        </p:cTn>
+                                        <p:tgtEl>
+                                          <p:spTgt spid="3">
+                                            <p:txEl>
+                                              <p:pRg st="2" end="2"/>
+                                            </p:txEl>
+                                          </p:spTgt>
+                                        </p:tgtEl>
+                                        <p:attrNameLst>
+                                          <p:attrName>style.visibility</p:attrName>
+                                        </p:attrNameLst>
+                                      </p:cBhvr>
+                                      <p:to>
+                                        <p:strVal val="visible"/>
+                                      </p:to>
+                                    </p:set>
+                                    <p:animEffect transition="in" filter="dissolve">
+                                      <p:cBhvr>
+                                        <p:cTn id="17" dur="500"/>
+                                        <p:tgtEl>
+                                          <p:spTgt spid="3">
+                                            <p:txEl>
+                                              <p:pRg st="2" end="2"/>
+                                            </p:txEl>
+                                          </p:spTgt>
+                                        </p:tgtEl>
+                                      </p:cBhvr>
+                                    </p:animEffect>
+                                  </p:childTnLst>
+                                </p:cTn>
+                              </p:par>
+                            </p:childTnLst>
+                          </p:cTn>
+                        </p:par>
+                      </p:childTnLst>
+                    </p:cTn>
+                  </p:par>
+                  <p:par>
+                    <p:cTn id="18" fill="hold">
+                      <p:stCondLst>
+                        <p:cond delay="indefinite"/>
+                      </p:stCondLst>
+                      <p:childTnLst>
+                        <p:par>
+                          <p:cTn id="19" fill="hold">
+                            <p:stCondLst>
+                              <p:cond delay="0"/>
+                            </p:stCondLst>
+                            <p:childTnLst>
+                              <p:par>
+                                <p:cTn id="20" presetID="9" presetClass="entr" presetSubtype="0" fill="hold" grpId="0" nodeType="clickEffect">
+                                  <p:stCondLst>
+                                    <p:cond delay="0"/>
+                                  </p:stCondLst>
+                                  <p:childTnLst>
+                                    <p:set>
+                                      <p:cBhvr>
+                                        <p:cTn id="21" dur="1" fill="hold">
+                                          <p:stCondLst>
+                                            <p:cond delay="0"/>
+                                          </p:stCondLst>
+                                        </p:cTn>
+                                        <p:tgtEl>
+                                          <p:spTgt spid="3">
+                                            <p:txEl>
+                                              <p:pRg st="3" end="3"/>
+                                            </p:txEl>
+                                          </p:spTgt>
+                                        </p:tgtEl>
+                                        <p:attrNameLst>
+                                          <p:attrName>style.visibility</p:attrName>
+                                        </p:attrNameLst>
+                                      </p:cBhvr>
+                                      <p:to>
+                                        <p:strVal val="visible"/>
+                                      </p:to>
+                                    </p:set>
+                                    <p:animEffect transition="in" filter="dissolve">
+                                      <p:cBhvr>
+                                        <p:cTn id="22" dur="500"/>
+                                        <p:tgtEl>
+                                          <p:spTgt spid="3">
+                                            <p:txEl>
+                                              <p:pRg st="3" end="3"/>
+                                            </p:txEl>
+                                          </p:spTgt>
+                                        </p:tgtEl>
+                                      </p:cBhvr>
+                                    </p:animEffect>
+                                  </p:childTnLst>
+                                </p:cTn>
+                              </p:par>
+                            </p:childTnLst>
+                          </p:cTn>
+                        </p:par>
+                      </p:childTnLst>
+                    </p:cTn>
+                  </p:par>
+                  <p:par>
+                    <p:cTn id="23" fill="hold">
+                      <p:stCondLst>
+                        <p:cond delay="indefinite"/>
+                      </p:stCondLst>
+                      <p:childTnLst>
+                        <p:par>
+                          <p:cTn id="24" fill="hold">
+                            <p:stCondLst>
+                              <p:cond delay="0"/>
+                            </p:stCondLst>
+                            <p:childTnLst>
+                              <p:par>
+                                <p:cTn id="25" presetID="9" presetClass="entr" presetSubtype="0" fill="hold" grpId="0" nodeType="clickEffect">
+                                  <p:stCondLst>
+                                    <p:cond delay="0"/>
+                                  </p:stCondLst>
+                                  <p:childTnLst>
+                                    <p:set>
+                                      <p:cBhvr>
+                                        <p:cTn id="26" dur="1" fill="hold">
+                                          <p:stCondLst>
+                                            <p:cond delay="0"/>
+                                          </p:stCondLst>
+                                        </p:cTn>
+                                        <p:tgtEl>
+                                          <p:spTgt spid="3">
+                                            <p:txEl>
+                                              <p:pRg st="4" end="4"/>
+                                            </p:txEl>
+                                          </p:spTgt>
+                                        </p:tgtEl>
+                                        <p:attrNameLst>
+                                          <p:attrName>style.visibility</p:attrName>
+                                        </p:attrNameLst>
+                                      </p:cBhvr>
+                                      <p:to>
+                                        <p:strVal val="visible"/>
+                                      </p:to>
+                                    </p:set>
+                                    <p:animEffect transition="in" filter="dissolve">
+                                      <p:cBhvr>
+                                        <p:cTn id="27" dur="500"/>
+                                        <p:tgtEl>
+                                          <p:spTgt spid="3">
+                                            <p:txEl>
+                                              <p:pRg st="4" end="4"/>
+                                            </p:txEl>
+                                          </p:spTgt>
+                                        </p:tgtEl>
+                                      </p:cBhvr>
+                                    </p:animEffect>
+                                  </p:childTnLst>
+                                </p:cTn>
+                              </p:par>
+                            </p:childTnLst>
+                          </p:cTn>
+                        </p:par>
+                      </p:childTnLst>
+                    </p:cTn>
+                  </p:par>
+                  <p:par>
+                    <p:cTn id="28" fill="hold">
+                      <p:stCondLst>
+                        <p:cond delay="indefinite"/>
+                      </p:stCondLst>
+                      <p:childTnLst>
+                        <p:par>
+                          <p:cTn id="29" fill="hold">
+                            <p:stCondLst>
+                              <p:cond delay="0"/>
+                            </p:stCondLst>
+                            <p:childTnLst>
+                              <p:par>
+                                <p:cTn id="30" presetID="9" presetClass="entr" presetSubtype="0" fill="hold" grpId="0" nodeType="clickEffect">
+                                  <p:stCondLst>
+                                    <p:cond delay="0"/>
+                                  </p:stCondLst>
+                                  <p:childTnLst>
+                                    <p:set>
+                                      <p:cBhvr>
+                                        <p:cTn id="31" dur="1" fill="hold">
+                                          <p:stCondLst>
+                                            <p:cond delay="0"/>
+                                          </p:stCondLst>
+                                        </p:cTn>
+                                        <p:tgtEl>
+                                          <p:spTgt spid="3">
+                                            <p:txEl>
+                                              <p:pRg st="5" end="5"/>
+                                            </p:txEl>
+                                          </p:spTgt>
+                                        </p:tgtEl>
+                                        <p:attrNameLst>
+                                          <p:attrName>style.visibility</p:attrName>
+                                        </p:attrNameLst>
+                                      </p:cBhvr>
+                                      <p:to>
+                                        <p:strVal val="visible"/>
+                                      </p:to>
+                                    </p:set>
+                                    <p:animEffect transition="in" filter="dissolve">
+                                      <p:cBhvr>
+                                        <p:cTn id="32" dur="500"/>
+                                        <p:tgtEl>
+                                          <p:spTgt spid="3">
+                                            <p:txEl>
+                                              <p:pRg st="5" end="5"/>
+                                            </p:txEl>
+                                          </p:spTgt>
+                                        </p:tgtEl>
+                                      </p:cBhvr>
+                                    </p:animEffect>
+                                  </p:childTnLst>
+                                </p:cTn>
+                              </p:par>
+                              <p:par>
+                                <p:cTn id="33" presetID="9" presetClass="exit" presetSubtype="0" fill="hold" grpId="1" nodeType="withEffect">
+                                  <p:stCondLst>
+                                    <p:cond delay="0"/>
+                                  </p:stCondLst>
+                                  <p:childTnLst>
+                                    <p:animEffect transition="out" filter="dissolve">
+                                      <p:cBhvr>
+                                        <p:cTn id="34" dur="500"/>
+                                        <p:tgtEl>
+                                          <p:spTgt spid="3">
+                                            <p:txEl>
+                                              <p:pRg st="0" end="0"/>
+                                            </p:txEl>
+                                          </p:spTgt>
+                                        </p:tgtEl>
+                                      </p:cBhvr>
+                                    </p:animEffect>
+                                    <p:set>
+                                      <p:cBhvr>
+                                        <p:cTn id="35" dur="1" fill="hold">
+                                          <p:stCondLst>
+                                            <p:cond delay="499"/>
+                                          </p:stCondLst>
+                                        </p:cTn>
+                                        <p:tgtEl>
+                                          <p:spTgt spid="3">
+                                            <p:txEl>
+                                              <p:pRg st="0" end="0"/>
+                                            </p:txEl>
+                                          </p:spTgt>
+                                        </p:tgtEl>
+                                        <p:attrNameLst>
+                                          <p:attrName>style.visibility</p:attrName>
+                                        </p:attrNameLst>
+                                      </p:cBhvr>
+                                      <p:to>
+                                        <p:strVal val="hidden"/>
+                                      </p:to>
+                                    </p:set>
+                                  </p:childTnLst>
+                                </p:cTn>
+                              </p:par>
+                            </p:childTnLst>
+                          </p:cTn>
+                        </p:par>
+                      </p:childTnLst>
+                    </p:cTn>
+                  </p:par>
+                  <p:par>
+                    <p:cTn id="36" fill="hold">
+                      <p:stCondLst>
+                        <p:cond delay="indefinite"/>
+                      </p:stCondLst>
+                      <p:childTnLst>
+                        <p:par>
+                          <p:cTn id="37" fill="hold">
+                            <p:stCondLst>
+                              <p:cond delay="0"/>
+                            </p:stCondLst>
+                            <p:childTnLst>
+                              <p:par>
+                                <p:cTn id="38" presetID="9" presetClass="exit" presetSubtype="0" fill="hold" grpId="1" nodeType="clickEffect">
+                                  <p:stCondLst>
+                                    <p:cond delay="0"/>
+                                  </p:stCondLst>
+                                  <p:childTnLst>
+                                    <p:animEffect transition="out" filter="dissolve">
+                                      <p:cBhvr>
+                                        <p:cTn id="39" dur="500"/>
+                                        <p:tgtEl>
+                                          <p:spTgt spid="3">
+                                            <p:txEl>
+                                              <p:pRg st="1" end="1"/>
+                                            </p:txEl>
+                                          </p:spTgt>
+                                        </p:tgtEl>
+                                      </p:cBhvr>
+                                    </p:animEffect>
+                                    <p:set>
+                                      <p:cBhvr>
+                                        <p:cTn id="40" dur="1" fill="hold">
+                                          <p:stCondLst>
+                                            <p:cond delay="499"/>
+                                          </p:stCondLst>
+                                        </p:cTn>
+                                        <p:tgtEl>
+                                          <p:spTgt spid="3">
+                                            <p:txEl>
+                                              <p:pRg st="1" end="1"/>
+                                            </p:txEl>
+                                          </p:spTgt>
+                                        </p:tgtEl>
+                                        <p:attrNameLst>
+                                          <p:attrName>style.visibility</p:attrName>
+                                        </p:attrNameLst>
+                                      </p:cBhvr>
+                                      <p:to>
+                                        <p:strVal val="hidden"/>
+                                      </p:to>
+                                    </p:set>
+                                  </p:childTnLst>
+                                </p:cTn>
+                              </p:par>
+                            </p:childTnLst>
+                          </p:cTn>
+                        </p:par>
+                      </p:childTnLst>
+                    </p:cTn>
+                  </p:par>
+                  <p:par>
+                    <p:cTn id="41" fill="hold">
+                      <p:stCondLst>
+                        <p:cond delay="indefinite"/>
+                      </p:stCondLst>
+                      <p:childTnLst>
+                        <p:par>
+                          <p:cTn id="42" fill="hold">
+                            <p:stCondLst>
+                              <p:cond delay="0"/>
+                            </p:stCondLst>
+                            <p:childTnLst>
+                              <p:par>
+                                <p:cTn id="43" presetID="9" presetClass="exit" presetSubtype="0" fill="hold" grpId="1" nodeType="clickEffect">
+                                  <p:stCondLst>
+                                    <p:cond delay="0"/>
+                                  </p:stCondLst>
+                                  <p:childTnLst>
+                                    <p:animEffect transition="out" filter="dissolve">
+                                      <p:cBhvr>
+                                        <p:cTn id="44" dur="500"/>
+                                        <p:tgtEl>
+                                          <p:spTgt spid="3">
+                                            <p:txEl>
+                                              <p:pRg st="2" end="2"/>
+                                            </p:txEl>
+                                          </p:spTgt>
+                                        </p:tgtEl>
+                                      </p:cBhvr>
+                                    </p:animEffect>
+                                    <p:set>
+                                      <p:cBhvr>
+                                        <p:cTn id="45" dur="1" fill="hold">
+                                          <p:stCondLst>
+                                            <p:cond delay="499"/>
+                                          </p:stCondLst>
+                                        </p:cTn>
+                                        <p:tgtEl>
+                                          <p:spTgt spid="3">
+                                            <p:txEl>
+                                              <p:pRg st="2" end="2"/>
+                                            </p:txEl>
+                                          </p:spTgt>
+                                        </p:tgtEl>
+                                        <p:attrNameLst>
+                                          <p:attrName>style.visibility</p:attrName>
+                                        </p:attrNameLst>
+                                      </p:cBhvr>
+                                      <p:to>
+                                        <p:strVal val="hidden"/>
+                                      </p:to>
+                                    </p:set>
+                                  </p:childTnLst>
+                                </p:cTn>
+                              </p:par>
+                            </p:childTnLst>
+                          </p:cTn>
+                        </p:par>
+                      </p:childTnLst>
+                    </p:cTn>
+                  </p:par>
+                  <p:par>
+                    <p:cTn id="46" fill="hold">
+                      <p:stCondLst>
+                        <p:cond delay="indefinite"/>
+                      </p:stCondLst>
+                      <p:childTnLst>
+                        <p:par>
+                          <p:cTn id="47" fill="hold">
+                            <p:stCondLst>
+                              <p:cond delay="0"/>
+                            </p:stCondLst>
+                            <p:childTnLst>
+                              <p:par>
+                                <p:cTn id="48" presetID="9" presetClass="exit" presetSubtype="0" fill="hold" grpId="1" nodeType="clickEffect">
+                                  <p:stCondLst>
+                                    <p:cond delay="0"/>
+                                  </p:stCondLst>
+                                  <p:childTnLst>
+                                    <p:animEffect transition="out" filter="dissolve">
+                                      <p:cBhvr>
+                                        <p:cTn id="49" dur="500"/>
+                                        <p:tgtEl>
+                                          <p:spTgt spid="3">
+                                            <p:txEl>
+                                              <p:pRg st="3" end="3"/>
+                                            </p:txEl>
+                                          </p:spTgt>
+                                        </p:tgtEl>
+                                      </p:cBhvr>
+                                    </p:animEffect>
+                                    <p:set>
+                                      <p:cBhvr>
+                                        <p:cTn id="50" dur="1" fill="hold">
+                                          <p:stCondLst>
+                                            <p:cond delay="499"/>
+                                          </p:stCondLst>
+                                        </p:cTn>
+                                        <p:tgtEl>
+                                          <p:spTgt spid="3">
+                                            <p:txEl>
+                                              <p:pRg st="3" end="3"/>
+                                            </p:txEl>
+                                          </p:spTgt>
+                                        </p:tgtEl>
+                                        <p:attrNameLst>
+                                          <p:attrName>style.visibility</p:attrName>
+                                        </p:attrNameLst>
+                                      </p:cBhvr>
+                                      <p:to>
+                                        <p:strVal val="hidden"/>
+                                      </p:to>
+                                    </p:set>
+                                  </p:childTnLst>
+                                </p:cTn>
+                              </p:par>
+                            </p:childTnLst>
+                          </p:cTn>
+                        </p:par>
+                      </p:childTnLst>
+                    </p:cTn>
+                  </p:par>
+                  <p:par>
+                    <p:cTn id="51" fill="hold">
+                      <p:stCondLst>
+                        <p:cond delay="indefinite"/>
+                      </p:stCondLst>
+                      <p:childTnLst>
+                        <p:par>
+                          <p:cTn id="52" fill="hold">
+                            <p:stCondLst>
+                              <p:cond delay="0"/>
+                            </p:stCondLst>
+                            <p:childTnLst>
+                              <p:par>
+                                <p:cTn id="53" presetID="9" presetClass="exit" presetSubtype="0" fill="hold" grpId="1" nodeType="clickEffect">
+                                  <p:stCondLst>
+                                    <p:cond delay="0"/>
+                                  </p:stCondLst>
+                                  <p:childTnLst>
+                                    <p:animEffect transition="out" filter="dissolve">
+                                      <p:cBhvr>
+                                        <p:cTn id="54" dur="500"/>
+                                        <p:tgtEl>
+                                          <p:spTgt spid="3">
+                                            <p:txEl>
+                                              <p:pRg st="4" end="4"/>
+                                            </p:txEl>
+                                          </p:spTgt>
+                                        </p:tgtEl>
+                                      </p:cBhvr>
+                                    </p:animEffect>
+                                    <p:set>
+                                      <p:cBhvr>
+                                        <p:cTn id="55" dur="1" fill="hold">
+                                          <p:stCondLst>
+                                            <p:cond delay="499"/>
+                                          </p:stCondLst>
+                                        </p:cTn>
+                                        <p:tgtEl>
+                                          <p:spTgt spid="3">
+                                            <p:txEl>
+                                              <p:pRg st="4" end="4"/>
+                                            </p:txEl>
+                                          </p:spTgt>
+                                        </p:tgtEl>
+                                        <p:attrNameLst>
+                                          <p:attrName>style.visibility</p:attrName>
+                                        </p:attrNameLst>
+                                      </p:cBhvr>
+                                      <p:to>
+                                        <p:strVal val="hidden"/>
+                                      </p:to>
+                                    </p:set>
+                                  </p:childTnLst>
+                                </p:cTn>
+                              </p:par>
+                            </p:childTnLst>
+                          </p:cTn>
+                        </p:par>
+                      </p:childTnLst>
+                    </p:cTn>
+                  </p:par>
+                  <p:par>
+                    <p:cTn id="56" fill="hold">
+                      <p:stCondLst>
+                        <p:cond delay="indefinite"/>
+                      </p:stCondLst>
+                      <p:childTnLst>
+                        <p:par>
+                          <p:cTn id="57" fill="hold">
+                            <p:stCondLst>
+                              <p:cond delay="0"/>
+                            </p:stCondLst>
+                            <p:childTnLst>
+                              <p:par>
+                                <p:cTn id="58" presetID="9" presetClass="exit" presetSubtype="0" fill="hold" grpId="1" nodeType="clickEffect">
+                                  <p:stCondLst>
+                                    <p:cond delay="0"/>
+                                  </p:stCondLst>
+                                  <p:childTnLst>
+                                    <p:animEffect transition="out" filter="dissolve">
+                                      <p:cBhvr>
+                                        <p:cTn id="59" dur="500"/>
+                                        <p:tgtEl>
+                                          <p:spTgt spid="3">
+                                            <p:txEl>
+                                              <p:pRg st="5" end="5"/>
+                                            </p:txEl>
+                                          </p:spTgt>
+                                        </p:tgtEl>
+                                      </p:cBhvr>
+                                    </p:animEffect>
+                                    <p:set>
+                                      <p:cBhvr>
+                                        <p:cTn id="60" dur="1" fill="hold">
+                                          <p:stCondLst>
+                                            <p:cond delay="499"/>
+                                          </p:stCondLst>
+                                        </p:cTn>
+                                        <p:tgtEl>
+                                          <p:spTgt spid="3">
+                                            <p:txEl>
+                                              <p:pRg st="5" end="5"/>
+                                            </p:txEl>
+                                          </p:spTgt>
+                                        </p:tgtEl>
+                                        <p:attrNameLst>
+                                          <p:attrName>style.visibility</p:attrName>
+                                        </p:attrNameLst>
+                                      </p:cBhvr>
+                                      <p:to>
+                                        <p:strVal val="hidden"/>
+                                      </p:to>
+                                    </p:set>
+                                  </p:childTnLst>
+                                </p:cTn>
+                              </p:par>
+                            </p:childTnLst>
+                          </p:cTn>
+                        </p:par>
+                      </p:childTnLst>
+                    </p:cTn>
+                  </p:par>
+                </p:childTnLst>
+              </p:cTn>
+              <p:prevCondLst>
+                <p:cond evt="onPrev" delay="0">
+                  <p:tgtEl>
+                    <p:sldTgt/>
+                  </p:tgtEl>
+                </p:cond>
+              </p:prevCondLst>
+              <p:nextCondLst>
+                <p:cond evt="onNext" delay="0">
+                  <p:tgtEl>
+                    <p:sldTgt/>
+                  </p:tgtEl>
+                </p:cond>
+              </p:nextCondLst>
+            </p:seq>
+          </p:childTnLst>
+        </p:cTn>
+      </p:par>
+    </p:tnLst>
+    <p:bldLst>
+      <p:bldP spid="3" grpId="0" uiExpand="1" build="p"/>
+      <p:bldP spid="3" grpId="1" uiExpand="1" build="p"/>
+    </p:bldLst>
+  </p:timing>
+</p:sld>
+</file>
+
+<file path=ppt/slides/slide71.xml><?xml version="1.0" encoding="utf-8"?>
+<p:sld xmlns:a="http://schemas.openxmlformats.org/drawingml/2006/main" xmlns:r="http://schemas.openxmlformats.org/officeDocument/2006/relationships" xmlns:p="http://schemas.openxmlformats.org/presentationml/2006/main">
+  <p:cSld>
+    <p:spTree>
+      <p:nvGrpSpPr>
+        <p:cNvPr id="1" name=""/>
+        <p:cNvGrpSpPr/>
+        <p:nvPr/>
+      </p:nvGrpSpPr>
+      <p:grpSpPr>
+        <a:xfrm>
+          <a:off x="0" y="0"/>
+          <a:ext cx="0" cy="0"/>
+          <a:chOff x="0" y="0"/>
+          <a:chExt cx="0" cy="0"/>
+        </a:xfrm>
+      </p:grpSpPr>
+      <p:sp>
+        <p:nvSpPr>
+          <p:cNvPr id="2" name="Title 1">
+            <a:extLst>
+              <a:ext uri="{FF2B5EF4-FFF2-40B4-BE49-F238E27FC236}">
+                <a16:creationId xmlns:a16="http://schemas.microsoft.com/office/drawing/2014/main" id="{58204B45-BA2F-544A-ADBD-2B584480C63E}"/>
+              </a:ext>
+            </a:extLst>
+          </p:cNvPr>
+          <p:cNvSpPr>
+            <a:spLocks noGrp="1"/>
+          </p:cNvSpPr>
+          <p:nvPr>
+            <p:ph type="title"/>
+          </p:nvPr>
+        </p:nvSpPr>
+        <p:spPr>
+          <a:xfrm>
+            <a:off x="2679116" y="99458"/>
+            <a:ext cx="9530038" cy="1509490"/>
+          </a:xfrm>
+        </p:spPr>
+        <p:txBody>
+          <a:bodyPr>
+            <a:normAutofit/>
+          </a:bodyPr>
+          <a:lstStyle/>
+          <a:p>
+            <a:pPr algn="ctr"/>
+            <a:r>
+              <a:rPr lang="pt-BR" b="1" i="1" dirty="0"/>
+              <a:t>Transparência a falhas</a:t>
+            </a:r>
+            <a:endParaRPr lang="pt-BR" sz="1200" i="1" cap="none" dirty="0"/>
+          </a:p>
+        </p:txBody>
+      </p:sp>
+      <p:sp>
+        <p:nvSpPr>
+          <p:cNvPr id="3" name="Content Placeholder 2">
+            <a:extLst>
+              <a:ext uri="{FF2B5EF4-FFF2-40B4-BE49-F238E27FC236}">
+                <a16:creationId xmlns:a16="http://schemas.microsoft.com/office/drawing/2014/main" id="{C9044F89-E3C1-E349-B0DE-0B932821234C}"/>
+              </a:ext>
+            </a:extLst>
+          </p:cNvPr>
+          <p:cNvSpPr>
+            <a:spLocks noGrp="1"/>
+          </p:cNvSpPr>
+          <p:nvPr>
+            <p:ph idx="1"/>
+          </p:nvPr>
+        </p:nvSpPr>
+        <p:spPr>
+          <a:xfrm>
+            <a:off x="596348" y="1444490"/>
+            <a:ext cx="10908264" cy="5032509"/>
+          </a:xfrm>
+        </p:spPr>
+        <p:txBody>
+          <a:bodyPr>
+            <a:normAutofit/>
+          </a:bodyPr>
+          <a:lstStyle/>
+          <a:p>
+            <a:r>
+              <a:rPr lang="pt" sz="3200" dirty="0"/>
+              <a:t>Objetiva ocultar falhas dos usuários e sistemas</a:t>
+            </a:r>
+          </a:p>
+          <a:p>
+            <a:r>
+              <a:rPr lang="pt" sz="3200" dirty="0"/>
+              <a:t>Se um componente falha, outro deve assumir</a:t>
+            </a:r>
+          </a:p>
+          <a:p>
+            <a:r>
+              <a:rPr lang="pt" sz="3200" dirty="0"/>
+              <a:t>Tolerância a falhas também não é infinita</a:t>
+            </a:r>
+          </a:p>
+          <a:p>
+            <a:r>
+              <a:rPr lang="pt" sz="3200" dirty="0"/>
+              <a:t>Nível de tolerância </a:t>
+            </a:r>
+            <a:r>
+              <a:rPr lang="pt" sz="3200" dirty="0" err="1"/>
+              <a:t>k</a:t>
+            </a:r>
+            <a:r>
+              <a:rPr lang="pt" sz="3200" dirty="0"/>
+              <a:t>: indica que o sistema suporta </a:t>
+            </a:r>
+            <a:r>
+              <a:rPr lang="pt" sz="3200" dirty="0" err="1"/>
+              <a:t>k</a:t>
+            </a:r>
+            <a:r>
+              <a:rPr lang="pt" sz="3200" dirty="0"/>
+              <a:t> falhas</a:t>
+            </a:r>
+          </a:p>
+          <a:p>
+            <a:r>
+              <a:rPr lang="pt" sz="3200" dirty="0"/>
+              <a:t>Requer k+1 elementos</a:t>
+            </a:r>
+          </a:p>
+        </p:txBody>
+      </p:sp>
+      <p:sp>
+        <p:nvSpPr>
+          <p:cNvPr id="4" name="Slide Number Placeholder 3">
+            <a:extLst>
+              <a:ext uri="{FF2B5EF4-FFF2-40B4-BE49-F238E27FC236}">
+                <a16:creationId xmlns:a16="http://schemas.microsoft.com/office/drawing/2014/main" id="{2EA509C2-078C-DE4C-BE59-C32AF18E82D6}"/>
+              </a:ext>
+            </a:extLst>
+          </p:cNvPr>
+          <p:cNvSpPr>
+            <a:spLocks noGrp="1"/>
+          </p:cNvSpPr>
+          <p:nvPr>
+            <p:ph type="sldNum" sz="quarter" idx="12"/>
+          </p:nvPr>
+        </p:nvSpPr>
+        <p:spPr/>
+        <p:txBody>
+          <a:bodyPr/>
+          <a:lstStyle/>
+          <a:p>
+            <a:fld id="{2183B7EE-0FBE-B749-875F-ED24F5ECD71F}" type="slidenum">
+              <a:rPr lang="en-US" smtClean="0"/>
+              <a:t>71</a:t>
+            </a:fld>
+            <a:endParaRPr lang="en-US" dirty="0"/>
+          </a:p>
+        </p:txBody>
+      </p:sp>
+    </p:spTree>
+    <p:extLst>
+      <p:ext uri="{BB962C8B-B14F-4D97-AF65-F5344CB8AC3E}">
+        <p14:creationId xmlns:p14="http://schemas.microsoft.com/office/powerpoint/2010/main" val="3948607796"/>
+      </p:ext>
+    </p:extLst>
+  </p:cSld>
+  <p:clrMapOvr>
+    <a:masterClrMapping/>
+  </p:clrMapOvr>
+  <p:timing>
+    <p:tnLst>
+      <p:par>
+        <p:cTn id="1" dur="indefinite" restart="never" nodeType="tmRoot">
+          <p:childTnLst>
+            <p:seq concurrent="1" nextAc="seek">
+              <p:cTn id="2" dur="indefinite" nodeType="mainSeq">
+                <p:childTnLst>
+                  <p:par>
+                    <p:cTn id="3" fill="hold">
+                      <p:stCondLst>
+                        <p:cond delay="indefinite"/>
+                      </p:stCondLst>
+                      <p:childTnLst>
+                        <p:par>
+                          <p:cTn id="4" fill="hold">
+                            <p:stCondLst>
+                              <p:cond delay="0"/>
+                            </p:stCondLst>
+                            <p:childTnLst>
+                              <p:par>
+                                <p:cTn id="5" presetID="9" presetClass="entr" presetSubtype="0" fill="hold" grpId="0" nodeType="clickEffect">
+                                  <p:stCondLst>
+                                    <p:cond delay="0"/>
+                                  </p:stCondLst>
+                                  <p:childTnLst>
+                                    <p:set>
+                                      <p:cBhvr>
+                                        <p:cTn id="6" dur="1" fill="hold">
+                                          <p:stCondLst>
+                                            <p:cond delay="0"/>
+                                          </p:stCondLst>
+                                        </p:cTn>
+                                        <p:tgtEl>
+                                          <p:spTgt spid="3">
+                                            <p:txEl>
+                                              <p:pRg st="0" end="0"/>
+                                            </p:txEl>
+                                          </p:spTgt>
+                                        </p:tgtEl>
+                                        <p:attrNameLst>
+                                          <p:attrName>style.visibility</p:attrName>
+                                        </p:attrNameLst>
+                                      </p:cBhvr>
+                                      <p:to>
+                                        <p:strVal val="visible"/>
+                                      </p:to>
+                                    </p:set>
+                                    <p:animEffect transition="in" filter="dissolve">
+                                      <p:cBhvr>
+                                        <p:cTn id="7" dur="500"/>
+                                        <p:tgtEl>
+                                          <p:spTgt spid="3">
+                                            <p:txEl>
+                                              <p:pRg st="0" end="0"/>
+                                            </p:txEl>
+                                          </p:spTgt>
+                                        </p:tgtEl>
+                                      </p:cBhvr>
+                                    </p:animEffect>
+                                  </p:childTnLst>
+                                </p:cTn>
+                              </p:par>
+                            </p:childTnLst>
+                          </p:cTn>
+                        </p:par>
+                      </p:childTnLst>
+                    </p:cTn>
+                  </p:par>
+                  <p:par>
+                    <p:cTn id="8" fill="hold">
+                      <p:stCondLst>
+                        <p:cond delay="indefinite"/>
+                      </p:stCondLst>
+                      <p:childTnLst>
+                        <p:par>
+                          <p:cTn id="9" fill="hold">
+                            <p:stCondLst>
+                              <p:cond delay="0"/>
+                            </p:stCondLst>
+                            <p:childTnLst>
+                              <p:par>
+                                <p:cTn id="10" presetID="9" presetClass="entr" presetSubtype="0" fill="hold" grpId="0" nodeType="clickEffect">
+                                  <p:stCondLst>
+                                    <p:cond delay="0"/>
+                                  </p:stCondLst>
+                                  <p:childTnLst>
+                                    <p:set>
+                                      <p:cBhvr>
+                                        <p:cTn id="11" dur="1" fill="hold">
+                                          <p:stCondLst>
+                                            <p:cond delay="0"/>
+                                          </p:stCondLst>
+                                        </p:cTn>
+                                        <p:tgtEl>
+                                          <p:spTgt spid="3">
+                                            <p:txEl>
+                                              <p:pRg st="1" end="1"/>
+                                            </p:txEl>
+                                          </p:spTgt>
+                                        </p:tgtEl>
+                                        <p:attrNameLst>
+                                          <p:attrName>style.visibility</p:attrName>
+                                        </p:attrNameLst>
+                                      </p:cBhvr>
+                                      <p:to>
+                                        <p:strVal val="visible"/>
+                                      </p:to>
+                                    </p:set>
+                                    <p:animEffect transition="in" filter="dissolve">
+                                      <p:cBhvr>
+                                        <p:cTn id="12" dur="500"/>
+                                        <p:tgtEl>
+                                          <p:spTgt spid="3">
+                                            <p:txEl>
+                                              <p:pRg st="1" end="1"/>
+                                            </p:txEl>
+                                          </p:spTgt>
+                                        </p:tgtEl>
+                                      </p:cBhvr>
+                                    </p:animEffect>
+                                  </p:childTnLst>
+                                </p:cTn>
+                              </p:par>
+                            </p:childTnLst>
+                          </p:cTn>
+                        </p:par>
+                      </p:childTnLst>
+                    </p:cTn>
+                  </p:par>
+                  <p:par>
+                    <p:cTn id="13" fill="hold">
+                      <p:stCondLst>
+                        <p:cond delay="indefinite"/>
+                      </p:stCondLst>
+                      <p:childTnLst>
+                        <p:par>
+                          <p:cTn id="14" fill="hold">
+                            <p:stCondLst>
+                              <p:cond delay="0"/>
+                            </p:stCondLst>
+                            <p:childTnLst>
+                              <p:par>
+                                <p:cTn id="15" presetID="9" presetClass="entr" presetSubtype="0" fill="hold" grpId="0" nodeType="clickEffect">
+                                  <p:stCondLst>
+                                    <p:cond delay="0"/>
+                                  </p:stCondLst>
+                                  <p:childTnLst>
+                                    <p:set>
+                                      <p:cBhvr>
+                                        <p:cTn id="16" dur="1" fill="hold">
+                                          <p:stCondLst>
+                                            <p:cond delay="0"/>
+                                          </p:stCondLst>
+                                        </p:cTn>
+                                        <p:tgtEl>
+                                          <p:spTgt spid="3">
+                                            <p:txEl>
+                                              <p:pRg st="2" end="2"/>
+                                            </p:txEl>
+                                          </p:spTgt>
+                                        </p:tgtEl>
+                                        <p:attrNameLst>
+                                          <p:attrName>style.visibility</p:attrName>
+                                        </p:attrNameLst>
+                                      </p:cBhvr>
+                                      <p:to>
+                                        <p:strVal val="visible"/>
+                                      </p:to>
+                                    </p:set>
+                                    <p:animEffect transition="in" filter="dissolve">
+                                      <p:cBhvr>
+                                        <p:cTn id="17" dur="500"/>
+                                        <p:tgtEl>
+                                          <p:spTgt spid="3">
+                                            <p:txEl>
+                                              <p:pRg st="2" end="2"/>
+                                            </p:txEl>
+                                          </p:spTgt>
+                                        </p:tgtEl>
+                                      </p:cBhvr>
+                                    </p:animEffect>
+                                  </p:childTnLst>
+                                </p:cTn>
+                              </p:par>
+                            </p:childTnLst>
+                          </p:cTn>
+                        </p:par>
+                      </p:childTnLst>
+                    </p:cTn>
+                  </p:par>
+                  <p:par>
+                    <p:cTn id="18" fill="hold">
+                      <p:stCondLst>
+                        <p:cond delay="indefinite"/>
+                      </p:stCondLst>
+                      <p:childTnLst>
+                        <p:par>
+                          <p:cTn id="19" fill="hold">
+                            <p:stCondLst>
+                              <p:cond delay="0"/>
+                            </p:stCondLst>
+                            <p:childTnLst>
+                              <p:par>
+                                <p:cTn id="20" presetID="9" presetClass="entr" presetSubtype="0" fill="hold" grpId="0" nodeType="clickEffect">
+                                  <p:stCondLst>
+                                    <p:cond delay="0"/>
+                                  </p:stCondLst>
+                                  <p:childTnLst>
+                                    <p:set>
+                                      <p:cBhvr>
+                                        <p:cTn id="21" dur="1" fill="hold">
+                                          <p:stCondLst>
+                                            <p:cond delay="0"/>
+                                          </p:stCondLst>
+                                        </p:cTn>
+                                        <p:tgtEl>
+                                          <p:spTgt spid="3">
+                                            <p:txEl>
+                                              <p:pRg st="3" end="3"/>
+                                            </p:txEl>
+                                          </p:spTgt>
+                                        </p:tgtEl>
+                                        <p:attrNameLst>
+                                          <p:attrName>style.visibility</p:attrName>
+                                        </p:attrNameLst>
+                                      </p:cBhvr>
+                                      <p:to>
+                                        <p:strVal val="visible"/>
+                                      </p:to>
+                                    </p:set>
+                                    <p:animEffect transition="in" filter="dissolve">
+                                      <p:cBhvr>
+                                        <p:cTn id="22" dur="500"/>
+                                        <p:tgtEl>
+                                          <p:spTgt spid="3">
+                                            <p:txEl>
+                                              <p:pRg st="3" end="3"/>
+                                            </p:txEl>
+                                          </p:spTgt>
+                                        </p:tgtEl>
+                                      </p:cBhvr>
+                                    </p:animEffect>
+                                  </p:childTnLst>
+                                </p:cTn>
+                              </p:par>
+                            </p:childTnLst>
+                          </p:cTn>
+                        </p:par>
+                      </p:childTnLst>
+                    </p:cTn>
+                  </p:par>
+                  <p:par>
+                    <p:cTn id="23" fill="hold">
+                      <p:stCondLst>
+                        <p:cond delay="indefinite"/>
+                      </p:stCondLst>
+                      <p:childTnLst>
+                        <p:par>
+                          <p:cTn id="24" fill="hold">
+                            <p:stCondLst>
+                              <p:cond delay="0"/>
+                            </p:stCondLst>
+                            <p:childTnLst>
+                              <p:par>
+                                <p:cTn id="25" presetID="9" presetClass="entr" presetSubtype="0" fill="hold" grpId="0" nodeType="clickEffect">
+                                  <p:stCondLst>
+                                    <p:cond delay="0"/>
+                                  </p:stCondLst>
+                                  <p:childTnLst>
+                                    <p:set>
+                                      <p:cBhvr>
+                                        <p:cTn id="26" dur="1" fill="hold">
+                                          <p:stCondLst>
+                                            <p:cond delay="0"/>
+                                          </p:stCondLst>
+                                        </p:cTn>
+                                        <p:tgtEl>
+                                          <p:spTgt spid="3">
+                                            <p:txEl>
+                                              <p:pRg st="4" end="4"/>
+                                            </p:txEl>
+                                          </p:spTgt>
+                                        </p:tgtEl>
+                                        <p:attrNameLst>
+                                          <p:attrName>style.visibility</p:attrName>
+                                        </p:attrNameLst>
+                                      </p:cBhvr>
+                                      <p:to>
+                                        <p:strVal val="visible"/>
+                                      </p:to>
+                                    </p:set>
+                                    <p:animEffect transition="in" filter="dissolve">
+                                      <p:cBhvr>
+                                        <p:cTn id="27" dur="500"/>
+                                        <p:tgtEl>
+                                          <p:spTgt spid="3">
+                                            <p:txEl>
+                                              <p:pRg st="4" end="4"/>
+                                            </p:txEl>
+                                          </p:spTgt>
+                                        </p:tgtEl>
+                                      </p:cBhvr>
+                                    </p:animEffect>
+                                  </p:childTnLst>
+                                </p:cTn>
+                              </p:par>
+                            </p:childTnLst>
+                          </p:cTn>
+                        </p:par>
+                      </p:childTnLst>
+                    </p:cTn>
+                  </p:par>
+                </p:childTnLst>
+              </p:cTn>
+              <p:prevCondLst>
+                <p:cond evt="onPrev" delay="0">
+                  <p:tgtEl>
+                    <p:sldTgt/>
+                  </p:tgtEl>
+                </p:cond>
+              </p:prevCondLst>
+              <p:nextCondLst>
+                <p:cond evt="onNext" delay="0">
+                  <p:tgtEl>
+                    <p:sldTgt/>
+                  </p:tgtEl>
+                </p:cond>
+              </p:nextCondLst>
+            </p:seq>
+          </p:childTnLst>
+        </p:cTn>
+      </p:par>
+    </p:tnLst>
+    <p:bldLst>
+      <p:bldP spid="3" grpId="0" uiExpand="1" build="p"/>
+    </p:bldLst>
+  </p:timing>
+</p:sld>
+</file>
+
+<file path=ppt/slides/slide72.xml><?xml version="1.0" encoding="utf-8"?>
+<p:sld xmlns:a="http://schemas.openxmlformats.org/drawingml/2006/main" xmlns:r="http://schemas.openxmlformats.org/officeDocument/2006/relationships" xmlns:p="http://schemas.openxmlformats.org/presentationml/2006/main">
+  <p:cSld>
+    <p:spTree>
+      <p:nvGrpSpPr>
+        <p:cNvPr id="1" name=""/>
+        <p:cNvGrpSpPr/>
+        <p:nvPr/>
+      </p:nvGrpSpPr>
+      <p:grpSpPr>
+        <a:xfrm>
+          <a:off x="0" y="0"/>
+          <a:ext cx="0" cy="0"/>
+          <a:chOff x="0" y="0"/>
+          <a:chExt cx="0" cy="0"/>
+        </a:xfrm>
+      </p:grpSpPr>
+      <p:sp>
+        <p:nvSpPr>
+          <p:cNvPr id="2" name="Title 1">
+            <a:extLst>
+              <a:ext uri="{FF2B5EF4-FFF2-40B4-BE49-F238E27FC236}">
+                <a16:creationId xmlns:a16="http://schemas.microsoft.com/office/drawing/2014/main" id="{58204B45-BA2F-544A-ADBD-2B584480C63E}"/>
+              </a:ext>
+            </a:extLst>
+          </p:cNvPr>
+          <p:cNvSpPr>
+            <a:spLocks noGrp="1"/>
+          </p:cNvSpPr>
+          <p:nvPr>
+            <p:ph type="title"/>
+          </p:nvPr>
+        </p:nvSpPr>
+        <p:spPr>
+          <a:xfrm>
+            <a:off x="2679116" y="99458"/>
+            <a:ext cx="9530038" cy="1509490"/>
+          </a:xfrm>
+        </p:spPr>
+        <p:txBody>
+          <a:bodyPr>
+            <a:normAutofit/>
+          </a:bodyPr>
+          <a:lstStyle/>
+          <a:p>
+            <a:pPr algn="ctr"/>
+            <a:r>
+              <a:rPr lang="pt-BR" b="1" i="1" dirty="0"/>
+              <a:t>Transparência a falhas</a:t>
+            </a:r>
+            <a:endParaRPr lang="pt-BR" sz="1200" i="1" cap="none" dirty="0"/>
+          </a:p>
+        </p:txBody>
+      </p:sp>
+      <p:sp>
+        <p:nvSpPr>
+          <p:cNvPr id="3" name="Content Placeholder 2">
+            <a:extLst>
+              <a:ext uri="{FF2B5EF4-FFF2-40B4-BE49-F238E27FC236}">
+                <a16:creationId xmlns:a16="http://schemas.microsoft.com/office/drawing/2014/main" id="{C9044F89-E3C1-E349-B0DE-0B932821234C}"/>
+              </a:ext>
+            </a:extLst>
+          </p:cNvPr>
+          <p:cNvSpPr>
+            <a:spLocks noGrp="1"/>
+          </p:cNvSpPr>
+          <p:nvPr>
+            <p:ph idx="1"/>
+          </p:nvPr>
+        </p:nvSpPr>
+        <p:spPr>
+          <a:xfrm>
+            <a:off x="596348" y="1444490"/>
+            <a:ext cx="10908264" cy="5032509"/>
+          </a:xfrm>
+        </p:spPr>
+        <p:txBody>
+          <a:bodyPr>
+            <a:normAutofit/>
+          </a:bodyPr>
+          <a:lstStyle/>
+          <a:p>
+            <a:r>
+              <a:rPr lang="pt" sz="3200" dirty="0"/>
+              <a:t>Usuários também precisam ser tolerantes</a:t>
+            </a:r>
+          </a:p>
+          <a:p>
+            <a:r>
+              <a:rPr lang="pt" sz="3200" dirty="0"/>
+              <a:t>Se um elemento falhar, o sistema pode demorar mais a responder</a:t>
+            </a:r>
+          </a:p>
+          <a:p>
+            <a:r>
+              <a:rPr lang="pt" sz="3200" dirty="0"/>
+              <a:t>O tempo de resposta pode ser longo levando ao </a:t>
+            </a:r>
+            <a:r>
+              <a:rPr lang="pt" sz="3200" i="1" dirty="0"/>
+              <a:t>timeout</a:t>
+            </a:r>
+            <a:endParaRPr lang="pt" sz="3200" dirty="0"/>
+          </a:p>
+          <a:p>
+            <a:r>
+              <a:rPr lang="pt" sz="3200" dirty="0"/>
+              <a:t>Clientes como navegadores podem configurar tal tempo</a:t>
+            </a:r>
+          </a:p>
+          <a:p>
+            <a:r>
+              <a:rPr lang="pt" sz="3200" dirty="0"/>
+              <a:t>No Firefox digite </a:t>
+            </a:r>
+            <a:r>
+              <a:rPr lang="en-US" dirty="0" err="1"/>
+              <a:t>about:config</a:t>
+            </a:r>
+            <a:r>
+              <a:rPr lang="pt" sz="3200" dirty="0"/>
+              <a:t> e procure por </a:t>
+            </a:r>
+            <a:r>
+              <a:rPr lang="en-US" dirty="0" err="1"/>
+              <a:t>network.http.connection</a:t>
+            </a:r>
+            <a:r>
+              <a:rPr lang="en-US" dirty="0"/>
+              <a:t>-timeout</a:t>
+            </a:r>
+            <a:endParaRPr lang="pt" sz="3200" dirty="0"/>
+          </a:p>
+        </p:txBody>
+      </p:sp>
+      <p:sp>
+        <p:nvSpPr>
+          <p:cNvPr id="4" name="Slide Number Placeholder 3">
+            <a:extLst>
+              <a:ext uri="{FF2B5EF4-FFF2-40B4-BE49-F238E27FC236}">
+                <a16:creationId xmlns:a16="http://schemas.microsoft.com/office/drawing/2014/main" id="{2EA509C2-078C-DE4C-BE59-C32AF18E82D6}"/>
+              </a:ext>
+            </a:extLst>
+          </p:cNvPr>
+          <p:cNvSpPr>
+            <a:spLocks noGrp="1"/>
+          </p:cNvSpPr>
+          <p:nvPr>
+            <p:ph type="sldNum" sz="quarter" idx="12"/>
+          </p:nvPr>
+        </p:nvSpPr>
+        <p:spPr/>
+        <p:txBody>
+          <a:bodyPr/>
+          <a:lstStyle/>
+          <a:p>
+            <a:fld id="{2183B7EE-0FBE-B749-875F-ED24F5ECD71F}" type="slidenum">
+              <a:rPr lang="en-US" smtClean="0"/>
+              <a:t>72</a:t>
+            </a:fld>
+            <a:endParaRPr lang="en-US" dirty="0"/>
+          </a:p>
+        </p:txBody>
+      </p:sp>
+    </p:spTree>
+    <p:extLst>
+      <p:ext uri="{BB962C8B-B14F-4D97-AF65-F5344CB8AC3E}">
+        <p14:creationId xmlns:p14="http://schemas.microsoft.com/office/powerpoint/2010/main" val="803926268"/>
+      </p:ext>
+    </p:extLst>
+  </p:cSld>
+  <p:clrMapOvr>
+    <a:masterClrMapping/>
+  </p:clrMapOvr>
+  <p:timing>
+    <p:tnLst>
+      <p:par>
+        <p:cTn id="1" dur="indefinite" restart="never" nodeType="tmRoot">
+          <p:childTnLst>
+            <p:seq concurrent="1" nextAc="seek">
+              <p:cTn id="2" dur="indefinite" nodeType="mainSeq">
+                <p:childTnLst>
+                  <p:par>
+                    <p:cTn id="3" fill="hold">
+                      <p:stCondLst>
+                        <p:cond delay="indefinite"/>
+                      </p:stCondLst>
+                      <p:childTnLst>
+                        <p:par>
+                          <p:cTn id="4" fill="hold">
+                            <p:stCondLst>
+                              <p:cond delay="0"/>
+                            </p:stCondLst>
+                            <p:childTnLst>
+                              <p:par>
+                                <p:cTn id="5" presetID="9" presetClass="entr" presetSubtype="0" fill="hold" grpId="0" nodeType="clickEffect">
+                                  <p:stCondLst>
+                                    <p:cond delay="0"/>
+                                  </p:stCondLst>
+                                  <p:childTnLst>
+                                    <p:set>
+                                      <p:cBhvr>
+                                        <p:cTn id="6" dur="1" fill="hold">
+                                          <p:stCondLst>
+                                            <p:cond delay="0"/>
+                                          </p:stCondLst>
+                                        </p:cTn>
+                                        <p:tgtEl>
+                                          <p:spTgt spid="3">
+                                            <p:txEl>
+                                              <p:pRg st="0" end="0"/>
+                                            </p:txEl>
+                                          </p:spTgt>
+                                        </p:tgtEl>
+                                        <p:attrNameLst>
+                                          <p:attrName>style.visibility</p:attrName>
+                                        </p:attrNameLst>
+                                      </p:cBhvr>
+                                      <p:to>
+                                        <p:strVal val="visible"/>
+                                      </p:to>
+                                    </p:set>
+                                    <p:animEffect transition="in" filter="dissolve">
+                                      <p:cBhvr>
+                                        <p:cTn id="7" dur="500"/>
+                                        <p:tgtEl>
+                                          <p:spTgt spid="3">
+                                            <p:txEl>
+                                              <p:pRg st="0" end="0"/>
+                                            </p:txEl>
+                                          </p:spTgt>
+                                        </p:tgtEl>
+                                      </p:cBhvr>
+                                    </p:animEffect>
+                                  </p:childTnLst>
+                                </p:cTn>
+                              </p:par>
+                            </p:childTnLst>
+                          </p:cTn>
+                        </p:par>
+                      </p:childTnLst>
+                    </p:cTn>
+                  </p:par>
+                  <p:par>
+                    <p:cTn id="8" fill="hold">
+                      <p:stCondLst>
+                        <p:cond delay="indefinite"/>
+                      </p:stCondLst>
+                      <p:childTnLst>
+                        <p:par>
+                          <p:cTn id="9" fill="hold">
+                            <p:stCondLst>
+                              <p:cond delay="0"/>
+                            </p:stCondLst>
+                            <p:childTnLst>
+                              <p:par>
+                                <p:cTn id="10" presetID="9" presetClass="entr" presetSubtype="0" fill="hold" grpId="0" nodeType="clickEffect">
+                                  <p:stCondLst>
+                                    <p:cond delay="0"/>
+                                  </p:stCondLst>
+                                  <p:childTnLst>
+                                    <p:set>
+                                      <p:cBhvr>
+                                        <p:cTn id="11" dur="1" fill="hold">
+                                          <p:stCondLst>
+                                            <p:cond delay="0"/>
+                                          </p:stCondLst>
+                                        </p:cTn>
+                                        <p:tgtEl>
+                                          <p:spTgt spid="3">
+                                            <p:txEl>
+                                              <p:pRg st="1" end="1"/>
+                                            </p:txEl>
+                                          </p:spTgt>
+                                        </p:tgtEl>
+                                        <p:attrNameLst>
+                                          <p:attrName>style.visibility</p:attrName>
+                                        </p:attrNameLst>
+                                      </p:cBhvr>
+                                      <p:to>
+                                        <p:strVal val="visible"/>
+                                      </p:to>
+                                    </p:set>
+                                    <p:animEffect transition="in" filter="dissolve">
+                                      <p:cBhvr>
+                                        <p:cTn id="12" dur="500"/>
+                                        <p:tgtEl>
+                                          <p:spTgt spid="3">
+                                            <p:txEl>
+                                              <p:pRg st="1" end="1"/>
+                                            </p:txEl>
+                                          </p:spTgt>
+                                        </p:tgtEl>
+                                      </p:cBhvr>
+                                    </p:animEffect>
+                                  </p:childTnLst>
+                                </p:cTn>
+                              </p:par>
+                            </p:childTnLst>
+                          </p:cTn>
+                        </p:par>
+                      </p:childTnLst>
+                    </p:cTn>
+                  </p:par>
+                  <p:par>
+                    <p:cTn id="13" fill="hold">
+                      <p:stCondLst>
+                        <p:cond delay="indefinite"/>
+                      </p:stCondLst>
+                      <p:childTnLst>
+                        <p:par>
+                          <p:cTn id="14" fill="hold">
+                            <p:stCondLst>
+                              <p:cond delay="0"/>
+                            </p:stCondLst>
+                            <p:childTnLst>
+                              <p:par>
+                                <p:cTn id="15" presetID="9" presetClass="entr" presetSubtype="0" fill="hold" grpId="0" nodeType="clickEffect">
+                                  <p:stCondLst>
+                                    <p:cond delay="0"/>
+                                  </p:stCondLst>
+                                  <p:childTnLst>
+                                    <p:set>
+                                      <p:cBhvr>
+                                        <p:cTn id="16" dur="1" fill="hold">
+                                          <p:stCondLst>
+                                            <p:cond delay="0"/>
+                                          </p:stCondLst>
+                                        </p:cTn>
+                                        <p:tgtEl>
+                                          <p:spTgt spid="3">
+                                            <p:txEl>
+                                              <p:pRg st="2" end="2"/>
+                                            </p:txEl>
+                                          </p:spTgt>
+                                        </p:tgtEl>
+                                        <p:attrNameLst>
+                                          <p:attrName>style.visibility</p:attrName>
+                                        </p:attrNameLst>
+                                      </p:cBhvr>
+                                      <p:to>
+                                        <p:strVal val="visible"/>
+                                      </p:to>
+                                    </p:set>
+                                    <p:animEffect transition="in" filter="dissolve">
+                                      <p:cBhvr>
+                                        <p:cTn id="17" dur="500"/>
+                                        <p:tgtEl>
+                                          <p:spTgt spid="3">
+                                            <p:txEl>
+                                              <p:pRg st="2" end="2"/>
+                                            </p:txEl>
+                                          </p:spTgt>
+                                        </p:tgtEl>
+                                      </p:cBhvr>
+                                    </p:animEffect>
+                                  </p:childTnLst>
+                                </p:cTn>
+                              </p:par>
+                            </p:childTnLst>
+                          </p:cTn>
+                        </p:par>
+                      </p:childTnLst>
+                    </p:cTn>
+                  </p:par>
+                  <p:par>
+                    <p:cTn id="18" fill="hold">
+                      <p:stCondLst>
+                        <p:cond delay="indefinite"/>
+                      </p:stCondLst>
+                      <p:childTnLst>
+                        <p:par>
+                          <p:cTn id="19" fill="hold">
+                            <p:stCondLst>
+                              <p:cond delay="0"/>
+                            </p:stCondLst>
+                            <p:childTnLst>
+                              <p:par>
+                                <p:cTn id="20" presetID="9" presetClass="entr" presetSubtype="0" fill="hold" grpId="0" nodeType="clickEffect">
+                                  <p:stCondLst>
+                                    <p:cond delay="0"/>
+                                  </p:stCondLst>
+                                  <p:childTnLst>
+                                    <p:set>
+                                      <p:cBhvr>
+                                        <p:cTn id="21" dur="1" fill="hold">
+                                          <p:stCondLst>
+                                            <p:cond delay="0"/>
+                                          </p:stCondLst>
+                                        </p:cTn>
+                                        <p:tgtEl>
+                                          <p:spTgt spid="3">
+                                            <p:txEl>
+                                              <p:pRg st="3" end="3"/>
+                                            </p:txEl>
+                                          </p:spTgt>
+                                        </p:tgtEl>
+                                        <p:attrNameLst>
+                                          <p:attrName>style.visibility</p:attrName>
+                                        </p:attrNameLst>
+                                      </p:cBhvr>
+                                      <p:to>
+                                        <p:strVal val="visible"/>
+                                      </p:to>
+                                    </p:set>
+                                    <p:animEffect transition="in" filter="dissolve">
+                                      <p:cBhvr>
+                                        <p:cTn id="22" dur="500"/>
+                                        <p:tgtEl>
+                                          <p:spTgt spid="3">
+                                            <p:txEl>
+                                              <p:pRg st="3" end="3"/>
+                                            </p:txEl>
+                                          </p:spTgt>
+                                        </p:tgtEl>
+                                      </p:cBhvr>
+                                    </p:animEffect>
+                                  </p:childTnLst>
+                                </p:cTn>
+                              </p:par>
+                            </p:childTnLst>
+                          </p:cTn>
+                        </p:par>
+                      </p:childTnLst>
+                    </p:cTn>
+                  </p:par>
+                  <p:par>
+                    <p:cTn id="23" fill="hold">
+                      <p:stCondLst>
+                        <p:cond delay="indefinite"/>
+                      </p:stCondLst>
+                      <p:childTnLst>
+                        <p:par>
+                          <p:cTn id="24" fill="hold">
+                            <p:stCondLst>
+                              <p:cond delay="0"/>
+                            </p:stCondLst>
+                            <p:childTnLst>
+                              <p:par>
+                                <p:cTn id="25" presetID="9" presetClass="entr" presetSubtype="0" fill="hold" grpId="0" nodeType="clickEffect">
+                                  <p:stCondLst>
+                                    <p:cond delay="0"/>
+                                  </p:stCondLst>
+                                  <p:childTnLst>
+                                    <p:set>
+                                      <p:cBhvr>
+                                        <p:cTn id="26" dur="1" fill="hold">
+                                          <p:stCondLst>
+                                            <p:cond delay="0"/>
+                                          </p:stCondLst>
+                                        </p:cTn>
+                                        <p:tgtEl>
+                                          <p:spTgt spid="3">
+                                            <p:txEl>
+                                              <p:pRg st="4" end="4"/>
+                                            </p:txEl>
+                                          </p:spTgt>
+                                        </p:tgtEl>
+                                        <p:attrNameLst>
+                                          <p:attrName>style.visibility</p:attrName>
+                                        </p:attrNameLst>
+                                      </p:cBhvr>
+                                      <p:to>
+                                        <p:strVal val="visible"/>
+                                      </p:to>
+                                    </p:set>
+                                    <p:animEffect transition="in" filter="dissolve">
+                                      <p:cBhvr>
+                                        <p:cTn id="27" dur="500"/>
+                                        <p:tgtEl>
+                                          <p:spTgt spid="3">
+                                            <p:txEl>
+                                              <p:pRg st="4" end="4"/>
+                                            </p:txEl>
+                                          </p:spTgt>
+                                        </p:tgtEl>
+                                      </p:cBhvr>
+                                    </p:animEffect>
+                                  </p:childTnLst>
+                                </p:cTn>
+                              </p:par>
+                            </p:childTnLst>
+                          </p:cTn>
+                        </p:par>
+                      </p:childTnLst>
+                    </p:cTn>
+                  </p:par>
+                </p:childTnLst>
+              </p:cTn>
+              <p:prevCondLst>
+                <p:cond evt="onPrev" delay="0">
+                  <p:tgtEl>
+                    <p:sldTgt/>
+                  </p:tgtEl>
+                </p:cond>
+              </p:prevCondLst>
+              <p:nextCondLst>
+                <p:cond evt="onNext" delay="0">
+                  <p:tgtEl>
+                    <p:sldTgt/>
+                  </p:tgtEl>
+                </p:cond>
+              </p:nextCondLst>
+            </p:seq>
+          </p:childTnLst>
+        </p:cTn>
+      </p:par>
+    </p:tnLst>
+    <p:bldLst>
+      <p:bldP spid="3" grpId="0" uiExpand="1" build="p"/>
+    </p:bldLst>
+  </p:timing>
+</p:sld>
+</file>
+
+<file path=ppt/slides/slide73.xml><?xml version="1.0" encoding="utf-8"?>
+<p:sld xmlns:a="http://schemas.openxmlformats.org/drawingml/2006/main" xmlns:r="http://schemas.openxmlformats.org/officeDocument/2006/relationships" xmlns:p="http://schemas.openxmlformats.org/presentationml/2006/main">
+  <p:cSld>
+    <p:spTree>
+      <p:nvGrpSpPr>
+        <p:cNvPr id="1" name=""/>
+        <p:cNvGrpSpPr/>
+        <p:nvPr/>
+      </p:nvGrpSpPr>
+      <p:grpSpPr>
+        <a:xfrm>
+          <a:off x="0" y="0"/>
+          <a:ext cx="0" cy="0"/>
+          <a:chOff x="0" y="0"/>
+          <a:chExt cx="0" cy="0"/>
+        </a:xfrm>
+      </p:grpSpPr>
+      <p:sp>
+        <p:nvSpPr>
+          <p:cNvPr id="2" name="Title 1">
+            <a:extLst>
+              <a:ext uri="{FF2B5EF4-FFF2-40B4-BE49-F238E27FC236}">
+                <a16:creationId xmlns:a16="http://schemas.microsoft.com/office/drawing/2014/main" id="{58204B45-BA2F-544A-ADBD-2B584480C63E}"/>
+              </a:ext>
+            </a:extLst>
+          </p:cNvPr>
+          <p:cNvSpPr>
+            <a:spLocks noGrp="1"/>
+          </p:cNvSpPr>
+          <p:nvPr>
+            <p:ph type="title"/>
+          </p:nvPr>
+        </p:nvSpPr>
+        <p:spPr>
+          <a:xfrm>
+            <a:off x="2679116" y="99458"/>
+            <a:ext cx="9530038" cy="1509490"/>
+          </a:xfrm>
+        </p:spPr>
+        <p:txBody>
+          <a:bodyPr>
+            <a:normAutofit/>
+          </a:bodyPr>
+          <a:lstStyle/>
+          <a:p>
+            <a:pPr algn="ctr"/>
+            <a:r>
+              <a:rPr lang="pt-BR" b="1" i="1" dirty="0"/>
+              <a:t>Disponibilidade</a:t>
+            </a:r>
+            <a:endParaRPr lang="pt-BR" sz="1200" i="1" cap="none" dirty="0"/>
+          </a:p>
+        </p:txBody>
+      </p:sp>
+      <p:sp>
+        <p:nvSpPr>
+          <p:cNvPr id="3" name="Content Placeholder 2">
+            <a:extLst>
+              <a:ext uri="{FF2B5EF4-FFF2-40B4-BE49-F238E27FC236}">
+                <a16:creationId xmlns:a16="http://schemas.microsoft.com/office/drawing/2014/main" id="{C9044F89-E3C1-E349-B0DE-0B932821234C}"/>
+              </a:ext>
+            </a:extLst>
+          </p:cNvPr>
+          <p:cNvSpPr>
+            <a:spLocks noGrp="1"/>
+          </p:cNvSpPr>
+          <p:nvPr>
+            <p:ph idx="1"/>
+          </p:nvPr>
+        </p:nvSpPr>
+        <p:spPr>
+          <a:xfrm>
+            <a:off x="596348" y="1444490"/>
+            <a:ext cx="10908264" cy="5032509"/>
+          </a:xfrm>
+        </p:spPr>
+        <p:txBody>
+          <a:bodyPr>
+            <a:normAutofit lnSpcReduction="10000"/>
+          </a:bodyPr>
+          <a:lstStyle/>
+          <a:p>
+            <a:r>
+              <a:rPr lang="pt-PT" sz="3200" dirty="0"/>
+              <a:t>Indica o percentual de tempo que espera-se que o sistema esteja em funcionamento</a:t>
+            </a:r>
+          </a:p>
+          <a:p>
+            <a:r>
+              <a:rPr lang="pt-PT" sz="3200" dirty="0"/>
+              <a:t>Normalmente é um valor a partir de 99%</a:t>
+            </a:r>
+          </a:p>
+          <a:p>
+            <a:r>
+              <a:rPr lang="pt-PT" sz="3200" dirty="0"/>
+              <a:t>Está diretamente associada ao </a:t>
+            </a:r>
+            <a:r>
+              <a:rPr lang="pt-PT" sz="3200" b="1" dirty="0"/>
+              <a:t>nível de tolerância</a:t>
+            </a:r>
+            <a:r>
+              <a:rPr lang="pt-PT" sz="3200" dirty="0"/>
+              <a:t> a falhas </a:t>
+            </a:r>
+            <a:r>
+              <a:rPr lang="pt-PT" sz="3200" i="1" dirty="0"/>
+              <a:t>k</a:t>
+            </a:r>
+          </a:p>
+          <a:p>
+            <a:r>
+              <a:rPr lang="pt-PT" sz="3200" dirty="0"/>
+              <a:t>Quanto mais tolerante a falhas, maior a disponibilidade</a:t>
+            </a:r>
+          </a:p>
+          <a:p>
+            <a:r>
+              <a:rPr lang="pt-PT" sz="3200" dirty="0"/>
+              <a:t>Serviços de nuvem podem </a:t>
+            </a:r>
+            <a:r>
+              <a:rPr lang="pt-PT" sz="3200" dirty="0" err="1"/>
+              <a:t>detectar</a:t>
+            </a:r>
+            <a:r>
+              <a:rPr lang="pt-PT" sz="3200" dirty="0"/>
+              <a:t> a falha de uma VM e iniciar uma nova, para não reduzir tal nível </a:t>
+            </a:r>
+            <a:r>
+              <a:rPr lang="pt-PT" sz="3200" i="1" dirty="0"/>
+              <a:t>k</a:t>
+            </a:r>
+          </a:p>
+          <a:p>
+            <a:pPr marL="0" indent="0" algn="ctr">
+              <a:buNone/>
+            </a:pPr>
+            <a:r>
+              <a:rPr lang="en-US" sz="3200" i="1" dirty="0">
+                <a:hlinkClick r:id="rId2"/>
+              </a:rPr>
+              <a:t>manoelcampos.gitbooks.io/sistemas-distribuidos/book/chapter01d-availability.html</a:t>
+            </a:r>
+            <a:r>
+              <a:rPr lang="en-US" sz="3200" i="1" dirty="0"/>
+              <a:t> </a:t>
+            </a:r>
+            <a:endParaRPr lang="pt" sz="3200" i="1" dirty="0"/>
+          </a:p>
+        </p:txBody>
+      </p:sp>
+      <p:sp>
+        <p:nvSpPr>
+          <p:cNvPr id="4" name="Slide Number Placeholder 3">
+            <a:extLst>
+              <a:ext uri="{FF2B5EF4-FFF2-40B4-BE49-F238E27FC236}">
+                <a16:creationId xmlns:a16="http://schemas.microsoft.com/office/drawing/2014/main" id="{2EA509C2-078C-DE4C-BE59-C32AF18E82D6}"/>
+              </a:ext>
+            </a:extLst>
+          </p:cNvPr>
+          <p:cNvSpPr>
+            <a:spLocks noGrp="1"/>
+          </p:cNvSpPr>
+          <p:nvPr>
+            <p:ph type="sldNum" sz="quarter" idx="12"/>
+          </p:nvPr>
+        </p:nvSpPr>
+        <p:spPr/>
+        <p:txBody>
+          <a:bodyPr/>
+          <a:lstStyle/>
+          <a:p>
+            <a:fld id="{2183B7EE-0FBE-B749-875F-ED24F5ECD71F}" type="slidenum">
+              <a:rPr lang="en-US" smtClean="0"/>
+              <a:t>73</a:t>
+            </a:fld>
+            <a:endParaRPr lang="en-US" dirty="0"/>
+          </a:p>
+        </p:txBody>
+      </p:sp>
+    </p:spTree>
+    <p:extLst>
+      <p:ext uri="{BB962C8B-B14F-4D97-AF65-F5344CB8AC3E}">
+        <p14:creationId xmlns:p14="http://schemas.microsoft.com/office/powerpoint/2010/main" val="2859433495"/>
+      </p:ext>
+    </p:extLst>
+  </p:cSld>
+  <p:clrMapOvr>
+    <a:masterClrMapping/>
+  </p:clrMapOvr>
+  <p:timing>
+    <p:tnLst>
+      <p:par>
+        <p:cTn id="1" dur="indefinite" restart="never" nodeType="tmRoot">
+          <p:childTnLst>
+            <p:seq concurrent="1" nextAc="seek">
+              <p:cTn id="2" dur="indefinite" nodeType="mainSeq">
+                <p:childTnLst>
+                  <p:par>
+                    <p:cTn id="3" fill="hold">
+                      <p:stCondLst>
+                        <p:cond delay="indefinite"/>
+                      </p:stCondLst>
+                      <p:childTnLst>
+                        <p:par>
+                          <p:cTn id="4" fill="hold">
+                            <p:stCondLst>
+                              <p:cond delay="0"/>
+                            </p:stCondLst>
+                            <p:childTnLst>
+                              <p:par>
+                                <p:cTn id="5" presetID="9" presetClass="entr" presetSubtype="0" fill="hold" grpId="0" nodeType="clickEffect">
+                                  <p:stCondLst>
+                                    <p:cond delay="0"/>
+                                  </p:stCondLst>
+                                  <p:childTnLst>
+                                    <p:set>
+                                      <p:cBhvr>
+                                        <p:cTn id="6" dur="1" fill="hold">
+                                          <p:stCondLst>
+                                            <p:cond delay="0"/>
+                                          </p:stCondLst>
+                                        </p:cTn>
+                                        <p:tgtEl>
+                                          <p:spTgt spid="3">
+                                            <p:txEl>
+                                              <p:pRg st="0" end="0"/>
+                                            </p:txEl>
+                                          </p:spTgt>
+                                        </p:tgtEl>
+                                        <p:attrNameLst>
+                                          <p:attrName>style.visibility</p:attrName>
+                                        </p:attrNameLst>
+                                      </p:cBhvr>
+                                      <p:to>
+                                        <p:strVal val="visible"/>
+                                      </p:to>
+                                    </p:set>
+                                    <p:animEffect transition="in" filter="dissolve">
+                                      <p:cBhvr>
+                                        <p:cTn id="7" dur="500"/>
+                                        <p:tgtEl>
+                                          <p:spTgt spid="3">
+                                            <p:txEl>
+                                              <p:pRg st="0" end="0"/>
+                                            </p:txEl>
+                                          </p:spTgt>
+                                        </p:tgtEl>
+                                      </p:cBhvr>
+                                    </p:animEffect>
+                                  </p:childTnLst>
+                                </p:cTn>
+                              </p:par>
+                            </p:childTnLst>
+                          </p:cTn>
+                        </p:par>
+                      </p:childTnLst>
+                    </p:cTn>
+                  </p:par>
+                  <p:par>
+                    <p:cTn id="8" fill="hold">
+                      <p:stCondLst>
+                        <p:cond delay="indefinite"/>
+                      </p:stCondLst>
+                      <p:childTnLst>
+                        <p:par>
+                          <p:cTn id="9" fill="hold">
+                            <p:stCondLst>
+                              <p:cond delay="0"/>
+                            </p:stCondLst>
+                            <p:childTnLst>
+                              <p:par>
+                                <p:cTn id="10" presetID="9" presetClass="entr" presetSubtype="0" fill="hold" grpId="0" nodeType="clickEffect">
+                                  <p:stCondLst>
+                                    <p:cond delay="0"/>
+                                  </p:stCondLst>
+                                  <p:childTnLst>
+                                    <p:set>
+                                      <p:cBhvr>
+                                        <p:cTn id="11" dur="1" fill="hold">
+                                          <p:stCondLst>
+                                            <p:cond delay="0"/>
+                                          </p:stCondLst>
+                                        </p:cTn>
+                                        <p:tgtEl>
+                                          <p:spTgt spid="3">
+                                            <p:txEl>
+                                              <p:pRg st="1" end="1"/>
+                                            </p:txEl>
+                                          </p:spTgt>
+                                        </p:tgtEl>
+                                        <p:attrNameLst>
+                                          <p:attrName>style.visibility</p:attrName>
+                                        </p:attrNameLst>
+                                      </p:cBhvr>
+                                      <p:to>
+                                        <p:strVal val="visible"/>
+                                      </p:to>
+                                    </p:set>
+                                    <p:animEffect transition="in" filter="dissolve">
+                                      <p:cBhvr>
+                                        <p:cTn id="12" dur="500"/>
+                                        <p:tgtEl>
+                                          <p:spTgt spid="3">
+                                            <p:txEl>
+                                              <p:pRg st="1" end="1"/>
+                                            </p:txEl>
+                                          </p:spTgt>
+                                        </p:tgtEl>
+                                      </p:cBhvr>
+                                    </p:animEffect>
+                                  </p:childTnLst>
+                                </p:cTn>
+                              </p:par>
+                            </p:childTnLst>
+                          </p:cTn>
+                        </p:par>
+                      </p:childTnLst>
+                    </p:cTn>
+                  </p:par>
+                  <p:par>
+                    <p:cTn id="13" fill="hold">
+                      <p:stCondLst>
+                        <p:cond delay="indefinite"/>
+                      </p:stCondLst>
+                      <p:childTnLst>
+                        <p:par>
+                          <p:cTn id="14" fill="hold">
+                            <p:stCondLst>
+                              <p:cond delay="0"/>
+                            </p:stCondLst>
+                            <p:childTnLst>
+                              <p:par>
+                                <p:cTn id="15" presetID="9" presetClass="entr" presetSubtype="0" fill="hold" grpId="0" nodeType="clickEffect">
+                                  <p:stCondLst>
+                                    <p:cond delay="0"/>
+                                  </p:stCondLst>
+                                  <p:childTnLst>
+                                    <p:set>
+                                      <p:cBhvr>
+                                        <p:cTn id="16" dur="1" fill="hold">
+                                          <p:stCondLst>
+                                            <p:cond delay="0"/>
+                                          </p:stCondLst>
+                                        </p:cTn>
+                                        <p:tgtEl>
+                                          <p:spTgt spid="3">
+                                            <p:txEl>
+                                              <p:pRg st="2" end="2"/>
+                                            </p:txEl>
+                                          </p:spTgt>
+                                        </p:tgtEl>
+                                        <p:attrNameLst>
+                                          <p:attrName>style.visibility</p:attrName>
+                                        </p:attrNameLst>
+                                      </p:cBhvr>
+                                      <p:to>
+                                        <p:strVal val="visible"/>
+                                      </p:to>
+                                    </p:set>
+                                    <p:animEffect transition="in" filter="dissolve">
+                                      <p:cBhvr>
+                                        <p:cTn id="17" dur="500"/>
+                                        <p:tgtEl>
+                                          <p:spTgt spid="3">
+                                            <p:txEl>
+                                              <p:pRg st="2" end="2"/>
+                                            </p:txEl>
+                                          </p:spTgt>
+                                        </p:tgtEl>
+                                      </p:cBhvr>
+                                    </p:animEffect>
+                                  </p:childTnLst>
+                                </p:cTn>
+                              </p:par>
+                            </p:childTnLst>
+                          </p:cTn>
+                        </p:par>
+                      </p:childTnLst>
+                    </p:cTn>
+                  </p:par>
+                  <p:par>
+                    <p:cTn id="18" fill="hold">
+                      <p:stCondLst>
+                        <p:cond delay="indefinite"/>
+                      </p:stCondLst>
+                      <p:childTnLst>
+                        <p:par>
+                          <p:cTn id="19" fill="hold">
+                            <p:stCondLst>
+                              <p:cond delay="0"/>
+                            </p:stCondLst>
+                            <p:childTnLst>
+                              <p:par>
+                                <p:cTn id="20" presetID="9" presetClass="entr" presetSubtype="0" fill="hold" grpId="0" nodeType="clickEffect">
+                                  <p:stCondLst>
+                                    <p:cond delay="0"/>
+                                  </p:stCondLst>
+                                  <p:childTnLst>
+                                    <p:set>
+                                      <p:cBhvr>
+                                        <p:cTn id="21" dur="1" fill="hold">
+                                          <p:stCondLst>
+                                            <p:cond delay="0"/>
+                                          </p:stCondLst>
+                                        </p:cTn>
+                                        <p:tgtEl>
+                                          <p:spTgt spid="3">
+                                            <p:txEl>
+                                              <p:pRg st="3" end="3"/>
+                                            </p:txEl>
+                                          </p:spTgt>
+                                        </p:tgtEl>
+                                        <p:attrNameLst>
+                                          <p:attrName>style.visibility</p:attrName>
+                                        </p:attrNameLst>
+                                      </p:cBhvr>
+                                      <p:to>
+                                        <p:strVal val="visible"/>
+                                      </p:to>
+                                    </p:set>
+                                    <p:animEffect transition="in" filter="dissolve">
+                                      <p:cBhvr>
+                                        <p:cTn id="22" dur="500"/>
+                                        <p:tgtEl>
+                                          <p:spTgt spid="3">
+                                            <p:txEl>
+                                              <p:pRg st="3" end="3"/>
+                                            </p:txEl>
+                                          </p:spTgt>
+                                        </p:tgtEl>
+                                      </p:cBhvr>
+                                    </p:animEffect>
+                                  </p:childTnLst>
+                                </p:cTn>
+                              </p:par>
+                            </p:childTnLst>
+                          </p:cTn>
+                        </p:par>
+                      </p:childTnLst>
+                    </p:cTn>
+                  </p:par>
+                  <p:par>
+                    <p:cTn id="23" fill="hold">
+                      <p:stCondLst>
+                        <p:cond delay="indefinite"/>
+                      </p:stCondLst>
+                      <p:childTnLst>
+                        <p:par>
+                          <p:cTn id="24" fill="hold">
+                            <p:stCondLst>
+                              <p:cond delay="0"/>
+                            </p:stCondLst>
+                            <p:childTnLst>
+                              <p:par>
+                                <p:cTn id="25" presetID="9" presetClass="entr" presetSubtype="0" fill="hold" grpId="0" nodeType="clickEffect">
+                                  <p:stCondLst>
+                                    <p:cond delay="0"/>
+                                  </p:stCondLst>
+                                  <p:childTnLst>
+                                    <p:set>
+                                      <p:cBhvr>
+                                        <p:cTn id="26" dur="1" fill="hold">
+                                          <p:stCondLst>
+                                            <p:cond delay="0"/>
+                                          </p:stCondLst>
+                                        </p:cTn>
+                                        <p:tgtEl>
+                                          <p:spTgt spid="3">
+                                            <p:txEl>
+                                              <p:pRg st="4" end="4"/>
+                                            </p:txEl>
+                                          </p:spTgt>
+                                        </p:tgtEl>
+                                        <p:attrNameLst>
+                                          <p:attrName>style.visibility</p:attrName>
+                                        </p:attrNameLst>
+                                      </p:cBhvr>
+                                      <p:to>
+                                        <p:strVal val="visible"/>
+                                      </p:to>
+                                    </p:set>
+                                    <p:animEffect transition="in" filter="dissolve">
+                                      <p:cBhvr>
+                                        <p:cTn id="27" dur="500"/>
+                                        <p:tgtEl>
+                                          <p:spTgt spid="3">
+                                            <p:txEl>
+                                              <p:pRg st="4" end="4"/>
+                                            </p:txEl>
+                                          </p:spTgt>
+                                        </p:tgtEl>
+                                      </p:cBhvr>
+                                    </p:animEffect>
+                                  </p:childTnLst>
+                                </p:cTn>
+                              </p:par>
+                            </p:childTnLst>
+                          </p:cTn>
+                        </p:par>
+                      </p:childTnLst>
+                    </p:cTn>
+                  </p:par>
+                  <p:par>
+                    <p:cTn id="28" fill="hold">
+                      <p:stCondLst>
+                        <p:cond delay="indefinite"/>
+                      </p:stCondLst>
+                      <p:childTnLst>
+                        <p:par>
+                          <p:cTn id="29" fill="hold">
+                            <p:stCondLst>
+                              <p:cond delay="0"/>
+                            </p:stCondLst>
+                            <p:childTnLst>
+                              <p:par>
+                                <p:cTn id="30" presetID="9" presetClass="entr" presetSubtype="0" fill="hold" grpId="0" nodeType="clickEffect">
+                                  <p:stCondLst>
+                                    <p:cond delay="0"/>
+                                  </p:stCondLst>
+                                  <p:childTnLst>
+                                    <p:set>
+                                      <p:cBhvr>
+                                        <p:cTn id="31" dur="1" fill="hold">
+                                          <p:stCondLst>
+                                            <p:cond delay="0"/>
+                                          </p:stCondLst>
+                                        </p:cTn>
+                                        <p:tgtEl>
+                                          <p:spTgt spid="3">
+                                            <p:txEl>
+                                              <p:pRg st="5" end="5"/>
+                                            </p:txEl>
+                                          </p:spTgt>
+                                        </p:tgtEl>
+                                        <p:attrNameLst>
+                                          <p:attrName>style.visibility</p:attrName>
+                                        </p:attrNameLst>
+                                      </p:cBhvr>
+                                      <p:to>
+                                        <p:strVal val="visible"/>
+                                      </p:to>
+                                    </p:set>
+                                    <p:animEffect transition="in" filter="dissolve">
+                                      <p:cBhvr>
+                                        <p:cTn id="32" dur="500"/>
+                                        <p:tgtEl>
+                                          <p:spTgt spid="3">
+                                            <p:txEl>
+                                              <p:pRg st="5" end="5"/>
+                                            </p:txEl>
+                                          </p:spTgt>
+                                        </p:tgtEl>
+                                      </p:cBhvr>
+                                    </p:animEffect>
+                                  </p:childTnLst>
+                                </p:cTn>
+                              </p:par>
+                            </p:childTnLst>
+                          </p:cTn>
+                        </p:par>
+                      </p:childTnLst>
+                    </p:cTn>
+                  </p:par>
+                </p:childTnLst>
+              </p:cTn>
+              <p:prevCondLst>
+                <p:cond evt="onPrev" delay="0">
+                  <p:tgtEl>
+                    <p:sldTgt/>
+                  </p:tgtEl>
+                </p:cond>
+              </p:prevCondLst>
+              <p:nextCondLst>
+                <p:cond evt="onNext" delay="0">
+                  <p:tgtEl>
+                    <p:sldTgt/>
+                  </p:tgtEl>
+                </p:cond>
+              </p:nextCondLst>
+            </p:seq>
+          </p:childTnLst>
+        </p:cTn>
+      </p:par>
+    </p:tnLst>
+    <p:bldLst>
+      <p:bldP spid="3" grpId="0" uiExpand="1" build="p"/>
+    </p:bldLst>
+  </p:timing>
+</p:sld>
+</file>
+
+<file path=ppt/slides/slide74.xml><?xml version="1.0" encoding="utf-8"?>
+<p:sld xmlns:a="http://schemas.openxmlformats.org/drawingml/2006/main" xmlns:r="http://schemas.openxmlformats.org/officeDocument/2006/relationships" xmlns:p="http://schemas.openxmlformats.org/presentationml/2006/main">
+  <p:cSld>
+    <p:spTree>
+      <p:nvGrpSpPr>
+        <p:cNvPr id="1" name=""/>
+        <p:cNvGrpSpPr/>
+        <p:nvPr/>
+      </p:nvGrpSpPr>
+      <p:grpSpPr>
+        <a:xfrm>
+          <a:off x="0" y="0"/>
+          <a:ext cx="0" cy="0"/>
+          <a:chOff x="0" y="0"/>
+          <a:chExt cx="0" cy="0"/>
+        </a:xfrm>
+      </p:grpSpPr>
+      <p:sp>
+        <p:nvSpPr>
+          <p:cNvPr id="2" name="Title 1">
+            <a:extLst>
+              <a:ext uri="{FF2B5EF4-FFF2-40B4-BE49-F238E27FC236}">
+                <a16:creationId xmlns:a16="http://schemas.microsoft.com/office/drawing/2014/main" id="{58204B45-BA2F-544A-ADBD-2B584480C63E}"/>
+              </a:ext>
+            </a:extLst>
+          </p:cNvPr>
+          <p:cNvSpPr>
+            <a:spLocks noGrp="1"/>
+          </p:cNvSpPr>
+          <p:nvPr>
+            <p:ph type="title"/>
+          </p:nvPr>
+        </p:nvSpPr>
+        <p:spPr>
+          <a:xfrm>
             <a:off x="1974575" y="624110"/>
             <a:ext cx="9530038" cy="1509490"/>
           </a:xfrm>
@@ -39568,7 +41816,7 @@
           <a:p>
             <a:fld id="{2183B7EE-0FBE-B749-875F-ED24F5ECD71F}" type="slidenum">
               <a:rPr lang="en-US" smtClean="0"/>
-              <a:t>70</a:t>
+              <a:t>74</a:t>
             </a:fld>
             <a:endParaRPr lang="en-US"/>
           </a:p>

--- a/introducao-sd.pptx
+++ b/introducao-sd.pptx
@@ -40082,6 +40082,12 @@
           <a:p>
             <a:r>
               <a:rPr lang="pt" sz="3200" dirty="0"/>
+              <a:t>Incluir BL</a:t>
+            </a:r>
+          </a:p>
+          <a:p>
+            <a:r>
+              <a:rPr lang="pt" sz="3200" dirty="0"/>
               <a:t>Tolerância a falhas também não é infinita</a:t>
             </a:r>
           </a:p>
@@ -40453,6 +40459,67 @@
                                           <p:spTgt spid="3">
                                             <p:txEl>
                                               <p:pRg st="4" end="4"/>
+                                            </p:txEl>
+                                          </p:spTgt>
+                                        </p:tgtEl>
+                                      </p:cBhvr>
+                                    </p:animEffect>
+                                  </p:childTnLst>
+                                </p:cTn>
+                              </p:par>
+                            </p:childTnLst>
+                          </p:cTn>
+                        </p:par>
+                      </p:childTnLst>
+                    </p:cTn>
+                  </p:par>
+                  <p:par>
+                    <p:cTn id="28" fill="hold">
+                      <p:stCondLst>
+                        <p:cond delay="indefinite"/>
+                      </p:stCondLst>
+                      <p:childTnLst>
+                        <p:par>
+                          <p:cTn id="29" fill="hold">
+                            <p:stCondLst>
+                              <p:cond delay="0"/>
+                            </p:stCondLst>
+                            <p:childTnLst>
+                              <p:par>
+                                <p:cTn id="30" presetID="9" presetClass="entr" presetSubtype="0" fill="hold" grpId="0" nodeType="clickEffect">
+                                  <p:stCondLst>
+                                    <p:cond delay="0"/>
+                                  </p:stCondLst>
+                                  <p:childTnLst>
+                                    <p:set>
+                                      <p:cBhvr>
+                                        <p:cTn id="31" dur="1" fill="hold">
+                                          <p:stCondLst>
+                                            <p:cond delay="0"/>
+                                          </p:stCondLst>
+                                        </p:cTn>
+                                        <p:tgtEl>
+                                          <p:spTgt spid="3">
+                                            <p:txEl>
+                                              <p:pRg st="5" end="5"/>
+                                            </p:txEl>
+                                          </p:spTgt>
+                                        </p:tgtEl>
+                                        <p:attrNameLst>
+                                          <p:attrName>style.visibility</p:attrName>
+                                        </p:attrNameLst>
+                                      </p:cBhvr>
+                                      <p:to>
+                                        <p:strVal val="visible"/>
+                                      </p:to>
+                                    </p:set>
+                                    <p:animEffect transition="in" filter="dissolve">
+                                      <p:cBhvr>
+                                        <p:cTn id="32" dur="500"/>
+                                        <p:tgtEl>
+                                          <p:spTgt spid="3">
+                                            <p:txEl>
+                                              <p:pRg st="5" end="5"/>
                                             </p:txEl>
                                           </p:spTgt>
                                         </p:tgtEl>
